--- a/research methodology/research_methodology_pres.pptx
+++ b/research methodology/research_methodology_pres.pptx
@@ -5,7 +5,7 @@
     <p:sldMasterId id="2147483678" r:id="rId1"/>
   </p:sldMasterIdLst>
   <p:notesMasterIdLst>
-    <p:notesMasterId r:id="rId11"/>
+    <p:notesMasterId r:id="rId10"/>
   </p:notesMasterIdLst>
   <p:sldIdLst>
     <p:sldId id="257" r:id="rId2"/>
@@ -13,10 +13,9 @@
     <p:sldId id="806" r:id="rId4"/>
     <p:sldId id="650" r:id="rId5"/>
     <p:sldId id="659" r:id="rId6"/>
-    <p:sldId id="807" r:id="rId7"/>
-    <p:sldId id="313" r:id="rId8"/>
-    <p:sldId id="681" r:id="rId9"/>
-    <p:sldId id="805" r:id="rId10"/>
+    <p:sldId id="313" r:id="rId7"/>
+    <p:sldId id="681" r:id="rId8"/>
+    <p:sldId id="805" r:id="rId9"/>
   </p:sldIdLst>
   <p:sldSz cx="12192000" cy="6858000"/>
   <p:notesSz cx="6858000" cy="9144000"/>
@@ -657,7 +656,7 @@
           <a:noFill/>
           <a:extLst>
             <a:ext uri="{909E8E84-426E-40dd-AFC4-6F175D3DCCD1}">
-              <a14:hiddenFill xmlns="" xmlns:a14="http://schemas.microsoft.com/office/drawing/2010/main">
+              <a14:hiddenFill xmlns:a14="http://schemas.microsoft.com/office/drawing/2010/main" xmlns="">
                 <a:solidFill>
                   <a:srgbClr val="FFFFFF"/>
                 </a:solidFill>
@@ -717,7 +716,7 @@
             </a:ln>
             <a:extLst>
               <a:ext uri="{91240B29-F687-4f45-9708-019B960494DF}">
-                <a14:hiddenLine xmlns="" xmlns:a14="http://schemas.microsoft.com/office/drawing/2010/main" w="9525">
+                <a14:hiddenLine xmlns:a14="http://schemas.microsoft.com/office/drawing/2010/main" xmlns="" w="9525">
                   <a:solidFill>
                     <a:srgbClr val="000000"/>
                   </a:solidFill>
@@ -807,7 +806,7 @@
             </a:ln>
             <a:extLst>
               <a:ext uri="{91240B29-F687-4f45-9708-019B960494DF}">
-                <a14:hiddenLine xmlns="" xmlns:a14="http://schemas.microsoft.com/office/drawing/2010/main" w="9525">
+                <a14:hiddenLine xmlns:a14="http://schemas.microsoft.com/office/drawing/2010/main" xmlns="" w="9525">
                   <a:solidFill>
                     <a:srgbClr val="000000"/>
                   </a:solidFill>
@@ -897,7 +896,7 @@
             </a:ln>
             <a:extLst>
               <a:ext uri="{91240B29-F687-4f45-9708-019B960494DF}">
-                <a14:hiddenLine xmlns="" xmlns:a14="http://schemas.microsoft.com/office/drawing/2010/main" w="9525">
+                <a14:hiddenLine xmlns:a14="http://schemas.microsoft.com/office/drawing/2010/main" xmlns="" w="9525">
                   <a:solidFill>
                     <a:srgbClr val="000000"/>
                   </a:solidFill>
@@ -931,7 +930,7 @@
             </a:ln>
             <a:extLst>
               <a:ext uri="{91240B29-F687-4f45-9708-019B960494DF}">
-                <a14:hiddenLine xmlns="" xmlns:a14="http://schemas.microsoft.com/office/drawing/2010/main" w="9525">
+                <a14:hiddenLine xmlns:a14="http://schemas.microsoft.com/office/drawing/2010/main" xmlns="" w="9525">
                   <a:solidFill>
                     <a:srgbClr val="000000"/>
                   </a:solidFill>
@@ -1021,7 +1020,7 @@
             </a:ln>
             <a:extLst>
               <a:ext uri="{91240B29-F687-4f45-9708-019B960494DF}">
-                <a14:hiddenLine xmlns="" xmlns:a14="http://schemas.microsoft.com/office/drawing/2010/main" w="9525">
+                <a14:hiddenLine xmlns:a14="http://schemas.microsoft.com/office/drawing/2010/main" xmlns="" w="9525">
                   <a:solidFill>
                     <a:srgbClr val="000000"/>
                   </a:solidFill>
@@ -1083,7 +1082,7 @@
             </a:ln>
             <a:extLst>
               <a:ext uri="{91240B29-F687-4f45-9708-019B960494DF}">
-                <a14:hiddenLine xmlns="" xmlns:a14="http://schemas.microsoft.com/office/drawing/2010/main" w="9525">
+                <a14:hiddenLine xmlns:a14="http://schemas.microsoft.com/office/drawing/2010/main" xmlns="" w="9525">
                   <a:solidFill>
                     <a:srgbClr val="000000"/>
                   </a:solidFill>
@@ -1145,7 +1144,7 @@
             </a:ln>
             <a:extLst>
               <a:ext uri="{91240B29-F687-4f45-9708-019B960494DF}">
-                <a14:hiddenLine xmlns="" xmlns:a14="http://schemas.microsoft.com/office/drawing/2010/main" w="9525">
+                <a14:hiddenLine xmlns:a14="http://schemas.microsoft.com/office/drawing/2010/main" xmlns="" w="9525">
                   <a:solidFill>
                     <a:srgbClr val="000000"/>
                   </a:solidFill>
@@ -1235,7 +1234,7 @@
             </a:ln>
             <a:extLst>
               <a:ext uri="{91240B29-F687-4f45-9708-019B960494DF}">
-                <a14:hiddenLine xmlns="" xmlns:a14="http://schemas.microsoft.com/office/drawing/2010/main" w="9525">
+                <a14:hiddenLine xmlns:a14="http://schemas.microsoft.com/office/drawing/2010/main" xmlns="" w="9525">
                   <a:solidFill>
                     <a:srgbClr val="000000"/>
                   </a:solidFill>
@@ -1297,7 +1296,7 @@
             </a:ln>
             <a:extLst>
               <a:ext uri="{91240B29-F687-4f45-9708-019B960494DF}">
-                <a14:hiddenLine xmlns="" xmlns:a14="http://schemas.microsoft.com/office/drawing/2010/main" w="9525">
+                <a14:hiddenLine xmlns:a14="http://schemas.microsoft.com/office/drawing/2010/main" xmlns="" w="9525">
                   <a:solidFill>
                     <a:srgbClr val="000000"/>
                   </a:solidFill>
@@ -1359,7 +1358,7 @@
             </a:ln>
             <a:extLst>
               <a:ext uri="{91240B29-F687-4f45-9708-019B960494DF}">
-                <a14:hiddenLine xmlns="" xmlns:a14="http://schemas.microsoft.com/office/drawing/2010/main" w="9525">
+                <a14:hiddenLine xmlns:a14="http://schemas.microsoft.com/office/drawing/2010/main" xmlns="" w="9525">
                   <a:solidFill>
                     <a:srgbClr val="000000"/>
                   </a:solidFill>
@@ -1449,7 +1448,7 @@
             </a:ln>
             <a:extLst>
               <a:ext uri="{91240B29-F687-4f45-9708-019B960494DF}">
-                <a14:hiddenLine xmlns="" xmlns:a14="http://schemas.microsoft.com/office/drawing/2010/main" w="9525">
+                <a14:hiddenLine xmlns:a14="http://schemas.microsoft.com/office/drawing/2010/main" xmlns="" w="9525">
                   <a:solidFill>
                     <a:srgbClr val="000000"/>
                   </a:solidFill>
@@ -1539,7 +1538,7 @@
             </a:ln>
             <a:extLst>
               <a:ext uri="{91240B29-F687-4f45-9708-019B960494DF}">
-                <a14:hiddenLine xmlns="" xmlns:a14="http://schemas.microsoft.com/office/drawing/2010/main" w="9525">
+                <a14:hiddenLine xmlns:a14="http://schemas.microsoft.com/office/drawing/2010/main" xmlns="" w="9525">
                   <a:solidFill>
                     <a:srgbClr val="000000"/>
                   </a:solidFill>
@@ -1601,7 +1600,7 @@
             </a:ln>
             <a:extLst>
               <a:ext uri="{91240B29-F687-4f45-9708-019B960494DF}">
-                <a14:hiddenLine xmlns="" xmlns:a14="http://schemas.microsoft.com/office/drawing/2010/main" w="9525">
+                <a14:hiddenLine xmlns:a14="http://schemas.microsoft.com/office/drawing/2010/main" xmlns="" w="9525">
                   <a:solidFill>
                     <a:srgbClr val="000000"/>
                   </a:solidFill>
@@ -1711,7 +1710,7 @@
             </a:ln>
             <a:extLst>
               <a:ext uri="{91240B29-F687-4f45-9708-019B960494DF}">
-                <a14:hiddenLine xmlns="" xmlns:a14="http://schemas.microsoft.com/office/drawing/2010/main" w="9525">
+                <a14:hiddenLine xmlns:a14="http://schemas.microsoft.com/office/drawing/2010/main" xmlns="" w="9525">
                   <a:solidFill>
                     <a:srgbClr val="000000"/>
                   </a:solidFill>
@@ -1773,7 +1772,7 @@
             </a:ln>
             <a:extLst>
               <a:ext uri="{91240B29-F687-4f45-9708-019B960494DF}">
-                <a14:hiddenLine xmlns="" xmlns:a14="http://schemas.microsoft.com/office/drawing/2010/main" w="9525">
+                <a14:hiddenLine xmlns:a14="http://schemas.microsoft.com/office/drawing/2010/main" xmlns="" w="9525">
                   <a:solidFill>
                     <a:srgbClr val="000000"/>
                   </a:solidFill>
@@ -1863,7 +1862,7 @@
             </a:ln>
             <a:extLst>
               <a:ext uri="{91240B29-F687-4f45-9708-019B960494DF}">
-                <a14:hiddenLine xmlns="" xmlns:a14="http://schemas.microsoft.com/office/drawing/2010/main" w="9525">
+                <a14:hiddenLine xmlns:a14="http://schemas.microsoft.com/office/drawing/2010/main" xmlns="" w="9525">
                   <a:solidFill>
                     <a:srgbClr val="000000"/>
                   </a:solidFill>
@@ -1953,7 +1952,7 @@
             </a:ln>
             <a:extLst>
               <a:ext uri="{91240B29-F687-4f45-9708-019B960494DF}">
-                <a14:hiddenLine xmlns="" xmlns:a14="http://schemas.microsoft.com/office/drawing/2010/main" w="9525">
+                <a14:hiddenLine xmlns:a14="http://schemas.microsoft.com/office/drawing/2010/main" xmlns="" w="9525">
                   <a:solidFill>
                     <a:srgbClr val="000000"/>
                   </a:solidFill>
@@ -2015,7 +2014,7 @@
             </a:ln>
             <a:extLst>
               <a:ext uri="{91240B29-F687-4f45-9708-019B960494DF}">
-                <a14:hiddenLine xmlns="" xmlns:a14="http://schemas.microsoft.com/office/drawing/2010/main" w="9525">
+                <a14:hiddenLine xmlns:a14="http://schemas.microsoft.com/office/drawing/2010/main" xmlns="" w="9525">
                   <a:solidFill>
                     <a:srgbClr val="000000"/>
                   </a:solidFill>
@@ -2105,7 +2104,7 @@
             </a:ln>
             <a:extLst>
               <a:ext uri="{91240B29-F687-4f45-9708-019B960494DF}">
-                <a14:hiddenLine xmlns="" xmlns:a14="http://schemas.microsoft.com/office/drawing/2010/main" w="9525">
+                <a14:hiddenLine xmlns:a14="http://schemas.microsoft.com/office/drawing/2010/main" xmlns="" w="9525">
                   <a:solidFill>
                     <a:srgbClr val="000000"/>
                   </a:solidFill>
@@ -2195,7 +2194,7 @@
             </a:ln>
             <a:extLst>
               <a:ext uri="{91240B29-F687-4f45-9708-019B960494DF}">
-                <a14:hiddenLine xmlns="" xmlns:a14="http://schemas.microsoft.com/office/drawing/2010/main" w="9525">
+                <a14:hiddenLine xmlns:a14="http://schemas.microsoft.com/office/drawing/2010/main" xmlns="" w="9525">
                   <a:solidFill>
                     <a:srgbClr val="000000"/>
                   </a:solidFill>
@@ -2251,7 +2250,7 @@
             </a:ln>
             <a:extLst>
               <a:ext uri="{91240B29-F687-4f45-9708-019B960494DF}">
-                <a14:hiddenLine xmlns="" xmlns:a14="http://schemas.microsoft.com/office/drawing/2010/main" w="9525">
+                <a14:hiddenLine xmlns:a14="http://schemas.microsoft.com/office/drawing/2010/main" xmlns="" w="9525">
                   <a:solidFill>
                     <a:srgbClr val="000000"/>
                   </a:solidFill>
@@ -2341,7 +2340,7 @@
             </a:ln>
             <a:extLst>
               <a:ext uri="{91240B29-F687-4f45-9708-019B960494DF}">
-                <a14:hiddenLine xmlns="" xmlns:a14="http://schemas.microsoft.com/office/drawing/2010/main" w="9525">
+                <a14:hiddenLine xmlns:a14="http://schemas.microsoft.com/office/drawing/2010/main" xmlns="" w="9525">
                   <a:solidFill>
                     <a:srgbClr val="000000"/>
                   </a:solidFill>
@@ -2397,7 +2396,7 @@
             </a:ln>
             <a:extLst>
               <a:ext uri="{91240B29-F687-4f45-9708-019B960494DF}">
-                <a14:hiddenLine xmlns="" xmlns:a14="http://schemas.microsoft.com/office/drawing/2010/main" w="9525">
+                <a14:hiddenLine xmlns:a14="http://schemas.microsoft.com/office/drawing/2010/main" xmlns="" w="9525">
                   <a:solidFill>
                     <a:srgbClr val="000000"/>
                   </a:solidFill>
@@ -2487,7 +2486,7 @@
             </a:ln>
             <a:extLst>
               <a:ext uri="{91240B29-F687-4f45-9708-019B960494DF}">
-                <a14:hiddenLine xmlns="" xmlns:a14="http://schemas.microsoft.com/office/drawing/2010/main" w="9525">
+                <a14:hiddenLine xmlns:a14="http://schemas.microsoft.com/office/drawing/2010/main" xmlns="" w="9525">
                   <a:solidFill>
                     <a:srgbClr val="000000"/>
                   </a:solidFill>
@@ -2555,7 +2554,7 @@
             </a:ln>
             <a:extLst>
               <a:ext uri="{91240B29-F687-4f45-9708-019B960494DF}">
-                <a14:hiddenLine xmlns="" xmlns:a14="http://schemas.microsoft.com/office/drawing/2010/main" w="9525">
+                <a14:hiddenLine xmlns:a14="http://schemas.microsoft.com/office/drawing/2010/main" xmlns="" w="9525">
                   <a:solidFill>
                     <a:srgbClr val="000000"/>
                   </a:solidFill>
@@ -2645,7 +2644,7 @@
             </a:ln>
             <a:extLst>
               <a:ext uri="{91240B29-F687-4f45-9708-019B960494DF}">
-                <a14:hiddenLine xmlns="" xmlns:a14="http://schemas.microsoft.com/office/drawing/2010/main" w="9525">
+                <a14:hiddenLine xmlns:a14="http://schemas.microsoft.com/office/drawing/2010/main" xmlns="" w="9525">
                   <a:solidFill>
                     <a:srgbClr val="000000"/>
                   </a:solidFill>
@@ -2713,7 +2712,7 @@
             </a:ln>
             <a:extLst>
               <a:ext uri="{91240B29-F687-4f45-9708-019B960494DF}">
-                <a14:hiddenLine xmlns="" xmlns:a14="http://schemas.microsoft.com/office/drawing/2010/main" w="9525">
+                <a14:hiddenLine xmlns:a14="http://schemas.microsoft.com/office/drawing/2010/main" xmlns="" w="9525">
                   <a:solidFill>
                     <a:srgbClr val="000000"/>
                   </a:solidFill>
@@ -2803,7 +2802,7 @@
             </a:ln>
             <a:extLst>
               <a:ext uri="{91240B29-F687-4f45-9708-019B960494DF}">
-                <a14:hiddenLine xmlns="" xmlns:a14="http://schemas.microsoft.com/office/drawing/2010/main" w="9525">
+                <a14:hiddenLine xmlns:a14="http://schemas.microsoft.com/office/drawing/2010/main" xmlns="" w="9525">
                   <a:solidFill>
                     <a:srgbClr val="000000"/>
                   </a:solidFill>
@@ -2837,7 +2836,7 @@
             </a:ln>
             <a:extLst>
               <a:ext uri="{91240B29-F687-4f45-9708-019B960494DF}">
-                <a14:hiddenLine xmlns="" xmlns:a14="http://schemas.microsoft.com/office/drawing/2010/main" w="9525">
+                <a14:hiddenLine xmlns:a14="http://schemas.microsoft.com/office/drawing/2010/main" xmlns="" w="9525">
                   <a:solidFill>
                     <a:srgbClr val="000000"/>
                   </a:solidFill>
@@ -2927,7 +2926,7 @@
             </a:ln>
             <a:extLst>
               <a:ext uri="{91240B29-F687-4f45-9708-019B960494DF}">
-                <a14:hiddenLine xmlns="" xmlns:a14="http://schemas.microsoft.com/office/drawing/2010/main" w="9525">
+                <a14:hiddenLine xmlns:a14="http://schemas.microsoft.com/office/drawing/2010/main" xmlns="" w="9525">
                   <a:solidFill>
                     <a:srgbClr val="000000"/>
                   </a:solidFill>
@@ -2989,7 +2988,7 @@
             </a:ln>
             <a:extLst>
               <a:ext uri="{91240B29-F687-4f45-9708-019B960494DF}">
-                <a14:hiddenLine xmlns="" xmlns:a14="http://schemas.microsoft.com/office/drawing/2010/main" w="9525">
+                <a14:hiddenLine xmlns:a14="http://schemas.microsoft.com/office/drawing/2010/main" xmlns="" w="9525">
                   <a:solidFill>
                     <a:srgbClr val="000000"/>
                   </a:solidFill>
@@ -3051,7 +3050,7 @@
             </a:ln>
             <a:extLst>
               <a:ext uri="{91240B29-F687-4f45-9708-019B960494DF}">
-                <a14:hiddenLine xmlns="" xmlns:a14="http://schemas.microsoft.com/office/drawing/2010/main" w="9525">
+                <a14:hiddenLine xmlns:a14="http://schemas.microsoft.com/office/drawing/2010/main" xmlns="" w="9525">
                   <a:solidFill>
                     <a:srgbClr val="000000"/>
                   </a:solidFill>
@@ -3141,7 +3140,7 @@
             </a:ln>
             <a:extLst>
               <a:ext uri="{91240B29-F687-4f45-9708-019B960494DF}">
-                <a14:hiddenLine xmlns="" xmlns:a14="http://schemas.microsoft.com/office/drawing/2010/main" w="9525">
+                <a14:hiddenLine xmlns:a14="http://schemas.microsoft.com/office/drawing/2010/main" xmlns="" w="9525">
                   <a:solidFill>
                     <a:srgbClr val="000000"/>
                   </a:solidFill>
@@ -3209,7 +3208,7 @@
             </a:ln>
             <a:extLst>
               <a:ext uri="{91240B29-F687-4f45-9708-019B960494DF}">
-                <a14:hiddenLine xmlns="" xmlns:a14="http://schemas.microsoft.com/office/drawing/2010/main" w="9525">
+                <a14:hiddenLine xmlns:a14="http://schemas.microsoft.com/office/drawing/2010/main" xmlns="" w="9525">
                   <a:solidFill>
                     <a:srgbClr val="000000"/>
                   </a:solidFill>
@@ -3271,7 +3270,7 @@
             </a:ln>
             <a:extLst>
               <a:ext uri="{91240B29-F687-4f45-9708-019B960494DF}">
-                <a14:hiddenLine xmlns="" xmlns:a14="http://schemas.microsoft.com/office/drawing/2010/main" w="9525">
+                <a14:hiddenLine xmlns:a14="http://schemas.microsoft.com/office/drawing/2010/main" xmlns="" w="9525">
                   <a:solidFill>
                     <a:srgbClr val="000000"/>
                   </a:solidFill>
@@ -3361,7 +3360,7 @@
             </a:ln>
             <a:extLst>
               <a:ext uri="{91240B29-F687-4f45-9708-019B960494DF}">
-                <a14:hiddenLine xmlns="" xmlns:a14="http://schemas.microsoft.com/office/drawing/2010/main" w="9525">
+                <a14:hiddenLine xmlns:a14="http://schemas.microsoft.com/office/drawing/2010/main" xmlns="" w="9525">
                   <a:solidFill>
                     <a:srgbClr val="000000"/>
                   </a:solidFill>
@@ -3423,7 +3422,7 @@
             </a:ln>
             <a:extLst>
               <a:ext uri="{91240B29-F687-4f45-9708-019B960494DF}">
-                <a14:hiddenLine xmlns="" xmlns:a14="http://schemas.microsoft.com/office/drawing/2010/main" w="9525">
+                <a14:hiddenLine xmlns:a14="http://schemas.microsoft.com/office/drawing/2010/main" xmlns="" w="9525">
                   <a:solidFill>
                     <a:srgbClr val="000000"/>
                   </a:solidFill>
@@ -3513,7 +3512,7 @@
             </a:ln>
             <a:extLst>
               <a:ext uri="{91240B29-F687-4f45-9708-019B960494DF}">
-                <a14:hiddenLine xmlns="" xmlns:a14="http://schemas.microsoft.com/office/drawing/2010/main" w="9525">
+                <a14:hiddenLine xmlns:a14="http://schemas.microsoft.com/office/drawing/2010/main" xmlns="" w="9525">
                   <a:solidFill>
                     <a:srgbClr val="000000"/>
                   </a:solidFill>
@@ -3575,7 +3574,7 @@
             </a:ln>
             <a:extLst>
               <a:ext uri="{91240B29-F687-4f45-9708-019B960494DF}">
-                <a14:hiddenLine xmlns="" xmlns:a14="http://schemas.microsoft.com/office/drawing/2010/main" w="9525">
+                <a14:hiddenLine xmlns:a14="http://schemas.microsoft.com/office/drawing/2010/main" xmlns="" w="9525">
                   <a:solidFill>
                     <a:srgbClr val="000000"/>
                   </a:solidFill>
@@ -3665,7 +3664,7 @@
             </a:ln>
             <a:extLst>
               <a:ext uri="{91240B29-F687-4f45-9708-019B960494DF}">
-                <a14:hiddenLine xmlns="" xmlns:a14="http://schemas.microsoft.com/office/drawing/2010/main" w="9525">
+                <a14:hiddenLine xmlns:a14="http://schemas.microsoft.com/office/drawing/2010/main" xmlns="" w="9525">
                   <a:solidFill>
                     <a:srgbClr val="000000"/>
                   </a:solidFill>
@@ -3699,7 +3698,7 @@
             </a:ln>
             <a:extLst>
               <a:ext uri="{91240B29-F687-4f45-9708-019B960494DF}">
-                <a14:hiddenLine xmlns="" xmlns:a14="http://schemas.microsoft.com/office/drawing/2010/main" w="9525">
+                <a14:hiddenLine xmlns:a14="http://schemas.microsoft.com/office/drawing/2010/main" xmlns="" w="9525">
                   <a:solidFill>
                     <a:srgbClr val="000000"/>
                   </a:solidFill>
@@ -3764,7 +3763,7 @@
             </a:ln>
             <a:extLst>
               <a:ext uri="{91240B29-F687-4f45-9708-019B960494DF}">
-                <a14:hiddenLine xmlns="" xmlns:a14="http://schemas.microsoft.com/office/drawing/2010/main" w="9525">
+                <a14:hiddenLine xmlns:a14="http://schemas.microsoft.com/office/drawing/2010/main" xmlns="" w="9525">
                   <a:solidFill>
                     <a:srgbClr val="000000"/>
                   </a:solidFill>
@@ -3854,7 +3853,7 @@
             </a:ln>
             <a:extLst>
               <a:ext uri="{91240B29-F687-4f45-9708-019B960494DF}">
-                <a14:hiddenLine xmlns="" xmlns:a14="http://schemas.microsoft.com/office/drawing/2010/main" w="9525">
+                <a14:hiddenLine xmlns:a14="http://schemas.microsoft.com/office/drawing/2010/main" xmlns="" w="9525">
                   <a:solidFill>
                     <a:srgbClr val="000000"/>
                   </a:solidFill>
@@ -3916,7 +3915,7 @@
             </a:ln>
             <a:extLst>
               <a:ext uri="{91240B29-F687-4f45-9708-019B960494DF}">
-                <a14:hiddenLine xmlns="" xmlns:a14="http://schemas.microsoft.com/office/drawing/2010/main" w="9525">
+                <a14:hiddenLine xmlns:a14="http://schemas.microsoft.com/office/drawing/2010/main" xmlns="" w="9525">
                   <a:solidFill>
                     <a:srgbClr val="000000"/>
                   </a:solidFill>
@@ -4006,7 +4005,7 @@
             </a:ln>
             <a:extLst>
               <a:ext uri="{91240B29-F687-4f45-9708-019B960494DF}">
-                <a14:hiddenLine xmlns="" xmlns:a14="http://schemas.microsoft.com/office/drawing/2010/main" w="9525">
+                <a14:hiddenLine xmlns:a14="http://schemas.microsoft.com/office/drawing/2010/main" xmlns="" w="9525">
                   <a:solidFill>
                     <a:srgbClr val="000000"/>
                   </a:solidFill>
@@ -4096,7 +4095,7 @@
             </a:ln>
             <a:extLst>
               <a:ext uri="{91240B29-F687-4f45-9708-019B960494DF}">
-                <a14:hiddenLine xmlns="" xmlns:a14="http://schemas.microsoft.com/office/drawing/2010/main" w="9525">
+                <a14:hiddenLine xmlns:a14="http://schemas.microsoft.com/office/drawing/2010/main" xmlns="" w="9525">
                   <a:solidFill>
                     <a:srgbClr val="000000"/>
                   </a:solidFill>
@@ -4161,7 +4160,7 @@
             </a:ln>
             <a:extLst>
               <a:ext uri="{91240B29-F687-4f45-9708-019B960494DF}">
-                <a14:hiddenLine xmlns="" xmlns:a14="http://schemas.microsoft.com/office/drawing/2010/main" w="9525">
+                <a14:hiddenLine xmlns:a14="http://schemas.microsoft.com/office/drawing/2010/main" xmlns="" w="9525">
                   <a:solidFill>
                     <a:srgbClr val="000000"/>
                   </a:solidFill>
@@ -4223,7 +4222,7 @@
             </a:ln>
             <a:extLst>
               <a:ext uri="{91240B29-F687-4f45-9708-019B960494DF}">
-                <a14:hiddenLine xmlns="" xmlns:a14="http://schemas.microsoft.com/office/drawing/2010/main" w="9525">
+                <a14:hiddenLine xmlns:a14="http://schemas.microsoft.com/office/drawing/2010/main" xmlns="" w="9525">
                   <a:solidFill>
                     <a:srgbClr val="000000"/>
                   </a:solidFill>
@@ -4313,7 +4312,7 @@
             </a:ln>
             <a:extLst>
               <a:ext uri="{91240B29-F687-4f45-9708-019B960494DF}">
-                <a14:hiddenLine xmlns="" xmlns:a14="http://schemas.microsoft.com/office/drawing/2010/main" w="9525">
+                <a14:hiddenLine xmlns:a14="http://schemas.microsoft.com/office/drawing/2010/main" xmlns="" w="9525">
                   <a:solidFill>
                     <a:srgbClr val="000000"/>
                   </a:solidFill>
@@ -4403,7 +4402,7 @@
             </a:ln>
             <a:extLst>
               <a:ext uri="{91240B29-F687-4f45-9708-019B960494DF}">
-                <a14:hiddenLine xmlns="" xmlns:a14="http://schemas.microsoft.com/office/drawing/2010/main" w="9525">
+                <a14:hiddenLine xmlns:a14="http://schemas.microsoft.com/office/drawing/2010/main" xmlns="" w="9525">
                   <a:solidFill>
                     <a:srgbClr val="000000"/>
                   </a:solidFill>
@@ -4465,7 +4464,7 @@
             </a:ln>
             <a:extLst>
               <a:ext uri="{91240B29-F687-4f45-9708-019B960494DF}">
-                <a14:hiddenLine xmlns="" xmlns:a14="http://schemas.microsoft.com/office/drawing/2010/main" w="9525">
+                <a14:hiddenLine xmlns:a14="http://schemas.microsoft.com/office/drawing/2010/main" xmlns="" w="9525">
                   <a:solidFill>
                     <a:srgbClr val="000000"/>
                   </a:solidFill>
@@ -4585,7 +4584,7 @@
             </a:ln>
             <a:extLst>
               <a:ext uri="{91240B29-F687-4f45-9708-019B960494DF}">
-                <a14:hiddenLine xmlns="" xmlns:a14="http://schemas.microsoft.com/office/drawing/2010/main" w="9525">
+                <a14:hiddenLine xmlns:a14="http://schemas.microsoft.com/office/drawing/2010/main" xmlns="" w="9525">
                   <a:solidFill>
                     <a:srgbClr val="000000"/>
                   </a:solidFill>
@@ -4653,7 +4652,7 @@
             </a:ln>
             <a:extLst>
               <a:ext uri="{91240B29-F687-4f45-9708-019B960494DF}">
-                <a14:hiddenLine xmlns="" xmlns:a14="http://schemas.microsoft.com/office/drawing/2010/main" w="9525">
+                <a14:hiddenLine xmlns:a14="http://schemas.microsoft.com/office/drawing/2010/main" xmlns="" w="9525">
                   <a:solidFill>
                     <a:srgbClr val="000000"/>
                   </a:solidFill>
@@ -4743,7 +4742,7 @@
             </a:ln>
             <a:extLst>
               <a:ext uri="{91240B29-F687-4f45-9708-019B960494DF}">
-                <a14:hiddenLine xmlns="" xmlns:a14="http://schemas.microsoft.com/office/drawing/2010/main" w="9525">
+                <a14:hiddenLine xmlns:a14="http://schemas.microsoft.com/office/drawing/2010/main" xmlns="" w="9525">
                   <a:solidFill>
                     <a:srgbClr val="000000"/>
                   </a:solidFill>
@@ -10048,7 +10047,7 @@
           <a:noFill/>
           <a:extLst>
             <a:ext uri="{909E8E84-426E-40dd-AFC4-6F175D3DCCD1}">
-              <a14:hiddenFill xmlns="" xmlns:a14="http://schemas.microsoft.com/office/drawing/2010/main">
+              <a14:hiddenFill xmlns:a14="http://schemas.microsoft.com/office/drawing/2010/main" xmlns="">
                 <a:solidFill>
                   <a:srgbClr val="FFFFFF"/>
                 </a:solidFill>
@@ -10122,7 +10121,7 @@
               </a:ln>
               <a:extLst>
                 <a:ext uri="{91240B29-F687-4f45-9708-019B960494DF}">
-                  <a14:hiddenLine xmlns="" xmlns:a14="http://schemas.microsoft.com/office/drawing/2010/main" w="9525">
+                  <a14:hiddenLine xmlns:a14="http://schemas.microsoft.com/office/drawing/2010/main" xmlns="" w="9525">
                     <a:solidFill>
                       <a:srgbClr val="000000"/>
                     </a:solidFill>
@@ -10212,7 +10211,7 @@
               </a:ln>
               <a:extLst>
                 <a:ext uri="{91240B29-F687-4f45-9708-019B960494DF}">
-                  <a14:hiddenLine xmlns="" xmlns:a14="http://schemas.microsoft.com/office/drawing/2010/main" w="9525">
+                  <a14:hiddenLine xmlns:a14="http://schemas.microsoft.com/office/drawing/2010/main" xmlns="" w="9525">
                     <a:solidFill>
                       <a:srgbClr val="000000"/>
                     </a:solidFill>
@@ -10302,7 +10301,7 @@
               </a:ln>
               <a:extLst>
                 <a:ext uri="{91240B29-F687-4f45-9708-019B960494DF}">
-                  <a14:hiddenLine xmlns="" xmlns:a14="http://schemas.microsoft.com/office/drawing/2010/main" w="9525">
+                  <a14:hiddenLine xmlns:a14="http://schemas.microsoft.com/office/drawing/2010/main" xmlns="" w="9525">
                     <a:solidFill>
                       <a:srgbClr val="000000"/>
                     </a:solidFill>
@@ -10364,7 +10363,7 @@
               </a:ln>
               <a:extLst>
                 <a:ext uri="{91240B29-F687-4f45-9708-019B960494DF}">
-                  <a14:hiddenLine xmlns="" xmlns:a14="http://schemas.microsoft.com/office/drawing/2010/main" w="9525">
+                  <a14:hiddenLine xmlns:a14="http://schemas.microsoft.com/office/drawing/2010/main" xmlns="" w="9525">
                     <a:solidFill>
                       <a:srgbClr val="000000"/>
                     </a:solidFill>
@@ -10454,7 +10453,7 @@
               </a:ln>
               <a:extLst>
                 <a:ext uri="{91240B29-F687-4f45-9708-019B960494DF}">
-                  <a14:hiddenLine xmlns="" xmlns:a14="http://schemas.microsoft.com/office/drawing/2010/main" w="9525">
+                  <a14:hiddenLine xmlns:a14="http://schemas.microsoft.com/office/drawing/2010/main" xmlns="" w="9525">
                     <a:solidFill>
                       <a:srgbClr val="000000"/>
                     </a:solidFill>
@@ -10516,7 +10515,7 @@
               </a:ln>
               <a:extLst>
                 <a:ext uri="{91240B29-F687-4f45-9708-019B960494DF}">
-                  <a14:hiddenLine xmlns="" xmlns:a14="http://schemas.microsoft.com/office/drawing/2010/main" w="9525">
+                  <a14:hiddenLine xmlns:a14="http://schemas.microsoft.com/office/drawing/2010/main" xmlns="" w="9525">
                     <a:solidFill>
                       <a:srgbClr val="000000"/>
                     </a:solidFill>
@@ -10578,7 +10577,7 @@
               </a:ln>
               <a:extLst>
                 <a:ext uri="{91240B29-F687-4f45-9708-019B960494DF}">
-                  <a14:hiddenLine xmlns="" xmlns:a14="http://schemas.microsoft.com/office/drawing/2010/main" w="9525">
+                  <a14:hiddenLine xmlns:a14="http://schemas.microsoft.com/office/drawing/2010/main" xmlns="" w="9525">
                     <a:solidFill>
                       <a:srgbClr val="000000"/>
                     </a:solidFill>
@@ -10668,7 +10667,7 @@
               </a:ln>
               <a:extLst>
                 <a:ext uri="{91240B29-F687-4f45-9708-019B960494DF}">
-                  <a14:hiddenLine xmlns="" xmlns:a14="http://schemas.microsoft.com/office/drawing/2010/main" w="9525">
+                  <a14:hiddenLine xmlns:a14="http://schemas.microsoft.com/office/drawing/2010/main" xmlns="" w="9525">
                     <a:solidFill>
                       <a:srgbClr val="000000"/>
                     </a:solidFill>
@@ -10758,7 +10757,7 @@
               </a:ln>
               <a:extLst>
                 <a:ext uri="{91240B29-F687-4f45-9708-019B960494DF}">
-                  <a14:hiddenLine xmlns="" xmlns:a14="http://schemas.microsoft.com/office/drawing/2010/main" w="9525">
+                  <a14:hiddenLine xmlns:a14="http://schemas.microsoft.com/office/drawing/2010/main" xmlns="" w="9525">
                     <a:solidFill>
                       <a:srgbClr val="000000"/>
                     </a:solidFill>
@@ -10820,7 +10819,7 @@
               </a:ln>
               <a:extLst>
                 <a:ext uri="{91240B29-F687-4f45-9708-019B960494DF}">
-                  <a14:hiddenLine xmlns="" xmlns:a14="http://schemas.microsoft.com/office/drawing/2010/main" w="9525">
+                  <a14:hiddenLine xmlns:a14="http://schemas.microsoft.com/office/drawing/2010/main" xmlns="" w="9525">
                     <a:solidFill>
                       <a:srgbClr val="000000"/>
                     </a:solidFill>
@@ -10930,7 +10929,7 @@
               </a:ln>
               <a:extLst>
                 <a:ext uri="{91240B29-F687-4f45-9708-019B960494DF}">
-                  <a14:hiddenLine xmlns="" xmlns:a14="http://schemas.microsoft.com/office/drawing/2010/main" w="9525">
+                  <a14:hiddenLine xmlns:a14="http://schemas.microsoft.com/office/drawing/2010/main" xmlns="" w="9525">
                     <a:solidFill>
                       <a:srgbClr val="000000"/>
                     </a:solidFill>
@@ -11014,7 +11013,7 @@
               </a:ln>
               <a:extLst>
                 <a:ext uri="{91240B29-F687-4f45-9708-019B960494DF}">
-                  <a14:hiddenLine xmlns="" xmlns:a14="http://schemas.microsoft.com/office/drawing/2010/main" w="9525">
+                  <a14:hiddenLine xmlns:a14="http://schemas.microsoft.com/office/drawing/2010/main" xmlns="" w="9525">
                     <a:solidFill>
                       <a:srgbClr val="000000"/>
                     </a:solidFill>
@@ -11076,7 +11075,7 @@
               </a:ln>
               <a:extLst>
                 <a:ext uri="{91240B29-F687-4f45-9708-019B960494DF}">
-                  <a14:hiddenLine xmlns="" xmlns:a14="http://schemas.microsoft.com/office/drawing/2010/main" w="9525">
+                  <a14:hiddenLine xmlns:a14="http://schemas.microsoft.com/office/drawing/2010/main" xmlns="" w="9525">
                     <a:solidFill>
                       <a:srgbClr val="000000"/>
                     </a:solidFill>
@@ -11138,7 +11137,7 @@
               </a:ln>
               <a:extLst>
                 <a:ext uri="{91240B29-F687-4f45-9708-019B960494DF}">
-                  <a14:hiddenLine xmlns="" xmlns:a14="http://schemas.microsoft.com/office/drawing/2010/main" w="9525">
+                  <a14:hiddenLine xmlns:a14="http://schemas.microsoft.com/office/drawing/2010/main" xmlns="" w="9525">
                     <a:solidFill>
                       <a:srgbClr val="000000"/>
                     </a:solidFill>
@@ -11228,7 +11227,7 @@
               </a:ln>
               <a:extLst>
                 <a:ext uri="{91240B29-F687-4f45-9708-019B960494DF}">
-                  <a14:hiddenLine xmlns="" xmlns:a14="http://schemas.microsoft.com/office/drawing/2010/main" w="9525">
+                  <a14:hiddenLine xmlns:a14="http://schemas.microsoft.com/office/drawing/2010/main" xmlns="" w="9525">
                     <a:solidFill>
                       <a:srgbClr val="000000"/>
                     </a:solidFill>
@@ -11262,7 +11261,7 @@
               </a:ln>
               <a:extLst>
                 <a:ext uri="{91240B29-F687-4f45-9708-019B960494DF}">
-                  <a14:hiddenLine xmlns="" xmlns:a14="http://schemas.microsoft.com/office/drawing/2010/main" w="9525">
+                  <a14:hiddenLine xmlns:a14="http://schemas.microsoft.com/office/drawing/2010/main" xmlns="" w="9525">
                     <a:solidFill>
                       <a:srgbClr val="000000"/>
                     </a:solidFill>
@@ -11327,7 +11326,7 @@
               </a:ln>
               <a:extLst>
                 <a:ext uri="{91240B29-F687-4f45-9708-019B960494DF}">
-                  <a14:hiddenLine xmlns="" xmlns:a14="http://schemas.microsoft.com/office/drawing/2010/main" w="9525">
+                  <a14:hiddenLine xmlns:a14="http://schemas.microsoft.com/office/drawing/2010/main" xmlns="" w="9525">
                     <a:solidFill>
                       <a:srgbClr val="000000"/>
                     </a:solidFill>
@@ -11417,7 +11416,7 @@
               </a:ln>
               <a:extLst>
                 <a:ext uri="{91240B29-F687-4f45-9708-019B960494DF}">
-                  <a14:hiddenLine xmlns="" xmlns:a14="http://schemas.microsoft.com/office/drawing/2010/main" w="9525">
+                  <a14:hiddenLine xmlns:a14="http://schemas.microsoft.com/office/drawing/2010/main" xmlns="" w="9525">
                     <a:solidFill>
                       <a:srgbClr val="000000"/>
                     </a:solidFill>
@@ -11479,7 +11478,7 @@
               </a:ln>
               <a:extLst>
                 <a:ext uri="{91240B29-F687-4f45-9708-019B960494DF}">
-                  <a14:hiddenLine xmlns="" xmlns:a14="http://schemas.microsoft.com/office/drawing/2010/main" w="9525">
+                  <a14:hiddenLine xmlns:a14="http://schemas.microsoft.com/office/drawing/2010/main" xmlns="" w="9525">
                     <a:solidFill>
                       <a:srgbClr val="000000"/>
                     </a:solidFill>
@@ -11569,7 +11568,7 @@
               </a:ln>
               <a:extLst>
                 <a:ext uri="{91240B29-F687-4f45-9708-019B960494DF}">
-                  <a14:hiddenLine xmlns="" xmlns:a14="http://schemas.microsoft.com/office/drawing/2010/main" w="9525">
+                  <a14:hiddenLine xmlns:a14="http://schemas.microsoft.com/office/drawing/2010/main" xmlns="" w="9525">
                     <a:solidFill>
                       <a:srgbClr val="000000"/>
                     </a:solidFill>
@@ -11634,7 +11633,7 @@
               </a:ln>
               <a:extLst>
                 <a:ext uri="{91240B29-F687-4f45-9708-019B960494DF}">
-                  <a14:hiddenLine xmlns="" xmlns:a14="http://schemas.microsoft.com/office/drawing/2010/main" w="9525">
+                  <a14:hiddenLine xmlns:a14="http://schemas.microsoft.com/office/drawing/2010/main" xmlns="" w="9525">
                     <a:solidFill>
                       <a:srgbClr val="000000"/>
                     </a:solidFill>
@@ -11696,7 +11695,7 @@
               </a:ln>
               <a:extLst>
                 <a:ext uri="{91240B29-F687-4f45-9708-019B960494DF}">
-                  <a14:hiddenLine xmlns="" xmlns:a14="http://schemas.microsoft.com/office/drawing/2010/main" w="9525">
+                  <a14:hiddenLine xmlns:a14="http://schemas.microsoft.com/office/drawing/2010/main" xmlns="" w="9525">
                     <a:solidFill>
                       <a:srgbClr val="000000"/>
                     </a:solidFill>
@@ -11786,7 +11785,7 @@
               </a:ln>
               <a:extLst>
                 <a:ext uri="{91240B29-F687-4f45-9708-019B960494DF}">
-                  <a14:hiddenLine xmlns="" xmlns:a14="http://schemas.microsoft.com/office/drawing/2010/main" w="9525">
+                  <a14:hiddenLine xmlns:a14="http://schemas.microsoft.com/office/drawing/2010/main" xmlns="" w="9525">
                     <a:solidFill>
                       <a:srgbClr val="000000"/>
                     </a:solidFill>
@@ -11876,7 +11875,7 @@
               </a:ln>
               <a:extLst>
                 <a:ext uri="{91240B29-F687-4f45-9708-019B960494DF}">
-                  <a14:hiddenLine xmlns="" xmlns:a14="http://schemas.microsoft.com/office/drawing/2010/main" w="9525">
+                  <a14:hiddenLine xmlns:a14="http://schemas.microsoft.com/office/drawing/2010/main" xmlns="" w="9525">
                     <a:solidFill>
                       <a:srgbClr val="000000"/>
                     </a:solidFill>
@@ -11941,7 +11940,7 @@
               </a:ln>
               <a:extLst>
                 <a:ext uri="{91240B29-F687-4f45-9708-019B960494DF}">
-                  <a14:hiddenLine xmlns="" xmlns:a14="http://schemas.microsoft.com/office/drawing/2010/main" w="9525">
+                  <a14:hiddenLine xmlns:a14="http://schemas.microsoft.com/office/drawing/2010/main" xmlns="" w="9525">
                     <a:solidFill>
                       <a:srgbClr val="000000"/>
                     </a:solidFill>
@@ -12061,7 +12060,7 @@
               </a:ln>
               <a:extLst>
                 <a:ext uri="{91240B29-F687-4f45-9708-019B960494DF}">
-                  <a14:hiddenLine xmlns="" xmlns:a14="http://schemas.microsoft.com/office/drawing/2010/main" w="9525">
+                  <a14:hiddenLine xmlns:a14="http://schemas.microsoft.com/office/drawing/2010/main" xmlns="" w="9525">
                     <a:solidFill>
                       <a:srgbClr val="000000"/>
                     </a:solidFill>
@@ -12159,7 +12158,7 @@
               </a:ln>
               <a:extLst>
                 <a:ext uri="{91240B29-F687-4f45-9708-019B960494DF}">
-                  <a14:hiddenLine xmlns="" xmlns:a14="http://schemas.microsoft.com/office/drawing/2010/main" w="9525">
+                  <a14:hiddenLine xmlns:a14="http://schemas.microsoft.com/office/drawing/2010/main" xmlns="" w="9525">
                     <a:solidFill>
                       <a:srgbClr val="000000"/>
                     </a:solidFill>
@@ -12274,7 +12273,7 @@
               </a:ln>
               <a:extLst>
                 <a:ext uri="{91240B29-F687-4f45-9708-019B960494DF}">
-                  <a14:hiddenLine xmlns="" xmlns:a14="http://schemas.microsoft.com/office/drawing/2010/main" w="9525">
+                  <a14:hiddenLine xmlns:a14="http://schemas.microsoft.com/office/drawing/2010/main" xmlns="" w="9525">
                     <a:solidFill>
                       <a:srgbClr val="000000"/>
                     </a:solidFill>
@@ -12364,7 +12363,7 @@
               </a:ln>
               <a:extLst>
                 <a:ext uri="{91240B29-F687-4f45-9708-019B960494DF}">
-                  <a14:hiddenLine xmlns="" xmlns:a14="http://schemas.microsoft.com/office/drawing/2010/main" w="9525">
+                  <a14:hiddenLine xmlns:a14="http://schemas.microsoft.com/office/drawing/2010/main" xmlns="" w="9525">
                     <a:solidFill>
                       <a:srgbClr val="000000"/>
                     </a:solidFill>
@@ -12429,7 +12428,7 @@
               </a:ln>
               <a:extLst>
                 <a:ext uri="{91240B29-F687-4f45-9708-019B960494DF}">
-                  <a14:hiddenLine xmlns="" xmlns:a14="http://schemas.microsoft.com/office/drawing/2010/main" w="9525">
+                  <a14:hiddenLine xmlns:a14="http://schemas.microsoft.com/office/drawing/2010/main" xmlns="" w="9525">
                     <a:solidFill>
                       <a:srgbClr val="000000"/>
                     </a:solidFill>
@@ -12519,7 +12518,7 @@
               </a:ln>
               <a:extLst>
                 <a:ext uri="{91240B29-F687-4f45-9708-019B960494DF}">
-                  <a14:hiddenLine xmlns="" xmlns:a14="http://schemas.microsoft.com/office/drawing/2010/main" w="9525">
+                  <a14:hiddenLine xmlns:a14="http://schemas.microsoft.com/office/drawing/2010/main" xmlns="" w="9525">
                     <a:solidFill>
                       <a:srgbClr val="000000"/>
                     </a:solidFill>
@@ -12587,7 +12586,7 @@
               </a:ln>
               <a:extLst>
                 <a:ext uri="{91240B29-F687-4f45-9708-019B960494DF}">
-                  <a14:hiddenLine xmlns="" xmlns:a14="http://schemas.microsoft.com/office/drawing/2010/main" w="9525">
+                  <a14:hiddenLine xmlns:a14="http://schemas.microsoft.com/office/drawing/2010/main" xmlns="" w="9525">
                     <a:solidFill>
                       <a:srgbClr val="000000"/>
                     </a:solidFill>
@@ -12677,7 +12676,7 @@
               </a:ln>
               <a:extLst>
                 <a:ext uri="{91240B29-F687-4f45-9708-019B960494DF}">
-                  <a14:hiddenLine xmlns="" xmlns:a14="http://schemas.microsoft.com/office/drawing/2010/main" w="9525">
+                  <a14:hiddenLine xmlns:a14="http://schemas.microsoft.com/office/drawing/2010/main" xmlns="" w="9525">
                     <a:solidFill>
                       <a:srgbClr val="000000"/>
                     </a:solidFill>
@@ -12745,7 +12744,7 @@
               </a:ln>
               <a:extLst>
                 <a:ext uri="{91240B29-F687-4f45-9708-019B960494DF}">
-                  <a14:hiddenLine xmlns="" xmlns:a14="http://schemas.microsoft.com/office/drawing/2010/main" w="9525">
+                  <a14:hiddenLine xmlns:a14="http://schemas.microsoft.com/office/drawing/2010/main" xmlns="" w="9525">
                     <a:solidFill>
                       <a:srgbClr val="000000"/>
                     </a:solidFill>
@@ -12835,7 +12834,7 @@
               </a:ln>
               <a:extLst>
                 <a:ext uri="{91240B29-F687-4f45-9708-019B960494DF}">
-                  <a14:hiddenLine xmlns="" xmlns:a14="http://schemas.microsoft.com/office/drawing/2010/main" w="9525">
+                  <a14:hiddenLine xmlns:a14="http://schemas.microsoft.com/office/drawing/2010/main" xmlns="" w="9525">
                     <a:solidFill>
                       <a:srgbClr val="000000"/>
                     </a:solidFill>
@@ -12869,7 +12868,7 @@
               </a:ln>
               <a:extLst>
                 <a:ext uri="{91240B29-F687-4f45-9708-019B960494DF}">
-                  <a14:hiddenLine xmlns="" xmlns:a14="http://schemas.microsoft.com/office/drawing/2010/main" w="9525">
+                  <a14:hiddenLine xmlns:a14="http://schemas.microsoft.com/office/drawing/2010/main" xmlns="" w="9525">
                     <a:solidFill>
                       <a:srgbClr val="000000"/>
                     </a:solidFill>
@@ -13990,7 +13989,7 @@
           <a:noFill/>
           <a:extLst>
             <a:ext uri="{909E8E84-426E-40dd-AFC4-6F175D3DCCD1}">
-              <a14:hiddenFill xmlns="" xmlns:a16="http://schemas.microsoft.com/office/drawing/2014/main" xmlns:a14="http://schemas.microsoft.com/office/drawing/2010/main" xmlns:p14="http://schemas.microsoft.com/office/powerpoint/2010/main">
+              <a14:hiddenFill xmlns:p14="http://schemas.microsoft.com/office/powerpoint/2010/main" xmlns:a14="http://schemas.microsoft.com/office/drawing/2010/main" xmlns:a16="http://schemas.microsoft.com/office/drawing/2014/main" xmlns="">
                 <a:solidFill>
                   <a:srgbClr val="FFFFFF"/>
                 </a:solidFill>
@@ -14082,7 +14081,7 @@
             </a:ln>
             <a:extLst>
               <a:ext uri="{91240B29-F687-4f45-9708-019B960494DF}">
-                <a14:hiddenLine xmlns="" xmlns:a16="http://schemas.microsoft.com/office/drawing/2014/main" xmlns:a14="http://schemas.microsoft.com/office/drawing/2010/main" xmlns:p14="http://schemas.microsoft.com/office/powerpoint/2010/main" w="9525">
+                <a14:hiddenLine xmlns:p14="http://schemas.microsoft.com/office/powerpoint/2010/main" xmlns:a14="http://schemas.microsoft.com/office/drawing/2010/main" xmlns:a16="http://schemas.microsoft.com/office/drawing/2014/main" xmlns="" w="9525">
                   <a:solidFill>
                     <a:srgbClr val="000000"/>
                   </a:solidFill>
@@ -14187,7 +14186,7 @@
             </a:ln>
             <a:extLst>
               <a:ext uri="{91240B29-F687-4f45-9708-019B960494DF}">
-                <a14:hiddenLine xmlns="" xmlns:a16="http://schemas.microsoft.com/office/drawing/2014/main" xmlns:a14="http://schemas.microsoft.com/office/drawing/2010/main" xmlns:p14="http://schemas.microsoft.com/office/powerpoint/2010/main" w="9525">
+                <a14:hiddenLine xmlns:p14="http://schemas.microsoft.com/office/powerpoint/2010/main" xmlns:a14="http://schemas.microsoft.com/office/drawing/2010/main" xmlns:a16="http://schemas.microsoft.com/office/drawing/2014/main" xmlns="" w="9525">
                   <a:solidFill>
                     <a:srgbClr val="000000"/>
                   </a:solidFill>
@@ -14292,7 +14291,7 @@
             </a:ln>
             <a:extLst>
               <a:ext uri="{91240B29-F687-4f45-9708-019B960494DF}">
-                <a14:hiddenLine xmlns="" xmlns:a16="http://schemas.microsoft.com/office/drawing/2014/main" xmlns:a14="http://schemas.microsoft.com/office/drawing/2010/main" xmlns:p14="http://schemas.microsoft.com/office/powerpoint/2010/main" w="9525">
+                <a14:hiddenLine xmlns:p14="http://schemas.microsoft.com/office/powerpoint/2010/main" xmlns:a14="http://schemas.microsoft.com/office/drawing/2010/main" xmlns:a16="http://schemas.microsoft.com/office/drawing/2014/main" xmlns="" w="9525">
                   <a:solidFill>
                     <a:srgbClr val="000000"/>
                   </a:solidFill>
@@ -14341,7 +14340,7 @@
             </a:ln>
             <a:extLst>
               <a:ext uri="{91240B29-F687-4f45-9708-019B960494DF}">
-                <a14:hiddenLine xmlns="" xmlns:a16="http://schemas.microsoft.com/office/drawing/2014/main" xmlns:a14="http://schemas.microsoft.com/office/drawing/2010/main" xmlns:p14="http://schemas.microsoft.com/office/powerpoint/2010/main" w="9525">
+                <a14:hiddenLine xmlns:p14="http://schemas.microsoft.com/office/powerpoint/2010/main" xmlns:a14="http://schemas.microsoft.com/office/drawing/2010/main" xmlns:a16="http://schemas.microsoft.com/office/drawing/2014/main" xmlns="" w="9525">
                   <a:solidFill>
                     <a:srgbClr val="000000"/>
                   </a:solidFill>
@@ -14446,7 +14445,7 @@
             </a:ln>
             <a:extLst>
               <a:ext uri="{91240B29-F687-4f45-9708-019B960494DF}">
-                <a14:hiddenLine xmlns="" xmlns:a16="http://schemas.microsoft.com/office/drawing/2014/main" xmlns:a14="http://schemas.microsoft.com/office/drawing/2010/main" xmlns:p14="http://schemas.microsoft.com/office/powerpoint/2010/main" w="9525">
+                <a14:hiddenLine xmlns:p14="http://schemas.microsoft.com/office/powerpoint/2010/main" xmlns:a14="http://schemas.microsoft.com/office/drawing/2010/main" xmlns:a16="http://schemas.microsoft.com/office/drawing/2014/main" xmlns="" w="9525">
                   <a:solidFill>
                     <a:srgbClr val="000000"/>
                   </a:solidFill>
@@ -14523,7 +14522,7 @@
             </a:ln>
             <a:extLst>
               <a:ext uri="{91240B29-F687-4f45-9708-019B960494DF}">
-                <a14:hiddenLine xmlns="" xmlns:a16="http://schemas.microsoft.com/office/drawing/2014/main" xmlns:a14="http://schemas.microsoft.com/office/drawing/2010/main" xmlns:p14="http://schemas.microsoft.com/office/powerpoint/2010/main" w="9525">
+                <a14:hiddenLine xmlns:p14="http://schemas.microsoft.com/office/powerpoint/2010/main" xmlns:a14="http://schemas.microsoft.com/office/drawing/2010/main" xmlns:a16="http://schemas.microsoft.com/office/drawing/2014/main" xmlns="" w="9525">
                   <a:solidFill>
                     <a:srgbClr val="000000"/>
                   </a:solidFill>
@@ -14600,7 +14599,7 @@
             </a:ln>
             <a:extLst>
               <a:ext uri="{91240B29-F687-4f45-9708-019B960494DF}">
-                <a14:hiddenLine xmlns="" xmlns:a16="http://schemas.microsoft.com/office/drawing/2014/main" xmlns:a14="http://schemas.microsoft.com/office/drawing/2010/main" xmlns:p14="http://schemas.microsoft.com/office/powerpoint/2010/main" w="9525">
+                <a14:hiddenLine xmlns:p14="http://schemas.microsoft.com/office/powerpoint/2010/main" xmlns:a14="http://schemas.microsoft.com/office/drawing/2010/main" xmlns:a16="http://schemas.microsoft.com/office/drawing/2014/main" xmlns="" w="9525">
                   <a:solidFill>
                     <a:srgbClr val="000000"/>
                   </a:solidFill>
@@ -14705,7 +14704,7 @@
             </a:ln>
             <a:extLst>
               <a:ext uri="{91240B29-F687-4f45-9708-019B960494DF}">
-                <a14:hiddenLine xmlns="" xmlns:a16="http://schemas.microsoft.com/office/drawing/2014/main" xmlns:a14="http://schemas.microsoft.com/office/drawing/2010/main" xmlns:p14="http://schemas.microsoft.com/office/powerpoint/2010/main" w="9525">
+                <a14:hiddenLine xmlns:p14="http://schemas.microsoft.com/office/powerpoint/2010/main" xmlns:a14="http://schemas.microsoft.com/office/drawing/2010/main" xmlns:a16="http://schemas.microsoft.com/office/drawing/2014/main" xmlns="" w="9525">
                   <a:solidFill>
                     <a:srgbClr val="000000"/>
                   </a:solidFill>
@@ -14782,7 +14781,7 @@
             </a:ln>
             <a:extLst>
               <a:ext uri="{91240B29-F687-4f45-9708-019B960494DF}">
-                <a14:hiddenLine xmlns="" xmlns:a16="http://schemas.microsoft.com/office/drawing/2014/main" xmlns:a14="http://schemas.microsoft.com/office/drawing/2010/main" xmlns:p14="http://schemas.microsoft.com/office/powerpoint/2010/main" w="9525">
+                <a14:hiddenLine xmlns:p14="http://schemas.microsoft.com/office/powerpoint/2010/main" xmlns:a14="http://schemas.microsoft.com/office/drawing/2010/main" xmlns:a16="http://schemas.microsoft.com/office/drawing/2014/main" xmlns="" w="9525">
                   <a:solidFill>
                     <a:srgbClr val="000000"/>
                   </a:solidFill>
@@ -14859,7 +14858,7 @@
             </a:ln>
             <a:extLst>
               <a:ext uri="{91240B29-F687-4f45-9708-019B960494DF}">
-                <a14:hiddenLine xmlns="" xmlns:a16="http://schemas.microsoft.com/office/drawing/2014/main" xmlns:a14="http://schemas.microsoft.com/office/drawing/2010/main" xmlns:p14="http://schemas.microsoft.com/office/powerpoint/2010/main" w="9525">
+                <a14:hiddenLine xmlns:p14="http://schemas.microsoft.com/office/powerpoint/2010/main" xmlns:a14="http://schemas.microsoft.com/office/drawing/2010/main" xmlns:a16="http://schemas.microsoft.com/office/drawing/2014/main" xmlns="" w="9525">
                   <a:solidFill>
                     <a:srgbClr val="000000"/>
                   </a:solidFill>
@@ -14964,7 +14963,7 @@
             </a:ln>
             <a:extLst>
               <a:ext uri="{91240B29-F687-4f45-9708-019B960494DF}">
-                <a14:hiddenLine xmlns="" xmlns:a16="http://schemas.microsoft.com/office/drawing/2014/main" xmlns:a14="http://schemas.microsoft.com/office/drawing/2010/main" xmlns:p14="http://schemas.microsoft.com/office/powerpoint/2010/main" w="9525">
+                <a14:hiddenLine xmlns:p14="http://schemas.microsoft.com/office/powerpoint/2010/main" xmlns:a14="http://schemas.microsoft.com/office/drawing/2010/main" xmlns:a16="http://schemas.microsoft.com/office/drawing/2014/main" xmlns="" w="9525">
                   <a:solidFill>
                     <a:srgbClr val="000000"/>
                   </a:solidFill>
@@ -15069,7 +15068,7 @@
             </a:ln>
             <a:extLst>
               <a:ext uri="{91240B29-F687-4f45-9708-019B960494DF}">
-                <a14:hiddenLine xmlns="" xmlns:a16="http://schemas.microsoft.com/office/drawing/2014/main" xmlns:a14="http://schemas.microsoft.com/office/drawing/2010/main" xmlns:p14="http://schemas.microsoft.com/office/powerpoint/2010/main" w="9525">
+                <a14:hiddenLine xmlns:p14="http://schemas.microsoft.com/office/powerpoint/2010/main" xmlns:a14="http://schemas.microsoft.com/office/drawing/2010/main" xmlns:a16="http://schemas.microsoft.com/office/drawing/2014/main" xmlns="" w="9525">
                   <a:solidFill>
                     <a:srgbClr val="000000"/>
                   </a:solidFill>
@@ -15146,7 +15145,7 @@
             </a:ln>
             <a:extLst>
               <a:ext uri="{91240B29-F687-4f45-9708-019B960494DF}">
-                <a14:hiddenLine xmlns="" xmlns:a16="http://schemas.microsoft.com/office/drawing/2014/main" xmlns:a14="http://schemas.microsoft.com/office/drawing/2010/main" xmlns:p14="http://schemas.microsoft.com/office/powerpoint/2010/main" w="9525">
+                <a14:hiddenLine xmlns:p14="http://schemas.microsoft.com/office/powerpoint/2010/main" xmlns:a14="http://schemas.microsoft.com/office/drawing/2010/main" xmlns:a16="http://schemas.microsoft.com/office/drawing/2014/main" xmlns="" w="9525">
                   <a:solidFill>
                     <a:srgbClr val="000000"/>
                   </a:solidFill>
@@ -15271,7 +15270,7 @@
             </a:ln>
             <a:extLst>
               <a:ext uri="{91240B29-F687-4f45-9708-019B960494DF}">
-                <a14:hiddenLine xmlns="" xmlns:a16="http://schemas.microsoft.com/office/drawing/2014/main" xmlns:a14="http://schemas.microsoft.com/office/drawing/2010/main" xmlns:p14="http://schemas.microsoft.com/office/powerpoint/2010/main" w="9525">
+                <a14:hiddenLine xmlns:p14="http://schemas.microsoft.com/office/powerpoint/2010/main" xmlns:a14="http://schemas.microsoft.com/office/drawing/2010/main" xmlns:a16="http://schemas.microsoft.com/office/drawing/2014/main" xmlns="" w="9525">
                   <a:solidFill>
                     <a:srgbClr val="000000"/>
                   </a:solidFill>
@@ -15348,7 +15347,7 @@
             </a:ln>
             <a:extLst>
               <a:ext uri="{91240B29-F687-4f45-9708-019B960494DF}">
-                <a14:hiddenLine xmlns="" xmlns:a16="http://schemas.microsoft.com/office/drawing/2014/main" xmlns:a14="http://schemas.microsoft.com/office/drawing/2010/main" xmlns:p14="http://schemas.microsoft.com/office/powerpoint/2010/main" w="9525">
+                <a14:hiddenLine xmlns:p14="http://schemas.microsoft.com/office/powerpoint/2010/main" xmlns:a14="http://schemas.microsoft.com/office/drawing/2010/main" xmlns:a16="http://schemas.microsoft.com/office/drawing/2014/main" xmlns="" w="9525">
                   <a:solidFill>
                     <a:srgbClr val="000000"/>
                   </a:solidFill>
@@ -15453,7 +15452,7 @@
             </a:ln>
             <a:extLst>
               <a:ext uri="{91240B29-F687-4f45-9708-019B960494DF}">
-                <a14:hiddenLine xmlns="" xmlns:a16="http://schemas.microsoft.com/office/drawing/2014/main" xmlns:a14="http://schemas.microsoft.com/office/drawing/2010/main" xmlns:p14="http://schemas.microsoft.com/office/powerpoint/2010/main" w="9525">
+                <a14:hiddenLine xmlns:p14="http://schemas.microsoft.com/office/powerpoint/2010/main" xmlns:a14="http://schemas.microsoft.com/office/drawing/2010/main" xmlns:a16="http://schemas.microsoft.com/office/drawing/2014/main" xmlns="" w="9525">
                   <a:solidFill>
                     <a:srgbClr val="000000"/>
                   </a:solidFill>
@@ -15558,7 +15557,7 @@
             </a:ln>
             <a:extLst>
               <a:ext uri="{91240B29-F687-4f45-9708-019B960494DF}">
-                <a14:hiddenLine xmlns="" xmlns:a16="http://schemas.microsoft.com/office/drawing/2014/main" xmlns:a14="http://schemas.microsoft.com/office/drawing/2010/main" xmlns:p14="http://schemas.microsoft.com/office/powerpoint/2010/main" w="9525">
+                <a14:hiddenLine xmlns:p14="http://schemas.microsoft.com/office/powerpoint/2010/main" xmlns:a14="http://schemas.microsoft.com/office/drawing/2010/main" xmlns:a16="http://schemas.microsoft.com/office/drawing/2014/main" xmlns="" w="9525">
                   <a:solidFill>
                     <a:srgbClr val="000000"/>
                   </a:solidFill>
@@ -15635,7 +15634,7 @@
             </a:ln>
             <a:extLst>
               <a:ext uri="{91240B29-F687-4f45-9708-019B960494DF}">
-                <a14:hiddenLine xmlns="" xmlns:a16="http://schemas.microsoft.com/office/drawing/2014/main" xmlns:a14="http://schemas.microsoft.com/office/drawing/2010/main" xmlns:p14="http://schemas.microsoft.com/office/powerpoint/2010/main" w="9525">
+                <a14:hiddenLine xmlns:p14="http://schemas.microsoft.com/office/powerpoint/2010/main" xmlns:a14="http://schemas.microsoft.com/office/drawing/2010/main" xmlns:a16="http://schemas.microsoft.com/office/drawing/2014/main" xmlns="" w="9525">
                   <a:solidFill>
                     <a:srgbClr val="000000"/>
                   </a:solidFill>
@@ -15740,7 +15739,7 @@
             </a:ln>
             <a:extLst>
               <a:ext uri="{91240B29-F687-4f45-9708-019B960494DF}">
-                <a14:hiddenLine xmlns="" xmlns:a16="http://schemas.microsoft.com/office/drawing/2014/main" xmlns:a14="http://schemas.microsoft.com/office/drawing/2010/main" xmlns:p14="http://schemas.microsoft.com/office/powerpoint/2010/main" w="9525">
+                <a14:hiddenLine xmlns:p14="http://schemas.microsoft.com/office/powerpoint/2010/main" xmlns:a14="http://schemas.microsoft.com/office/drawing/2010/main" xmlns:a16="http://schemas.microsoft.com/office/drawing/2014/main" xmlns="" w="9525">
                   <a:solidFill>
                     <a:srgbClr val="000000"/>
                   </a:solidFill>
@@ -15845,7 +15844,7 @@
             </a:ln>
             <a:extLst>
               <a:ext uri="{91240B29-F687-4f45-9708-019B960494DF}">
-                <a14:hiddenLine xmlns="" xmlns:a16="http://schemas.microsoft.com/office/drawing/2014/main" xmlns:a14="http://schemas.microsoft.com/office/drawing/2010/main" xmlns:p14="http://schemas.microsoft.com/office/powerpoint/2010/main" w="9525">
+                <a14:hiddenLine xmlns:p14="http://schemas.microsoft.com/office/powerpoint/2010/main" xmlns:a14="http://schemas.microsoft.com/office/drawing/2010/main" xmlns:a16="http://schemas.microsoft.com/office/drawing/2014/main" xmlns="" w="9525">
                   <a:solidFill>
                     <a:srgbClr val="000000"/>
                   </a:solidFill>
@@ -15916,7 +15915,7 @@
             </a:ln>
             <a:extLst>
               <a:ext uri="{91240B29-F687-4f45-9708-019B960494DF}">
-                <a14:hiddenLine xmlns="" xmlns:a16="http://schemas.microsoft.com/office/drawing/2014/main" xmlns:a14="http://schemas.microsoft.com/office/drawing/2010/main" xmlns:p14="http://schemas.microsoft.com/office/powerpoint/2010/main" w="9525">
+                <a14:hiddenLine xmlns:p14="http://schemas.microsoft.com/office/powerpoint/2010/main" xmlns:a14="http://schemas.microsoft.com/office/drawing/2010/main" xmlns:a16="http://schemas.microsoft.com/office/drawing/2014/main" xmlns="" w="9525">
                   <a:solidFill>
                     <a:srgbClr val="000000"/>
                   </a:solidFill>
@@ -16021,7 +16020,7 @@
             </a:ln>
             <a:extLst>
               <a:ext uri="{91240B29-F687-4f45-9708-019B960494DF}">
-                <a14:hiddenLine xmlns="" xmlns:a16="http://schemas.microsoft.com/office/drawing/2014/main" xmlns:a14="http://schemas.microsoft.com/office/drawing/2010/main" xmlns:p14="http://schemas.microsoft.com/office/powerpoint/2010/main" w="9525">
+                <a14:hiddenLine xmlns:p14="http://schemas.microsoft.com/office/powerpoint/2010/main" xmlns:a14="http://schemas.microsoft.com/office/drawing/2010/main" xmlns:a16="http://schemas.microsoft.com/office/drawing/2014/main" xmlns="" w="9525">
                   <a:solidFill>
                     <a:srgbClr val="000000"/>
                   </a:solidFill>
@@ -16092,7 +16091,7 @@
             </a:ln>
             <a:extLst>
               <a:ext uri="{91240B29-F687-4f45-9708-019B960494DF}">
-                <a14:hiddenLine xmlns="" xmlns:a16="http://schemas.microsoft.com/office/drawing/2014/main" xmlns:a14="http://schemas.microsoft.com/office/drawing/2010/main" xmlns:p14="http://schemas.microsoft.com/office/powerpoint/2010/main" w="9525">
+                <a14:hiddenLine xmlns:p14="http://schemas.microsoft.com/office/powerpoint/2010/main" xmlns:a14="http://schemas.microsoft.com/office/drawing/2010/main" xmlns:a16="http://schemas.microsoft.com/office/drawing/2014/main" xmlns="" w="9525">
                   <a:solidFill>
                     <a:srgbClr val="000000"/>
                   </a:solidFill>
@@ -16197,7 +16196,7 @@
             </a:ln>
             <a:extLst>
               <a:ext uri="{91240B29-F687-4f45-9708-019B960494DF}">
-                <a14:hiddenLine xmlns="" xmlns:a16="http://schemas.microsoft.com/office/drawing/2014/main" xmlns:a14="http://schemas.microsoft.com/office/drawing/2010/main" xmlns:p14="http://schemas.microsoft.com/office/powerpoint/2010/main" w="9525">
+                <a14:hiddenLine xmlns:p14="http://schemas.microsoft.com/office/powerpoint/2010/main" xmlns:a14="http://schemas.microsoft.com/office/drawing/2010/main" xmlns:a16="http://schemas.microsoft.com/office/drawing/2014/main" xmlns="" w="9525">
                   <a:solidFill>
                     <a:srgbClr val="000000"/>
                   </a:solidFill>
@@ -16280,7 +16279,7 @@
             </a:ln>
             <a:extLst>
               <a:ext uri="{91240B29-F687-4f45-9708-019B960494DF}">
-                <a14:hiddenLine xmlns="" xmlns:a16="http://schemas.microsoft.com/office/drawing/2014/main" xmlns:a14="http://schemas.microsoft.com/office/drawing/2010/main" xmlns:p14="http://schemas.microsoft.com/office/powerpoint/2010/main" w="9525">
+                <a14:hiddenLine xmlns:p14="http://schemas.microsoft.com/office/powerpoint/2010/main" xmlns:a14="http://schemas.microsoft.com/office/drawing/2010/main" xmlns:a16="http://schemas.microsoft.com/office/drawing/2014/main" xmlns="" w="9525">
                   <a:solidFill>
                     <a:srgbClr val="000000"/>
                   </a:solidFill>
@@ -16385,7 +16384,7 @@
             </a:ln>
             <a:extLst>
               <a:ext uri="{91240B29-F687-4f45-9708-019B960494DF}">
-                <a14:hiddenLine xmlns="" xmlns:a16="http://schemas.microsoft.com/office/drawing/2014/main" xmlns:a14="http://schemas.microsoft.com/office/drawing/2010/main" xmlns:p14="http://schemas.microsoft.com/office/powerpoint/2010/main" w="9525">
+                <a14:hiddenLine xmlns:p14="http://schemas.microsoft.com/office/powerpoint/2010/main" xmlns:a14="http://schemas.microsoft.com/office/drawing/2010/main" xmlns:a16="http://schemas.microsoft.com/office/drawing/2014/main" xmlns="" w="9525">
                   <a:solidFill>
                     <a:srgbClr val="000000"/>
                   </a:solidFill>
@@ -16468,7 +16467,7 @@
             </a:ln>
             <a:extLst>
               <a:ext uri="{91240B29-F687-4f45-9708-019B960494DF}">
-                <a14:hiddenLine xmlns="" xmlns:a16="http://schemas.microsoft.com/office/drawing/2014/main" xmlns:a14="http://schemas.microsoft.com/office/drawing/2010/main" xmlns:p14="http://schemas.microsoft.com/office/powerpoint/2010/main" w="9525">
+                <a14:hiddenLine xmlns:p14="http://schemas.microsoft.com/office/powerpoint/2010/main" xmlns:a14="http://schemas.microsoft.com/office/drawing/2010/main" xmlns:a16="http://schemas.microsoft.com/office/drawing/2014/main" xmlns="" w="9525">
                   <a:solidFill>
                     <a:srgbClr val="000000"/>
                   </a:solidFill>
@@ -16573,7 +16572,7 @@
             </a:ln>
             <a:extLst>
               <a:ext uri="{91240B29-F687-4f45-9708-019B960494DF}">
-                <a14:hiddenLine xmlns="" xmlns:a16="http://schemas.microsoft.com/office/drawing/2014/main" xmlns:a14="http://schemas.microsoft.com/office/drawing/2010/main" xmlns:p14="http://schemas.microsoft.com/office/powerpoint/2010/main" w="9525">
+                <a14:hiddenLine xmlns:p14="http://schemas.microsoft.com/office/powerpoint/2010/main" xmlns:a14="http://schemas.microsoft.com/office/drawing/2010/main" xmlns:a16="http://schemas.microsoft.com/office/drawing/2014/main" xmlns="" w="9525">
                   <a:solidFill>
                     <a:srgbClr val="000000"/>
                   </a:solidFill>
@@ -16622,7 +16621,7 @@
             </a:ln>
             <a:extLst>
               <a:ext uri="{91240B29-F687-4f45-9708-019B960494DF}">
-                <a14:hiddenLine xmlns="" xmlns:a16="http://schemas.microsoft.com/office/drawing/2014/main" xmlns:a14="http://schemas.microsoft.com/office/drawing/2010/main" xmlns:p14="http://schemas.microsoft.com/office/powerpoint/2010/main" w="9525">
+                <a14:hiddenLine xmlns:p14="http://schemas.microsoft.com/office/powerpoint/2010/main" xmlns:a14="http://schemas.microsoft.com/office/drawing/2010/main" xmlns:a16="http://schemas.microsoft.com/office/drawing/2014/main" xmlns="" w="9525">
                   <a:solidFill>
                     <a:srgbClr val="000000"/>
                   </a:solidFill>
@@ -16727,7 +16726,7 @@
             </a:ln>
             <a:extLst>
               <a:ext uri="{91240B29-F687-4f45-9708-019B960494DF}">
-                <a14:hiddenLine xmlns="" xmlns:a16="http://schemas.microsoft.com/office/drawing/2014/main" xmlns:a14="http://schemas.microsoft.com/office/drawing/2010/main" xmlns:p14="http://schemas.microsoft.com/office/powerpoint/2010/main" w="9525">
+                <a14:hiddenLine xmlns:p14="http://schemas.microsoft.com/office/powerpoint/2010/main" xmlns:a14="http://schemas.microsoft.com/office/drawing/2010/main" xmlns:a16="http://schemas.microsoft.com/office/drawing/2014/main" xmlns="" w="9525">
                   <a:solidFill>
                     <a:srgbClr val="000000"/>
                   </a:solidFill>
@@ -16804,7 +16803,7 @@
             </a:ln>
             <a:extLst>
               <a:ext uri="{91240B29-F687-4f45-9708-019B960494DF}">
-                <a14:hiddenLine xmlns="" xmlns:a16="http://schemas.microsoft.com/office/drawing/2014/main" xmlns:a14="http://schemas.microsoft.com/office/drawing/2010/main" xmlns:p14="http://schemas.microsoft.com/office/powerpoint/2010/main" w="9525">
+                <a14:hiddenLine xmlns:p14="http://schemas.microsoft.com/office/powerpoint/2010/main" xmlns:a14="http://schemas.microsoft.com/office/drawing/2010/main" xmlns:a16="http://schemas.microsoft.com/office/drawing/2014/main" xmlns="" w="9525">
                   <a:solidFill>
                     <a:srgbClr val="000000"/>
                   </a:solidFill>
@@ -16881,7 +16880,7 @@
             </a:ln>
             <a:extLst>
               <a:ext uri="{91240B29-F687-4f45-9708-019B960494DF}">
-                <a14:hiddenLine xmlns="" xmlns:a16="http://schemas.microsoft.com/office/drawing/2014/main" xmlns:a14="http://schemas.microsoft.com/office/drawing/2010/main" xmlns:p14="http://schemas.microsoft.com/office/powerpoint/2010/main" w="9525">
+                <a14:hiddenLine xmlns:p14="http://schemas.microsoft.com/office/powerpoint/2010/main" xmlns:a14="http://schemas.microsoft.com/office/drawing/2010/main" xmlns:a16="http://schemas.microsoft.com/office/drawing/2014/main" xmlns="" w="9525">
                   <a:solidFill>
                     <a:srgbClr val="000000"/>
                   </a:solidFill>
@@ -16986,7 +16985,7 @@
             </a:ln>
             <a:extLst>
               <a:ext uri="{91240B29-F687-4f45-9708-019B960494DF}">
-                <a14:hiddenLine xmlns="" xmlns:a16="http://schemas.microsoft.com/office/drawing/2014/main" xmlns:a14="http://schemas.microsoft.com/office/drawing/2010/main" xmlns:p14="http://schemas.microsoft.com/office/powerpoint/2010/main" w="9525">
+                <a14:hiddenLine xmlns:p14="http://schemas.microsoft.com/office/powerpoint/2010/main" xmlns:a14="http://schemas.microsoft.com/office/drawing/2010/main" xmlns:a16="http://schemas.microsoft.com/office/drawing/2014/main" xmlns="" w="9525">
                   <a:solidFill>
                     <a:srgbClr val="000000"/>
                   </a:solidFill>
@@ -17069,7 +17068,7 @@
             </a:ln>
             <a:extLst>
               <a:ext uri="{91240B29-F687-4f45-9708-019B960494DF}">
-                <a14:hiddenLine xmlns="" xmlns:a16="http://schemas.microsoft.com/office/drawing/2014/main" xmlns:a14="http://schemas.microsoft.com/office/drawing/2010/main" xmlns:p14="http://schemas.microsoft.com/office/powerpoint/2010/main" w="9525">
+                <a14:hiddenLine xmlns:p14="http://schemas.microsoft.com/office/powerpoint/2010/main" xmlns:a14="http://schemas.microsoft.com/office/drawing/2010/main" xmlns:a16="http://schemas.microsoft.com/office/drawing/2014/main" xmlns="" w="9525">
                   <a:solidFill>
                     <a:srgbClr val="000000"/>
                   </a:solidFill>
@@ -17146,7 +17145,7 @@
             </a:ln>
             <a:extLst>
               <a:ext uri="{91240B29-F687-4f45-9708-019B960494DF}">
-                <a14:hiddenLine xmlns="" xmlns:a16="http://schemas.microsoft.com/office/drawing/2014/main" xmlns:a14="http://schemas.microsoft.com/office/drawing/2010/main" xmlns:p14="http://schemas.microsoft.com/office/powerpoint/2010/main" w="9525">
+                <a14:hiddenLine xmlns:p14="http://schemas.microsoft.com/office/powerpoint/2010/main" xmlns:a14="http://schemas.microsoft.com/office/drawing/2010/main" xmlns:a16="http://schemas.microsoft.com/office/drawing/2014/main" xmlns="" w="9525">
                   <a:solidFill>
                     <a:srgbClr val="000000"/>
                   </a:solidFill>
@@ -17251,7 +17250,7 @@
             </a:ln>
             <a:extLst>
               <a:ext uri="{91240B29-F687-4f45-9708-019B960494DF}">
-                <a14:hiddenLine xmlns="" xmlns:a16="http://schemas.microsoft.com/office/drawing/2014/main" xmlns:a14="http://schemas.microsoft.com/office/drawing/2010/main" xmlns:p14="http://schemas.microsoft.com/office/powerpoint/2010/main" w="9525">
+                <a14:hiddenLine xmlns:p14="http://schemas.microsoft.com/office/powerpoint/2010/main" xmlns:a14="http://schemas.microsoft.com/office/drawing/2010/main" xmlns:a16="http://schemas.microsoft.com/office/drawing/2014/main" xmlns="" w="9525">
                   <a:solidFill>
                     <a:srgbClr val="000000"/>
                   </a:solidFill>
@@ -17328,7 +17327,7 @@
             </a:ln>
             <a:extLst>
               <a:ext uri="{91240B29-F687-4f45-9708-019B960494DF}">
-                <a14:hiddenLine xmlns="" xmlns:a16="http://schemas.microsoft.com/office/drawing/2014/main" xmlns:a14="http://schemas.microsoft.com/office/drawing/2010/main" xmlns:p14="http://schemas.microsoft.com/office/powerpoint/2010/main" w="9525">
+                <a14:hiddenLine xmlns:p14="http://schemas.microsoft.com/office/powerpoint/2010/main" xmlns:a14="http://schemas.microsoft.com/office/drawing/2010/main" xmlns:a16="http://schemas.microsoft.com/office/drawing/2014/main" xmlns="" w="9525">
                   <a:solidFill>
                     <a:srgbClr val="000000"/>
                   </a:solidFill>
@@ -17433,7 +17432,7 @@
             </a:ln>
             <a:extLst>
               <a:ext uri="{91240B29-F687-4f45-9708-019B960494DF}">
-                <a14:hiddenLine xmlns="" xmlns:a16="http://schemas.microsoft.com/office/drawing/2014/main" xmlns:a14="http://schemas.microsoft.com/office/drawing/2010/main" xmlns:p14="http://schemas.microsoft.com/office/powerpoint/2010/main" w="9525">
+                <a14:hiddenLine xmlns:p14="http://schemas.microsoft.com/office/powerpoint/2010/main" xmlns:a14="http://schemas.microsoft.com/office/drawing/2010/main" xmlns:a16="http://schemas.microsoft.com/office/drawing/2014/main" xmlns="" w="9525">
                   <a:solidFill>
                     <a:srgbClr val="000000"/>
                   </a:solidFill>
@@ -17510,7 +17509,7 @@
             </a:ln>
             <a:extLst>
               <a:ext uri="{91240B29-F687-4f45-9708-019B960494DF}">
-                <a14:hiddenLine xmlns="" xmlns:a16="http://schemas.microsoft.com/office/drawing/2014/main" xmlns:a14="http://schemas.microsoft.com/office/drawing/2010/main" xmlns:p14="http://schemas.microsoft.com/office/powerpoint/2010/main" w="9525">
+                <a14:hiddenLine xmlns:p14="http://schemas.microsoft.com/office/powerpoint/2010/main" xmlns:a14="http://schemas.microsoft.com/office/drawing/2010/main" xmlns:a16="http://schemas.microsoft.com/office/drawing/2014/main" xmlns="" w="9525">
                   <a:solidFill>
                     <a:srgbClr val="000000"/>
                   </a:solidFill>
@@ -17615,7 +17614,7 @@
             </a:ln>
             <a:extLst>
               <a:ext uri="{91240B29-F687-4f45-9708-019B960494DF}">
-                <a14:hiddenLine xmlns="" xmlns:a16="http://schemas.microsoft.com/office/drawing/2014/main" xmlns:a14="http://schemas.microsoft.com/office/drawing/2010/main" xmlns:p14="http://schemas.microsoft.com/office/powerpoint/2010/main" w="9525">
+                <a14:hiddenLine xmlns:p14="http://schemas.microsoft.com/office/powerpoint/2010/main" xmlns:a14="http://schemas.microsoft.com/office/drawing/2010/main" xmlns:a16="http://schemas.microsoft.com/office/drawing/2014/main" xmlns="" w="9525">
                   <a:solidFill>
                     <a:srgbClr val="000000"/>
                   </a:solidFill>
@@ -17664,7 +17663,7 @@
             </a:ln>
             <a:extLst>
               <a:ext uri="{91240B29-F687-4f45-9708-019B960494DF}">
-                <a14:hiddenLine xmlns="" xmlns:a16="http://schemas.microsoft.com/office/drawing/2014/main" xmlns:a14="http://schemas.microsoft.com/office/drawing/2010/main" xmlns:p14="http://schemas.microsoft.com/office/powerpoint/2010/main" w="9525">
+                <a14:hiddenLine xmlns:p14="http://schemas.microsoft.com/office/powerpoint/2010/main" xmlns:a14="http://schemas.microsoft.com/office/drawing/2010/main" xmlns:a16="http://schemas.microsoft.com/office/drawing/2014/main" xmlns="" w="9525">
                   <a:solidFill>
                     <a:srgbClr val="000000"/>
                   </a:solidFill>
@@ -17744,7 +17743,7 @@
             </a:ln>
             <a:extLst>
               <a:ext uri="{91240B29-F687-4f45-9708-019B960494DF}">
-                <a14:hiddenLine xmlns="" xmlns:a16="http://schemas.microsoft.com/office/drawing/2014/main" xmlns:a14="http://schemas.microsoft.com/office/drawing/2010/main" xmlns:p14="http://schemas.microsoft.com/office/powerpoint/2010/main" w="9525">
+                <a14:hiddenLine xmlns:p14="http://schemas.microsoft.com/office/powerpoint/2010/main" xmlns:a14="http://schemas.microsoft.com/office/drawing/2010/main" xmlns:a16="http://schemas.microsoft.com/office/drawing/2014/main" xmlns="" w="9525">
                   <a:solidFill>
                     <a:srgbClr val="000000"/>
                   </a:solidFill>
@@ -17849,7 +17848,7 @@
             </a:ln>
             <a:extLst>
               <a:ext uri="{91240B29-F687-4f45-9708-019B960494DF}">
-                <a14:hiddenLine xmlns="" xmlns:a16="http://schemas.microsoft.com/office/drawing/2014/main" xmlns:a14="http://schemas.microsoft.com/office/drawing/2010/main" xmlns:p14="http://schemas.microsoft.com/office/powerpoint/2010/main" w="9525">
+                <a14:hiddenLine xmlns:p14="http://schemas.microsoft.com/office/powerpoint/2010/main" xmlns:a14="http://schemas.microsoft.com/office/drawing/2010/main" xmlns:a16="http://schemas.microsoft.com/office/drawing/2014/main" xmlns="" w="9525">
                   <a:solidFill>
                     <a:srgbClr val="000000"/>
                   </a:solidFill>
@@ -17926,7 +17925,7 @@
             </a:ln>
             <a:extLst>
               <a:ext uri="{91240B29-F687-4f45-9708-019B960494DF}">
-                <a14:hiddenLine xmlns="" xmlns:a16="http://schemas.microsoft.com/office/drawing/2014/main" xmlns:a14="http://schemas.microsoft.com/office/drawing/2010/main" xmlns:p14="http://schemas.microsoft.com/office/powerpoint/2010/main" w="9525">
+                <a14:hiddenLine xmlns:p14="http://schemas.microsoft.com/office/powerpoint/2010/main" xmlns:a14="http://schemas.microsoft.com/office/drawing/2010/main" xmlns:a16="http://schemas.microsoft.com/office/drawing/2014/main" xmlns="" w="9525">
                   <a:solidFill>
                     <a:srgbClr val="000000"/>
                   </a:solidFill>
@@ -18031,7 +18030,7 @@
             </a:ln>
             <a:extLst>
               <a:ext uri="{91240B29-F687-4f45-9708-019B960494DF}">
-                <a14:hiddenLine xmlns="" xmlns:a16="http://schemas.microsoft.com/office/drawing/2014/main" xmlns:a14="http://schemas.microsoft.com/office/drawing/2010/main" xmlns:p14="http://schemas.microsoft.com/office/powerpoint/2010/main" w="9525">
+                <a14:hiddenLine xmlns:p14="http://schemas.microsoft.com/office/powerpoint/2010/main" xmlns:a14="http://schemas.microsoft.com/office/drawing/2010/main" xmlns:a16="http://schemas.microsoft.com/office/drawing/2014/main" xmlns="" w="9525">
                   <a:solidFill>
                     <a:srgbClr val="000000"/>
                   </a:solidFill>
@@ -18136,7 +18135,7 @@
             </a:ln>
             <a:extLst>
               <a:ext uri="{91240B29-F687-4f45-9708-019B960494DF}">
-                <a14:hiddenLine xmlns="" xmlns:a16="http://schemas.microsoft.com/office/drawing/2014/main" xmlns:a14="http://schemas.microsoft.com/office/drawing/2010/main" xmlns:p14="http://schemas.microsoft.com/office/powerpoint/2010/main" w="9525">
+                <a14:hiddenLine xmlns:p14="http://schemas.microsoft.com/office/powerpoint/2010/main" xmlns:a14="http://schemas.microsoft.com/office/drawing/2010/main" xmlns:a16="http://schemas.microsoft.com/office/drawing/2014/main" xmlns="" w="9525">
                   <a:solidFill>
                     <a:srgbClr val="000000"/>
                   </a:solidFill>
@@ -18216,7 +18215,7 @@
             </a:ln>
             <a:extLst>
               <a:ext uri="{91240B29-F687-4f45-9708-019B960494DF}">
-                <a14:hiddenLine xmlns="" xmlns:a16="http://schemas.microsoft.com/office/drawing/2014/main" xmlns:a14="http://schemas.microsoft.com/office/drawing/2010/main" xmlns:p14="http://schemas.microsoft.com/office/powerpoint/2010/main" w="9525">
+                <a14:hiddenLine xmlns:p14="http://schemas.microsoft.com/office/powerpoint/2010/main" xmlns:a14="http://schemas.microsoft.com/office/drawing/2010/main" xmlns:a16="http://schemas.microsoft.com/office/drawing/2014/main" xmlns="" w="9525">
                   <a:solidFill>
                     <a:srgbClr val="000000"/>
                   </a:solidFill>
@@ -18293,7 +18292,7 @@
             </a:ln>
             <a:extLst>
               <a:ext uri="{91240B29-F687-4f45-9708-019B960494DF}">
-                <a14:hiddenLine xmlns="" xmlns:a16="http://schemas.microsoft.com/office/drawing/2014/main" xmlns:a14="http://schemas.microsoft.com/office/drawing/2010/main" xmlns:p14="http://schemas.microsoft.com/office/powerpoint/2010/main" w="9525">
+                <a14:hiddenLine xmlns:p14="http://schemas.microsoft.com/office/powerpoint/2010/main" xmlns:a14="http://schemas.microsoft.com/office/drawing/2010/main" xmlns:a16="http://schemas.microsoft.com/office/drawing/2014/main" xmlns="" w="9525">
                   <a:solidFill>
                     <a:srgbClr val="000000"/>
                   </a:solidFill>
@@ -18398,7 +18397,7 @@
             </a:ln>
             <a:extLst>
               <a:ext uri="{91240B29-F687-4f45-9708-019B960494DF}">
-                <a14:hiddenLine xmlns="" xmlns:a16="http://schemas.microsoft.com/office/drawing/2014/main" xmlns:a14="http://schemas.microsoft.com/office/drawing/2010/main" xmlns:p14="http://schemas.microsoft.com/office/powerpoint/2010/main" w="9525">
+                <a14:hiddenLine xmlns:p14="http://schemas.microsoft.com/office/powerpoint/2010/main" xmlns:a14="http://schemas.microsoft.com/office/drawing/2010/main" xmlns:a16="http://schemas.microsoft.com/office/drawing/2014/main" xmlns="" w="9525">
                   <a:solidFill>
                     <a:srgbClr val="000000"/>
                   </a:solidFill>
@@ -18503,7 +18502,7 @@
             </a:ln>
             <a:extLst>
               <a:ext uri="{91240B29-F687-4f45-9708-019B960494DF}">
-                <a14:hiddenLine xmlns="" xmlns:a16="http://schemas.microsoft.com/office/drawing/2014/main" xmlns:a14="http://schemas.microsoft.com/office/drawing/2010/main" xmlns:p14="http://schemas.microsoft.com/office/powerpoint/2010/main" w="9525">
+                <a14:hiddenLine xmlns:p14="http://schemas.microsoft.com/office/powerpoint/2010/main" xmlns:a14="http://schemas.microsoft.com/office/drawing/2010/main" xmlns:a16="http://schemas.microsoft.com/office/drawing/2014/main" xmlns="" w="9525">
                   <a:solidFill>
                     <a:srgbClr val="000000"/>
                   </a:solidFill>
@@ -18580,7 +18579,7 @@
             </a:ln>
             <a:extLst>
               <a:ext uri="{91240B29-F687-4f45-9708-019B960494DF}">
-                <a14:hiddenLine xmlns="" xmlns:a16="http://schemas.microsoft.com/office/drawing/2014/main" xmlns:a14="http://schemas.microsoft.com/office/drawing/2010/main" xmlns:p14="http://schemas.microsoft.com/office/powerpoint/2010/main" w="9525">
+                <a14:hiddenLine xmlns:p14="http://schemas.microsoft.com/office/powerpoint/2010/main" xmlns:a14="http://schemas.microsoft.com/office/drawing/2010/main" xmlns:a16="http://schemas.microsoft.com/office/drawing/2014/main" xmlns="" w="9525">
                   <a:solidFill>
                     <a:srgbClr val="000000"/>
                   </a:solidFill>
@@ -18715,7 +18714,7 @@
             </a:ln>
             <a:extLst>
               <a:ext uri="{91240B29-F687-4f45-9708-019B960494DF}">
-                <a14:hiddenLine xmlns="" xmlns:a16="http://schemas.microsoft.com/office/drawing/2014/main" xmlns:a14="http://schemas.microsoft.com/office/drawing/2010/main" xmlns:p14="http://schemas.microsoft.com/office/powerpoint/2010/main" w="9525">
+                <a14:hiddenLine xmlns:p14="http://schemas.microsoft.com/office/powerpoint/2010/main" xmlns:a14="http://schemas.microsoft.com/office/drawing/2010/main" xmlns:a16="http://schemas.microsoft.com/office/drawing/2014/main" xmlns="" w="9525">
                   <a:solidFill>
                     <a:srgbClr val="000000"/>
                   </a:solidFill>
@@ -18798,7 +18797,7 @@
             </a:ln>
             <a:extLst>
               <a:ext uri="{91240B29-F687-4f45-9708-019B960494DF}">
-                <a14:hiddenLine xmlns="" xmlns:a16="http://schemas.microsoft.com/office/drawing/2014/main" xmlns:a14="http://schemas.microsoft.com/office/drawing/2010/main" xmlns:p14="http://schemas.microsoft.com/office/powerpoint/2010/main" w="9525">
+                <a14:hiddenLine xmlns:p14="http://schemas.microsoft.com/office/powerpoint/2010/main" xmlns:a14="http://schemas.microsoft.com/office/drawing/2010/main" xmlns:a16="http://schemas.microsoft.com/office/drawing/2014/main" xmlns="" w="9525">
                   <a:solidFill>
                     <a:srgbClr val="000000"/>
                   </a:solidFill>
@@ -18903,7 +18902,7 @@
             </a:ln>
             <a:extLst>
               <a:ext uri="{91240B29-F687-4f45-9708-019B960494DF}">
-                <a14:hiddenLine xmlns="" xmlns:a16="http://schemas.microsoft.com/office/drawing/2014/main" xmlns:a14="http://schemas.microsoft.com/office/drawing/2010/main" xmlns:p14="http://schemas.microsoft.com/office/powerpoint/2010/main" w="9525">
+                <a14:hiddenLine xmlns:p14="http://schemas.microsoft.com/office/powerpoint/2010/main" xmlns:a14="http://schemas.microsoft.com/office/drawing/2010/main" xmlns:a16="http://schemas.microsoft.com/office/drawing/2014/main" xmlns="" w="9525">
                   <a:solidFill>
                     <a:srgbClr val="000000"/>
                   </a:solidFill>
@@ -19541,6 +19540,72 @@
           </a:p>
         </p:txBody>
       </p:sp>
+      <p:sp>
+        <p:nvSpPr>
+          <p:cNvPr id="3" name="Content Placeholder 2">
+            <a:extLst>
+              <a:ext uri="{FF2B5EF4-FFF2-40B4-BE49-F238E27FC236}">
+                <a16:creationId xmlns:a16="http://schemas.microsoft.com/office/drawing/2014/main" id="{A8C0DE12-29DF-4B27-A6F1-5BFD653FBB2C}"/>
+              </a:ext>
+            </a:extLst>
+          </p:cNvPr>
+          <p:cNvSpPr>
+            <a:spLocks noGrp="1"/>
+          </p:cNvSpPr>
+          <p:nvPr>
+            <p:ph idx="1"/>
+          </p:nvPr>
+        </p:nvSpPr>
+        <p:spPr>
+          <a:xfrm>
+            <a:off x="1141412" y="2249487"/>
+            <a:ext cx="9905999" cy="3541714"/>
+          </a:xfrm>
+        </p:spPr>
+        <p:txBody>
+          <a:bodyPr/>
+          <a:lstStyle/>
+          <a:p>
+            <a:r>
+              <a:rPr lang="bg-BG" dirty="0"/>
+              <a:t>Емпирично </a:t>
+            </a:r>
+            <a:r>
+              <a:rPr lang="bg-BG" dirty="0" err="1"/>
+              <a:t>проверимо</a:t>
+            </a:r>
+            <a:endParaRPr lang="bg-BG" dirty="0"/>
+          </a:p>
+          <a:p>
+            <a:r>
+              <a:rPr lang="bg-BG" dirty="0"/>
+              <a:t>Неутралност</a:t>
+            </a:r>
+          </a:p>
+          <a:p>
+            <a:r>
+              <a:rPr lang="bg-BG" dirty="0"/>
+              <a:t>Обективност</a:t>
+            </a:r>
+          </a:p>
+          <a:p>
+            <a:r>
+              <a:rPr lang="bg-BG" dirty="0" err="1"/>
+              <a:t>Наблюдаемост</a:t>
+            </a:r>
+            <a:endParaRPr lang="bg-BG" dirty="0"/>
+          </a:p>
+          <a:p>
+            <a:r>
+              <a:rPr lang="bg-BG" dirty="0"/>
+              <a:t>Надеждност</a:t>
+            </a:r>
+          </a:p>
+          <a:p>
+            <a:endParaRPr lang="en-US" dirty="0"/>
+          </a:p>
+        </p:txBody>
+      </p:sp>
     </p:spTree>
     <p:extLst>
       <p:ext uri="{BB962C8B-B14F-4D97-AF65-F5344CB8AC3E}">
@@ -19764,7 +19829,7 @@
           <a:noFill/>
           <a:extLst>
             <a:ext uri="{909E8E84-426E-40dd-AFC4-6F175D3DCCD1}">
-              <a14:hiddenFill xmlns="" xmlns:a16="http://schemas.microsoft.com/office/drawing/2014/main" xmlns:a14="http://schemas.microsoft.com/office/drawing/2010/main" xmlns:p14="http://schemas.microsoft.com/office/powerpoint/2010/main">
+              <a14:hiddenFill xmlns:p14="http://schemas.microsoft.com/office/powerpoint/2010/main" xmlns:a14="http://schemas.microsoft.com/office/drawing/2010/main" xmlns:a16="http://schemas.microsoft.com/office/drawing/2014/main" xmlns="">
                 <a:solidFill>
                   <a:srgbClr val="FFFFFF"/>
                 </a:solidFill>
@@ -19856,7 +19921,7 @@
             </a:ln>
             <a:extLst>
               <a:ext uri="{91240B29-F687-4f45-9708-019B960494DF}">
-                <a14:hiddenLine xmlns="" xmlns:a16="http://schemas.microsoft.com/office/drawing/2014/main" xmlns:a14="http://schemas.microsoft.com/office/drawing/2010/main" xmlns:p14="http://schemas.microsoft.com/office/powerpoint/2010/main" w="9525">
+                <a14:hiddenLine xmlns:p14="http://schemas.microsoft.com/office/powerpoint/2010/main" xmlns:a14="http://schemas.microsoft.com/office/drawing/2010/main" xmlns:a16="http://schemas.microsoft.com/office/drawing/2014/main" xmlns="" w="9525">
                   <a:solidFill>
                     <a:srgbClr val="000000"/>
                   </a:solidFill>
@@ -19961,7 +20026,7 @@
             </a:ln>
             <a:extLst>
               <a:ext uri="{91240B29-F687-4f45-9708-019B960494DF}">
-                <a14:hiddenLine xmlns="" xmlns:a16="http://schemas.microsoft.com/office/drawing/2014/main" xmlns:a14="http://schemas.microsoft.com/office/drawing/2010/main" xmlns:p14="http://schemas.microsoft.com/office/powerpoint/2010/main" w="9525">
+                <a14:hiddenLine xmlns:p14="http://schemas.microsoft.com/office/powerpoint/2010/main" xmlns:a14="http://schemas.microsoft.com/office/drawing/2010/main" xmlns:a16="http://schemas.microsoft.com/office/drawing/2014/main" xmlns="" w="9525">
                   <a:solidFill>
                     <a:srgbClr val="000000"/>
                   </a:solidFill>
@@ -20066,7 +20131,7 @@
             </a:ln>
             <a:extLst>
               <a:ext uri="{91240B29-F687-4f45-9708-019B960494DF}">
-                <a14:hiddenLine xmlns="" xmlns:a16="http://schemas.microsoft.com/office/drawing/2014/main" xmlns:a14="http://schemas.microsoft.com/office/drawing/2010/main" xmlns:p14="http://schemas.microsoft.com/office/powerpoint/2010/main" w="9525">
+                <a14:hiddenLine xmlns:p14="http://schemas.microsoft.com/office/powerpoint/2010/main" xmlns:a14="http://schemas.microsoft.com/office/drawing/2010/main" xmlns:a16="http://schemas.microsoft.com/office/drawing/2014/main" xmlns="" w="9525">
                   <a:solidFill>
                     <a:srgbClr val="000000"/>
                   </a:solidFill>
@@ -20115,7 +20180,7 @@
             </a:ln>
             <a:extLst>
               <a:ext uri="{91240B29-F687-4f45-9708-019B960494DF}">
-                <a14:hiddenLine xmlns="" xmlns:a16="http://schemas.microsoft.com/office/drawing/2014/main" xmlns:a14="http://schemas.microsoft.com/office/drawing/2010/main" xmlns:p14="http://schemas.microsoft.com/office/powerpoint/2010/main" w="9525">
+                <a14:hiddenLine xmlns:p14="http://schemas.microsoft.com/office/powerpoint/2010/main" xmlns:a14="http://schemas.microsoft.com/office/drawing/2010/main" xmlns:a16="http://schemas.microsoft.com/office/drawing/2014/main" xmlns="" w="9525">
                   <a:solidFill>
                     <a:srgbClr val="000000"/>
                   </a:solidFill>
@@ -20220,7 +20285,7 @@
             </a:ln>
             <a:extLst>
               <a:ext uri="{91240B29-F687-4f45-9708-019B960494DF}">
-                <a14:hiddenLine xmlns="" xmlns:a16="http://schemas.microsoft.com/office/drawing/2014/main" xmlns:a14="http://schemas.microsoft.com/office/drawing/2010/main" xmlns:p14="http://schemas.microsoft.com/office/powerpoint/2010/main" w="9525">
+                <a14:hiddenLine xmlns:p14="http://schemas.microsoft.com/office/powerpoint/2010/main" xmlns:a14="http://schemas.microsoft.com/office/drawing/2010/main" xmlns:a16="http://schemas.microsoft.com/office/drawing/2014/main" xmlns="" w="9525">
                   <a:solidFill>
                     <a:srgbClr val="000000"/>
                   </a:solidFill>
@@ -20297,7 +20362,7 @@
             </a:ln>
             <a:extLst>
               <a:ext uri="{91240B29-F687-4f45-9708-019B960494DF}">
-                <a14:hiddenLine xmlns="" xmlns:a16="http://schemas.microsoft.com/office/drawing/2014/main" xmlns:a14="http://schemas.microsoft.com/office/drawing/2010/main" xmlns:p14="http://schemas.microsoft.com/office/powerpoint/2010/main" w="9525">
+                <a14:hiddenLine xmlns:p14="http://schemas.microsoft.com/office/powerpoint/2010/main" xmlns:a14="http://schemas.microsoft.com/office/drawing/2010/main" xmlns:a16="http://schemas.microsoft.com/office/drawing/2014/main" xmlns="" w="9525">
                   <a:solidFill>
                     <a:srgbClr val="000000"/>
                   </a:solidFill>
@@ -20374,7 +20439,7 @@
             </a:ln>
             <a:extLst>
               <a:ext uri="{91240B29-F687-4f45-9708-019B960494DF}">
-                <a14:hiddenLine xmlns="" xmlns:a16="http://schemas.microsoft.com/office/drawing/2014/main" xmlns:a14="http://schemas.microsoft.com/office/drawing/2010/main" xmlns:p14="http://schemas.microsoft.com/office/powerpoint/2010/main" w="9525">
+                <a14:hiddenLine xmlns:p14="http://schemas.microsoft.com/office/powerpoint/2010/main" xmlns:a14="http://schemas.microsoft.com/office/drawing/2010/main" xmlns:a16="http://schemas.microsoft.com/office/drawing/2014/main" xmlns="" w="9525">
                   <a:solidFill>
                     <a:srgbClr val="000000"/>
                   </a:solidFill>
@@ -20479,7 +20544,7 @@
             </a:ln>
             <a:extLst>
               <a:ext uri="{91240B29-F687-4f45-9708-019B960494DF}">
-                <a14:hiddenLine xmlns="" xmlns:a16="http://schemas.microsoft.com/office/drawing/2014/main" xmlns:a14="http://schemas.microsoft.com/office/drawing/2010/main" xmlns:p14="http://schemas.microsoft.com/office/powerpoint/2010/main" w="9525">
+                <a14:hiddenLine xmlns:p14="http://schemas.microsoft.com/office/powerpoint/2010/main" xmlns:a14="http://schemas.microsoft.com/office/drawing/2010/main" xmlns:a16="http://schemas.microsoft.com/office/drawing/2014/main" xmlns="" w="9525">
                   <a:solidFill>
                     <a:srgbClr val="000000"/>
                   </a:solidFill>
@@ -20556,7 +20621,7 @@
             </a:ln>
             <a:extLst>
               <a:ext uri="{91240B29-F687-4f45-9708-019B960494DF}">
-                <a14:hiddenLine xmlns="" xmlns:a16="http://schemas.microsoft.com/office/drawing/2014/main" xmlns:a14="http://schemas.microsoft.com/office/drawing/2010/main" xmlns:p14="http://schemas.microsoft.com/office/powerpoint/2010/main" w="9525">
+                <a14:hiddenLine xmlns:p14="http://schemas.microsoft.com/office/powerpoint/2010/main" xmlns:a14="http://schemas.microsoft.com/office/drawing/2010/main" xmlns:a16="http://schemas.microsoft.com/office/drawing/2014/main" xmlns="" w="9525">
                   <a:solidFill>
                     <a:srgbClr val="000000"/>
                   </a:solidFill>
@@ -20633,7 +20698,7 @@
             </a:ln>
             <a:extLst>
               <a:ext uri="{91240B29-F687-4f45-9708-019B960494DF}">
-                <a14:hiddenLine xmlns="" xmlns:a16="http://schemas.microsoft.com/office/drawing/2014/main" xmlns:a14="http://schemas.microsoft.com/office/drawing/2010/main" xmlns:p14="http://schemas.microsoft.com/office/powerpoint/2010/main" w="9525">
+                <a14:hiddenLine xmlns:p14="http://schemas.microsoft.com/office/powerpoint/2010/main" xmlns:a14="http://schemas.microsoft.com/office/drawing/2010/main" xmlns:a16="http://schemas.microsoft.com/office/drawing/2014/main" xmlns="" w="9525">
                   <a:solidFill>
                     <a:srgbClr val="000000"/>
                   </a:solidFill>
@@ -20738,7 +20803,7 @@
             </a:ln>
             <a:extLst>
               <a:ext uri="{91240B29-F687-4f45-9708-019B960494DF}">
-                <a14:hiddenLine xmlns="" xmlns:a16="http://schemas.microsoft.com/office/drawing/2014/main" xmlns:a14="http://schemas.microsoft.com/office/drawing/2010/main" xmlns:p14="http://schemas.microsoft.com/office/powerpoint/2010/main" w="9525">
+                <a14:hiddenLine xmlns:p14="http://schemas.microsoft.com/office/powerpoint/2010/main" xmlns:a14="http://schemas.microsoft.com/office/drawing/2010/main" xmlns:a16="http://schemas.microsoft.com/office/drawing/2014/main" xmlns="" w="9525">
                   <a:solidFill>
                     <a:srgbClr val="000000"/>
                   </a:solidFill>
@@ -20843,7 +20908,7 @@
             </a:ln>
             <a:extLst>
               <a:ext uri="{91240B29-F687-4f45-9708-019B960494DF}">
-                <a14:hiddenLine xmlns="" xmlns:a16="http://schemas.microsoft.com/office/drawing/2014/main" xmlns:a14="http://schemas.microsoft.com/office/drawing/2010/main" xmlns:p14="http://schemas.microsoft.com/office/powerpoint/2010/main" w="9525">
+                <a14:hiddenLine xmlns:p14="http://schemas.microsoft.com/office/powerpoint/2010/main" xmlns:a14="http://schemas.microsoft.com/office/drawing/2010/main" xmlns:a16="http://schemas.microsoft.com/office/drawing/2014/main" xmlns="" w="9525">
                   <a:solidFill>
                     <a:srgbClr val="000000"/>
                   </a:solidFill>
@@ -20920,7 +20985,7 @@
             </a:ln>
             <a:extLst>
               <a:ext uri="{91240B29-F687-4f45-9708-019B960494DF}">
-                <a14:hiddenLine xmlns="" xmlns:a16="http://schemas.microsoft.com/office/drawing/2014/main" xmlns:a14="http://schemas.microsoft.com/office/drawing/2010/main" xmlns:p14="http://schemas.microsoft.com/office/powerpoint/2010/main" w="9525">
+                <a14:hiddenLine xmlns:p14="http://schemas.microsoft.com/office/powerpoint/2010/main" xmlns:a14="http://schemas.microsoft.com/office/drawing/2010/main" xmlns:a16="http://schemas.microsoft.com/office/drawing/2014/main" xmlns="" w="9525">
                   <a:solidFill>
                     <a:srgbClr val="000000"/>
                   </a:solidFill>
@@ -21045,7 +21110,7 @@
             </a:ln>
             <a:extLst>
               <a:ext uri="{91240B29-F687-4f45-9708-019B960494DF}">
-                <a14:hiddenLine xmlns="" xmlns:a16="http://schemas.microsoft.com/office/drawing/2014/main" xmlns:a14="http://schemas.microsoft.com/office/drawing/2010/main" xmlns:p14="http://schemas.microsoft.com/office/powerpoint/2010/main" w="9525">
+                <a14:hiddenLine xmlns:p14="http://schemas.microsoft.com/office/powerpoint/2010/main" xmlns:a14="http://schemas.microsoft.com/office/drawing/2010/main" xmlns:a16="http://schemas.microsoft.com/office/drawing/2014/main" xmlns="" w="9525">
                   <a:solidFill>
                     <a:srgbClr val="000000"/>
                   </a:solidFill>
@@ -21122,7 +21187,7 @@
             </a:ln>
             <a:extLst>
               <a:ext uri="{91240B29-F687-4f45-9708-019B960494DF}">
-                <a14:hiddenLine xmlns="" xmlns:a16="http://schemas.microsoft.com/office/drawing/2014/main" xmlns:a14="http://schemas.microsoft.com/office/drawing/2010/main" xmlns:p14="http://schemas.microsoft.com/office/powerpoint/2010/main" w="9525">
+                <a14:hiddenLine xmlns:p14="http://schemas.microsoft.com/office/powerpoint/2010/main" xmlns:a14="http://schemas.microsoft.com/office/drawing/2010/main" xmlns:a16="http://schemas.microsoft.com/office/drawing/2014/main" xmlns="" w="9525">
                   <a:solidFill>
                     <a:srgbClr val="000000"/>
                   </a:solidFill>
@@ -21227,7 +21292,7 @@
             </a:ln>
             <a:extLst>
               <a:ext uri="{91240B29-F687-4f45-9708-019B960494DF}">
-                <a14:hiddenLine xmlns="" xmlns:a16="http://schemas.microsoft.com/office/drawing/2014/main" xmlns:a14="http://schemas.microsoft.com/office/drawing/2010/main" xmlns:p14="http://schemas.microsoft.com/office/powerpoint/2010/main" w="9525">
+                <a14:hiddenLine xmlns:p14="http://schemas.microsoft.com/office/powerpoint/2010/main" xmlns:a14="http://schemas.microsoft.com/office/drawing/2010/main" xmlns:a16="http://schemas.microsoft.com/office/drawing/2014/main" xmlns="" w="9525">
                   <a:solidFill>
                     <a:srgbClr val="000000"/>
                   </a:solidFill>
@@ -21332,7 +21397,7 @@
             </a:ln>
             <a:extLst>
               <a:ext uri="{91240B29-F687-4f45-9708-019B960494DF}">
-                <a14:hiddenLine xmlns="" xmlns:a16="http://schemas.microsoft.com/office/drawing/2014/main" xmlns:a14="http://schemas.microsoft.com/office/drawing/2010/main" xmlns:p14="http://schemas.microsoft.com/office/powerpoint/2010/main" w="9525">
+                <a14:hiddenLine xmlns:p14="http://schemas.microsoft.com/office/powerpoint/2010/main" xmlns:a14="http://schemas.microsoft.com/office/drawing/2010/main" xmlns:a16="http://schemas.microsoft.com/office/drawing/2014/main" xmlns="" w="9525">
                   <a:solidFill>
                     <a:srgbClr val="000000"/>
                   </a:solidFill>
@@ -21409,7 +21474,7 @@
             </a:ln>
             <a:extLst>
               <a:ext uri="{91240B29-F687-4f45-9708-019B960494DF}">
-                <a14:hiddenLine xmlns="" xmlns:a16="http://schemas.microsoft.com/office/drawing/2014/main" xmlns:a14="http://schemas.microsoft.com/office/drawing/2010/main" xmlns:p14="http://schemas.microsoft.com/office/powerpoint/2010/main" w="9525">
+                <a14:hiddenLine xmlns:p14="http://schemas.microsoft.com/office/powerpoint/2010/main" xmlns:a14="http://schemas.microsoft.com/office/drawing/2010/main" xmlns:a16="http://schemas.microsoft.com/office/drawing/2014/main" xmlns="" w="9525">
                   <a:solidFill>
                     <a:srgbClr val="000000"/>
                   </a:solidFill>
@@ -21514,7 +21579,7 @@
             </a:ln>
             <a:extLst>
               <a:ext uri="{91240B29-F687-4f45-9708-019B960494DF}">
-                <a14:hiddenLine xmlns="" xmlns:a16="http://schemas.microsoft.com/office/drawing/2014/main" xmlns:a14="http://schemas.microsoft.com/office/drawing/2010/main" xmlns:p14="http://schemas.microsoft.com/office/powerpoint/2010/main" w="9525">
+                <a14:hiddenLine xmlns:p14="http://schemas.microsoft.com/office/powerpoint/2010/main" xmlns:a14="http://schemas.microsoft.com/office/drawing/2010/main" xmlns:a16="http://schemas.microsoft.com/office/drawing/2014/main" xmlns="" w="9525">
                   <a:solidFill>
                     <a:srgbClr val="000000"/>
                   </a:solidFill>
@@ -21619,7 +21684,7 @@
             </a:ln>
             <a:extLst>
               <a:ext uri="{91240B29-F687-4f45-9708-019B960494DF}">
-                <a14:hiddenLine xmlns="" xmlns:a16="http://schemas.microsoft.com/office/drawing/2014/main" xmlns:a14="http://schemas.microsoft.com/office/drawing/2010/main" xmlns:p14="http://schemas.microsoft.com/office/powerpoint/2010/main" w="9525">
+                <a14:hiddenLine xmlns:p14="http://schemas.microsoft.com/office/powerpoint/2010/main" xmlns:a14="http://schemas.microsoft.com/office/drawing/2010/main" xmlns:a16="http://schemas.microsoft.com/office/drawing/2014/main" xmlns="" w="9525">
                   <a:solidFill>
                     <a:srgbClr val="000000"/>
                   </a:solidFill>
@@ -21690,7 +21755,7 @@
             </a:ln>
             <a:extLst>
               <a:ext uri="{91240B29-F687-4f45-9708-019B960494DF}">
-                <a14:hiddenLine xmlns="" xmlns:a16="http://schemas.microsoft.com/office/drawing/2014/main" xmlns:a14="http://schemas.microsoft.com/office/drawing/2010/main" xmlns:p14="http://schemas.microsoft.com/office/powerpoint/2010/main" w="9525">
+                <a14:hiddenLine xmlns:p14="http://schemas.microsoft.com/office/powerpoint/2010/main" xmlns:a14="http://schemas.microsoft.com/office/drawing/2010/main" xmlns:a16="http://schemas.microsoft.com/office/drawing/2014/main" xmlns="" w="9525">
                   <a:solidFill>
                     <a:srgbClr val="000000"/>
                   </a:solidFill>
@@ -21795,7 +21860,7 @@
             </a:ln>
             <a:extLst>
               <a:ext uri="{91240B29-F687-4f45-9708-019B960494DF}">
-                <a14:hiddenLine xmlns="" xmlns:a16="http://schemas.microsoft.com/office/drawing/2014/main" xmlns:a14="http://schemas.microsoft.com/office/drawing/2010/main" xmlns:p14="http://schemas.microsoft.com/office/powerpoint/2010/main" w="9525">
+                <a14:hiddenLine xmlns:p14="http://schemas.microsoft.com/office/powerpoint/2010/main" xmlns:a14="http://schemas.microsoft.com/office/drawing/2010/main" xmlns:a16="http://schemas.microsoft.com/office/drawing/2014/main" xmlns="" w="9525">
                   <a:solidFill>
                     <a:srgbClr val="000000"/>
                   </a:solidFill>
@@ -21866,7 +21931,7 @@
             </a:ln>
             <a:extLst>
               <a:ext uri="{91240B29-F687-4f45-9708-019B960494DF}">
-                <a14:hiddenLine xmlns="" xmlns:a16="http://schemas.microsoft.com/office/drawing/2014/main" xmlns:a14="http://schemas.microsoft.com/office/drawing/2010/main" xmlns:p14="http://schemas.microsoft.com/office/powerpoint/2010/main" w="9525">
+                <a14:hiddenLine xmlns:p14="http://schemas.microsoft.com/office/powerpoint/2010/main" xmlns:a14="http://schemas.microsoft.com/office/drawing/2010/main" xmlns:a16="http://schemas.microsoft.com/office/drawing/2014/main" xmlns="" w="9525">
                   <a:solidFill>
                     <a:srgbClr val="000000"/>
                   </a:solidFill>
@@ -21971,7 +22036,7 @@
             </a:ln>
             <a:extLst>
               <a:ext uri="{91240B29-F687-4f45-9708-019B960494DF}">
-                <a14:hiddenLine xmlns="" xmlns:a16="http://schemas.microsoft.com/office/drawing/2014/main" xmlns:a14="http://schemas.microsoft.com/office/drawing/2010/main" xmlns:p14="http://schemas.microsoft.com/office/powerpoint/2010/main" w="9525">
+                <a14:hiddenLine xmlns:p14="http://schemas.microsoft.com/office/powerpoint/2010/main" xmlns:a14="http://schemas.microsoft.com/office/drawing/2010/main" xmlns:a16="http://schemas.microsoft.com/office/drawing/2014/main" xmlns="" w="9525">
                   <a:solidFill>
                     <a:srgbClr val="000000"/>
                   </a:solidFill>
@@ -22054,7 +22119,7 @@
             </a:ln>
             <a:extLst>
               <a:ext uri="{91240B29-F687-4f45-9708-019B960494DF}">
-                <a14:hiddenLine xmlns="" xmlns:a16="http://schemas.microsoft.com/office/drawing/2014/main" xmlns:a14="http://schemas.microsoft.com/office/drawing/2010/main" xmlns:p14="http://schemas.microsoft.com/office/powerpoint/2010/main" w="9525">
+                <a14:hiddenLine xmlns:p14="http://schemas.microsoft.com/office/powerpoint/2010/main" xmlns:a14="http://schemas.microsoft.com/office/drawing/2010/main" xmlns:a16="http://schemas.microsoft.com/office/drawing/2014/main" xmlns="" w="9525">
                   <a:solidFill>
                     <a:srgbClr val="000000"/>
                   </a:solidFill>
@@ -22159,7 +22224,7 @@
             </a:ln>
             <a:extLst>
               <a:ext uri="{91240B29-F687-4f45-9708-019B960494DF}">
-                <a14:hiddenLine xmlns="" xmlns:a16="http://schemas.microsoft.com/office/drawing/2014/main" xmlns:a14="http://schemas.microsoft.com/office/drawing/2010/main" xmlns:p14="http://schemas.microsoft.com/office/powerpoint/2010/main" w="9525">
+                <a14:hiddenLine xmlns:p14="http://schemas.microsoft.com/office/powerpoint/2010/main" xmlns:a14="http://schemas.microsoft.com/office/drawing/2010/main" xmlns:a16="http://schemas.microsoft.com/office/drawing/2014/main" xmlns="" w="9525">
                   <a:solidFill>
                     <a:srgbClr val="000000"/>
                   </a:solidFill>
@@ -22242,7 +22307,7 @@
             </a:ln>
             <a:extLst>
               <a:ext uri="{91240B29-F687-4f45-9708-019B960494DF}">
-                <a14:hiddenLine xmlns="" xmlns:a16="http://schemas.microsoft.com/office/drawing/2014/main" xmlns:a14="http://schemas.microsoft.com/office/drawing/2010/main" xmlns:p14="http://schemas.microsoft.com/office/powerpoint/2010/main" w="9525">
+                <a14:hiddenLine xmlns:p14="http://schemas.microsoft.com/office/powerpoint/2010/main" xmlns:a14="http://schemas.microsoft.com/office/drawing/2010/main" xmlns:a16="http://schemas.microsoft.com/office/drawing/2014/main" xmlns="" w="9525">
                   <a:solidFill>
                     <a:srgbClr val="000000"/>
                   </a:solidFill>
@@ -22347,7 +22412,7 @@
             </a:ln>
             <a:extLst>
               <a:ext uri="{91240B29-F687-4f45-9708-019B960494DF}">
-                <a14:hiddenLine xmlns="" xmlns:a16="http://schemas.microsoft.com/office/drawing/2014/main" xmlns:a14="http://schemas.microsoft.com/office/drawing/2010/main" xmlns:p14="http://schemas.microsoft.com/office/powerpoint/2010/main" w="9525">
+                <a14:hiddenLine xmlns:p14="http://schemas.microsoft.com/office/powerpoint/2010/main" xmlns:a14="http://schemas.microsoft.com/office/drawing/2010/main" xmlns:a16="http://schemas.microsoft.com/office/drawing/2014/main" xmlns="" w="9525">
                   <a:solidFill>
                     <a:srgbClr val="000000"/>
                   </a:solidFill>
@@ -22396,7 +22461,7 @@
             </a:ln>
             <a:extLst>
               <a:ext uri="{91240B29-F687-4f45-9708-019B960494DF}">
-                <a14:hiddenLine xmlns="" xmlns:a16="http://schemas.microsoft.com/office/drawing/2014/main" xmlns:a14="http://schemas.microsoft.com/office/drawing/2010/main" xmlns:p14="http://schemas.microsoft.com/office/powerpoint/2010/main" w="9525">
+                <a14:hiddenLine xmlns:p14="http://schemas.microsoft.com/office/powerpoint/2010/main" xmlns:a14="http://schemas.microsoft.com/office/drawing/2010/main" xmlns:a16="http://schemas.microsoft.com/office/drawing/2014/main" xmlns="" w="9525">
                   <a:solidFill>
                     <a:srgbClr val="000000"/>
                   </a:solidFill>
@@ -22501,7 +22566,7 @@
             </a:ln>
             <a:extLst>
               <a:ext uri="{91240B29-F687-4f45-9708-019B960494DF}">
-                <a14:hiddenLine xmlns="" xmlns:a16="http://schemas.microsoft.com/office/drawing/2014/main" xmlns:a14="http://schemas.microsoft.com/office/drawing/2010/main" xmlns:p14="http://schemas.microsoft.com/office/powerpoint/2010/main" w="9525">
+                <a14:hiddenLine xmlns:p14="http://schemas.microsoft.com/office/powerpoint/2010/main" xmlns:a14="http://schemas.microsoft.com/office/drawing/2010/main" xmlns:a16="http://schemas.microsoft.com/office/drawing/2014/main" xmlns="" w="9525">
                   <a:solidFill>
                     <a:srgbClr val="000000"/>
                   </a:solidFill>
@@ -22578,7 +22643,7 @@
             </a:ln>
             <a:extLst>
               <a:ext uri="{91240B29-F687-4f45-9708-019B960494DF}">
-                <a14:hiddenLine xmlns="" xmlns:a16="http://schemas.microsoft.com/office/drawing/2014/main" xmlns:a14="http://schemas.microsoft.com/office/drawing/2010/main" xmlns:p14="http://schemas.microsoft.com/office/powerpoint/2010/main" w="9525">
+                <a14:hiddenLine xmlns:p14="http://schemas.microsoft.com/office/powerpoint/2010/main" xmlns:a14="http://schemas.microsoft.com/office/drawing/2010/main" xmlns:a16="http://schemas.microsoft.com/office/drawing/2014/main" xmlns="" w="9525">
                   <a:solidFill>
                     <a:srgbClr val="000000"/>
                   </a:solidFill>
@@ -22655,7 +22720,7 @@
             </a:ln>
             <a:extLst>
               <a:ext uri="{91240B29-F687-4f45-9708-019B960494DF}">
-                <a14:hiddenLine xmlns="" xmlns:a16="http://schemas.microsoft.com/office/drawing/2014/main" xmlns:a14="http://schemas.microsoft.com/office/drawing/2010/main" xmlns:p14="http://schemas.microsoft.com/office/powerpoint/2010/main" w="9525">
+                <a14:hiddenLine xmlns:p14="http://schemas.microsoft.com/office/powerpoint/2010/main" xmlns:a14="http://schemas.microsoft.com/office/drawing/2010/main" xmlns:a16="http://schemas.microsoft.com/office/drawing/2014/main" xmlns="" w="9525">
                   <a:solidFill>
                     <a:srgbClr val="000000"/>
                   </a:solidFill>
@@ -22760,7 +22825,7 @@
             </a:ln>
             <a:extLst>
               <a:ext uri="{91240B29-F687-4f45-9708-019B960494DF}">
-                <a14:hiddenLine xmlns="" xmlns:a16="http://schemas.microsoft.com/office/drawing/2014/main" xmlns:a14="http://schemas.microsoft.com/office/drawing/2010/main" xmlns:p14="http://schemas.microsoft.com/office/powerpoint/2010/main" w="9525">
+                <a14:hiddenLine xmlns:p14="http://schemas.microsoft.com/office/powerpoint/2010/main" xmlns:a14="http://schemas.microsoft.com/office/drawing/2010/main" xmlns:a16="http://schemas.microsoft.com/office/drawing/2014/main" xmlns="" w="9525">
                   <a:solidFill>
                     <a:srgbClr val="000000"/>
                   </a:solidFill>
@@ -22843,7 +22908,7 @@
             </a:ln>
             <a:extLst>
               <a:ext uri="{91240B29-F687-4f45-9708-019B960494DF}">
-                <a14:hiddenLine xmlns="" xmlns:a16="http://schemas.microsoft.com/office/drawing/2014/main" xmlns:a14="http://schemas.microsoft.com/office/drawing/2010/main" xmlns:p14="http://schemas.microsoft.com/office/powerpoint/2010/main" w="9525">
+                <a14:hiddenLine xmlns:p14="http://schemas.microsoft.com/office/powerpoint/2010/main" xmlns:a14="http://schemas.microsoft.com/office/drawing/2010/main" xmlns:a16="http://schemas.microsoft.com/office/drawing/2014/main" xmlns="" w="9525">
                   <a:solidFill>
                     <a:srgbClr val="000000"/>
                   </a:solidFill>
@@ -22920,7 +22985,7 @@
             </a:ln>
             <a:extLst>
               <a:ext uri="{91240B29-F687-4f45-9708-019B960494DF}">
-                <a14:hiddenLine xmlns="" xmlns:a16="http://schemas.microsoft.com/office/drawing/2014/main" xmlns:a14="http://schemas.microsoft.com/office/drawing/2010/main" xmlns:p14="http://schemas.microsoft.com/office/powerpoint/2010/main" w="9525">
+                <a14:hiddenLine xmlns:p14="http://schemas.microsoft.com/office/powerpoint/2010/main" xmlns:a14="http://schemas.microsoft.com/office/drawing/2010/main" xmlns:a16="http://schemas.microsoft.com/office/drawing/2014/main" xmlns="" w="9525">
                   <a:solidFill>
                     <a:srgbClr val="000000"/>
                   </a:solidFill>
@@ -23025,7 +23090,7 @@
             </a:ln>
             <a:extLst>
               <a:ext uri="{91240B29-F687-4f45-9708-019B960494DF}">
-                <a14:hiddenLine xmlns="" xmlns:a16="http://schemas.microsoft.com/office/drawing/2014/main" xmlns:a14="http://schemas.microsoft.com/office/drawing/2010/main" xmlns:p14="http://schemas.microsoft.com/office/powerpoint/2010/main" w="9525">
+                <a14:hiddenLine xmlns:p14="http://schemas.microsoft.com/office/powerpoint/2010/main" xmlns:a14="http://schemas.microsoft.com/office/drawing/2010/main" xmlns:a16="http://schemas.microsoft.com/office/drawing/2014/main" xmlns="" w="9525">
                   <a:solidFill>
                     <a:srgbClr val="000000"/>
                   </a:solidFill>
@@ -23102,7 +23167,7 @@
             </a:ln>
             <a:extLst>
               <a:ext uri="{91240B29-F687-4f45-9708-019B960494DF}">
-                <a14:hiddenLine xmlns="" xmlns:a16="http://schemas.microsoft.com/office/drawing/2014/main" xmlns:a14="http://schemas.microsoft.com/office/drawing/2010/main" xmlns:p14="http://schemas.microsoft.com/office/powerpoint/2010/main" w="9525">
+                <a14:hiddenLine xmlns:p14="http://schemas.microsoft.com/office/powerpoint/2010/main" xmlns:a14="http://schemas.microsoft.com/office/drawing/2010/main" xmlns:a16="http://schemas.microsoft.com/office/drawing/2014/main" xmlns="" w="9525">
                   <a:solidFill>
                     <a:srgbClr val="000000"/>
                   </a:solidFill>
@@ -23207,7 +23272,7 @@
             </a:ln>
             <a:extLst>
               <a:ext uri="{91240B29-F687-4f45-9708-019B960494DF}">
-                <a14:hiddenLine xmlns="" xmlns:a16="http://schemas.microsoft.com/office/drawing/2014/main" xmlns:a14="http://schemas.microsoft.com/office/drawing/2010/main" xmlns:p14="http://schemas.microsoft.com/office/powerpoint/2010/main" w="9525">
+                <a14:hiddenLine xmlns:p14="http://schemas.microsoft.com/office/powerpoint/2010/main" xmlns:a14="http://schemas.microsoft.com/office/drawing/2010/main" xmlns:a16="http://schemas.microsoft.com/office/drawing/2014/main" xmlns="" w="9525">
                   <a:solidFill>
                     <a:srgbClr val="000000"/>
                   </a:solidFill>
@@ -23284,7 +23349,7 @@
             </a:ln>
             <a:extLst>
               <a:ext uri="{91240B29-F687-4f45-9708-019B960494DF}">
-                <a14:hiddenLine xmlns="" xmlns:a16="http://schemas.microsoft.com/office/drawing/2014/main" xmlns:a14="http://schemas.microsoft.com/office/drawing/2010/main" xmlns:p14="http://schemas.microsoft.com/office/powerpoint/2010/main" w="9525">
+                <a14:hiddenLine xmlns:p14="http://schemas.microsoft.com/office/powerpoint/2010/main" xmlns:a14="http://schemas.microsoft.com/office/drawing/2010/main" xmlns:a16="http://schemas.microsoft.com/office/drawing/2014/main" xmlns="" w="9525">
                   <a:solidFill>
                     <a:srgbClr val="000000"/>
                   </a:solidFill>
@@ -23389,7 +23454,7 @@
             </a:ln>
             <a:extLst>
               <a:ext uri="{91240B29-F687-4f45-9708-019B960494DF}">
-                <a14:hiddenLine xmlns="" xmlns:a16="http://schemas.microsoft.com/office/drawing/2014/main" xmlns:a14="http://schemas.microsoft.com/office/drawing/2010/main" xmlns:p14="http://schemas.microsoft.com/office/powerpoint/2010/main" w="9525">
+                <a14:hiddenLine xmlns:p14="http://schemas.microsoft.com/office/powerpoint/2010/main" xmlns:a14="http://schemas.microsoft.com/office/drawing/2010/main" xmlns:a16="http://schemas.microsoft.com/office/drawing/2014/main" xmlns="" w="9525">
                   <a:solidFill>
                     <a:srgbClr val="000000"/>
                   </a:solidFill>
@@ -23438,7 +23503,7 @@
             </a:ln>
             <a:extLst>
               <a:ext uri="{91240B29-F687-4f45-9708-019B960494DF}">
-                <a14:hiddenLine xmlns="" xmlns:a16="http://schemas.microsoft.com/office/drawing/2014/main" xmlns:a14="http://schemas.microsoft.com/office/drawing/2010/main" xmlns:p14="http://schemas.microsoft.com/office/powerpoint/2010/main" w="9525">
+                <a14:hiddenLine xmlns:p14="http://schemas.microsoft.com/office/powerpoint/2010/main" xmlns:a14="http://schemas.microsoft.com/office/drawing/2010/main" xmlns:a16="http://schemas.microsoft.com/office/drawing/2014/main" xmlns="" w="9525">
                   <a:solidFill>
                     <a:srgbClr val="000000"/>
                   </a:solidFill>
@@ -23518,7 +23583,7 @@
             </a:ln>
             <a:extLst>
               <a:ext uri="{91240B29-F687-4f45-9708-019B960494DF}">
-                <a14:hiddenLine xmlns="" xmlns:a16="http://schemas.microsoft.com/office/drawing/2014/main" xmlns:a14="http://schemas.microsoft.com/office/drawing/2010/main" xmlns:p14="http://schemas.microsoft.com/office/powerpoint/2010/main" w="9525">
+                <a14:hiddenLine xmlns:p14="http://schemas.microsoft.com/office/powerpoint/2010/main" xmlns:a14="http://schemas.microsoft.com/office/drawing/2010/main" xmlns:a16="http://schemas.microsoft.com/office/drawing/2014/main" xmlns="" w="9525">
                   <a:solidFill>
                     <a:srgbClr val="000000"/>
                   </a:solidFill>
@@ -23623,7 +23688,7 @@
             </a:ln>
             <a:extLst>
               <a:ext uri="{91240B29-F687-4f45-9708-019B960494DF}">
-                <a14:hiddenLine xmlns="" xmlns:a16="http://schemas.microsoft.com/office/drawing/2014/main" xmlns:a14="http://schemas.microsoft.com/office/drawing/2010/main" xmlns:p14="http://schemas.microsoft.com/office/powerpoint/2010/main" w="9525">
+                <a14:hiddenLine xmlns:p14="http://schemas.microsoft.com/office/powerpoint/2010/main" xmlns:a14="http://schemas.microsoft.com/office/drawing/2010/main" xmlns:a16="http://schemas.microsoft.com/office/drawing/2014/main" xmlns="" w="9525">
                   <a:solidFill>
                     <a:srgbClr val="000000"/>
                   </a:solidFill>
@@ -23700,7 +23765,7 @@
             </a:ln>
             <a:extLst>
               <a:ext uri="{91240B29-F687-4f45-9708-019B960494DF}">
-                <a14:hiddenLine xmlns="" xmlns:a16="http://schemas.microsoft.com/office/drawing/2014/main" xmlns:a14="http://schemas.microsoft.com/office/drawing/2010/main" xmlns:p14="http://schemas.microsoft.com/office/powerpoint/2010/main" w="9525">
+                <a14:hiddenLine xmlns:p14="http://schemas.microsoft.com/office/powerpoint/2010/main" xmlns:a14="http://schemas.microsoft.com/office/drawing/2010/main" xmlns:a16="http://schemas.microsoft.com/office/drawing/2014/main" xmlns="" w="9525">
                   <a:solidFill>
                     <a:srgbClr val="000000"/>
                   </a:solidFill>
@@ -23805,7 +23870,7 @@
             </a:ln>
             <a:extLst>
               <a:ext uri="{91240B29-F687-4f45-9708-019B960494DF}">
-                <a14:hiddenLine xmlns="" xmlns:a16="http://schemas.microsoft.com/office/drawing/2014/main" xmlns:a14="http://schemas.microsoft.com/office/drawing/2010/main" xmlns:p14="http://schemas.microsoft.com/office/powerpoint/2010/main" w="9525">
+                <a14:hiddenLine xmlns:p14="http://schemas.microsoft.com/office/powerpoint/2010/main" xmlns:a14="http://schemas.microsoft.com/office/drawing/2010/main" xmlns:a16="http://schemas.microsoft.com/office/drawing/2014/main" xmlns="" w="9525">
                   <a:solidFill>
                     <a:srgbClr val="000000"/>
                   </a:solidFill>
@@ -23910,7 +23975,7 @@
             </a:ln>
             <a:extLst>
               <a:ext uri="{91240B29-F687-4f45-9708-019B960494DF}">
-                <a14:hiddenLine xmlns="" xmlns:a16="http://schemas.microsoft.com/office/drawing/2014/main" xmlns:a14="http://schemas.microsoft.com/office/drawing/2010/main" xmlns:p14="http://schemas.microsoft.com/office/powerpoint/2010/main" w="9525">
+                <a14:hiddenLine xmlns:p14="http://schemas.microsoft.com/office/powerpoint/2010/main" xmlns:a14="http://schemas.microsoft.com/office/drawing/2010/main" xmlns:a16="http://schemas.microsoft.com/office/drawing/2014/main" xmlns="" w="9525">
                   <a:solidFill>
                     <a:srgbClr val="000000"/>
                   </a:solidFill>
@@ -23990,7 +24055,7 @@
             </a:ln>
             <a:extLst>
               <a:ext uri="{91240B29-F687-4f45-9708-019B960494DF}">
-                <a14:hiddenLine xmlns="" xmlns:a16="http://schemas.microsoft.com/office/drawing/2014/main" xmlns:a14="http://schemas.microsoft.com/office/drawing/2010/main" xmlns:p14="http://schemas.microsoft.com/office/powerpoint/2010/main" w="9525">
+                <a14:hiddenLine xmlns:p14="http://schemas.microsoft.com/office/powerpoint/2010/main" xmlns:a14="http://schemas.microsoft.com/office/drawing/2010/main" xmlns:a16="http://schemas.microsoft.com/office/drawing/2014/main" xmlns="" w="9525">
                   <a:solidFill>
                     <a:srgbClr val="000000"/>
                   </a:solidFill>
@@ -24067,7 +24132,7 @@
             </a:ln>
             <a:extLst>
               <a:ext uri="{91240B29-F687-4f45-9708-019B960494DF}">
-                <a14:hiddenLine xmlns="" xmlns:a16="http://schemas.microsoft.com/office/drawing/2014/main" xmlns:a14="http://schemas.microsoft.com/office/drawing/2010/main" xmlns:p14="http://schemas.microsoft.com/office/powerpoint/2010/main" w="9525">
+                <a14:hiddenLine xmlns:p14="http://schemas.microsoft.com/office/powerpoint/2010/main" xmlns:a14="http://schemas.microsoft.com/office/drawing/2010/main" xmlns:a16="http://schemas.microsoft.com/office/drawing/2014/main" xmlns="" w="9525">
                   <a:solidFill>
                     <a:srgbClr val="000000"/>
                   </a:solidFill>
@@ -24172,7 +24237,7 @@
             </a:ln>
             <a:extLst>
               <a:ext uri="{91240B29-F687-4f45-9708-019B960494DF}">
-                <a14:hiddenLine xmlns="" xmlns:a16="http://schemas.microsoft.com/office/drawing/2014/main" xmlns:a14="http://schemas.microsoft.com/office/drawing/2010/main" xmlns:p14="http://schemas.microsoft.com/office/powerpoint/2010/main" w="9525">
+                <a14:hiddenLine xmlns:p14="http://schemas.microsoft.com/office/powerpoint/2010/main" xmlns:a14="http://schemas.microsoft.com/office/drawing/2010/main" xmlns:a16="http://schemas.microsoft.com/office/drawing/2014/main" xmlns="" w="9525">
                   <a:solidFill>
                     <a:srgbClr val="000000"/>
                   </a:solidFill>
@@ -24277,7 +24342,7 @@
             </a:ln>
             <a:extLst>
               <a:ext uri="{91240B29-F687-4f45-9708-019B960494DF}">
-                <a14:hiddenLine xmlns="" xmlns:a16="http://schemas.microsoft.com/office/drawing/2014/main" xmlns:a14="http://schemas.microsoft.com/office/drawing/2010/main" xmlns:p14="http://schemas.microsoft.com/office/powerpoint/2010/main" w="9525">
+                <a14:hiddenLine xmlns:p14="http://schemas.microsoft.com/office/powerpoint/2010/main" xmlns:a14="http://schemas.microsoft.com/office/drawing/2010/main" xmlns:a16="http://schemas.microsoft.com/office/drawing/2014/main" xmlns="" w="9525">
                   <a:solidFill>
                     <a:srgbClr val="000000"/>
                   </a:solidFill>
@@ -24354,7 +24419,7 @@
             </a:ln>
             <a:extLst>
               <a:ext uri="{91240B29-F687-4f45-9708-019B960494DF}">
-                <a14:hiddenLine xmlns="" xmlns:a16="http://schemas.microsoft.com/office/drawing/2014/main" xmlns:a14="http://schemas.microsoft.com/office/drawing/2010/main" xmlns:p14="http://schemas.microsoft.com/office/powerpoint/2010/main" w="9525">
+                <a14:hiddenLine xmlns:p14="http://schemas.microsoft.com/office/powerpoint/2010/main" xmlns:a14="http://schemas.microsoft.com/office/drawing/2010/main" xmlns:a16="http://schemas.microsoft.com/office/drawing/2014/main" xmlns="" w="9525">
                   <a:solidFill>
                     <a:srgbClr val="000000"/>
                   </a:solidFill>
@@ -24489,7 +24554,7 @@
             </a:ln>
             <a:extLst>
               <a:ext uri="{91240B29-F687-4f45-9708-019B960494DF}">
-                <a14:hiddenLine xmlns="" xmlns:a16="http://schemas.microsoft.com/office/drawing/2014/main" xmlns:a14="http://schemas.microsoft.com/office/drawing/2010/main" xmlns:p14="http://schemas.microsoft.com/office/powerpoint/2010/main" w="9525">
+                <a14:hiddenLine xmlns:p14="http://schemas.microsoft.com/office/powerpoint/2010/main" xmlns:a14="http://schemas.microsoft.com/office/drawing/2010/main" xmlns:a16="http://schemas.microsoft.com/office/drawing/2014/main" xmlns="" w="9525">
                   <a:solidFill>
                     <a:srgbClr val="000000"/>
                   </a:solidFill>
@@ -24572,7 +24637,7 @@
             </a:ln>
             <a:extLst>
               <a:ext uri="{91240B29-F687-4f45-9708-019B960494DF}">
-                <a14:hiddenLine xmlns="" xmlns:a16="http://schemas.microsoft.com/office/drawing/2014/main" xmlns:a14="http://schemas.microsoft.com/office/drawing/2010/main" xmlns:p14="http://schemas.microsoft.com/office/powerpoint/2010/main" w="9525">
+                <a14:hiddenLine xmlns:p14="http://schemas.microsoft.com/office/powerpoint/2010/main" xmlns:a14="http://schemas.microsoft.com/office/drawing/2010/main" xmlns:a16="http://schemas.microsoft.com/office/drawing/2014/main" xmlns="" w="9525">
                   <a:solidFill>
                     <a:srgbClr val="000000"/>
                   </a:solidFill>
@@ -24677,7 +24742,7 @@
             </a:ln>
             <a:extLst>
               <a:ext uri="{91240B29-F687-4f45-9708-019B960494DF}">
-                <a14:hiddenLine xmlns="" xmlns:a16="http://schemas.microsoft.com/office/drawing/2014/main" xmlns:a14="http://schemas.microsoft.com/office/drawing/2010/main" xmlns:p14="http://schemas.microsoft.com/office/powerpoint/2010/main" w="9525">
+                <a14:hiddenLine xmlns:p14="http://schemas.microsoft.com/office/powerpoint/2010/main" xmlns:a14="http://schemas.microsoft.com/office/drawing/2010/main" xmlns:a16="http://schemas.microsoft.com/office/drawing/2014/main" xmlns="" w="9525">
                   <a:solidFill>
                     <a:srgbClr val="000000"/>
                   </a:solidFill>
@@ -24702,13 +24767,13 @@
         </p:nvSpPr>
         <p:spPr>
           <a:xfrm>
-            <a:off x="5295240" y="1544463"/>
-            <a:ext cx="5367866" cy="1536171"/>
+            <a:off x="5319708" y="1527175"/>
+            <a:ext cx="5367866" cy="1209410"/>
           </a:xfrm>
         </p:spPr>
         <p:txBody>
           <a:bodyPr vert="horz" lIns="91440" tIns="45720" rIns="91440" bIns="45720" rtlCol="0" anchor="b">
-            <a:normAutofit/>
+            <a:normAutofit fontScale="90000"/>
           </a:bodyPr>
           <a:lstStyle/>
           <a:p>
@@ -24864,7 +24929,7 @@
         </p:nvSpPr>
         <p:spPr>
           <a:xfrm>
-            <a:off x="5110959" y="3255598"/>
+            <a:off x="5319708" y="2628107"/>
             <a:ext cx="6485728" cy="2611802"/>
           </a:xfrm>
         </p:spPr>
@@ -24974,6 +25039,14 @@
 <file path=ppt/slides/slide6.xml><?xml version="1.0" encoding="utf-8"?>
 <p:sld xmlns:a="http://schemas.openxmlformats.org/drawingml/2006/main" xmlns:r="http://schemas.openxmlformats.org/officeDocument/2006/relationships" xmlns:p="http://schemas.openxmlformats.org/presentationml/2006/main">
   <p:cSld>
+    <p:bg>
+      <p:bgPr>
+        <a:solidFill>
+          <a:schemeClr val="bg1"/>
+        </a:solidFill>
+        <a:effectLst/>
+      </p:bgPr>
+    </p:bg>
     <p:spTree>
       <p:nvGrpSpPr>
         <p:cNvPr id="1" name=""/>
@@ -24990,10 +25063,3552 @@
       </p:grpSpPr>
       <p:sp>
         <p:nvSpPr>
-          <p:cNvPr id="2" name="Title 1">
+          <p:cNvPr id="1031" name="Rectangle 1030">
             <a:extLst>
               <a:ext uri="{FF2B5EF4-FFF2-40B4-BE49-F238E27FC236}">
-                <a16:creationId xmlns:a16="http://schemas.microsoft.com/office/drawing/2014/main" id="{2BD76ACD-A1E2-4307-BB1E-7EB4AB02BEF3}"/>
+                <a16:creationId xmlns:a16="http://schemas.microsoft.com/office/drawing/2014/main" id="{046B922C-5BA7-4973-B12F-71A509E4BF13}"/>
+              </a:ext>
+              <a:ext uri="{C183D7F6-B498-43B3-948B-1728B52AA6E4}">
+                <adec:decorative xmlns:adec="http://schemas.microsoft.com/office/drawing/2017/decorative" val="1"/>
+              </a:ext>
+            </a:extLst>
+          </p:cNvPr>
+          <p:cNvSpPr>
+            <a:spLocks noGrp="1" noRot="1" noChangeAspect="1" noMove="1" noResize="1" noEditPoints="1" noAdjustHandles="1" noChangeArrowheads="1" noChangeShapeType="1" noTextEdit="1"/>
+          </p:cNvSpPr>
+          <p:nvPr>
+            <p:extLst>
+              <p:ext uri="{386F3935-93C4-4BCD-93E2-E3B085C9AB24}">
+                <p16:designElem xmlns:p16="http://schemas.microsoft.com/office/powerpoint/2015/main" val="1"/>
+              </p:ext>
+            </p:extLst>
+          </p:nvPr>
+        </p:nvSpPr>
+        <p:spPr>
+          <a:xfrm>
+            <a:off x="0" y="0"/>
+            <a:ext cx="12192000" cy="6858000"/>
+          </a:xfrm>
+          <a:prstGeom prst="rect">
+            <a:avLst/>
+          </a:prstGeom>
+          <a:ln>
+            <a:noFill/>
+          </a:ln>
+        </p:spPr>
+        <p:style>
+          <a:lnRef idx="2">
+            <a:schemeClr val="accent1">
+              <a:shade val="50000"/>
+            </a:schemeClr>
+          </a:lnRef>
+          <a:fillRef idx="1003">
+            <a:schemeClr val="dk2"/>
+          </a:fillRef>
+          <a:effectRef idx="0">
+            <a:schemeClr val="accent1"/>
+          </a:effectRef>
+          <a:fontRef idx="minor">
+            <a:schemeClr val="lt1"/>
+          </a:fontRef>
+        </p:style>
+        <p:txBody>
+          <a:bodyPr rtlCol="0" anchor="ctr"/>
+          <a:lstStyle/>
+          <a:p>
+            <a:pPr algn="ctr"/>
+            <a:endParaRPr lang="en-US"/>
+          </a:p>
+        </p:txBody>
+      </p:sp>
+      <p:grpSp>
+        <p:nvGrpSpPr>
+          <p:cNvPr id="1033" name="Group 1032">
+            <a:extLst>
+              <a:ext uri="{FF2B5EF4-FFF2-40B4-BE49-F238E27FC236}">
+                <a16:creationId xmlns:a16="http://schemas.microsoft.com/office/drawing/2014/main" id="{96D34D8D-9EE9-4659-8C22-7551A95F96FA}"/>
+              </a:ext>
+              <a:ext uri="{C183D7F6-B498-43B3-948B-1728B52AA6E4}">
+                <adec:decorative xmlns:adec="http://schemas.microsoft.com/office/drawing/2017/decorative" val="1"/>
+              </a:ext>
+            </a:extLst>
+          </p:cNvPr>
+          <p:cNvGrpSpPr>
+            <a:grpSpLocks noGrp="1" noUngrp="1" noRot="1" noChangeAspect="1" noMove="1" noResize="1"/>
+          </p:cNvGrpSpPr>
+          <p:nvPr>
+            <p:extLst>
+              <p:ext uri="{386F3935-93C4-4BCD-93E2-E3B085C9AB24}">
+                <p16:designElem xmlns:p16="http://schemas.microsoft.com/office/powerpoint/2015/main" val="1"/>
+              </p:ext>
+            </p:extLst>
+          </p:nvPr>
+        </p:nvGrpSpPr>
+        <p:grpSpPr>
+          <a:xfrm>
+            <a:off x="0" y="0"/>
+            <a:ext cx="11902285" cy="6858001"/>
+            <a:chOff x="0" y="0"/>
+            <a:chExt cx="11902285" cy="6858001"/>
+          </a:xfrm>
+        </p:grpSpPr>
+        <p:grpSp>
+          <p:nvGrpSpPr>
+            <p:cNvPr id="1034" name="Group 1033">
+              <a:extLst>
+                <a:ext uri="{FF2B5EF4-FFF2-40B4-BE49-F238E27FC236}">
+                  <a16:creationId xmlns:a16="http://schemas.microsoft.com/office/drawing/2014/main" id="{3CA93C16-1147-4EB3-B4E7-3C43102494D0}"/>
+                </a:ext>
+                <a:ext uri="{C183D7F6-B498-43B3-948B-1728B52AA6E4}">
+                  <adec:decorative xmlns:adec="http://schemas.microsoft.com/office/drawing/2017/decorative" val="1"/>
+                </a:ext>
+              </a:extLst>
+            </p:cNvPr>
+            <p:cNvGrpSpPr/>
+            <p:nvPr>
+              <p:extLst>
+                <p:ext uri="{386F3935-93C4-4BCD-93E2-E3B085C9AB24}">
+                  <p16:designElem xmlns:p16="http://schemas.microsoft.com/office/powerpoint/2015/main" val="1"/>
+                </p:ext>
+              </p:extLst>
+            </p:nvPr>
+          </p:nvGrpSpPr>
+          <p:grpSpPr>
+            <a:xfrm>
+              <a:off x="0" y="0"/>
+              <a:ext cx="1220788" cy="6858001"/>
+              <a:chOff x="-14288" y="0"/>
+              <a:chExt cx="1220788" cy="6858001"/>
+            </a:xfrm>
+            <a:gradFill flip="none" rotWithShape="1">
+              <a:gsLst>
+                <a:gs pos="0">
+                  <a:schemeClr val="bg2"/>
+                </a:gs>
+                <a:gs pos="100000">
+                  <a:schemeClr val="tx2">
+                    <a:lumMod val="60000"/>
+                    <a:lumOff val="40000"/>
+                  </a:schemeClr>
+                </a:gs>
+              </a:gsLst>
+              <a:lin ang="5400000" scaled="0"/>
+              <a:tileRect/>
+            </a:gradFill>
+          </p:grpSpPr>
+          <p:sp>
+            <p:nvSpPr>
+              <p:cNvPr id="1046" name="Rectangle 5">
+                <a:extLst>
+                  <a:ext uri="{FF2B5EF4-FFF2-40B4-BE49-F238E27FC236}">
+                    <a16:creationId xmlns:a16="http://schemas.microsoft.com/office/drawing/2014/main" id="{C4779968-92AF-4B85-8C27-EBBFE1D69904}"/>
+                  </a:ext>
+                  <a:ext uri="{C183D7F6-B498-43B3-948B-1728B52AA6E4}">
+                    <adec:decorative xmlns:adec="http://schemas.microsoft.com/office/drawing/2017/decorative" val="1"/>
+                  </a:ext>
+                </a:extLst>
+              </p:cNvPr>
+              <p:cNvSpPr>
+                <a:spLocks noChangeArrowheads="1"/>
+              </p:cNvSpPr>
+              <p:nvPr>
+                <p:extLst>
+                  <p:ext uri="{386F3935-93C4-4BCD-93E2-E3B085C9AB24}">
+                    <p16:designElem xmlns:p16="http://schemas.microsoft.com/office/powerpoint/2015/main" val="1"/>
+                  </p:ext>
+                </p:extLst>
+              </p:nvPr>
+            </p:nvSpPr>
+            <p:spPr bwMode="auto">
+              <a:xfrm>
+                <a:off x="114300" y="4763"/>
+                <a:ext cx="23813" cy="2181225"/>
+              </a:xfrm>
+              <a:prstGeom prst="rect">
+                <a:avLst/>
+              </a:prstGeom>
+              <a:grpFill/>
+              <a:ln>
+                <a:noFill/>
+              </a:ln>
+              <a:extLst>
+                <a:ext uri="{91240B29-F687-4f45-9708-019B960494DF}">
+                  <a14:hiddenLine xmlns="" xmlns:a16="http://schemas.microsoft.com/office/drawing/2014/main" xmlns:p14="http://schemas.microsoft.com/office/powerpoint/2010/main" xmlns:a14="http://schemas.microsoft.com/office/drawing/2010/main" w="9525">
+                    <a:solidFill>
+                      <a:srgbClr val="000000"/>
+                    </a:solidFill>
+                    <a:miter lim="800000"/>
+                    <a:headEnd/>
+                    <a:tailEnd/>
+                  </a14:hiddenLine>
+                </a:ext>
+              </a:extLst>
+            </p:spPr>
+          </p:sp>
+          <p:sp>
+            <p:nvSpPr>
+              <p:cNvPr id="1047" name="Freeform 6">
+                <a:extLst>
+                  <a:ext uri="{FF2B5EF4-FFF2-40B4-BE49-F238E27FC236}">
+                    <a16:creationId xmlns:a16="http://schemas.microsoft.com/office/drawing/2014/main" id="{2C43E18D-7024-4F17-A664-E23BFBC12B79}"/>
+                  </a:ext>
+                  <a:ext uri="{C183D7F6-B498-43B3-948B-1728B52AA6E4}">
+                    <adec:decorative xmlns:adec="http://schemas.microsoft.com/office/drawing/2017/decorative" val="1"/>
+                  </a:ext>
+                </a:extLst>
+              </p:cNvPr>
+              <p:cNvSpPr>
+                <a:spLocks noEditPoints="1"/>
+              </p:cNvSpPr>
+              <p:nvPr>
+                <p:extLst>
+                  <p:ext uri="{386F3935-93C4-4BCD-93E2-E3B085C9AB24}">
+                    <p16:designElem xmlns:p16="http://schemas.microsoft.com/office/powerpoint/2015/main" val="1"/>
+                  </p:ext>
+                </p:extLst>
+              </p:nvPr>
+            </p:nvSpPr>
+            <p:spPr bwMode="auto">
+              <a:xfrm>
+                <a:off x="33337" y="2176463"/>
+                <a:ext cx="190500" cy="190500"/>
+              </a:xfrm>
+              <a:custGeom>
+                <a:avLst/>
+                <a:gdLst/>
+                <a:ahLst/>
+                <a:cxnLst/>
+                <a:rect l="0" t="0" r="r" b="b"/>
+                <a:pathLst>
+                  <a:path w="40" h="40">
+                    <a:moveTo>
+                      <a:pt x="20" y="40"/>
+                    </a:moveTo>
+                    <a:cubicBezTo>
+                      <a:pt x="9" y="40"/>
+                      <a:pt x="0" y="31"/>
+                      <a:pt x="0" y="20"/>
+                    </a:cubicBezTo>
+                    <a:cubicBezTo>
+                      <a:pt x="0" y="9"/>
+                      <a:pt x="9" y="0"/>
+                      <a:pt x="20" y="0"/>
+                    </a:cubicBezTo>
+                    <a:cubicBezTo>
+                      <a:pt x="31" y="0"/>
+                      <a:pt x="40" y="9"/>
+                      <a:pt x="40" y="20"/>
+                    </a:cubicBezTo>
+                    <a:cubicBezTo>
+                      <a:pt x="40" y="31"/>
+                      <a:pt x="31" y="40"/>
+                      <a:pt x="20" y="40"/>
+                    </a:cubicBezTo>
+                    <a:close/>
+                    <a:moveTo>
+                      <a:pt x="20" y="4"/>
+                    </a:moveTo>
+                    <a:cubicBezTo>
+                      <a:pt x="11" y="4"/>
+                      <a:pt x="4" y="11"/>
+                      <a:pt x="4" y="20"/>
+                    </a:cubicBezTo>
+                    <a:cubicBezTo>
+                      <a:pt x="4" y="29"/>
+                      <a:pt x="11" y="36"/>
+                      <a:pt x="20" y="36"/>
+                    </a:cubicBezTo>
+                    <a:cubicBezTo>
+                      <a:pt x="28" y="36"/>
+                      <a:pt x="36" y="29"/>
+                      <a:pt x="36" y="20"/>
+                    </a:cubicBezTo>
+                    <a:cubicBezTo>
+                      <a:pt x="36" y="11"/>
+                      <a:pt x="28" y="4"/>
+                      <a:pt x="20" y="4"/>
+                    </a:cubicBezTo>
+                    <a:close/>
+                  </a:path>
+                </a:pathLst>
+              </a:custGeom>
+              <a:grpFill/>
+              <a:ln>
+                <a:noFill/>
+              </a:ln>
+              <a:extLst>
+                <a:ext uri="{91240B29-F687-4f45-9708-019B960494DF}">
+                  <a14:hiddenLine xmlns="" xmlns:a16="http://schemas.microsoft.com/office/drawing/2014/main" xmlns:p14="http://schemas.microsoft.com/office/powerpoint/2010/main" xmlns:a14="http://schemas.microsoft.com/office/drawing/2010/main" w="9525">
+                    <a:solidFill>
+                      <a:srgbClr val="000000"/>
+                    </a:solidFill>
+                    <a:round/>
+                    <a:headEnd/>
+                    <a:tailEnd/>
+                  </a14:hiddenLine>
+                </a:ext>
+              </a:extLst>
+            </p:spPr>
+          </p:sp>
+          <p:sp>
+            <p:nvSpPr>
+              <p:cNvPr id="1048" name="Freeform 7">
+                <a:extLst>
+                  <a:ext uri="{FF2B5EF4-FFF2-40B4-BE49-F238E27FC236}">
+                    <a16:creationId xmlns:a16="http://schemas.microsoft.com/office/drawing/2014/main" id="{CA2ACEBA-081B-4B0B-AFB1-C596B834FDA3}"/>
+                  </a:ext>
+                  <a:ext uri="{C183D7F6-B498-43B3-948B-1728B52AA6E4}">
+                    <adec:decorative xmlns:adec="http://schemas.microsoft.com/office/drawing/2017/decorative" val="1"/>
+                  </a:ext>
+                </a:extLst>
+              </p:cNvPr>
+              <p:cNvSpPr>
+                <a:spLocks noEditPoints="1"/>
+              </p:cNvSpPr>
+              <p:nvPr>
+                <p:extLst>
+                  <p:ext uri="{386F3935-93C4-4BCD-93E2-E3B085C9AB24}">
+                    <p16:designElem xmlns:p16="http://schemas.microsoft.com/office/powerpoint/2015/main" val="1"/>
+                  </p:ext>
+                </p:extLst>
+              </p:nvPr>
+            </p:nvSpPr>
+            <p:spPr bwMode="auto">
+              <a:xfrm>
+                <a:off x="28575" y="4021138"/>
+                <a:ext cx="190500" cy="188913"/>
+              </a:xfrm>
+              <a:custGeom>
+                <a:avLst/>
+                <a:gdLst/>
+                <a:ahLst/>
+                <a:cxnLst/>
+                <a:rect l="0" t="0" r="r" b="b"/>
+                <a:pathLst>
+                  <a:path w="40" h="40">
+                    <a:moveTo>
+                      <a:pt x="20" y="40"/>
+                    </a:moveTo>
+                    <a:cubicBezTo>
+                      <a:pt x="9" y="40"/>
+                      <a:pt x="0" y="31"/>
+                      <a:pt x="0" y="20"/>
+                    </a:cubicBezTo>
+                    <a:cubicBezTo>
+                      <a:pt x="0" y="9"/>
+                      <a:pt x="9" y="0"/>
+                      <a:pt x="20" y="0"/>
+                    </a:cubicBezTo>
+                    <a:cubicBezTo>
+                      <a:pt x="31" y="0"/>
+                      <a:pt x="40" y="9"/>
+                      <a:pt x="40" y="20"/>
+                    </a:cubicBezTo>
+                    <a:cubicBezTo>
+                      <a:pt x="40" y="31"/>
+                      <a:pt x="31" y="40"/>
+                      <a:pt x="20" y="40"/>
+                    </a:cubicBezTo>
+                    <a:close/>
+                    <a:moveTo>
+                      <a:pt x="20" y="4"/>
+                    </a:moveTo>
+                    <a:cubicBezTo>
+                      <a:pt x="12" y="4"/>
+                      <a:pt x="4" y="11"/>
+                      <a:pt x="4" y="20"/>
+                    </a:cubicBezTo>
+                    <a:cubicBezTo>
+                      <a:pt x="4" y="29"/>
+                      <a:pt x="12" y="36"/>
+                      <a:pt x="20" y="36"/>
+                    </a:cubicBezTo>
+                    <a:cubicBezTo>
+                      <a:pt x="29" y="36"/>
+                      <a:pt x="36" y="29"/>
+                      <a:pt x="36" y="20"/>
+                    </a:cubicBezTo>
+                    <a:cubicBezTo>
+                      <a:pt x="36" y="11"/>
+                      <a:pt x="29" y="4"/>
+                      <a:pt x="20" y="4"/>
+                    </a:cubicBezTo>
+                    <a:close/>
+                  </a:path>
+                </a:pathLst>
+              </a:custGeom>
+              <a:grpFill/>
+              <a:ln>
+                <a:noFill/>
+              </a:ln>
+              <a:extLst>
+                <a:ext uri="{91240B29-F687-4f45-9708-019B960494DF}">
+                  <a14:hiddenLine xmlns="" xmlns:a16="http://schemas.microsoft.com/office/drawing/2014/main" xmlns:p14="http://schemas.microsoft.com/office/powerpoint/2010/main" xmlns:a14="http://schemas.microsoft.com/office/drawing/2010/main" w="9525">
+                    <a:solidFill>
+                      <a:srgbClr val="000000"/>
+                    </a:solidFill>
+                    <a:round/>
+                    <a:headEnd/>
+                    <a:tailEnd/>
+                  </a14:hiddenLine>
+                </a:ext>
+              </a:extLst>
+            </p:spPr>
+          </p:sp>
+          <p:sp>
+            <p:nvSpPr>
+              <p:cNvPr id="1049" name="Freeform 8">
+                <a:extLst>
+                  <a:ext uri="{FF2B5EF4-FFF2-40B4-BE49-F238E27FC236}">
+                    <a16:creationId xmlns:a16="http://schemas.microsoft.com/office/drawing/2014/main" id="{2AFBB163-514B-493A-983F-8BE96848F9B5}"/>
+                  </a:ext>
+                  <a:ext uri="{C183D7F6-B498-43B3-948B-1728B52AA6E4}">
+                    <adec:decorative xmlns:adec="http://schemas.microsoft.com/office/drawing/2017/decorative" val="1"/>
+                  </a:ext>
+                </a:extLst>
+              </p:cNvPr>
+              <p:cNvSpPr/>
+              <p:nvPr>
+                <p:extLst>
+                  <p:ext uri="{386F3935-93C4-4BCD-93E2-E3B085C9AB24}">
+                    <p16:designElem xmlns:p16="http://schemas.microsoft.com/office/powerpoint/2015/main" val="1"/>
+                  </p:ext>
+                </p:extLst>
+              </p:nvPr>
+            </p:nvSpPr>
+            <p:spPr bwMode="auto">
+              <a:xfrm>
+                <a:off x="200025" y="4763"/>
+                <a:ext cx="369888" cy="1811338"/>
+              </a:xfrm>
+              <a:custGeom>
+                <a:avLst/>
+                <a:gdLst/>
+                <a:ahLst/>
+                <a:cxnLst/>
+                <a:rect l="0" t="0" r="r" b="b"/>
+                <a:pathLst>
+                  <a:path w="233" h="1141">
+                    <a:moveTo>
+                      <a:pt x="218" y="1141"/>
+                    </a:moveTo>
+                    <a:lnTo>
+                      <a:pt x="0" y="626"/>
+                    </a:lnTo>
+                    <a:lnTo>
+                      <a:pt x="0" y="0"/>
+                    </a:lnTo>
+                    <a:lnTo>
+                      <a:pt x="15" y="0"/>
+                    </a:lnTo>
+                    <a:lnTo>
+                      <a:pt x="15" y="623"/>
+                    </a:lnTo>
+                    <a:lnTo>
+                      <a:pt x="233" y="1135"/>
+                    </a:lnTo>
+                    <a:lnTo>
+                      <a:pt x="218" y="1141"/>
+                    </a:lnTo>
+                    <a:close/>
+                  </a:path>
+                </a:pathLst>
+              </a:custGeom>
+              <a:grpFill/>
+              <a:ln>
+                <a:noFill/>
+              </a:ln>
+              <a:extLst>
+                <a:ext uri="{91240B29-F687-4f45-9708-019B960494DF}">
+                  <a14:hiddenLine xmlns="" xmlns:a16="http://schemas.microsoft.com/office/drawing/2014/main" xmlns:p14="http://schemas.microsoft.com/office/powerpoint/2010/main" xmlns:a14="http://schemas.microsoft.com/office/drawing/2010/main" w="9525">
+                    <a:solidFill>
+                      <a:srgbClr val="000000"/>
+                    </a:solidFill>
+                    <a:round/>
+                    <a:headEnd/>
+                    <a:tailEnd/>
+                  </a14:hiddenLine>
+                </a:ext>
+              </a:extLst>
+            </p:spPr>
+          </p:sp>
+          <p:sp>
+            <p:nvSpPr>
+              <p:cNvPr id="1050" name="Freeform 9">
+                <a:extLst>
+                  <a:ext uri="{FF2B5EF4-FFF2-40B4-BE49-F238E27FC236}">
+                    <a16:creationId xmlns:a16="http://schemas.microsoft.com/office/drawing/2014/main" id="{7720326C-7DB1-4745-9015-3FA6990855B9}"/>
+                  </a:ext>
+                  <a:ext uri="{C183D7F6-B498-43B3-948B-1728B52AA6E4}">
+                    <adec:decorative xmlns:adec="http://schemas.microsoft.com/office/drawing/2017/decorative" val="1"/>
+                  </a:ext>
+                </a:extLst>
+              </p:cNvPr>
+              <p:cNvSpPr>
+                <a:spLocks noEditPoints="1"/>
+              </p:cNvSpPr>
+              <p:nvPr>
+                <p:extLst>
+                  <p:ext uri="{386F3935-93C4-4BCD-93E2-E3B085C9AB24}">
+                    <p16:designElem xmlns:p16="http://schemas.microsoft.com/office/powerpoint/2015/main" val="1"/>
+                  </p:ext>
+                </p:extLst>
+              </p:nvPr>
+            </p:nvSpPr>
+            <p:spPr bwMode="auto">
+              <a:xfrm>
+                <a:off x="503237" y="1801813"/>
+                <a:ext cx="190500" cy="188913"/>
+              </a:xfrm>
+              <a:custGeom>
+                <a:avLst/>
+                <a:gdLst/>
+                <a:ahLst/>
+                <a:cxnLst/>
+                <a:rect l="0" t="0" r="r" b="b"/>
+                <a:pathLst>
+                  <a:path w="40" h="40">
+                    <a:moveTo>
+                      <a:pt x="20" y="40"/>
+                    </a:moveTo>
+                    <a:cubicBezTo>
+                      <a:pt x="9" y="40"/>
+                      <a:pt x="0" y="31"/>
+                      <a:pt x="0" y="20"/>
+                    </a:cubicBezTo>
+                    <a:cubicBezTo>
+                      <a:pt x="0" y="9"/>
+                      <a:pt x="9" y="0"/>
+                      <a:pt x="20" y="0"/>
+                    </a:cubicBezTo>
+                    <a:cubicBezTo>
+                      <a:pt x="33" y="0"/>
+                      <a:pt x="40" y="6"/>
+                      <a:pt x="40" y="20"/>
+                    </a:cubicBezTo>
+                    <a:cubicBezTo>
+                      <a:pt x="40" y="31"/>
+                      <a:pt x="31" y="40"/>
+                      <a:pt x="20" y="40"/>
+                    </a:cubicBezTo>
+                    <a:close/>
+                    <a:moveTo>
+                      <a:pt x="20" y="4"/>
+                    </a:moveTo>
+                    <a:cubicBezTo>
+                      <a:pt x="11" y="4"/>
+                      <a:pt x="4" y="11"/>
+                      <a:pt x="4" y="20"/>
+                    </a:cubicBezTo>
+                    <a:cubicBezTo>
+                      <a:pt x="4" y="29"/>
+                      <a:pt x="11" y="36"/>
+                      <a:pt x="20" y="36"/>
+                    </a:cubicBezTo>
+                    <a:cubicBezTo>
+                      <a:pt x="28" y="36"/>
+                      <a:pt x="36" y="29"/>
+                      <a:pt x="36" y="20"/>
+                    </a:cubicBezTo>
+                    <a:cubicBezTo>
+                      <a:pt x="36" y="9"/>
+                      <a:pt x="31" y="4"/>
+                      <a:pt x="20" y="4"/>
+                    </a:cubicBezTo>
+                    <a:close/>
+                  </a:path>
+                </a:pathLst>
+              </a:custGeom>
+              <a:grpFill/>
+              <a:ln>
+                <a:noFill/>
+              </a:ln>
+              <a:extLst>
+                <a:ext uri="{91240B29-F687-4f45-9708-019B960494DF}">
+                  <a14:hiddenLine xmlns="" xmlns:a16="http://schemas.microsoft.com/office/drawing/2014/main" xmlns:p14="http://schemas.microsoft.com/office/powerpoint/2010/main" xmlns:a14="http://schemas.microsoft.com/office/drawing/2010/main" w="9525">
+                    <a:solidFill>
+                      <a:srgbClr val="000000"/>
+                    </a:solidFill>
+                    <a:round/>
+                    <a:headEnd/>
+                    <a:tailEnd/>
+                  </a14:hiddenLine>
+                </a:ext>
+              </a:extLst>
+            </p:spPr>
+          </p:sp>
+          <p:sp>
+            <p:nvSpPr>
+              <p:cNvPr id="1051" name="Freeform 10">
+                <a:extLst>
+                  <a:ext uri="{FF2B5EF4-FFF2-40B4-BE49-F238E27FC236}">
+                    <a16:creationId xmlns:a16="http://schemas.microsoft.com/office/drawing/2014/main" id="{01D5FBDC-A284-440B-8D5F-84287B0A25DD}"/>
+                  </a:ext>
+                  <a:ext uri="{C183D7F6-B498-43B3-948B-1728B52AA6E4}">
+                    <adec:decorative xmlns:adec="http://schemas.microsoft.com/office/drawing/2017/decorative" val="1"/>
+                  </a:ext>
+                </a:extLst>
+              </p:cNvPr>
+              <p:cNvSpPr/>
+              <p:nvPr>
+                <p:extLst>
+                  <p:ext uri="{386F3935-93C4-4BCD-93E2-E3B085C9AB24}">
+                    <p16:designElem xmlns:p16="http://schemas.microsoft.com/office/powerpoint/2015/main" val="1"/>
+                  </p:ext>
+                </p:extLst>
+              </p:nvPr>
+            </p:nvSpPr>
+            <p:spPr bwMode="auto">
+              <a:xfrm>
+                <a:off x="285750" y="4763"/>
+                <a:ext cx="369888" cy="1430338"/>
+              </a:xfrm>
+              <a:custGeom>
+                <a:avLst/>
+                <a:gdLst/>
+                <a:ahLst/>
+                <a:cxnLst/>
+                <a:rect l="0" t="0" r="r" b="b"/>
+                <a:pathLst>
+                  <a:path w="233" h="901">
+                    <a:moveTo>
+                      <a:pt x="221" y="901"/>
+                    </a:moveTo>
+                    <a:lnTo>
+                      <a:pt x="0" y="383"/>
+                    </a:lnTo>
+                    <a:lnTo>
+                      <a:pt x="0" y="0"/>
+                    </a:lnTo>
+                    <a:lnTo>
+                      <a:pt x="18" y="0"/>
+                    </a:lnTo>
+                    <a:lnTo>
+                      <a:pt x="18" y="380"/>
+                    </a:lnTo>
+                    <a:lnTo>
+                      <a:pt x="233" y="895"/>
+                    </a:lnTo>
+                    <a:lnTo>
+                      <a:pt x="221" y="901"/>
+                    </a:lnTo>
+                    <a:close/>
+                  </a:path>
+                </a:pathLst>
+              </a:custGeom>
+              <a:grpFill/>
+              <a:ln>
+                <a:noFill/>
+              </a:ln>
+              <a:extLst>
+                <a:ext uri="{91240B29-F687-4f45-9708-019B960494DF}">
+                  <a14:hiddenLine xmlns="" xmlns:a16="http://schemas.microsoft.com/office/drawing/2014/main" xmlns:p14="http://schemas.microsoft.com/office/powerpoint/2010/main" xmlns:a14="http://schemas.microsoft.com/office/drawing/2010/main" w="9525">
+                    <a:solidFill>
+                      <a:srgbClr val="000000"/>
+                    </a:solidFill>
+                    <a:round/>
+                    <a:headEnd/>
+                    <a:tailEnd/>
+                  </a14:hiddenLine>
+                </a:ext>
+              </a:extLst>
+            </p:spPr>
+          </p:sp>
+          <p:sp>
+            <p:nvSpPr>
+              <p:cNvPr id="1052" name="Freeform 11">
+                <a:extLst>
+                  <a:ext uri="{FF2B5EF4-FFF2-40B4-BE49-F238E27FC236}">
+                    <a16:creationId xmlns:a16="http://schemas.microsoft.com/office/drawing/2014/main" id="{517CE611-1CB0-442B-8998-98487209B0E9}"/>
+                  </a:ext>
+                  <a:ext uri="{C183D7F6-B498-43B3-948B-1728B52AA6E4}">
+                    <adec:decorative xmlns:adec="http://schemas.microsoft.com/office/drawing/2017/decorative" val="1"/>
+                  </a:ext>
+                </a:extLst>
+              </p:cNvPr>
+              <p:cNvSpPr/>
+              <p:nvPr>
+                <p:extLst>
+                  <p:ext uri="{386F3935-93C4-4BCD-93E2-E3B085C9AB24}">
+                    <p16:designElem xmlns:p16="http://schemas.microsoft.com/office/powerpoint/2015/main" val="1"/>
+                  </p:ext>
+                </p:extLst>
+              </p:nvPr>
+            </p:nvSpPr>
+            <p:spPr bwMode="auto">
+              <a:xfrm>
+                <a:off x="546100" y="0"/>
+                <a:ext cx="152400" cy="912813"/>
+              </a:xfrm>
+              <a:custGeom>
+                <a:avLst/>
+                <a:gdLst/>
+                <a:ahLst/>
+                <a:cxnLst/>
+                <a:rect l="0" t="0" r="r" b="b"/>
+                <a:pathLst>
+                  <a:path w="96" h="575">
+                    <a:moveTo>
+                      <a:pt x="96" y="575"/>
+                    </a:moveTo>
+                    <a:lnTo>
+                      <a:pt x="78" y="575"/>
+                    </a:lnTo>
+                    <a:lnTo>
+                      <a:pt x="78" y="192"/>
+                    </a:lnTo>
+                    <a:lnTo>
+                      <a:pt x="0" y="6"/>
+                    </a:lnTo>
+                    <a:lnTo>
+                      <a:pt x="15" y="0"/>
+                    </a:lnTo>
+                    <a:lnTo>
+                      <a:pt x="96" y="189"/>
+                    </a:lnTo>
+                    <a:lnTo>
+                      <a:pt x="96" y="575"/>
+                    </a:lnTo>
+                    <a:close/>
+                  </a:path>
+                </a:pathLst>
+              </a:custGeom>
+              <a:grpFill/>
+              <a:ln>
+                <a:noFill/>
+              </a:ln>
+              <a:extLst>
+                <a:ext uri="{91240B29-F687-4f45-9708-019B960494DF}">
+                  <a14:hiddenLine xmlns="" xmlns:a16="http://schemas.microsoft.com/office/drawing/2014/main" xmlns:p14="http://schemas.microsoft.com/office/powerpoint/2010/main" xmlns:a14="http://schemas.microsoft.com/office/drawing/2010/main" w="9525">
+                    <a:solidFill>
+                      <a:srgbClr val="000000"/>
+                    </a:solidFill>
+                    <a:round/>
+                    <a:headEnd/>
+                    <a:tailEnd/>
+                  </a14:hiddenLine>
+                </a:ext>
+              </a:extLst>
+            </p:spPr>
+          </p:sp>
+          <p:sp>
+            <p:nvSpPr>
+              <p:cNvPr id="1053" name="Freeform 12">
+                <a:extLst>
+                  <a:ext uri="{FF2B5EF4-FFF2-40B4-BE49-F238E27FC236}">
+                    <a16:creationId xmlns:a16="http://schemas.microsoft.com/office/drawing/2014/main" id="{EF0F0E46-9222-4FCF-A79E-9B4953C6F07D}"/>
+                  </a:ext>
+                  <a:ext uri="{C183D7F6-B498-43B3-948B-1728B52AA6E4}">
+                    <adec:decorative xmlns:adec="http://schemas.microsoft.com/office/drawing/2017/decorative" val="1"/>
+                  </a:ext>
+                </a:extLst>
+              </p:cNvPr>
+              <p:cNvSpPr>
+                <a:spLocks noEditPoints="1"/>
+              </p:cNvSpPr>
+              <p:nvPr>
+                <p:extLst>
+                  <p:ext uri="{386F3935-93C4-4BCD-93E2-E3B085C9AB24}">
+                    <p16:designElem xmlns:p16="http://schemas.microsoft.com/office/powerpoint/2015/main" val="1"/>
+                  </p:ext>
+                </p:extLst>
+              </p:nvPr>
+            </p:nvSpPr>
+            <p:spPr bwMode="auto">
+              <a:xfrm>
+                <a:off x="588962" y="1420813"/>
+                <a:ext cx="190500" cy="190500"/>
+              </a:xfrm>
+              <a:custGeom>
+                <a:avLst/>
+                <a:gdLst/>
+                <a:ahLst/>
+                <a:cxnLst/>
+                <a:rect l="0" t="0" r="r" b="b"/>
+                <a:pathLst>
+                  <a:path w="40" h="40">
+                    <a:moveTo>
+                      <a:pt x="20" y="40"/>
+                    </a:moveTo>
+                    <a:cubicBezTo>
+                      <a:pt x="9" y="40"/>
+                      <a:pt x="0" y="31"/>
+                      <a:pt x="0" y="20"/>
+                    </a:cubicBezTo>
+                    <a:cubicBezTo>
+                      <a:pt x="0" y="9"/>
+                      <a:pt x="9" y="0"/>
+                      <a:pt x="20" y="0"/>
+                    </a:cubicBezTo>
+                    <a:cubicBezTo>
+                      <a:pt x="33" y="0"/>
+                      <a:pt x="40" y="7"/>
+                      <a:pt x="40" y="20"/>
+                    </a:cubicBezTo>
+                    <a:cubicBezTo>
+                      <a:pt x="40" y="31"/>
+                      <a:pt x="31" y="40"/>
+                      <a:pt x="20" y="40"/>
+                    </a:cubicBezTo>
+                    <a:close/>
+                    <a:moveTo>
+                      <a:pt x="20" y="4"/>
+                    </a:moveTo>
+                    <a:cubicBezTo>
+                      <a:pt x="11" y="4"/>
+                      <a:pt x="4" y="11"/>
+                      <a:pt x="4" y="20"/>
+                    </a:cubicBezTo>
+                    <a:cubicBezTo>
+                      <a:pt x="4" y="29"/>
+                      <a:pt x="11" y="36"/>
+                      <a:pt x="20" y="36"/>
+                    </a:cubicBezTo>
+                    <a:cubicBezTo>
+                      <a:pt x="29" y="36"/>
+                      <a:pt x="36" y="29"/>
+                      <a:pt x="36" y="20"/>
+                    </a:cubicBezTo>
+                    <a:cubicBezTo>
+                      <a:pt x="36" y="9"/>
+                      <a:pt x="31" y="4"/>
+                      <a:pt x="20" y="4"/>
+                    </a:cubicBezTo>
+                    <a:close/>
+                  </a:path>
+                </a:pathLst>
+              </a:custGeom>
+              <a:grpFill/>
+              <a:ln>
+                <a:noFill/>
+              </a:ln>
+              <a:extLst>
+                <a:ext uri="{91240B29-F687-4f45-9708-019B960494DF}">
+                  <a14:hiddenLine xmlns="" xmlns:a16="http://schemas.microsoft.com/office/drawing/2014/main" xmlns:p14="http://schemas.microsoft.com/office/powerpoint/2010/main" xmlns:a14="http://schemas.microsoft.com/office/drawing/2010/main" w="9525">
+                    <a:solidFill>
+                      <a:srgbClr val="000000"/>
+                    </a:solidFill>
+                    <a:round/>
+                    <a:headEnd/>
+                    <a:tailEnd/>
+                  </a14:hiddenLine>
+                </a:ext>
+              </a:extLst>
+            </p:spPr>
+          </p:sp>
+          <p:sp>
+            <p:nvSpPr>
+              <p:cNvPr id="1054" name="Freeform 13">
+                <a:extLst>
+                  <a:ext uri="{FF2B5EF4-FFF2-40B4-BE49-F238E27FC236}">
+                    <a16:creationId xmlns:a16="http://schemas.microsoft.com/office/drawing/2014/main" id="{371A87C3-0804-4AB9-8EAD-FBFF597ED823}"/>
+                  </a:ext>
+                  <a:ext uri="{C183D7F6-B498-43B3-948B-1728B52AA6E4}">
+                    <adec:decorative xmlns:adec="http://schemas.microsoft.com/office/drawing/2017/decorative" val="1"/>
+                  </a:ext>
+                </a:extLst>
+              </p:cNvPr>
+              <p:cNvSpPr>
+                <a:spLocks noEditPoints="1"/>
+              </p:cNvSpPr>
+              <p:nvPr>
+                <p:extLst>
+                  <p:ext uri="{386F3935-93C4-4BCD-93E2-E3B085C9AB24}">
+                    <p16:designElem xmlns:p16="http://schemas.microsoft.com/office/powerpoint/2015/main" val="1"/>
+                  </p:ext>
+                </p:extLst>
+              </p:nvPr>
+            </p:nvSpPr>
+            <p:spPr bwMode="auto">
+              <a:xfrm>
+                <a:off x="588962" y="903288"/>
+                <a:ext cx="190500" cy="190500"/>
+              </a:xfrm>
+              <a:custGeom>
+                <a:avLst/>
+                <a:gdLst/>
+                <a:ahLst/>
+                <a:cxnLst/>
+                <a:rect l="0" t="0" r="r" b="b"/>
+                <a:pathLst>
+                  <a:path w="40" h="40">
+                    <a:moveTo>
+                      <a:pt x="20" y="40"/>
+                    </a:moveTo>
+                    <a:cubicBezTo>
+                      <a:pt x="9" y="40"/>
+                      <a:pt x="0" y="31"/>
+                      <a:pt x="0" y="20"/>
+                    </a:cubicBezTo>
+                    <a:cubicBezTo>
+                      <a:pt x="0" y="9"/>
+                      <a:pt x="9" y="0"/>
+                      <a:pt x="20" y="0"/>
+                    </a:cubicBezTo>
+                    <a:cubicBezTo>
+                      <a:pt x="31" y="0"/>
+                      <a:pt x="40" y="9"/>
+                      <a:pt x="40" y="20"/>
+                    </a:cubicBezTo>
+                    <a:cubicBezTo>
+                      <a:pt x="40" y="31"/>
+                      <a:pt x="31" y="40"/>
+                      <a:pt x="20" y="40"/>
+                    </a:cubicBezTo>
+                    <a:close/>
+                    <a:moveTo>
+                      <a:pt x="20" y="4"/>
+                    </a:moveTo>
+                    <a:cubicBezTo>
+                      <a:pt x="11" y="4"/>
+                      <a:pt x="4" y="11"/>
+                      <a:pt x="4" y="20"/>
+                    </a:cubicBezTo>
+                    <a:cubicBezTo>
+                      <a:pt x="4" y="29"/>
+                      <a:pt x="11" y="36"/>
+                      <a:pt x="20" y="36"/>
+                    </a:cubicBezTo>
+                    <a:cubicBezTo>
+                      <a:pt x="29" y="36"/>
+                      <a:pt x="36" y="29"/>
+                      <a:pt x="36" y="20"/>
+                    </a:cubicBezTo>
+                    <a:cubicBezTo>
+                      <a:pt x="36" y="11"/>
+                      <a:pt x="29" y="4"/>
+                      <a:pt x="20" y="4"/>
+                    </a:cubicBezTo>
+                    <a:close/>
+                  </a:path>
+                </a:pathLst>
+              </a:custGeom>
+              <a:grpFill/>
+              <a:ln>
+                <a:noFill/>
+              </a:ln>
+              <a:extLst>
+                <a:ext uri="{91240B29-F687-4f45-9708-019B960494DF}">
+                  <a14:hiddenLine xmlns="" xmlns:a16="http://schemas.microsoft.com/office/drawing/2014/main" xmlns:p14="http://schemas.microsoft.com/office/powerpoint/2010/main" xmlns:a14="http://schemas.microsoft.com/office/drawing/2010/main" w="9525">
+                    <a:solidFill>
+                      <a:srgbClr val="000000"/>
+                    </a:solidFill>
+                    <a:round/>
+                    <a:headEnd/>
+                    <a:tailEnd/>
+                  </a14:hiddenLine>
+                </a:ext>
+              </a:extLst>
+            </p:spPr>
+          </p:sp>
+          <p:sp>
+            <p:nvSpPr>
+              <p:cNvPr id="1055" name="Freeform 14">
+                <a:extLst>
+                  <a:ext uri="{FF2B5EF4-FFF2-40B4-BE49-F238E27FC236}">
+                    <a16:creationId xmlns:a16="http://schemas.microsoft.com/office/drawing/2014/main" id="{89F39433-8BC3-48D6-B705-F951DBDAABD4}"/>
+                  </a:ext>
+                  <a:ext uri="{C183D7F6-B498-43B3-948B-1728B52AA6E4}">
+                    <adec:decorative xmlns:adec="http://schemas.microsoft.com/office/drawing/2017/decorative" val="1"/>
+                  </a:ext>
+                </a:extLst>
+              </p:cNvPr>
+              <p:cNvSpPr/>
+              <p:nvPr>
+                <p:extLst>
+                  <p:ext uri="{386F3935-93C4-4BCD-93E2-E3B085C9AB24}">
+                    <p16:designElem xmlns:p16="http://schemas.microsoft.com/office/powerpoint/2015/main" val="1"/>
+                  </p:ext>
+                </p:extLst>
+              </p:nvPr>
+            </p:nvSpPr>
+            <p:spPr bwMode="auto">
+              <a:xfrm>
+                <a:off x="641350" y="0"/>
+                <a:ext cx="422275" cy="527050"/>
+              </a:xfrm>
+              <a:custGeom>
+                <a:avLst/>
+                <a:gdLst/>
+                <a:ahLst/>
+                <a:cxnLst/>
+                <a:rect l="0" t="0" r="r" b="b"/>
+                <a:pathLst>
+                  <a:path w="266" h="332">
+                    <a:moveTo>
+                      <a:pt x="257" y="332"/>
+                    </a:moveTo>
+                    <a:lnTo>
+                      <a:pt x="48" y="123"/>
+                    </a:lnTo>
+                    <a:lnTo>
+                      <a:pt x="0" y="6"/>
+                    </a:lnTo>
+                    <a:lnTo>
+                      <a:pt x="15" y="0"/>
+                    </a:lnTo>
+                    <a:lnTo>
+                      <a:pt x="63" y="114"/>
+                    </a:lnTo>
+                    <a:lnTo>
+                      <a:pt x="266" y="320"/>
+                    </a:lnTo>
+                    <a:lnTo>
+                      <a:pt x="257" y="332"/>
+                    </a:lnTo>
+                    <a:close/>
+                  </a:path>
+                </a:pathLst>
+              </a:custGeom>
+              <a:grpFill/>
+              <a:ln>
+                <a:noFill/>
+              </a:ln>
+              <a:extLst>
+                <a:ext uri="{91240B29-F687-4f45-9708-019B960494DF}">
+                  <a14:hiddenLine xmlns="" xmlns:a16="http://schemas.microsoft.com/office/drawing/2014/main" xmlns:p14="http://schemas.microsoft.com/office/powerpoint/2010/main" xmlns:a14="http://schemas.microsoft.com/office/drawing/2010/main" w="9525">
+                    <a:solidFill>
+                      <a:srgbClr val="000000"/>
+                    </a:solidFill>
+                    <a:round/>
+                    <a:headEnd/>
+                    <a:tailEnd/>
+                  </a14:hiddenLine>
+                </a:ext>
+              </a:extLst>
+            </p:spPr>
+          </p:sp>
+          <p:sp>
+            <p:nvSpPr>
+              <p:cNvPr id="1056" name="Freeform 15">
+                <a:extLst>
+                  <a:ext uri="{FF2B5EF4-FFF2-40B4-BE49-F238E27FC236}">
+                    <a16:creationId xmlns:a16="http://schemas.microsoft.com/office/drawing/2014/main" id="{AE671C9D-E91C-4143-A422-273B2F53F692}"/>
+                  </a:ext>
+                  <a:ext uri="{C183D7F6-B498-43B3-948B-1728B52AA6E4}">
+                    <adec:decorative xmlns:adec="http://schemas.microsoft.com/office/drawing/2017/decorative" val="1"/>
+                  </a:ext>
+                </a:extLst>
+              </p:cNvPr>
+              <p:cNvSpPr>
+                <a:spLocks noEditPoints="1"/>
+              </p:cNvSpPr>
+              <p:nvPr>
+                <p:extLst>
+                  <p:ext uri="{386F3935-93C4-4BCD-93E2-E3B085C9AB24}">
+                    <p16:designElem xmlns:p16="http://schemas.microsoft.com/office/powerpoint/2015/main" val="1"/>
+                  </p:ext>
+                </p:extLst>
+              </p:nvPr>
+            </p:nvSpPr>
+            <p:spPr bwMode="auto">
+              <a:xfrm>
+                <a:off x="1020762" y="488950"/>
+                <a:ext cx="161925" cy="147638"/>
+              </a:xfrm>
+              <a:custGeom>
+                <a:avLst/>
+                <a:gdLst/>
+                <a:ahLst/>
+                <a:cxnLst/>
+                <a:rect l="0" t="0" r="r" b="b"/>
+                <a:pathLst>
+                  <a:path w="34" h="31">
+                    <a:moveTo>
+                      <a:pt x="17" y="31"/>
+                    </a:moveTo>
+                    <a:cubicBezTo>
+                      <a:pt x="13" y="31"/>
+                      <a:pt x="9" y="30"/>
+                      <a:pt x="6" y="27"/>
+                    </a:cubicBezTo>
+                    <a:cubicBezTo>
+                      <a:pt x="0" y="20"/>
+                      <a:pt x="0" y="10"/>
+                      <a:pt x="6" y="4"/>
+                    </a:cubicBezTo>
+                    <a:cubicBezTo>
+                      <a:pt x="9" y="1"/>
+                      <a:pt x="13" y="0"/>
+                      <a:pt x="17" y="0"/>
+                    </a:cubicBezTo>
+                    <a:cubicBezTo>
+                      <a:pt x="21" y="0"/>
+                      <a:pt x="25" y="1"/>
+                      <a:pt x="28" y="4"/>
+                    </a:cubicBezTo>
+                    <a:cubicBezTo>
+                      <a:pt x="34" y="10"/>
+                      <a:pt x="34" y="20"/>
+                      <a:pt x="28" y="27"/>
+                    </a:cubicBezTo>
+                    <a:cubicBezTo>
+                      <a:pt x="25" y="30"/>
+                      <a:pt x="21" y="31"/>
+                      <a:pt x="17" y="31"/>
+                    </a:cubicBezTo>
+                    <a:close/>
+                    <a:moveTo>
+                      <a:pt x="17" y="4"/>
+                    </a:moveTo>
+                    <a:cubicBezTo>
+                      <a:pt x="14" y="4"/>
+                      <a:pt x="11" y="5"/>
+                      <a:pt x="9" y="7"/>
+                    </a:cubicBezTo>
+                    <a:cubicBezTo>
+                      <a:pt x="4" y="12"/>
+                      <a:pt x="4" y="19"/>
+                      <a:pt x="9" y="24"/>
+                    </a:cubicBezTo>
+                    <a:cubicBezTo>
+                      <a:pt x="11" y="26"/>
+                      <a:pt x="14" y="27"/>
+                      <a:pt x="17" y="27"/>
+                    </a:cubicBezTo>
+                    <a:cubicBezTo>
+                      <a:pt x="20" y="27"/>
+                      <a:pt x="23" y="26"/>
+                      <a:pt x="25" y="24"/>
+                    </a:cubicBezTo>
+                    <a:cubicBezTo>
+                      <a:pt x="30" y="19"/>
+                      <a:pt x="30" y="12"/>
+                      <a:pt x="25" y="7"/>
+                    </a:cubicBezTo>
+                    <a:cubicBezTo>
+                      <a:pt x="23" y="5"/>
+                      <a:pt x="20" y="4"/>
+                      <a:pt x="17" y="4"/>
+                    </a:cubicBezTo>
+                    <a:close/>
+                  </a:path>
+                </a:pathLst>
+              </a:custGeom>
+              <a:grpFill/>
+              <a:ln>
+                <a:noFill/>
+              </a:ln>
+              <a:extLst>
+                <a:ext uri="{91240B29-F687-4f45-9708-019B960494DF}">
+                  <a14:hiddenLine xmlns="" xmlns:a16="http://schemas.microsoft.com/office/drawing/2014/main" xmlns:p14="http://schemas.microsoft.com/office/powerpoint/2010/main" xmlns:a14="http://schemas.microsoft.com/office/drawing/2010/main" w="9525">
+                    <a:solidFill>
+                      <a:srgbClr val="000000"/>
+                    </a:solidFill>
+                    <a:round/>
+                    <a:headEnd/>
+                    <a:tailEnd/>
+                  </a14:hiddenLine>
+                </a:ext>
+              </a:extLst>
+            </p:spPr>
+          </p:sp>
+          <p:sp>
+            <p:nvSpPr>
+              <p:cNvPr id="1057" name="Line 16">
+                <a:extLst>
+                  <a:ext uri="{FF2B5EF4-FFF2-40B4-BE49-F238E27FC236}">
+                    <a16:creationId xmlns:a16="http://schemas.microsoft.com/office/drawing/2014/main" id="{83A72EA3-8833-41C6-9333-6A04C1C08DFB}"/>
+                  </a:ext>
+                  <a:ext uri="{C183D7F6-B498-43B3-948B-1728B52AA6E4}">
+                    <adec:decorative xmlns:adec="http://schemas.microsoft.com/office/drawing/2017/decorative" val="1"/>
+                  </a:ext>
+                </a:extLst>
+              </p:cNvPr>
+              <p:cNvSpPr>
+                <a:spLocks noChangeShapeType="1"/>
+              </p:cNvSpPr>
+              <p:nvPr>
+                <p:extLst>
+                  <p:ext uri="{386F3935-93C4-4BCD-93E2-E3B085C9AB24}">
+                    <p16:designElem xmlns:p16="http://schemas.microsoft.com/office/powerpoint/2015/main" val="1"/>
+                  </p:ext>
+                </p:extLst>
+              </p:nvPr>
+            </p:nvSpPr>
+            <p:spPr bwMode="auto">
+              <a:xfrm>
+                <a:off x="-4763" y="9525"/>
+                <a:ext cx="0" cy="0"/>
+              </a:xfrm>
+              <a:prstGeom prst="line">
+                <a:avLst/>
+              </a:prstGeom>
+              <a:grpFill/>
+              <a:ln w="15" cap="flat">
+                <a:solidFill>
+                  <a:srgbClr val="FFFFFF"/>
+                </a:solidFill>
+                <a:prstDash val="solid"/>
+                <a:miter lim="800000"/>
+                <a:headEnd/>
+                <a:tailEnd/>
+              </a:ln>
+            </p:spPr>
+          </p:sp>
+          <p:sp>
+            <p:nvSpPr>
+              <p:cNvPr id="1058" name="Freeform 17">
+                <a:extLst>
+                  <a:ext uri="{FF2B5EF4-FFF2-40B4-BE49-F238E27FC236}">
+                    <a16:creationId xmlns:a16="http://schemas.microsoft.com/office/drawing/2014/main" id="{2C0D7AAB-DC9C-4B37-A50E-A7185DE92E4E}"/>
+                  </a:ext>
+                  <a:ext uri="{C183D7F6-B498-43B3-948B-1728B52AA6E4}">
+                    <adec:decorative xmlns:adec="http://schemas.microsoft.com/office/drawing/2017/decorative" val="1"/>
+                  </a:ext>
+                </a:extLst>
+              </p:cNvPr>
+              <p:cNvSpPr/>
+              <p:nvPr>
+                <p:extLst>
+                  <p:ext uri="{386F3935-93C4-4BCD-93E2-E3B085C9AB24}">
+                    <p16:designElem xmlns:p16="http://schemas.microsoft.com/office/powerpoint/2015/main" val="1"/>
+                  </p:ext>
+                </p:extLst>
+              </p:nvPr>
+            </p:nvSpPr>
+            <p:spPr bwMode="auto">
+              <a:xfrm>
+                <a:off x="9525" y="1801813"/>
+                <a:ext cx="123825" cy="127000"/>
+              </a:xfrm>
+              <a:custGeom>
+                <a:avLst/>
+                <a:gdLst/>
+                <a:ahLst/>
+                <a:cxnLst/>
+                <a:rect l="0" t="0" r="r" b="b"/>
+                <a:pathLst>
+                  <a:path w="78" h="80">
+                    <a:moveTo>
+                      <a:pt x="6" y="80"/>
+                    </a:moveTo>
+                    <a:lnTo>
+                      <a:pt x="0" y="71"/>
+                    </a:lnTo>
+                    <a:lnTo>
+                      <a:pt x="69" y="0"/>
+                    </a:lnTo>
+                    <a:lnTo>
+                      <a:pt x="78" y="9"/>
+                    </a:lnTo>
+                    <a:lnTo>
+                      <a:pt x="6" y="80"/>
+                    </a:lnTo>
+                    <a:close/>
+                  </a:path>
+                </a:pathLst>
+              </a:custGeom>
+              <a:grpFill/>
+              <a:ln>
+                <a:noFill/>
+              </a:ln>
+              <a:extLst>
+                <a:ext uri="{91240B29-F687-4f45-9708-019B960494DF}">
+                  <a14:hiddenLine xmlns="" xmlns:a16="http://schemas.microsoft.com/office/drawing/2014/main" xmlns:p14="http://schemas.microsoft.com/office/powerpoint/2010/main" xmlns:a14="http://schemas.microsoft.com/office/drawing/2010/main" w="9525">
+                    <a:solidFill>
+                      <a:srgbClr val="000000"/>
+                    </a:solidFill>
+                    <a:round/>
+                    <a:headEnd/>
+                    <a:tailEnd/>
+                  </a14:hiddenLine>
+                </a:ext>
+              </a:extLst>
+            </p:spPr>
+          </p:sp>
+          <p:sp>
+            <p:nvSpPr>
+              <p:cNvPr id="1059" name="Freeform 18">
+                <a:extLst>
+                  <a:ext uri="{FF2B5EF4-FFF2-40B4-BE49-F238E27FC236}">
+                    <a16:creationId xmlns:a16="http://schemas.microsoft.com/office/drawing/2014/main" id="{6E7D9D6B-3455-4363-934B-FA2D68293168}"/>
+                  </a:ext>
+                  <a:ext uri="{C183D7F6-B498-43B3-948B-1728B52AA6E4}">
+                    <adec:decorative xmlns:adec="http://schemas.microsoft.com/office/drawing/2017/decorative" val="1"/>
+                  </a:ext>
+                </a:extLst>
+              </p:cNvPr>
+              <p:cNvSpPr/>
+              <p:nvPr>
+                <p:extLst>
+                  <p:ext uri="{386F3935-93C4-4BCD-93E2-E3B085C9AB24}">
+                    <p16:designElem xmlns:p16="http://schemas.microsoft.com/office/powerpoint/2015/main" val="1"/>
+                  </p:ext>
+                </p:extLst>
+              </p:nvPr>
+            </p:nvSpPr>
+            <p:spPr bwMode="auto">
+              <a:xfrm>
+                <a:off x="-9525" y="3549650"/>
+                <a:ext cx="147638" cy="481013"/>
+              </a:xfrm>
+              <a:custGeom>
+                <a:avLst/>
+                <a:gdLst/>
+                <a:ahLst/>
+                <a:cxnLst/>
+                <a:rect l="0" t="0" r="r" b="b"/>
+                <a:pathLst>
+                  <a:path w="93" h="303">
+                    <a:moveTo>
+                      <a:pt x="93" y="303"/>
+                    </a:moveTo>
+                    <a:lnTo>
+                      <a:pt x="78" y="303"/>
+                    </a:lnTo>
+                    <a:lnTo>
+                      <a:pt x="78" y="78"/>
+                    </a:lnTo>
+                    <a:lnTo>
+                      <a:pt x="0" y="12"/>
+                    </a:lnTo>
+                    <a:lnTo>
+                      <a:pt x="12" y="0"/>
+                    </a:lnTo>
+                    <a:lnTo>
+                      <a:pt x="93" y="69"/>
+                    </a:lnTo>
+                    <a:lnTo>
+                      <a:pt x="93" y="303"/>
+                    </a:lnTo>
+                    <a:close/>
+                  </a:path>
+                </a:pathLst>
+              </a:custGeom>
+              <a:grpFill/>
+              <a:ln>
+                <a:noFill/>
+              </a:ln>
+              <a:extLst>
+                <a:ext uri="{91240B29-F687-4f45-9708-019B960494DF}">
+                  <a14:hiddenLine xmlns="" xmlns:a16="http://schemas.microsoft.com/office/drawing/2014/main" xmlns:p14="http://schemas.microsoft.com/office/powerpoint/2010/main" xmlns:a14="http://schemas.microsoft.com/office/drawing/2010/main" w="9525">
+                    <a:solidFill>
+                      <a:srgbClr val="000000"/>
+                    </a:solidFill>
+                    <a:round/>
+                    <a:headEnd/>
+                    <a:tailEnd/>
+                  </a14:hiddenLine>
+                </a:ext>
+              </a:extLst>
+            </p:spPr>
+          </p:sp>
+          <p:sp>
+            <p:nvSpPr>
+              <p:cNvPr id="1060" name="Freeform 19">
+                <a:extLst>
+                  <a:ext uri="{FF2B5EF4-FFF2-40B4-BE49-F238E27FC236}">
+                    <a16:creationId xmlns:a16="http://schemas.microsoft.com/office/drawing/2014/main" id="{FFFFCA54-2217-4DAE-B791-4A6CA7DE0BDF}"/>
+                  </a:ext>
+                  <a:ext uri="{C183D7F6-B498-43B3-948B-1728B52AA6E4}">
+                    <adec:decorative xmlns:adec="http://schemas.microsoft.com/office/drawing/2017/decorative" val="1"/>
+                  </a:ext>
+                </a:extLst>
+              </p:cNvPr>
+              <p:cNvSpPr/>
+              <p:nvPr>
+                <p:extLst>
+                  <p:ext uri="{386F3935-93C4-4BCD-93E2-E3B085C9AB24}">
+                    <p16:designElem xmlns:p16="http://schemas.microsoft.com/office/powerpoint/2015/main" val="1"/>
+                  </p:ext>
+                </p:extLst>
+              </p:nvPr>
+            </p:nvSpPr>
+            <p:spPr bwMode="auto">
+              <a:xfrm>
+                <a:off x="128587" y="1382713"/>
+                <a:ext cx="142875" cy="476250"/>
+              </a:xfrm>
+              <a:custGeom>
+                <a:avLst/>
+                <a:gdLst/>
+                <a:ahLst/>
+                <a:cxnLst/>
+                <a:rect l="0" t="0" r="r" b="b"/>
+                <a:pathLst>
+                  <a:path w="90" h="300">
+                    <a:moveTo>
+                      <a:pt x="90" y="300"/>
+                    </a:moveTo>
+                    <a:lnTo>
+                      <a:pt x="78" y="300"/>
+                    </a:lnTo>
+                    <a:lnTo>
+                      <a:pt x="78" y="84"/>
+                    </a:lnTo>
+                    <a:lnTo>
+                      <a:pt x="0" y="9"/>
+                    </a:lnTo>
+                    <a:lnTo>
+                      <a:pt x="9" y="0"/>
+                    </a:lnTo>
+                    <a:lnTo>
+                      <a:pt x="90" y="81"/>
+                    </a:lnTo>
+                    <a:lnTo>
+                      <a:pt x="90" y="300"/>
+                    </a:lnTo>
+                    <a:close/>
+                  </a:path>
+                </a:pathLst>
+              </a:custGeom>
+              <a:grpFill/>
+              <a:ln>
+                <a:noFill/>
+              </a:ln>
+              <a:extLst>
+                <a:ext uri="{91240B29-F687-4f45-9708-019B960494DF}">
+                  <a14:hiddenLine xmlns="" xmlns:a16="http://schemas.microsoft.com/office/drawing/2014/main" xmlns:p14="http://schemas.microsoft.com/office/powerpoint/2010/main" xmlns:a14="http://schemas.microsoft.com/office/drawing/2010/main" w="9525">
+                    <a:solidFill>
+                      <a:srgbClr val="000000"/>
+                    </a:solidFill>
+                    <a:round/>
+                    <a:headEnd/>
+                    <a:tailEnd/>
+                  </a14:hiddenLine>
+                </a:ext>
+              </a:extLst>
+            </p:spPr>
+          </p:sp>
+          <p:sp>
+            <p:nvSpPr>
+              <p:cNvPr id="1061" name="Freeform 20">
+                <a:extLst>
+                  <a:ext uri="{FF2B5EF4-FFF2-40B4-BE49-F238E27FC236}">
+                    <a16:creationId xmlns:a16="http://schemas.microsoft.com/office/drawing/2014/main" id="{BAE43BA5-C104-4FBB-B1C6-C210D3CC5320}"/>
+                  </a:ext>
+                  <a:ext uri="{C183D7F6-B498-43B3-948B-1728B52AA6E4}">
+                    <adec:decorative xmlns:adec="http://schemas.microsoft.com/office/drawing/2017/decorative" val="1"/>
+                  </a:ext>
+                </a:extLst>
+              </p:cNvPr>
+              <p:cNvSpPr>
+                <a:spLocks noEditPoints="1"/>
+              </p:cNvSpPr>
+              <p:nvPr>
+                <p:extLst>
+                  <p:ext uri="{386F3935-93C4-4BCD-93E2-E3B085C9AB24}">
+                    <p16:designElem xmlns:p16="http://schemas.microsoft.com/office/powerpoint/2015/main" val="1"/>
+                  </p:ext>
+                </p:extLst>
+              </p:nvPr>
+            </p:nvSpPr>
+            <p:spPr bwMode="auto">
+              <a:xfrm>
+                <a:off x="204787" y="1849438"/>
+                <a:ext cx="114300" cy="107950"/>
+              </a:xfrm>
+              <a:custGeom>
+                <a:avLst/>
+                <a:gdLst/>
+                <a:ahLst/>
+                <a:cxnLst/>
+                <a:rect l="0" t="0" r="r" b="b"/>
+                <a:pathLst>
+                  <a:path w="24" h="23">
+                    <a:moveTo>
+                      <a:pt x="12" y="23"/>
+                    </a:moveTo>
+                    <a:cubicBezTo>
+                      <a:pt x="6" y="23"/>
+                      <a:pt x="0" y="18"/>
+                      <a:pt x="0" y="12"/>
+                    </a:cubicBezTo>
+                    <a:cubicBezTo>
+                      <a:pt x="0" y="5"/>
+                      <a:pt x="6" y="0"/>
+                      <a:pt x="12" y="0"/>
+                    </a:cubicBezTo>
+                    <a:cubicBezTo>
+                      <a:pt x="18" y="0"/>
+                      <a:pt x="24" y="5"/>
+                      <a:pt x="24" y="12"/>
+                    </a:cubicBezTo>
+                    <a:cubicBezTo>
+                      <a:pt x="24" y="18"/>
+                      <a:pt x="18" y="23"/>
+                      <a:pt x="12" y="23"/>
+                    </a:cubicBezTo>
+                    <a:close/>
+                    <a:moveTo>
+                      <a:pt x="12" y="4"/>
+                    </a:moveTo>
+                    <a:cubicBezTo>
+                      <a:pt x="8" y="4"/>
+                      <a:pt x="4" y="8"/>
+                      <a:pt x="4" y="12"/>
+                    </a:cubicBezTo>
+                    <a:cubicBezTo>
+                      <a:pt x="4" y="16"/>
+                      <a:pt x="8" y="19"/>
+                      <a:pt x="12" y="19"/>
+                    </a:cubicBezTo>
+                    <a:cubicBezTo>
+                      <a:pt x="16" y="19"/>
+                      <a:pt x="20" y="16"/>
+                      <a:pt x="20" y="12"/>
+                    </a:cubicBezTo>
+                    <a:cubicBezTo>
+                      <a:pt x="20" y="8"/>
+                      <a:pt x="16" y="4"/>
+                      <a:pt x="12" y="4"/>
+                    </a:cubicBezTo>
+                    <a:close/>
+                  </a:path>
+                </a:pathLst>
+              </a:custGeom>
+              <a:grpFill/>
+              <a:ln>
+                <a:noFill/>
+              </a:ln>
+              <a:extLst>
+                <a:ext uri="{91240B29-F687-4f45-9708-019B960494DF}">
+                  <a14:hiddenLine xmlns="" xmlns:a16="http://schemas.microsoft.com/office/drawing/2014/main" xmlns:p14="http://schemas.microsoft.com/office/powerpoint/2010/main" xmlns:a14="http://schemas.microsoft.com/office/drawing/2010/main" w="9525">
+                    <a:solidFill>
+                      <a:srgbClr val="000000"/>
+                    </a:solidFill>
+                    <a:round/>
+                    <a:headEnd/>
+                    <a:tailEnd/>
+                  </a14:hiddenLine>
+                </a:ext>
+              </a:extLst>
+            </p:spPr>
+          </p:sp>
+          <p:sp>
+            <p:nvSpPr>
+              <p:cNvPr id="1062" name="Rectangle 21">
+                <a:extLst>
+                  <a:ext uri="{FF2B5EF4-FFF2-40B4-BE49-F238E27FC236}">
+                    <a16:creationId xmlns:a16="http://schemas.microsoft.com/office/drawing/2014/main" id="{3BDB2330-DF01-460D-83FB-00C37965CD5A}"/>
+                  </a:ext>
+                  <a:ext uri="{C183D7F6-B498-43B3-948B-1728B52AA6E4}">
+                    <adec:decorative xmlns:adec="http://schemas.microsoft.com/office/drawing/2017/decorative" val="1"/>
+                  </a:ext>
+                </a:extLst>
+              </p:cNvPr>
+              <p:cNvSpPr>
+                <a:spLocks noChangeArrowheads="1"/>
+              </p:cNvSpPr>
+              <p:nvPr>
+                <p:extLst>
+                  <p:ext uri="{386F3935-93C4-4BCD-93E2-E3B085C9AB24}">
+                    <p16:designElem xmlns:p16="http://schemas.microsoft.com/office/powerpoint/2015/main" val="1"/>
+                  </p:ext>
+                </p:extLst>
+              </p:nvPr>
+            </p:nvSpPr>
+            <p:spPr bwMode="auto">
+              <a:xfrm>
+                <a:off x="133350" y="4662488"/>
+                <a:ext cx="23813" cy="2181225"/>
+              </a:xfrm>
+              <a:prstGeom prst="rect">
+                <a:avLst/>
+              </a:prstGeom>
+              <a:grpFill/>
+              <a:ln>
+                <a:noFill/>
+              </a:ln>
+              <a:extLst>
+                <a:ext uri="{91240B29-F687-4f45-9708-019B960494DF}">
+                  <a14:hiddenLine xmlns="" xmlns:a16="http://schemas.microsoft.com/office/drawing/2014/main" xmlns:p14="http://schemas.microsoft.com/office/powerpoint/2010/main" xmlns:a14="http://schemas.microsoft.com/office/drawing/2010/main" w="9525">
+                    <a:solidFill>
+                      <a:srgbClr val="000000"/>
+                    </a:solidFill>
+                    <a:miter lim="800000"/>
+                    <a:headEnd/>
+                    <a:tailEnd/>
+                  </a14:hiddenLine>
+                </a:ext>
+              </a:extLst>
+            </p:spPr>
+          </p:sp>
+          <p:sp>
+            <p:nvSpPr>
+              <p:cNvPr id="1063" name="Freeform 22">
+                <a:extLst>
+                  <a:ext uri="{FF2B5EF4-FFF2-40B4-BE49-F238E27FC236}">
+                    <a16:creationId xmlns:a16="http://schemas.microsoft.com/office/drawing/2014/main" id="{51261093-9B7F-4406-B2F8-0F5BE7676A2A}"/>
+                  </a:ext>
+                  <a:ext uri="{C183D7F6-B498-43B3-948B-1728B52AA6E4}">
+                    <adec:decorative xmlns:adec="http://schemas.microsoft.com/office/drawing/2017/decorative" val="1"/>
+                  </a:ext>
+                </a:extLst>
+              </p:cNvPr>
+              <p:cNvSpPr/>
+              <p:nvPr>
+                <p:extLst>
+                  <p:ext uri="{386F3935-93C4-4BCD-93E2-E3B085C9AB24}">
+                    <p16:designElem xmlns:p16="http://schemas.microsoft.com/office/powerpoint/2015/main" val="1"/>
+                  </p:ext>
+                </p:extLst>
+              </p:nvPr>
+            </p:nvSpPr>
+            <p:spPr bwMode="auto">
+              <a:xfrm>
+                <a:off x="223837" y="5041900"/>
+                <a:ext cx="369888" cy="1801813"/>
+              </a:xfrm>
+              <a:custGeom>
+                <a:avLst/>
+                <a:gdLst/>
+                <a:ahLst/>
+                <a:cxnLst/>
+                <a:rect l="0" t="0" r="r" b="b"/>
+                <a:pathLst>
+                  <a:path w="233" h="1135">
+                    <a:moveTo>
+                      <a:pt x="15" y="1135"/>
+                    </a:moveTo>
+                    <a:lnTo>
+                      <a:pt x="0" y="1135"/>
+                    </a:lnTo>
+                    <a:lnTo>
+                      <a:pt x="0" y="515"/>
+                    </a:lnTo>
+                    <a:lnTo>
+                      <a:pt x="0" y="512"/>
+                    </a:lnTo>
+                    <a:lnTo>
+                      <a:pt x="218" y="0"/>
+                    </a:lnTo>
+                    <a:lnTo>
+                      <a:pt x="233" y="6"/>
+                    </a:lnTo>
+                    <a:lnTo>
+                      <a:pt x="15" y="518"/>
+                    </a:lnTo>
+                    <a:lnTo>
+                      <a:pt x="15" y="1135"/>
+                    </a:lnTo>
+                    <a:close/>
+                  </a:path>
+                </a:pathLst>
+              </a:custGeom>
+              <a:grpFill/>
+              <a:ln>
+                <a:noFill/>
+              </a:ln>
+              <a:extLst>
+                <a:ext uri="{91240B29-F687-4f45-9708-019B960494DF}">
+                  <a14:hiddenLine xmlns="" xmlns:a16="http://schemas.microsoft.com/office/drawing/2014/main" xmlns:p14="http://schemas.microsoft.com/office/powerpoint/2010/main" xmlns:a14="http://schemas.microsoft.com/office/drawing/2010/main" w="9525">
+                    <a:solidFill>
+                      <a:srgbClr val="000000"/>
+                    </a:solidFill>
+                    <a:round/>
+                    <a:headEnd/>
+                    <a:tailEnd/>
+                  </a14:hiddenLine>
+                </a:ext>
+              </a:extLst>
+            </p:spPr>
+          </p:sp>
+          <p:sp>
+            <p:nvSpPr>
+              <p:cNvPr id="1064" name="Freeform 23">
+                <a:extLst>
+                  <a:ext uri="{FF2B5EF4-FFF2-40B4-BE49-F238E27FC236}">
+                    <a16:creationId xmlns:a16="http://schemas.microsoft.com/office/drawing/2014/main" id="{9971E195-2AB6-4CB6-9BD7-A8407B5C8097}"/>
+                  </a:ext>
+                  <a:ext uri="{C183D7F6-B498-43B3-948B-1728B52AA6E4}">
+                    <adec:decorative xmlns:adec="http://schemas.microsoft.com/office/drawing/2017/decorative" val="1"/>
+                  </a:ext>
+                </a:extLst>
+              </p:cNvPr>
+              <p:cNvSpPr>
+                <a:spLocks noEditPoints="1"/>
+              </p:cNvSpPr>
+              <p:nvPr>
+                <p:extLst>
+                  <p:ext uri="{386F3935-93C4-4BCD-93E2-E3B085C9AB24}">
+                    <p16:designElem xmlns:p16="http://schemas.microsoft.com/office/powerpoint/2015/main" val="1"/>
+                  </p:ext>
+                </p:extLst>
+              </p:nvPr>
+            </p:nvSpPr>
+            <p:spPr bwMode="auto">
+              <a:xfrm>
+                <a:off x="52387" y="4481513"/>
+                <a:ext cx="190500" cy="190500"/>
+              </a:xfrm>
+              <a:custGeom>
+                <a:avLst/>
+                <a:gdLst/>
+                <a:ahLst/>
+                <a:cxnLst/>
+                <a:rect l="0" t="0" r="r" b="b"/>
+                <a:pathLst>
+                  <a:path w="40" h="40">
+                    <a:moveTo>
+                      <a:pt x="20" y="40"/>
+                    </a:moveTo>
+                    <a:cubicBezTo>
+                      <a:pt x="9" y="40"/>
+                      <a:pt x="0" y="31"/>
+                      <a:pt x="0" y="20"/>
+                    </a:cubicBezTo>
+                    <a:cubicBezTo>
+                      <a:pt x="0" y="9"/>
+                      <a:pt x="9" y="0"/>
+                      <a:pt x="20" y="0"/>
+                    </a:cubicBezTo>
+                    <a:cubicBezTo>
+                      <a:pt x="31" y="0"/>
+                      <a:pt x="40" y="9"/>
+                      <a:pt x="40" y="20"/>
+                    </a:cubicBezTo>
+                    <a:cubicBezTo>
+                      <a:pt x="40" y="31"/>
+                      <a:pt x="31" y="40"/>
+                      <a:pt x="20" y="40"/>
+                    </a:cubicBezTo>
+                    <a:close/>
+                    <a:moveTo>
+                      <a:pt x="20" y="4"/>
+                    </a:moveTo>
+                    <a:cubicBezTo>
+                      <a:pt x="11" y="4"/>
+                      <a:pt x="4" y="11"/>
+                      <a:pt x="4" y="20"/>
+                    </a:cubicBezTo>
+                    <a:cubicBezTo>
+                      <a:pt x="4" y="29"/>
+                      <a:pt x="11" y="36"/>
+                      <a:pt x="20" y="36"/>
+                    </a:cubicBezTo>
+                    <a:cubicBezTo>
+                      <a:pt x="28" y="36"/>
+                      <a:pt x="36" y="29"/>
+                      <a:pt x="36" y="20"/>
+                    </a:cubicBezTo>
+                    <a:cubicBezTo>
+                      <a:pt x="36" y="11"/>
+                      <a:pt x="28" y="4"/>
+                      <a:pt x="20" y="4"/>
+                    </a:cubicBezTo>
+                    <a:close/>
+                  </a:path>
+                </a:pathLst>
+              </a:custGeom>
+              <a:grpFill/>
+              <a:ln>
+                <a:noFill/>
+              </a:ln>
+              <a:extLst>
+                <a:ext uri="{91240B29-F687-4f45-9708-019B960494DF}">
+                  <a14:hiddenLine xmlns="" xmlns:a16="http://schemas.microsoft.com/office/drawing/2014/main" xmlns:p14="http://schemas.microsoft.com/office/powerpoint/2010/main" xmlns:a14="http://schemas.microsoft.com/office/drawing/2010/main" w="9525">
+                    <a:solidFill>
+                      <a:srgbClr val="000000"/>
+                    </a:solidFill>
+                    <a:round/>
+                    <a:headEnd/>
+                    <a:tailEnd/>
+                  </a14:hiddenLine>
+                </a:ext>
+              </a:extLst>
+            </p:spPr>
+          </p:sp>
+          <p:sp>
+            <p:nvSpPr>
+              <p:cNvPr id="1065" name="Freeform 24">
+                <a:extLst>
+                  <a:ext uri="{FF2B5EF4-FFF2-40B4-BE49-F238E27FC236}">
+                    <a16:creationId xmlns:a16="http://schemas.microsoft.com/office/drawing/2014/main" id="{A3D843E7-8A86-4676-9C98-DECE0DFF6740}"/>
+                  </a:ext>
+                  <a:ext uri="{C183D7F6-B498-43B3-948B-1728B52AA6E4}">
+                    <adec:decorative xmlns:adec="http://schemas.microsoft.com/office/drawing/2017/decorative" val="1"/>
+                  </a:ext>
+                </a:extLst>
+              </p:cNvPr>
+              <p:cNvSpPr/>
+              <p:nvPr>
+                <p:extLst>
+                  <p:ext uri="{386F3935-93C4-4BCD-93E2-E3B085C9AB24}">
+                    <p16:designElem xmlns:p16="http://schemas.microsoft.com/office/powerpoint/2015/main" val="1"/>
+                  </p:ext>
+                </p:extLst>
+              </p:nvPr>
+            </p:nvSpPr>
+            <p:spPr bwMode="auto">
+              <a:xfrm>
+                <a:off x="-14288" y="5627688"/>
+                <a:ext cx="85725" cy="1216025"/>
+              </a:xfrm>
+              <a:custGeom>
+                <a:avLst/>
+                <a:gdLst/>
+                <a:ahLst/>
+                <a:cxnLst/>
+                <a:rect l="0" t="0" r="r" b="b"/>
+                <a:pathLst>
+                  <a:path w="54" h="766">
+                    <a:moveTo>
+                      <a:pt x="54" y="766"/>
+                    </a:moveTo>
+                    <a:lnTo>
+                      <a:pt x="36" y="766"/>
+                    </a:lnTo>
+                    <a:lnTo>
+                      <a:pt x="36" y="149"/>
+                    </a:lnTo>
+                    <a:lnTo>
+                      <a:pt x="0" y="3"/>
+                    </a:lnTo>
+                    <a:lnTo>
+                      <a:pt x="18" y="0"/>
+                    </a:lnTo>
+                    <a:lnTo>
+                      <a:pt x="54" y="146"/>
+                    </a:lnTo>
+                    <a:lnTo>
+                      <a:pt x="54" y="766"/>
+                    </a:lnTo>
+                    <a:close/>
+                  </a:path>
+                </a:pathLst>
+              </a:custGeom>
+              <a:grpFill/>
+              <a:ln>
+                <a:noFill/>
+              </a:ln>
+              <a:extLst>
+                <a:ext uri="{91240B29-F687-4f45-9708-019B960494DF}">
+                  <a14:hiddenLine xmlns="" xmlns:a16="http://schemas.microsoft.com/office/drawing/2014/main" xmlns:p14="http://schemas.microsoft.com/office/powerpoint/2010/main" xmlns:a14="http://schemas.microsoft.com/office/drawing/2010/main" w="9525">
+                    <a:solidFill>
+                      <a:srgbClr val="000000"/>
+                    </a:solidFill>
+                    <a:round/>
+                    <a:headEnd/>
+                    <a:tailEnd/>
+                  </a14:hiddenLine>
+                </a:ext>
+              </a:extLst>
+            </p:spPr>
+          </p:sp>
+          <p:sp>
+            <p:nvSpPr>
+              <p:cNvPr id="1066" name="Freeform 25">
+                <a:extLst>
+                  <a:ext uri="{FF2B5EF4-FFF2-40B4-BE49-F238E27FC236}">
+                    <a16:creationId xmlns:a16="http://schemas.microsoft.com/office/drawing/2014/main" id="{FAF42817-AB3E-40FA-997F-EAC1411F465F}"/>
+                  </a:ext>
+                  <a:ext uri="{C183D7F6-B498-43B3-948B-1728B52AA6E4}">
+                    <adec:decorative xmlns:adec="http://schemas.microsoft.com/office/drawing/2017/decorative" val="1"/>
+                  </a:ext>
+                </a:extLst>
+              </p:cNvPr>
+              <p:cNvSpPr>
+                <a:spLocks noEditPoints="1"/>
+              </p:cNvSpPr>
+              <p:nvPr>
+                <p:extLst>
+                  <p:ext uri="{386F3935-93C4-4BCD-93E2-E3B085C9AB24}">
+                    <p16:designElem xmlns:p16="http://schemas.microsoft.com/office/powerpoint/2015/main" val="1"/>
+                  </p:ext>
+                </p:extLst>
+              </p:nvPr>
+            </p:nvSpPr>
+            <p:spPr bwMode="auto">
+              <a:xfrm>
+                <a:off x="527050" y="4867275"/>
+                <a:ext cx="190500" cy="188913"/>
+              </a:xfrm>
+              <a:custGeom>
+                <a:avLst/>
+                <a:gdLst/>
+                <a:ahLst/>
+                <a:cxnLst/>
+                <a:rect l="0" t="0" r="r" b="b"/>
+                <a:pathLst>
+                  <a:path w="40" h="40">
+                    <a:moveTo>
+                      <a:pt x="20" y="40"/>
+                    </a:moveTo>
+                    <a:cubicBezTo>
+                      <a:pt x="9" y="40"/>
+                      <a:pt x="0" y="31"/>
+                      <a:pt x="0" y="20"/>
+                    </a:cubicBezTo>
+                    <a:cubicBezTo>
+                      <a:pt x="0" y="9"/>
+                      <a:pt x="9" y="0"/>
+                      <a:pt x="20" y="0"/>
+                    </a:cubicBezTo>
+                    <a:cubicBezTo>
+                      <a:pt x="31" y="0"/>
+                      <a:pt x="40" y="9"/>
+                      <a:pt x="40" y="20"/>
+                    </a:cubicBezTo>
+                    <a:cubicBezTo>
+                      <a:pt x="40" y="31"/>
+                      <a:pt x="31" y="40"/>
+                      <a:pt x="20" y="40"/>
+                    </a:cubicBezTo>
+                    <a:close/>
+                    <a:moveTo>
+                      <a:pt x="20" y="4"/>
+                    </a:moveTo>
+                    <a:cubicBezTo>
+                      <a:pt x="11" y="4"/>
+                      <a:pt x="4" y="11"/>
+                      <a:pt x="4" y="20"/>
+                    </a:cubicBezTo>
+                    <a:cubicBezTo>
+                      <a:pt x="4" y="29"/>
+                      <a:pt x="11" y="36"/>
+                      <a:pt x="20" y="36"/>
+                    </a:cubicBezTo>
+                    <a:cubicBezTo>
+                      <a:pt x="29" y="36"/>
+                      <a:pt x="36" y="29"/>
+                      <a:pt x="36" y="20"/>
+                    </a:cubicBezTo>
+                    <a:cubicBezTo>
+                      <a:pt x="36" y="11"/>
+                      <a:pt x="29" y="4"/>
+                      <a:pt x="20" y="4"/>
+                    </a:cubicBezTo>
+                    <a:close/>
+                  </a:path>
+                </a:pathLst>
+              </a:custGeom>
+              <a:grpFill/>
+              <a:ln>
+                <a:noFill/>
+              </a:ln>
+              <a:extLst>
+                <a:ext uri="{91240B29-F687-4f45-9708-019B960494DF}">
+                  <a14:hiddenLine xmlns="" xmlns:a16="http://schemas.microsoft.com/office/drawing/2014/main" xmlns:p14="http://schemas.microsoft.com/office/powerpoint/2010/main" xmlns:a14="http://schemas.microsoft.com/office/drawing/2010/main" w="9525">
+                    <a:solidFill>
+                      <a:srgbClr val="000000"/>
+                    </a:solidFill>
+                    <a:round/>
+                    <a:headEnd/>
+                    <a:tailEnd/>
+                  </a14:hiddenLine>
+                </a:ext>
+              </a:extLst>
+            </p:spPr>
+          </p:sp>
+          <p:sp>
+            <p:nvSpPr>
+              <p:cNvPr id="1067" name="Freeform 26">
+                <a:extLst>
+                  <a:ext uri="{FF2B5EF4-FFF2-40B4-BE49-F238E27FC236}">
+                    <a16:creationId xmlns:a16="http://schemas.microsoft.com/office/drawing/2014/main" id="{50ED3298-A6DC-4825-93B1-68DB8CB629A1}"/>
+                  </a:ext>
+                  <a:ext uri="{C183D7F6-B498-43B3-948B-1728B52AA6E4}">
+                    <adec:decorative xmlns:adec="http://schemas.microsoft.com/office/drawing/2017/decorative" val="1"/>
+                  </a:ext>
+                </a:extLst>
+              </p:cNvPr>
+              <p:cNvSpPr/>
+              <p:nvPr>
+                <p:extLst>
+                  <p:ext uri="{386F3935-93C4-4BCD-93E2-E3B085C9AB24}">
+                    <p16:designElem xmlns:p16="http://schemas.microsoft.com/office/powerpoint/2015/main" val="1"/>
+                  </p:ext>
+                </p:extLst>
+              </p:nvPr>
+            </p:nvSpPr>
+            <p:spPr bwMode="auto">
+              <a:xfrm>
+                <a:off x="309562" y="5422900"/>
+                <a:ext cx="374650" cy="1425575"/>
+              </a:xfrm>
+              <a:custGeom>
+                <a:avLst/>
+                <a:gdLst/>
+                <a:ahLst/>
+                <a:cxnLst/>
+                <a:rect l="0" t="0" r="r" b="b"/>
+                <a:pathLst>
+                  <a:path w="236" h="898">
+                    <a:moveTo>
+                      <a:pt x="18" y="898"/>
+                    </a:moveTo>
+                    <a:lnTo>
+                      <a:pt x="0" y="898"/>
+                    </a:lnTo>
+                    <a:lnTo>
+                      <a:pt x="0" y="515"/>
+                    </a:lnTo>
+                    <a:lnTo>
+                      <a:pt x="3" y="512"/>
+                    </a:lnTo>
+                    <a:lnTo>
+                      <a:pt x="221" y="0"/>
+                    </a:lnTo>
+                    <a:lnTo>
+                      <a:pt x="236" y="6"/>
+                    </a:lnTo>
+                    <a:lnTo>
+                      <a:pt x="18" y="518"/>
+                    </a:lnTo>
+                    <a:lnTo>
+                      <a:pt x="18" y="898"/>
+                    </a:lnTo>
+                    <a:close/>
+                  </a:path>
+                </a:pathLst>
+              </a:custGeom>
+              <a:grpFill/>
+              <a:ln>
+                <a:noFill/>
+              </a:ln>
+              <a:extLst>
+                <a:ext uri="{91240B29-F687-4f45-9708-019B960494DF}">
+                  <a14:hiddenLine xmlns="" xmlns:a16="http://schemas.microsoft.com/office/drawing/2014/main" xmlns:p14="http://schemas.microsoft.com/office/powerpoint/2010/main" xmlns:a14="http://schemas.microsoft.com/office/drawing/2010/main" w="9525">
+                    <a:solidFill>
+                      <a:srgbClr val="000000"/>
+                    </a:solidFill>
+                    <a:round/>
+                    <a:headEnd/>
+                    <a:tailEnd/>
+                  </a14:hiddenLine>
+                </a:ext>
+              </a:extLst>
+            </p:spPr>
+          </p:sp>
+          <p:sp>
+            <p:nvSpPr>
+              <p:cNvPr id="1068" name="Freeform 27">
+                <a:extLst>
+                  <a:ext uri="{FF2B5EF4-FFF2-40B4-BE49-F238E27FC236}">
+                    <a16:creationId xmlns:a16="http://schemas.microsoft.com/office/drawing/2014/main" id="{2B951778-3B6B-4BB9-9D89-2ED650C8204E}"/>
+                  </a:ext>
+                  <a:ext uri="{C183D7F6-B498-43B3-948B-1728B52AA6E4}">
+                    <adec:decorative xmlns:adec="http://schemas.microsoft.com/office/drawing/2017/decorative" val="1"/>
+                  </a:ext>
+                </a:extLst>
+              </p:cNvPr>
+              <p:cNvSpPr/>
+              <p:nvPr>
+                <p:extLst>
+                  <p:ext uri="{386F3935-93C4-4BCD-93E2-E3B085C9AB24}">
+                    <p16:designElem xmlns:p16="http://schemas.microsoft.com/office/powerpoint/2015/main" val="1"/>
+                  </p:ext>
+                </p:extLst>
+              </p:nvPr>
+            </p:nvSpPr>
+            <p:spPr bwMode="auto">
+              <a:xfrm>
+                <a:off x="569912" y="5945188"/>
+                <a:ext cx="152400" cy="912813"/>
+              </a:xfrm>
+              <a:custGeom>
+                <a:avLst/>
+                <a:gdLst/>
+                <a:ahLst/>
+                <a:cxnLst/>
+                <a:rect l="0" t="0" r="r" b="b"/>
+                <a:pathLst>
+                  <a:path w="96" h="575">
+                    <a:moveTo>
+                      <a:pt x="15" y="575"/>
+                    </a:moveTo>
+                    <a:lnTo>
+                      <a:pt x="0" y="569"/>
+                    </a:lnTo>
+                    <a:lnTo>
+                      <a:pt x="81" y="383"/>
+                    </a:lnTo>
+                    <a:lnTo>
+                      <a:pt x="81" y="0"/>
+                    </a:lnTo>
+                    <a:lnTo>
+                      <a:pt x="96" y="0"/>
+                    </a:lnTo>
+                    <a:lnTo>
+                      <a:pt x="96" y="386"/>
+                    </a:lnTo>
+                    <a:lnTo>
+                      <a:pt x="15" y="575"/>
+                    </a:lnTo>
+                    <a:close/>
+                  </a:path>
+                </a:pathLst>
+              </a:custGeom>
+              <a:grpFill/>
+              <a:ln>
+                <a:noFill/>
+              </a:ln>
+              <a:extLst>
+                <a:ext uri="{91240B29-F687-4f45-9708-019B960494DF}">
+                  <a14:hiddenLine xmlns="" xmlns:a16="http://schemas.microsoft.com/office/drawing/2014/main" xmlns:p14="http://schemas.microsoft.com/office/powerpoint/2010/main" xmlns:a14="http://schemas.microsoft.com/office/drawing/2010/main" w="9525">
+                    <a:solidFill>
+                      <a:srgbClr val="000000"/>
+                    </a:solidFill>
+                    <a:round/>
+                    <a:headEnd/>
+                    <a:tailEnd/>
+                  </a14:hiddenLine>
+                </a:ext>
+              </a:extLst>
+            </p:spPr>
+          </p:sp>
+          <p:sp>
+            <p:nvSpPr>
+              <p:cNvPr id="1069" name="Freeform 28">
+                <a:extLst>
+                  <a:ext uri="{FF2B5EF4-FFF2-40B4-BE49-F238E27FC236}">
+                    <a16:creationId xmlns:a16="http://schemas.microsoft.com/office/drawing/2014/main" id="{8F3ED9A8-A83F-463A-8C2E-E83977D9A9CA}"/>
+                  </a:ext>
+                  <a:ext uri="{C183D7F6-B498-43B3-948B-1728B52AA6E4}">
+                    <adec:decorative xmlns:adec="http://schemas.microsoft.com/office/drawing/2017/decorative" val="1"/>
+                  </a:ext>
+                </a:extLst>
+              </p:cNvPr>
+              <p:cNvSpPr>
+                <a:spLocks noEditPoints="1"/>
+              </p:cNvSpPr>
+              <p:nvPr>
+                <p:extLst>
+                  <p:ext uri="{386F3935-93C4-4BCD-93E2-E3B085C9AB24}">
+                    <p16:designElem xmlns:p16="http://schemas.microsoft.com/office/powerpoint/2015/main" val="1"/>
+                  </p:ext>
+                </p:extLst>
+              </p:nvPr>
+            </p:nvSpPr>
+            <p:spPr bwMode="auto">
+              <a:xfrm>
+                <a:off x="612775" y="5246688"/>
+                <a:ext cx="190500" cy="190500"/>
+              </a:xfrm>
+              <a:custGeom>
+                <a:avLst/>
+                <a:gdLst/>
+                <a:ahLst/>
+                <a:cxnLst/>
+                <a:rect l="0" t="0" r="r" b="b"/>
+                <a:pathLst>
+                  <a:path w="40" h="40">
+                    <a:moveTo>
+                      <a:pt x="20" y="40"/>
+                    </a:moveTo>
+                    <a:cubicBezTo>
+                      <a:pt x="9" y="40"/>
+                      <a:pt x="0" y="31"/>
+                      <a:pt x="0" y="20"/>
+                    </a:cubicBezTo>
+                    <a:cubicBezTo>
+                      <a:pt x="0" y="9"/>
+                      <a:pt x="9" y="0"/>
+                      <a:pt x="20" y="0"/>
+                    </a:cubicBezTo>
+                    <a:cubicBezTo>
+                      <a:pt x="31" y="0"/>
+                      <a:pt x="40" y="9"/>
+                      <a:pt x="40" y="20"/>
+                    </a:cubicBezTo>
+                    <a:cubicBezTo>
+                      <a:pt x="40" y="31"/>
+                      <a:pt x="31" y="40"/>
+                      <a:pt x="20" y="40"/>
+                    </a:cubicBezTo>
+                    <a:close/>
+                    <a:moveTo>
+                      <a:pt x="20" y="4"/>
+                    </a:moveTo>
+                    <a:cubicBezTo>
+                      <a:pt x="12" y="4"/>
+                      <a:pt x="4" y="11"/>
+                      <a:pt x="4" y="20"/>
+                    </a:cubicBezTo>
+                    <a:cubicBezTo>
+                      <a:pt x="4" y="29"/>
+                      <a:pt x="12" y="36"/>
+                      <a:pt x="20" y="36"/>
+                    </a:cubicBezTo>
+                    <a:cubicBezTo>
+                      <a:pt x="29" y="36"/>
+                      <a:pt x="36" y="29"/>
+                      <a:pt x="36" y="20"/>
+                    </a:cubicBezTo>
+                    <a:cubicBezTo>
+                      <a:pt x="36" y="11"/>
+                      <a:pt x="29" y="4"/>
+                      <a:pt x="20" y="4"/>
+                    </a:cubicBezTo>
+                    <a:close/>
+                  </a:path>
+                </a:pathLst>
+              </a:custGeom>
+              <a:grpFill/>
+              <a:ln>
+                <a:noFill/>
+              </a:ln>
+              <a:extLst>
+                <a:ext uri="{91240B29-F687-4f45-9708-019B960494DF}">
+                  <a14:hiddenLine xmlns="" xmlns:a16="http://schemas.microsoft.com/office/drawing/2014/main" xmlns:p14="http://schemas.microsoft.com/office/powerpoint/2010/main" xmlns:a14="http://schemas.microsoft.com/office/drawing/2010/main" w="9525">
+                    <a:solidFill>
+                      <a:srgbClr val="000000"/>
+                    </a:solidFill>
+                    <a:round/>
+                    <a:headEnd/>
+                    <a:tailEnd/>
+                  </a14:hiddenLine>
+                </a:ext>
+              </a:extLst>
+            </p:spPr>
+          </p:sp>
+          <p:sp>
+            <p:nvSpPr>
+              <p:cNvPr id="1070" name="Freeform 29">
+                <a:extLst>
+                  <a:ext uri="{FF2B5EF4-FFF2-40B4-BE49-F238E27FC236}">
+                    <a16:creationId xmlns:a16="http://schemas.microsoft.com/office/drawing/2014/main" id="{9A0C113E-781D-4083-86C0-EC936092D277}"/>
+                  </a:ext>
+                  <a:ext uri="{C183D7F6-B498-43B3-948B-1728B52AA6E4}">
+                    <adec:decorative xmlns:adec="http://schemas.microsoft.com/office/drawing/2017/decorative" val="1"/>
+                  </a:ext>
+                </a:extLst>
+              </p:cNvPr>
+              <p:cNvSpPr>
+                <a:spLocks noEditPoints="1"/>
+              </p:cNvSpPr>
+              <p:nvPr>
+                <p:extLst>
+                  <p:ext uri="{386F3935-93C4-4BCD-93E2-E3B085C9AB24}">
+                    <p16:designElem xmlns:p16="http://schemas.microsoft.com/office/powerpoint/2015/main" val="1"/>
+                  </p:ext>
+                </p:extLst>
+              </p:nvPr>
+            </p:nvSpPr>
+            <p:spPr bwMode="auto">
+              <a:xfrm>
+                <a:off x="612775" y="5764213"/>
+                <a:ext cx="190500" cy="190500"/>
+              </a:xfrm>
+              <a:custGeom>
+                <a:avLst/>
+                <a:gdLst/>
+                <a:ahLst/>
+                <a:cxnLst/>
+                <a:rect l="0" t="0" r="r" b="b"/>
+                <a:pathLst>
+                  <a:path w="40" h="40">
+                    <a:moveTo>
+                      <a:pt x="20" y="40"/>
+                    </a:moveTo>
+                    <a:cubicBezTo>
+                      <a:pt x="9" y="40"/>
+                      <a:pt x="0" y="31"/>
+                      <a:pt x="0" y="20"/>
+                    </a:cubicBezTo>
+                    <a:cubicBezTo>
+                      <a:pt x="0" y="9"/>
+                      <a:pt x="9" y="0"/>
+                      <a:pt x="20" y="0"/>
+                    </a:cubicBezTo>
+                    <a:cubicBezTo>
+                      <a:pt x="31" y="0"/>
+                      <a:pt x="40" y="9"/>
+                      <a:pt x="40" y="20"/>
+                    </a:cubicBezTo>
+                    <a:cubicBezTo>
+                      <a:pt x="40" y="31"/>
+                      <a:pt x="31" y="40"/>
+                      <a:pt x="20" y="40"/>
+                    </a:cubicBezTo>
+                    <a:close/>
+                    <a:moveTo>
+                      <a:pt x="20" y="4"/>
+                    </a:moveTo>
+                    <a:cubicBezTo>
+                      <a:pt x="12" y="4"/>
+                      <a:pt x="4" y="11"/>
+                      <a:pt x="4" y="20"/>
+                    </a:cubicBezTo>
+                    <a:cubicBezTo>
+                      <a:pt x="4" y="29"/>
+                      <a:pt x="12" y="36"/>
+                      <a:pt x="20" y="36"/>
+                    </a:cubicBezTo>
+                    <a:cubicBezTo>
+                      <a:pt x="29" y="36"/>
+                      <a:pt x="36" y="29"/>
+                      <a:pt x="36" y="20"/>
+                    </a:cubicBezTo>
+                    <a:cubicBezTo>
+                      <a:pt x="36" y="11"/>
+                      <a:pt x="29" y="4"/>
+                      <a:pt x="20" y="4"/>
+                    </a:cubicBezTo>
+                    <a:close/>
+                  </a:path>
+                </a:pathLst>
+              </a:custGeom>
+              <a:grpFill/>
+              <a:ln>
+                <a:noFill/>
+              </a:ln>
+              <a:extLst>
+                <a:ext uri="{91240B29-F687-4f45-9708-019B960494DF}">
+                  <a14:hiddenLine xmlns="" xmlns:a16="http://schemas.microsoft.com/office/drawing/2014/main" xmlns:p14="http://schemas.microsoft.com/office/powerpoint/2010/main" xmlns:a14="http://schemas.microsoft.com/office/drawing/2010/main" w="9525">
+                    <a:solidFill>
+                      <a:srgbClr val="000000"/>
+                    </a:solidFill>
+                    <a:round/>
+                    <a:headEnd/>
+                    <a:tailEnd/>
+                  </a14:hiddenLine>
+                </a:ext>
+              </a:extLst>
+            </p:spPr>
+          </p:sp>
+          <p:sp>
+            <p:nvSpPr>
+              <p:cNvPr id="1071" name="Freeform 30">
+                <a:extLst>
+                  <a:ext uri="{FF2B5EF4-FFF2-40B4-BE49-F238E27FC236}">
+                    <a16:creationId xmlns:a16="http://schemas.microsoft.com/office/drawing/2014/main" id="{B63D60EF-1E99-4D4C-BF11-AAF8ABEB86E6}"/>
+                  </a:ext>
+                  <a:ext uri="{C183D7F6-B498-43B3-948B-1728B52AA6E4}">
+                    <adec:decorative xmlns:adec="http://schemas.microsoft.com/office/drawing/2017/decorative" val="1"/>
+                  </a:ext>
+                </a:extLst>
+              </p:cNvPr>
+              <p:cNvSpPr/>
+              <p:nvPr>
+                <p:extLst>
+                  <p:ext uri="{386F3935-93C4-4BCD-93E2-E3B085C9AB24}">
+                    <p16:designElem xmlns:p16="http://schemas.microsoft.com/office/powerpoint/2015/main" val="1"/>
+                  </p:ext>
+                </p:extLst>
+              </p:nvPr>
+            </p:nvSpPr>
+            <p:spPr bwMode="auto">
+              <a:xfrm>
+                <a:off x="669925" y="6330950"/>
+                <a:ext cx="417513" cy="517525"/>
+              </a:xfrm>
+              <a:custGeom>
+                <a:avLst/>
+                <a:gdLst/>
+                <a:ahLst/>
+                <a:cxnLst/>
+                <a:rect l="0" t="0" r="r" b="b"/>
+                <a:pathLst>
+                  <a:path w="263" h="326">
+                    <a:moveTo>
+                      <a:pt x="15" y="326"/>
+                    </a:moveTo>
+                    <a:lnTo>
+                      <a:pt x="0" y="320"/>
+                    </a:lnTo>
+                    <a:lnTo>
+                      <a:pt x="45" y="206"/>
+                    </a:lnTo>
+                    <a:lnTo>
+                      <a:pt x="48" y="206"/>
+                    </a:lnTo>
+                    <a:lnTo>
+                      <a:pt x="254" y="0"/>
+                    </a:lnTo>
+                    <a:lnTo>
+                      <a:pt x="263" y="12"/>
+                    </a:lnTo>
+                    <a:lnTo>
+                      <a:pt x="60" y="215"/>
+                    </a:lnTo>
+                    <a:lnTo>
+                      <a:pt x="15" y="326"/>
+                    </a:lnTo>
+                    <a:close/>
+                  </a:path>
+                </a:pathLst>
+              </a:custGeom>
+              <a:grpFill/>
+              <a:ln>
+                <a:noFill/>
+              </a:ln>
+              <a:extLst>
+                <a:ext uri="{91240B29-F687-4f45-9708-019B960494DF}">
+                  <a14:hiddenLine xmlns="" xmlns:a16="http://schemas.microsoft.com/office/drawing/2014/main" xmlns:p14="http://schemas.microsoft.com/office/powerpoint/2010/main" xmlns:a14="http://schemas.microsoft.com/office/drawing/2010/main" w="9525">
+                    <a:solidFill>
+                      <a:srgbClr val="000000"/>
+                    </a:solidFill>
+                    <a:round/>
+                    <a:headEnd/>
+                    <a:tailEnd/>
+                  </a14:hiddenLine>
+                </a:ext>
+              </a:extLst>
+            </p:spPr>
+          </p:sp>
+          <p:sp>
+            <p:nvSpPr>
+              <p:cNvPr id="1072" name="Freeform 31">
+                <a:extLst>
+                  <a:ext uri="{FF2B5EF4-FFF2-40B4-BE49-F238E27FC236}">
+                    <a16:creationId xmlns:a16="http://schemas.microsoft.com/office/drawing/2014/main" id="{50403E41-7079-49EA-8D0B-4F678552D9BB}"/>
+                  </a:ext>
+                  <a:ext uri="{C183D7F6-B498-43B3-948B-1728B52AA6E4}">
+                    <adec:decorative xmlns:adec="http://schemas.microsoft.com/office/drawing/2017/decorative" val="1"/>
+                  </a:ext>
+                </a:extLst>
+              </p:cNvPr>
+              <p:cNvSpPr>
+                <a:spLocks noEditPoints="1"/>
+              </p:cNvSpPr>
+              <p:nvPr>
+                <p:extLst>
+                  <p:ext uri="{386F3935-93C4-4BCD-93E2-E3B085C9AB24}">
+                    <p16:designElem xmlns:p16="http://schemas.microsoft.com/office/powerpoint/2015/main" val="1"/>
+                  </p:ext>
+                </p:extLst>
+              </p:nvPr>
+            </p:nvSpPr>
+            <p:spPr bwMode="auto">
+              <a:xfrm>
+                <a:off x="1049337" y="6221413"/>
+                <a:ext cx="157163" cy="147638"/>
+              </a:xfrm>
+              <a:custGeom>
+                <a:avLst/>
+                <a:gdLst/>
+                <a:ahLst/>
+                <a:cxnLst/>
+                <a:rect l="0" t="0" r="r" b="b"/>
+                <a:pathLst>
+                  <a:path w="33" h="31">
+                    <a:moveTo>
+                      <a:pt x="16" y="31"/>
+                    </a:moveTo>
+                    <a:cubicBezTo>
+                      <a:pt x="12" y="31"/>
+                      <a:pt x="8" y="29"/>
+                      <a:pt x="5" y="26"/>
+                    </a:cubicBezTo>
+                    <a:cubicBezTo>
+                      <a:pt x="2" y="24"/>
+                      <a:pt x="0" y="20"/>
+                      <a:pt x="0" y="15"/>
+                    </a:cubicBezTo>
+                    <a:cubicBezTo>
+                      <a:pt x="0" y="11"/>
+                      <a:pt x="2" y="7"/>
+                      <a:pt x="5" y="4"/>
+                    </a:cubicBezTo>
+                    <a:cubicBezTo>
+                      <a:pt x="8" y="1"/>
+                      <a:pt x="12" y="0"/>
+                      <a:pt x="16" y="0"/>
+                    </a:cubicBezTo>
+                    <a:cubicBezTo>
+                      <a:pt x="20" y="0"/>
+                      <a:pt x="24" y="1"/>
+                      <a:pt x="27" y="4"/>
+                    </a:cubicBezTo>
+                    <a:cubicBezTo>
+                      <a:pt x="33" y="10"/>
+                      <a:pt x="33" y="20"/>
+                      <a:pt x="27" y="26"/>
+                    </a:cubicBezTo>
+                    <a:cubicBezTo>
+                      <a:pt x="24" y="29"/>
+                      <a:pt x="20" y="31"/>
+                      <a:pt x="16" y="31"/>
+                    </a:cubicBezTo>
+                    <a:close/>
+                    <a:moveTo>
+                      <a:pt x="16" y="4"/>
+                    </a:moveTo>
+                    <a:cubicBezTo>
+                      <a:pt x="13" y="4"/>
+                      <a:pt x="10" y="5"/>
+                      <a:pt x="8" y="7"/>
+                    </a:cubicBezTo>
+                    <a:cubicBezTo>
+                      <a:pt x="6" y="9"/>
+                      <a:pt x="4" y="12"/>
+                      <a:pt x="4" y="15"/>
+                    </a:cubicBezTo>
+                    <a:cubicBezTo>
+                      <a:pt x="4" y="19"/>
+                      <a:pt x="6" y="21"/>
+                      <a:pt x="8" y="24"/>
+                    </a:cubicBezTo>
+                    <a:cubicBezTo>
+                      <a:pt x="10" y="26"/>
+                      <a:pt x="13" y="27"/>
+                      <a:pt x="16" y="27"/>
+                    </a:cubicBezTo>
+                    <a:cubicBezTo>
+                      <a:pt x="19" y="27"/>
+                      <a:pt x="22" y="26"/>
+                      <a:pt x="24" y="24"/>
+                    </a:cubicBezTo>
+                    <a:cubicBezTo>
+                      <a:pt x="29" y="19"/>
+                      <a:pt x="29" y="12"/>
+                      <a:pt x="24" y="7"/>
+                    </a:cubicBezTo>
+                    <a:cubicBezTo>
+                      <a:pt x="22" y="5"/>
+                      <a:pt x="19" y="4"/>
+                      <a:pt x="16" y="4"/>
+                    </a:cubicBezTo>
+                    <a:close/>
+                  </a:path>
+                </a:pathLst>
+              </a:custGeom>
+              <a:grpFill/>
+              <a:ln>
+                <a:noFill/>
+              </a:ln>
+              <a:extLst>
+                <a:ext uri="{91240B29-F687-4f45-9708-019B960494DF}">
+                  <a14:hiddenLine xmlns="" xmlns:a16="http://schemas.microsoft.com/office/drawing/2014/main" xmlns:p14="http://schemas.microsoft.com/office/powerpoint/2010/main" xmlns:a14="http://schemas.microsoft.com/office/drawing/2010/main" w="9525">
+                    <a:solidFill>
+                      <a:srgbClr val="000000"/>
+                    </a:solidFill>
+                    <a:round/>
+                    <a:headEnd/>
+                    <a:tailEnd/>
+                  </a14:hiddenLine>
+                </a:ext>
+              </a:extLst>
+            </p:spPr>
+          </p:sp>
+        </p:grpSp>
+        <p:grpSp>
+          <p:nvGrpSpPr>
+            <p:cNvPr id="1035" name="Group 1034">
+              <a:extLst>
+                <a:ext uri="{FF2B5EF4-FFF2-40B4-BE49-F238E27FC236}">
+                  <a16:creationId xmlns:a16="http://schemas.microsoft.com/office/drawing/2014/main" id="{E3B2C458-4D37-49A0-A94E-D516E05C3CC4}"/>
+                </a:ext>
+                <a:ext uri="{C183D7F6-B498-43B3-948B-1728B52AA6E4}">
+                  <adec:decorative xmlns:adec="http://schemas.microsoft.com/office/drawing/2017/decorative" val="1"/>
+                </a:ext>
+              </a:extLst>
+            </p:cNvPr>
+            <p:cNvGrpSpPr/>
+            <p:nvPr>
+              <p:extLst>
+                <p:ext uri="{386F3935-93C4-4BCD-93E2-E3B085C9AB24}">
+                  <p16:designElem xmlns:p16="http://schemas.microsoft.com/office/powerpoint/2015/main" val="1"/>
+                </p:ext>
+              </p:extLst>
+            </p:nvPr>
+          </p:nvGrpSpPr>
+          <p:grpSpPr>
+            <a:xfrm>
+              <a:off x="11227597" y="0"/>
+              <a:ext cx="674688" cy="6848476"/>
+              <a:chOff x="11364912" y="0"/>
+              <a:chExt cx="674688" cy="6848476"/>
+            </a:xfrm>
+            <a:gradFill flip="none" rotWithShape="1">
+              <a:gsLst>
+                <a:gs pos="0">
+                  <a:schemeClr val="bg2"/>
+                </a:gs>
+                <a:gs pos="100000">
+                  <a:schemeClr val="tx2">
+                    <a:lumMod val="60000"/>
+                    <a:lumOff val="40000"/>
+                  </a:schemeClr>
+                </a:gs>
+              </a:gsLst>
+              <a:lin ang="5400000" scaled="0"/>
+              <a:tileRect/>
+            </a:gradFill>
+          </p:grpSpPr>
+          <p:sp>
+            <p:nvSpPr>
+              <p:cNvPr id="1036" name="Freeform 32">
+                <a:extLst>
+                  <a:ext uri="{FF2B5EF4-FFF2-40B4-BE49-F238E27FC236}">
+                    <a16:creationId xmlns:a16="http://schemas.microsoft.com/office/drawing/2014/main" id="{C1B10016-E0C4-4526-A466-9911541D26EF}"/>
+                  </a:ext>
+                  <a:ext uri="{C183D7F6-B498-43B3-948B-1728B52AA6E4}">
+                    <adec:decorative xmlns:adec="http://schemas.microsoft.com/office/drawing/2017/decorative" val="1"/>
+                  </a:ext>
+                </a:extLst>
+              </p:cNvPr>
+              <p:cNvSpPr/>
+              <p:nvPr>
+                <p:extLst>
+                  <p:ext uri="{386F3935-93C4-4BCD-93E2-E3B085C9AB24}">
+                    <p16:designElem xmlns:p16="http://schemas.microsoft.com/office/powerpoint/2015/main" val="1"/>
+                  </p:ext>
+                </p:extLst>
+              </p:nvPr>
+            </p:nvSpPr>
+            <p:spPr bwMode="auto">
+              <a:xfrm>
+                <a:off x="11483975" y="0"/>
+                <a:ext cx="417513" cy="512763"/>
+              </a:xfrm>
+              <a:custGeom>
+                <a:avLst/>
+                <a:gdLst/>
+                <a:ahLst/>
+                <a:cxnLst/>
+                <a:rect l="0" t="0" r="r" b="b"/>
+                <a:pathLst>
+                  <a:path w="263" h="323">
+                    <a:moveTo>
+                      <a:pt x="12" y="323"/>
+                    </a:moveTo>
+                    <a:lnTo>
+                      <a:pt x="0" y="314"/>
+                    </a:lnTo>
+                    <a:lnTo>
+                      <a:pt x="203" y="108"/>
+                    </a:lnTo>
+                    <a:lnTo>
+                      <a:pt x="248" y="0"/>
+                    </a:lnTo>
+                    <a:lnTo>
+                      <a:pt x="263" y="6"/>
+                    </a:lnTo>
+                    <a:lnTo>
+                      <a:pt x="218" y="117"/>
+                    </a:lnTo>
+                    <a:lnTo>
+                      <a:pt x="218" y="117"/>
+                    </a:lnTo>
+                    <a:lnTo>
+                      <a:pt x="12" y="323"/>
+                    </a:lnTo>
+                    <a:close/>
+                  </a:path>
+                </a:pathLst>
+              </a:custGeom>
+              <a:grpFill/>
+              <a:ln>
+                <a:noFill/>
+              </a:ln>
+              <a:extLst>
+                <a:ext uri="{91240B29-F687-4f45-9708-019B960494DF}">
+                  <a14:hiddenLine xmlns="" xmlns:a16="http://schemas.microsoft.com/office/drawing/2014/main" xmlns:p14="http://schemas.microsoft.com/office/powerpoint/2010/main" xmlns:a14="http://schemas.microsoft.com/office/drawing/2010/main" w="9525">
+                    <a:solidFill>
+                      <a:srgbClr val="000000"/>
+                    </a:solidFill>
+                    <a:round/>
+                    <a:headEnd/>
+                    <a:tailEnd/>
+                  </a14:hiddenLine>
+                </a:ext>
+              </a:extLst>
+            </p:spPr>
+          </p:sp>
+          <p:sp>
+            <p:nvSpPr>
+              <p:cNvPr id="1037" name="Freeform 33">
+                <a:extLst>
+                  <a:ext uri="{FF2B5EF4-FFF2-40B4-BE49-F238E27FC236}">
+                    <a16:creationId xmlns:a16="http://schemas.microsoft.com/office/drawing/2014/main" id="{D574C3F0-FC2B-43A3-94B2-75D305FBF7D0}"/>
+                  </a:ext>
+                  <a:ext uri="{C183D7F6-B498-43B3-948B-1728B52AA6E4}">
+                    <adec:decorative xmlns:adec="http://schemas.microsoft.com/office/drawing/2017/decorative" val="1"/>
+                  </a:ext>
+                </a:extLst>
+              </p:cNvPr>
+              <p:cNvSpPr>
+                <a:spLocks noEditPoints="1"/>
+              </p:cNvSpPr>
+              <p:nvPr>
+                <p:extLst>
+                  <p:ext uri="{386F3935-93C4-4BCD-93E2-E3B085C9AB24}">
+                    <p16:designElem xmlns:p16="http://schemas.microsoft.com/office/powerpoint/2015/main" val="1"/>
+                  </p:ext>
+                </p:extLst>
+              </p:nvPr>
+            </p:nvSpPr>
+            <p:spPr bwMode="auto">
+              <a:xfrm>
+                <a:off x="11364912" y="474663"/>
+                <a:ext cx="157163" cy="152400"/>
+              </a:xfrm>
+              <a:custGeom>
+                <a:avLst/>
+                <a:gdLst/>
+                <a:ahLst/>
+                <a:cxnLst/>
+                <a:rect l="0" t="0" r="r" b="b"/>
+                <a:pathLst>
+                  <a:path w="33" h="32">
+                    <a:moveTo>
+                      <a:pt x="17" y="32"/>
+                    </a:moveTo>
+                    <a:cubicBezTo>
+                      <a:pt x="13" y="32"/>
+                      <a:pt x="9" y="30"/>
+                      <a:pt x="6" y="27"/>
+                    </a:cubicBezTo>
+                    <a:cubicBezTo>
+                      <a:pt x="0" y="21"/>
+                      <a:pt x="0" y="11"/>
+                      <a:pt x="6" y="5"/>
+                    </a:cubicBezTo>
+                    <a:cubicBezTo>
+                      <a:pt x="9" y="2"/>
+                      <a:pt x="13" y="0"/>
+                      <a:pt x="17" y="0"/>
+                    </a:cubicBezTo>
+                    <a:cubicBezTo>
+                      <a:pt x="21" y="0"/>
+                      <a:pt x="25" y="2"/>
+                      <a:pt x="28" y="5"/>
+                    </a:cubicBezTo>
+                    <a:cubicBezTo>
+                      <a:pt x="31" y="8"/>
+                      <a:pt x="33" y="12"/>
+                      <a:pt x="33" y="16"/>
+                    </a:cubicBezTo>
+                    <a:cubicBezTo>
+                      <a:pt x="33" y="20"/>
+                      <a:pt x="31" y="24"/>
+                      <a:pt x="28" y="27"/>
+                    </a:cubicBezTo>
+                    <a:cubicBezTo>
+                      <a:pt x="25" y="30"/>
+                      <a:pt x="21" y="32"/>
+                      <a:pt x="17" y="32"/>
+                    </a:cubicBezTo>
+                    <a:close/>
+                    <a:moveTo>
+                      <a:pt x="17" y="4"/>
+                    </a:moveTo>
+                    <a:cubicBezTo>
+                      <a:pt x="14" y="4"/>
+                      <a:pt x="11" y="6"/>
+                      <a:pt x="9" y="8"/>
+                    </a:cubicBezTo>
+                    <a:cubicBezTo>
+                      <a:pt x="4" y="12"/>
+                      <a:pt x="4" y="20"/>
+                      <a:pt x="9" y="24"/>
+                    </a:cubicBezTo>
+                    <a:cubicBezTo>
+                      <a:pt x="11" y="27"/>
+                      <a:pt x="14" y="28"/>
+                      <a:pt x="17" y="28"/>
+                    </a:cubicBezTo>
+                    <a:cubicBezTo>
+                      <a:pt x="20" y="28"/>
+                      <a:pt x="23" y="27"/>
+                      <a:pt x="26" y="24"/>
+                    </a:cubicBezTo>
+                    <a:cubicBezTo>
+                      <a:pt x="30" y="20"/>
+                      <a:pt x="30" y="12"/>
+                      <a:pt x="26" y="8"/>
+                    </a:cubicBezTo>
+                    <a:cubicBezTo>
+                      <a:pt x="23" y="6"/>
+                      <a:pt x="20" y="4"/>
+                      <a:pt x="17" y="4"/>
+                    </a:cubicBezTo>
+                    <a:close/>
+                  </a:path>
+                </a:pathLst>
+              </a:custGeom>
+              <a:grpFill/>
+              <a:ln>
+                <a:noFill/>
+              </a:ln>
+              <a:extLst>
+                <a:ext uri="{91240B29-F687-4f45-9708-019B960494DF}">
+                  <a14:hiddenLine xmlns="" xmlns:a16="http://schemas.microsoft.com/office/drawing/2014/main" xmlns:p14="http://schemas.microsoft.com/office/powerpoint/2010/main" xmlns:a14="http://schemas.microsoft.com/office/drawing/2010/main" w="9525">
+                    <a:solidFill>
+                      <a:srgbClr val="000000"/>
+                    </a:solidFill>
+                    <a:round/>
+                    <a:headEnd/>
+                    <a:tailEnd/>
+                  </a14:hiddenLine>
+                </a:ext>
+              </a:extLst>
+            </p:spPr>
+          </p:sp>
+          <p:sp>
+            <p:nvSpPr>
+              <p:cNvPr id="1038" name="Freeform 34">
+                <a:extLst>
+                  <a:ext uri="{FF2B5EF4-FFF2-40B4-BE49-F238E27FC236}">
+                    <a16:creationId xmlns:a16="http://schemas.microsoft.com/office/drawing/2014/main" id="{D92A5F66-F404-433B-BDBE-5E0DFF40D656}"/>
+                  </a:ext>
+                  <a:ext uri="{C183D7F6-B498-43B3-948B-1728B52AA6E4}">
+                    <adec:decorative xmlns:adec="http://schemas.microsoft.com/office/drawing/2017/decorative" val="1"/>
+                  </a:ext>
+                </a:extLst>
+              </p:cNvPr>
+              <p:cNvSpPr>
+                <a:spLocks noEditPoints="1"/>
+              </p:cNvSpPr>
+              <p:nvPr>
+                <p:extLst>
+                  <p:ext uri="{386F3935-93C4-4BCD-93E2-E3B085C9AB24}">
+                    <p16:designElem xmlns:p16="http://schemas.microsoft.com/office/powerpoint/2015/main" val="1"/>
+                  </p:ext>
+                </p:extLst>
+              </p:nvPr>
+            </p:nvSpPr>
+            <p:spPr bwMode="auto">
+              <a:xfrm>
+                <a:off x="11631612" y="1539875"/>
+                <a:ext cx="188913" cy="190500"/>
+              </a:xfrm>
+              <a:custGeom>
+                <a:avLst/>
+                <a:gdLst/>
+                <a:ahLst/>
+                <a:cxnLst/>
+                <a:rect l="0" t="0" r="r" b="b"/>
+                <a:pathLst>
+                  <a:path w="40" h="40">
+                    <a:moveTo>
+                      <a:pt x="20" y="40"/>
+                    </a:moveTo>
+                    <a:cubicBezTo>
+                      <a:pt x="9" y="40"/>
+                      <a:pt x="0" y="31"/>
+                      <a:pt x="0" y="20"/>
+                    </a:cubicBezTo>
+                    <a:cubicBezTo>
+                      <a:pt x="0" y="9"/>
+                      <a:pt x="9" y="0"/>
+                      <a:pt x="20" y="0"/>
+                    </a:cubicBezTo>
+                    <a:cubicBezTo>
+                      <a:pt x="31" y="0"/>
+                      <a:pt x="40" y="9"/>
+                      <a:pt x="40" y="20"/>
+                    </a:cubicBezTo>
+                    <a:cubicBezTo>
+                      <a:pt x="40" y="31"/>
+                      <a:pt x="31" y="40"/>
+                      <a:pt x="20" y="40"/>
+                    </a:cubicBezTo>
+                    <a:close/>
+                    <a:moveTo>
+                      <a:pt x="20" y="4"/>
+                    </a:moveTo>
+                    <a:cubicBezTo>
+                      <a:pt x="11" y="4"/>
+                      <a:pt x="4" y="11"/>
+                      <a:pt x="4" y="20"/>
+                    </a:cubicBezTo>
+                    <a:cubicBezTo>
+                      <a:pt x="4" y="29"/>
+                      <a:pt x="11" y="36"/>
+                      <a:pt x="20" y="36"/>
+                    </a:cubicBezTo>
+                    <a:cubicBezTo>
+                      <a:pt x="29" y="36"/>
+                      <a:pt x="36" y="29"/>
+                      <a:pt x="36" y="20"/>
+                    </a:cubicBezTo>
+                    <a:cubicBezTo>
+                      <a:pt x="36" y="11"/>
+                      <a:pt x="29" y="4"/>
+                      <a:pt x="20" y="4"/>
+                    </a:cubicBezTo>
+                    <a:close/>
+                  </a:path>
+                </a:pathLst>
+              </a:custGeom>
+              <a:grpFill/>
+              <a:ln>
+                <a:noFill/>
+              </a:ln>
+              <a:extLst>
+                <a:ext uri="{91240B29-F687-4f45-9708-019B960494DF}">
+                  <a14:hiddenLine xmlns="" xmlns:a16="http://schemas.microsoft.com/office/drawing/2014/main" xmlns:p14="http://schemas.microsoft.com/office/powerpoint/2010/main" xmlns:a14="http://schemas.microsoft.com/office/drawing/2010/main" w="9525">
+                    <a:solidFill>
+                      <a:srgbClr val="000000"/>
+                    </a:solidFill>
+                    <a:round/>
+                    <a:headEnd/>
+                    <a:tailEnd/>
+                  </a14:hiddenLine>
+                </a:ext>
+              </a:extLst>
+            </p:spPr>
+          </p:sp>
+          <p:sp>
+            <p:nvSpPr>
+              <p:cNvPr id="1039" name="Freeform 35">
+                <a:extLst>
+                  <a:ext uri="{FF2B5EF4-FFF2-40B4-BE49-F238E27FC236}">
+                    <a16:creationId xmlns:a16="http://schemas.microsoft.com/office/drawing/2014/main" id="{0A0BDF81-64CC-431D-81B1-A21938C05432}"/>
+                  </a:ext>
+                  <a:ext uri="{C183D7F6-B498-43B3-948B-1728B52AA6E4}">
+                    <adec:decorative xmlns:adec="http://schemas.microsoft.com/office/drawing/2017/decorative" val="1"/>
+                  </a:ext>
+                </a:extLst>
+              </p:cNvPr>
+              <p:cNvSpPr/>
+              <p:nvPr>
+                <p:extLst>
+                  <p:ext uri="{386F3935-93C4-4BCD-93E2-E3B085C9AB24}">
+                    <p16:designElem xmlns:p16="http://schemas.microsoft.com/office/powerpoint/2015/main" val="1"/>
+                  </p:ext>
+                </p:extLst>
+              </p:nvPr>
+            </p:nvSpPr>
+            <p:spPr bwMode="auto">
+              <a:xfrm>
+                <a:off x="11531600" y="5694363"/>
+                <a:ext cx="298450" cy="1154113"/>
+              </a:xfrm>
+              <a:custGeom>
+                <a:avLst/>
+                <a:gdLst/>
+                <a:ahLst/>
+                <a:cxnLst/>
+                <a:rect l="0" t="0" r="r" b="b"/>
+                <a:pathLst>
+                  <a:path w="188" h="727">
+                    <a:moveTo>
+                      <a:pt x="15" y="727"/>
+                    </a:moveTo>
+                    <a:lnTo>
+                      <a:pt x="0" y="727"/>
+                    </a:lnTo>
+                    <a:lnTo>
+                      <a:pt x="0" y="407"/>
+                    </a:lnTo>
+                    <a:lnTo>
+                      <a:pt x="0" y="407"/>
+                    </a:lnTo>
+                    <a:lnTo>
+                      <a:pt x="176" y="0"/>
+                    </a:lnTo>
+                    <a:lnTo>
+                      <a:pt x="188" y="6"/>
+                    </a:lnTo>
+                    <a:lnTo>
+                      <a:pt x="15" y="410"/>
+                    </a:lnTo>
+                    <a:lnTo>
+                      <a:pt x="15" y="727"/>
+                    </a:lnTo>
+                    <a:close/>
+                  </a:path>
+                </a:pathLst>
+              </a:custGeom>
+              <a:grpFill/>
+              <a:ln>
+                <a:noFill/>
+              </a:ln>
+              <a:extLst>
+                <a:ext uri="{91240B29-F687-4f45-9708-019B960494DF}">
+                  <a14:hiddenLine xmlns="" xmlns:a16="http://schemas.microsoft.com/office/drawing/2014/main" xmlns:p14="http://schemas.microsoft.com/office/powerpoint/2010/main" xmlns:a14="http://schemas.microsoft.com/office/drawing/2010/main" w="9525">
+                    <a:solidFill>
+                      <a:srgbClr val="000000"/>
+                    </a:solidFill>
+                    <a:round/>
+                    <a:headEnd/>
+                    <a:tailEnd/>
+                  </a14:hiddenLine>
+                </a:ext>
+              </a:extLst>
+            </p:spPr>
+          </p:sp>
+          <p:sp>
+            <p:nvSpPr>
+              <p:cNvPr id="1040" name="Freeform 36">
+                <a:extLst>
+                  <a:ext uri="{FF2B5EF4-FFF2-40B4-BE49-F238E27FC236}">
+                    <a16:creationId xmlns:a16="http://schemas.microsoft.com/office/drawing/2014/main" id="{42871530-50EC-42C2-879A-AE8154DADC0F}"/>
+                  </a:ext>
+                  <a:ext uri="{C183D7F6-B498-43B3-948B-1728B52AA6E4}">
+                    <adec:decorative xmlns:adec="http://schemas.microsoft.com/office/drawing/2017/decorative" val="1"/>
+                  </a:ext>
+                </a:extLst>
+              </p:cNvPr>
+              <p:cNvSpPr>
+                <a:spLocks noEditPoints="1"/>
+              </p:cNvSpPr>
+              <p:nvPr>
+                <p:extLst>
+                  <p:ext uri="{386F3935-93C4-4BCD-93E2-E3B085C9AB24}">
+                    <p16:designElem xmlns:p16="http://schemas.microsoft.com/office/powerpoint/2015/main" val="1"/>
+                  </p:ext>
+                </p:extLst>
+              </p:nvPr>
+            </p:nvSpPr>
+            <p:spPr bwMode="auto">
+              <a:xfrm>
+                <a:off x="11772900" y="5551488"/>
+                <a:ext cx="157163" cy="155575"/>
+              </a:xfrm>
+              <a:custGeom>
+                <a:avLst/>
+                <a:gdLst/>
+                <a:ahLst/>
+                <a:cxnLst/>
+                <a:rect l="0" t="0" r="r" b="b"/>
+                <a:pathLst>
+                  <a:path w="33" h="33">
+                    <a:moveTo>
+                      <a:pt x="17" y="33"/>
+                    </a:moveTo>
+                    <a:cubicBezTo>
+                      <a:pt x="8" y="33"/>
+                      <a:pt x="0" y="25"/>
+                      <a:pt x="0" y="16"/>
+                    </a:cubicBezTo>
+                    <a:cubicBezTo>
+                      <a:pt x="0" y="7"/>
+                      <a:pt x="8" y="0"/>
+                      <a:pt x="17" y="0"/>
+                    </a:cubicBezTo>
+                    <a:cubicBezTo>
+                      <a:pt x="26" y="0"/>
+                      <a:pt x="33" y="7"/>
+                      <a:pt x="33" y="16"/>
+                    </a:cubicBezTo>
+                    <a:cubicBezTo>
+                      <a:pt x="33" y="25"/>
+                      <a:pt x="26" y="33"/>
+                      <a:pt x="17" y="33"/>
+                    </a:cubicBezTo>
+                    <a:close/>
+                    <a:moveTo>
+                      <a:pt x="17" y="4"/>
+                    </a:moveTo>
+                    <a:cubicBezTo>
+                      <a:pt x="10" y="4"/>
+                      <a:pt x="4" y="9"/>
+                      <a:pt x="4" y="16"/>
+                    </a:cubicBezTo>
+                    <a:cubicBezTo>
+                      <a:pt x="4" y="23"/>
+                      <a:pt x="10" y="29"/>
+                      <a:pt x="17" y="29"/>
+                    </a:cubicBezTo>
+                    <a:cubicBezTo>
+                      <a:pt x="23" y="29"/>
+                      <a:pt x="29" y="23"/>
+                      <a:pt x="29" y="16"/>
+                    </a:cubicBezTo>
+                    <a:cubicBezTo>
+                      <a:pt x="29" y="9"/>
+                      <a:pt x="23" y="4"/>
+                      <a:pt x="17" y="4"/>
+                    </a:cubicBezTo>
+                    <a:close/>
+                  </a:path>
+                </a:pathLst>
+              </a:custGeom>
+              <a:grpFill/>
+              <a:ln>
+                <a:noFill/>
+              </a:ln>
+              <a:extLst>
+                <a:ext uri="{91240B29-F687-4f45-9708-019B960494DF}">
+                  <a14:hiddenLine xmlns="" xmlns:a16="http://schemas.microsoft.com/office/drawing/2014/main" xmlns:p14="http://schemas.microsoft.com/office/powerpoint/2010/main" xmlns:a14="http://schemas.microsoft.com/office/drawing/2010/main" w="9525">
+                    <a:solidFill>
+                      <a:srgbClr val="000000"/>
+                    </a:solidFill>
+                    <a:round/>
+                    <a:headEnd/>
+                    <a:tailEnd/>
+                  </a14:hiddenLine>
+                </a:ext>
+              </a:extLst>
+            </p:spPr>
+          </p:sp>
+          <p:sp>
+            <p:nvSpPr>
+              <p:cNvPr id="1041" name="Freeform 37">
+                <a:extLst>
+                  <a:ext uri="{FF2B5EF4-FFF2-40B4-BE49-F238E27FC236}">
+                    <a16:creationId xmlns:a16="http://schemas.microsoft.com/office/drawing/2014/main" id="{53AF2F2A-B148-4906-B90D-6E2223978457}"/>
+                  </a:ext>
+                  <a:ext uri="{C183D7F6-B498-43B3-948B-1728B52AA6E4}">
+                    <adec:decorative xmlns:adec="http://schemas.microsoft.com/office/drawing/2017/decorative" val="1"/>
+                  </a:ext>
+                </a:extLst>
+              </p:cNvPr>
+              <p:cNvSpPr/>
+              <p:nvPr>
+                <p:extLst>
+                  <p:ext uri="{386F3935-93C4-4BCD-93E2-E3B085C9AB24}">
+                    <p16:designElem xmlns:p16="http://schemas.microsoft.com/office/powerpoint/2015/main" val="1"/>
+                  </p:ext>
+                </p:extLst>
+              </p:nvPr>
+            </p:nvSpPr>
+            <p:spPr bwMode="auto">
+              <a:xfrm>
+                <a:off x="11710987" y="4763"/>
+                <a:ext cx="304800" cy="1544638"/>
+              </a:xfrm>
+              <a:custGeom>
+                <a:avLst/>
+                <a:gdLst/>
+                <a:ahLst/>
+                <a:cxnLst/>
+                <a:rect l="0" t="0" r="r" b="b"/>
+                <a:pathLst>
+                  <a:path w="192" h="973">
+                    <a:moveTo>
+                      <a:pt x="15" y="973"/>
+                    </a:moveTo>
+                    <a:lnTo>
+                      <a:pt x="0" y="973"/>
+                    </a:lnTo>
+                    <a:lnTo>
+                      <a:pt x="0" y="790"/>
+                    </a:lnTo>
+                    <a:lnTo>
+                      <a:pt x="174" y="614"/>
+                    </a:lnTo>
+                    <a:lnTo>
+                      <a:pt x="174" y="0"/>
+                    </a:lnTo>
+                    <a:lnTo>
+                      <a:pt x="192" y="0"/>
+                    </a:lnTo>
+                    <a:lnTo>
+                      <a:pt x="192" y="620"/>
+                    </a:lnTo>
+                    <a:lnTo>
+                      <a:pt x="15" y="796"/>
+                    </a:lnTo>
+                    <a:lnTo>
+                      <a:pt x="15" y="973"/>
+                    </a:lnTo>
+                    <a:close/>
+                  </a:path>
+                </a:pathLst>
+              </a:custGeom>
+              <a:grpFill/>
+              <a:ln>
+                <a:noFill/>
+              </a:ln>
+              <a:extLst>
+                <a:ext uri="{91240B29-F687-4f45-9708-019B960494DF}">
+                  <a14:hiddenLine xmlns="" xmlns:a16="http://schemas.microsoft.com/office/drawing/2014/main" xmlns:p14="http://schemas.microsoft.com/office/powerpoint/2010/main" xmlns:a14="http://schemas.microsoft.com/office/drawing/2010/main" w="9525">
+                    <a:solidFill>
+                      <a:srgbClr val="000000"/>
+                    </a:solidFill>
+                    <a:round/>
+                    <a:headEnd/>
+                    <a:tailEnd/>
+                  </a14:hiddenLine>
+                </a:ext>
+              </a:extLst>
+            </p:spPr>
+          </p:sp>
+          <p:sp>
+            <p:nvSpPr>
+              <p:cNvPr id="1042" name="Freeform 38">
+                <a:extLst>
+                  <a:ext uri="{FF2B5EF4-FFF2-40B4-BE49-F238E27FC236}">
+                    <a16:creationId xmlns:a16="http://schemas.microsoft.com/office/drawing/2014/main" id="{9A79EAA4-6F5D-4A2C-B688-CD29C2217C05}"/>
+                  </a:ext>
+                  <a:ext uri="{C183D7F6-B498-43B3-948B-1728B52AA6E4}">
+                    <adec:decorative xmlns:adec="http://schemas.microsoft.com/office/drawing/2017/decorative" val="1"/>
+                  </a:ext>
+                </a:extLst>
+              </p:cNvPr>
+              <p:cNvSpPr>
+                <a:spLocks noEditPoints="1"/>
+              </p:cNvSpPr>
+              <p:nvPr>
+                <p:extLst>
+                  <p:ext uri="{386F3935-93C4-4BCD-93E2-E3B085C9AB24}">
+                    <p16:designElem xmlns:p16="http://schemas.microsoft.com/office/powerpoint/2015/main" val="1"/>
+                  </p:ext>
+                </p:extLst>
+              </p:nvPr>
+            </p:nvSpPr>
+            <p:spPr bwMode="auto">
+              <a:xfrm>
+                <a:off x="11636375" y="4867275"/>
+                <a:ext cx="188913" cy="188913"/>
+              </a:xfrm>
+              <a:custGeom>
+                <a:avLst/>
+                <a:gdLst/>
+                <a:ahLst/>
+                <a:cxnLst/>
+                <a:rect l="0" t="0" r="r" b="b"/>
+                <a:pathLst>
+                  <a:path w="40" h="40">
+                    <a:moveTo>
+                      <a:pt x="20" y="40"/>
+                    </a:moveTo>
+                    <a:cubicBezTo>
+                      <a:pt x="9" y="40"/>
+                      <a:pt x="0" y="31"/>
+                      <a:pt x="0" y="20"/>
+                    </a:cubicBezTo>
+                    <a:cubicBezTo>
+                      <a:pt x="0" y="9"/>
+                      <a:pt x="9" y="0"/>
+                      <a:pt x="20" y="0"/>
+                    </a:cubicBezTo>
+                    <a:cubicBezTo>
+                      <a:pt x="31" y="0"/>
+                      <a:pt x="40" y="9"/>
+                      <a:pt x="40" y="20"/>
+                    </a:cubicBezTo>
+                    <a:cubicBezTo>
+                      <a:pt x="40" y="31"/>
+                      <a:pt x="31" y="40"/>
+                      <a:pt x="20" y="40"/>
+                    </a:cubicBezTo>
+                    <a:close/>
+                    <a:moveTo>
+                      <a:pt x="20" y="4"/>
+                    </a:moveTo>
+                    <a:cubicBezTo>
+                      <a:pt x="11" y="4"/>
+                      <a:pt x="4" y="11"/>
+                      <a:pt x="4" y="20"/>
+                    </a:cubicBezTo>
+                    <a:cubicBezTo>
+                      <a:pt x="4" y="29"/>
+                      <a:pt x="11" y="36"/>
+                      <a:pt x="20" y="36"/>
+                    </a:cubicBezTo>
+                    <a:cubicBezTo>
+                      <a:pt x="29" y="36"/>
+                      <a:pt x="36" y="29"/>
+                      <a:pt x="36" y="20"/>
+                    </a:cubicBezTo>
+                    <a:cubicBezTo>
+                      <a:pt x="36" y="11"/>
+                      <a:pt x="29" y="4"/>
+                      <a:pt x="20" y="4"/>
+                    </a:cubicBezTo>
+                    <a:close/>
+                  </a:path>
+                </a:pathLst>
+              </a:custGeom>
+              <a:grpFill/>
+              <a:ln>
+                <a:noFill/>
+              </a:ln>
+              <a:extLst>
+                <a:ext uri="{91240B29-F687-4f45-9708-019B960494DF}">
+                  <a14:hiddenLine xmlns="" xmlns:a16="http://schemas.microsoft.com/office/drawing/2014/main" xmlns:p14="http://schemas.microsoft.com/office/powerpoint/2010/main" xmlns:a14="http://schemas.microsoft.com/office/drawing/2010/main" w="9525">
+                    <a:solidFill>
+                      <a:srgbClr val="000000"/>
+                    </a:solidFill>
+                    <a:round/>
+                    <a:headEnd/>
+                    <a:tailEnd/>
+                  </a14:hiddenLine>
+                </a:ext>
+              </a:extLst>
+            </p:spPr>
+          </p:sp>
+          <p:sp>
+            <p:nvSpPr>
+              <p:cNvPr id="1043" name="Freeform 39">
+                <a:extLst>
+                  <a:ext uri="{FF2B5EF4-FFF2-40B4-BE49-F238E27FC236}">
+                    <a16:creationId xmlns:a16="http://schemas.microsoft.com/office/drawing/2014/main" id="{B9CE5833-22CF-4408-9338-4B7749FEA3D4}"/>
+                  </a:ext>
+                  <a:ext uri="{C183D7F6-B498-43B3-948B-1728B52AA6E4}">
+                    <adec:decorative xmlns:adec="http://schemas.microsoft.com/office/drawing/2017/decorative" val="1"/>
+                  </a:ext>
+                </a:extLst>
+              </p:cNvPr>
+              <p:cNvSpPr/>
+              <p:nvPr>
+                <p:extLst>
+                  <p:ext uri="{386F3935-93C4-4BCD-93E2-E3B085C9AB24}">
+                    <p16:designElem xmlns:p16="http://schemas.microsoft.com/office/powerpoint/2015/main" val="1"/>
+                  </p:ext>
+                </p:extLst>
+              </p:nvPr>
+            </p:nvSpPr>
+            <p:spPr bwMode="auto">
+              <a:xfrm>
+                <a:off x="11441112" y="5046663"/>
+                <a:ext cx="307975" cy="1801813"/>
+              </a:xfrm>
+              <a:custGeom>
+                <a:avLst/>
+                <a:gdLst/>
+                <a:ahLst/>
+                <a:cxnLst/>
+                <a:rect l="0" t="0" r="r" b="b"/>
+                <a:pathLst>
+                  <a:path w="194" h="1135">
+                    <a:moveTo>
+                      <a:pt x="18" y="1135"/>
+                    </a:moveTo>
+                    <a:lnTo>
+                      <a:pt x="0" y="1135"/>
+                    </a:lnTo>
+                    <a:lnTo>
+                      <a:pt x="0" y="354"/>
+                    </a:lnTo>
+                    <a:lnTo>
+                      <a:pt x="176" y="177"/>
+                    </a:lnTo>
+                    <a:lnTo>
+                      <a:pt x="176" y="0"/>
+                    </a:lnTo>
+                    <a:lnTo>
+                      <a:pt x="194" y="0"/>
+                    </a:lnTo>
+                    <a:lnTo>
+                      <a:pt x="194" y="183"/>
+                    </a:lnTo>
+                    <a:lnTo>
+                      <a:pt x="18" y="360"/>
+                    </a:lnTo>
+                    <a:lnTo>
+                      <a:pt x="18" y="1135"/>
+                    </a:lnTo>
+                    <a:close/>
+                  </a:path>
+                </a:pathLst>
+              </a:custGeom>
+              <a:grpFill/>
+              <a:ln>
+                <a:noFill/>
+              </a:ln>
+              <a:extLst>
+                <a:ext uri="{91240B29-F687-4f45-9708-019B960494DF}">
+                  <a14:hiddenLine xmlns="" xmlns:a16="http://schemas.microsoft.com/office/drawing/2014/main" xmlns:p14="http://schemas.microsoft.com/office/powerpoint/2010/main" xmlns:a14="http://schemas.microsoft.com/office/drawing/2010/main" w="9525">
+                    <a:solidFill>
+                      <a:srgbClr val="000000"/>
+                    </a:solidFill>
+                    <a:round/>
+                    <a:headEnd/>
+                    <a:tailEnd/>
+                  </a14:hiddenLine>
+                </a:ext>
+              </a:extLst>
+            </p:spPr>
+          </p:sp>
+          <p:sp>
+            <p:nvSpPr>
+              <p:cNvPr id="1044" name="Freeform 40">
+                <a:extLst>
+                  <a:ext uri="{FF2B5EF4-FFF2-40B4-BE49-F238E27FC236}">
+                    <a16:creationId xmlns:a16="http://schemas.microsoft.com/office/drawing/2014/main" id="{316A985A-7ADD-4BEE-A7B6-E5B49E1839E7}"/>
+                  </a:ext>
+                  <a:ext uri="{C183D7F6-B498-43B3-948B-1728B52AA6E4}">
+                    <adec:decorative xmlns:adec="http://schemas.microsoft.com/office/drawing/2017/decorative" val="1"/>
+                  </a:ext>
+                </a:extLst>
+              </p:cNvPr>
+              <p:cNvSpPr>
+                <a:spLocks noEditPoints="1"/>
+              </p:cNvSpPr>
+              <p:nvPr>
+                <p:extLst>
+                  <p:ext uri="{386F3935-93C4-4BCD-93E2-E3B085C9AB24}">
+                    <p16:designElem xmlns:p16="http://schemas.microsoft.com/office/powerpoint/2015/main" val="1"/>
+                  </p:ext>
+                </p:extLst>
+              </p:nvPr>
+            </p:nvSpPr>
+            <p:spPr bwMode="auto">
+              <a:xfrm>
+                <a:off x="11849100" y="6416675"/>
+                <a:ext cx="190500" cy="188913"/>
+              </a:xfrm>
+              <a:custGeom>
+                <a:avLst/>
+                <a:gdLst/>
+                <a:ahLst/>
+                <a:cxnLst/>
+                <a:rect l="0" t="0" r="r" b="b"/>
+                <a:pathLst>
+                  <a:path w="40" h="40">
+                    <a:moveTo>
+                      <a:pt x="20" y="40"/>
+                    </a:moveTo>
+                    <a:cubicBezTo>
+                      <a:pt x="9" y="40"/>
+                      <a:pt x="0" y="31"/>
+                      <a:pt x="0" y="20"/>
+                    </a:cubicBezTo>
+                    <a:cubicBezTo>
+                      <a:pt x="0" y="9"/>
+                      <a:pt x="9" y="0"/>
+                      <a:pt x="20" y="0"/>
+                    </a:cubicBezTo>
+                    <a:cubicBezTo>
+                      <a:pt x="31" y="0"/>
+                      <a:pt x="40" y="9"/>
+                      <a:pt x="40" y="20"/>
+                    </a:cubicBezTo>
+                    <a:cubicBezTo>
+                      <a:pt x="40" y="31"/>
+                      <a:pt x="31" y="40"/>
+                      <a:pt x="20" y="40"/>
+                    </a:cubicBezTo>
+                    <a:close/>
+                    <a:moveTo>
+                      <a:pt x="20" y="4"/>
+                    </a:moveTo>
+                    <a:cubicBezTo>
+                      <a:pt x="12" y="4"/>
+                      <a:pt x="4" y="11"/>
+                      <a:pt x="4" y="20"/>
+                    </a:cubicBezTo>
+                    <a:cubicBezTo>
+                      <a:pt x="4" y="29"/>
+                      <a:pt x="12" y="36"/>
+                      <a:pt x="20" y="36"/>
+                    </a:cubicBezTo>
+                    <a:cubicBezTo>
+                      <a:pt x="29" y="36"/>
+                      <a:pt x="36" y="29"/>
+                      <a:pt x="36" y="20"/>
+                    </a:cubicBezTo>
+                    <a:cubicBezTo>
+                      <a:pt x="36" y="11"/>
+                      <a:pt x="29" y="4"/>
+                      <a:pt x="20" y="4"/>
+                    </a:cubicBezTo>
+                    <a:close/>
+                  </a:path>
+                </a:pathLst>
+              </a:custGeom>
+              <a:grpFill/>
+              <a:ln>
+                <a:noFill/>
+              </a:ln>
+              <a:extLst>
+                <a:ext uri="{91240B29-F687-4f45-9708-019B960494DF}">
+                  <a14:hiddenLine xmlns="" xmlns:a16="http://schemas.microsoft.com/office/drawing/2014/main" xmlns:p14="http://schemas.microsoft.com/office/powerpoint/2010/main" xmlns:a14="http://schemas.microsoft.com/office/drawing/2010/main" w="9525">
+                    <a:solidFill>
+                      <a:srgbClr val="000000"/>
+                    </a:solidFill>
+                    <a:round/>
+                    <a:headEnd/>
+                    <a:tailEnd/>
+                  </a14:hiddenLine>
+                </a:ext>
+              </a:extLst>
+            </p:spPr>
+          </p:sp>
+          <p:sp>
+            <p:nvSpPr>
+              <p:cNvPr id="1045" name="Rectangle 41">
+                <a:extLst>
+                  <a:ext uri="{FF2B5EF4-FFF2-40B4-BE49-F238E27FC236}">
+                    <a16:creationId xmlns:a16="http://schemas.microsoft.com/office/drawing/2014/main" id="{352CFA3F-5CFE-412E-9196-C966F34579DC}"/>
+                  </a:ext>
+                  <a:ext uri="{C183D7F6-B498-43B3-948B-1728B52AA6E4}">
+                    <adec:decorative xmlns:adec="http://schemas.microsoft.com/office/drawing/2017/decorative" val="1"/>
+                  </a:ext>
+                </a:extLst>
+              </p:cNvPr>
+              <p:cNvSpPr>
+                <a:spLocks noChangeArrowheads="1"/>
+              </p:cNvSpPr>
+              <p:nvPr>
+                <p:extLst>
+                  <p:ext uri="{386F3935-93C4-4BCD-93E2-E3B085C9AB24}">
+                    <p16:designElem xmlns:p16="http://schemas.microsoft.com/office/powerpoint/2015/main" val="1"/>
+                  </p:ext>
+                </p:extLst>
+              </p:nvPr>
+            </p:nvSpPr>
+            <p:spPr bwMode="auto">
+              <a:xfrm>
+                <a:off x="11939587" y="6596063"/>
+                <a:ext cx="23813" cy="252413"/>
+              </a:xfrm>
+              <a:prstGeom prst="rect">
+                <a:avLst/>
+              </a:prstGeom>
+              <a:grpFill/>
+              <a:ln>
+                <a:noFill/>
+              </a:ln>
+              <a:extLst>
+                <a:ext uri="{91240B29-F687-4f45-9708-019B960494DF}">
+                  <a14:hiddenLine xmlns="" xmlns:a16="http://schemas.microsoft.com/office/drawing/2014/main" xmlns:p14="http://schemas.microsoft.com/office/powerpoint/2010/main" xmlns:a14="http://schemas.microsoft.com/office/drawing/2010/main" w="9525">
+                    <a:solidFill>
+                      <a:srgbClr val="000000"/>
+                    </a:solidFill>
+                    <a:miter lim="800000"/>
+                    <a:headEnd/>
+                    <a:tailEnd/>
+                  </a14:hiddenLine>
+                </a:ext>
+              </a:extLst>
+            </p:spPr>
+          </p:sp>
+        </p:grpSp>
+      </p:grpSp>
+      <p:pic>
+        <p:nvPicPr>
+          <p:cNvPr id="1074" name="Picture 2">
+            <a:extLst>
+              <a:ext uri="{FF2B5EF4-FFF2-40B4-BE49-F238E27FC236}">
+                <a16:creationId xmlns:a16="http://schemas.microsoft.com/office/drawing/2014/main" id="{2FB01CCF-839B-4126-9BF9-132C64D8A1AA}"/>
+              </a:ext>
+              <a:ext uri="{C183D7F6-B498-43B3-948B-1728B52AA6E4}">
+                <adec:decorative xmlns:adec="http://schemas.microsoft.com/office/drawing/2017/decorative" val="1"/>
+              </a:ext>
+            </a:extLst>
+          </p:cNvPr>
+          <p:cNvPicPr>
+            <a:picLocks noGrp="1" noRot="1" noChangeAspect="1" noMove="1" noResize="1" noEditPoints="1" noAdjustHandles="1" noChangeArrowheads="1" noChangeShapeType="1" noCrop="1"/>
+          </p:cNvPicPr>
+          <p:nvPr>
+            <p:extLst>
+              <p:ext uri="{386F3935-93C4-4BCD-93E2-E3B085C9AB24}">
+                <p16:designElem xmlns:p16="http://schemas.microsoft.com/office/powerpoint/2015/main" val="1"/>
+              </p:ext>
+            </p:extLst>
+          </p:nvPr>
+        </p:nvPicPr>
+        <p:blipFill>
+          <a:blip r:embed="rId2">
+            <a:alphaModFix amt="30000"/>
+            <a:extLst>
+              <a:ext uri="{28A0092B-C50C-407E-A947-70E740481C1C}">
+                <a14:useLocalDpi xmlns:a14="http://schemas.microsoft.com/office/drawing/2010/main" val="0"/>
+              </a:ext>
+            </a:extLst>
+          </a:blip>
+          <a:srcRect/>
+          <a:stretch>
+            <a:fillRect/>
+          </a:stretch>
+        </p:blipFill>
+        <p:spPr bwMode="auto">
+          <a:xfrm>
+            <a:off x="0" y="0"/>
+            <a:ext cx="12192003" cy="6858001"/>
+          </a:xfrm>
+          <a:prstGeom prst="rect">
+            <a:avLst/>
+          </a:prstGeom>
+          <a:noFill/>
+          <a:extLst>
+            <a:ext uri="{909E8E84-426E-40dd-AFC4-6F175D3DCCD1}">
+              <a14:hiddenFill xmlns="" xmlns:a16="http://schemas.microsoft.com/office/drawing/2014/main" xmlns:p14="http://schemas.microsoft.com/office/powerpoint/2010/main" xmlns:a14="http://schemas.microsoft.com/office/drawing/2010/main">
+                <a:solidFill>
+                  <a:srgbClr val="FFFFFF"/>
+                </a:solidFill>
+              </a14:hiddenFill>
+            </a:ext>
+          </a:extLst>
+        </p:spPr>
+      </p:pic>
+      <p:sp>
+        <p:nvSpPr>
+          <p:cNvPr id="5" name="Title 3">
+            <a:extLst>
+              <a:ext uri="{FF2B5EF4-FFF2-40B4-BE49-F238E27FC236}">
+                <a16:creationId xmlns:a16="http://schemas.microsoft.com/office/drawing/2014/main" id="{BFA8B162-0DA6-4024-946B-1918EDE34008}"/>
               </a:ext>
             </a:extLst>
           </p:cNvPr>
@@ -25004,107 +28619,152 @@
             <p:ph type="title"/>
           </p:nvPr>
         </p:nvSpPr>
-        <p:spPr/>
+        <p:spPr>
+          <a:xfrm>
+            <a:off x="5128643" y="618518"/>
+            <a:ext cx="6188402" cy="1478570"/>
+          </a:xfrm>
+        </p:spPr>
         <p:txBody>
-          <a:bodyPr/>
+          <a:bodyPr vert="horz" lIns="91440" tIns="45720" rIns="91440" bIns="45720" rtlCol="0" anchor="ctr">
+            <a:normAutofit/>
+          </a:bodyPr>
           <a:lstStyle/>
           <a:p>
+            <a:r>
+              <a:rPr lang="en-US">
+                <a:solidFill>
+                  <a:srgbClr val="FFFFFF"/>
+                </a:solidFill>
+              </a:rPr>
+              <a:t>Основи на научните изследвания</a:t>
+            </a:r>
+          </a:p>
+        </p:txBody>
+      </p:sp>
+      <p:sp useBgFill="1">
+        <p:nvSpPr>
+          <p:cNvPr id="1076" name="Round Diagonal Corner Rectangle 6">
+            <a:extLst>
+              <a:ext uri="{FF2B5EF4-FFF2-40B4-BE49-F238E27FC236}">
+                <a16:creationId xmlns:a16="http://schemas.microsoft.com/office/drawing/2014/main" id="{F2B1468C-8227-4785-8776-7BDBDDF08F85}"/>
+              </a:ext>
+              <a:ext uri="{C183D7F6-B498-43B3-948B-1728B52AA6E4}">
+                <adec:decorative xmlns:adec="http://schemas.microsoft.com/office/drawing/2017/decorative" val="1"/>
+              </a:ext>
+            </a:extLst>
+          </p:cNvPr>
+          <p:cNvSpPr>
+            <a:spLocks noGrp="1" noRot="1" noChangeAspect="1" noMove="1" noResize="1" noEditPoints="1" noAdjustHandles="1" noChangeArrowheads="1" noChangeShapeType="1" noTextEdit="1"/>
+          </p:cNvSpPr>
+          <p:nvPr>
+            <p:extLst>
+              <p:ext uri="{386F3935-93C4-4BCD-93E2-E3B085C9AB24}">
+                <p16:designElem xmlns:p16="http://schemas.microsoft.com/office/powerpoint/2015/main" val="1"/>
+              </p:ext>
+            </p:extLst>
+          </p:nvPr>
+        </p:nvSpPr>
+        <p:spPr>
+          <a:xfrm>
+            <a:off x="814579" y="808057"/>
+            <a:ext cx="3821429" cy="5234394"/>
+          </a:xfrm>
+          <a:prstGeom prst="round2DiagRect">
+            <a:avLst>
+              <a:gd name="adj1" fmla="val 11323"/>
+              <a:gd name="adj2" fmla="val 0"/>
+            </a:avLst>
+          </a:prstGeom>
+          <a:ln w="19050" cap="sq">
+            <a:solidFill>
+              <a:schemeClr val="tx2">
+                <a:lumMod val="60000"/>
+                <a:lumOff val="40000"/>
+                <a:alpha val="60000"/>
+              </a:schemeClr>
+            </a:solidFill>
+            <a:miter lim="800000"/>
+          </a:ln>
+          <a:effectLst>
+            <a:outerShdw blurRad="88900" dist="38100" dir="5400000" algn="t" rotWithShape="0">
+              <a:prstClr val="black">
+                <a:alpha val="40000"/>
+              </a:prstClr>
+            </a:outerShdw>
+          </a:effectLst>
+        </p:spPr>
+        <p:style>
+          <a:lnRef idx="2">
+            <a:schemeClr val="accent1">
+              <a:shade val="50000"/>
+            </a:schemeClr>
+          </a:lnRef>
+          <a:fillRef idx="1">
+            <a:schemeClr val="accent1"/>
+          </a:fillRef>
+          <a:effectRef idx="0">
+            <a:schemeClr val="accent1"/>
+          </a:effectRef>
+          <a:fontRef idx="minor">
+            <a:schemeClr val="lt1"/>
+          </a:fontRef>
+        </p:style>
+        <p:txBody>
+          <a:bodyPr rtlCol="0" anchor="ctr"/>
+          <a:lstStyle/>
+          <a:p>
+            <a:pPr algn="ctr"/>
             <a:endParaRPr lang="en-US"/>
           </a:p>
         </p:txBody>
       </p:sp>
-      <p:sp>
-        <p:nvSpPr>
-          <p:cNvPr id="5" name="Content Placeholder 4">
+      <p:pic>
+        <p:nvPicPr>
+          <p:cNvPr id="1026" name="Picture 2" descr="People Don't Trust Scientific Research When Companies Are Involved - ECS">
             <a:extLst>
               <a:ext uri="{FF2B5EF4-FFF2-40B4-BE49-F238E27FC236}">
-                <a16:creationId xmlns:a16="http://schemas.microsoft.com/office/drawing/2014/main" id="{51971B4C-715A-4D1E-8008-53E760A1C316}"/>
+                <a16:creationId xmlns:a16="http://schemas.microsoft.com/office/drawing/2014/main" id="{0E8E821B-DEBA-43D5-8C74-70C326EC2879}"/>
               </a:ext>
             </a:extLst>
           </p:cNvPr>
-          <p:cNvSpPr>
-            <a:spLocks noGrp="1"/>
-          </p:cNvSpPr>
-          <p:nvPr>
-            <p:ph idx="1"/>
-          </p:nvPr>
-        </p:nvSpPr>
-        <p:spPr/>
-        <p:txBody>
-          <a:bodyPr/>
-          <a:lstStyle/>
-          <a:p>
-            <a:endParaRPr lang="en-US"/>
-          </a:p>
-        </p:txBody>
-      </p:sp>
-    </p:spTree>
-    <p:extLst>
-      <p:ext uri="{BB962C8B-B14F-4D97-AF65-F5344CB8AC3E}">
-        <p14:creationId xmlns:p14="http://schemas.microsoft.com/office/powerpoint/2010/main" val="1213306596"/>
-      </p:ext>
-    </p:extLst>
-  </p:cSld>
-  <p:clrMapOvr>
-    <a:masterClrMapping/>
-  </p:clrMapOvr>
-</p:sld>
-</file>
-
-<file path=ppt/slides/slide7.xml><?xml version="1.0" encoding="utf-8"?>
-<p:sld xmlns:a="http://schemas.openxmlformats.org/drawingml/2006/main" xmlns:r="http://schemas.openxmlformats.org/officeDocument/2006/relationships" xmlns:p="http://schemas.openxmlformats.org/presentationml/2006/main">
-  <p:cSld>
-    <p:spTree>
-      <p:nvGrpSpPr>
-        <p:cNvPr id="1" name=""/>
-        <p:cNvGrpSpPr/>
-        <p:nvPr/>
-      </p:nvGrpSpPr>
-      <p:grpSpPr>
-        <a:xfrm>
-          <a:off x="0" y="0"/>
-          <a:ext cx="0" cy="0"/>
-          <a:chOff x="0" y="0"/>
-          <a:chExt cx="0" cy="0"/>
-        </a:xfrm>
-      </p:grpSpPr>
-      <p:sp>
-        <p:nvSpPr>
-          <p:cNvPr id="7" name="Slide Number Placeholder 3"/>
-          <p:cNvSpPr>
-            <a:spLocks noGrp="1"/>
-          </p:cNvSpPr>
-          <p:nvPr>
-            <p:ph type="sldNum" sz="quarter" idx="4294967295"/>
-          </p:nvPr>
-        </p:nvSpPr>
-        <p:spPr>
+          <p:cNvPicPr>
+            <a:picLocks noChangeAspect="1" noChangeArrowheads="1"/>
+          </p:cNvPicPr>
+          <p:nvPr/>
+        </p:nvPicPr>
+        <p:blipFill>
+          <a:blip r:embed="rId3">
+            <a:extLst>
+              <a:ext uri="{28A0092B-C50C-407E-A947-70E740481C1C}">
+                <a14:useLocalDpi xmlns:a14="http://schemas.microsoft.com/office/drawing/2010/main" val="0"/>
+              </a:ext>
+            </a:extLst>
+          </a:blip>
+          <a:stretch>
+            <a:fillRect/>
+          </a:stretch>
+        </p:blipFill>
+        <p:spPr bwMode="auto">
           <a:xfrm>
-            <a:off x="11568000" y="6525003"/>
-            <a:ext cx="428822" cy="196477"/>
+            <a:off x="1126617" y="1999856"/>
+            <a:ext cx="3178638" cy="2852827"/>
           </a:xfrm>
           <a:prstGeom prst="rect">
             <a:avLst/>
           </a:prstGeom>
+          <a:noFill/>
+          <a:extLst>
+            <a:ext uri="{909E8E84-426E-40DD-AFC4-6F175D3DCCD1}">
+              <a14:hiddenFill xmlns:a14="http://schemas.microsoft.com/office/drawing/2010/main">
+                <a:solidFill>
+                  <a:srgbClr val="FFFFFF"/>
+                </a:solidFill>
+              </a14:hiddenFill>
+            </a:ext>
+          </a:extLst>
         </p:spPr>
-        <p:txBody>
-          <a:bodyPr/>
-          <a:lstStyle/>
-          <a:p>
-            <a:pPr>
-              <a:defRPr/>
-            </a:pPr>
-            <a:fld id="{58452FF4-89E3-4D1B-9927-2DBDC00E58D7}" type="slidenum">
-              <a:rPr lang="en-US" smtClean="0"/>
-              <a:pPr>
-                <a:defRPr/>
-              </a:pPr>
-              <a:t>7</a:t>
-            </a:fld>
-            <a:endParaRPr lang="en-US" dirty="0"/>
-          </a:p>
-        </p:txBody>
-      </p:sp>
+      </p:pic>
       <p:sp>
         <p:nvSpPr>
           <p:cNvPr id="4" name="Content Placeholder 4">
@@ -25121,8 +28781,8 @@
         </p:nvSpPr>
         <p:spPr>
           <a:xfrm>
-            <a:off x="5001443" y="6013866"/>
-            <a:ext cx="2343100" cy="511137"/>
+            <a:off x="5128643" y="2249487"/>
+            <a:ext cx="3405757" cy="569913"/>
           </a:xfrm>
           <a:prstGeom prst="rect">
             <a:avLst/>
@@ -25130,7 +28790,7 @@
         </p:spPr>
         <p:txBody>
           <a:bodyPr vert="horz" lIns="91440" tIns="45720" rIns="91440" bIns="45720" rtlCol="0">
-            <a:normAutofit/>
+            <a:normAutofit fontScale="70000" lnSpcReduction="20000"/>
           </a:bodyPr>
           <a:lstStyle>
             <a:lvl1pPr marL="228600" indent="-228600" algn="l" defTabSz="914400" rtl="0" eaLnBrk="1" latinLnBrk="0" hangingPunct="1">
@@ -25306,61 +28966,303 @@
             </a:lvl9pPr>
           </a:lstStyle>
           <a:p>
-            <a:pPr marL="0" indent="0" algn="r">
-              <a:lnSpc>
-                <a:spcPct val="100000"/>
-              </a:lnSpc>
+            <a:pPr marL="0">
               <a:spcBef>
                 <a:spcPts val="700"/>
               </a:spcBef>
-              <a:buFont typeface="Arial" panose="020B0604020202020204" pitchFamily="34" charset="0"/>
-              <a:buNone/>
             </a:pPr>
             <a:r>
-              <a:rPr lang="bg-BG" sz="2000" b="1" i="1" dirty="0"/>
-              <a:t>Източник: </a:t>
+              <a:rPr lang="en-US" b="1" i="1">
+                <a:solidFill>
+                  <a:srgbClr val="FFFFFF"/>
+                </a:solidFill>
+              </a:rPr>
+              <a:t>Източник: www.electrochem.org. </a:t>
             </a:r>
-            <a:r>
-              <a:rPr lang="en-US" sz="2000" b="1" i="1" dirty="0"/>
-              <a:t>Smith, S. </a:t>
-            </a:r>
+            <a:endParaRPr lang="en-US" b="1" i="1" dirty="0">
+              <a:solidFill>
+                <a:srgbClr val="FFFFFF"/>
+              </a:solidFill>
+            </a:endParaRPr>
           </a:p>
         </p:txBody>
       </p:sp>
       <p:sp>
         <p:nvSpPr>
-          <p:cNvPr id="5" name="Title 3">
-            <a:extLst>
-              <a:ext uri="{FF2B5EF4-FFF2-40B4-BE49-F238E27FC236}">
-                <a16:creationId xmlns:a16="http://schemas.microsoft.com/office/drawing/2014/main" id="{BFA8B162-0DA6-4024-946B-1918EDE34008}"/>
-              </a:ext>
-            </a:extLst>
-          </p:cNvPr>
+          <p:cNvPr id="7" name="Slide Number Placeholder 3"/>
           <p:cNvSpPr>
             <a:spLocks noGrp="1"/>
           </p:cNvSpPr>
           <p:nvPr>
-            <p:ph type="title"/>
+            <p:ph type="sldNum" sz="quarter" idx="4294967295"/>
           </p:nvPr>
         </p:nvSpPr>
         <p:spPr>
           <a:xfrm>
-            <a:off x="1219200" y="311474"/>
-            <a:ext cx="9982200" cy="755326"/>
+            <a:off x="10276321" y="6309360"/>
+            <a:ext cx="771089" cy="365125"/>
           </a:xfrm>
+          <a:prstGeom prst="rect">
+            <a:avLst/>
+          </a:prstGeom>
         </p:spPr>
         <p:txBody>
-          <a:bodyPr>
+          <a:bodyPr vert="horz" lIns="91440" tIns="45720" rIns="91440" bIns="45720" rtlCol="0" anchor="ctr">
             <a:normAutofit/>
           </a:bodyPr>
           <a:lstStyle/>
           <a:p>
-            <a:pPr algn="ctr"/>
+            <a:pPr>
+              <a:spcAft>
+                <a:spcPts val="600"/>
+              </a:spcAft>
+              <a:defRPr/>
+            </a:pPr>
+            <a:fld id="{58452FF4-89E3-4D1B-9927-2DBDC00E58D7}" type="slidenum">
+              <a:rPr lang="en-US">
+                <a:solidFill>
+                  <a:srgbClr val="FFFFFF"/>
+                </a:solidFill>
+              </a:rPr>
+              <a:pPr>
+                <a:spcAft>
+                  <a:spcPts val="600"/>
+                </a:spcAft>
+                <a:defRPr/>
+              </a:pPr>
+              <a:t>6</a:t>
+            </a:fld>
+            <a:endParaRPr lang="en-US">
+              <a:solidFill>
+                <a:srgbClr val="FFFFFF"/>
+              </a:solidFill>
+            </a:endParaRPr>
+          </a:p>
+        </p:txBody>
+      </p:sp>
+      <p:sp>
+        <p:nvSpPr>
+          <p:cNvPr id="49" name="Content Placeholder 4">
+            <a:extLst>
+              <a:ext uri="{FF2B5EF4-FFF2-40B4-BE49-F238E27FC236}">
+                <a16:creationId xmlns:a16="http://schemas.microsoft.com/office/drawing/2014/main" id="{B362C76D-B594-44FF-B27E-EC75D4C29D44}"/>
+              </a:ext>
+            </a:extLst>
+          </p:cNvPr>
+          <p:cNvSpPr txBox="1">
+            <a:spLocks/>
+          </p:cNvSpPr>
+          <p:nvPr/>
+        </p:nvSpPr>
+        <p:spPr>
+          <a:xfrm>
+            <a:off x="1298466" y="6026150"/>
+            <a:ext cx="3405757" cy="569913"/>
+          </a:xfrm>
+          <a:prstGeom prst="rect">
+            <a:avLst/>
+          </a:prstGeom>
+        </p:spPr>
+        <p:txBody>
+          <a:bodyPr vert="horz" lIns="91440" tIns="45720" rIns="91440" bIns="45720" rtlCol="0">
+            <a:normAutofit fontScale="70000" lnSpcReduction="20000"/>
+          </a:bodyPr>
+          <a:lstStyle>
+            <a:lvl1pPr marL="228600" indent="-228600" algn="l" defTabSz="914400" rtl="0" eaLnBrk="1" latinLnBrk="0" hangingPunct="1">
+              <a:lnSpc>
+                <a:spcPct val="120000"/>
+              </a:lnSpc>
+              <a:spcBef>
+                <a:spcPts val="1000"/>
+              </a:spcBef>
+              <a:buSzPct val="125000"/>
+              <a:buFont typeface="Arial" panose="020B0604020202020204" pitchFamily="34" charset="0"/>
+              <a:buChar char="•"/>
+              <a:defRPr sz="2400" kern="1200">
+                <a:solidFill>
+                  <a:schemeClr val="tx1"/>
+                </a:solidFill>
+                <a:latin typeface="+mn-lt"/>
+                <a:ea typeface="+mn-ea"/>
+                <a:cs typeface="+mn-cs"/>
+              </a:defRPr>
+            </a:lvl1pPr>
+            <a:lvl2pPr marL="685800" indent="-228600" algn="l" defTabSz="914400" rtl="0" eaLnBrk="1" latinLnBrk="0" hangingPunct="1">
+              <a:lnSpc>
+                <a:spcPct val="120000"/>
+              </a:lnSpc>
+              <a:spcBef>
+                <a:spcPts val="500"/>
+              </a:spcBef>
+              <a:buSzPct val="125000"/>
+              <a:buFont typeface="Arial" panose="020B0604020202020204" pitchFamily="34" charset="0"/>
+              <a:buChar char="•"/>
+              <a:defRPr sz="2000" kern="1200">
+                <a:solidFill>
+                  <a:schemeClr val="tx1"/>
+                </a:solidFill>
+                <a:latin typeface="+mn-lt"/>
+                <a:ea typeface="+mn-ea"/>
+                <a:cs typeface="+mn-cs"/>
+              </a:defRPr>
+            </a:lvl2pPr>
+            <a:lvl3pPr marL="1143000" indent="-228600" algn="l" defTabSz="914400" rtl="0" eaLnBrk="1" latinLnBrk="0" hangingPunct="1">
+              <a:lnSpc>
+                <a:spcPct val="120000"/>
+              </a:lnSpc>
+              <a:spcBef>
+                <a:spcPts val="500"/>
+              </a:spcBef>
+              <a:buSzPct val="125000"/>
+              <a:buFont typeface="Arial" panose="020B0604020202020204" pitchFamily="34" charset="0"/>
+              <a:buChar char="•"/>
+              <a:defRPr sz="1800" kern="1200">
+                <a:solidFill>
+                  <a:schemeClr val="tx1"/>
+                </a:solidFill>
+                <a:latin typeface="+mn-lt"/>
+                <a:ea typeface="+mn-ea"/>
+                <a:cs typeface="+mn-cs"/>
+              </a:defRPr>
+            </a:lvl3pPr>
+            <a:lvl4pPr marL="1600200" indent="-228600" algn="l" defTabSz="914400" rtl="0" eaLnBrk="1" latinLnBrk="0" hangingPunct="1">
+              <a:lnSpc>
+                <a:spcPct val="120000"/>
+              </a:lnSpc>
+              <a:spcBef>
+                <a:spcPts val="500"/>
+              </a:spcBef>
+              <a:buSzPct val="125000"/>
+              <a:buFont typeface="Arial" panose="020B0604020202020204" pitchFamily="34" charset="0"/>
+              <a:buChar char="•"/>
+              <a:defRPr sz="1600" kern="1200">
+                <a:solidFill>
+                  <a:schemeClr val="tx1"/>
+                </a:solidFill>
+                <a:latin typeface="+mn-lt"/>
+                <a:ea typeface="+mn-ea"/>
+                <a:cs typeface="+mn-cs"/>
+              </a:defRPr>
+            </a:lvl4pPr>
+            <a:lvl5pPr marL="2057400" indent="-228600" algn="l" defTabSz="914400" rtl="0" eaLnBrk="1" latinLnBrk="0" hangingPunct="1">
+              <a:lnSpc>
+                <a:spcPct val="120000"/>
+              </a:lnSpc>
+              <a:spcBef>
+                <a:spcPts val="500"/>
+              </a:spcBef>
+              <a:buSzPct val="125000"/>
+              <a:buFont typeface="Arial" panose="020B0604020202020204" pitchFamily="34" charset="0"/>
+              <a:buChar char="•"/>
+              <a:defRPr sz="1600" kern="1200">
+                <a:solidFill>
+                  <a:schemeClr val="tx1"/>
+                </a:solidFill>
+                <a:latin typeface="+mn-lt"/>
+                <a:ea typeface="+mn-ea"/>
+                <a:cs typeface="+mn-cs"/>
+              </a:defRPr>
+            </a:lvl5pPr>
+            <a:lvl6pPr marL="2514600" indent="-228600" algn="l" defTabSz="914400" rtl="0" eaLnBrk="1" latinLnBrk="0" hangingPunct="1">
+              <a:lnSpc>
+                <a:spcPct val="120000"/>
+              </a:lnSpc>
+              <a:spcBef>
+                <a:spcPts val="500"/>
+              </a:spcBef>
+              <a:buSzPct val="125000"/>
+              <a:buFont typeface="Arial" panose="020B0604020202020204" pitchFamily="34" charset="0"/>
+              <a:buChar char="•"/>
+              <a:defRPr sz="1400" kern="1200">
+                <a:solidFill>
+                  <a:schemeClr val="tx1"/>
+                </a:solidFill>
+                <a:latin typeface="+mn-lt"/>
+                <a:ea typeface="+mn-ea"/>
+                <a:cs typeface="+mn-cs"/>
+              </a:defRPr>
+            </a:lvl6pPr>
+            <a:lvl7pPr marL="2971800" indent="-228600" algn="l" defTabSz="914400" rtl="0" eaLnBrk="1" latinLnBrk="0" hangingPunct="1">
+              <a:lnSpc>
+                <a:spcPct val="120000"/>
+              </a:lnSpc>
+              <a:spcBef>
+                <a:spcPts val="500"/>
+              </a:spcBef>
+              <a:buSzPct val="125000"/>
+              <a:buFont typeface="Arial" panose="020B0604020202020204" pitchFamily="34" charset="0"/>
+              <a:buChar char="•"/>
+              <a:defRPr sz="1400" kern="1200">
+                <a:solidFill>
+                  <a:schemeClr val="tx1"/>
+                </a:solidFill>
+                <a:latin typeface="+mn-lt"/>
+                <a:ea typeface="+mn-ea"/>
+                <a:cs typeface="+mn-cs"/>
+              </a:defRPr>
+            </a:lvl7pPr>
+            <a:lvl8pPr marL="3429000" indent="-228600" algn="l" defTabSz="914400" rtl="0" eaLnBrk="1" latinLnBrk="0" hangingPunct="1">
+              <a:lnSpc>
+                <a:spcPct val="120000"/>
+              </a:lnSpc>
+              <a:spcBef>
+                <a:spcPts val="500"/>
+              </a:spcBef>
+              <a:buSzPct val="125000"/>
+              <a:buFont typeface="Arial" panose="020B0604020202020204" pitchFamily="34" charset="0"/>
+              <a:buChar char="•"/>
+              <a:defRPr sz="1400" kern="1200">
+                <a:solidFill>
+                  <a:schemeClr val="tx1"/>
+                </a:solidFill>
+                <a:latin typeface="+mn-lt"/>
+                <a:ea typeface="+mn-ea"/>
+                <a:cs typeface="+mn-cs"/>
+              </a:defRPr>
+            </a:lvl8pPr>
+            <a:lvl9pPr marL="3886200" indent="-228600" algn="l" defTabSz="914400" rtl="0" eaLnBrk="1" latinLnBrk="0" hangingPunct="1">
+              <a:lnSpc>
+                <a:spcPct val="120000"/>
+              </a:lnSpc>
+              <a:spcBef>
+                <a:spcPts val="500"/>
+              </a:spcBef>
+              <a:buSzPct val="125000"/>
+              <a:buFont typeface="Arial" panose="020B0604020202020204" pitchFamily="34" charset="0"/>
+              <a:buChar char="•"/>
+              <a:defRPr sz="1400" kern="1200">
+                <a:solidFill>
+                  <a:schemeClr val="tx1"/>
+                </a:solidFill>
+                <a:latin typeface="+mn-lt"/>
+                <a:ea typeface="+mn-ea"/>
+                <a:cs typeface="+mn-cs"/>
+              </a:defRPr>
+            </a:lvl9pPr>
+          </a:lstStyle>
+          <a:p>
+            <a:pPr marL="0" indent="0">
+              <a:spcBef>
+                <a:spcPts val="700"/>
+              </a:spcBef>
+              <a:buNone/>
+            </a:pPr>
             <a:r>
-              <a:rPr lang="bg-BG" dirty="0"/>
-              <a:t>Основи на научните изследвания</a:t>
+              <a:rPr lang="en-US" b="1" i="1" dirty="0" err="1">
+                <a:solidFill>
+                  <a:srgbClr val="FFFFFF"/>
+                </a:solidFill>
+              </a:rPr>
+              <a:t>Източник</a:t>
             </a:r>
-            <a:endParaRPr lang="en-US" dirty="0"/>
+            <a:r>
+              <a:rPr lang="en-US" b="1" i="1" dirty="0">
+                <a:solidFill>
+                  <a:srgbClr val="FFFFFF"/>
+                </a:solidFill>
+              </a:rPr>
+              <a:t>: www.electrochem.org. </a:t>
+            </a:r>
           </a:p>
         </p:txBody>
       </p:sp>
@@ -25372,12 +29274,12 @@
     </p:extLst>
   </p:cSld>
   <p:clrMapOvr>
-    <a:masterClrMapping/>
+    <a:overrideClrMapping bg1="lt1" tx1="dk1" bg2="lt2" tx2="dk2" accent1="accent1" accent2="accent2" accent3="accent3" accent4="accent4" accent5="accent5" accent6="accent6" hlink="hlink" folHlink="folHlink"/>
   </p:clrMapOvr>
 </p:sld>
 </file>
 
-<file path=ppt/slides/slide8.xml><?xml version="1.0" encoding="utf-8"?>
+<file path=ppt/slides/slide7.xml><?xml version="1.0" encoding="utf-8"?>
 <p:sld xmlns:a="http://schemas.openxmlformats.org/drawingml/2006/main" xmlns:r="http://schemas.openxmlformats.org/officeDocument/2006/relationships" xmlns:p="http://schemas.openxmlformats.org/presentationml/2006/main">
   <p:cSld>
     <p:bg>
@@ -25450,7 +29352,7 @@
           <a:noFill/>
           <a:extLst>
             <a:ext uri="{909E8E84-426E-40dd-AFC4-6F175D3DCCD1}">
-              <a14:hiddenFill xmlns:a14="http://schemas.microsoft.com/office/drawing/2010/main" xmlns:p14="http://schemas.microsoft.com/office/powerpoint/2010/main" xmlns:a16="http://schemas.microsoft.com/office/drawing/2014/main" xmlns="">
+              <a14:hiddenFill xmlns="" xmlns:a16="http://schemas.microsoft.com/office/drawing/2014/main" xmlns:p14="http://schemas.microsoft.com/office/powerpoint/2010/main" xmlns:a14="http://schemas.microsoft.com/office/drawing/2010/main">
                 <a:solidFill>
                   <a:srgbClr val="FFFFFF"/>
                 </a:solidFill>
@@ -25542,7 +29444,7 @@
             </a:ln>
             <a:extLst>
               <a:ext uri="{91240B29-F687-4f45-9708-019B960494DF}">
-                <a14:hiddenLine xmlns:a14="http://schemas.microsoft.com/office/drawing/2010/main" xmlns:p14="http://schemas.microsoft.com/office/powerpoint/2010/main" xmlns:a16="http://schemas.microsoft.com/office/drawing/2014/main" xmlns="" w="9525">
+                <a14:hiddenLine xmlns="" xmlns:a16="http://schemas.microsoft.com/office/drawing/2014/main" xmlns:p14="http://schemas.microsoft.com/office/powerpoint/2010/main" xmlns:a14="http://schemas.microsoft.com/office/drawing/2010/main" w="9525">
                   <a:solidFill>
                     <a:srgbClr val="000000"/>
                   </a:solidFill>
@@ -25647,7 +29549,7 @@
             </a:ln>
             <a:extLst>
               <a:ext uri="{91240B29-F687-4f45-9708-019B960494DF}">
-                <a14:hiddenLine xmlns:a14="http://schemas.microsoft.com/office/drawing/2010/main" xmlns:p14="http://schemas.microsoft.com/office/powerpoint/2010/main" xmlns:a16="http://schemas.microsoft.com/office/drawing/2014/main" xmlns="" w="9525">
+                <a14:hiddenLine xmlns="" xmlns:a16="http://schemas.microsoft.com/office/drawing/2014/main" xmlns:p14="http://schemas.microsoft.com/office/powerpoint/2010/main" xmlns:a14="http://schemas.microsoft.com/office/drawing/2010/main" w="9525">
                   <a:solidFill>
                     <a:srgbClr val="000000"/>
                   </a:solidFill>
@@ -25752,7 +29654,7 @@
             </a:ln>
             <a:extLst>
               <a:ext uri="{91240B29-F687-4f45-9708-019B960494DF}">
-                <a14:hiddenLine xmlns:a14="http://schemas.microsoft.com/office/drawing/2010/main" xmlns:p14="http://schemas.microsoft.com/office/powerpoint/2010/main" xmlns:a16="http://schemas.microsoft.com/office/drawing/2014/main" xmlns="" w="9525">
+                <a14:hiddenLine xmlns="" xmlns:a16="http://schemas.microsoft.com/office/drawing/2014/main" xmlns:p14="http://schemas.microsoft.com/office/powerpoint/2010/main" xmlns:a14="http://schemas.microsoft.com/office/drawing/2010/main" w="9525">
                   <a:solidFill>
                     <a:srgbClr val="000000"/>
                   </a:solidFill>
@@ -25801,7 +29703,7 @@
             </a:ln>
             <a:extLst>
               <a:ext uri="{91240B29-F687-4f45-9708-019B960494DF}">
-                <a14:hiddenLine xmlns:a14="http://schemas.microsoft.com/office/drawing/2010/main" xmlns:p14="http://schemas.microsoft.com/office/powerpoint/2010/main" xmlns:a16="http://schemas.microsoft.com/office/drawing/2014/main" xmlns="" w="9525">
+                <a14:hiddenLine xmlns="" xmlns:a16="http://schemas.microsoft.com/office/drawing/2014/main" xmlns:p14="http://schemas.microsoft.com/office/powerpoint/2010/main" xmlns:a14="http://schemas.microsoft.com/office/drawing/2010/main" w="9525">
                   <a:solidFill>
                     <a:srgbClr val="000000"/>
                   </a:solidFill>
@@ -25906,7 +29808,7 @@
             </a:ln>
             <a:extLst>
               <a:ext uri="{91240B29-F687-4f45-9708-019B960494DF}">
-                <a14:hiddenLine xmlns:a14="http://schemas.microsoft.com/office/drawing/2010/main" xmlns:p14="http://schemas.microsoft.com/office/powerpoint/2010/main" xmlns:a16="http://schemas.microsoft.com/office/drawing/2014/main" xmlns="" w="9525">
+                <a14:hiddenLine xmlns="" xmlns:a16="http://schemas.microsoft.com/office/drawing/2014/main" xmlns:p14="http://schemas.microsoft.com/office/powerpoint/2010/main" xmlns:a14="http://schemas.microsoft.com/office/drawing/2010/main" w="9525">
                   <a:solidFill>
                     <a:srgbClr val="000000"/>
                   </a:solidFill>
@@ -25983,7 +29885,7 @@
             </a:ln>
             <a:extLst>
               <a:ext uri="{91240B29-F687-4f45-9708-019B960494DF}">
-                <a14:hiddenLine xmlns:a14="http://schemas.microsoft.com/office/drawing/2010/main" xmlns:p14="http://schemas.microsoft.com/office/powerpoint/2010/main" xmlns:a16="http://schemas.microsoft.com/office/drawing/2014/main" xmlns="" w="9525">
+                <a14:hiddenLine xmlns="" xmlns:a16="http://schemas.microsoft.com/office/drawing/2014/main" xmlns:p14="http://schemas.microsoft.com/office/powerpoint/2010/main" xmlns:a14="http://schemas.microsoft.com/office/drawing/2010/main" w="9525">
                   <a:solidFill>
                     <a:srgbClr val="000000"/>
                   </a:solidFill>
@@ -26060,7 +29962,7 @@
             </a:ln>
             <a:extLst>
               <a:ext uri="{91240B29-F687-4f45-9708-019B960494DF}">
-                <a14:hiddenLine xmlns:a14="http://schemas.microsoft.com/office/drawing/2010/main" xmlns:p14="http://schemas.microsoft.com/office/powerpoint/2010/main" xmlns:a16="http://schemas.microsoft.com/office/drawing/2014/main" xmlns="" w="9525">
+                <a14:hiddenLine xmlns="" xmlns:a16="http://schemas.microsoft.com/office/drawing/2014/main" xmlns:p14="http://schemas.microsoft.com/office/powerpoint/2010/main" xmlns:a14="http://schemas.microsoft.com/office/drawing/2010/main" w="9525">
                   <a:solidFill>
                     <a:srgbClr val="000000"/>
                   </a:solidFill>
@@ -26165,7 +30067,7 @@
             </a:ln>
             <a:extLst>
               <a:ext uri="{91240B29-F687-4f45-9708-019B960494DF}">
-                <a14:hiddenLine xmlns:a14="http://schemas.microsoft.com/office/drawing/2010/main" xmlns:p14="http://schemas.microsoft.com/office/powerpoint/2010/main" xmlns:a16="http://schemas.microsoft.com/office/drawing/2014/main" xmlns="" w="9525">
+                <a14:hiddenLine xmlns="" xmlns:a16="http://schemas.microsoft.com/office/drawing/2014/main" xmlns:p14="http://schemas.microsoft.com/office/powerpoint/2010/main" xmlns:a14="http://schemas.microsoft.com/office/drawing/2010/main" w="9525">
                   <a:solidFill>
                     <a:srgbClr val="000000"/>
                   </a:solidFill>
@@ -26242,7 +30144,7 @@
             </a:ln>
             <a:extLst>
               <a:ext uri="{91240B29-F687-4f45-9708-019B960494DF}">
-                <a14:hiddenLine xmlns:a14="http://schemas.microsoft.com/office/drawing/2010/main" xmlns:p14="http://schemas.microsoft.com/office/powerpoint/2010/main" xmlns:a16="http://schemas.microsoft.com/office/drawing/2014/main" xmlns="" w="9525">
+                <a14:hiddenLine xmlns="" xmlns:a16="http://schemas.microsoft.com/office/drawing/2014/main" xmlns:p14="http://schemas.microsoft.com/office/powerpoint/2010/main" xmlns:a14="http://schemas.microsoft.com/office/drawing/2010/main" w="9525">
                   <a:solidFill>
                     <a:srgbClr val="000000"/>
                   </a:solidFill>
@@ -26319,7 +30221,7 @@
             </a:ln>
             <a:extLst>
               <a:ext uri="{91240B29-F687-4f45-9708-019B960494DF}">
-                <a14:hiddenLine xmlns:a14="http://schemas.microsoft.com/office/drawing/2010/main" xmlns:p14="http://schemas.microsoft.com/office/powerpoint/2010/main" xmlns:a16="http://schemas.microsoft.com/office/drawing/2014/main" xmlns="" w="9525">
+                <a14:hiddenLine xmlns="" xmlns:a16="http://schemas.microsoft.com/office/drawing/2014/main" xmlns:p14="http://schemas.microsoft.com/office/powerpoint/2010/main" xmlns:a14="http://schemas.microsoft.com/office/drawing/2010/main" w="9525">
                   <a:solidFill>
                     <a:srgbClr val="000000"/>
                   </a:solidFill>
@@ -26424,7 +30326,7 @@
             </a:ln>
             <a:extLst>
               <a:ext uri="{91240B29-F687-4f45-9708-019B960494DF}">
-                <a14:hiddenLine xmlns:a14="http://schemas.microsoft.com/office/drawing/2010/main" xmlns:p14="http://schemas.microsoft.com/office/powerpoint/2010/main" xmlns:a16="http://schemas.microsoft.com/office/drawing/2014/main" xmlns="" w="9525">
+                <a14:hiddenLine xmlns="" xmlns:a16="http://schemas.microsoft.com/office/drawing/2014/main" xmlns:p14="http://schemas.microsoft.com/office/powerpoint/2010/main" xmlns:a14="http://schemas.microsoft.com/office/drawing/2010/main" w="9525">
                   <a:solidFill>
                     <a:srgbClr val="000000"/>
                   </a:solidFill>
@@ -26529,7 +30431,7 @@
             </a:ln>
             <a:extLst>
               <a:ext uri="{91240B29-F687-4f45-9708-019B960494DF}">
-                <a14:hiddenLine xmlns:a14="http://schemas.microsoft.com/office/drawing/2010/main" xmlns:p14="http://schemas.microsoft.com/office/powerpoint/2010/main" xmlns:a16="http://schemas.microsoft.com/office/drawing/2014/main" xmlns="" w="9525">
+                <a14:hiddenLine xmlns="" xmlns:a16="http://schemas.microsoft.com/office/drawing/2014/main" xmlns:p14="http://schemas.microsoft.com/office/powerpoint/2010/main" xmlns:a14="http://schemas.microsoft.com/office/drawing/2010/main" w="9525">
                   <a:solidFill>
                     <a:srgbClr val="000000"/>
                   </a:solidFill>
@@ -26606,7 +30508,7 @@
             </a:ln>
             <a:extLst>
               <a:ext uri="{91240B29-F687-4f45-9708-019B960494DF}">
-                <a14:hiddenLine xmlns:a14="http://schemas.microsoft.com/office/drawing/2010/main" xmlns:p14="http://schemas.microsoft.com/office/powerpoint/2010/main" xmlns:a16="http://schemas.microsoft.com/office/drawing/2014/main" xmlns="" w="9525">
+                <a14:hiddenLine xmlns="" xmlns:a16="http://schemas.microsoft.com/office/drawing/2014/main" xmlns:p14="http://schemas.microsoft.com/office/powerpoint/2010/main" xmlns:a14="http://schemas.microsoft.com/office/drawing/2010/main" w="9525">
                   <a:solidFill>
                     <a:srgbClr val="000000"/>
                   </a:solidFill>
@@ -26731,7 +30633,7 @@
             </a:ln>
             <a:extLst>
               <a:ext uri="{91240B29-F687-4f45-9708-019B960494DF}">
-                <a14:hiddenLine xmlns:a14="http://schemas.microsoft.com/office/drawing/2010/main" xmlns:p14="http://schemas.microsoft.com/office/powerpoint/2010/main" xmlns:a16="http://schemas.microsoft.com/office/drawing/2014/main" xmlns="" w="9525">
+                <a14:hiddenLine xmlns="" xmlns:a16="http://schemas.microsoft.com/office/drawing/2014/main" xmlns:p14="http://schemas.microsoft.com/office/powerpoint/2010/main" xmlns:a14="http://schemas.microsoft.com/office/drawing/2010/main" w="9525">
                   <a:solidFill>
                     <a:srgbClr val="000000"/>
                   </a:solidFill>
@@ -26808,7 +30710,7 @@
             </a:ln>
             <a:extLst>
               <a:ext uri="{91240B29-F687-4f45-9708-019B960494DF}">
-                <a14:hiddenLine xmlns:a14="http://schemas.microsoft.com/office/drawing/2010/main" xmlns:p14="http://schemas.microsoft.com/office/powerpoint/2010/main" xmlns:a16="http://schemas.microsoft.com/office/drawing/2014/main" xmlns="" w="9525">
+                <a14:hiddenLine xmlns="" xmlns:a16="http://schemas.microsoft.com/office/drawing/2014/main" xmlns:p14="http://schemas.microsoft.com/office/powerpoint/2010/main" xmlns:a14="http://schemas.microsoft.com/office/drawing/2010/main" w="9525">
                   <a:solidFill>
                     <a:srgbClr val="000000"/>
                   </a:solidFill>
@@ -26913,7 +30815,7 @@
             </a:ln>
             <a:extLst>
               <a:ext uri="{91240B29-F687-4f45-9708-019B960494DF}">
-                <a14:hiddenLine xmlns:a14="http://schemas.microsoft.com/office/drawing/2010/main" xmlns:p14="http://schemas.microsoft.com/office/powerpoint/2010/main" xmlns:a16="http://schemas.microsoft.com/office/drawing/2014/main" xmlns="" w="9525">
+                <a14:hiddenLine xmlns="" xmlns:a16="http://schemas.microsoft.com/office/drawing/2014/main" xmlns:p14="http://schemas.microsoft.com/office/powerpoint/2010/main" xmlns:a14="http://schemas.microsoft.com/office/drawing/2010/main" w="9525">
                   <a:solidFill>
                     <a:srgbClr val="000000"/>
                   </a:solidFill>
@@ -27018,7 +30920,7 @@
             </a:ln>
             <a:extLst>
               <a:ext uri="{91240B29-F687-4f45-9708-019B960494DF}">
-                <a14:hiddenLine xmlns:a14="http://schemas.microsoft.com/office/drawing/2010/main" xmlns:p14="http://schemas.microsoft.com/office/powerpoint/2010/main" xmlns:a16="http://schemas.microsoft.com/office/drawing/2014/main" xmlns="" w="9525">
+                <a14:hiddenLine xmlns="" xmlns:a16="http://schemas.microsoft.com/office/drawing/2014/main" xmlns:p14="http://schemas.microsoft.com/office/powerpoint/2010/main" xmlns:a14="http://schemas.microsoft.com/office/drawing/2010/main" w="9525">
                   <a:solidFill>
                     <a:srgbClr val="000000"/>
                   </a:solidFill>
@@ -27095,7 +30997,7 @@
             </a:ln>
             <a:extLst>
               <a:ext uri="{91240B29-F687-4f45-9708-019B960494DF}">
-                <a14:hiddenLine xmlns:a14="http://schemas.microsoft.com/office/drawing/2010/main" xmlns:p14="http://schemas.microsoft.com/office/powerpoint/2010/main" xmlns:a16="http://schemas.microsoft.com/office/drawing/2014/main" xmlns="" w="9525">
+                <a14:hiddenLine xmlns="" xmlns:a16="http://schemas.microsoft.com/office/drawing/2014/main" xmlns:p14="http://schemas.microsoft.com/office/powerpoint/2010/main" xmlns:a14="http://schemas.microsoft.com/office/drawing/2010/main" w="9525">
                   <a:solidFill>
                     <a:srgbClr val="000000"/>
                   </a:solidFill>
@@ -27200,7 +31102,7 @@
             </a:ln>
             <a:extLst>
               <a:ext uri="{91240B29-F687-4f45-9708-019B960494DF}">
-                <a14:hiddenLine xmlns:a14="http://schemas.microsoft.com/office/drawing/2010/main" xmlns:p14="http://schemas.microsoft.com/office/powerpoint/2010/main" xmlns:a16="http://schemas.microsoft.com/office/drawing/2014/main" xmlns="" w="9525">
+                <a14:hiddenLine xmlns="" xmlns:a16="http://schemas.microsoft.com/office/drawing/2014/main" xmlns:p14="http://schemas.microsoft.com/office/powerpoint/2010/main" xmlns:a14="http://schemas.microsoft.com/office/drawing/2010/main" w="9525">
                   <a:solidFill>
                     <a:srgbClr val="000000"/>
                   </a:solidFill>
@@ -27305,7 +31207,7 @@
             </a:ln>
             <a:extLst>
               <a:ext uri="{91240B29-F687-4f45-9708-019B960494DF}">
-                <a14:hiddenLine xmlns:a14="http://schemas.microsoft.com/office/drawing/2010/main" xmlns:p14="http://schemas.microsoft.com/office/powerpoint/2010/main" xmlns:a16="http://schemas.microsoft.com/office/drawing/2014/main" xmlns="" w="9525">
+                <a14:hiddenLine xmlns="" xmlns:a16="http://schemas.microsoft.com/office/drawing/2014/main" xmlns:p14="http://schemas.microsoft.com/office/powerpoint/2010/main" xmlns:a14="http://schemas.microsoft.com/office/drawing/2010/main" w="9525">
                   <a:solidFill>
                     <a:srgbClr val="000000"/>
                   </a:solidFill>
@@ -27376,7 +31278,7 @@
             </a:ln>
             <a:extLst>
               <a:ext uri="{91240B29-F687-4f45-9708-019B960494DF}">
-                <a14:hiddenLine xmlns:a14="http://schemas.microsoft.com/office/drawing/2010/main" xmlns:p14="http://schemas.microsoft.com/office/powerpoint/2010/main" xmlns:a16="http://schemas.microsoft.com/office/drawing/2014/main" xmlns="" w="9525">
+                <a14:hiddenLine xmlns="" xmlns:a16="http://schemas.microsoft.com/office/drawing/2014/main" xmlns:p14="http://schemas.microsoft.com/office/powerpoint/2010/main" xmlns:a14="http://schemas.microsoft.com/office/drawing/2010/main" w="9525">
                   <a:solidFill>
                     <a:srgbClr val="000000"/>
                   </a:solidFill>
@@ -27481,7 +31383,7 @@
             </a:ln>
             <a:extLst>
               <a:ext uri="{91240B29-F687-4f45-9708-019B960494DF}">
-                <a14:hiddenLine xmlns:a14="http://schemas.microsoft.com/office/drawing/2010/main" xmlns:p14="http://schemas.microsoft.com/office/powerpoint/2010/main" xmlns:a16="http://schemas.microsoft.com/office/drawing/2014/main" xmlns="" w="9525">
+                <a14:hiddenLine xmlns="" xmlns:a16="http://schemas.microsoft.com/office/drawing/2014/main" xmlns:p14="http://schemas.microsoft.com/office/powerpoint/2010/main" xmlns:a14="http://schemas.microsoft.com/office/drawing/2010/main" w="9525">
                   <a:solidFill>
                     <a:srgbClr val="000000"/>
                   </a:solidFill>
@@ -27552,7 +31454,7 @@
             </a:ln>
             <a:extLst>
               <a:ext uri="{91240B29-F687-4f45-9708-019B960494DF}">
-                <a14:hiddenLine xmlns:a14="http://schemas.microsoft.com/office/drawing/2010/main" xmlns:p14="http://schemas.microsoft.com/office/powerpoint/2010/main" xmlns:a16="http://schemas.microsoft.com/office/drawing/2014/main" xmlns="" w="9525">
+                <a14:hiddenLine xmlns="" xmlns:a16="http://schemas.microsoft.com/office/drawing/2014/main" xmlns:p14="http://schemas.microsoft.com/office/powerpoint/2010/main" xmlns:a14="http://schemas.microsoft.com/office/drawing/2010/main" w="9525">
                   <a:solidFill>
                     <a:srgbClr val="000000"/>
                   </a:solidFill>
@@ -27657,7 +31559,7 @@
             </a:ln>
             <a:extLst>
               <a:ext uri="{91240B29-F687-4f45-9708-019B960494DF}">
-                <a14:hiddenLine xmlns:a14="http://schemas.microsoft.com/office/drawing/2010/main" xmlns:p14="http://schemas.microsoft.com/office/powerpoint/2010/main" xmlns:a16="http://schemas.microsoft.com/office/drawing/2014/main" xmlns="" w="9525">
+                <a14:hiddenLine xmlns="" xmlns:a16="http://schemas.microsoft.com/office/drawing/2014/main" xmlns:p14="http://schemas.microsoft.com/office/powerpoint/2010/main" xmlns:a14="http://schemas.microsoft.com/office/drawing/2010/main" w="9525">
                   <a:solidFill>
                     <a:srgbClr val="000000"/>
                   </a:solidFill>
@@ -27740,7 +31642,7 @@
             </a:ln>
             <a:extLst>
               <a:ext uri="{91240B29-F687-4f45-9708-019B960494DF}">
-                <a14:hiddenLine xmlns:a14="http://schemas.microsoft.com/office/drawing/2010/main" xmlns:p14="http://schemas.microsoft.com/office/powerpoint/2010/main" xmlns:a16="http://schemas.microsoft.com/office/drawing/2014/main" xmlns="" w="9525">
+                <a14:hiddenLine xmlns="" xmlns:a16="http://schemas.microsoft.com/office/drawing/2014/main" xmlns:p14="http://schemas.microsoft.com/office/powerpoint/2010/main" xmlns:a14="http://schemas.microsoft.com/office/drawing/2010/main" w="9525">
                   <a:solidFill>
                     <a:srgbClr val="000000"/>
                   </a:solidFill>
@@ -27845,7 +31747,7 @@
             </a:ln>
             <a:extLst>
               <a:ext uri="{91240B29-F687-4f45-9708-019B960494DF}">
-                <a14:hiddenLine xmlns:a14="http://schemas.microsoft.com/office/drawing/2010/main" xmlns:p14="http://schemas.microsoft.com/office/powerpoint/2010/main" xmlns:a16="http://schemas.microsoft.com/office/drawing/2014/main" xmlns="" w="9525">
+                <a14:hiddenLine xmlns="" xmlns:a16="http://schemas.microsoft.com/office/drawing/2014/main" xmlns:p14="http://schemas.microsoft.com/office/powerpoint/2010/main" xmlns:a14="http://schemas.microsoft.com/office/drawing/2010/main" w="9525">
                   <a:solidFill>
                     <a:srgbClr val="000000"/>
                   </a:solidFill>
@@ -27928,7 +31830,7 @@
             </a:ln>
             <a:extLst>
               <a:ext uri="{91240B29-F687-4f45-9708-019B960494DF}">
-                <a14:hiddenLine xmlns:a14="http://schemas.microsoft.com/office/drawing/2010/main" xmlns:p14="http://schemas.microsoft.com/office/powerpoint/2010/main" xmlns:a16="http://schemas.microsoft.com/office/drawing/2014/main" xmlns="" w="9525">
+                <a14:hiddenLine xmlns="" xmlns:a16="http://schemas.microsoft.com/office/drawing/2014/main" xmlns:p14="http://schemas.microsoft.com/office/powerpoint/2010/main" xmlns:a14="http://schemas.microsoft.com/office/drawing/2010/main" w="9525">
                   <a:solidFill>
                     <a:srgbClr val="000000"/>
                   </a:solidFill>
@@ -28033,7 +31935,7 @@
             </a:ln>
             <a:extLst>
               <a:ext uri="{91240B29-F687-4f45-9708-019B960494DF}">
-                <a14:hiddenLine xmlns:a14="http://schemas.microsoft.com/office/drawing/2010/main" xmlns:p14="http://schemas.microsoft.com/office/powerpoint/2010/main" xmlns:a16="http://schemas.microsoft.com/office/drawing/2014/main" xmlns="" w="9525">
+                <a14:hiddenLine xmlns="" xmlns:a16="http://schemas.microsoft.com/office/drawing/2014/main" xmlns:p14="http://schemas.microsoft.com/office/powerpoint/2010/main" xmlns:a14="http://schemas.microsoft.com/office/drawing/2010/main" w="9525">
                   <a:solidFill>
                     <a:srgbClr val="000000"/>
                   </a:solidFill>
@@ -28082,7 +31984,7 @@
             </a:ln>
             <a:extLst>
               <a:ext uri="{91240B29-F687-4f45-9708-019B960494DF}">
-                <a14:hiddenLine xmlns:a14="http://schemas.microsoft.com/office/drawing/2010/main" xmlns:p14="http://schemas.microsoft.com/office/powerpoint/2010/main" xmlns:a16="http://schemas.microsoft.com/office/drawing/2014/main" xmlns="" w="9525">
+                <a14:hiddenLine xmlns="" xmlns:a16="http://schemas.microsoft.com/office/drawing/2014/main" xmlns:p14="http://schemas.microsoft.com/office/powerpoint/2010/main" xmlns:a14="http://schemas.microsoft.com/office/drawing/2010/main" w="9525">
                   <a:solidFill>
                     <a:srgbClr val="000000"/>
                   </a:solidFill>
@@ -28187,7 +32089,7 @@
             </a:ln>
             <a:extLst>
               <a:ext uri="{91240B29-F687-4f45-9708-019B960494DF}">
-                <a14:hiddenLine xmlns:a14="http://schemas.microsoft.com/office/drawing/2010/main" xmlns:p14="http://schemas.microsoft.com/office/powerpoint/2010/main" xmlns:a16="http://schemas.microsoft.com/office/drawing/2014/main" xmlns="" w="9525">
+                <a14:hiddenLine xmlns="" xmlns:a16="http://schemas.microsoft.com/office/drawing/2014/main" xmlns:p14="http://schemas.microsoft.com/office/powerpoint/2010/main" xmlns:a14="http://schemas.microsoft.com/office/drawing/2010/main" w="9525">
                   <a:solidFill>
                     <a:srgbClr val="000000"/>
                   </a:solidFill>
@@ -28264,7 +32166,7 @@
             </a:ln>
             <a:extLst>
               <a:ext uri="{91240B29-F687-4f45-9708-019B960494DF}">
-                <a14:hiddenLine xmlns:a14="http://schemas.microsoft.com/office/drawing/2010/main" xmlns:p14="http://schemas.microsoft.com/office/powerpoint/2010/main" xmlns:a16="http://schemas.microsoft.com/office/drawing/2014/main" xmlns="" w="9525">
+                <a14:hiddenLine xmlns="" xmlns:a16="http://schemas.microsoft.com/office/drawing/2014/main" xmlns:p14="http://schemas.microsoft.com/office/powerpoint/2010/main" xmlns:a14="http://schemas.microsoft.com/office/drawing/2010/main" w="9525">
                   <a:solidFill>
                     <a:srgbClr val="000000"/>
                   </a:solidFill>
@@ -28341,7 +32243,7 @@
             </a:ln>
             <a:extLst>
               <a:ext uri="{91240B29-F687-4f45-9708-019B960494DF}">
-                <a14:hiddenLine xmlns:a14="http://schemas.microsoft.com/office/drawing/2010/main" xmlns:p14="http://schemas.microsoft.com/office/powerpoint/2010/main" xmlns:a16="http://schemas.microsoft.com/office/drawing/2014/main" xmlns="" w="9525">
+                <a14:hiddenLine xmlns="" xmlns:a16="http://schemas.microsoft.com/office/drawing/2014/main" xmlns:p14="http://schemas.microsoft.com/office/powerpoint/2010/main" xmlns:a14="http://schemas.microsoft.com/office/drawing/2010/main" w="9525">
                   <a:solidFill>
                     <a:srgbClr val="000000"/>
                   </a:solidFill>
@@ -28446,7 +32348,7 @@
             </a:ln>
             <a:extLst>
               <a:ext uri="{91240B29-F687-4f45-9708-019B960494DF}">
-                <a14:hiddenLine xmlns:a14="http://schemas.microsoft.com/office/drawing/2010/main" xmlns:p14="http://schemas.microsoft.com/office/powerpoint/2010/main" xmlns:a16="http://schemas.microsoft.com/office/drawing/2014/main" xmlns="" w="9525">
+                <a14:hiddenLine xmlns="" xmlns:a16="http://schemas.microsoft.com/office/drawing/2014/main" xmlns:p14="http://schemas.microsoft.com/office/powerpoint/2010/main" xmlns:a14="http://schemas.microsoft.com/office/drawing/2010/main" w="9525">
                   <a:solidFill>
                     <a:srgbClr val="000000"/>
                   </a:solidFill>
@@ -28529,7 +32431,7 @@
             </a:ln>
             <a:extLst>
               <a:ext uri="{91240B29-F687-4f45-9708-019B960494DF}">
-                <a14:hiddenLine xmlns:a14="http://schemas.microsoft.com/office/drawing/2010/main" xmlns:p14="http://schemas.microsoft.com/office/powerpoint/2010/main" xmlns:a16="http://schemas.microsoft.com/office/drawing/2014/main" xmlns="" w="9525">
+                <a14:hiddenLine xmlns="" xmlns:a16="http://schemas.microsoft.com/office/drawing/2014/main" xmlns:p14="http://schemas.microsoft.com/office/powerpoint/2010/main" xmlns:a14="http://schemas.microsoft.com/office/drawing/2010/main" w="9525">
                   <a:solidFill>
                     <a:srgbClr val="000000"/>
                   </a:solidFill>
@@ -28606,7 +32508,7 @@
             </a:ln>
             <a:extLst>
               <a:ext uri="{91240B29-F687-4f45-9708-019B960494DF}">
-                <a14:hiddenLine xmlns:a14="http://schemas.microsoft.com/office/drawing/2010/main" xmlns:p14="http://schemas.microsoft.com/office/powerpoint/2010/main" xmlns:a16="http://schemas.microsoft.com/office/drawing/2014/main" xmlns="" w="9525">
+                <a14:hiddenLine xmlns="" xmlns:a16="http://schemas.microsoft.com/office/drawing/2014/main" xmlns:p14="http://schemas.microsoft.com/office/powerpoint/2010/main" xmlns:a14="http://schemas.microsoft.com/office/drawing/2010/main" w="9525">
                   <a:solidFill>
                     <a:srgbClr val="000000"/>
                   </a:solidFill>
@@ -28711,7 +32613,7 @@
             </a:ln>
             <a:extLst>
               <a:ext uri="{91240B29-F687-4f45-9708-019B960494DF}">
-                <a14:hiddenLine xmlns:a14="http://schemas.microsoft.com/office/drawing/2010/main" xmlns:p14="http://schemas.microsoft.com/office/powerpoint/2010/main" xmlns:a16="http://schemas.microsoft.com/office/drawing/2014/main" xmlns="" w="9525">
+                <a14:hiddenLine xmlns="" xmlns:a16="http://schemas.microsoft.com/office/drawing/2014/main" xmlns:p14="http://schemas.microsoft.com/office/powerpoint/2010/main" xmlns:a14="http://schemas.microsoft.com/office/drawing/2010/main" w="9525">
                   <a:solidFill>
                     <a:srgbClr val="000000"/>
                   </a:solidFill>
@@ -28788,7 +32690,7 @@
             </a:ln>
             <a:extLst>
               <a:ext uri="{91240B29-F687-4f45-9708-019B960494DF}">
-                <a14:hiddenLine xmlns:a14="http://schemas.microsoft.com/office/drawing/2010/main" xmlns:p14="http://schemas.microsoft.com/office/powerpoint/2010/main" xmlns:a16="http://schemas.microsoft.com/office/drawing/2014/main" xmlns="" w="9525">
+                <a14:hiddenLine xmlns="" xmlns:a16="http://schemas.microsoft.com/office/drawing/2014/main" xmlns:p14="http://schemas.microsoft.com/office/powerpoint/2010/main" xmlns:a14="http://schemas.microsoft.com/office/drawing/2010/main" w="9525">
                   <a:solidFill>
                     <a:srgbClr val="000000"/>
                   </a:solidFill>
@@ -28893,7 +32795,7 @@
             </a:ln>
             <a:extLst>
               <a:ext uri="{91240B29-F687-4f45-9708-019B960494DF}">
-                <a14:hiddenLine xmlns:a14="http://schemas.microsoft.com/office/drawing/2010/main" xmlns:p14="http://schemas.microsoft.com/office/powerpoint/2010/main" xmlns:a16="http://schemas.microsoft.com/office/drawing/2014/main" xmlns="" w="9525">
+                <a14:hiddenLine xmlns="" xmlns:a16="http://schemas.microsoft.com/office/drawing/2014/main" xmlns:p14="http://schemas.microsoft.com/office/powerpoint/2010/main" xmlns:a14="http://schemas.microsoft.com/office/drawing/2010/main" w="9525">
                   <a:solidFill>
                     <a:srgbClr val="000000"/>
                   </a:solidFill>
@@ -28970,7 +32872,7 @@
             </a:ln>
             <a:extLst>
               <a:ext uri="{91240B29-F687-4f45-9708-019B960494DF}">
-                <a14:hiddenLine xmlns:a14="http://schemas.microsoft.com/office/drawing/2010/main" xmlns:p14="http://schemas.microsoft.com/office/powerpoint/2010/main" xmlns:a16="http://schemas.microsoft.com/office/drawing/2014/main" xmlns="" w="9525">
+                <a14:hiddenLine xmlns="" xmlns:a16="http://schemas.microsoft.com/office/drawing/2014/main" xmlns:p14="http://schemas.microsoft.com/office/powerpoint/2010/main" xmlns:a14="http://schemas.microsoft.com/office/drawing/2010/main" w="9525">
                   <a:solidFill>
                     <a:srgbClr val="000000"/>
                   </a:solidFill>
@@ -29075,7 +32977,7 @@
             </a:ln>
             <a:extLst>
               <a:ext uri="{91240B29-F687-4f45-9708-019B960494DF}">
-                <a14:hiddenLine xmlns:a14="http://schemas.microsoft.com/office/drawing/2010/main" xmlns:p14="http://schemas.microsoft.com/office/powerpoint/2010/main" xmlns:a16="http://schemas.microsoft.com/office/drawing/2014/main" xmlns="" w="9525">
+                <a14:hiddenLine xmlns="" xmlns:a16="http://schemas.microsoft.com/office/drawing/2014/main" xmlns:p14="http://schemas.microsoft.com/office/powerpoint/2010/main" xmlns:a14="http://schemas.microsoft.com/office/drawing/2010/main" w="9525">
                   <a:solidFill>
                     <a:srgbClr val="000000"/>
                   </a:solidFill>
@@ -29124,7 +33026,7 @@
             </a:ln>
             <a:extLst>
               <a:ext uri="{91240B29-F687-4f45-9708-019B960494DF}">
-                <a14:hiddenLine xmlns:a14="http://schemas.microsoft.com/office/drawing/2010/main" xmlns:p14="http://schemas.microsoft.com/office/powerpoint/2010/main" xmlns:a16="http://schemas.microsoft.com/office/drawing/2014/main" xmlns="" w="9525">
+                <a14:hiddenLine xmlns="" xmlns:a16="http://schemas.microsoft.com/office/drawing/2014/main" xmlns:p14="http://schemas.microsoft.com/office/powerpoint/2010/main" xmlns:a14="http://schemas.microsoft.com/office/drawing/2010/main" w="9525">
                   <a:solidFill>
                     <a:srgbClr val="000000"/>
                   </a:solidFill>
@@ -29204,7 +33106,7 @@
             </a:ln>
             <a:extLst>
               <a:ext uri="{91240B29-F687-4f45-9708-019B960494DF}">
-                <a14:hiddenLine xmlns:a14="http://schemas.microsoft.com/office/drawing/2010/main" xmlns:p14="http://schemas.microsoft.com/office/powerpoint/2010/main" xmlns:a16="http://schemas.microsoft.com/office/drawing/2014/main" xmlns="" w="9525">
+                <a14:hiddenLine xmlns="" xmlns:a16="http://schemas.microsoft.com/office/drawing/2014/main" xmlns:p14="http://schemas.microsoft.com/office/powerpoint/2010/main" xmlns:a14="http://schemas.microsoft.com/office/drawing/2010/main" w="9525">
                   <a:solidFill>
                     <a:srgbClr val="000000"/>
                   </a:solidFill>
@@ -29309,7 +33211,7 @@
             </a:ln>
             <a:extLst>
               <a:ext uri="{91240B29-F687-4f45-9708-019B960494DF}">
-                <a14:hiddenLine xmlns:a14="http://schemas.microsoft.com/office/drawing/2010/main" xmlns:p14="http://schemas.microsoft.com/office/powerpoint/2010/main" xmlns:a16="http://schemas.microsoft.com/office/drawing/2014/main" xmlns="" w="9525">
+                <a14:hiddenLine xmlns="" xmlns:a16="http://schemas.microsoft.com/office/drawing/2014/main" xmlns:p14="http://schemas.microsoft.com/office/powerpoint/2010/main" xmlns:a14="http://schemas.microsoft.com/office/drawing/2010/main" w="9525">
                   <a:solidFill>
                     <a:srgbClr val="000000"/>
                   </a:solidFill>
@@ -29386,7 +33288,7 @@
             </a:ln>
             <a:extLst>
               <a:ext uri="{91240B29-F687-4f45-9708-019B960494DF}">
-                <a14:hiddenLine xmlns:a14="http://schemas.microsoft.com/office/drawing/2010/main" xmlns:p14="http://schemas.microsoft.com/office/powerpoint/2010/main" xmlns:a16="http://schemas.microsoft.com/office/drawing/2014/main" xmlns="" w="9525">
+                <a14:hiddenLine xmlns="" xmlns:a16="http://schemas.microsoft.com/office/drawing/2014/main" xmlns:p14="http://schemas.microsoft.com/office/powerpoint/2010/main" xmlns:a14="http://schemas.microsoft.com/office/drawing/2010/main" w="9525">
                   <a:solidFill>
                     <a:srgbClr val="000000"/>
                   </a:solidFill>
@@ -29491,7 +33393,7 @@
             </a:ln>
             <a:extLst>
               <a:ext uri="{91240B29-F687-4f45-9708-019B960494DF}">
-                <a14:hiddenLine xmlns:a14="http://schemas.microsoft.com/office/drawing/2010/main" xmlns:p14="http://schemas.microsoft.com/office/powerpoint/2010/main" xmlns:a16="http://schemas.microsoft.com/office/drawing/2014/main" xmlns="" w="9525">
+                <a14:hiddenLine xmlns="" xmlns:a16="http://schemas.microsoft.com/office/drawing/2014/main" xmlns:p14="http://schemas.microsoft.com/office/powerpoint/2010/main" xmlns:a14="http://schemas.microsoft.com/office/drawing/2010/main" w="9525">
                   <a:solidFill>
                     <a:srgbClr val="000000"/>
                   </a:solidFill>
@@ -29596,7 +33498,7 @@
             </a:ln>
             <a:extLst>
               <a:ext uri="{91240B29-F687-4f45-9708-019B960494DF}">
-                <a14:hiddenLine xmlns:a14="http://schemas.microsoft.com/office/drawing/2010/main" xmlns:p14="http://schemas.microsoft.com/office/powerpoint/2010/main" xmlns:a16="http://schemas.microsoft.com/office/drawing/2014/main" xmlns="" w="9525">
+                <a14:hiddenLine xmlns="" xmlns:a16="http://schemas.microsoft.com/office/drawing/2014/main" xmlns:p14="http://schemas.microsoft.com/office/powerpoint/2010/main" xmlns:a14="http://schemas.microsoft.com/office/drawing/2010/main" w="9525">
                   <a:solidFill>
                     <a:srgbClr val="000000"/>
                   </a:solidFill>
@@ -29676,7 +33578,7 @@
             </a:ln>
             <a:extLst>
               <a:ext uri="{91240B29-F687-4f45-9708-019B960494DF}">
-                <a14:hiddenLine xmlns:a14="http://schemas.microsoft.com/office/drawing/2010/main" xmlns:p14="http://schemas.microsoft.com/office/powerpoint/2010/main" xmlns:a16="http://schemas.microsoft.com/office/drawing/2014/main" xmlns="" w="9525">
+                <a14:hiddenLine xmlns="" xmlns:a16="http://schemas.microsoft.com/office/drawing/2014/main" xmlns:p14="http://schemas.microsoft.com/office/powerpoint/2010/main" xmlns:a14="http://schemas.microsoft.com/office/drawing/2010/main" w="9525">
                   <a:solidFill>
                     <a:srgbClr val="000000"/>
                   </a:solidFill>
@@ -29753,7 +33655,7 @@
             </a:ln>
             <a:extLst>
               <a:ext uri="{91240B29-F687-4f45-9708-019B960494DF}">
-                <a14:hiddenLine xmlns:a14="http://schemas.microsoft.com/office/drawing/2010/main" xmlns:p14="http://schemas.microsoft.com/office/powerpoint/2010/main" xmlns:a16="http://schemas.microsoft.com/office/drawing/2014/main" xmlns="" w="9525">
+                <a14:hiddenLine xmlns="" xmlns:a16="http://schemas.microsoft.com/office/drawing/2014/main" xmlns:p14="http://schemas.microsoft.com/office/powerpoint/2010/main" xmlns:a14="http://schemas.microsoft.com/office/drawing/2010/main" w="9525">
                   <a:solidFill>
                     <a:srgbClr val="000000"/>
                   </a:solidFill>
@@ -29858,7 +33760,7 @@
             </a:ln>
             <a:extLst>
               <a:ext uri="{91240B29-F687-4f45-9708-019B960494DF}">
-                <a14:hiddenLine xmlns:a14="http://schemas.microsoft.com/office/drawing/2010/main" xmlns:p14="http://schemas.microsoft.com/office/powerpoint/2010/main" xmlns:a16="http://schemas.microsoft.com/office/drawing/2014/main" xmlns="" w="9525">
+                <a14:hiddenLine xmlns="" xmlns:a16="http://schemas.microsoft.com/office/drawing/2014/main" xmlns:p14="http://schemas.microsoft.com/office/powerpoint/2010/main" xmlns:a14="http://schemas.microsoft.com/office/drawing/2010/main" w="9525">
                   <a:solidFill>
                     <a:srgbClr val="000000"/>
                   </a:solidFill>
@@ -29963,7 +33865,7 @@
             </a:ln>
             <a:extLst>
               <a:ext uri="{91240B29-F687-4f45-9708-019B960494DF}">
-                <a14:hiddenLine xmlns:a14="http://schemas.microsoft.com/office/drawing/2010/main" xmlns:p14="http://schemas.microsoft.com/office/powerpoint/2010/main" xmlns:a16="http://schemas.microsoft.com/office/drawing/2014/main" xmlns="" w="9525">
+                <a14:hiddenLine xmlns="" xmlns:a16="http://schemas.microsoft.com/office/drawing/2014/main" xmlns:p14="http://schemas.microsoft.com/office/powerpoint/2010/main" xmlns:a14="http://schemas.microsoft.com/office/drawing/2010/main" w="9525">
                   <a:solidFill>
                     <a:srgbClr val="000000"/>
                   </a:solidFill>
@@ -30040,7 +33942,7 @@
             </a:ln>
             <a:extLst>
               <a:ext uri="{91240B29-F687-4f45-9708-019B960494DF}">
-                <a14:hiddenLine xmlns:a14="http://schemas.microsoft.com/office/drawing/2010/main" xmlns:p14="http://schemas.microsoft.com/office/powerpoint/2010/main" xmlns:a16="http://schemas.microsoft.com/office/drawing/2014/main" xmlns="" w="9525">
+                <a14:hiddenLine xmlns="" xmlns:a16="http://schemas.microsoft.com/office/drawing/2014/main" xmlns:p14="http://schemas.microsoft.com/office/powerpoint/2010/main" xmlns:a14="http://schemas.microsoft.com/office/drawing/2010/main" w="9525">
                   <a:solidFill>
                     <a:srgbClr val="000000"/>
                   </a:solidFill>
@@ -30175,7 +34077,7 @@
             </a:ln>
             <a:extLst>
               <a:ext uri="{91240B29-F687-4f45-9708-019B960494DF}">
-                <a14:hiddenLine xmlns:a14="http://schemas.microsoft.com/office/drawing/2010/main" xmlns:p14="http://schemas.microsoft.com/office/powerpoint/2010/main" xmlns:a16="http://schemas.microsoft.com/office/drawing/2014/main" xmlns="" w="9525">
+                <a14:hiddenLine xmlns="" xmlns:a16="http://schemas.microsoft.com/office/drawing/2014/main" xmlns:p14="http://schemas.microsoft.com/office/powerpoint/2010/main" xmlns:a14="http://schemas.microsoft.com/office/drawing/2010/main" w="9525">
                   <a:solidFill>
                     <a:srgbClr val="000000"/>
                   </a:solidFill>
@@ -30258,7 +34160,7 @@
             </a:ln>
             <a:extLst>
               <a:ext uri="{91240B29-F687-4f45-9708-019B960494DF}">
-                <a14:hiddenLine xmlns:a14="http://schemas.microsoft.com/office/drawing/2010/main" xmlns:p14="http://schemas.microsoft.com/office/powerpoint/2010/main" xmlns:a16="http://schemas.microsoft.com/office/drawing/2014/main" xmlns="" w="9525">
+                <a14:hiddenLine xmlns="" xmlns:a16="http://schemas.microsoft.com/office/drawing/2014/main" xmlns:p14="http://schemas.microsoft.com/office/powerpoint/2010/main" xmlns:a14="http://schemas.microsoft.com/office/drawing/2010/main" w="9525">
                   <a:solidFill>
                     <a:srgbClr val="000000"/>
                   </a:solidFill>
@@ -30363,7 +34265,7 @@
             </a:ln>
             <a:extLst>
               <a:ext uri="{91240B29-F687-4f45-9708-019B960494DF}">
-                <a14:hiddenLine xmlns:a14="http://schemas.microsoft.com/office/drawing/2010/main" xmlns:p14="http://schemas.microsoft.com/office/powerpoint/2010/main" xmlns:a16="http://schemas.microsoft.com/office/drawing/2014/main" xmlns="" w="9525">
+                <a14:hiddenLine xmlns="" xmlns:a16="http://schemas.microsoft.com/office/drawing/2014/main" xmlns:p14="http://schemas.microsoft.com/office/powerpoint/2010/main" xmlns:a14="http://schemas.microsoft.com/office/drawing/2010/main" w="9525">
                   <a:solidFill>
                     <a:srgbClr val="000000"/>
                   </a:solidFill>
@@ -30519,7 +34421,7 @@
             </a:ln>
             <a:extLst>
               <a:ext uri="{91240B29-F687-4f45-9708-019B960494DF}">
-                <a14:hiddenLine xmlns:a14="http://schemas.microsoft.com/office/drawing/2010/main" xmlns:p14="http://schemas.microsoft.com/office/powerpoint/2010/main" xmlns:a16="http://schemas.microsoft.com/office/drawing/2014/main" xmlns="" w="9525">
+                <a14:hiddenLine xmlns="" xmlns:a16="http://schemas.microsoft.com/office/drawing/2014/main" xmlns:p14="http://schemas.microsoft.com/office/powerpoint/2010/main" xmlns:a14="http://schemas.microsoft.com/office/drawing/2010/main" w="9525">
                   <a:solidFill>
                     <a:srgbClr val="000000"/>
                   </a:solidFill>
@@ -30624,7 +34526,7 @@
             </a:ln>
             <a:extLst>
               <a:ext uri="{91240B29-F687-4f45-9708-019B960494DF}">
-                <a14:hiddenLine xmlns:a14="http://schemas.microsoft.com/office/drawing/2010/main" xmlns:p14="http://schemas.microsoft.com/office/powerpoint/2010/main" xmlns:a16="http://schemas.microsoft.com/office/drawing/2014/main" xmlns="" w="9525">
+                <a14:hiddenLine xmlns="" xmlns:a16="http://schemas.microsoft.com/office/drawing/2014/main" xmlns:p14="http://schemas.microsoft.com/office/powerpoint/2010/main" xmlns:a14="http://schemas.microsoft.com/office/drawing/2010/main" w="9525">
                   <a:solidFill>
                     <a:srgbClr val="000000"/>
                   </a:solidFill>
@@ -30729,7 +34631,7 @@
             </a:ln>
             <a:extLst>
               <a:ext uri="{91240B29-F687-4f45-9708-019B960494DF}">
-                <a14:hiddenLine xmlns:a14="http://schemas.microsoft.com/office/drawing/2010/main" xmlns:p14="http://schemas.microsoft.com/office/powerpoint/2010/main" xmlns:a16="http://schemas.microsoft.com/office/drawing/2014/main" xmlns="" w="9525">
+                <a14:hiddenLine xmlns="" xmlns:a16="http://schemas.microsoft.com/office/drawing/2014/main" xmlns:p14="http://schemas.microsoft.com/office/powerpoint/2010/main" xmlns:a14="http://schemas.microsoft.com/office/drawing/2010/main" w="9525">
                   <a:solidFill>
                     <a:srgbClr val="000000"/>
                   </a:solidFill>
@@ -30778,7 +34680,7 @@
             </a:ln>
             <a:extLst>
               <a:ext uri="{91240B29-F687-4f45-9708-019B960494DF}">
-                <a14:hiddenLine xmlns:a14="http://schemas.microsoft.com/office/drawing/2010/main" xmlns:p14="http://schemas.microsoft.com/office/powerpoint/2010/main" xmlns:a16="http://schemas.microsoft.com/office/drawing/2014/main" xmlns="" w="9525">
+                <a14:hiddenLine xmlns="" xmlns:a16="http://schemas.microsoft.com/office/drawing/2014/main" xmlns:p14="http://schemas.microsoft.com/office/powerpoint/2010/main" xmlns:a14="http://schemas.microsoft.com/office/drawing/2010/main" w="9525">
                   <a:solidFill>
                     <a:srgbClr val="000000"/>
                   </a:solidFill>
@@ -30883,7 +34785,7 @@
             </a:ln>
             <a:extLst>
               <a:ext uri="{91240B29-F687-4f45-9708-019B960494DF}">
-                <a14:hiddenLine xmlns:a14="http://schemas.microsoft.com/office/drawing/2010/main" xmlns:p14="http://schemas.microsoft.com/office/powerpoint/2010/main" xmlns:a16="http://schemas.microsoft.com/office/drawing/2014/main" xmlns="" w="9525">
+                <a14:hiddenLine xmlns="" xmlns:a16="http://schemas.microsoft.com/office/drawing/2014/main" xmlns:p14="http://schemas.microsoft.com/office/powerpoint/2010/main" xmlns:a14="http://schemas.microsoft.com/office/drawing/2010/main" w="9525">
                   <a:solidFill>
                     <a:srgbClr val="000000"/>
                   </a:solidFill>
@@ -30960,7 +34862,7 @@
             </a:ln>
             <a:extLst>
               <a:ext uri="{91240B29-F687-4f45-9708-019B960494DF}">
-                <a14:hiddenLine xmlns:a14="http://schemas.microsoft.com/office/drawing/2010/main" xmlns:p14="http://schemas.microsoft.com/office/powerpoint/2010/main" xmlns:a16="http://schemas.microsoft.com/office/drawing/2014/main" xmlns="" w="9525">
+                <a14:hiddenLine xmlns="" xmlns:a16="http://schemas.microsoft.com/office/drawing/2014/main" xmlns:p14="http://schemas.microsoft.com/office/powerpoint/2010/main" xmlns:a14="http://schemas.microsoft.com/office/drawing/2010/main" w="9525">
                   <a:solidFill>
                     <a:srgbClr val="000000"/>
                   </a:solidFill>
@@ -31037,7 +34939,7 @@
             </a:ln>
             <a:extLst>
               <a:ext uri="{91240B29-F687-4f45-9708-019B960494DF}">
-                <a14:hiddenLine xmlns:a14="http://schemas.microsoft.com/office/drawing/2010/main" xmlns:p14="http://schemas.microsoft.com/office/powerpoint/2010/main" xmlns:a16="http://schemas.microsoft.com/office/drawing/2014/main" xmlns="" w="9525">
+                <a14:hiddenLine xmlns="" xmlns:a16="http://schemas.microsoft.com/office/drawing/2014/main" xmlns:p14="http://schemas.microsoft.com/office/powerpoint/2010/main" xmlns:a14="http://schemas.microsoft.com/office/drawing/2010/main" w="9525">
                   <a:solidFill>
                     <a:srgbClr val="000000"/>
                   </a:solidFill>
@@ -31142,7 +35044,7 @@
             </a:ln>
             <a:extLst>
               <a:ext uri="{91240B29-F687-4f45-9708-019B960494DF}">
-                <a14:hiddenLine xmlns:a14="http://schemas.microsoft.com/office/drawing/2010/main" xmlns:p14="http://schemas.microsoft.com/office/powerpoint/2010/main" xmlns:a16="http://schemas.microsoft.com/office/drawing/2014/main" xmlns="" w="9525">
+                <a14:hiddenLine xmlns="" xmlns:a16="http://schemas.microsoft.com/office/drawing/2014/main" xmlns:p14="http://schemas.microsoft.com/office/powerpoint/2010/main" xmlns:a14="http://schemas.microsoft.com/office/drawing/2010/main" w="9525">
                   <a:solidFill>
                     <a:srgbClr val="000000"/>
                   </a:solidFill>
@@ -31219,7 +35121,7 @@
             </a:ln>
             <a:extLst>
               <a:ext uri="{91240B29-F687-4f45-9708-019B960494DF}">
-                <a14:hiddenLine xmlns:a14="http://schemas.microsoft.com/office/drawing/2010/main" xmlns:p14="http://schemas.microsoft.com/office/powerpoint/2010/main" xmlns:a16="http://schemas.microsoft.com/office/drawing/2014/main" xmlns="" w="9525">
+                <a14:hiddenLine xmlns="" xmlns:a16="http://schemas.microsoft.com/office/drawing/2014/main" xmlns:p14="http://schemas.microsoft.com/office/powerpoint/2010/main" xmlns:a14="http://schemas.microsoft.com/office/drawing/2010/main" w="9525">
                   <a:solidFill>
                     <a:srgbClr val="000000"/>
                   </a:solidFill>
@@ -31296,7 +35198,7 @@
             </a:ln>
             <a:extLst>
               <a:ext uri="{91240B29-F687-4f45-9708-019B960494DF}">
-                <a14:hiddenLine xmlns:a14="http://schemas.microsoft.com/office/drawing/2010/main" xmlns:p14="http://schemas.microsoft.com/office/powerpoint/2010/main" xmlns:a16="http://schemas.microsoft.com/office/drawing/2014/main" xmlns="" w="9525">
+                <a14:hiddenLine xmlns="" xmlns:a16="http://schemas.microsoft.com/office/drawing/2014/main" xmlns:p14="http://schemas.microsoft.com/office/powerpoint/2010/main" xmlns:a14="http://schemas.microsoft.com/office/drawing/2010/main" w="9525">
                   <a:solidFill>
                     <a:srgbClr val="000000"/>
                   </a:solidFill>
@@ -31401,7 +35303,7 @@
             </a:ln>
             <a:extLst>
               <a:ext uri="{91240B29-F687-4f45-9708-019B960494DF}">
-                <a14:hiddenLine xmlns:a14="http://schemas.microsoft.com/office/drawing/2010/main" xmlns:p14="http://schemas.microsoft.com/office/powerpoint/2010/main" xmlns:a16="http://schemas.microsoft.com/office/drawing/2014/main" xmlns="" w="9525">
+                <a14:hiddenLine xmlns="" xmlns:a16="http://schemas.microsoft.com/office/drawing/2014/main" xmlns:p14="http://schemas.microsoft.com/office/powerpoint/2010/main" xmlns:a14="http://schemas.microsoft.com/office/drawing/2010/main" w="9525">
                   <a:solidFill>
                     <a:srgbClr val="000000"/>
                   </a:solidFill>
@@ -31506,7 +35408,7 @@
             </a:ln>
             <a:extLst>
               <a:ext uri="{91240B29-F687-4f45-9708-019B960494DF}">
-                <a14:hiddenLine xmlns:a14="http://schemas.microsoft.com/office/drawing/2010/main" xmlns:p14="http://schemas.microsoft.com/office/powerpoint/2010/main" xmlns:a16="http://schemas.microsoft.com/office/drawing/2014/main" xmlns="" w="9525">
+                <a14:hiddenLine xmlns="" xmlns:a16="http://schemas.microsoft.com/office/drawing/2014/main" xmlns:p14="http://schemas.microsoft.com/office/powerpoint/2010/main" xmlns:a14="http://schemas.microsoft.com/office/drawing/2010/main" w="9525">
                   <a:solidFill>
                     <a:srgbClr val="000000"/>
                   </a:solidFill>
@@ -31583,7 +35485,7 @@
             </a:ln>
             <a:extLst>
               <a:ext uri="{91240B29-F687-4f45-9708-019B960494DF}">
-                <a14:hiddenLine xmlns:a14="http://schemas.microsoft.com/office/drawing/2010/main" xmlns:p14="http://schemas.microsoft.com/office/powerpoint/2010/main" xmlns:a16="http://schemas.microsoft.com/office/drawing/2014/main" xmlns="" w="9525">
+                <a14:hiddenLine xmlns="" xmlns:a16="http://schemas.microsoft.com/office/drawing/2014/main" xmlns:p14="http://schemas.microsoft.com/office/powerpoint/2010/main" xmlns:a14="http://schemas.microsoft.com/office/drawing/2010/main" w="9525">
                   <a:solidFill>
                     <a:srgbClr val="000000"/>
                   </a:solidFill>
@@ -31708,7 +35610,7 @@
             </a:ln>
             <a:extLst>
               <a:ext uri="{91240B29-F687-4f45-9708-019B960494DF}">
-                <a14:hiddenLine xmlns:a14="http://schemas.microsoft.com/office/drawing/2010/main" xmlns:p14="http://schemas.microsoft.com/office/powerpoint/2010/main" xmlns:a16="http://schemas.microsoft.com/office/drawing/2014/main" xmlns="" w="9525">
+                <a14:hiddenLine xmlns="" xmlns:a16="http://schemas.microsoft.com/office/drawing/2014/main" xmlns:p14="http://schemas.microsoft.com/office/powerpoint/2010/main" xmlns:a14="http://schemas.microsoft.com/office/drawing/2010/main" w="9525">
                   <a:solidFill>
                     <a:srgbClr val="000000"/>
                   </a:solidFill>
@@ -31785,7 +35687,7 @@
             </a:ln>
             <a:extLst>
               <a:ext uri="{91240B29-F687-4f45-9708-019B960494DF}">
-                <a14:hiddenLine xmlns:a14="http://schemas.microsoft.com/office/drawing/2010/main" xmlns:p14="http://schemas.microsoft.com/office/powerpoint/2010/main" xmlns:a16="http://schemas.microsoft.com/office/drawing/2014/main" xmlns="" w="9525">
+                <a14:hiddenLine xmlns="" xmlns:a16="http://schemas.microsoft.com/office/drawing/2014/main" xmlns:p14="http://schemas.microsoft.com/office/powerpoint/2010/main" xmlns:a14="http://schemas.microsoft.com/office/drawing/2010/main" w="9525">
                   <a:solidFill>
                     <a:srgbClr val="000000"/>
                   </a:solidFill>
@@ -31890,7 +35792,7 @@
             </a:ln>
             <a:extLst>
               <a:ext uri="{91240B29-F687-4f45-9708-019B960494DF}">
-                <a14:hiddenLine xmlns:a14="http://schemas.microsoft.com/office/drawing/2010/main" xmlns:p14="http://schemas.microsoft.com/office/powerpoint/2010/main" xmlns:a16="http://schemas.microsoft.com/office/drawing/2014/main" xmlns="" w="9525">
+                <a14:hiddenLine xmlns="" xmlns:a16="http://schemas.microsoft.com/office/drawing/2014/main" xmlns:p14="http://schemas.microsoft.com/office/powerpoint/2010/main" xmlns:a14="http://schemas.microsoft.com/office/drawing/2010/main" w="9525">
                   <a:solidFill>
                     <a:srgbClr val="000000"/>
                   </a:solidFill>
@@ -31995,7 +35897,7 @@
             </a:ln>
             <a:extLst>
               <a:ext uri="{91240B29-F687-4f45-9708-019B960494DF}">
-                <a14:hiddenLine xmlns:a14="http://schemas.microsoft.com/office/drawing/2010/main" xmlns:p14="http://schemas.microsoft.com/office/powerpoint/2010/main" xmlns:a16="http://schemas.microsoft.com/office/drawing/2014/main" xmlns="" w="9525">
+                <a14:hiddenLine xmlns="" xmlns:a16="http://schemas.microsoft.com/office/drawing/2014/main" xmlns:p14="http://schemas.microsoft.com/office/powerpoint/2010/main" xmlns:a14="http://schemas.microsoft.com/office/drawing/2010/main" w="9525">
                   <a:solidFill>
                     <a:srgbClr val="000000"/>
                   </a:solidFill>
@@ -32072,7 +35974,7 @@
             </a:ln>
             <a:extLst>
               <a:ext uri="{91240B29-F687-4f45-9708-019B960494DF}">
-                <a14:hiddenLine xmlns:a14="http://schemas.microsoft.com/office/drawing/2010/main" xmlns:p14="http://schemas.microsoft.com/office/powerpoint/2010/main" xmlns:a16="http://schemas.microsoft.com/office/drawing/2014/main" xmlns="" w="9525">
+                <a14:hiddenLine xmlns="" xmlns:a16="http://schemas.microsoft.com/office/drawing/2014/main" xmlns:p14="http://schemas.microsoft.com/office/powerpoint/2010/main" xmlns:a14="http://schemas.microsoft.com/office/drawing/2010/main" w="9525">
                   <a:solidFill>
                     <a:srgbClr val="000000"/>
                   </a:solidFill>
@@ -32177,7 +36079,7 @@
             </a:ln>
             <a:extLst>
               <a:ext uri="{91240B29-F687-4f45-9708-019B960494DF}">
-                <a14:hiddenLine xmlns:a14="http://schemas.microsoft.com/office/drawing/2010/main" xmlns:p14="http://schemas.microsoft.com/office/powerpoint/2010/main" xmlns:a16="http://schemas.microsoft.com/office/drawing/2014/main" xmlns="" w="9525">
+                <a14:hiddenLine xmlns="" xmlns:a16="http://schemas.microsoft.com/office/drawing/2014/main" xmlns:p14="http://schemas.microsoft.com/office/powerpoint/2010/main" xmlns:a14="http://schemas.microsoft.com/office/drawing/2010/main" w="9525">
                   <a:solidFill>
                     <a:srgbClr val="000000"/>
                   </a:solidFill>
@@ -32282,7 +36184,7 @@
             </a:ln>
             <a:extLst>
               <a:ext uri="{91240B29-F687-4f45-9708-019B960494DF}">
-                <a14:hiddenLine xmlns:a14="http://schemas.microsoft.com/office/drawing/2010/main" xmlns:p14="http://schemas.microsoft.com/office/powerpoint/2010/main" xmlns:a16="http://schemas.microsoft.com/office/drawing/2014/main" xmlns="" w="9525">
+                <a14:hiddenLine xmlns="" xmlns:a16="http://schemas.microsoft.com/office/drawing/2014/main" xmlns:p14="http://schemas.microsoft.com/office/powerpoint/2010/main" xmlns:a14="http://schemas.microsoft.com/office/drawing/2010/main" w="9525">
                   <a:solidFill>
                     <a:srgbClr val="000000"/>
                   </a:solidFill>
@@ -32353,7 +36255,7 @@
             </a:ln>
             <a:extLst>
               <a:ext uri="{91240B29-F687-4f45-9708-019B960494DF}">
-                <a14:hiddenLine xmlns:a14="http://schemas.microsoft.com/office/drawing/2010/main" xmlns:p14="http://schemas.microsoft.com/office/powerpoint/2010/main" xmlns:a16="http://schemas.microsoft.com/office/drawing/2014/main" xmlns="" w="9525">
+                <a14:hiddenLine xmlns="" xmlns:a16="http://schemas.microsoft.com/office/drawing/2014/main" xmlns:p14="http://schemas.microsoft.com/office/powerpoint/2010/main" xmlns:a14="http://schemas.microsoft.com/office/drawing/2010/main" w="9525">
                   <a:solidFill>
                     <a:srgbClr val="000000"/>
                   </a:solidFill>
@@ -32458,7 +36360,7 @@
             </a:ln>
             <a:extLst>
               <a:ext uri="{91240B29-F687-4f45-9708-019B960494DF}">
-                <a14:hiddenLine xmlns:a14="http://schemas.microsoft.com/office/drawing/2010/main" xmlns:p14="http://schemas.microsoft.com/office/powerpoint/2010/main" xmlns:a16="http://schemas.microsoft.com/office/drawing/2014/main" xmlns="" w="9525">
+                <a14:hiddenLine xmlns="" xmlns:a16="http://schemas.microsoft.com/office/drawing/2014/main" xmlns:p14="http://schemas.microsoft.com/office/powerpoint/2010/main" xmlns:a14="http://schemas.microsoft.com/office/drawing/2010/main" w="9525">
                   <a:solidFill>
                     <a:srgbClr val="000000"/>
                   </a:solidFill>
@@ -32529,7 +36431,7 @@
             </a:ln>
             <a:extLst>
               <a:ext uri="{91240B29-F687-4f45-9708-019B960494DF}">
-                <a14:hiddenLine xmlns:a14="http://schemas.microsoft.com/office/drawing/2010/main" xmlns:p14="http://schemas.microsoft.com/office/powerpoint/2010/main" xmlns:a16="http://schemas.microsoft.com/office/drawing/2014/main" xmlns="" w="9525">
+                <a14:hiddenLine xmlns="" xmlns:a16="http://schemas.microsoft.com/office/drawing/2014/main" xmlns:p14="http://schemas.microsoft.com/office/powerpoint/2010/main" xmlns:a14="http://schemas.microsoft.com/office/drawing/2010/main" w="9525">
                   <a:solidFill>
                     <a:srgbClr val="000000"/>
                   </a:solidFill>
@@ -32634,7 +36536,7 @@
             </a:ln>
             <a:extLst>
               <a:ext uri="{91240B29-F687-4f45-9708-019B960494DF}">
-                <a14:hiddenLine xmlns:a14="http://schemas.microsoft.com/office/drawing/2010/main" xmlns:p14="http://schemas.microsoft.com/office/powerpoint/2010/main" xmlns:a16="http://schemas.microsoft.com/office/drawing/2014/main" xmlns="" w="9525">
+                <a14:hiddenLine xmlns="" xmlns:a16="http://schemas.microsoft.com/office/drawing/2014/main" xmlns:p14="http://schemas.microsoft.com/office/powerpoint/2010/main" xmlns:a14="http://schemas.microsoft.com/office/drawing/2010/main" w="9525">
                   <a:solidFill>
                     <a:srgbClr val="000000"/>
                   </a:solidFill>
@@ -32717,7 +36619,7 @@
             </a:ln>
             <a:extLst>
               <a:ext uri="{91240B29-F687-4f45-9708-019B960494DF}">
-                <a14:hiddenLine xmlns:a14="http://schemas.microsoft.com/office/drawing/2010/main" xmlns:p14="http://schemas.microsoft.com/office/powerpoint/2010/main" xmlns:a16="http://schemas.microsoft.com/office/drawing/2014/main" xmlns="" w="9525">
+                <a14:hiddenLine xmlns="" xmlns:a16="http://schemas.microsoft.com/office/drawing/2014/main" xmlns:p14="http://schemas.microsoft.com/office/powerpoint/2010/main" xmlns:a14="http://schemas.microsoft.com/office/drawing/2010/main" w="9525">
                   <a:solidFill>
                     <a:srgbClr val="000000"/>
                   </a:solidFill>
@@ -32822,7 +36724,7 @@
             </a:ln>
             <a:extLst>
               <a:ext uri="{91240B29-F687-4f45-9708-019B960494DF}">
-                <a14:hiddenLine xmlns:a14="http://schemas.microsoft.com/office/drawing/2010/main" xmlns:p14="http://schemas.microsoft.com/office/powerpoint/2010/main" xmlns:a16="http://schemas.microsoft.com/office/drawing/2014/main" xmlns="" w="9525">
+                <a14:hiddenLine xmlns="" xmlns:a16="http://schemas.microsoft.com/office/drawing/2014/main" xmlns:p14="http://schemas.microsoft.com/office/powerpoint/2010/main" xmlns:a14="http://schemas.microsoft.com/office/drawing/2010/main" w="9525">
                   <a:solidFill>
                     <a:srgbClr val="000000"/>
                   </a:solidFill>
@@ -32905,7 +36807,7 @@
             </a:ln>
             <a:extLst>
               <a:ext uri="{91240B29-F687-4f45-9708-019B960494DF}">
-                <a14:hiddenLine xmlns:a14="http://schemas.microsoft.com/office/drawing/2010/main" xmlns:p14="http://schemas.microsoft.com/office/powerpoint/2010/main" xmlns:a16="http://schemas.microsoft.com/office/drawing/2014/main" xmlns="" w="9525">
+                <a14:hiddenLine xmlns="" xmlns:a16="http://schemas.microsoft.com/office/drawing/2014/main" xmlns:p14="http://schemas.microsoft.com/office/powerpoint/2010/main" xmlns:a14="http://schemas.microsoft.com/office/drawing/2010/main" w="9525">
                   <a:solidFill>
                     <a:srgbClr val="000000"/>
                   </a:solidFill>
@@ -33010,7 +36912,7 @@
             </a:ln>
             <a:extLst>
               <a:ext uri="{91240B29-F687-4f45-9708-019B960494DF}">
-                <a14:hiddenLine xmlns:a14="http://schemas.microsoft.com/office/drawing/2010/main" xmlns:p14="http://schemas.microsoft.com/office/powerpoint/2010/main" xmlns:a16="http://schemas.microsoft.com/office/drawing/2014/main" xmlns="" w="9525">
+                <a14:hiddenLine xmlns="" xmlns:a16="http://schemas.microsoft.com/office/drawing/2014/main" xmlns:p14="http://schemas.microsoft.com/office/powerpoint/2010/main" xmlns:a14="http://schemas.microsoft.com/office/drawing/2010/main" w="9525">
                   <a:solidFill>
                     <a:srgbClr val="000000"/>
                   </a:solidFill>
@@ -33059,7 +36961,7 @@
             </a:ln>
             <a:extLst>
               <a:ext uri="{91240B29-F687-4f45-9708-019B960494DF}">
-                <a14:hiddenLine xmlns:a14="http://schemas.microsoft.com/office/drawing/2010/main" xmlns:p14="http://schemas.microsoft.com/office/powerpoint/2010/main" xmlns:a16="http://schemas.microsoft.com/office/drawing/2014/main" xmlns="" w="9525">
+                <a14:hiddenLine xmlns="" xmlns:a16="http://schemas.microsoft.com/office/drawing/2014/main" xmlns:p14="http://schemas.microsoft.com/office/powerpoint/2010/main" xmlns:a14="http://schemas.microsoft.com/office/drawing/2010/main" w="9525">
                   <a:solidFill>
                     <a:srgbClr val="000000"/>
                   </a:solidFill>
@@ -33164,7 +37066,7 @@
             </a:ln>
             <a:extLst>
               <a:ext uri="{91240B29-F687-4f45-9708-019B960494DF}">
-                <a14:hiddenLine xmlns:a14="http://schemas.microsoft.com/office/drawing/2010/main" xmlns:p14="http://schemas.microsoft.com/office/powerpoint/2010/main" xmlns:a16="http://schemas.microsoft.com/office/drawing/2014/main" xmlns="" w="9525">
+                <a14:hiddenLine xmlns="" xmlns:a16="http://schemas.microsoft.com/office/drawing/2014/main" xmlns:p14="http://schemas.microsoft.com/office/powerpoint/2010/main" xmlns:a14="http://schemas.microsoft.com/office/drawing/2010/main" w="9525">
                   <a:solidFill>
                     <a:srgbClr val="000000"/>
                   </a:solidFill>
@@ -33241,7 +37143,7 @@
             </a:ln>
             <a:extLst>
               <a:ext uri="{91240B29-F687-4f45-9708-019B960494DF}">
-                <a14:hiddenLine xmlns:a14="http://schemas.microsoft.com/office/drawing/2010/main" xmlns:p14="http://schemas.microsoft.com/office/powerpoint/2010/main" xmlns:a16="http://schemas.microsoft.com/office/drawing/2014/main" xmlns="" w="9525">
+                <a14:hiddenLine xmlns="" xmlns:a16="http://schemas.microsoft.com/office/drawing/2014/main" xmlns:p14="http://schemas.microsoft.com/office/powerpoint/2010/main" xmlns:a14="http://schemas.microsoft.com/office/drawing/2010/main" w="9525">
                   <a:solidFill>
                     <a:srgbClr val="000000"/>
                   </a:solidFill>
@@ -33318,7 +37220,7 @@
             </a:ln>
             <a:extLst>
               <a:ext uri="{91240B29-F687-4f45-9708-019B960494DF}">
-                <a14:hiddenLine xmlns:a14="http://schemas.microsoft.com/office/drawing/2010/main" xmlns:p14="http://schemas.microsoft.com/office/powerpoint/2010/main" xmlns:a16="http://schemas.microsoft.com/office/drawing/2014/main" xmlns="" w="9525">
+                <a14:hiddenLine xmlns="" xmlns:a16="http://schemas.microsoft.com/office/drawing/2014/main" xmlns:p14="http://schemas.microsoft.com/office/powerpoint/2010/main" xmlns:a14="http://schemas.microsoft.com/office/drawing/2010/main" w="9525">
                   <a:solidFill>
                     <a:srgbClr val="000000"/>
                   </a:solidFill>
@@ -33423,7 +37325,7 @@
             </a:ln>
             <a:extLst>
               <a:ext uri="{91240B29-F687-4f45-9708-019B960494DF}">
-                <a14:hiddenLine xmlns:a14="http://schemas.microsoft.com/office/drawing/2010/main" xmlns:p14="http://schemas.microsoft.com/office/powerpoint/2010/main" xmlns:a16="http://schemas.microsoft.com/office/drawing/2014/main" xmlns="" w="9525">
+                <a14:hiddenLine xmlns="" xmlns:a16="http://schemas.microsoft.com/office/drawing/2014/main" xmlns:p14="http://schemas.microsoft.com/office/powerpoint/2010/main" xmlns:a14="http://schemas.microsoft.com/office/drawing/2010/main" w="9525">
                   <a:solidFill>
                     <a:srgbClr val="000000"/>
                   </a:solidFill>
@@ -33506,7 +37408,7 @@
             </a:ln>
             <a:extLst>
               <a:ext uri="{91240B29-F687-4f45-9708-019B960494DF}">
-                <a14:hiddenLine xmlns:a14="http://schemas.microsoft.com/office/drawing/2010/main" xmlns:p14="http://schemas.microsoft.com/office/powerpoint/2010/main" xmlns:a16="http://schemas.microsoft.com/office/drawing/2014/main" xmlns="" w="9525">
+                <a14:hiddenLine xmlns="" xmlns:a16="http://schemas.microsoft.com/office/drawing/2014/main" xmlns:p14="http://schemas.microsoft.com/office/powerpoint/2010/main" xmlns:a14="http://schemas.microsoft.com/office/drawing/2010/main" w="9525">
                   <a:solidFill>
                     <a:srgbClr val="000000"/>
                   </a:solidFill>
@@ -33583,7 +37485,7 @@
             </a:ln>
             <a:extLst>
               <a:ext uri="{91240B29-F687-4f45-9708-019B960494DF}">
-                <a14:hiddenLine xmlns:a14="http://schemas.microsoft.com/office/drawing/2010/main" xmlns:p14="http://schemas.microsoft.com/office/powerpoint/2010/main" xmlns:a16="http://schemas.microsoft.com/office/drawing/2014/main" xmlns="" w="9525">
+                <a14:hiddenLine xmlns="" xmlns:a16="http://schemas.microsoft.com/office/drawing/2014/main" xmlns:p14="http://schemas.microsoft.com/office/powerpoint/2010/main" xmlns:a14="http://schemas.microsoft.com/office/drawing/2010/main" w="9525">
                   <a:solidFill>
                     <a:srgbClr val="000000"/>
                   </a:solidFill>
@@ -33688,7 +37590,7 @@
             </a:ln>
             <a:extLst>
               <a:ext uri="{91240B29-F687-4f45-9708-019B960494DF}">
-                <a14:hiddenLine xmlns:a14="http://schemas.microsoft.com/office/drawing/2010/main" xmlns:p14="http://schemas.microsoft.com/office/powerpoint/2010/main" xmlns:a16="http://schemas.microsoft.com/office/drawing/2014/main" xmlns="" w="9525">
+                <a14:hiddenLine xmlns="" xmlns:a16="http://schemas.microsoft.com/office/drawing/2014/main" xmlns:p14="http://schemas.microsoft.com/office/powerpoint/2010/main" xmlns:a14="http://schemas.microsoft.com/office/drawing/2010/main" w="9525">
                   <a:solidFill>
                     <a:srgbClr val="000000"/>
                   </a:solidFill>
@@ -33765,7 +37667,7 @@
             </a:ln>
             <a:extLst>
               <a:ext uri="{91240B29-F687-4f45-9708-019B960494DF}">
-                <a14:hiddenLine xmlns:a14="http://schemas.microsoft.com/office/drawing/2010/main" xmlns:p14="http://schemas.microsoft.com/office/powerpoint/2010/main" xmlns:a16="http://schemas.microsoft.com/office/drawing/2014/main" xmlns="" w="9525">
+                <a14:hiddenLine xmlns="" xmlns:a16="http://schemas.microsoft.com/office/drawing/2014/main" xmlns:p14="http://schemas.microsoft.com/office/powerpoint/2010/main" xmlns:a14="http://schemas.microsoft.com/office/drawing/2010/main" w="9525">
                   <a:solidFill>
                     <a:srgbClr val="000000"/>
                   </a:solidFill>
@@ -33870,7 +37772,7 @@
             </a:ln>
             <a:extLst>
               <a:ext uri="{91240B29-F687-4f45-9708-019B960494DF}">
-                <a14:hiddenLine xmlns:a14="http://schemas.microsoft.com/office/drawing/2010/main" xmlns:p14="http://schemas.microsoft.com/office/powerpoint/2010/main" xmlns:a16="http://schemas.microsoft.com/office/drawing/2014/main" xmlns="" w="9525">
+                <a14:hiddenLine xmlns="" xmlns:a16="http://schemas.microsoft.com/office/drawing/2014/main" xmlns:p14="http://schemas.microsoft.com/office/powerpoint/2010/main" xmlns:a14="http://schemas.microsoft.com/office/drawing/2010/main" w="9525">
                   <a:solidFill>
                     <a:srgbClr val="000000"/>
                   </a:solidFill>
@@ -33947,7 +37849,7 @@
             </a:ln>
             <a:extLst>
               <a:ext uri="{91240B29-F687-4f45-9708-019B960494DF}">
-                <a14:hiddenLine xmlns:a14="http://schemas.microsoft.com/office/drawing/2010/main" xmlns:p14="http://schemas.microsoft.com/office/powerpoint/2010/main" xmlns:a16="http://schemas.microsoft.com/office/drawing/2014/main" xmlns="" w="9525">
+                <a14:hiddenLine xmlns="" xmlns:a16="http://schemas.microsoft.com/office/drawing/2014/main" xmlns:p14="http://schemas.microsoft.com/office/powerpoint/2010/main" xmlns:a14="http://schemas.microsoft.com/office/drawing/2010/main" w="9525">
                   <a:solidFill>
                     <a:srgbClr val="000000"/>
                   </a:solidFill>
@@ -34052,7 +37954,7 @@
             </a:ln>
             <a:extLst>
               <a:ext uri="{91240B29-F687-4f45-9708-019B960494DF}">
-                <a14:hiddenLine xmlns:a14="http://schemas.microsoft.com/office/drawing/2010/main" xmlns:p14="http://schemas.microsoft.com/office/powerpoint/2010/main" xmlns:a16="http://schemas.microsoft.com/office/drawing/2014/main" xmlns="" w="9525">
+                <a14:hiddenLine xmlns="" xmlns:a16="http://schemas.microsoft.com/office/drawing/2014/main" xmlns:p14="http://schemas.microsoft.com/office/powerpoint/2010/main" xmlns:a14="http://schemas.microsoft.com/office/drawing/2010/main" w="9525">
                   <a:solidFill>
                     <a:srgbClr val="000000"/>
                   </a:solidFill>
@@ -34101,7 +38003,7 @@
             </a:ln>
             <a:extLst>
               <a:ext uri="{91240B29-F687-4f45-9708-019B960494DF}">
-                <a14:hiddenLine xmlns:a14="http://schemas.microsoft.com/office/drawing/2010/main" xmlns:p14="http://schemas.microsoft.com/office/powerpoint/2010/main" xmlns:a16="http://schemas.microsoft.com/office/drawing/2014/main" xmlns="" w="9525">
+                <a14:hiddenLine xmlns="" xmlns:a16="http://schemas.microsoft.com/office/drawing/2014/main" xmlns:p14="http://schemas.microsoft.com/office/powerpoint/2010/main" xmlns:a14="http://schemas.microsoft.com/office/drawing/2010/main" w="9525">
                   <a:solidFill>
                     <a:srgbClr val="000000"/>
                   </a:solidFill>
@@ -34181,7 +38083,7 @@
             </a:ln>
             <a:extLst>
               <a:ext uri="{91240B29-F687-4f45-9708-019B960494DF}">
-                <a14:hiddenLine xmlns:a14="http://schemas.microsoft.com/office/drawing/2010/main" xmlns:p14="http://schemas.microsoft.com/office/powerpoint/2010/main" xmlns:a16="http://schemas.microsoft.com/office/drawing/2014/main" xmlns="" w="9525">
+                <a14:hiddenLine xmlns="" xmlns:a16="http://schemas.microsoft.com/office/drawing/2014/main" xmlns:p14="http://schemas.microsoft.com/office/powerpoint/2010/main" xmlns:a14="http://schemas.microsoft.com/office/drawing/2010/main" w="9525">
                   <a:solidFill>
                     <a:srgbClr val="000000"/>
                   </a:solidFill>
@@ -34286,7 +38188,7 @@
             </a:ln>
             <a:extLst>
               <a:ext uri="{91240B29-F687-4f45-9708-019B960494DF}">
-                <a14:hiddenLine xmlns:a14="http://schemas.microsoft.com/office/drawing/2010/main" xmlns:p14="http://schemas.microsoft.com/office/powerpoint/2010/main" xmlns:a16="http://schemas.microsoft.com/office/drawing/2014/main" xmlns="" w="9525">
+                <a14:hiddenLine xmlns="" xmlns:a16="http://schemas.microsoft.com/office/drawing/2014/main" xmlns:p14="http://schemas.microsoft.com/office/powerpoint/2010/main" xmlns:a14="http://schemas.microsoft.com/office/drawing/2010/main" w="9525">
                   <a:solidFill>
                     <a:srgbClr val="000000"/>
                   </a:solidFill>
@@ -34363,7 +38265,7 @@
             </a:ln>
             <a:extLst>
               <a:ext uri="{91240B29-F687-4f45-9708-019B960494DF}">
-                <a14:hiddenLine xmlns:a14="http://schemas.microsoft.com/office/drawing/2010/main" xmlns:p14="http://schemas.microsoft.com/office/powerpoint/2010/main" xmlns:a16="http://schemas.microsoft.com/office/drawing/2014/main" xmlns="" w="9525">
+                <a14:hiddenLine xmlns="" xmlns:a16="http://schemas.microsoft.com/office/drawing/2014/main" xmlns:p14="http://schemas.microsoft.com/office/powerpoint/2010/main" xmlns:a14="http://schemas.microsoft.com/office/drawing/2010/main" w="9525">
                   <a:solidFill>
                     <a:srgbClr val="000000"/>
                   </a:solidFill>
@@ -34468,7 +38370,7 @@
             </a:ln>
             <a:extLst>
               <a:ext uri="{91240B29-F687-4f45-9708-019B960494DF}">
-                <a14:hiddenLine xmlns:a14="http://schemas.microsoft.com/office/drawing/2010/main" xmlns:p14="http://schemas.microsoft.com/office/powerpoint/2010/main" xmlns:a16="http://schemas.microsoft.com/office/drawing/2014/main" xmlns="" w="9525">
+                <a14:hiddenLine xmlns="" xmlns:a16="http://schemas.microsoft.com/office/drawing/2014/main" xmlns:p14="http://schemas.microsoft.com/office/powerpoint/2010/main" xmlns:a14="http://schemas.microsoft.com/office/drawing/2010/main" w="9525">
                   <a:solidFill>
                     <a:srgbClr val="000000"/>
                   </a:solidFill>
@@ -34573,7 +38475,7 @@
             </a:ln>
             <a:extLst>
               <a:ext uri="{91240B29-F687-4f45-9708-019B960494DF}">
-                <a14:hiddenLine xmlns:a14="http://schemas.microsoft.com/office/drawing/2010/main" xmlns:p14="http://schemas.microsoft.com/office/powerpoint/2010/main" xmlns:a16="http://schemas.microsoft.com/office/drawing/2014/main" xmlns="" w="9525">
+                <a14:hiddenLine xmlns="" xmlns:a16="http://schemas.microsoft.com/office/drawing/2014/main" xmlns:p14="http://schemas.microsoft.com/office/powerpoint/2010/main" xmlns:a14="http://schemas.microsoft.com/office/drawing/2010/main" w="9525">
                   <a:solidFill>
                     <a:srgbClr val="000000"/>
                   </a:solidFill>
@@ -34653,7 +38555,7 @@
             </a:ln>
             <a:extLst>
               <a:ext uri="{91240B29-F687-4f45-9708-019B960494DF}">
-                <a14:hiddenLine xmlns:a14="http://schemas.microsoft.com/office/drawing/2010/main" xmlns:p14="http://schemas.microsoft.com/office/powerpoint/2010/main" xmlns:a16="http://schemas.microsoft.com/office/drawing/2014/main" xmlns="" w="9525">
+                <a14:hiddenLine xmlns="" xmlns:a16="http://schemas.microsoft.com/office/drawing/2014/main" xmlns:p14="http://schemas.microsoft.com/office/powerpoint/2010/main" xmlns:a14="http://schemas.microsoft.com/office/drawing/2010/main" w="9525">
                   <a:solidFill>
                     <a:srgbClr val="000000"/>
                   </a:solidFill>
@@ -34730,7 +38632,7 @@
             </a:ln>
             <a:extLst>
               <a:ext uri="{91240B29-F687-4f45-9708-019B960494DF}">
-                <a14:hiddenLine xmlns:a14="http://schemas.microsoft.com/office/drawing/2010/main" xmlns:p14="http://schemas.microsoft.com/office/powerpoint/2010/main" xmlns:a16="http://schemas.microsoft.com/office/drawing/2014/main" xmlns="" w="9525">
+                <a14:hiddenLine xmlns="" xmlns:a16="http://schemas.microsoft.com/office/drawing/2014/main" xmlns:p14="http://schemas.microsoft.com/office/powerpoint/2010/main" xmlns:a14="http://schemas.microsoft.com/office/drawing/2010/main" w="9525">
                   <a:solidFill>
                     <a:srgbClr val="000000"/>
                   </a:solidFill>
@@ -34835,7 +38737,7 @@
             </a:ln>
             <a:extLst>
               <a:ext uri="{91240B29-F687-4f45-9708-019B960494DF}">
-                <a14:hiddenLine xmlns:a14="http://schemas.microsoft.com/office/drawing/2010/main" xmlns:p14="http://schemas.microsoft.com/office/powerpoint/2010/main" xmlns:a16="http://schemas.microsoft.com/office/drawing/2014/main" xmlns="" w="9525">
+                <a14:hiddenLine xmlns="" xmlns:a16="http://schemas.microsoft.com/office/drawing/2014/main" xmlns:p14="http://schemas.microsoft.com/office/powerpoint/2010/main" xmlns:a14="http://schemas.microsoft.com/office/drawing/2010/main" w="9525">
                   <a:solidFill>
                     <a:srgbClr val="000000"/>
                   </a:solidFill>
@@ -34940,7 +38842,7 @@
             </a:ln>
             <a:extLst>
               <a:ext uri="{91240B29-F687-4f45-9708-019B960494DF}">
-                <a14:hiddenLine xmlns:a14="http://schemas.microsoft.com/office/drawing/2010/main" xmlns:p14="http://schemas.microsoft.com/office/powerpoint/2010/main" xmlns:a16="http://schemas.microsoft.com/office/drawing/2014/main" xmlns="" w="9525">
+                <a14:hiddenLine xmlns="" xmlns:a16="http://schemas.microsoft.com/office/drawing/2014/main" xmlns:p14="http://schemas.microsoft.com/office/powerpoint/2010/main" xmlns:a14="http://schemas.microsoft.com/office/drawing/2010/main" w="9525">
                   <a:solidFill>
                     <a:srgbClr val="000000"/>
                   </a:solidFill>
@@ -35017,7 +38919,7 @@
             </a:ln>
             <a:extLst>
               <a:ext uri="{91240B29-F687-4f45-9708-019B960494DF}">
-                <a14:hiddenLine xmlns:a14="http://schemas.microsoft.com/office/drawing/2010/main" xmlns:p14="http://schemas.microsoft.com/office/powerpoint/2010/main" xmlns:a16="http://schemas.microsoft.com/office/drawing/2014/main" xmlns="" w="9525">
+                <a14:hiddenLine xmlns="" xmlns:a16="http://schemas.microsoft.com/office/drawing/2014/main" xmlns:p14="http://schemas.microsoft.com/office/powerpoint/2010/main" xmlns:a14="http://schemas.microsoft.com/office/drawing/2010/main" w="9525">
                   <a:solidFill>
                     <a:srgbClr val="000000"/>
                   </a:solidFill>
@@ -35152,7 +39054,7 @@
             </a:ln>
             <a:extLst>
               <a:ext uri="{91240B29-F687-4f45-9708-019B960494DF}">
-                <a14:hiddenLine xmlns:a14="http://schemas.microsoft.com/office/drawing/2010/main" xmlns:p14="http://schemas.microsoft.com/office/powerpoint/2010/main" xmlns:a16="http://schemas.microsoft.com/office/drawing/2014/main" xmlns="" w="9525">
+                <a14:hiddenLine xmlns="" xmlns:a16="http://schemas.microsoft.com/office/drawing/2014/main" xmlns:p14="http://schemas.microsoft.com/office/powerpoint/2010/main" xmlns:a14="http://schemas.microsoft.com/office/drawing/2010/main" w="9525">
                   <a:solidFill>
                     <a:srgbClr val="000000"/>
                   </a:solidFill>
@@ -35235,7 +39137,7 @@
             </a:ln>
             <a:extLst>
               <a:ext uri="{91240B29-F687-4f45-9708-019B960494DF}">
-                <a14:hiddenLine xmlns:a14="http://schemas.microsoft.com/office/drawing/2010/main" xmlns:p14="http://schemas.microsoft.com/office/powerpoint/2010/main" xmlns:a16="http://schemas.microsoft.com/office/drawing/2014/main" xmlns="" w="9525">
+                <a14:hiddenLine xmlns="" xmlns:a16="http://schemas.microsoft.com/office/drawing/2014/main" xmlns:p14="http://schemas.microsoft.com/office/powerpoint/2010/main" xmlns:a14="http://schemas.microsoft.com/office/drawing/2010/main" w="9525">
                   <a:solidFill>
                     <a:srgbClr val="000000"/>
                   </a:solidFill>
@@ -35340,7 +39242,7 @@
             </a:ln>
             <a:extLst>
               <a:ext uri="{91240B29-F687-4f45-9708-019B960494DF}">
-                <a14:hiddenLine xmlns:a14="http://schemas.microsoft.com/office/drawing/2010/main" xmlns:p14="http://schemas.microsoft.com/office/powerpoint/2010/main" xmlns:a16="http://schemas.microsoft.com/office/drawing/2014/main" xmlns="" w="9525">
+                <a14:hiddenLine xmlns="" xmlns:a16="http://schemas.microsoft.com/office/drawing/2014/main" xmlns:p14="http://schemas.microsoft.com/office/powerpoint/2010/main" xmlns:a14="http://schemas.microsoft.com/office/drawing/2010/main" w="9525">
                   <a:solidFill>
                     <a:srgbClr val="000000"/>
                   </a:solidFill>
@@ -35401,7 +39303,7 @@
           <a:noFill/>
           <a:extLst>
             <a:ext uri="{909E8E84-426E-40dd-AFC4-6F175D3DCCD1}">
-              <a14:hiddenFill xmlns:a14="http://schemas.microsoft.com/office/drawing/2010/main" xmlns:p14="http://schemas.microsoft.com/office/powerpoint/2010/main" xmlns:a16="http://schemas.microsoft.com/office/drawing/2014/main" xmlns="">
+              <a14:hiddenFill xmlns="" xmlns:a16="http://schemas.microsoft.com/office/drawing/2014/main" xmlns:p14="http://schemas.microsoft.com/office/powerpoint/2010/main" xmlns:a14="http://schemas.microsoft.com/office/drawing/2010/main">
                 <a:solidFill>
                   <a:srgbClr val="FFFFFF"/>
                 </a:solidFill>
@@ -35630,7 +39532,7 @@
                 </a:spcAft>
                 <a:defRPr/>
               </a:pPr>
-              <a:t>8</a:t>
+              <a:t>7</a:t>
             </a:fld>
             <a:endParaRPr lang="en-US">
               <a:solidFill>
@@ -35991,7 +39893,7 @@
 </p:sld>
 </file>
 
-<file path=ppt/slides/slide9.xml><?xml version="1.0" encoding="utf-8"?>
+<file path=ppt/slides/slide8.xml><?xml version="1.0" encoding="utf-8"?>
 <p:sld xmlns:a="http://schemas.openxmlformats.org/drawingml/2006/main" xmlns:r="http://schemas.openxmlformats.org/officeDocument/2006/relationships" xmlns:p="http://schemas.openxmlformats.org/presentationml/2006/main">
   <p:cSld>
     <p:spTree>

--- a/research methodology/research_methodology_pres.pptx
+++ b/research methodology/research_methodology_pres.pptx
@@ -204,7 +204,7 @@
           <a:p>
             <a:fld id="{0F9C471C-5CEB-41C5-B26F-30EBC0FE28CB}" type="datetimeFigureOut">
               <a:rPr lang="en-US" smtClean="0"/>
-              <a:t>6/13/2022</a:t>
+              <a:t>6/20/2022</a:t>
             </a:fld>
             <a:endParaRPr lang="en-US"/>
           </a:p>
@@ -656,7 +656,7 @@
           <a:noFill/>
           <a:extLst>
             <a:ext uri="{909E8E84-426E-40dd-AFC4-6F175D3DCCD1}">
-              <a14:hiddenFill xmlns:a14="http://schemas.microsoft.com/office/drawing/2010/main" xmlns="">
+              <a14:hiddenFill xmlns="" xmlns:a14="http://schemas.microsoft.com/office/drawing/2010/main">
                 <a:solidFill>
                   <a:srgbClr val="FFFFFF"/>
                 </a:solidFill>
@@ -716,7 +716,7 @@
             </a:ln>
             <a:extLst>
               <a:ext uri="{91240B29-F687-4f45-9708-019B960494DF}">
-                <a14:hiddenLine xmlns:a14="http://schemas.microsoft.com/office/drawing/2010/main" xmlns="" w="9525">
+                <a14:hiddenLine xmlns="" xmlns:a14="http://schemas.microsoft.com/office/drawing/2010/main" w="9525">
                   <a:solidFill>
                     <a:srgbClr val="000000"/>
                   </a:solidFill>
@@ -806,7 +806,7 @@
             </a:ln>
             <a:extLst>
               <a:ext uri="{91240B29-F687-4f45-9708-019B960494DF}">
-                <a14:hiddenLine xmlns:a14="http://schemas.microsoft.com/office/drawing/2010/main" xmlns="" w="9525">
+                <a14:hiddenLine xmlns="" xmlns:a14="http://schemas.microsoft.com/office/drawing/2010/main" w="9525">
                   <a:solidFill>
                     <a:srgbClr val="000000"/>
                   </a:solidFill>
@@ -896,7 +896,7 @@
             </a:ln>
             <a:extLst>
               <a:ext uri="{91240B29-F687-4f45-9708-019B960494DF}">
-                <a14:hiddenLine xmlns:a14="http://schemas.microsoft.com/office/drawing/2010/main" xmlns="" w="9525">
+                <a14:hiddenLine xmlns="" xmlns:a14="http://schemas.microsoft.com/office/drawing/2010/main" w="9525">
                   <a:solidFill>
                     <a:srgbClr val="000000"/>
                   </a:solidFill>
@@ -930,7 +930,7 @@
             </a:ln>
             <a:extLst>
               <a:ext uri="{91240B29-F687-4f45-9708-019B960494DF}">
-                <a14:hiddenLine xmlns:a14="http://schemas.microsoft.com/office/drawing/2010/main" xmlns="" w="9525">
+                <a14:hiddenLine xmlns="" xmlns:a14="http://schemas.microsoft.com/office/drawing/2010/main" w="9525">
                   <a:solidFill>
                     <a:srgbClr val="000000"/>
                   </a:solidFill>
@@ -1020,7 +1020,7 @@
             </a:ln>
             <a:extLst>
               <a:ext uri="{91240B29-F687-4f45-9708-019B960494DF}">
-                <a14:hiddenLine xmlns:a14="http://schemas.microsoft.com/office/drawing/2010/main" xmlns="" w="9525">
+                <a14:hiddenLine xmlns="" xmlns:a14="http://schemas.microsoft.com/office/drawing/2010/main" w="9525">
                   <a:solidFill>
                     <a:srgbClr val="000000"/>
                   </a:solidFill>
@@ -1082,7 +1082,7 @@
             </a:ln>
             <a:extLst>
               <a:ext uri="{91240B29-F687-4f45-9708-019B960494DF}">
-                <a14:hiddenLine xmlns:a14="http://schemas.microsoft.com/office/drawing/2010/main" xmlns="" w="9525">
+                <a14:hiddenLine xmlns="" xmlns:a14="http://schemas.microsoft.com/office/drawing/2010/main" w="9525">
                   <a:solidFill>
                     <a:srgbClr val="000000"/>
                   </a:solidFill>
@@ -1144,7 +1144,7 @@
             </a:ln>
             <a:extLst>
               <a:ext uri="{91240B29-F687-4f45-9708-019B960494DF}">
-                <a14:hiddenLine xmlns:a14="http://schemas.microsoft.com/office/drawing/2010/main" xmlns="" w="9525">
+                <a14:hiddenLine xmlns="" xmlns:a14="http://schemas.microsoft.com/office/drawing/2010/main" w="9525">
                   <a:solidFill>
                     <a:srgbClr val="000000"/>
                   </a:solidFill>
@@ -1234,7 +1234,7 @@
             </a:ln>
             <a:extLst>
               <a:ext uri="{91240B29-F687-4f45-9708-019B960494DF}">
-                <a14:hiddenLine xmlns:a14="http://schemas.microsoft.com/office/drawing/2010/main" xmlns="" w="9525">
+                <a14:hiddenLine xmlns="" xmlns:a14="http://schemas.microsoft.com/office/drawing/2010/main" w="9525">
                   <a:solidFill>
                     <a:srgbClr val="000000"/>
                   </a:solidFill>
@@ -1296,7 +1296,7 @@
             </a:ln>
             <a:extLst>
               <a:ext uri="{91240B29-F687-4f45-9708-019B960494DF}">
-                <a14:hiddenLine xmlns:a14="http://schemas.microsoft.com/office/drawing/2010/main" xmlns="" w="9525">
+                <a14:hiddenLine xmlns="" xmlns:a14="http://schemas.microsoft.com/office/drawing/2010/main" w="9525">
                   <a:solidFill>
                     <a:srgbClr val="000000"/>
                   </a:solidFill>
@@ -1358,7 +1358,7 @@
             </a:ln>
             <a:extLst>
               <a:ext uri="{91240B29-F687-4f45-9708-019B960494DF}">
-                <a14:hiddenLine xmlns:a14="http://schemas.microsoft.com/office/drawing/2010/main" xmlns="" w="9525">
+                <a14:hiddenLine xmlns="" xmlns:a14="http://schemas.microsoft.com/office/drawing/2010/main" w="9525">
                   <a:solidFill>
                     <a:srgbClr val="000000"/>
                   </a:solidFill>
@@ -1448,7 +1448,7 @@
             </a:ln>
             <a:extLst>
               <a:ext uri="{91240B29-F687-4f45-9708-019B960494DF}">
-                <a14:hiddenLine xmlns:a14="http://schemas.microsoft.com/office/drawing/2010/main" xmlns="" w="9525">
+                <a14:hiddenLine xmlns="" xmlns:a14="http://schemas.microsoft.com/office/drawing/2010/main" w="9525">
                   <a:solidFill>
                     <a:srgbClr val="000000"/>
                   </a:solidFill>
@@ -1538,7 +1538,7 @@
             </a:ln>
             <a:extLst>
               <a:ext uri="{91240B29-F687-4f45-9708-019B960494DF}">
-                <a14:hiddenLine xmlns:a14="http://schemas.microsoft.com/office/drawing/2010/main" xmlns="" w="9525">
+                <a14:hiddenLine xmlns="" xmlns:a14="http://schemas.microsoft.com/office/drawing/2010/main" w="9525">
                   <a:solidFill>
                     <a:srgbClr val="000000"/>
                   </a:solidFill>
@@ -1600,7 +1600,7 @@
             </a:ln>
             <a:extLst>
               <a:ext uri="{91240B29-F687-4f45-9708-019B960494DF}">
-                <a14:hiddenLine xmlns:a14="http://schemas.microsoft.com/office/drawing/2010/main" xmlns="" w="9525">
+                <a14:hiddenLine xmlns="" xmlns:a14="http://schemas.microsoft.com/office/drawing/2010/main" w="9525">
                   <a:solidFill>
                     <a:srgbClr val="000000"/>
                   </a:solidFill>
@@ -1710,7 +1710,7 @@
             </a:ln>
             <a:extLst>
               <a:ext uri="{91240B29-F687-4f45-9708-019B960494DF}">
-                <a14:hiddenLine xmlns:a14="http://schemas.microsoft.com/office/drawing/2010/main" xmlns="" w="9525">
+                <a14:hiddenLine xmlns="" xmlns:a14="http://schemas.microsoft.com/office/drawing/2010/main" w="9525">
                   <a:solidFill>
                     <a:srgbClr val="000000"/>
                   </a:solidFill>
@@ -1772,7 +1772,7 @@
             </a:ln>
             <a:extLst>
               <a:ext uri="{91240B29-F687-4f45-9708-019B960494DF}">
-                <a14:hiddenLine xmlns:a14="http://schemas.microsoft.com/office/drawing/2010/main" xmlns="" w="9525">
+                <a14:hiddenLine xmlns="" xmlns:a14="http://schemas.microsoft.com/office/drawing/2010/main" w="9525">
                   <a:solidFill>
                     <a:srgbClr val="000000"/>
                   </a:solidFill>
@@ -1862,7 +1862,7 @@
             </a:ln>
             <a:extLst>
               <a:ext uri="{91240B29-F687-4f45-9708-019B960494DF}">
-                <a14:hiddenLine xmlns:a14="http://schemas.microsoft.com/office/drawing/2010/main" xmlns="" w="9525">
+                <a14:hiddenLine xmlns="" xmlns:a14="http://schemas.microsoft.com/office/drawing/2010/main" w="9525">
                   <a:solidFill>
                     <a:srgbClr val="000000"/>
                   </a:solidFill>
@@ -1952,7 +1952,7 @@
             </a:ln>
             <a:extLst>
               <a:ext uri="{91240B29-F687-4f45-9708-019B960494DF}">
-                <a14:hiddenLine xmlns:a14="http://schemas.microsoft.com/office/drawing/2010/main" xmlns="" w="9525">
+                <a14:hiddenLine xmlns="" xmlns:a14="http://schemas.microsoft.com/office/drawing/2010/main" w="9525">
                   <a:solidFill>
                     <a:srgbClr val="000000"/>
                   </a:solidFill>
@@ -2014,7 +2014,7 @@
             </a:ln>
             <a:extLst>
               <a:ext uri="{91240B29-F687-4f45-9708-019B960494DF}">
-                <a14:hiddenLine xmlns:a14="http://schemas.microsoft.com/office/drawing/2010/main" xmlns="" w="9525">
+                <a14:hiddenLine xmlns="" xmlns:a14="http://schemas.microsoft.com/office/drawing/2010/main" w="9525">
                   <a:solidFill>
                     <a:srgbClr val="000000"/>
                   </a:solidFill>
@@ -2104,7 +2104,7 @@
             </a:ln>
             <a:extLst>
               <a:ext uri="{91240B29-F687-4f45-9708-019B960494DF}">
-                <a14:hiddenLine xmlns:a14="http://schemas.microsoft.com/office/drawing/2010/main" xmlns="" w="9525">
+                <a14:hiddenLine xmlns="" xmlns:a14="http://schemas.microsoft.com/office/drawing/2010/main" w="9525">
                   <a:solidFill>
                     <a:srgbClr val="000000"/>
                   </a:solidFill>
@@ -2194,7 +2194,7 @@
             </a:ln>
             <a:extLst>
               <a:ext uri="{91240B29-F687-4f45-9708-019B960494DF}">
-                <a14:hiddenLine xmlns:a14="http://schemas.microsoft.com/office/drawing/2010/main" xmlns="" w="9525">
+                <a14:hiddenLine xmlns="" xmlns:a14="http://schemas.microsoft.com/office/drawing/2010/main" w="9525">
                   <a:solidFill>
                     <a:srgbClr val="000000"/>
                   </a:solidFill>
@@ -2250,7 +2250,7 @@
             </a:ln>
             <a:extLst>
               <a:ext uri="{91240B29-F687-4f45-9708-019B960494DF}">
-                <a14:hiddenLine xmlns:a14="http://schemas.microsoft.com/office/drawing/2010/main" xmlns="" w="9525">
+                <a14:hiddenLine xmlns="" xmlns:a14="http://schemas.microsoft.com/office/drawing/2010/main" w="9525">
                   <a:solidFill>
                     <a:srgbClr val="000000"/>
                   </a:solidFill>
@@ -2340,7 +2340,7 @@
             </a:ln>
             <a:extLst>
               <a:ext uri="{91240B29-F687-4f45-9708-019B960494DF}">
-                <a14:hiddenLine xmlns:a14="http://schemas.microsoft.com/office/drawing/2010/main" xmlns="" w="9525">
+                <a14:hiddenLine xmlns="" xmlns:a14="http://schemas.microsoft.com/office/drawing/2010/main" w="9525">
                   <a:solidFill>
                     <a:srgbClr val="000000"/>
                   </a:solidFill>
@@ -2396,7 +2396,7 @@
             </a:ln>
             <a:extLst>
               <a:ext uri="{91240B29-F687-4f45-9708-019B960494DF}">
-                <a14:hiddenLine xmlns:a14="http://schemas.microsoft.com/office/drawing/2010/main" xmlns="" w="9525">
+                <a14:hiddenLine xmlns="" xmlns:a14="http://schemas.microsoft.com/office/drawing/2010/main" w="9525">
                   <a:solidFill>
                     <a:srgbClr val="000000"/>
                   </a:solidFill>
@@ -2486,7 +2486,7 @@
             </a:ln>
             <a:extLst>
               <a:ext uri="{91240B29-F687-4f45-9708-019B960494DF}">
-                <a14:hiddenLine xmlns:a14="http://schemas.microsoft.com/office/drawing/2010/main" xmlns="" w="9525">
+                <a14:hiddenLine xmlns="" xmlns:a14="http://schemas.microsoft.com/office/drawing/2010/main" w="9525">
                   <a:solidFill>
                     <a:srgbClr val="000000"/>
                   </a:solidFill>
@@ -2554,7 +2554,7 @@
             </a:ln>
             <a:extLst>
               <a:ext uri="{91240B29-F687-4f45-9708-019B960494DF}">
-                <a14:hiddenLine xmlns:a14="http://schemas.microsoft.com/office/drawing/2010/main" xmlns="" w="9525">
+                <a14:hiddenLine xmlns="" xmlns:a14="http://schemas.microsoft.com/office/drawing/2010/main" w="9525">
                   <a:solidFill>
                     <a:srgbClr val="000000"/>
                   </a:solidFill>
@@ -2644,7 +2644,7 @@
             </a:ln>
             <a:extLst>
               <a:ext uri="{91240B29-F687-4f45-9708-019B960494DF}">
-                <a14:hiddenLine xmlns:a14="http://schemas.microsoft.com/office/drawing/2010/main" xmlns="" w="9525">
+                <a14:hiddenLine xmlns="" xmlns:a14="http://schemas.microsoft.com/office/drawing/2010/main" w="9525">
                   <a:solidFill>
                     <a:srgbClr val="000000"/>
                   </a:solidFill>
@@ -2712,7 +2712,7 @@
             </a:ln>
             <a:extLst>
               <a:ext uri="{91240B29-F687-4f45-9708-019B960494DF}">
-                <a14:hiddenLine xmlns:a14="http://schemas.microsoft.com/office/drawing/2010/main" xmlns="" w="9525">
+                <a14:hiddenLine xmlns="" xmlns:a14="http://schemas.microsoft.com/office/drawing/2010/main" w="9525">
                   <a:solidFill>
                     <a:srgbClr val="000000"/>
                   </a:solidFill>
@@ -2802,7 +2802,7 @@
             </a:ln>
             <a:extLst>
               <a:ext uri="{91240B29-F687-4f45-9708-019B960494DF}">
-                <a14:hiddenLine xmlns:a14="http://schemas.microsoft.com/office/drawing/2010/main" xmlns="" w="9525">
+                <a14:hiddenLine xmlns="" xmlns:a14="http://schemas.microsoft.com/office/drawing/2010/main" w="9525">
                   <a:solidFill>
                     <a:srgbClr val="000000"/>
                   </a:solidFill>
@@ -2836,7 +2836,7 @@
             </a:ln>
             <a:extLst>
               <a:ext uri="{91240B29-F687-4f45-9708-019B960494DF}">
-                <a14:hiddenLine xmlns:a14="http://schemas.microsoft.com/office/drawing/2010/main" xmlns="" w="9525">
+                <a14:hiddenLine xmlns="" xmlns:a14="http://schemas.microsoft.com/office/drawing/2010/main" w="9525">
                   <a:solidFill>
                     <a:srgbClr val="000000"/>
                   </a:solidFill>
@@ -2926,7 +2926,7 @@
             </a:ln>
             <a:extLst>
               <a:ext uri="{91240B29-F687-4f45-9708-019B960494DF}">
-                <a14:hiddenLine xmlns:a14="http://schemas.microsoft.com/office/drawing/2010/main" xmlns="" w="9525">
+                <a14:hiddenLine xmlns="" xmlns:a14="http://schemas.microsoft.com/office/drawing/2010/main" w="9525">
                   <a:solidFill>
                     <a:srgbClr val="000000"/>
                   </a:solidFill>
@@ -2988,7 +2988,7 @@
             </a:ln>
             <a:extLst>
               <a:ext uri="{91240B29-F687-4f45-9708-019B960494DF}">
-                <a14:hiddenLine xmlns:a14="http://schemas.microsoft.com/office/drawing/2010/main" xmlns="" w="9525">
+                <a14:hiddenLine xmlns="" xmlns:a14="http://schemas.microsoft.com/office/drawing/2010/main" w="9525">
                   <a:solidFill>
                     <a:srgbClr val="000000"/>
                   </a:solidFill>
@@ -3050,7 +3050,7 @@
             </a:ln>
             <a:extLst>
               <a:ext uri="{91240B29-F687-4f45-9708-019B960494DF}">
-                <a14:hiddenLine xmlns:a14="http://schemas.microsoft.com/office/drawing/2010/main" xmlns="" w="9525">
+                <a14:hiddenLine xmlns="" xmlns:a14="http://schemas.microsoft.com/office/drawing/2010/main" w="9525">
                   <a:solidFill>
                     <a:srgbClr val="000000"/>
                   </a:solidFill>
@@ -3140,7 +3140,7 @@
             </a:ln>
             <a:extLst>
               <a:ext uri="{91240B29-F687-4f45-9708-019B960494DF}">
-                <a14:hiddenLine xmlns:a14="http://schemas.microsoft.com/office/drawing/2010/main" xmlns="" w="9525">
+                <a14:hiddenLine xmlns="" xmlns:a14="http://schemas.microsoft.com/office/drawing/2010/main" w="9525">
                   <a:solidFill>
                     <a:srgbClr val="000000"/>
                   </a:solidFill>
@@ -3208,7 +3208,7 @@
             </a:ln>
             <a:extLst>
               <a:ext uri="{91240B29-F687-4f45-9708-019B960494DF}">
-                <a14:hiddenLine xmlns:a14="http://schemas.microsoft.com/office/drawing/2010/main" xmlns="" w="9525">
+                <a14:hiddenLine xmlns="" xmlns:a14="http://schemas.microsoft.com/office/drawing/2010/main" w="9525">
                   <a:solidFill>
                     <a:srgbClr val="000000"/>
                   </a:solidFill>
@@ -3270,7 +3270,7 @@
             </a:ln>
             <a:extLst>
               <a:ext uri="{91240B29-F687-4f45-9708-019B960494DF}">
-                <a14:hiddenLine xmlns:a14="http://schemas.microsoft.com/office/drawing/2010/main" xmlns="" w="9525">
+                <a14:hiddenLine xmlns="" xmlns:a14="http://schemas.microsoft.com/office/drawing/2010/main" w="9525">
                   <a:solidFill>
                     <a:srgbClr val="000000"/>
                   </a:solidFill>
@@ -3360,7 +3360,7 @@
             </a:ln>
             <a:extLst>
               <a:ext uri="{91240B29-F687-4f45-9708-019B960494DF}">
-                <a14:hiddenLine xmlns:a14="http://schemas.microsoft.com/office/drawing/2010/main" xmlns="" w="9525">
+                <a14:hiddenLine xmlns="" xmlns:a14="http://schemas.microsoft.com/office/drawing/2010/main" w="9525">
                   <a:solidFill>
                     <a:srgbClr val="000000"/>
                   </a:solidFill>
@@ -3422,7 +3422,7 @@
             </a:ln>
             <a:extLst>
               <a:ext uri="{91240B29-F687-4f45-9708-019B960494DF}">
-                <a14:hiddenLine xmlns:a14="http://schemas.microsoft.com/office/drawing/2010/main" xmlns="" w="9525">
+                <a14:hiddenLine xmlns="" xmlns:a14="http://schemas.microsoft.com/office/drawing/2010/main" w="9525">
                   <a:solidFill>
                     <a:srgbClr val="000000"/>
                   </a:solidFill>
@@ -3512,7 +3512,7 @@
             </a:ln>
             <a:extLst>
               <a:ext uri="{91240B29-F687-4f45-9708-019B960494DF}">
-                <a14:hiddenLine xmlns:a14="http://schemas.microsoft.com/office/drawing/2010/main" xmlns="" w="9525">
+                <a14:hiddenLine xmlns="" xmlns:a14="http://schemas.microsoft.com/office/drawing/2010/main" w="9525">
                   <a:solidFill>
                     <a:srgbClr val="000000"/>
                   </a:solidFill>
@@ -3574,7 +3574,7 @@
             </a:ln>
             <a:extLst>
               <a:ext uri="{91240B29-F687-4f45-9708-019B960494DF}">
-                <a14:hiddenLine xmlns:a14="http://schemas.microsoft.com/office/drawing/2010/main" xmlns="" w="9525">
+                <a14:hiddenLine xmlns="" xmlns:a14="http://schemas.microsoft.com/office/drawing/2010/main" w="9525">
                   <a:solidFill>
                     <a:srgbClr val="000000"/>
                   </a:solidFill>
@@ -3664,7 +3664,7 @@
             </a:ln>
             <a:extLst>
               <a:ext uri="{91240B29-F687-4f45-9708-019B960494DF}">
-                <a14:hiddenLine xmlns:a14="http://schemas.microsoft.com/office/drawing/2010/main" xmlns="" w="9525">
+                <a14:hiddenLine xmlns="" xmlns:a14="http://schemas.microsoft.com/office/drawing/2010/main" w="9525">
                   <a:solidFill>
                     <a:srgbClr val="000000"/>
                   </a:solidFill>
@@ -3698,7 +3698,7 @@
             </a:ln>
             <a:extLst>
               <a:ext uri="{91240B29-F687-4f45-9708-019B960494DF}">
-                <a14:hiddenLine xmlns:a14="http://schemas.microsoft.com/office/drawing/2010/main" xmlns="" w="9525">
+                <a14:hiddenLine xmlns="" xmlns:a14="http://schemas.microsoft.com/office/drawing/2010/main" w="9525">
                   <a:solidFill>
                     <a:srgbClr val="000000"/>
                   </a:solidFill>
@@ -3763,7 +3763,7 @@
             </a:ln>
             <a:extLst>
               <a:ext uri="{91240B29-F687-4f45-9708-019B960494DF}">
-                <a14:hiddenLine xmlns:a14="http://schemas.microsoft.com/office/drawing/2010/main" xmlns="" w="9525">
+                <a14:hiddenLine xmlns="" xmlns:a14="http://schemas.microsoft.com/office/drawing/2010/main" w="9525">
                   <a:solidFill>
                     <a:srgbClr val="000000"/>
                   </a:solidFill>
@@ -3853,7 +3853,7 @@
             </a:ln>
             <a:extLst>
               <a:ext uri="{91240B29-F687-4f45-9708-019B960494DF}">
-                <a14:hiddenLine xmlns:a14="http://schemas.microsoft.com/office/drawing/2010/main" xmlns="" w="9525">
+                <a14:hiddenLine xmlns="" xmlns:a14="http://schemas.microsoft.com/office/drawing/2010/main" w="9525">
                   <a:solidFill>
                     <a:srgbClr val="000000"/>
                   </a:solidFill>
@@ -3915,7 +3915,7 @@
             </a:ln>
             <a:extLst>
               <a:ext uri="{91240B29-F687-4f45-9708-019B960494DF}">
-                <a14:hiddenLine xmlns:a14="http://schemas.microsoft.com/office/drawing/2010/main" xmlns="" w="9525">
+                <a14:hiddenLine xmlns="" xmlns:a14="http://schemas.microsoft.com/office/drawing/2010/main" w="9525">
                   <a:solidFill>
                     <a:srgbClr val="000000"/>
                   </a:solidFill>
@@ -4005,7 +4005,7 @@
             </a:ln>
             <a:extLst>
               <a:ext uri="{91240B29-F687-4f45-9708-019B960494DF}">
-                <a14:hiddenLine xmlns:a14="http://schemas.microsoft.com/office/drawing/2010/main" xmlns="" w="9525">
+                <a14:hiddenLine xmlns="" xmlns:a14="http://schemas.microsoft.com/office/drawing/2010/main" w="9525">
                   <a:solidFill>
                     <a:srgbClr val="000000"/>
                   </a:solidFill>
@@ -4095,7 +4095,7 @@
             </a:ln>
             <a:extLst>
               <a:ext uri="{91240B29-F687-4f45-9708-019B960494DF}">
-                <a14:hiddenLine xmlns:a14="http://schemas.microsoft.com/office/drawing/2010/main" xmlns="" w="9525">
+                <a14:hiddenLine xmlns="" xmlns:a14="http://schemas.microsoft.com/office/drawing/2010/main" w="9525">
                   <a:solidFill>
                     <a:srgbClr val="000000"/>
                   </a:solidFill>
@@ -4160,7 +4160,7 @@
             </a:ln>
             <a:extLst>
               <a:ext uri="{91240B29-F687-4f45-9708-019B960494DF}">
-                <a14:hiddenLine xmlns:a14="http://schemas.microsoft.com/office/drawing/2010/main" xmlns="" w="9525">
+                <a14:hiddenLine xmlns="" xmlns:a14="http://schemas.microsoft.com/office/drawing/2010/main" w="9525">
                   <a:solidFill>
                     <a:srgbClr val="000000"/>
                   </a:solidFill>
@@ -4222,7 +4222,7 @@
             </a:ln>
             <a:extLst>
               <a:ext uri="{91240B29-F687-4f45-9708-019B960494DF}">
-                <a14:hiddenLine xmlns:a14="http://schemas.microsoft.com/office/drawing/2010/main" xmlns="" w="9525">
+                <a14:hiddenLine xmlns="" xmlns:a14="http://schemas.microsoft.com/office/drawing/2010/main" w="9525">
                   <a:solidFill>
                     <a:srgbClr val="000000"/>
                   </a:solidFill>
@@ -4312,7 +4312,7 @@
             </a:ln>
             <a:extLst>
               <a:ext uri="{91240B29-F687-4f45-9708-019B960494DF}">
-                <a14:hiddenLine xmlns:a14="http://schemas.microsoft.com/office/drawing/2010/main" xmlns="" w="9525">
+                <a14:hiddenLine xmlns="" xmlns:a14="http://schemas.microsoft.com/office/drawing/2010/main" w="9525">
                   <a:solidFill>
                     <a:srgbClr val="000000"/>
                   </a:solidFill>
@@ -4402,7 +4402,7 @@
             </a:ln>
             <a:extLst>
               <a:ext uri="{91240B29-F687-4f45-9708-019B960494DF}">
-                <a14:hiddenLine xmlns:a14="http://schemas.microsoft.com/office/drawing/2010/main" xmlns="" w="9525">
+                <a14:hiddenLine xmlns="" xmlns:a14="http://schemas.microsoft.com/office/drawing/2010/main" w="9525">
                   <a:solidFill>
                     <a:srgbClr val="000000"/>
                   </a:solidFill>
@@ -4464,7 +4464,7 @@
             </a:ln>
             <a:extLst>
               <a:ext uri="{91240B29-F687-4f45-9708-019B960494DF}">
-                <a14:hiddenLine xmlns:a14="http://schemas.microsoft.com/office/drawing/2010/main" xmlns="" w="9525">
+                <a14:hiddenLine xmlns="" xmlns:a14="http://schemas.microsoft.com/office/drawing/2010/main" w="9525">
                   <a:solidFill>
                     <a:srgbClr val="000000"/>
                   </a:solidFill>
@@ -4584,7 +4584,7 @@
             </a:ln>
             <a:extLst>
               <a:ext uri="{91240B29-F687-4f45-9708-019B960494DF}">
-                <a14:hiddenLine xmlns:a14="http://schemas.microsoft.com/office/drawing/2010/main" xmlns="" w="9525">
+                <a14:hiddenLine xmlns="" xmlns:a14="http://schemas.microsoft.com/office/drawing/2010/main" w="9525">
                   <a:solidFill>
                     <a:srgbClr val="000000"/>
                   </a:solidFill>
@@ -4652,7 +4652,7 @@
             </a:ln>
             <a:extLst>
               <a:ext uri="{91240B29-F687-4f45-9708-019B960494DF}">
-                <a14:hiddenLine xmlns:a14="http://schemas.microsoft.com/office/drawing/2010/main" xmlns="" w="9525">
+                <a14:hiddenLine xmlns="" xmlns:a14="http://schemas.microsoft.com/office/drawing/2010/main" w="9525">
                   <a:solidFill>
                     <a:srgbClr val="000000"/>
                   </a:solidFill>
@@ -4742,7 +4742,7 @@
             </a:ln>
             <a:extLst>
               <a:ext uri="{91240B29-F687-4f45-9708-019B960494DF}">
-                <a14:hiddenLine xmlns:a14="http://schemas.microsoft.com/office/drawing/2010/main" xmlns="" w="9525">
+                <a14:hiddenLine xmlns="" xmlns:a14="http://schemas.microsoft.com/office/drawing/2010/main" w="9525">
                   <a:solidFill>
                     <a:srgbClr val="000000"/>
                   </a:solidFill>
@@ -4882,7 +4882,7 @@
           <a:p>
             <a:fld id="{F34B6E3E-06F4-4326-ABDB-61EE022A2F5F}" type="datetimeFigureOut">
               <a:rPr lang="en-US" smtClean="0"/>
-              <a:t>6/13/2022</a:t>
+              <a:t>6/20/2022</a:t>
             </a:fld>
             <a:endParaRPr lang="en-US"/>
           </a:p>
@@ -5149,7 +5149,7 @@
           <a:p>
             <a:fld id="{F34B6E3E-06F4-4326-ABDB-61EE022A2F5F}" type="datetimeFigureOut">
               <a:rPr lang="en-US" smtClean="0"/>
-              <a:t>6/13/2022</a:t>
+              <a:t>6/20/2022</a:t>
             </a:fld>
             <a:endParaRPr lang="en-US"/>
           </a:p>
@@ -5345,7 +5345,7 @@
           <a:p>
             <a:fld id="{F34B6E3E-06F4-4326-ABDB-61EE022A2F5F}" type="datetimeFigureOut">
               <a:rPr lang="en-US" smtClean="0"/>
-              <a:t>6/13/2022</a:t>
+              <a:t>6/20/2022</a:t>
             </a:fld>
             <a:endParaRPr lang="en-US"/>
           </a:p>
@@ -5608,7 +5608,7 @@
           <a:p>
             <a:fld id="{F34B6E3E-06F4-4326-ABDB-61EE022A2F5F}" type="datetimeFigureOut">
               <a:rPr lang="en-US" smtClean="0"/>
-              <a:t>6/13/2022</a:t>
+              <a:t>6/20/2022</a:t>
             </a:fld>
             <a:endParaRPr lang="en-US"/>
           </a:p>
@@ -6042,7 +6042,7 @@
           <a:p>
             <a:fld id="{F34B6E3E-06F4-4326-ABDB-61EE022A2F5F}" type="datetimeFigureOut">
               <a:rPr lang="en-US" smtClean="0"/>
-              <a:t>6/13/2022</a:t>
+              <a:t>6/20/2022</a:t>
             </a:fld>
             <a:endParaRPr lang="en-US"/>
           </a:p>
@@ -6588,7 +6588,7 @@
           <a:p>
             <a:fld id="{F34B6E3E-06F4-4326-ABDB-61EE022A2F5F}" type="datetimeFigureOut">
               <a:rPr lang="en-US" smtClean="0"/>
-              <a:t>6/13/2022</a:t>
+              <a:t>6/20/2022</a:t>
             </a:fld>
             <a:endParaRPr lang="en-US"/>
           </a:p>
@@ -7308,7 +7308,7 @@
           <a:p>
             <a:fld id="{F34B6E3E-06F4-4326-ABDB-61EE022A2F5F}" type="datetimeFigureOut">
               <a:rPr lang="en-US" smtClean="0"/>
-              <a:t>6/13/2022</a:t>
+              <a:t>6/20/2022</a:t>
             </a:fld>
             <a:endParaRPr lang="en-US"/>
           </a:p>
@@ -7478,7 +7478,7 @@
           <a:p>
             <a:fld id="{F34B6E3E-06F4-4326-ABDB-61EE022A2F5F}" type="datetimeFigureOut">
               <a:rPr lang="en-US" smtClean="0"/>
-              <a:t>6/13/2022</a:t>
+              <a:t>6/20/2022</a:t>
             </a:fld>
             <a:endParaRPr lang="en-US"/>
           </a:p>
@@ -7658,7 +7658,7 @@
           <a:p>
             <a:fld id="{F34B6E3E-06F4-4326-ABDB-61EE022A2F5F}" type="datetimeFigureOut">
               <a:rPr lang="en-US" smtClean="0"/>
-              <a:t>6/13/2022</a:t>
+              <a:t>6/20/2022</a:t>
             </a:fld>
             <a:endParaRPr lang="en-US"/>
           </a:p>
@@ -8326,7 +8326,7 @@
           <a:p>
             <a:fld id="{F34B6E3E-06F4-4326-ABDB-61EE022A2F5F}" type="datetimeFigureOut">
               <a:rPr lang="en-US" smtClean="0"/>
-              <a:t>6/13/2022</a:t>
+              <a:t>6/20/2022</a:t>
             </a:fld>
             <a:endParaRPr lang="en-US"/>
           </a:p>
@@ -8576,7 +8576,7 @@
           <a:p>
             <a:fld id="{F34B6E3E-06F4-4326-ABDB-61EE022A2F5F}" type="datetimeFigureOut">
               <a:rPr lang="en-US" smtClean="0"/>
-              <a:t>6/13/2022</a:t>
+              <a:t>6/20/2022</a:t>
             </a:fld>
             <a:endParaRPr lang="en-US"/>
           </a:p>
@@ -8808,7 +8808,7 @@
           <a:p>
             <a:fld id="{F34B6E3E-06F4-4326-ABDB-61EE022A2F5F}" type="datetimeFigureOut">
               <a:rPr lang="en-US" smtClean="0"/>
-              <a:t>6/13/2022</a:t>
+              <a:t>6/20/2022</a:t>
             </a:fld>
             <a:endParaRPr lang="en-US"/>
           </a:p>
@@ -9189,7 +9189,7 @@
           <a:p>
             <a:fld id="{F34B6E3E-06F4-4326-ABDB-61EE022A2F5F}" type="datetimeFigureOut">
               <a:rPr lang="en-US" smtClean="0"/>
-              <a:t>6/13/2022</a:t>
+              <a:t>6/20/2022</a:t>
             </a:fld>
             <a:endParaRPr lang="en-US"/>
           </a:p>
@@ -9307,7 +9307,7 @@
           <a:p>
             <a:fld id="{F34B6E3E-06F4-4326-ABDB-61EE022A2F5F}" type="datetimeFigureOut">
               <a:rPr lang="en-US" smtClean="0"/>
-              <a:t>6/13/2022</a:t>
+              <a:t>6/20/2022</a:t>
             </a:fld>
             <a:endParaRPr lang="en-US"/>
           </a:p>
@@ -9402,7 +9402,7 @@
           <a:p>
             <a:fld id="{F34B6E3E-06F4-4326-ABDB-61EE022A2F5F}" type="datetimeFigureOut">
               <a:rPr lang="en-US" smtClean="0"/>
-              <a:t>6/13/2022</a:t>
+              <a:t>6/20/2022</a:t>
             </a:fld>
             <a:endParaRPr lang="en-US"/>
           </a:p>
@@ -9651,7 +9651,7 @@
           <a:p>
             <a:fld id="{F34B6E3E-06F4-4326-ABDB-61EE022A2F5F}" type="datetimeFigureOut">
               <a:rPr lang="en-US" smtClean="0"/>
-              <a:t>6/13/2022</a:t>
+              <a:t>6/20/2022</a:t>
             </a:fld>
             <a:endParaRPr lang="en-US"/>
           </a:p>
@@ -9931,7 +9931,7 @@
           <a:p>
             <a:fld id="{F34B6E3E-06F4-4326-ABDB-61EE022A2F5F}" type="datetimeFigureOut">
               <a:rPr lang="en-US" smtClean="0"/>
-              <a:t>6/13/2022</a:t>
+              <a:t>6/20/2022</a:t>
             </a:fld>
             <a:endParaRPr lang="en-US"/>
           </a:p>
@@ -10047,7 +10047,7 @@
           <a:noFill/>
           <a:extLst>
             <a:ext uri="{909E8E84-426E-40dd-AFC4-6F175D3DCCD1}">
-              <a14:hiddenFill xmlns:a14="http://schemas.microsoft.com/office/drawing/2010/main" xmlns="">
+              <a14:hiddenFill xmlns="" xmlns:a14="http://schemas.microsoft.com/office/drawing/2010/main">
                 <a:solidFill>
                   <a:srgbClr val="FFFFFF"/>
                 </a:solidFill>
@@ -10121,7 +10121,7 @@
               </a:ln>
               <a:extLst>
                 <a:ext uri="{91240B29-F687-4f45-9708-019B960494DF}">
-                  <a14:hiddenLine xmlns:a14="http://schemas.microsoft.com/office/drawing/2010/main" xmlns="" w="9525">
+                  <a14:hiddenLine xmlns="" xmlns:a14="http://schemas.microsoft.com/office/drawing/2010/main" w="9525">
                     <a:solidFill>
                       <a:srgbClr val="000000"/>
                     </a:solidFill>
@@ -10211,7 +10211,7 @@
               </a:ln>
               <a:extLst>
                 <a:ext uri="{91240B29-F687-4f45-9708-019B960494DF}">
-                  <a14:hiddenLine xmlns:a14="http://schemas.microsoft.com/office/drawing/2010/main" xmlns="" w="9525">
+                  <a14:hiddenLine xmlns="" xmlns:a14="http://schemas.microsoft.com/office/drawing/2010/main" w="9525">
                     <a:solidFill>
                       <a:srgbClr val="000000"/>
                     </a:solidFill>
@@ -10301,7 +10301,7 @@
               </a:ln>
               <a:extLst>
                 <a:ext uri="{91240B29-F687-4f45-9708-019B960494DF}">
-                  <a14:hiddenLine xmlns:a14="http://schemas.microsoft.com/office/drawing/2010/main" xmlns="" w="9525">
+                  <a14:hiddenLine xmlns="" xmlns:a14="http://schemas.microsoft.com/office/drawing/2010/main" w="9525">
                     <a:solidFill>
                       <a:srgbClr val="000000"/>
                     </a:solidFill>
@@ -10363,7 +10363,7 @@
               </a:ln>
               <a:extLst>
                 <a:ext uri="{91240B29-F687-4f45-9708-019B960494DF}">
-                  <a14:hiddenLine xmlns:a14="http://schemas.microsoft.com/office/drawing/2010/main" xmlns="" w="9525">
+                  <a14:hiddenLine xmlns="" xmlns:a14="http://schemas.microsoft.com/office/drawing/2010/main" w="9525">
                     <a:solidFill>
                       <a:srgbClr val="000000"/>
                     </a:solidFill>
@@ -10453,7 +10453,7 @@
               </a:ln>
               <a:extLst>
                 <a:ext uri="{91240B29-F687-4f45-9708-019B960494DF}">
-                  <a14:hiddenLine xmlns:a14="http://schemas.microsoft.com/office/drawing/2010/main" xmlns="" w="9525">
+                  <a14:hiddenLine xmlns="" xmlns:a14="http://schemas.microsoft.com/office/drawing/2010/main" w="9525">
                     <a:solidFill>
                       <a:srgbClr val="000000"/>
                     </a:solidFill>
@@ -10515,7 +10515,7 @@
               </a:ln>
               <a:extLst>
                 <a:ext uri="{91240B29-F687-4f45-9708-019B960494DF}">
-                  <a14:hiddenLine xmlns:a14="http://schemas.microsoft.com/office/drawing/2010/main" xmlns="" w="9525">
+                  <a14:hiddenLine xmlns="" xmlns:a14="http://schemas.microsoft.com/office/drawing/2010/main" w="9525">
                     <a:solidFill>
                       <a:srgbClr val="000000"/>
                     </a:solidFill>
@@ -10577,7 +10577,7 @@
               </a:ln>
               <a:extLst>
                 <a:ext uri="{91240B29-F687-4f45-9708-019B960494DF}">
-                  <a14:hiddenLine xmlns:a14="http://schemas.microsoft.com/office/drawing/2010/main" xmlns="" w="9525">
+                  <a14:hiddenLine xmlns="" xmlns:a14="http://schemas.microsoft.com/office/drawing/2010/main" w="9525">
                     <a:solidFill>
                       <a:srgbClr val="000000"/>
                     </a:solidFill>
@@ -10667,7 +10667,7 @@
               </a:ln>
               <a:extLst>
                 <a:ext uri="{91240B29-F687-4f45-9708-019B960494DF}">
-                  <a14:hiddenLine xmlns:a14="http://schemas.microsoft.com/office/drawing/2010/main" xmlns="" w="9525">
+                  <a14:hiddenLine xmlns="" xmlns:a14="http://schemas.microsoft.com/office/drawing/2010/main" w="9525">
                     <a:solidFill>
                       <a:srgbClr val="000000"/>
                     </a:solidFill>
@@ -10757,7 +10757,7 @@
               </a:ln>
               <a:extLst>
                 <a:ext uri="{91240B29-F687-4f45-9708-019B960494DF}">
-                  <a14:hiddenLine xmlns:a14="http://schemas.microsoft.com/office/drawing/2010/main" xmlns="" w="9525">
+                  <a14:hiddenLine xmlns="" xmlns:a14="http://schemas.microsoft.com/office/drawing/2010/main" w="9525">
                     <a:solidFill>
                       <a:srgbClr val="000000"/>
                     </a:solidFill>
@@ -10819,7 +10819,7 @@
               </a:ln>
               <a:extLst>
                 <a:ext uri="{91240B29-F687-4f45-9708-019B960494DF}">
-                  <a14:hiddenLine xmlns:a14="http://schemas.microsoft.com/office/drawing/2010/main" xmlns="" w="9525">
+                  <a14:hiddenLine xmlns="" xmlns:a14="http://schemas.microsoft.com/office/drawing/2010/main" w="9525">
                     <a:solidFill>
                       <a:srgbClr val="000000"/>
                     </a:solidFill>
@@ -10929,7 +10929,7 @@
               </a:ln>
               <a:extLst>
                 <a:ext uri="{91240B29-F687-4f45-9708-019B960494DF}">
-                  <a14:hiddenLine xmlns:a14="http://schemas.microsoft.com/office/drawing/2010/main" xmlns="" w="9525">
+                  <a14:hiddenLine xmlns="" xmlns:a14="http://schemas.microsoft.com/office/drawing/2010/main" w="9525">
                     <a:solidFill>
                       <a:srgbClr val="000000"/>
                     </a:solidFill>
@@ -11013,7 +11013,7 @@
               </a:ln>
               <a:extLst>
                 <a:ext uri="{91240B29-F687-4f45-9708-019B960494DF}">
-                  <a14:hiddenLine xmlns:a14="http://schemas.microsoft.com/office/drawing/2010/main" xmlns="" w="9525">
+                  <a14:hiddenLine xmlns="" xmlns:a14="http://schemas.microsoft.com/office/drawing/2010/main" w="9525">
                     <a:solidFill>
                       <a:srgbClr val="000000"/>
                     </a:solidFill>
@@ -11075,7 +11075,7 @@
               </a:ln>
               <a:extLst>
                 <a:ext uri="{91240B29-F687-4f45-9708-019B960494DF}">
-                  <a14:hiddenLine xmlns:a14="http://schemas.microsoft.com/office/drawing/2010/main" xmlns="" w="9525">
+                  <a14:hiddenLine xmlns="" xmlns:a14="http://schemas.microsoft.com/office/drawing/2010/main" w="9525">
                     <a:solidFill>
                       <a:srgbClr val="000000"/>
                     </a:solidFill>
@@ -11137,7 +11137,7 @@
               </a:ln>
               <a:extLst>
                 <a:ext uri="{91240B29-F687-4f45-9708-019B960494DF}">
-                  <a14:hiddenLine xmlns:a14="http://schemas.microsoft.com/office/drawing/2010/main" xmlns="" w="9525">
+                  <a14:hiddenLine xmlns="" xmlns:a14="http://schemas.microsoft.com/office/drawing/2010/main" w="9525">
                     <a:solidFill>
                       <a:srgbClr val="000000"/>
                     </a:solidFill>
@@ -11227,7 +11227,7 @@
               </a:ln>
               <a:extLst>
                 <a:ext uri="{91240B29-F687-4f45-9708-019B960494DF}">
-                  <a14:hiddenLine xmlns:a14="http://schemas.microsoft.com/office/drawing/2010/main" xmlns="" w="9525">
+                  <a14:hiddenLine xmlns="" xmlns:a14="http://schemas.microsoft.com/office/drawing/2010/main" w="9525">
                     <a:solidFill>
                       <a:srgbClr val="000000"/>
                     </a:solidFill>
@@ -11261,7 +11261,7 @@
               </a:ln>
               <a:extLst>
                 <a:ext uri="{91240B29-F687-4f45-9708-019B960494DF}">
-                  <a14:hiddenLine xmlns:a14="http://schemas.microsoft.com/office/drawing/2010/main" xmlns="" w="9525">
+                  <a14:hiddenLine xmlns="" xmlns:a14="http://schemas.microsoft.com/office/drawing/2010/main" w="9525">
                     <a:solidFill>
                       <a:srgbClr val="000000"/>
                     </a:solidFill>
@@ -11326,7 +11326,7 @@
               </a:ln>
               <a:extLst>
                 <a:ext uri="{91240B29-F687-4f45-9708-019B960494DF}">
-                  <a14:hiddenLine xmlns:a14="http://schemas.microsoft.com/office/drawing/2010/main" xmlns="" w="9525">
+                  <a14:hiddenLine xmlns="" xmlns:a14="http://schemas.microsoft.com/office/drawing/2010/main" w="9525">
                     <a:solidFill>
                       <a:srgbClr val="000000"/>
                     </a:solidFill>
@@ -11416,7 +11416,7 @@
               </a:ln>
               <a:extLst>
                 <a:ext uri="{91240B29-F687-4f45-9708-019B960494DF}">
-                  <a14:hiddenLine xmlns:a14="http://schemas.microsoft.com/office/drawing/2010/main" xmlns="" w="9525">
+                  <a14:hiddenLine xmlns="" xmlns:a14="http://schemas.microsoft.com/office/drawing/2010/main" w="9525">
                     <a:solidFill>
                       <a:srgbClr val="000000"/>
                     </a:solidFill>
@@ -11478,7 +11478,7 @@
               </a:ln>
               <a:extLst>
                 <a:ext uri="{91240B29-F687-4f45-9708-019B960494DF}">
-                  <a14:hiddenLine xmlns:a14="http://schemas.microsoft.com/office/drawing/2010/main" xmlns="" w="9525">
+                  <a14:hiddenLine xmlns="" xmlns:a14="http://schemas.microsoft.com/office/drawing/2010/main" w="9525">
                     <a:solidFill>
                       <a:srgbClr val="000000"/>
                     </a:solidFill>
@@ -11568,7 +11568,7 @@
               </a:ln>
               <a:extLst>
                 <a:ext uri="{91240B29-F687-4f45-9708-019B960494DF}">
-                  <a14:hiddenLine xmlns:a14="http://schemas.microsoft.com/office/drawing/2010/main" xmlns="" w="9525">
+                  <a14:hiddenLine xmlns="" xmlns:a14="http://schemas.microsoft.com/office/drawing/2010/main" w="9525">
                     <a:solidFill>
                       <a:srgbClr val="000000"/>
                     </a:solidFill>
@@ -11633,7 +11633,7 @@
               </a:ln>
               <a:extLst>
                 <a:ext uri="{91240B29-F687-4f45-9708-019B960494DF}">
-                  <a14:hiddenLine xmlns:a14="http://schemas.microsoft.com/office/drawing/2010/main" xmlns="" w="9525">
+                  <a14:hiddenLine xmlns="" xmlns:a14="http://schemas.microsoft.com/office/drawing/2010/main" w="9525">
                     <a:solidFill>
                       <a:srgbClr val="000000"/>
                     </a:solidFill>
@@ -11695,7 +11695,7 @@
               </a:ln>
               <a:extLst>
                 <a:ext uri="{91240B29-F687-4f45-9708-019B960494DF}">
-                  <a14:hiddenLine xmlns:a14="http://schemas.microsoft.com/office/drawing/2010/main" xmlns="" w="9525">
+                  <a14:hiddenLine xmlns="" xmlns:a14="http://schemas.microsoft.com/office/drawing/2010/main" w="9525">
                     <a:solidFill>
                       <a:srgbClr val="000000"/>
                     </a:solidFill>
@@ -11785,7 +11785,7 @@
               </a:ln>
               <a:extLst>
                 <a:ext uri="{91240B29-F687-4f45-9708-019B960494DF}">
-                  <a14:hiddenLine xmlns:a14="http://schemas.microsoft.com/office/drawing/2010/main" xmlns="" w="9525">
+                  <a14:hiddenLine xmlns="" xmlns:a14="http://schemas.microsoft.com/office/drawing/2010/main" w="9525">
                     <a:solidFill>
                       <a:srgbClr val="000000"/>
                     </a:solidFill>
@@ -11875,7 +11875,7 @@
               </a:ln>
               <a:extLst>
                 <a:ext uri="{91240B29-F687-4f45-9708-019B960494DF}">
-                  <a14:hiddenLine xmlns:a14="http://schemas.microsoft.com/office/drawing/2010/main" xmlns="" w="9525">
+                  <a14:hiddenLine xmlns="" xmlns:a14="http://schemas.microsoft.com/office/drawing/2010/main" w="9525">
                     <a:solidFill>
                       <a:srgbClr val="000000"/>
                     </a:solidFill>
@@ -11940,7 +11940,7 @@
               </a:ln>
               <a:extLst>
                 <a:ext uri="{91240B29-F687-4f45-9708-019B960494DF}">
-                  <a14:hiddenLine xmlns:a14="http://schemas.microsoft.com/office/drawing/2010/main" xmlns="" w="9525">
+                  <a14:hiddenLine xmlns="" xmlns:a14="http://schemas.microsoft.com/office/drawing/2010/main" w="9525">
                     <a:solidFill>
                       <a:srgbClr val="000000"/>
                     </a:solidFill>
@@ -12060,7 +12060,7 @@
               </a:ln>
               <a:extLst>
                 <a:ext uri="{91240B29-F687-4f45-9708-019B960494DF}">
-                  <a14:hiddenLine xmlns:a14="http://schemas.microsoft.com/office/drawing/2010/main" xmlns="" w="9525">
+                  <a14:hiddenLine xmlns="" xmlns:a14="http://schemas.microsoft.com/office/drawing/2010/main" w="9525">
                     <a:solidFill>
                       <a:srgbClr val="000000"/>
                     </a:solidFill>
@@ -12158,7 +12158,7 @@
               </a:ln>
               <a:extLst>
                 <a:ext uri="{91240B29-F687-4f45-9708-019B960494DF}">
-                  <a14:hiddenLine xmlns:a14="http://schemas.microsoft.com/office/drawing/2010/main" xmlns="" w="9525">
+                  <a14:hiddenLine xmlns="" xmlns:a14="http://schemas.microsoft.com/office/drawing/2010/main" w="9525">
                     <a:solidFill>
                       <a:srgbClr val="000000"/>
                     </a:solidFill>
@@ -12273,7 +12273,7 @@
               </a:ln>
               <a:extLst>
                 <a:ext uri="{91240B29-F687-4f45-9708-019B960494DF}">
-                  <a14:hiddenLine xmlns:a14="http://schemas.microsoft.com/office/drawing/2010/main" xmlns="" w="9525">
+                  <a14:hiddenLine xmlns="" xmlns:a14="http://schemas.microsoft.com/office/drawing/2010/main" w="9525">
                     <a:solidFill>
                       <a:srgbClr val="000000"/>
                     </a:solidFill>
@@ -12363,7 +12363,7 @@
               </a:ln>
               <a:extLst>
                 <a:ext uri="{91240B29-F687-4f45-9708-019B960494DF}">
-                  <a14:hiddenLine xmlns:a14="http://schemas.microsoft.com/office/drawing/2010/main" xmlns="" w="9525">
+                  <a14:hiddenLine xmlns="" xmlns:a14="http://schemas.microsoft.com/office/drawing/2010/main" w="9525">
                     <a:solidFill>
                       <a:srgbClr val="000000"/>
                     </a:solidFill>
@@ -12428,7 +12428,7 @@
               </a:ln>
               <a:extLst>
                 <a:ext uri="{91240B29-F687-4f45-9708-019B960494DF}">
-                  <a14:hiddenLine xmlns:a14="http://schemas.microsoft.com/office/drawing/2010/main" xmlns="" w="9525">
+                  <a14:hiddenLine xmlns="" xmlns:a14="http://schemas.microsoft.com/office/drawing/2010/main" w="9525">
                     <a:solidFill>
                       <a:srgbClr val="000000"/>
                     </a:solidFill>
@@ -12518,7 +12518,7 @@
               </a:ln>
               <a:extLst>
                 <a:ext uri="{91240B29-F687-4f45-9708-019B960494DF}">
-                  <a14:hiddenLine xmlns:a14="http://schemas.microsoft.com/office/drawing/2010/main" xmlns="" w="9525">
+                  <a14:hiddenLine xmlns="" xmlns:a14="http://schemas.microsoft.com/office/drawing/2010/main" w="9525">
                     <a:solidFill>
                       <a:srgbClr val="000000"/>
                     </a:solidFill>
@@ -12586,7 +12586,7 @@
               </a:ln>
               <a:extLst>
                 <a:ext uri="{91240B29-F687-4f45-9708-019B960494DF}">
-                  <a14:hiddenLine xmlns:a14="http://schemas.microsoft.com/office/drawing/2010/main" xmlns="" w="9525">
+                  <a14:hiddenLine xmlns="" xmlns:a14="http://schemas.microsoft.com/office/drawing/2010/main" w="9525">
                     <a:solidFill>
                       <a:srgbClr val="000000"/>
                     </a:solidFill>
@@ -12676,7 +12676,7 @@
               </a:ln>
               <a:extLst>
                 <a:ext uri="{91240B29-F687-4f45-9708-019B960494DF}">
-                  <a14:hiddenLine xmlns:a14="http://schemas.microsoft.com/office/drawing/2010/main" xmlns="" w="9525">
+                  <a14:hiddenLine xmlns="" xmlns:a14="http://schemas.microsoft.com/office/drawing/2010/main" w="9525">
                     <a:solidFill>
                       <a:srgbClr val="000000"/>
                     </a:solidFill>
@@ -12744,7 +12744,7 @@
               </a:ln>
               <a:extLst>
                 <a:ext uri="{91240B29-F687-4f45-9708-019B960494DF}">
-                  <a14:hiddenLine xmlns:a14="http://schemas.microsoft.com/office/drawing/2010/main" xmlns="" w="9525">
+                  <a14:hiddenLine xmlns="" xmlns:a14="http://schemas.microsoft.com/office/drawing/2010/main" w="9525">
                     <a:solidFill>
                       <a:srgbClr val="000000"/>
                     </a:solidFill>
@@ -12834,7 +12834,7 @@
               </a:ln>
               <a:extLst>
                 <a:ext uri="{91240B29-F687-4f45-9708-019B960494DF}">
-                  <a14:hiddenLine xmlns:a14="http://schemas.microsoft.com/office/drawing/2010/main" xmlns="" w="9525">
+                  <a14:hiddenLine xmlns="" xmlns:a14="http://schemas.microsoft.com/office/drawing/2010/main" w="9525">
                     <a:solidFill>
                       <a:srgbClr val="000000"/>
                     </a:solidFill>
@@ -12868,7 +12868,7 @@
               </a:ln>
               <a:extLst>
                 <a:ext uri="{91240B29-F687-4f45-9708-019B960494DF}">
-                  <a14:hiddenLine xmlns:a14="http://schemas.microsoft.com/office/drawing/2010/main" xmlns="" w="9525">
+                  <a14:hiddenLine xmlns="" xmlns:a14="http://schemas.microsoft.com/office/drawing/2010/main" w="9525">
                     <a:solidFill>
                       <a:srgbClr val="000000"/>
                     </a:solidFill>
@@ -13008,7 +13008,7 @@
           <a:p>
             <a:fld id="{F34B6E3E-06F4-4326-ABDB-61EE022A2F5F}" type="datetimeFigureOut">
               <a:rPr lang="en-US" smtClean="0"/>
-              <a:t>6/13/2022</a:t>
+              <a:t>6/20/2022</a:t>
             </a:fld>
             <a:endParaRPr lang="en-US"/>
           </a:p>
@@ -13897,6 +13897,18 @@
   <p:clrMapOvr>
     <a:masterClrMapping/>
   </p:clrMapOvr>
+  <mc:AlternateContent xmlns:mc="http://schemas.openxmlformats.org/markup-compatibility/2006">
+    <mc:Choice xmlns:p14="http://schemas.microsoft.com/office/powerpoint/2010/main" Requires="p14">
+      <p:transition spd="med" p14:dur="700">
+        <p:fade/>
+      </p:transition>
+    </mc:Choice>
+    <mc:Fallback>
+      <p:transition spd="med">
+        <p:fade/>
+      </p:transition>
+    </mc:Fallback>
+  </mc:AlternateContent>
 </p:sld>
 </file>
 
@@ -13989,7 +14001,7 @@
           <a:noFill/>
           <a:extLst>
             <a:ext uri="{909E8E84-426E-40dd-AFC4-6F175D3DCCD1}">
-              <a14:hiddenFill xmlns:p14="http://schemas.microsoft.com/office/powerpoint/2010/main" xmlns:a14="http://schemas.microsoft.com/office/drawing/2010/main" xmlns:a16="http://schemas.microsoft.com/office/drawing/2014/main" xmlns="">
+              <a14:hiddenFill xmlns="" xmlns:a16="http://schemas.microsoft.com/office/drawing/2014/main" xmlns:a14="http://schemas.microsoft.com/office/drawing/2010/main" xmlns:p14="http://schemas.microsoft.com/office/powerpoint/2010/main">
                 <a:solidFill>
                   <a:srgbClr val="FFFFFF"/>
                 </a:solidFill>
@@ -14081,7 +14093,7 @@
             </a:ln>
             <a:extLst>
               <a:ext uri="{91240B29-F687-4f45-9708-019B960494DF}">
-                <a14:hiddenLine xmlns:p14="http://schemas.microsoft.com/office/powerpoint/2010/main" xmlns:a14="http://schemas.microsoft.com/office/drawing/2010/main" xmlns:a16="http://schemas.microsoft.com/office/drawing/2014/main" xmlns="" w="9525">
+                <a14:hiddenLine xmlns="" xmlns:a16="http://schemas.microsoft.com/office/drawing/2014/main" xmlns:a14="http://schemas.microsoft.com/office/drawing/2010/main" xmlns:p14="http://schemas.microsoft.com/office/powerpoint/2010/main" w="9525">
                   <a:solidFill>
                     <a:srgbClr val="000000"/>
                   </a:solidFill>
@@ -14186,7 +14198,7 @@
             </a:ln>
             <a:extLst>
               <a:ext uri="{91240B29-F687-4f45-9708-019B960494DF}">
-                <a14:hiddenLine xmlns:p14="http://schemas.microsoft.com/office/powerpoint/2010/main" xmlns:a14="http://schemas.microsoft.com/office/drawing/2010/main" xmlns:a16="http://schemas.microsoft.com/office/drawing/2014/main" xmlns="" w="9525">
+                <a14:hiddenLine xmlns="" xmlns:a16="http://schemas.microsoft.com/office/drawing/2014/main" xmlns:a14="http://schemas.microsoft.com/office/drawing/2010/main" xmlns:p14="http://schemas.microsoft.com/office/powerpoint/2010/main" w="9525">
                   <a:solidFill>
                     <a:srgbClr val="000000"/>
                   </a:solidFill>
@@ -14291,7 +14303,7 @@
             </a:ln>
             <a:extLst>
               <a:ext uri="{91240B29-F687-4f45-9708-019B960494DF}">
-                <a14:hiddenLine xmlns:p14="http://schemas.microsoft.com/office/powerpoint/2010/main" xmlns:a14="http://schemas.microsoft.com/office/drawing/2010/main" xmlns:a16="http://schemas.microsoft.com/office/drawing/2014/main" xmlns="" w="9525">
+                <a14:hiddenLine xmlns="" xmlns:a16="http://schemas.microsoft.com/office/drawing/2014/main" xmlns:a14="http://schemas.microsoft.com/office/drawing/2010/main" xmlns:p14="http://schemas.microsoft.com/office/powerpoint/2010/main" w="9525">
                   <a:solidFill>
                     <a:srgbClr val="000000"/>
                   </a:solidFill>
@@ -14340,7 +14352,7 @@
             </a:ln>
             <a:extLst>
               <a:ext uri="{91240B29-F687-4f45-9708-019B960494DF}">
-                <a14:hiddenLine xmlns:p14="http://schemas.microsoft.com/office/powerpoint/2010/main" xmlns:a14="http://schemas.microsoft.com/office/drawing/2010/main" xmlns:a16="http://schemas.microsoft.com/office/drawing/2014/main" xmlns="" w="9525">
+                <a14:hiddenLine xmlns="" xmlns:a16="http://schemas.microsoft.com/office/drawing/2014/main" xmlns:a14="http://schemas.microsoft.com/office/drawing/2010/main" xmlns:p14="http://schemas.microsoft.com/office/powerpoint/2010/main" w="9525">
                   <a:solidFill>
                     <a:srgbClr val="000000"/>
                   </a:solidFill>
@@ -14445,7 +14457,7 @@
             </a:ln>
             <a:extLst>
               <a:ext uri="{91240B29-F687-4f45-9708-019B960494DF}">
-                <a14:hiddenLine xmlns:p14="http://schemas.microsoft.com/office/powerpoint/2010/main" xmlns:a14="http://schemas.microsoft.com/office/drawing/2010/main" xmlns:a16="http://schemas.microsoft.com/office/drawing/2014/main" xmlns="" w="9525">
+                <a14:hiddenLine xmlns="" xmlns:a16="http://schemas.microsoft.com/office/drawing/2014/main" xmlns:a14="http://schemas.microsoft.com/office/drawing/2010/main" xmlns:p14="http://schemas.microsoft.com/office/powerpoint/2010/main" w="9525">
                   <a:solidFill>
                     <a:srgbClr val="000000"/>
                   </a:solidFill>
@@ -14522,7 +14534,7 @@
             </a:ln>
             <a:extLst>
               <a:ext uri="{91240B29-F687-4f45-9708-019B960494DF}">
-                <a14:hiddenLine xmlns:p14="http://schemas.microsoft.com/office/powerpoint/2010/main" xmlns:a14="http://schemas.microsoft.com/office/drawing/2010/main" xmlns:a16="http://schemas.microsoft.com/office/drawing/2014/main" xmlns="" w="9525">
+                <a14:hiddenLine xmlns="" xmlns:a16="http://schemas.microsoft.com/office/drawing/2014/main" xmlns:a14="http://schemas.microsoft.com/office/drawing/2010/main" xmlns:p14="http://schemas.microsoft.com/office/powerpoint/2010/main" w="9525">
                   <a:solidFill>
                     <a:srgbClr val="000000"/>
                   </a:solidFill>
@@ -14599,7 +14611,7 @@
             </a:ln>
             <a:extLst>
               <a:ext uri="{91240B29-F687-4f45-9708-019B960494DF}">
-                <a14:hiddenLine xmlns:p14="http://schemas.microsoft.com/office/powerpoint/2010/main" xmlns:a14="http://schemas.microsoft.com/office/drawing/2010/main" xmlns:a16="http://schemas.microsoft.com/office/drawing/2014/main" xmlns="" w="9525">
+                <a14:hiddenLine xmlns="" xmlns:a16="http://schemas.microsoft.com/office/drawing/2014/main" xmlns:a14="http://schemas.microsoft.com/office/drawing/2010/main" xmlns:p14="http://schemas.microsoft.com/office/powerpoint/2010/main" w="9525">
                   <a:solidFill>
                     <a:srgbClr val="000000"/>
                   </a:solidFill>
@@ -14704,7 +14716,7 @@
             </a:ln>
             <a:extLst>
               <a:ext uri="{91240B29-F687-4f45-9708-019B960494DF}">
-                <a14:hiddenLine xmlns:p14="http://schemas.microsoft.com/office/powerpoint/2010/main" xmlns:a14="http://schemas.microsoft.com/office/drawing/2010/main" xmlns:a16="http://schemas.microsoft.com/office/drawing/2014/main" xmlns="" w="9525">
+                <a14:hiddenLine xmlns="" xmlns:a16="http://schemas.microsoft.com/office/drawing/2014/main" xmlns:a14="http://schemas.microsoft.com/office/drawing/2010/main" xmlns:p14="http://schemas.microsoft.com/office/powerpoint/2010/main" w="9525">
                   <a:solidFill>
                     <a:srgbClr val="000000"/>
                   </a:solidFill>
@@ -14781,7 +14793,7 @@
             </a:ln>
             <a:extLst>
               <a:ext uri="{91240B29-F687-4f45-9708-019B960494DF}">
-                <a14:hiddenLine xmlns:p14="http://schemas.microsoft.com/office/powerpoint/2010/main" xmlns:a14="http://schemas.microsoft.com/office/drawing/2010/main" xmlns:a16="http://schemas.microsoft.com/office/drawing/2014/main" xmlns="" w="9525">
+                <a14:hiddenLine xmlns="" xmlns:a16="http://schemas.microsoft.com/office/drawing/2014/main" xmlns:a14="http://schemas.microsoft.com/office/drawing/2010/main" xmlns:p14="http://schemas.microsoft.com/office/powerpoint/2010/main" w="9525">
                   <a:solidFill>
                     <a:srgbClr val="000000"/>
                   </a:solidFill>
@@ -14858,7 +14870,7 @@
             </a:ln>
             <a:extLst>
               <a:ext uri="{91240B29-F687-4f45-9708-019B960494DF}">
-                <a14:hiddenLine xmlns:p14="http://schemas.microsoft.com/office/powerpoint/2010/main" xmlns:a14="http://schemas.microsoft.com/office/drawing/2010/main" xmlns:a16="http://schemas.microsoft.com/office/drawing/2014/main" xmlns="" w="9525">
+                <a14:hiddenLine xmlns="" xmlns:a16="http://schemas.microsoft.com/office/drawing/2014/main" xmlns:a14="http://schemas.microsoft.com/office/drawing/2010/main" xmlns:p14="http://schemas.microsoft.com/office/powerpoint/2010/main" w="9525">
                   <a:solidFill>
                     <a:srgbClr val="000000"/>
                   </a:solidFill>
@@ -14963,7 +14975,7 @@
             </a:ln>
             <a:extLst>
               <a:ext uri="{91240B29-F687-4f45-9708-019B960494DF}">
-                <a14:hiddenLine xmlns:p14="http://schemas.microsoft.com/office/powerpoint/2010/main" xmlns:a14="http://schemas.microsoft.com/office/drawing/2010/main" xmlns:a16="http://schemas.microsoft.com/office/drawing/2014/main" xmlns="" w="9525">
+                <a14:hiddenLine xmlns="" xmlns:a16="http://schemas.microsoft.com/office/drawing/2014/main" xmlns:a14="http://schemas.microsoft.com/office/drawing/2010/main" xmlns:p14="http://schemas.microsoft.com/office/powerpoint/2010/main" w="9525">
                   <a:solidFill>
                     <a:srgbClr val="000000"/>
                   </a:solidFill>
@@ -15068,7 +15080,7 @@
             </a:ln>
             <a:extLst>
               <a:ext uri="{91240B29-F687-4f45-9708-019B960494DF}">
-                <a14:hiddenLine xmlns:p14="http://schemas.microsoft.com/office/powerpoint/2010/main" xmlns:a14="http://schemas.microsoft.com/office/drawing/2010/main" xmlns:a16="http://schemas.microsoft.com/office/drawing/2014/main" xmlns="" w="9525">
+                <a14:hiddenLine xmlns="" xmlns:a16="http://schemas.microsoft.com/office/drawing/2014/main" xmlns:a14="http://schemas.microsoft.com/office/drawing/2010/main" xmlns:p14="http://schemas.microsoft.com/office/powerpoint/2010/main" w="9525">
                   <a:solidFill>
                     <a:srgbClr val="000000"/>
                   </a:solidFill>
@@ -15145,7 +15157,7 @@
             </a:ln>
             <a:extLst>
               <a:ext uri="{91240B29-F687-4f45-9708-019B960494DF}">
-                <a14:hiddenLine xmlns:p14="http://schemas.microsoft.com/office/powerpoint/2010/main" xmlns:a14="http://schemas.microsoft.com/office/drawing/2010/main" xmlns:a16="http://schemas.microsoft.com/office/drawing/2014/main" xmlns="" w="9525">
+                <a14:hiddenLine xmlns="" xmlns:a16="http://schemas.microsoft.com/office/drawing/2014/main" xmlns:a14="http://schemas.microsoft.com/office/drawing/2010/main" xmlns:p14="http://schemas.microsoft.com/office/powerpoint/2010/main" w="9525">
                   <a:solidFill>
                     <a:srgbClr val="000000"/>
                   </a:solidFill>
@@ -15270,7 +15282,7 @@
             </a:ln>
             <a:extLst>
               <a:ext uri="{91240B29-F687-4f45-9708-019B960494DF}">
-                <a14:hiddenLine xmlns:p14="http://schemas.microsoft.com/office/powerpoint/2010/main" xmlns:a14="http://schemas.microsoft.com/office/drawing/2010/main" xmlns:a16="http://schemas.microsoft.com/office/drawing/2014/main" xmlns="" w="9525">
+                <a14:hiddenLine xmlns="" xmlns:a16="http://schemas.microsoft.com/office/drawing/2014/main" xmlns:a14="http://schemas.microsoft.com/office/drawing/2010/main" xmlns:p14="http://schemas.microsoft.com/office/powerpoint/2010/main" w="9525">
                   <a:solidFill>
                     <a:srgbClr val="000000"/>
                   </a:solidFill>
@@ -15347,7 +15359,7 @@
             </a:ln>
             <a:extLst>
               <a:ext uri="{91240B29-F687-4f45-9708-019B960494DF}">
-                <a14:hiddenLine xmlns:p14="http://schemas.microsoft.com/office/powerpoint/2010/main" xmlns:a14="http://schemas.microsoft.com/office/drawing/2010/main" xmlns:a16="http://schemas.microsoft.com/office/drawing/2014/main" xmlns="" w="9525">
+                <a14:hiddenLine xmlns="" xmlns:a16="http://schemas.microsoft.com/office/drawing/2014/main" xmlns:a14="http://schemas.microsoft.com/office/drawing/2010/main" xmlns:p14="http://schemas.microsoft.com/office/powerpoint/2010/main" w="9525">
                   <a:solidFill>
                     <a:srgbClr val="000000"/>
                   </a:solidFill>
@@ -15452,7 +15464,7 @@
             </a:ln>
             <a:extLst>
               <a:ext uri="{91240B29-F687-4f45-9708-019B960494DF}">
-                <a14:hiddenLine xmlns:p14="http://schemas.microsoft.com/office/powerpoint/2010/main" xmlns:a14="http://schemas.microsoft.com/office/drawing/2010/main" xmlns:a16="http://schemas.microsoft.com/office/drawing/2014/main" xmlns="" w="9525">
+                <a14:hiddenLine xmlns="" xmlns:a16="http://schemas.microsoft.com/office/drawing/2014/main" xmlns:a14="http://schemas.microsoft.com/office/drawing/2010/main" xmlns:p14="http://schemas.microsoft.com/office/powerpoint/2010/main" w="9525">
                   <a:solidFill>
                     <a:srgbClr val="000000"/>
                   </a:solidFill>
@@ -15557,7 +15569,7 @@
             </a:ln>
             <a:extLst>
               <a:ext uri="{91240B29-F687-4f45-9708-019B960494DF}">
-                <a14:hiddenLine xmlns:p14="http://schemas.microsoft.com/office/powerpoint/2010/main" xmlns:a14="http://schemas.microsoft.com/office/drawing/2010/main" xmlns:a16="http://schemas.microsoft.com/office/drawing/2014/main" xmlns="" w="9525">
+                <a14:hiddenLine xmlns="" xmlns:a16="http://schemas.microsoft.com/office/drawing/2014/main" xmlns:a14="http://schemas.microsoft.com/office/drawing/2010/main" xmlns:p14="http://schemas.microsoft.com/office/powerpoint/2010/main" w="9525">
                   <a:solidFill>
                     <a:srgbClr val="000000"/>
                   </a:solidFill>
@@ -15634,7 +15646,7 @@
             </a:ln>
             <a:extLst>
               <a:ext uri="{91240B29-F687-4f45-9708-019B960494DF}">
-                <a14:hiddenLine xmlns:p14="http://schemas.microsoft.com/office/powerpoint/2010/main" xmlns:a14="http://schemas.microsoft.com/office/drawing/2010/main" xmlns:a16="http://schemas.microsoft.com/office/drawing/2014/main" xmlns="" w="9525">
+                <a14:hiddenLine xmlns="" xmlns:a16="http://schemas.microsoft.com/office/drawing/2014/main" xmlns:a14="http://schemas.microsoft.com/office/drawing/2010/main" xmlns:p14="http://schemas.microsoft.com/office/powerpoint/2010/main" w="9525">
                   <a:solidFill>
                     <a:srgbClr val="000000"/>
                   </a:solidFill>
@@ -15739,7 +15751,7 @@
             </a:ln>
             <a:extLst>
               <a:ext uri="{91240B29-F687-4f45-9708-019B960494DF}">
-                <a14:hiddenLine xmlns:p14="http://schemas.microsoft.com/office/powerpoint/2010/main" xmlns:a14="http://schemas.microsoft.com/office/drawing/2010/main" xmlns:a16="http://schemas.microsoft.com/office/drawing/2014/main" xmlns="" w="9525">
+                <a14:hiddenLine xmlns="" xmlns:a16="http://schemas.microsoft.com/office/drawing/2014/main" xmlns:a14="http://schemas.microsoft.com/office/drawing/2010/main" xmlns:p14="http://schemas.microsoft.com/office/powerpoint/2010/main" w="9525">
                   <a:solidFill>
                     <a:srgbClr val="000000"/>
                   </a:solidFill>
@@ -15844,7 +15856,7 @@
             </a:ln>
             <a:extLst>
               <a:ext uri="{91240B29-F687-4f45-9708-019B960494DF}">
-                <a14:hiddenLine xmlns:p14="http://schemas.microsoft.com/office/powerpoint/2010/main" xmlns:a14="http://schemas.microsoft.com/office/drawing/2010/main" xmlns:a16="http://schemas.microsoft.com/office/drawing/2014/main" xmlns="" w="9525">
+                <a14:hiddenLine xmlns="" xmlns:a16="http://schemas.microsoft.com/office/drawing/2014/main" xmlns:a14="http://schemas.microsoft.com/office/drawing/2010/main" xmlns:p14="http://schemas.microsoft.com/office/powerpoint/2010/main" w="9525">
                   <a:solidFill>
                     <a:srgbClr val="000000"/>
                   </a:solidFill>
@@ -15915,7 +15927,7 @@
             </a:ln>
             <a:extLst>
               <a:ext uri="{91240B29-F687-4f45-9708-019B960494DF}">
-                <a14:hiddenLine xmlns:p14="http://schemas.microsoft.com/office/powerpoint/2010/main" xmlns:a14="http://schemas.microsoft.com/office/drawing/2010/main" xmlns:a16="http://schemas.microsoft.com/office/drawing/2014/main" xmlns="" w="9525">
+                <a14:hiddenLine xmlns="" xmlns:a16="http://schemas.microsoft.com/office/drawing/2014/main" xmlns:a14="http://schemas.microsoft.com/office/drawing/2010/main" xmlns:p14="http://schemas.microsoft.com/office/powerpoint/2010/main" w="9525">
                   <a:solidFill>
                     <a:srgbClr val="000000"/>
                   </a:solidFill>
@@ -16020,7 +16032,7 @@
             </a:ln>
             <a:extLst>
               <a:ext uri="{91240B29-F687-4f45-9708-019B960494DF}">
-                <a14:hiddenLine xmlns:p14="http://schemas.microsoft.com/office/powerpoint/2010/main" xmlns:a14="http://schemas.microsoft.com/office/drawing/2010/main" xmlns:a16="http://schemas.microsoft.com/office/drawing/2014/main" xmlns="" w="9525">
+                <a14:hiddenLine xmlns="" xmlns:a16="http://schemas.microsoft.com/office/drawing/2014/main" xmlns:a14="http://schemas.microsoft.com/office/drawing/2010/main" xmlns:p14="http://schemas.microsoft.com/office/powerpoint/2010/main" w="9525">
                   <a:solidFill>
                     <a:srgbClr val="000000"/>
                   </a:solidFill>
@@ -16091,7 +16103,7 @@
             </a:ln>
             <a:extLst>
               <a:ext uri="{91240B29-F687-4f45-9708-019B960494DF}">
-                <a14:hiddenLine xmlns:p14="http://schemas.microsoft.com/office/powerpoint/2010/main" xmlns:a14="http://schemas.microsoft.com/office/drawing/2010/main" xmlns:a16="http://schemas.microsoft.com/office/drawing/2014/main" xmlns="" w="9525">
+                <a14:hiddenLine xmlns="" xmlns:a16="http://schemas.microsoft.com/office/drawing/2014/main" xmlns:a14="http://schemas.microsoft.com/office/drawing/2010/main" xmlns:p14="http://schemas.microsoft.com/office/powerpoint/2010/main" w="9525">
                   <a:solidFill>
                     <a:srgbClr val="000000"/>
                   </a:solidFill>
@@ -16196,7 +16208,7 @@
             </a:ln>
             <a:extLst>
               <a:ext uri="{91240B29-F687-4f45-9708-019B960494DF}">
-                <a14:hiddenLine xmlns:p14="http://schemas.microsoft.com/office/powerpoint/2010/main" xmlns:a14="http://schemas.microsoft.com/office/drawing/2010/main" xmlns:a16="http://schemas.microsoft.com/office/drawing/2014/main" xmlns="" w="9525">
+                <a14:hiddenLine xmlns="" xmlns:a16="http://schemas.microsoft.com/office/drawing/2014/main" xmlns:a14="http://schemas.microsoft.com/office/drawing/2010/main" xmlns:p14="http://schemas.microsoft.com/office/powerpoint/2010/main" w="9525">
                   <a:solidFill>
                     <a:srgbClr val="000000"/>
                   </a:solidFill>
@@ -16279,7 +16291,7 @@
             </a:ln>
             <a:extLst>
               <a:ext uri="{91240B29-F687-4f45-9708-019B960494DF}">
-                <a14:hiddenLine xmlns:p14="http://schemas.microsoft.com/office/powerpoint/2010/main" xmlns:a14="http://schemas.microsoft.com/office/drawing/2010/main" xmlns:a16="http://schemas.microsoft.com/office/drawing/2014/main" xmlns="" w="9525">
+                <a14:hiddenLine xmlns="" xmlns:a16="http://schemas.microsoft.com/office/drawing/2014/main" xmlns:a14="http://schemas.microsoft.com/office/drawing/2010/main" xmlns:p14="http://schemas.microsoft.com/office/powerpoint/2010/main" w="9525">
                   <a:solidFill>
                     <a:srgbClr val="000000"/>
                   </a:solidFill>
@@ -16384,7 +16396,7 @@
             </a:ln>
             <a:extLst>
               <a:ext uri="{91240B29-F687-4f45-9708-019B960494DF}">
-                <a14:hiddenLine xmlns:p14="http://schemas.microsoft.com/office/powerpoint/2010/main" xmlns:a14="http://schemas.microsoft.com/office/drawing/2010/main" xmlns:a16="http://schemas.microsoft.com/office/drawing/2014/main" xmlns="" w="9525">
+                <a14:hiddenLine xmlns="" xmlns:a16="http://schemas.microsoft.com/office/drawing/2014/main" xmlns:a14="http://schemas.microsoft.com/office/drawing/2010/main" xmlns:p14="http://schemas.microsoft.com/office/powerpoint/2010/main" w="9525">
                   <a:solidFill>
                     <a:srgbClr val="000000"/>
                   </a:solidFill>
@@ -16467,7 +16479,7 @@
             </a:ln>
             <a:extLst>
               <a:ext uri="{91240B29-F687-4f45-9708-019B960494DF}">
-                <a14:hiddenLine xmlns:p14="http://schemas.microsoft.com/office/powerpoint/2010/main" xmlns:a14="http://schemas.microsoft.com/office/drawing/2010/main" xmlns:a16="http://schemas.microsoft.com/office/drawing/2014/main" xmlns="" w="9525">
+                <a14:hiddenLine xmlns="" xmlns:a16="http://schemas.microsoft.com/office/drawing/2014/main" xmlns:a14="http://schemas.microsoft.com/office/drawing/2010/main" xmlns:p14="http://schemas.microsoft.com/office/powerpoint/2010/main" w="9525">
                   <a:solidFill>
                     <a:srgbClr val="000000"/>
                   </a:solidFill>
@@ -16572,7 +16584,7 @@
             </a:ln>
             <a:extLst>
               <a:ext uri="{91240B29-F687-4f45-9708-019B960494DF}">
-                <a14:hiddenLine xmlns:p14="http://schemas.microsoft.com/office/powerpoint/2010/main" xmlns:a14="http://schemas.microsoft.com/office/drawing/2010/main" xmlns:a16="http://schemas.microsoft.com/office/drawing/2014/main" xmlns="" w="9525">
+                <a14:hiddenLine xmlns="" xmlns:a16="http://schemas.microsoft.com/office/drawing/2014/main" xmlns:a14="http://schemas.microsoft.com/office/drawing/2010/main" xmlns:p14="http://schemas.microsoft.com/office/powerpoint/2010/main" w="9525">
                   <a:solidFill>
                     <a:srgbClr val="000000"/>
                   </a:solidFill>
@@ -16621,7 +16633,7 @@
             </a:ln>
             <a:extLst>
               <a:ext uri="{91240B29-F687-4f45-9708-019B960494DF}">
-                <a14:hiddenLine xmlns:p14="http://schemas.microsoft.com/office/powerpoint/2010/main" xmlns:a14="http://schemas.microsoft.com/office/drawing/2010/main" xmlns:a16="http://schemas.microsoft.com/office/drawing/2014/main" xmlns="" w="9525">
+                <a14:hiddenLine xmlns="" xmlns:a16="http://schemas.microsoft.com/office/drawing/2014/main" xmlns:a14="http://schemas.microsoft.com/office/drawing/2010/main" xmlns:p14="http://schemas.microsoft.com/office/powerpoint/2010/main" w="9525">
                   <a:solidFill>
                     <a:srgbClr val="000000"/>
                   </a:solidFill>
@@ -16726,7 +16738,7 @@
             </a:ln>
             <a:extLst>
               <a:ext uri="{91240B29-F687-4f45-9708-019B960494DF}">
-                <a14:hiddenLine xmlns:p14="http://schemas.microsoft.com/office/powerpoint/2010/main" xmlns:a14="http://schemas.microsoft.com/office/drawing/2010/main" xmlns:a16="http://schemas.microsoft.com/office/drawing/2014/main" xmlns="" w="9525">
+                <a14:hiddenLine xmlns="" xmlns:a16="http://schemas.microsoft.com/office/drawing/2014/main" xmlns:a14="http://schemas.microsoft.com/office/drawing/2010/main" xmlns:p14="http://schemas.microsoft.com/office/powerpoint/2010/main" w="9525">
                   <a:solidFill>
                     <a:srgbClr val="000000"/>
                   </a:solidFill>
@@ -16803,7 +16815,7 @@
             </a:ln>
             <a:extLst>
               <a:ext uri="{91240B29-F687-4f45-9708-019B960494DF}">
-                <a14:hiddenLine xmlns:p14="http://schemas.microsoft.com/office/powerpoint/2010/main" xmlns:a14="http://schemas.microsoft.com/office/drawing/2010/main" xmlns:a16="http://schemas.microsoft.com/office/drawing/2014/main" xmlns="" w="9525">
+                <a14:hiddenLine xmlns="" xmlns:a16="http://schemas.microsoft.com/office/drawing/2014/main" xmlns:a14="http://schemas.microsoft.com/office/drawing/2010/main" xmlns:p14="http://schemas.microsoft.com/office/powerpoint/2010/main" w="9525">
                   <a:solidFill>
                     <a:srgbClr val="000000"/>
                   </a:solidFill>
@@ -16880,7 +16892,7 @@
             </a:ln>
             <a:extLst>
               <a:ext uri="{91240B29-F687-4f45-9708-019B960494DF}">
-                <a14:hiddenLine xmlns:p14="http://schemas.microsoft.com/office/powerpoint/2010/main" xmlns:a14="http://schemas.microsoft.com/office/drawing/2010/main" xmlns:a16="http://schemas.microsoft.com/office/drawing/2014/main" xmlns="" w="9525">
+                <a14:hiddenLine xmlns="" xmlns:a16="http://schemas.microsoft.com/office/drawing/2014/main" xmlns:a14="http://schemas.microsoft.com/office/drawing/2010/main" xmlns:p14="http://schemas.microsoft.com/office/powerpoint/2010/main" w="9525">
                   <a:solidFill>
                     <a:srgbClr val="000000"/>
                   </a:solidFill>
@@ -16985,7 +16997,7 @@
             </a:ln>
             <a:extLst>
               <a:ext uri="{91240B29-F687-4f45-9708-019B960494DF}">
-                <a14:hiddenLine xmlns:p14="http://schemas.microsoft.com/office/powerpoint/2010/main" xmlns:a14="http://schemas.microsoft.com/office/drawing/2010/main" xmlns:a16="http://schemas.microsoft.com/office/drawing/2014/main" xmlns="" w="9525">
+                <a14:hiddenLine xmlns="" xmlns:a16="http://schemas.microsoft.com/office/drawing/2014/main" xmlns:a14="http://schemas.microsoft.com/office/drawing/2010/main" xmlns:p14="http://schemas.microsoft.com/office/powerpoint/2010/main" w="9525">
                   <a:solidFill>
                     <a:srgbClr val="000000"/>
                   </a:solidFill>
@@ -17068,7 +17080,7 @@
             </a:ln>
             <a:extLst>
               <a:ext uri="{91240B29-F687-4f45-9708-019B960494DF}">
-                <a14:hiddenLine xmlns:p14="http://schemas.microsoft.com/office/powerpoint/2010/main" xmlns:a14="http://schemas.microsoft.com/office/drawing/2010/main" xmlns:a16="http://schemas.microsoft.com/office/drawing/2014/main" xmlns="" w="9525">
+                <a14:hiddenLine xmlns="" xmlns:a16="http://schemas.microsoft.com/office/drawing/2014/main" xmlns:a14="http://schemas.microsoft.com/office/drawing/2010/main" xmlns:p14="http://schemas.microsoft.com/office/powerpoint/2010/main" w="9525">
                   <a:solidFill>
                     <a:srgbClr val="000000"/>
                   </a:solidFill>
@@ -17145,7 +17157,7 @@
             </a:ln>
             <a:extLst>
               <a:ext uri="{91240B29-F687-4f45-9708-019B960494DF}">
-                <a14:hiddenLine xmlns:p14="http://schemas.microsoft.com/office/powerpoint/2010/main" xmlns:a14="http://schemas.microsoft.com/office/drawing/2010/main" xmlns:a16="http://schemas.microsoft.com/office/drawing/2014/main" xmlns="" w="9525">
+                <a14:hiddenLine xmlns="" xmlns:a16="http://schemas.microsoft.com/office/drawing/2014/main" xmlns:a14="http://schemas.microsoft.com/office/drawing/2010/main" xmlns:p14="http://schemas.microsoft.com/office/powerpoint/2010/main" w="9525">
                   <a:solidFill>
                     <a:srgbClr val="000000"/>
                   </a:solidFill>
@@ -17250,7 +17262,7 @@
             </a:ln>
             <a:extLst>
               <a:ext uri="{91240B29-F687-4f45-9708-019B960494DF}">
-                <a14:hiddenLine xmlns:p14="http://schemas.microsoft.com/office/powerpoint/2010/main" xmlns:a14="http://schemas.microsoft.com/office/drawing/2010/main" xmlns:a16="http://schemas.microsoft.com/office/drawing/2014/main" xmlns="" w="9525">
+                <a14:hiddenLine xmlns="" xmlns:a16="http://schemas.microsoft.com/office/drawing/2014/main" xmlns:a14="http://schemas.microsoft.com/office/drawing/2010/main" xmlns:p14="http://schemas.microsoft.com/office/powerpoint/2010/main" w="9525">
                   <a:solidFill>
                     <a:srgbClr val="000000"/>
                   </a:solidFill>
@@ -17327,7 +17339,7 @@
             </a:ln>
             <a:extLst>
               <a:ext uri="{91240B29-F687-4f45-9708-019B960494DF}">
-                <a14:hiddenLine xmlns:p14="http://schemas.microsoft.com/office/powerpoint/2010/main" xmlns:a14="http://schemas.microsoft.com/office/drawing/2010/main" xmlns:a16="http://schemas.microsoft.com/office/drawing/2014/main" xmlns="" w="9525">
+                <a14:hiddenLine xmlns="" xmlns:a16="http://schemas.microsoft.com/office/drawing/2014/main" xmlns:a14="http://schemas.microsoft.com/office/drawing/2010/main" xmlns:p14="http://schemas.microsoft.com/office/powerpoint/2010/main" w="9525">
                   <a:solidFill>
                     <a:srgbClr val="000000"/>
                   </a:solidFill>
@@ -17432,7 +17444,7 @@
             </a:ln>
             <a:extLst>
               <a:ext uri="{91240B29-F687-4f45-9708-019B960494DF}">
-                <a14:hiddenLine xmlns:p14="http://schemas.microsoft.com/office/powerpoint/2010/main" xmlns:a14="http://schemas.microsoft.com/office/drawing/2010/main" xmlns:a16="http://schemas.microsoft.com/office/drawing/2014/main" xmlns="" w="9525">
+                <a14:hiddenLine xmlns="" xmlns:a16="http://schemas.microsoft.com/office/drawing/2014/main" xmlns:a14="http://schemas.microsoft.com/office/drawing/2010/main" xmlns:p14="http://schemas.microsoft.com/office/powerpoint/2010/main" w="9525">
                   <a:solidFill>
                     <a:srgbClr val="000000"/>
                   </a:solidFill>
@@ -17509,7 +17521,7 @@
             </a:ln>
             <a:extLst>
               <a:ext uri="{91240B29-F687-4f45-9708-019B960494DF}">
-                <a14:hiddenLine xmlns:p14="http://schemas.microsoft.com/office/powerpoint/2010/main" xmlns:a14="http://schemas.microsoft.com/office/drawing/2010/main" xmlns:a16="http://schemas.microsoft.com/office/drawing/2014/main" xmlns="" w="9525">
+                <a14:hiddenLine xmlns="" xmlns:a16="http://schemas.microsoft.com/office/drawing/2014/main" xmlns:a14="http://schemas.microsoft.com/office/drawing/2010/main" xmlns:p14="http://schemas.microsoft.com/office/powerpoint/2010/main" w="9525">
                   <a:solidFill>
                     <a:srgbClr val="000000"/>
                   </a:solidFill>
@@ -17614,7 +17626,7 @@
             </a:ln>
             <a:extLst>
               <a:ext uri="{91240B29-F687-4f45-9708-019B960494DF}">
-                <a14:hiddenLine xmlns:p14="http://schemas.microsoft.com/office/powerpoint/2010/main" xmlns:a14="http://schemas.microsoft.com/office/drawing/2010/main" xmlns:a16="http://schemas.microsoft.com/office/drawing/2014/main" xmlns="" w="9525">
+                <a14:hiddenLine xmlns="" xmlns:a16="http://schemas.microsoft.com/office/drawing/2014/main" xmlns:a14="http://schemas.microsoft.com/office/drawing/2010/main" xmlns:p14="http://schemas.microsoft.com/office/powerpoint/2010/main" w="9525">
                   <a:solidFill>
                     <a:srgbClr val="000000"/>
                   </a:solidFill>
@@ -17663,7 +17675,7 @@
             </a:ln>
             <a:extLst>
               <a:ext uri="{91240B29-F687-4f45-9708-019B960494DF}">
-                <a14:hiddenLine xmlns:p14="http://schemas.microsoft.com/office/powerpoint/2010/main" xmlns:a14="http://schemas.microsoft.com/office/drawing/2010/main" xmlns:a16="http://schemas.microsoft.com/office/drawing/2014/main" xmlns="" w="9525">
+                <a14:hiddenLine xmlns="" xmlns:a16="http://schemas.microsoft.com/office/drawing/2014/main" xmlns:a14="http://schemas.microsoft.com/office/drawing/2010/main" xmlns:p14="http://schemas.microsoft.com/office/powerpoint/2010/main" w="9525">
                   <a:solidFill>
                     <a:srgbClr val="000000"/>
                   </a:solidFill>
@@ -17743,7 +17755,7 @@
             </a:ln>
             <a:extLst>
               <a:ext uri="{91240B29-F687-4f45-9708-019B960494DF}">
-                <a14:hiddenLine xmlns:p14="http://schemas.microsoft.com/office/powerpoint/2010/main" xmlns:a14="http://schemas.microsoft.com/office/drawing/2010/main" xmlns:a16="http://schemas.microsoft.com/office/drawing/2014/main" xmlns="" w="9525">
+                <a14:hiddenLine xmlns="" xmlns:a16="http://schemas.microsoft.com/office/drawing/2014/main" xmlns:a14="http://schemas.microsoft.com/office/drawing/2010/main" xmlns:p14="http://schemas.microsoft.com/office/powerpoint/2010/main" w="9525">
                   <a:solidFill>
                     <a:srgbClr val="000000"/>
                   </a:solidFill>
@@ -17848,7 +17860,7 @@
             </a:ln>
             <a:extLst>
               <a:ext uri="{91240B29-F687-4f45-9708-019B960494DF}">
-                <a14:hiddenLine xmlns:p14="http://schemas.microsoft.com/office/powerpoint/2010/main" xmlns:a14="http://schemas.microsoft.com/office/drawing/2010/main" xmlns:a16="http://schemas.microsoft.com/office/drawing/2014/main" xmlns="" w="9525">
+                <a14:hiddenLine xmlns="" xmlns:a16="http://schemas.microsoft.com/office/drawing/2014/main" xmlns:a14="http://schemas.microsoft.com/office/drawing/2010/main" xmlns:p14="http://schemas.microsoft.com/office/powerpoint/2010/main" w="9525">
                   <a:solidFill>
                     <a:srgbClr val="000000"/>
                   </a:solidFill>
@@ -17925,7 +17937,7 @@
             </a:ln>
             <a:extLst>
               <a:ext uri="{91240B29-F687-4f45-9708-019B960494DF}">
-                <a14:hiddenLine xmlns:p14="http://schemas.microsoft.com/office/powerpoint/2010/main" xmlns:a14="http://schemas.microsoft.com/office/drawing/2010/main" xmlns:a16="http://schemas.microsoft.com/office/drawing/2014/main" xmlns="" w="9525">
+                <a14:hiddenLine xmlns="" xmlns:a16="http://schemas.microsoft.com/office/drawing/2014/main" xmlns:a14="http://schemas.microsoft.com/office/drawing/2010/main" xmlns:p14="http://schemas.microsoft.com/office/powerpoint/2010/main" w="9525">
                   <a:solidFill>
                     <a:srgbClr val="000000"/>
                   </a:solidFill>
@@ -18030,7 +18042,7 @@
             </a:ln>
             <a:extLst>
               <a:ext uri="{91240B29-F687-4f45-9708-019B960494DF}">
-                <a14:hiddenLine xmlns:p14="http://schemas.microsoft.com/office/powerpoint/2010/main" xmlns:a14="http://schemas.microsoft.com/office/drawing/2010/main" xmlns:a16="http://schemas.microsoft.com/office/drawing/2014/main" xmlns="" w="9525">
+                <a14:hiddenLine xmlns="" xmlns:a16="http://schemas.microsoft.com/office/drawing/2014/main" xmlns:a14="http://schemas.microsoft.com/office/drawing/2010/main" xmlns:p14="http://schemas.microsoft.com/office/powerpoint/2010/main" w="9525">
                   <a:solidFill>
                     <a:srgbClr val="000000"/>
                   </a:solidFill>
@@ -18135,7 +18147,7 @@
             </a:ln>
             <a:extLst>
               <a:ext uri="{91240B29-F687-4f45-9708-019B960494DF}">
-                <a14:hiddenLine xmlns:p14="http://schemas.microsoft.com/office/powerpoint/2010/main" xmlns:a14="http://schemas.microsoft.com/office/drawing/2010/main" xmlns:a16="http://schemas.microsoft.com/office/drawing/2014/main" xmlns="" w="9525">
+                <a14:hiddenLine xmlns="" xmlns:a16="http://schemas.microsoft.com/office/drawing/2014/main" xmlns:a14="http://schemas.microsoft.com/office/drawing/2010/main" xmlns:p14="http://schemas.microsoft.com/office/powerpoint/2010/main" w="9525">
                   <a:solidFill>
                     <a:srgbClr val="000000"/>
                   </a:solidFill>
@@ -18215,7 +18227,7 @@
             </a:ln>
             <a:extLst>
               <a:ext uri="{91240B29-F687-4f45-9708-019B960494DF}">
-                <a14:hiddenLine xmlns:p14="http://schemas.microsoft.com/office/powerpoint/2010/main" xmlns:a14="http://schemas.microsoft.com/office/drawing/2010/main" xmlns:a16="http://schemas.microsoft.com/office/drawing/2014/main" xmlns="" w="9525">
+                <a14:hiddenLine xmlns="" xmlns:a16="http://schemas.microsoft.com/office/drawing/2014/main" xmlns:a14="http://schemas.microsoft.com/office/drawing/2010/main" xmlns:p14="http://schemas.microsoft.com/office/powerpoint/2010/main" w="9525">
                   <a:solidFill>
                     <a:srgbClr val="000000"/>
                   </a:solidFill>
@@ -18292,7 +18304,7 @@
             </a:ln>
             <a:extLst>
               <a:ext uri="{91240B29-F687-4f45-9708-019B960494DF}">
-                <a14:hiddenLine xmlns:p14="http://schemas.microsoft.com/office/powerpoint/2010/main" xmlns:a14="http://schemas.microsoft.com/office/drawing/2010/main" xmlns:a16="http://schemas.microsoft.com/office/drawing/2014/main" xmlns="" w="9525">
+                <a14:hiddenLine xmlns="" xmlns:a16="http://schemas.microsoft.com/office/drawing/2014/main" xmlns:a14="http://schemas.microsoft.com/office/drawing/2010/main" xmlns:p14="http://schemas.microsoft.com/office/powerpoint/2010/main" w="9525">
                   <a:solidFill>
                     <a:srgbClr val="000000"/>
                   </a:solidFill>
@@ -18397,7 +18409,7 @@
             </a:ln>
             <a:extLst>
               <a:ext uri="{91240B29-F687-4f45-9708-019B960494DF}">
-                <a14:hiddenLine xmlns:p14="http://schemas.microsoft.com/office/powerpoint/2010/main" xmlns:a14="http://schemas.microsoft.com/office/drawing/2010/main" xmlns:a16="http://schemas.microsoft.com/office/drawing/2014/main" xmlns="" w="9525">
+                <a14:hiddenLine xmlns="" xmlns:a16="http://schemas.microsoft.com/office/drawing/2014/main" xmlns:a14="http://schemas.microsoft.com/office/drawing/2010/main" xmlns:p14="http://schemas.microsoft.com/office/powerpoint/2010/main" w="9525">
                   <a:solidFill>
                     <a:srgbClr val="000000"/>
                   </a:solidFill>
@@ -18502,7 +18514,7 @@
             </a:ln>
             <a:extLst>
               <a:ext uri="{91240B29-F687-4f45-9708-019B960494DF}">
-                <a14:hiddenLine xmlns:p14="http://schemas.microsoft.com/office/powerpoint/2010/main" xmlns:a14="http://schemas.microsoft.com/office/drawing/2010/main" xmlns:a16="http://schemas.microsoft.com/office/drawing/2014/main" xmlns="" w="9525">
+                <a14:hiddenLine xmlns="" xmlns:a16="http://schemas.microsoft.com/office/drawing/2014/main" xmlns:a14="http://schemas.microsoft.com/office/drawing/2010/main" xmlns:p14="http://schemas.microsoft.com/office/powerpoint/2010/main" w="9525">
                   <a:solidFill>
                     <a:srgbClr val="000000"/>
                   </a:solidFill>
@@ -18579,7 +18591,7 @@
             </a:ln>
             <a:extLst>
               <a:ext uri="{91240B29-F687-4f45-9708-019B960494DF}">
-                <a14:hiddenLine xmlns:p14="http://schemas.microsoft.com/office/powerpoint/2010/main" xmlns:a14="http://schemas.microsoft.com/office/drawing/2010/main" xmlns:a16="http://schemas.microsoft.com/office/drawing/2014/main" xmlns="" w="9525">
+                <a14:hiddenLine xmlns="" xmlns:a16="http://schemas.microsoft.com/office/drawing/2014/main" xmlns:a14="http://schemas.microsoft.com/office/drawing/2010/main" xmlns:p14="http://schemas.microsoft.com/office/powerpoint/2010/main" w="9525">
                   <a:solidFill>
                     <a:srgbClr val="000000"/>
                   </a:solidFill>
@@ -18714,7 +18726,7 @@
             </a:ln>
             <a:extLst>
               <a:ext uri="{91240B29-F687-4f45-9708-019B960494DF}">
-                <a14:hiddenLine xmlns:p14="http://schemas.microsoft.com/office/powerpoint/2010/main" xmlns:a14="http://schemas.microsoft.com/office/drawing/2010/main" xmlns:a16="http://schemas.microsoft.com/office/drawing/2014/main" xmlns="" w="9525">
+                <a14:hiddenLine xmlns="" xmlns:a16="http://schemas.microsoft.com/office/drawing/2014/main" xmlns:a14="http://schemas.microsoft.com/office/drawing/2010/main" xmlns:p14="http://schemas.microsoft.com/office/powerpoint/2010/main" w="9525">
                   <a:solidFill>
                     <a:srgbClr val="000000"/>
                   </a:solidFill>
@@ -18797,7 +18809,7 @@
             </a:ln>
             <a:extLst>
               <a:ext uri="{91240B29-F687-4f45-9708-019B960494DF}">
-                <a14:hiddenLine xmlns:p14="http://schemas.microsoft.com/office/powerpoint/2010/main" xmlns:a14="http://schemas.microsoft.com/office/drawing/2010/main" xmlns:a16="http://schemas.microsoft.com/office/drawing/2014/main" xmlns="" w="9525">
+                <a14:hiddenLine xmlns="" xmlns:a16="http://schemas.microsoft.com/office/drawing/2014/main" xmlns:a14="http://schemas.microsoft.com/office/drawing/2010/main" xmlns:p14="http://schemas.microsoft.com/office/powerpoint/2010/main" w="9525">
                   <a:solidFill>
                     <a:srgbClr val="000000"/>
                   </a:solidFill>
@@ -18902,7 +18914,7 @@
             </a:ln>
             <a:extLst>
               <a:ext uri="{91240B29-F687-4f45-9708-019B960494DF}">
-                <a14:hiddenLine xmlns:p14="http://schemas.microsoft.com/office/powerpoint/2010/main" xmlns:a14="http://schemas.microsoft.com/office/drawing/2010/main" xmlns:a16="http://schemas.microsoft.com/office/drawing/2014/main" xmlns="" w="9525">
+                <a14:hiddenLine xmlns="" xmlns:a16="http://schemas.microsoft.com/office/drawing/2014/main" xmlns:a14="http://schemas.microsoft.com/office/drawing/2010/main" xmlns:p14="http://schemas.microsoft.com/office/powerpoint/2010/main" w="9525">
                   <a:solidFill>
                     <a:srgbClr val="000000"/>
                   </a:solidFill>
@@ -19098,51 +19110,6 @@
           </a:extLst>
         </p:spPr>
       </p:pic>
-      <p:sp>
-        <p:nvSpPr>
-          <p:cNvPr id="7" name="Slide Number Placeholder 3"/>
-          <p:cNvSpPr>
-            <a:spLocks noGrp="1"/>
-          </p:cNvSpPr>
-          <p:nvPr>
-            <p:ph type="sldNum" sz="quarter" idx="4294967295"/>
-          </p:nvPr>
-        </p:nvSpPr>
-        <p:spPr>
-          <a:xfrm>
-            <a:off x="9896911" y="6309360"/>
-            <a:ext cx="771089" cy="365125"/>
-          </a:xfrm>
-          <a:prstGeom prst="rect">
-            <a:avLst/>
-          </a:prstGeom>
-        </p:spPr>
-        <p:txBody>
-          <a:bodyPr vert="horz" lIns="91440" tIns="45720" rIns="91440" bIns="45720" rtlCol="0" anchor="ctr">
-            <a:normAutofit/>
-          </a:bodyPr>
-          <a:lstStyle/>
-          <a:p>
-            <a:pPr>
-              <a:spcAft>
-                <a:spcPts val="600"/>
-              </a:spcAft>
-              <a:defRPr/>
-            </a:pPr>
-            <a:fld id="{58452FF4-89E3-4D1B-9927-2DBDC00E58D7}" type="slidenum">
-              <a:rPr lang="en-US" smtClean="0"/>
-              <a:pPr>
-                <a:spcAft>
-                  <a:spcPts val="600"/>
-                </a:spcAft>
-                <a:defRPr/>
-              </a:pPr>
-              <a:t>2</a:t>
-            </a:fld>
-            <a:endParaRPr lang="en-US"/>
-          </a:p>
-        </p:txBody>
-      </p:sp>
       <p:sp>
         <p:nvSpPr>
           <p:cNvPr id="140" name="Content Placeholder 4">
@@ -19388,7 +19355,7 @@
         <p:spPr>
           <a:xfrm>
             <a:off x="1504950" y="3406743"/>
-            <a:ext cx="4705630" cy="400110"/>
+            <a:ext cx="4705630" cy="1200329"/>
           </a:xfrm>
           <a:prstGeom prst="rect">
             <a:avLst/>
@@ -19402,43 +19369,158 @@
           <a:lstStyle/>
           <a:p>
             <a:r>
-              <a:rPr lang="bg-BG" sz="2000" dirty="0">
+              <a:rPr lang="ru-RU" sz="2400" dirty="0">
+                <a:latin typeface="Times New Roman" panose="02020603050405020304" pitchFamily="18" charset="0"/>
+                <a:ea typeface="Times New Roman" panose="02020603050405020304" pitchFamily="18" charset="0"/>
+                <a:cs typeface="Calibri" panose="020F0502020204030204" pitchFamily="34" charset="0"/>
+              </a:rPr>
+              <a:t>..</a:t>
+            </a:r>
+            <a:r>
+              <a:rPr lang="ru-RU" sz="2400" dirty="0" err="1">
+                <a:latin typeface="Times New Roman" panose="02020603050405020304" pitchFamily="18" charset="0"/>
+                <a:ea typeface="Times New Roman" panose="02020603050405020304" pitchFamily="18" charset="0"/>
+                <a:cs typeface="Calibri" panose="020F0502020204030204" pitchFamily="34" charset="0"/>
+              </a:rPr>
+              <a:t>и</a:t>
+            </a:r>
+            <a:r>
+              <a:rPr lang="ru-RU" sz="2400" dirty="0" err="1">
                 <a:effectLst/>
                 <a:latin typeface="Times New Roman" panose="02020603050405020304" pitchFamily="18" charset="0"/>
                 <a:ea typeface="Times New Roman" panose="02020603050405020304" pitchFamily="18" charset="0"/>
                 <a:cs typeface="Calibri" panose="020F0502020204030204" pitchFamily="34" charset="0"/>
               </a:rPr>
-              <a:t>Н</a:t>
+              <a:t>нтензивния</a:t>
             </a:r>
             <a:r>
-              <a:rPr lang="sl-SI" sz="2000" dirty="0">
+              <a:rPr lang="ru-RU" sz="2400" dirty="0">
                 <a:effectLst/>
                 <a:latin typeface="Times New Roman" panose="02020603050405020304" pitchFamily="18" charset="0"/>
                 <a:ea typeface="Times New Roman" panose="02020603050405020304" pitchFamily="18" charset="0"/>
                 <a:cs typeface="Calibri" panose="020F0502020204030204" pitchFamily="34" charset="0"/>
               </a:rPr>
-              <a:t>аучната мисъл</a:t>
+              <a:t> </a:t>
             </a:r>
             <a:r>
-              <a:rPr lang="bg-BG" sz="2000" dirty="0">
+              <a:rPr lang="ru-RU" sz="2400" dirty="0" err="1">
                 <a:effectLst/>
                 <a:latin typeface="Times New Roman" panose="02020603050405020304" pitchFamily="18" charset="0"/>
                 <a:ea typeface="Times New Roman" panose="02020603050405020304" pitchFamily="18" charset="0"/>
                 <a:cs typeface="Calibri" panose="020F0502020204030204" pitchFamily="34" charset="0"/>
               </a:rPr>
-              <a:t> и </a:t>
+              <a:t>растеж</a:t>
             </a:r>
             <a:r>
-              <a:rPr lang="sl-SI" sz="2000" dirty="0">
+              <a:rPr lang="ru-RU" sz="2400" dirty="0">
                 <a:effectLst/>
                 <a:latin typeface="Times New Roman" panose="02020603050405020304" pitchFamily="18" charset="0"/>
                 <a:ea typeface="Times New Roman" panose="02020603050405020304" pitchFamily="18" charset="0"/>
                 <a:cs typeface="Calibri" panose="020F0502020204030204" pitchFamily="34" charset="0"/>
               </a:rPr>
-              <a:t>приложното значение</a:t>
+              <a:t> на </a:t>
             </a:r>
             <a:r>
-              <a:rPr lang="bg-BG" sz="2000" dirty="0">
+              <a:rPr lang="ru-RU" sz="2400" dirty="0" err="1">
+                <a:effectLst/>
+                <a:latin typeface="Times New Roman" panose="02020603050405020304" pitchFamily="18" charset="0"/>
+                <a:ea typeface="Times New Roman" panose="02020603050405020304" pitchFamily="18" charset="0"/>
+                <a:cs typeface="Calibri" panose="020F0502020204030204" pitchFamily="34" charset="0"/>
+              </a:rPr>
+              <a:t>научната</a:t>
+            </a:r>
+            <a:r>
+              <a:rPr lang="ru-RU" sz="2400" dirty="0">
+                <a:effectLst/>
+                <a:latin typeface="Times New Roman" panose="02020603050405020304" pitchFamily="18" charset="0"/>
+                <a:ea typeface="Times New Roman" panose="02020603050405020304" pitchFamily="18" charset="0"/>
+                <a:cs typeface="Calibri" panose="020F0502020204030204" pitchFamily="34" charset="0"/>
+              </a:rPr>
+              <a:t> </a:t>
+            </a:r>
+            <a:r>
+              <a:rPr lang="ru-RU" sz="2400" dirty="0" err="1">
+                <a:effectLst/>
+                <a:latin typeface="Times New Roman" panose="02020603050405020304" pitchFamily="18" charset="0"/>
+                <a:ea typeface="Times New Roman" panose="02020603050405020304" pitchFamily="18" charset="0"/>
+                <a:cs typeface="Calibri" panose="020F0502020204030204" pitchFamily="34" charset="0"/>
+              </a:rPr>
+              <a:t>мисъл</a:t>
+            </a:r>
+            <a:r>
+              <a:rPr lang="ru-RU" sz="2400" dirty="0">
+                <a:effectLst/>
+                <a:latin typeface="Times New Roman" panose="02020603050405020304" pitchFamily="18" charset="0"/>
+                <a:ea typeface="Times New Roman" panose="02020603050405020304" pitchFamily="18" charset="0"/>
+                <a:cs typeface="Calibri" panose="020F0502020204030204" pitchFamily="34" charset="0"/>
+              </a:rPr>
+              <a:t>, </a:t>
+            </a:r>
+            <a:r>
+              <a:rPr lang="ru-RU" sz="2400" dirty="0" err="1">
+                <a:effectLst/>
+                <a:latin typeface="Times New Roman" panose="02020603050405020304" pitchFamily="18" charset="0"/>
+                <a:ea typeface="Times New Roman" panose="02020603050405020304" pitchFamily="18" charset="0"/>
+                <a:cs typeface="Calibri" panose="020F0502020204030204" pitchFamily="34" charset="0"/>
+              </a:rPr>
+              <a:t>извеждащ</a:t>
+            </a:r>
+            <a:r>
+              <a:rPr lang="ru-RU" sz="2400" dirty="0">
+                <a:effectLst/>
+                <a:latin typeface="Times New Roman" panose="02020603050405020304" pitchFamily="18" charset="0"/>
+                <a:ea typeface="Times New Roman" panose="02020603050405020304" pitchFamily="18" charset="0"/>
+                <a:cs typeface="Calibri" panose="020F0502020204030204" pitchFamily="34" charset="0"/>
+              </a:rPr>
+              <a:t> на </a:t>
+            </a:r>
+            <a:r>
+              <a:rPr lang="ru-RU" sz="2400" dirty="0" err="1">
+                <a:effectLst/>
+                <a:latin typeface="Times New Roman" panose="02020603050405020304" pitchFamily="18" charset="0"/>
+                <a:ea typeface="Times New Roman" panose="02020603050405020304" pitchFamily="18" charset="0"/>
+                <a:cs typeface="Calibri" panose="020F0502020204030204" pitchFamily="34" charset="0"/>
+              </a:rPr>
+              <a:t>преден</a:t>
+            </a:r>
+            <a:r>
+              <a:rPr lang="ru-RU" sz="2400" dirty="0">
+                <a:effectLst/>
+                <a:latin typeface="Times New Roman" panose="02020603050405020304" pitchFamily="18" charset="0"/>
+                <a:ea typeface="Times New Roman" panose="02020603050405020304" pitchFamily="18" charset="0"/>
+                <a:cs typeface="Calibri" panose="020F0502020204030204" pitchFamily="34" charset="0"/>
+              </a:rPr>
+              <a:t> план </a:t>
+            </a:r>
+            <a:r>
+              <a:rPr lang="ru-RU" sz="2400" dirty="0" err="1">
+                <a:effectLst/>
+                <a:latin typeface="Times New Roman" panose="02020603050405020304" pitchFamily="18" charset="0"/>
+                <a:ea typeface="Times New Roman" panose="02020603050405020304" pitchFamily="18" charset="0"/>
+                <a:cs typeface="Calibri" panose="020F0502020204030204" pitchFamily="34" charset="0"/>
+              </a:rPr>
+              <a:t>приложното</a:t>
+            </a:r>
+            <a:r>
+              <a:rPr lang="ru-RU" sz="2400" dirty="0">
+                <a:effectLst/>
+                <a:latin typeface="Times New Roman" panose="02020603050405020304" pitchFamily="18" charset="0"/>
+                <a:ea typeface="Times New Roman" panose="02020603050405020304" pitchFamily="18" charset="0"/>
+                <a:cs typeface="Calibri" panose="020F0502020204030204" pitchFamily="34" charset="0"/>
+              </a:rPr>
+              <a:t> значение на </a:t>
+            </a:r>
+            <a:r>
+              <a:rPr lang="ru-RU" sz="2400" dirty="0" err="1">
+                <a:effectLst/>
+                <a:latin typeface="Times New Roman" panose="02020603050405020304" pitchFamily="18" charset="0"/>
+                <a:ea typeface="Times New Roman" panose="02020603050405020304" pitchFamily="18" charset="0"/>
+                <a:cs typeface="Calibri" panose="020F0502020204030204" pitchFamily="34" charset="0"/>
+              </a:rPr>
+              <a:t>науката</a:t>
+            </a:r>
+            <a:r>
+              <a:rPr lang="ru-RU" sz="2400" dirty="0">
                 <a:effectLst/>
                 <a:latin typeface="Times New Roman" panose="02020603050405020304" pitchFamily="18" charset="0"/>
                 <a:ea typeface="Times New Roman" panose="02020603050405020304" pitchFamily="18" charset="0"/>
@@ -19446,7 +19528,7 @@
               </a:rPr>
               <a:t>.</a:t>
             </a:r>
-            <a:endParaRPr lang="en-US" sz="2000" dirty="0"/>
+            <a:endParaRPr lang="en-US" sz="2400" dirty="0"/>
           </a:p>
         </p:txBody>
       </p:sp>
@@ -19460,12 +19542,32 @@
   <p:clrMapOvr>
     <a:masterClrMapping/>
   </p:clrMapOvr>
+  <mc:AlternateContent xmlns:mc="http://schemas.openxmlformats.org/markup-compatibility/2006">
+    <mc:Choice xmlns:p14="http://schemas.microsoft.com/office/powerpoint/2010/main" Requires="p14">
+      <p:transition spd="med" p14:dur="700">
+        <p:fade/>
+      </p:transition>
+    </mc:Choice>
+    <mc:Fallback>
+      <p:transition spd="med">
+        <p:fade/>
+      </p:transition>
+    </mc:Fallback>
+  </mc:AlternateContent>
 </p:sld>
 </file>
 
 <file path=ppt/slides/slide3.xml><?xml version="1.0" encoding="utf-8"?>
 <p:sld xmlns:a="http://schemas.openxmlformats.org/drawingml/2006/main" xmlns:r="http://schemas.openxmlformats.org/officeDocument/2006/relationships" xmlns:p="http://schemas.openxmlformats.org/presentationml/2006/main">
   <p:cSld>
+    <p:bg>
+      <p:bgPr>
+        <a:solidFill>
+          <a:schemeClr val="bg1"/>
+        </a:solidFill>
+        <a:effectLst/>
+      </p:bgPr>
+    </p:bg>
     <p:spTree>
       <p:nvGrpSpPr>
         <p:cNvPr id="1" name=""/>
@@ -19482,6 +19584,3548 @@
       </p:grpSpPr>
       <p:sp>
         <p:nvSpPr>
+          <p:cNvPr id="12" name="Rectangle 11">
+            <a:extLst>
+              <a:ext uri="{FF2B5EF4-FFF2-40B4-BE49-F238E27FC236}">
+                <a16:creationId xmlns:a16="http://schemas.microsoft.com/office/drawing/2014/main" id="{046B922C-5BA7-4973-B12F-71A509E4BF13}"/>
+              </a:ext>
+              <a:ext uri="{C183D7F6-B498-43B3-948B-1728B52AA6E4}">
+                <adec:decorative xmlns:adec="http://schemas.microsoft.com/office/drawing/2017/decorative" val="1"/>
+              </a:ext>
+            </a:extLst>
+          </p:cNvPr>
+          <p:cNvSpPr>
+            <a:spLocks noGrp="1" noRot="1" noChangeAspect="1" noMove="1" noResize="1" noEditPoints="1" noAdjustHandles="1" noChangeArrowheads="1" noChangeShapeType="1" noTextEdit="1"/>
+          </p:cNvSpPr>
+          <p:nvPr>
+            <p:extLst>
+              <p:ext uri="{386F3935-93C4-4BCD-93E2-E3B085C9AB24}">
+                <p16:designElem xmlns:p16="http://schemas.microsoft.com/office/powerpoint/2015/main" val="1"/>
+              </p:ext>
+            </p:extLst>
+          </p:nvPr>
+        </p:nvSpPr>
+        <p:spPr>
+          <a:xfrm>
+            <a:off x="0" y="0"/>
+            <a:ext cx="12192000" cy="6858000"/>
+          </a:xfrm>
+          <a:prstGeom prst="rect">
+            <a:avLst/>
+          </a:prstGeom>
+          <a:ln>
+            <a:noFill/>
+          </a:ln>
+        </p:spPr>
+        <p:style>
+          <a:lnRef idx="2">
+            <a:schemeClr val="accent1">
+              <a:shade val="50000"/>
+            </a:schemeClr>
+          </a:lnRef>
+          <a:fillRef idx="1003">
+            <a:schemeClr val="dk2"/>
+          </a:fillRef>
+          <a:effectRef idx="0">
+            <a:schemeClr val="accent1"/>
+          </a:effectRef>
+          <a:fontRef idx="minor">
+            <a:schemeClr val="lt1"/>
+          </a:fontRef>
+        </p:style>
+        <p:txBody>
+          <a:bodyPr rtlCol="0" anchor="ctr"/>
+          <a:lstStyle/>
+          <a:p>
+            <a:pPr algn="ctr"/>
+            <a:endParaRPr lang="en-US"/>
+          </a:p>
+        </p:txBody>
+      </p:sp>
+      <p:grpSp>
+        <p:nvGrpSpPr>
+          <p:cNvPr id="14" name="Group 13">
+            <a:extLst>
+              <a:ext uri="{FF2B5EF4-FFF2-40B4-BE49-F238E27FC236}">
+                <a16:creationId xmlns:a16="http://schemas.microsoft.com/office/drawing/2014/main" id="{96D34D8D-9EE9-4659-8C22-7551A95F96FA}"/>
+              </a:ext>
+              <a:ext uri="{C183D7F6-B498-43B3-948B-1728B52AA6E4}">
+                <adec:decorative xmlns:adec="http://schemas.microsoft.com/office/drawing/2017/decorative" val="1"/>
+              </a:ext>
+            </a:extLst>
+          </p:cNvPr>
+          <p:cNvGrpSpPr>
+            <a:grpSpLocks noGrp="1" noUngrp="1" noRot="1" noChangeAspect="1" noMove="1" noResize="1"/>
+          </p:cNvGrpSpPr>
+          <p:nvPr>
+            <p:extLst>
+              <p:ext uri="{386F3935-93C4-4BCD-93E2-E3B085C9AB24}">
+                <p16:designElem xmlns:p16="http://schemas.microsoft.com/office/powerpoint/2015/main" val="1"/>
+              </p:ext>
+            </p:extLst>
+          </p:nvPr>
+        </p:nvGrpSpPr>
+        <p:grpSpPr>
+          <a:xfrm>
+            <a:off x="0" y="0"/>
+            <a:ext cx="11902285" cy="6858001"/>
+            <a:chOff x="0" y="0"/>
+            <a:chExt cx="11902285" cy="6858001"/>
+          </a:xfrm>
+        </p:grpSpPr>
+        <p:grpSp>
+          <p:nvGrpSpPr>
+            <p:cNvPr id="15" name="Group 14">
+              <a:extLst>
+                <a:ext uri="{FF2B5EF4-FFF2-40B4-BE49-F238E27FC236}">
+                  <a16:creationId xmlns:a16="http://schemas.microsoft.com/office/drawing/2014/main" id="{3CA93C16-1147-4EB3-B4E7-3C43102494D0}"/>
+                </a:ext>
+                <a:ext uri="{C183D7F6-B498-43B3-948B-1728B52AA6E4}">
+                  <adec:decorative xmlns:adec="http://schemas.microsoft.com/office/drawing/2017/decorative" val="1"/>
+                </a:ext>
+              </a:extLst>
+            </p:cNvPr>
+            <p:cNvGrpSpPr/>
+            <p:nvPr>
+              <p:extLst>
+                <p:ext uri="{386F3935-93C4-4BCD-93E2-E3B085C9AB24}">
+                  <p16:designElem xmlns:p16="http://schemas.microsoft.com/office/powerpoint/2015/main" val="1"/>
+                </p:ext>
+              </p:extLst>
+            </p:nvPr>
+          </p:nvGrpSpPr>
+          <p:grpSpPr>
+            <a:xfrm>
+              <a:off x="0" y="0"/>
+              <a:ext cx="1220788" cy="6858001"/>
+              <a:chOff x="-14288" y="0"/>
+              <a:chExt cx="1220788" cy="6858001"/>
+            </a:xfrm>
+            <a:gradFill flip="none" rotWithShape="1">
+              <a:gsLst>
+                <a:gs pos="0">
+                  <a:schemeClr val="bg2"/>
+                </a:gs>
+                <a:gs pos="100000">
+                  <a:schemeClr val="tx2">
+                    <a:lumMod val="60000"/>
+                    <a:lumOff val="40000"/>
+                  </a:schemeClr>
+                </a:gs>
+              </a:gsLst>
+              <a:lin ang="5400000" scaled="0"/>
+              <a:tileRect/>
+            </a:gradFill>
+          </p:grpSpPr>
+          <p:sp>
+            <p:nvSpPr>
+              <p:cNvPr id="27" name="Rectangle 5">
+                <a:extLst>
+                  <a:ext uri="{FF2B5EF4-FFF2-40B4-BE49-F238E27FC236}">
+                    <a16:creationId xmlns:a16="http://schemas.microsoft.com/office/drawing/2014/main" id="{C4779968-92AF-4B85-8C27-EBBFE1D69904}"/>
+                  </a:ext>
+                  <a:ext uri="{C183D7F6-B498-43B3-948B-1728B52AA6E4}">
+                    <adec:decorative xmlns:adec="http://schemas.microsoft.com/office/drawing/2017/decorative" val="1"/>
+                  </a:ext>
+                </a:extLst>
+              </p:cNvPr>
+              <p:cNvSpPr>
+                <a:spLocks noChangeArrowheads="1"/>
+              </p:cNvSpPr>
+              <p:nvPr>
+                <p:extLst>
+                  <p:ext uri="{386F3935-93C4-4BCD-93E2-E3B085C9AB24}">
+                    <p16:designElem xmlns:p16="http://schemas.microsoft.com/office/powerpoint/2015/main" val="1"/>
+                  </p:ext>
+                </p:extLst>
+              </p:nvPr>
+            </p:nvSpPr>
+            <p:spPr bwMode="auto">
+              <a:xfrm>
+                <a:off x="114300" y="4763"/>
+                <a:ext cx="23813" cy="2181225"/>
+              </a:xfrm>
+              <a:prstGeom prst="rect">
+                <a:avLst/>
+              </a:prstGeom>
+              <a:grpFill/>
+              <a:ln>
+                <a:noFill/>
+              </a:ln>
+              <a:extLst>
+                <a:ext uri="{91240B29-F687-4f45-9708-019B960494DF}">
+                  <a14:hiddenLine xmlns="" xmlns:a16="http://schemas.microsoft.com/office/drawing/2014/main" xmlns:p14="http://schemas.microsoft.com/office/powerpoint/2010/main" xmlns:a14="http://schemas.microsoft.com/office/drawing/2010/main" w="9525">
+                    <a:solidFill>
+                      <a:srgbClr val="000000"/>
+                    </a:solidFill>
+                    <a:miter lim="800000"/>
+                    <a:headEnd/>
+                    <a:tailEnd/>
+                  </a14:hiddenLine>
+                </a:ext>
+              </a:extLst>
+            </p:spPr>
+          </p:sp>
+          <p:sp>
+            <p:nvSpPr>
+              <p:cNvPr id="28" name="Freeform 6">
+                <a:extLst>
+                  <a:ext uri="{FF2B5EF4-FFF2-40B4-BE49-F238E27FC236}">
+                    <a16:creationId xmlns:a16="http://schemas.microsoft.com/office/drawing/2014/main" id="{2C43E18D-7024-4F17-A664-E23BFBC12B79}"/>
+                  </a:ext>
+                  <a:ext uri="{C183D7F6-B498-43B3-948B-1728B52AA6E4}">
+                    <adec:decorative xmlns:adec="http://schemas.microsoft.com/office/drawing/2017/decorative" val="1"/>
+                  </a:ext>
+                </a:extLst>
+              </p:cNvPr>
+              <p:cNvSpPr>
+                <a:spLocks noEditPoints="1"/>
+              </p:cNvSpPr>
+              <p:nvPr>
+                <p:extLst>
+                  <p:ext uri="{386F3935-93C4-4BCD-93E2-E3B085C9AB24}">
+                    <p16:designElem xmlns:p16="http://schemas.microsoft.com/office/powerpoint/2015/main" val="1"/>
+                  </p:ext>
+                </p:extLst>
+              </p:nvPr>
+            </p:nvSpPr>
+            <p:spPr bwMode="auto">
+              <a:xfrm>
+                <a:off x="33337" y="2176463"/>
+                <a:ext cx="190500" cy="190500"/>
+              </a:xfrm>
+              <a:custGeom>
+                <a:avLst/>
+                <a:gdLst/>
+                <a:ahLst/>
+                <a:cxnLst/>
+                <a:rect l="0" t="0" r="r" b="b"/>
+                <a:pathLst>
+                  <a:path w="40" h="40">
+                    <a:moveTo>
+                      <a:pt x="20" y="40"/>
+                    </a:moveTo>
+                    <a:cubicBezTo>
+                      <a:pt x="9" y="40"/>
+                      <a:pt x="0" y="31"/>
+                      <a:pt x="0" y="20"/>
+                    </a:cubicBezTo>
+                    <a:cubicBezTo>
+                      <a:pt x="0" y="9"/>
+                      <a:pt x="9" y="0"/>
+                      <a:pt x="20" y="0"/>
+                    </a:cubicBezTo>
+                    <a:cubicBezTo>
+                      <a:pt x="31" y="0"/>
+                      <a:pt x="40" y="9"/>
+                      <a:pt x="40" y="20"/>
+                    </a:cubicBezTo>
+                    <a:cubicBezTo>
+                      <a:pt x="40" y="31"/>
+                      <a:pt x="31" y="40"/>
+                      <a:pt x="20" y="40"/>
+                    </a:cubicBezTo>
+                    <a:close/>
+                    <a:moveTo>
+                      <a:pt x="20" y="4"/>
+                    </a:moveTo>
+                    <a:cubicBezTo>
+                      <a:pt x="11" y="4"/>
+                      <a:pt x="4" y="11"/>
+                      <a:pt x="4" y="20"/>
+                    </a:cubicBezTo>
+                    <a:cubicBezTo>
+                      <a:pt x="4" y="29"/>
+                      <a:pt x="11" y="36"/>
+                      <a:pt x="20" y="36"/>
+                    </a:cubicBezTo>
+                    <a:cubicBezTo>
+                      <a:pt x="28" y="36"/>
+                      <a:pt x="36" y="29"/>
+                      <a:pt x="36" y="20"/>
+                    </a:cubicBezTo>
+                    <a:cubicBezTo>
+                      <a:pt x="36" y="11"/>
+                      <a:pt x="28" y="4"/>
+                      <a:pt x="20" y="4"/>
+                    </a:cubicBezTo>
+                    <a:close/>
+                  </a:path>
+                </a:pathLst>
+              </a:custGeom>
+              <a:grpFill/>
+              <a:ln>
+                <a:noFill/>
+              </a:ln>
+              <a:extLst>
+                <a:ext uri="{91240B29-F687-4f45-9708-019B960494DF}">
+                  <a14:hiddenLine xmlns="" xmlns:a16="http://schemas.microsoft.com/office/drawing/2014/main" xmlns:p14="http://schemas.microsoft.com/office/powerpoint/2010/main" xmlns:a14="http://schemas.microsoft.com/office/drawing/2010/main" w="9525">
+                    <a:solidFill>
+                      <a:srgbClr val="000000"/>
+                    </a:solidFill>
+                    <a:round/>
+                    <a:headEnd/>
+                    <a:tailEnd/>
+                  </a14:hiddenLine>
+                </a:ext>
+              </a:extLst>
+            </p:spPr>
+          </p:sp>
+          <p:sp>
+            <p:nvSpPr>
+              <p:cNvPr id="29" name="Freeform 7">
+                <a:extLst>
+                  <a:ext uri="{FF2B5EF4-FFF2-40B4-BE49-F238E27FC236}">
+                    <a16:creationId xmlns:a16="http://schemas.microsoft.com/office/drawing/2014/main" id="{CA2ACEBA-081B-4B0B-AFB1-C596B834FDA3}"/>
+                  </a:ext>
+                  <a:ext uri="{C183D7F6-B498-43B3-948B-1728B52AA6E4}">
+                    <adec:decorative xmlns:adec="http://schemas.microsoft.com/office/drawing/2017/decorative" val="1"/>
+                  </a:ext>
+                </a:extLst>
+              </p:cNvPr>
+              <p:cNvSpPr>
+                <a:spLocks noEditPoints="1"/>
+              </p:cNvSpPr>
+              <p:nvPr>
+                <p:extLst>
+                  <p:ext uri="{386F3935-93C4-4BCD-93E2-E3B085C9AB24}">
+                    <p16:designElem xmlns:p16="http://schemas.microsoft.com/office/powerpoint/2015/main" val="1"/>
+                  </p:ext>
+                </p:extLst>
+              </p:nvPr>
+            </p:nvSpPr>
+            <p:spPr bwMode="auto">
+              <a:xfrm>
+                <a:off x="28575" y="4021138"/>
+                <a:ext cx="190500" cy="188913"/>
+              </a:xfrm>
+              <a:custGeom>
+                <a:avLst/>
+                <a:gdLst/>
+                <a:ahLst/>
+                <a:cxnLst/>
+                <a:rect l="0" t="0" r="r" b="b"/>
+                <a:pathLst>
+                  <a:path w="40" h="40">
+                    <a:moveTo>
+                      <a:pt x="20" y="40"/>
+                    </a:moveTo>
+                    <a:cubicBezTo>
+                      <a:pt x="9" y="40"/>
+                      <a:pt x="0" y="31"/>
+                      <a:pt x="0" y="20"/>
+                    </a:cubicBezTo>
+                    <a:cubicBezTo>
+                      <a:pt x="0" y="9"/>
+                      <a:pt x="9" y="0"/>
+                      <a:pt x="20" y="0"/>
+                    </a:cubicBezTo>
+                    <a:cubicBezTo>
+                      <a:pt x="31" y="0"/>
+                      <a:pt x="40" y="9"/>
+                      <a:pt x="40" y="20"/>
+                    </a:cubicBezTo>
+                    <a:cubicBezTo>
+                      <a:pt x="40" y="31"/>
+                      <a:pt x="31" y="40"/>
+                      <a:pt x="20" y="40"/>
+                    </a:cubicBezTo>
+                    <a:close/>
+                    <a:moveTo>
+                      <a:pt x="20" y="4"/>
+                    </a:moveTo>
+                    <a:cubicBezTo>
+                      <a:pt x="12" y="4"/>
+                      <a:pt x="4" y="11"/>
+                      <a:pt x="4" y="20"/>
+                    </a:cubicBezTo>
+                    <a:cubicBezTo>
+                      <a:pt x="4" y="29"/>
+                      <a:pt x="12" y="36"/>
+                      <a:pt x="20" y="36"/>
+                    </a:cubicBezTo>
+                    <a:cubicBezTo>
+                      <a:pt x="29" y="36"/>
+                      <a:pt x="36" y="29"/>
+                      <a:pt x="36" y="20"/>
+                    </a:cubicBezTo>
+                    <a:cubicBezTo>
+                      <a:pt x="36" y="11"/>
+                      <a:pt x="29" y="4"/>
+                      <a:pt x="20" y="4"/>
+                    </a:cubicBezTo>
+                    <a:close/>
+                  </a:path>
+                </a:pathLst>
+              </a:custGeom>
+              <a:grpFill/>
+              <a:ln>
+                <a:noFill/>
+              </a:ln>
+              <a:extLst>
+                <a:ext uri="{91240B29-F687-4f45-9708-019B960494DF}">
+                  <a14:hiddenLine xmlns="" xmlns:a16="http://schemas.microsoft.com/office/drawing/2014/main" xmlns:p14="http://schemas.microsoft.com/office/powerpoint/2010/main" xmlns:a14="http://schemas.microsoft.com/office/drawing/2010/main" w="9525">
+                    <a:solidFill>
+                      <a:srgbClr val="000000"/>
+                    </a:solidFill>
+                    <a:round/>
+                    <a:headEnd/>
+                    <a:tailEnd/>
+                  </a14:hiddenLine>
+                </a:ext>
+              </a:extLst>
+            </p:spPr>
+          </p:sp>
+          <p:sp>
+            <p:nvSpPr>
+              <p:cNvPr id="30" name="Freeform 8">
+                <a:extLst>
+                  <a:ext uri="{FF2B5EF4-FFF2-40B4-BE49-F238E27FC236}">
+                    <a16:creationId xmlns:a16="http://schemas.microsoft.com/office/drawing/2014/main" id="{2AFBB163-514B-493A-983F-8BE96848F9B5}"/>
+                  </a:ext>
+                  <a:ext uri="{C183D7F6-B498-43B3-948B-1728B52AA6E4}">
+                    <adec:decorative xmlns:adec="http://schemas.microsoft.com/office/drawing/2017/decorative" val="1"/>
+                  </a:ext>
+                </a:extLst>
+              </p:cNvPr>
+              <p:cNvSpPr/>
+              <p:nvPr>
+                <p:extLst>
+                  <p:ext uri="{386F3935-93C4-4BCD-93E2-E3B085C9AB24}">
+                    <p16:designElem xmlns:p16="http://schemas.microsoft.com/office/powerpoint/2015/main" val="1"/>
+                  </p:ext>
+                </p:extLst>
+              </p:nvPr>
+            </p:nvSpPr>
+            <p:spPr bwMode="auto">
+              <a:xfrm>
+                <a:off x="200025" y="4763"/>
+                <a:ext cx="369888" cy="1811338"/>
+              </a:xfrm>
+              <a:custGeom>
+                <a:avLst/>
+                <a:gdLst/>
+                <a:ahLst/>
+                <a:cxnLst/>
+                <a:rect l="0" t="0" r="r" b="b"/>
+                <a:pathLst>
+                  <a:path w="233" h="1141">
+                    <a:moveTo>
+                      <a:pt x="218" y="1141"/>
+                    </a:moveTo>
+                    <a:lnTo>
+                      <a:pt x="0" y="626"/>
+                    </a:lnTo>
+                    <a:lnTo>
+                      <a:pt x="0" y="0"/>
+                    </a:lnTo>
+                    <a:lnTo>
+                      <a:pt x="15" y="0"/>
+                    </a:lnTo>
+                    <a:lnTo>
+                      <a:pt x="15" y="623"/>
+                    </a:lnTo>
+                    <a:lnTo>
+                      <a:pt x="233" y="1135"/>
+                    </a:lnTo>
+                    <a:lnTo>
+                      <a:pt x="218" y="1141"/>
+                    </a:lnTo>
+                    <a:close/>
+                  </a:path>
+                </a:pathLst>
+              </a:custGeom>
+              <a:grpFill/>
+              <a:ln>
+                <a:noFill/>
+              </a:ln>
+              <a:extLst>
+                <a:ext uri="{91240B29-F687-4f45-9708-019B960494DF}">
+                  <a14:hiddenLine xmlns="" xmlns:a16="http://schemas.microsoft.com/office/drawing/2014/main" xmlns:p14="http://schemas.microsoft.com/office/powerpoint/2010/main" xmlns:a14="http://schemas.microsoft.com/office/drawing/2010/main" w="9525">
+                    <a:solidFill>
+                      <a:srgbClr val="000000"/>
+                    </a:solidFill>
+                    <a:round/>
+                    <a:headEnd/>
+                    <a:tailEnd/>
+                  </a14:hiddenLine>
+                </a:ext>
+              </a:extLst>
+            </p:spPr>
+          </p:sp>
+          <p:sp>
+            <p:nvSpPr>
+              <p:cNvPr id="31" name="Freeform 9">
+                <a:extLst>
+                  <a:ext uri="{FF2B5EF4-FFF2-40B4-BE49-F238E27FC236}">
+                    <a16:creationId xmlns:a16="http://schemas.microsoft.com/office/drawing/2014/main" id="{7720326C-7DB1-4745-9015-3FA6990855B9}"/>
+                  </a:ext>
+                  <a:ext uri="{C183D7F6-B498-43B3-948B-1728B52AA6E4}">
+                    <adec:decorative xmlns:adec="http://schemas.microsoft.com/office/drawing/2017/decorative" val="1"/>
+                  </a:ext>
+                </a:extLst>
+              </p:cNvPr>
+              <p:cNvSpPr>
+                <a:spLocks noEditPoints="1"/>
+              </p:cNvSpPr>
+              <p:nvPr>
+                <p:extLst>
+                  <p:ext uri="{386F3935-93C4-4BCD-93E2-E3B085C9AB24}">
+                    <p16:designElem xmlns:p16="http://schemas.microsoft.com/office/powerpoint/2015/main" val="1"/>
+                  </p:ext>
+                </p:extLst>
+              </p:nvPr>
+            </p:nvSpPr>
+            <p:spPr bwMode="auto">
+              <a:xfrm>
+                <a:off x="503237" y="1801813"/>
+                <a:ext cx="190500" cy="188913"/>
+              </a:xfrm>
+              <a:custGeom>
+                <a:avLst/>
+                <a:gdLst/>
+                <a:ahLst/>
+                <a:cxnLst/>
+                <a:rect l="0" t="0" r="r" b="b"/>
+                <a:pathLst>
+                  <a:path w="40" h="40">
+                    <a:moveTo>
+                      <a:pt x="20" y="40"/>
+                    </a:moveTo>
+                    <a:cubicBezTo>
+                      <a:pt x="9" y="40"/>
+                      <a:pt x="0" y="31"/>
+                      <a:pt x="0" y="20"/>
+                    </a:cubicBezTo>
+                    <a:cubicBezTo>
+                      <a:pt x="0" y="9"/>
+                      <a:pt x="9" y="0"/>
+                      <a:pt x="20" y="0"/>
+                    </a:cubicBezTo>
+                    <a:cubicBezTo>
+                      <a:pt x="33" y="0"/>
+                      <a:pt x="40" y="6"/>
+                      <a:pt x="40" y="20"/>
+                    </a:cubicBezTo>
+                    <a:cubicBezTo>
+                      <a:pt x="40" y="31"/>
+                      <a:pt x="31" y="40"/>
+                      <a:pt x="20" y="40"/>
+                    </a:cubicBezTo>
+                    <a:close/>
+                    <a:moveTo>
+                      <a:pt x="20" y="4"/>
+                    </a:moveTo>
+                    <a:cubicBezTo>
+                      <a:pt x="11" y="4"/>
+                      <a:pt x="4" y="11"/>
+                      <a:pt x="4" y="20"/>
+                    </a:cubicBezTo>
+                    <a:cubicBezTo>
+                      <a:pt x="4" y="29"/>
+                      <a:pt x="11" y="36"/>
+                      <a:pt x="20" y="36"/>
+                    </a:cubicBezTo>
+                    <a:cubicBezTo>
+                      <a:pt x="28" y="36"/>
+                      <a:pt x="36" y="29"/>
+                      <a:pt x="36" y="20"/>
+                    </a:cubicBezTo>
+                    <a:cubicBezTo>
+                      <a:pt x="36" y="9"/>
+                      <a:pt x="31" y="4"/>
+                      <a:pt x="20" y="4"/>
+                    </a:cubicBezTo>
+                    <a:close/>
+                  </a:path>
+                </a:pathLst>
+              </a:custGeom>
+              <a:grpFill/>
+              <a:ln>
+                <a:noFill/>
+              </a:ln>
+              <a:extLst>
+                <a:ext uri="{91240B29-F687-4f45-9708-019B960494DF}">
+                  <a14:hiddenLine xmlns="" xmlns:a16="http://schemas.microsoft.com/office/drawing/2014/main" xmlns:p14="http://schemas.microsoft.com/office/powerpoint/2010/main" xmlns:a14="http://schemas.microsoft.com/office/drawing/2010/main" w="9525">
+                    <a:solidFill>
+                      <a:srgbClr val="000000"/>
+                    </a:solidFill>
+                    <a:round/>
+                    <a:headEnd/>
+                    <a:tailEnd/>
+                  </a14:hiddenLine>
+                </a:ext>
+              </a:extLst>
+            </p:spPr>
+          </p:sp>
+          <p:sp>
+            <p:nvSpPr>
+              <p:cNvPr id="32" name="Freeform 10">
+                <a:extLst>
+                  <a:ext uri="{FF2B5EF4-FFF2-40B4-BE49-F238E27FC236}">
+                    <a16:creationId xmlns:a16="http://schemas.microsoft.com/office/drawing/2014/main" id="{01D5FBDC-A284-440B-8D5F-84287B0A25DD}"/>
+                  </a:ext>
+                  <a:ext uri="{C183D7F6-B498-43B3-948B-1728B52AA6E4}">
+                    <adec:decorative xmlns:adec="http://schemas.microsoft.com/office/drawing/2017/decorative" val="1"/>
+                  </a:ext>
+                </a:extLst>
+              </p:cNvPr>
+              <p:cNvSpPr/>
+              <p:nvPr>
+                <p:extLst>
+                  <p:ext uri="{386F3935-93C4-4BCD-93E2-E3B085C9AB24}">
+                    <p16:designElem xmlns:p16="http://schemas.microsoft.com/office/powerpoint/2015/main" val="1"/>
+                  </p:ext>
+                </p:extLst>
+              </p:nvPr>
+            </p:nvSpPr>
+            <p:spPr bwMode="auto">
+              <a:xfrm>
+                <a:off x="285750" y="4763"/>
+                <a:ext cx="369888" cy="1430338"/>
+              </a:xfrm>
+              <a:custGeom>
+                <a:avLst/>
+                <a:gdLst/>
+                <a:ahLst/>
+                <a:cxnLst/>
+                <a:rect l="0" t="0" r="r" b="b"/>
+                <a:pathLst>
+                  <a:path w="233" h="901">
+                    <a:moveTo>
+                      <a:pt x="221" y="901"/>
+                    </a:moveTo>
+                    <a:lnTo>
+                      <a:pt x="0" y="383"/>
+                    </a:lnTo>
+                    <a:lnTo>
+                      <a:pt x="0" y="0"/>
+                    </a:lnTo>
+                    <a:lnTo>
+                      <a:pt x="18" y="0"/>
+                    </a:lnTo>
+                    <a:lnTo>
+                      <a:pt x="18" y="380"/>
+                    </a:lnTo>
+                    <a:lnTo>
+                      <a:pt x="233" y="895"/>
+                    </a:lnTo>
+                    <a:lnTo>
+                      <a:pt x="221" y="901"/>
+                    </a:lnTo>
+                    <a:close/>
+                  </a:path>
+                </a:pathLst>
+              </a:custGeom>
+              <a:grpFill/>
+              <a:ln>
+                <a:noFill/>
+              </a:ln>
+              <a:extLst>
+                <a:ext uri="{91240B29-F687-4f45-9708-019B960494DF}">
+                  <a14:hiddenLine xmlns="" xmlns:a16="http://schemas.microsoft.com/office/drawing/2014/main" xmlns:p14="http://schemas.microsoft.com/office/powerpoint/2010/main" xmlns:a14="http://schemas.microsoft.com/office/drawing/2010/main" w="9525">
+                    <a:solidFill>
+                      <a:srgbClr val="000000"/>
+                    </a:solidFill>
+                    <a:round/>
+                    <a:headEnd/>
+                    <a:tailEnd/>
+                  </a14:hiddenLine>
+                </a:ext>
+              </a:extLst>
+            </p:spPr>
+          </p:sp>
+          <p:sp>
+            <p:nvSpPr>
+              <p:cNvPr id="33" name="Freeform 11">
+                <a:extLst>
+                  <a:ext uri="{FF2B5EF4-FFF2-40B4-BE49-F238E27FC236}">
+                    <a16:creationId xmlns:a16="http://schemas.microsoft.com/office/drawing/2014/main" id="{517CE611-1CB0-442B-8998-98487209B0E9}"/>
+                  </a:ext>
+                  <a:ext uri="{C183D7F6-B498-43B3-948B-1728B52AA6E4}">
+                    <adec:decorative xmlns:adec="http://schemas.microsoft.com/office/drawing/2017/decorative" val="1"/>
+                  </a:ext>
+                </a:extLst>
+              </p:cNvPr>
+              <p:cNvSpPr/>
+              <p:nvPr>
+                <p:extLst>
+                  <p:ext uri="{386F3935-93C4-4BCD-93E2-E3B085C9AB24}">
+                    <p16:designElem xmlns:p16="http://schemas.microsoft.com/office/powerpoint/2015/main" val="1"/>
+                  </p:ext>
+                </p:extLst>
+              </p:nvPr>
+            </p:nvSpPr>
+            <p:spPr bwMode="auto">
+              <a:xfrm>
+                <a:off x="546100" y="0"/>
+                <a:ext cx="152400" cy="912813"/>
+              </a:xfrm>
+              <a:custGeom>
+                <a:avLst/>
+                <a:gdLst/>
+                <a:ahLst/>
+                <a:cxnLst/>
+                <a:rect l="0" t="0" r="r" b="b"/>
+                <a:pathLst>
+                  <a:path w="96" h="575">
+                    <a:moveTo>
+                      <a:pt x="96" y="575"/>
+                    </a:moveTo>
+                    <a:lnTo>
+                      <a:pt x="78" y="575"/>
+                    </a:lnTo>
+                    <a:lnTo>
+                      <a:pt x="78" y="192"/>
+                    </a:lnTo>
+                    <a:lnTo>
+                      <a:pt x="0" y="6"/>
+                    </a:lnTo>
+                    <a:lnTo>
+                      <a:pt x="15" y="0"/>
+                    </a:lnTo>
+                    <a:lnTo>
+                      <a:pt x="96" y="189"/>
+                    </a:lnTo>
+                    <a:lnTo>
+                      <a:pt x="96" y="575"/>
+                    </a:lnTo>
+                    <a:close/>
+                  </a:path>
+                </a:pathLst>
+              </a:custGeom>
+              <a:grpFill/>
+              <a:ln>
+                <a:noFill/>
+              </a:ln>
+              <a:extLst>
+                <a:ext uri="{91240B29-F687-4f45-9708-019B960494DF}">
+                  <a14:hiddenLine xmlns="" xmlns:a16="http://schemas.microsoft.com/office/drawing/2014/main" xmlns:p14="http://schemas.microsoft.com/office/powerpoint/2010/main" xmlns:a14="http://schemas.microsoft.com/office/drawing/2010/main" w="9525">
+                    <a:solidFill>
+                      <a:srgbClr val="000000"/>
+                    </a:solidFill>
+                    <a:round/>
+                    <a:headEnd/>
+                    <a:tailEnd/>
+                  </a14:hiddenLine>
+                </a:ext>
+              </a:extLst>
+            </p:spPr>
+          </p:sp>
+          <p:sp>
+            <p:nvSpPr>
+              <p:cNvPr id="34" name="Freeform 12">
+                <a:extLst>
+                  <a:ext uri="{FF2B5EF4-FFF2-40B4-BE49-F238E27FC236}">
+                    <a16:creationId xmlns:a16="http://schemas.microsoft.com/office/drawing/2014/main" id="{EF0F0E46-9222-4FCF-A79E-9B4953C6F07D}"/>
+                  </a:ext>
+                  <a:ext uri="{C183D7F6-B498-43B3-948B-1728B52AA6E4}">
+                    <adec:decorative xmlns:adec="http://schemas.microsoft.com/office/drawing/2017/decorative" val="1"/>
+                  </a:ext>
+                </a:extLst>
+              </p:cNvPr>
+              <p:cNvSpPr>
+                <a:spLocks noEditPoints="1"/>
+              </p:cNvSpPr>
+              <p:nvPr>
+                <p:extLst>
+                  <p:ext uri="{386F3935-93C4-4BCD-93E2-E3B085C9AB24}">
+                    <p16:designElem xmlns:p16="http://schemas.microsoft.com/office/powerpoint/2015/main" val="1"/>
+                  </p:ext>
+                </p:extLst>
+              </p:nvPr>
+            </p:nvSpPr>
+            <p:spPr bwMode="auto">
+              <a:xfrm>
+                <a:off x="588962" y="1420813"/>
+                <a:ext cx="190500" cy="190500"/>
+              </a:xfrm>
+              <a:custGeom>
+                <a:avLst/>
+                <a:gdLst/>
+                <a:ahLst/>
+                <a:cxnLst/>
+                <a:rect l="0" t="0" r="r" b="b"/>
+                <a:pathLst>
+                  <a:path w="40" h="40">
+                    <a:moveTo>
+                      <a:pt x="20" y="40"/>
+                    </a:moveTo>
+                    <a:cubicBezTo>
+                      <a:pt x="9" y="40"/>
+                      <a:pt x="0" y="31"/>
+                      <a:pt x="0" y="20"/>
+                    </a:cubicBezTo>
+                    <a:cubicBezTo>
+                      <a:pt x="0" y="9"/>
+                      <a:pt x="9" y="0"/>
+                      <a:pt x="20" y="0"/>
+                    </a:cubicBezTo>
+                    <a:cubicBezTo>
+                      <a:pt x="33" y="0"/>
+                      <a:pt x="40" y="7"/>
+                      <a:pt x="40" y="20"/>
+                    </a:cubicBezTo>
+                    <a:cubicBezTo>
+                      <a:pt x="40" y="31"/>
+                      <a:pt x="31" y="40"/>
+                      <a:pt x="20" y="40"/>
+                    </a:cubicBezTo>
+                    <a:close/>
+                    <a:moveTo>
+                      <a:pt x="20" y="4"/>
+                    </a:moveTo>
+                    <a:cubicBezTo>
+                      <a:pt x="11" y="4"/>
+                      <a:pt x="4" y="11"/>
+                      <a:pt x="4" y="20"/>
+                    </a:cubicBezTo>
+                    <a:cubicBezTo>
+                      <a:pt x="4" y="29"/>
+                      <a:pt x="11" y="36"/>
+                      <a:pt x="20" y="36"/>
+                    </a:cubicBezTo>
+                    <a:cubicBezTo>
+                      <a:pt x="29" y="36"/>
+                      <a:pt x="36" y="29"/>
+                      <a:pt x="36" y="20"/>
+                    </a:cubicBezTo>
+                    <a:cubicBezTo>
+                      <a:pt x="36" y="9"/>
+                      <a:pt x="31" y="4"/>
+                      <a:pt x="20" y="4"/>
+                    </a:cubicBezTo>
+                    <a:close/>
+                  </a:path>
+                </a:pathLst>
+              </a:custGeom>
+              <a:grpFill/>
+              <a:ln>
+                <a:noFill/>
+              </a:ln>
+              <a:extLst>
+                <a:ext uri="{91240B29-F687-4f45-9708-019B960494DF}">
+                  <a14:hiddenLine xmlns="" xmlns:a16="http://schemas.microsoft.com/office/drawing/2014/main" xmlns:p14="http://schemas.microsoft.com/office/powerpoint/2010/main" xmlns:a14="http://schemas.microsoft.com/office/drawing/2010/main" w="9525">
+                    <a:solidFill>
+                      <a:srgbClr val="000000"/>
+                    </a:solidFill>
+                    <a:round/>
+                    <a:headEnd/>
+                    <a:tailEnd/>
+                  </a14:hiddenLine>
+                </a:ext>
+              </a:extLst>
+            </p:spPr>
+          </p:sp>
+          <p:sp>
+            <p:nvSpPr>
+              <p:cNvPr id="35" name="Freeform 13">
+                <a:extLst>
+                  <a:ext uri="{FF2B5EF4-FFF2-40B4-BE49-F238E27FC236}">
+                    <a16:creationId xmlns:a16="http://schemas.microsoft.com/office/drawing/2014/main" id="{371A87C3-0804-4AB9-8EAD-FBFF597ED823}"/>
+                  </a:ext>
+                  <a:ext uri="{C183D7F6-B498-43B3-948B-1728B52AA6E4}">
+                    <adec:decorative xmlns:adec="http://schemas.microsoft.com/office/drawing/2017/decorative" val="1"/>
+                  </a:ext>
+                </a:extLst>
+              </p:cNvPr>
+              <p:cNvSpPr>
+                <a:spLocks noEditPoints="1"/>
+              </p:cNvSpPr>
+              <p:nvPr>
+                <p:extLst>
+                  <p:ext uri="{386F3935-93C4-4BCD-93E2-E3B085C9AB24}">
+                    <p16:designElem xmlns:p16="http://schemas.microsoft.com/office/powerpoint/2015/main" val="1"/>
+                  </p:ext>
+                </p:extLst>
+              </p:nvPr>
+            </p:nvSpPr>
+            <p:spPr bwMode="auto">
+              <a:xfrm>
+                <a:off x="588962" y="903288"/>
+                <a:ext cx="190500" cy="190500"/>
+              </a:xfrm>
+              <a:custGeom>
+                <a:avLst/>
+                <a:gdLst/>
+                <a:ahLst/>
+                <a:cxnLst/>
+                <a:rect l="0" t="0" r="r" b="b"/>
+                <a:pathLst>
+                  <a:path w="40" h="40">
+                    <a:moveTo>
+                      <a:pt x="20" y="40"/>
+                    </a:moveTo>
+                    <a:cubicBezTo>
+                      <a:pt x="9" y="40"/>
+                      <a:pt x="0" y="31"/>
+                      <a:pt x="0" y="20"/>
+                    </a:cubicBezTo>
+                    <a:cubicBezTo>
+                      <a:pt x="0" y="9"/>
+                      <a:pt x="9" y="0"/>
+                      <a:pt x="20" y="0"/>
+                    </a:cubicBezTo>
+                    <a:cubicBezTo>
+                      <a:pt x="31" y="0"/>
+                      <a:pt x="40" y="9"/>
+                      <a:pt x="40" y="20"/>
+                    </a:cubicBezTo>
+                    <a:cubicBezTo>
+                      <a:pt x="40" y="31"/>
+                      <a:pt x="31" y="40"/>
+                      <a:pt x="20" y="40"/>
+                    </a:cubicBezTo>
+                    <a:close/>
+                    <a:moveTo>
+                      <a:pt x="20" y="4"/>
+                    </a:moveTo>
+                    <a:cubicBezTo>
+                      <a:pt x="11" y="4"/>
+                      <a:pt x="4" y="11"/>
+                      <a:pt x="4" y="20"/>
+                    </a:cubicBezTo>
+                    <a:cubicBezTo>
+                      <a:pt x="4" y="29"/>
+                      <a:pt x="11" y="36"/>
+                      <a:pt x="20" y="36"/>
+                    </a:cubicBezTo>
+                    <a:cubicBezTo>
+                      <a:pt x="29" y="36"/>
+                      <a:pt x="36" y="29"/>
+                      <a:pt x="36" y="20"/>
+                    </a:cubicBezTo>
+                    <a:cubicBezTo>
+                      <a:pt x="36" y="11"/>
+                      <a:pt x="29" y="4"/>
+                      <a:pt x="20" y="4"/>
+                    </a:cubicBezTo>
+                    <a:close/>
+                  </a:path>
+                </a:pathLst>
+              </a:custGeom>
+              <a:grpFill/>
+              <a:ln>
+                <a:noFill/>
+              </a:ln>
+              <a:extLst>
+                <a:ext uri="{91240B29-F687-4f45-9708-019B960494DF}">
+                  <a14:hiddenLine xmlns="" xmlns:a16="http://schemas.microsoft.com/office/drawing/2014/main" xmlns:p14="http://schemas.microsoft.com/office/powerpoint/2010/main" xmlns:a14="http://schemas.microsoft.com/office/drawing/2010/main" w="9525">
+                    <a:solidFill>
+                      <a:srgbClr val="000000"/>
+                    </a:solidFill>
+                    <a:round/>
+                    <a:headEnd/>
+                    <a:tailEnd/>
+                  </a14:hiddenLine>
+                </a:ext>
+              </a:extLst>
+            </p:spPr>
+          </p:sp>
+          <p:sp>
+            <p:nvSpPr>
+              <p:cNvPr id="36" name="Freeform 14">
+                <a:extLst>
+                  <a:ext uri="{FF2B5EF4-FFF2-40B4-BE49-F238E27FC236}">
+                    <a16:creationId xmlns:a16="http://schemas.microsoft.com/office/drawing/2014/main" id="{89F39433-8BC3-48D6-B705-F951DBDAABD4}"/>
+                  </a:ext>
+                  <a:ext uri="{C183D7F6-B498-43B3-948B-1728B52AA6E4}">
+                    <adec:decorative xmlns:adec="http://schemas.microsoft.com/office/drawing/2017/decorative" val="1"/>
+                  </a:ext>
+                </a:extLst>
+              </p:cNvPr>
+              <p:cNvSpPr/>
+              <p:nvPr>
+                <p:extLst>
+                  <p:ext uri="{386F3935-93C4-4BCD-93E2-E3B085C9AB24}">
+                    <p16:designElem xmlns:p16="http://schemas.microsoft.com/office/powerpoint/2015/main" val="1"/>
+                  </p:ext>
+                </p:extLst>
+              </p:nvPr>
+            </p:nvSpPr>
+            <p:spPr bwMode="auto">
+              <a:xfrm>
+                <a:off x="641350" y="0"/>
+                <a:ext cx="422275" cy="527050"/>
+              </a:xfrm>
+              <a:custGeom>
+                <a:avLst/>
+                <a:gdLst/>
+                <a:ahLst/>
+                <a:cxnLst/>
+                <a:rect l="0" t="0" r="r" b="b"/>
+                <a:pathLst>
+                  <a:path w="266" h="332">
+                    <a:moveTo>
+                      <a:pt x="257" y="332"/>
+                    </a:moveTo>
+                    <a:lnTo>
+                      <a:pt x="48" y="123"/>
+                    </a:lnTo>
+                    <a:lnTo>
+                      <a:pt x="0" y="6"/>
+                    </a:lnTo>
+                    <a:lnTo>
+                      <a:pt x="15" y="0"/>
+                    </a:lnTo>
+                    <a:lnTo>
+                      <a:pt x="63" y="114"/>
+                    </a:lnTo>
+                    <a:lnTo>
+                      <a:pt x="266" y="320"/>
+                    </a:lnTo>
+                    <a:lnTo>
+                      <a:pt x="257" y="332"/>
+                    </a:lnTo>
+                    <a:close/>
+                  </a:path>
+                </a:pathLst>
+              </a:custGeom>
+              <a:grpFill/>
+              <a:ln>
+                <a:noFill/>
+              </a:ln>
+              <a:extLst>
+                <a:ext uri="{91240B29-F687-4f45-9708-019B960494DF}">
+                  <a14:hiddenLine xmlns="" xmlns:a16="http://schemas.microsoft.com/office/drawing/2014/main" xmlns:p14="http://schemas.microsoft.com/office/powerpoint/2010/main" xmlns:a14="http://schemas.microsoft.com/office/drawing/2010/main" w="9525">
+                    <a:solidFill>
+                      <a:srgbClr val="000000"/>
+                    </a:solidFill>
+                    <a:round/>
+                    <a:headEnd/>
+                    <a:tailEnd/>
+                  </a14:hiddenLine>
+                </a:ext>
+              </a:extLst>
+            </p:spPr>
+          </p:sp>
+          <p:sp>
+            <p:nvSpPr>
+              <p:cNvPr id="37" name="Freeform 15">
+                <a:extLst>
+                  <a:ext uri="{FF2B5EF4-FFF2-40B4-BE49-F238E27FC236}">
+                    <a16:creationId xmlns:a16="http://schemas.microsoft.com/office/drawing/2014/main" id="{AE671C9D-E91C-4143-A422-273B2F53F692}"/>
+                  </a:ext>
+                  <a:ext uri="{C183D7F6-B498-43B3-948B-1728B52AA6E4}">
+                    <adec:decorative xmlns:adec="http://schemas.microsoft.com/office/drawing/2017/decorative" val="1"/>
+                  </a:ext>
+                </a:extLst>
+              </p:cNvPr>
+              <p:cNvSpPr>
+                <a:spLocks noEditPoints="1"/>
+              </p:cNvSpPr>
+              <p:nvPr>
+                <p:extLst>
+                  <p:ext uri="{386F3935-93C4-4BCD-93E2-E3B085C9AB24}">
+                    <p16:designElem xmlns:p16="http://schemas.microsoft.com/office/powerpoint/2015/main" val="1"/>
+                  </p:ext>
+                </p:extLst>
+              </p:nvPr>
+            </p:nvSpPr>
+            <p:spPr bwMode="auto">
+              <a:xfrm>
+                <a:off x="1020762" y="488950"/>
+                <a:ext cx="161925" cy="147638"/>
+              </a:xfrm>
+              <a:custGeom>
+                <a:avLst/>
+                <a:gdLst/>
+                <a:ahLst/>
+                <a:cxnLst/>
+                <a:rect l="0" t="0" r="r" b="b"/>
+                <a:pathLst>
+                  <a:path w="34" h="31">
+                    <a:moveTo>
+                      <a:pt x="17" y="31"/>
+                    </a:moveTo>
+                    <a:cubicBezTo>
+                      <a:pt x="13" y="31"/>
+                      <a:pt x="9" y="30"/>
+                      <a:pt x="6" y="27"/>
+                    </a:cubicBezTo>
+                    <a:cubicBezTo>
+                      <a:pt x="0" y="20"/>
+                      <a:pt x="0" y="10"/>
+                      <a:pt x="6" y="4"/>
+                    </a:cubicBezTo>
+                    <a:cubicBezTo>
+                      <a:pt x="9" y="1"/>
+                      <a:pt x="13" y="0"/>
+                      <a:pt x="17" y="0"/>
+                    </a:cubicBezTo>
+                    <a:cubicBezTo>
+                      <a:pt x="21" y="0"/>
+                      <a:pt x="25" y="1"/>
+                      <a:pt x="28" y="4"/>
+                    </a:cubicBezTo>
+                    <a:cubicBezTo>
+                      <a:pt x="34" y="10"/>
+                      <a:pt x="34" y="20"/>
+                      <a:pt x="28" y="27"/>
+                    </a:cubicBezTo>
+                    <a:cubicBezTo>
+                      <a:pt x="25" y="30"/>
+                      <a:pt x="21" y="31"/>
+                      <a:pt x="17" y="31"/>
+                    </a:cubicBezTo>
+                    <a:close/>
+                    <a:moveTo>
+                      <a:pt x="17" y="4"/>
+                    </a:moveTo>
+                    <a:cubicBezTo>
+                      <a:pt x="14" y="4"/>
+                      <a:pt x="11" y="5"/>
+                      <a:pt x="9" y="7"/>
+                    </a:cubicBezTo>
+                    <a:cubicBezTo>
+                      <a:pt x="4" y="12"/>
+                      <a:pt x="4" y="19"/>
+                      <a:pt x="9" y="24"/>
+                    </a:cubicBezTo>
+                    <a:cubicBezTo>
+                      <a:pt x="11" y="26"/>
+                      <a:pt x="14" y="27"/>
+                      <a:pt x="17" y="27"/>
+                    </a:cubicBezTo>
+                    <a:cubicBezTo>
+                      <a:pt x="20" y="27"/>
+                      <a:pt x="23" y="26"/>
+                      <a:pt x="25" y="24"/>
+                    </a:cubicBezTo>
+                    <a:cubicBezTo>
+                      <a:pt x="30" y="19"/>
+                      <a:pt x="30" y="12"/>
+                      <a:pt x="25" y="7"/>
+                    </a:cubicBezTo>
+                    <a:cubicBezTo>
+                      <a:pt x="23" y="5"/>
+                      <a:pt x="20" y="4"/>
+                      <a:pt x="17" y="4"/>
+                    </a:cubicBezTo>
+                    <a:close/>
+                  </a:path>
+                </a:pathLst>
+              </a:custGeom>
+              <a:grpFill/>
+              <a:ln>
+                <a:noFill/>
+              </a:ln>
+              <a:extLst>
+                <a:ext uri="{91240B29-F687-4f45-9708-019B960494DF}">
+                  <a14:hiddenLine xmlns="" xmlns:a16="http://schemas.microsoft.com/office/drawing/2014/main" xmlns:p14="http://schemas.microsoft.com/office/powerpoint/2010/main" xmlns:a14="http://schemas.microsoft.com/office/drawing/2010/main" w="9525">
+                    <a:solidFill>
+                      <a:srgbClr val="000000"/>
+                    </a:solidFill>
+                    <a:round/>
+                    <a:headEnd/>
+                    <a:tailEnd/>
+                  </a14:hiddenLine>
+                </a:ext>
+              </a:extLst>
+            </p:spPr>
+          </p:sp>
+          <p:sp>
+            <p:nvSpPr>
+              <p:cNvPr id="38" name="Line 16">
+                <a:extLst>
+                  <a:ext uri="{FF2B5EF4-FFF2-40B4-BE49-F238E27FC236}">
+                    <a16:creationId xmlns:a16="http://schemas.microsoft.com/office/drawing/2014/main" id="{83A72EA3-8833-41C6-9333-6A04C1C08DFB}"/>
+                  </a:ext>
+                  <a:ext uri="{C183D7F6-B498-43B3-948B-1728B52AA6E4}">
+                    <adec:decorative xmlns:adec="http://schemas.microsoft.com/office/drawing/2017/decorative" val="1"/>
+                  </a:ext>
+                </a:extLst>
+              </p:cNvPr>
+              <p:cNvSpPr>
+                <a:spLocks noChangeShapeType="1"/>
+              </p:cNvSpPr>
+              <p:nvPr>
+                <p:extLst>
+                  <p:ext uri="{386F3935-93C4-4BCD-93E2-E3B085C9AB24}">
+                    <p16:designElem xmlns:p16="http://schemas.microsoft.com/office/powerpoint/2015/main" val="1"/>
+                  </p:ext>
+                </p:extLst>
+              </p:nvPr>
+            </p:nvSpPr>
+            <p:spPr bwMode="auto">
+              <a:xfrm>
+                <a:off x="-4763" y="9525"/>
+                <a:ext cx="0" cy="0"/>
+              </a:xfrm>
+              <a:prstGeom prst="line">
+                <a:avLst/>
+              </a:prstGeom>
+              <a:grpFill/>
+              <a:ln w="15" cap="flat">
+                <a:solidFill>
+                  <a:srgbClr val="FFFFFF"/>
+                </a:solidFill>
+                <a:prstDash val="solid"/>
+                <a:miter lim="800000"/>
+                <a:headEnd/>
+                <a:tailEnd/>
+              </a:ln>
+            </p:spPr>
+          </p:sp>
+          <p:sp>
+            <p:nvSpPr>
+              <p:cNvPr id="39" name="Freeform 17">
+                <a:extLst>
+                  <a:ext uri="{FF2B5EF4-FFF2-40B4-BE49-F238E27FC236}">
+                    <a16:creationId xmlns:a16="http://schemas.microsoft.com/office/drawing/2014/main" id="{2C0D7AAB-DC9C-4B37-A50E-A7185DE92E4E}"/>
+                  </a:ext>
+                  <a:ext uri="{C183D7F6-B498-43B3-948B-1728B52AA6E4}">
+                    <adec:decorative xmlns:adec="http://schemas.microsoft.com/office/drawing/2017/decorative" val="1"/>
+                  </a:ext>
+                </a:extLst>
+              </p:cNvPr>
+              <p:cNvSpPr/>
+              <p:nvPr>
+                <p:extLst>
+                  <p:ext uri="{386F3935-93C4-4BCD-93E2-E3B085C9AB24}">
+                    <p16:designElem xmlns:p16="http://schemas.microsoft.com/office/powerpoint/2015/main" val="1"/>
+                  </p:ext>
+                </p:extLst>
+              </p:nvPr>
+            </p:nvSpPr>
+            <p:spPr bwMode="auto">
+              <a:xfrm>
+                <a:off x="9525" y="1801813"/>
+                <a:ext cx="123825" cy="127000"/>
+              </a:xfrm>
+              <a:custGeom>
+                <a:avLst/>
+                <a:gdLst/>
+                <a:ahLst/>
+                <a:cxnLst/>
+                <a:rect l="0" t="0" r="r" b="b"/>
+                <a:pathLst>
+                  <a:path w="78" h="80">
+                    <a:moveTo>
+                      <a:pt x="6" y="80"/>
+                    </a:moveTo>
+                    <a:lnTo>
+                      <a:pt x="0" y="71"/>
+                    </a:lnTo>
+                    <a:lnTo>
+                      <a:pt x="69" y="0"/>
+                    </a:lnTo>
+                    <a:lnTo>
+                      <a:pt x="78" y="9"/>
+                    </a:lnTo>
+                    <a:lnTo>
+                      <a:pt x="6" y="80"/>
+                    </a:lnTo>
+                    <a:close/>
+                  </a:path>
+                </a:pathLst>
+              </a:custGeom>
+              <a:grpFill/>
+              <a:ln>
+                <a:noFill/>
+              </a:ln>
+              <a:extLst>
+                <a:ext uri="{91240B29-F687-4f45-9708-019B960494DF}">
+                  <a14:hiddenLine xmlns="" xmlns:a16="http://schemas.microsoft.com/office/drawing/2014/main" xmlns:p14="http://schemas.microsoft.com/office/powerpoint/2010/main" xmlns:a14="http://schemas.microsoft.com/office/drawing/2010/main" w="9525">
+                    <a:solidFill>
+                      <a:srgbClr val="000000"/>
+                    </a:solidFill>
+                    <a:round/>
+                    <a:headEnd/>
+                    <a:tailEnd/>
+                  </a14:hiddenLine>
+                </a:ext>
+              </a:extLst>
+            </p:spPr>
+          </p:sp>
+          <p:sp>
+            <p:nvSpPr>
+              <p:cNvPr id="40" name="Freeform 18">
+                <a:extLst>
+                  <a:ext uri="{FF2B5EF4-FFF2-40B4-BE49-F238E27FC236}">
+                    <a16:creationId xmlns:a16="http://schemas.microsoft.com/office/drawing/2014/main" id="{6E7D9D6B-3455-4363-934B-FA2D68293168}"/>
+                  </a:ext>
+                  <a:ext uri="{C183D7F6-B498-43B3-948B-1728B52AA6E4}">
+                    <adec:decorative xmlns:adec="http://schemas.microsoft.com/office/drawing/2017/decorative" val="1"/>
+                  </a:ext>
+                </a:extLst>
+              </p:cNvPr>
+              <p:cNvSpPr/>
+              <p:nvPr>
+                <p:extLst>
+                  <p:ext uri="{386F3935-93C4-4BCD-93E2-E3B085C9AB24}">
+                    <p16:designElem xmlns:p16="http://schemas.microsoft.com/office/powerpoint/2015/main" val="1"/>
+                  </p:ext>
+                </p:extLst>
+              </p:nvPr>
+            </p:nvSpPr>
+            <p:spPr bwMode="auto">
+              <a:xfrm>
+                <a:off x="-9525" y="3549650"/>
+                <a:ext cx="147638" cy="481013"/>
+              </a:xfrm>
+              <a:custGeom>
+                <a:avLst/>
+                <a:gdLst/>
+                <a:ahLst/>
+                <a:cxnLst/>
+                <a:rect l="0" t="0" r="r" b="b"/>
+                <a:pathLst>
+                  <a:path w="93" h="303">
+                    <a:moveTo>
+                      <a:pt x="93" y="303"/>
+                    </a:moveTo>
+                    <a:lnTo>
+                      <a:pt x="78" y="303"/>
+                    </a:lnTo>
+                    <a:lnTo>
+                      <a:pt x="78" y="78"/>
+                    </a:lnTo>
+                    <a:lnTo>
+                      <a:pt x="0" y="12"/>
+                    </a:lnTo>
+                    <a:lnTo>
+                      <a:pt x="12" y="0"/>
+                    </a:lnTo>
+                    <a:lnTo>
+                      <a:pt x="93" y="69"/>
+                    </a:lnTo>
+                    <a:lnTo>
+                      <a:pt x="93" y="303"/>
+                    </a:lnTo>
+                    <a:close/>
+                  </a:path>
+                </a:pathLst>
+              </a:custGeom>
+              <a:grpFill/>
+              <a:ln>
+                <a:noFill/>
+              </a:ln>
+              <a:extLst>
+                <a:ext uri="{91240B29-F687-4f45-9708-019B960494DF}">
+                  <a14:hiddenLine xmlns="" xmlns:a16="http://schemas.microsoft.com/office/drawing/2014/main" xmlns:p14="http://schemas.microsoft.com/office/powerpoint/2010/main" xmlns:a14="http://schemas.microsoft.com/office/drawing/2010/main" w="9525">
+                    <a:solidFill>
+                      <a:srgbClr val="000000"/>
+                    </a:solidFill>
+                    <a:round/>
+                    <a:headEnd/>
+                    <a:tailEnd/>
+                  </a14:hiddenLine>
+                </a:ext>
+              </a:extLst>
+            </p:spPr>
+          </p:sp>
+          <p:sp>
+            <p:nvSpPr>
+              <p:cNvPr id="41" name="Freeform 19">
+                <a:extLst>
+                  <a:ext uri="{FF2B5EF4-FFF2-40B4-BE49-F238E27FC236}">
+                    <a16:creationId xmlns:a16="http://schemas.microsoft.com/office/drawing/2014/main" id="{FFFFCA54-2217-4DAE-B791-4A6CA7DE0BDF}"/>
+                  </a:ext>
+                  <a:ext uri="{C183D7F6-B498-43B3-948B-1728B52AA6E4}">
+                    <adec:decorative xmlns:adec="http://schemas.microsoft.com/office/drawing/2017/decorative" val="1"/>
+                  </a:ext>
+                </a:extLst>
+              </p:cNvPr>
+              <p:cNvSpPr/>
+              <p:nvPr>
+                <p:extLst>
+                  <p:ext uri="{386F3935-93C4-4BCD-93E2-E3B085C9AB24}">
+                    <p16:designElem xmlns:p16="http://schemas.microsoft.com/office/powerpoint/2015/main" val="1"/>
+                  </p:ext>
+                </p:extLst>
+              </p:nvPr>
+            </p:nvSpPr>
+            <p:spPr bwMode="auto">
+              <a:xfrm>
+                <a:off x="128587" y="1382713"/>
+                <a:ext cx="142875" cy="476250"/>
+              </a:xfrm>
+              <a:custGeom>
+                <a:avLst/>
+                <a:gdLst/>
+                <a:ahLst/>
+                <a:cxnLst/>
+                <a:rect l="0" t="0" r="r" b="b"/>
+                <a:pathLst>
+                  <a:path w="90" h="300">
+                    <a:moveTo>
+                      <a:pt x="90" y="300"/>
+                    </a:moveTo>
+                    <a:lnTo>
+                      <a:pt x="78" y="300"/>
+                    </a:lnTo>
+                    <a:lnTo>
+                      <a:pt x="78" y="84"/>
+                    </a:lnTo>
+                    <a:lnTo>
+                      <a:pt x="0" y="9"/>
+                    </a:lnTo>
+                    <a:lnTo>
+                      <a:pt x="9" y="0"/>
+                    </a:lnTo>
+                    <a:lnTo>
+                      <a:pt x="90" y="81"/>
+                    </a:lnTo>
+                    <a:lnTo>
+                      <a:pt x="90" y="300"/>
+                    </a:lnTo>
+                    <a:close/>
+                  </a:path>
+                </a:pathLst>
+              </a:custGeom>
+              <a:grpFill/>
+              <a:ln>
+                <a:noFill/>
+              </a:ln>
+              <a:extLst>
+                <a:ext uri="{91240B29-F687-4f45-9708-019B960494DF}">
+                  <a14:hiddenLine xmlns="" xmlns:a16="http://schemas.microsoft.com/office/drawing/2014/main" xmlns:p14="http://schemas.microsoft.com/office/powerpoint/2010/main" xmlns:a14="http://schemas.microsoft.com/office/drawing/2010/main" w="9525">
+                    <a:solidFill>
+                      <a:srgbClr val="000000"/>
+                    </a:solidFill>
+                    <a:round/>
+                    <a:headEnd/>
+                    <a:tailEnd/>
+                  </a14:hiddenLine>
+                </a:ext>
+              </a:extLst>
+            </p:spPr>
+          </p:sp>
+          <p:sp>
+            <p:nvSpPr>
+              <p:cNvPr id="42" name="Freeform 20">
+                <a:extLst>
+                  <a:ext uri="{FF2B5EF4-FFF2-40B4-BE49-F238E27FC236}">
+                    <a16:creationId xmlns:a16="http://schemas.microsoft.com/office/drawing/2014/main" id="{BAE43BA5-C104-4FBB-B1C6-C210D3CC5320}"/>
+                  </a:ext>
+                  <a:ext uri="{C183D7F6-B498-43B3-948B-1728B52AA6E4}">
+                    <adec:decorative xmlns:adec="http://schemas.microsoft.com/office/drawing/2017/decorative" val="1"/>
+                  </a:ext>
+                </a:extLst>
+              </p:cNvPr>
+              <p:cNvSpPr>
+                <a:spLocks noEditPoints="1"/>
+              </p:cNvSpPr>
+              <p:nvPr>
+                <p:extLst>
+                  <p:ext uri="{386F3935-93C4-4BCD-93E2-E3B085C9AB24}">
+                    <p16:designElem xmlns:p16="http://schemas.microsoft.com/office/powerpoint/2015/main" val="1"/>
+                  </p:ext>
+                </p:extLst>
+              </p:nvPr>
+            </p:nvSpPr>
+            <p:spPr bwMode="auto">
+              <a:xfrm>
+                <a:off x="204787" y="1849438"/>
+                <a:ext cx="114300" cy="107950"/>
+              </a:xfrm>
+              <a:custGeom>
+                <a:avLst/>
+                <a:gdLst/>
+                <a:ahLst/>
+                <a:cxnLst/>
+                <a:rect l="0" t="0" r="r" b="b"/>
+                <a:pathLst>
+                  <a:path w="24" h="23">
+                    <a:moveTo>
+                      <a:pt x="12" y="23"/>
+                    </a:moveTo>
+                    <a:cubicBezTo>
+                      <a:pt x="6" y="23"/>
+                      <a:pt x="0" y="18"/>
+                      <a:pt x="0" y="12"/>
+                    </a:cubicBezTo>
+                    <a:cubicBezTo>
+                      <a:pt x="0" y="5"/>
+                      <a:pt x="6" y="0"/>
+                      <a:pt x="12" y="0"/>
+                    </a:cubicBezTo>
+                    <a:cubicBezTo>
+                      <a:pt x="18" y="0"/>
+                      <a:pt x="24" y="5"/>
+                      <a:pt x="24" y="12"/>
+                    </a:cubicBezTo>
+                    <a:cubicBezTo>
+                      <a:pt x="24" y="18"/>
+                      <a:pt x="18" y="23"/>
+                      <a:pt x="12" y="23"/>
+                    </a:cubicBezTo>
+                    <a:close/>
+                    <a:moveTo>
+                      <a:pt x="12" y="4"/>
+                    </a:moveTo>
+                    <a:cubicBezTo>
+                      <a:pt x="8" y="4"/>
+                      <a:pt x="4" y="8"/>
+                      <a:pt x="4" y="12"/>
+                    </a:cubicBezTo>
+                    <a:cubicBezTo>
+                      <a:pt x="4" y="16"/>
+                      <a:pt x="8" y="19"/>
+                      <a:pt x="12" y="19"/>
+                    </a:cubicBezTo>
+                    <a:cubicBezTo>
+                      <a:pt x="16" y="19"/>
+                      <a:pt x="20" y="16"/>
+                      <a:pt x="20" y="12"/>
+                    </a:cubicBezTo>
+                    <a:cubicBezTo>
+                      <a:pt x="20" y="8"/>
+                      <a:pt x="16" y="4"/>
+                      <a:pt x="12" y="4"/>
+                    </a:cubicBezTo>
+                    <a:close/>
+                  </a:path>
+                </a:pathLst>
+              </a:custGeom>
+              <a:grpFill/>
+              <a:ln>
+                <a:noFill/>
+              </a:ln>
+              <a:extLst>
+                <a:ext uri="{91240B29-F687-4f45-9708-019B960494DF}">
+                  <a14:hiddenLine xmlns="" xmlns:a16="http://schemas.microsoft.com/office/drawing/2014/main" xmlns:p14="http://schemas.microsoft.com/office/powerpoint/2010/main" xmlns:a14="http://schemas.microsoft.com/office/drawing/2010/main" w="9525">
+                    <a:solidFill>
+                      <a:srgbClr val="000000"/>
+                    </a:solidFill>
+                    <a:round/>
+                    <a:headEnd/>
+                    <a:tailEnd/>
+                  </a14:hiddenLine>
+                </a:ext>
+              </a:extLst>
+            </p:spPr>
+          </p:sp>
+          <p:sp>
+            <p:nvSpPr>
+              <p:cNvPr id="43" name="Rectangle 21">
+                <a:extLst>
+                  <a:ext uri="{FF2B5EF4-FFF2-40B4-BE49-F238E27FC236}">
+                    <a16:creationId xmlns:a16="http://schemas.microsoft.com/office/drawing/2014/main" id="{3BDB2330-DF01-460D-83FB-00C37965CD5A}"/>
+                  </a:ext>
+                  <a:ext uri="{C183D7F6-B498-43B3-948B-1728B52AA6E4}">
+                    <adec:decorative xmlns:adec="http://schemas.microsoft.com/office/drawing/2017/decorative" val="1"/>
+                  </a:ext>
+                </a:extLst>
+              </p:cNvPr>
+              <p:cNvSpPr>
+                <a:spLocks noChangeArrowheads="1"/>
+              </p:cNvSpPr>
+              <p:nvPr>
+                <p:extLst>
+                  <p:ext uri="{386F3935-93C4-4BCD-93E2-E3B085C9AB24}">
+                    <p16:designElem xmlns:p16="http://schemas.microsoft.com/office/powerpoint/2015/main" val="1"/>
+                  </p:ext>
+                </p:extLst>
+              </p:nvPr>
+            </p:nvSpPr>
+            <p:spPr bwMode="auto">
+              <a:xfrm>
+                <a:off x="133350" y="4662488"/>
+                <a:ext cx="23813" cy="2181225"/>
+              </a:xfrm>
+              <a:prstGeom prst="rect">
+                <a:avLst/>
+              </a:prstGeom>
+              <a:grpFill/>
+              <a:ln>
+                <a:noFill/>
+              </a:ln>
+              <a:extLst>
+                <a:ext uri="{91240B29-F687-4f45-9708-019B960494DF}">
+                  <a14:hiddenLine xmlns="" xmlns:a16="http://schemas.microsoft.com/office/drawing/2014/main" xmlns:p14="http://schemas.microsoft.com/office/powerpoint/2010/main" xmlns:a14="http://schemas.microsoft.com/office/drawing/2010/main" w="9525">
+                    <a:solidFill>
+                      <a:srgbClr val="000000"/>
+                    </a:solidFill>
+                    <a:miter lim="800000"/>
+                    <a:headEnd/>
+                    <a:tailEnd/>
+                  </a14:hiddenLine>
+                </a:ext>
+              </a:extLst>
+            </p:spPr>
+          </p:sp>
+          <p:sp>
+            <p:nvSpPr>
+              <p:cNvPr id="44" name="Freeform 22">
+                <a:extLst>
+                  <a:ext uri="{FF2B5EF4-FFF2-40B4-BE49-F238E27FC236}">
+                    <a16:creationId xmlns:a16="http://schemas.microsoft.com/office/drawing/2014/main" id="{51261093-9B7F-4406-B2F8-0F5BE7676A2A}"/>
+                  </a:ext>
+                  <a:ext uri="{C183D7F6-B498-43B3-948B-1728B52AA6E4}">
+                    <adec:decorative xmlns:adec="http://schemas.microsoft.com/office/drawing/2017/decorative" val="1"/>
+                  </a:ext>
+                </a:extLst>
+              </p:cNvPr>
+              <p:cNvSpPr/>
+              <p:nvPr>
+                <p:extLst>
+                  <p:ext uri="{386F3935-93C4-4BCD-93E2-E3B085C9AB24}">
+                    <p16:designElem xmlns:p16="http://schemas.microsoft.com/office/powerpoint/2015/main" val="1"/>
+                  </p:ext>
+                </p:extLst>
+              </p:nvPr>
+            </p:nvSpPr>
+            <p:spPr bwMode="auto">
+              <a:xfrm>
+                <a:off x="223837" y="5041900"/>
+                <a:ext cx="369888" cy="1801813"/>
+              </a:xfrm>
+              <a:custGeom>
+                <a:avLst/>
+                <a:gdLst/>
+                <a:ahLst/>
+                <a:cxnLst/>
+                <a:rect l="0" t="0" r="r" b="b"/>
+                <a:pathLst>
+                  <a:path w="233" h="1135">
+                    <a:moveTo>
+                      <a:pt x="15" y="1135"/>
+                    </a:moveTo>
+                    <a:lnTo>
+                      <a:pt x="0" y="1135"/>
+                    </a:lnTo>
+                    <a:lnTo>
+                      <a:pt x="0" y="515"/>
+                    </a:lnTo>
+                    <a:lnTo>
+                      <a:pt x="0" y="512"/>
+                    </a:lnTo>
+                    <a:lnTo>
+                      <a:pt x="218" y="0"/>
+                    </a:lnTo>
+                    <a:lnTo>
+                      <a:pt x="233" y="6"/>
+                    </a:lnTo>
+                    <a:lnTo>
+                      <a:pt x="15" y="518"/>
+                    </a:lnTo>
+                    <a:lnTo>
+                      <a:pt x="15" y="1135"/>
+                    </a:lnTo>
+                    <a:close/>
+                  </a:path>
+                </a:pathLst>
+              </a:custGeom>
+              <a:grpFill/>
+              <a:ln>
+                <a:noFill/>
+              </a:ln>
+              <a:extLst>
+                <a:ext uri="{91240B29-F687-4f45-9708-019B960494DF}">
+                  <a14:hiddenLine xmlns="" xmlns:a16="http://schemas.microsoft.com/office/drawing/2014/main" xmlns:p14="http://schemas.microsoft.com/office/powerpoint/2010/main" xmlns:a14="http://schemas.microsoft.com/office/drawing/2010/main" w="9525">
+                    <a:solidFill>
+                      <a:srgbClr val="000000"/>
+                    </a:solidFill>
+                    <a:round/>
+                    <a:headEnd/>
+                    <a:tailEnd/>
+                  </a14:hiddenLine>
+                </a:ext>
+              </a:extLst>
+            </p:spPr>
+          </p:sp>
+          <p:sp>
+            <p:nvSpPr>
+              <p:cNvPr id="45" name="Freeform 23">
+                <a:extLst>
+                  <a:ext uri="{FF2B5EF4-FFF2-40B4-BE49-F238E27FC236}">
+                    <a16:creationId xmlns:a16="http://schemas.microsoft.com/office/drawing/2014/main" id="{9971E195-2AB6-4CB6-9BD7-A8407B5C8097}"/>
+                  </a:ext>
+                  <a:ext uri="{C183D7F6-B498-43B3-948B-1728B52AA6E4}">
+                    <adec:decorative xmlns:adec="http://schemas.microsoft.com/office/drawing/2017/decorative" val="1"/>
+                  </a:ext>
+                </a:extLst>
+              </p:cNvPr>
+              <p:cNvSpPr>
+                <a:spLocks noEditPoints="1"/>
+              </p:cNvSpPr>
+              <p:nvPr>
+                <p:extLst>
+                  <p:ext uri="{386F3935-93C4-4BCD-93E2-E3B085C9AB24}">
+                    <p16:designElem xmlns:p16="http://schemas.microsoft.com/office/powerpoint/2015/main" val="1"/>
+                  </p:ext>
+                </p:extLst>
+              </p:nvPr>
+            </p:nvSpPr>
+            <p:spPr bwMode="auto">
+              <a:xfrm>
+                <a:off x="52387" y="4481513"/>
+                <a:ext cx="190500" cy="190500"/>
+              </a:xfrm>
+              <a:custGeom>
+                <a:avLst/>
+                <a:gdLst/>
+                <a:ahLst/>
+                <a:cxnLst/>
+                <a:rect l="0" t="0" r="r" b="b"/>
+                <a:pathLst>
+                  <a:path w="40" h="40">
+                    <a:moveTo>
+                      <a:pt x="20" y="40"/>
+                    </a:moveTo>
+                    <a:cubicBezTo>
+                      <a:pt x="9" y="40"/>
+                      <a:pt x="0" y="31"/>
+                      <a:pt x="0" y="20"/>
+                    </a:cubicBezTo>
+                    <a:cubicBezTo>
+                      <a:pt x="0" y="9"/>
+                      <a:pt x="9" y="0"/>
+                      <a:pt x="20" y="0"/>
+                    </a:cubicBezTo>
+                    <a:cubicBezTo>
+                      <a:pt x="31" y="0"/>
+                      <a:pt x="40" y="9"/>
+                      <a:pt x="40" y="20"/>
+                    </a:cubicBezTo>
+                    <a:cubicBezTo>
+                      <a:pt x="40" y="31"/>
+                      <a:pt x="31" y="40"/>
+                      <a:pt x="20" y="40"/>
+                    </a:cubicBezTo>
+                    <a:close/>
+                    <a:moveTo>
+                      <a:pt x="20" y="4"/>
+                    </a:moveTo>
+                    <a:cubicBezTo>
+                      <a:pt x="11" y="4"/>
+                      <a:pt x="4" y="11"/>
+                      <a:pt x="4" y="20"/>
+                    </a:cubicBezTo>
+                    <a:cubicBezTo>
+                      <a:pt x="4" y="29"/>
+                      <a:pt x="11" y="36"/>
+                      <a:pt x="20" y="36"/>
+                    </a:cubicBezTo>
+                    <a:cubicBezTo>
+                      <a:pt x="28" y="36"/>
+                      <a:pt x="36" y="29"/>
+                      <a:pt x="36" y="20"/>
+                    </a:cubicBezTo>
+                    <a:cubicBezTo>
+                      <a:pt x="36" y="11"/>
+                      <a:pt x="28" y="4"/>
+                      <a:pt x="20" y="4"/>
+                    </a:cubicBezTo>
+                    <a:close/>
+                  </a:path>
+                </a:pathLst>
+              </a:custGeom>
+              <a:grpFill/>
+              <a:ln>
+                <a:noFill/>
+              </a:ln>
+              <a:extLst>
+                <a:ext uri="{91240B29-F687-4f45-9708-019B960494DF}">
+                  <a14:hiddenLine xmlns="" xmlns:a16="http://schemas.microsoft.com/office/drawing/2014/main" xmlns:p14="http://schemas.microsoft.com/office/powerpoint/2010/main" xmlns:a14="http://schemas.microsoft.com/office/drawing/2010/main" w="9525">
+                    <a:solidFill>
+                      <a:srgbClr val="000000"/>
+                    </a:solidFill>
+                    <a:round/>
+                    <a:headEnd/>
+                    <a:tailEnd/>
+                  </a14:hiddenLine>
+                </a:ext>
+              </a:extLst>
+            </p:spPr>
+          </p:sp>
+          <p:sp>
+            <p:nvSpPr>
+              <p:cNvPr id="46" name="Freeform 24">
+                <a:extLst>
+                  <a:ext uri="{FF2B5EF4-FFF2-40B4-BE49-F238E27FC236}">
+                    <a16:creationId xmlns:a16="http://schemas.microsoft.com/office/drawing/2014/main" id="{A3D843E7-8A86-4676-9C98-DECE0DFF6740}"/>
+                  </a:ext>
+                  <a:ext uri="{C183D7F6-B498-43B3-948B-1728B52AA6E4}">
+                    <adec:decorative xmlns:adec="http://schemas.microsoft.com/office/drawing/2017/decorative" val="1"/>
+                  </a:ext>
+                </a:extLst>
+              </p:cNvPr>
+              <p:cNvSpPr/>
+              <p:nvPr>
+                <p:extLst>
+                  <p:ext uri="{386F3935-93C4-4BCD-93E2-E3B085C9AB24}">
+                    <p16:designElem xmlns:p16="http://schemas.microsoft.com/office/powerpoint/2015/main" val="1"/>
+                  </p:ext>
+                </p:extLst>
+              </p:nvPr>
+            </p:nvSpPr>
+            <p:spPr bwMode="auto">
+              <a:xfrm>
+                <a:off x="-14288" y="5627688"/>
+                <a:ext cx="85725" cy="1216025"/>
+              </a:xfrm>
+              <a:custGeom>
+                <a:avLst/>
+                <a:gdLst/>
+                <a:ahLst/>
+                <a:cxnLst/>
+                <a:rect l="0" t="0" r="r" b="b"/>
+                <a:pathLst>
+                  <a:path w="54" h="766">
+                    <a:moveTo>
+                      <a:pt x="54" y="766"/>
+                    </a:moveTo>
+                    <a:lnTo>
+                      <a:pt x="36" y="766"/>
+                    </a:lnTo>
+                    <a:lnTo>
+                      <a:pt x="36" y="149"/>
+                    </a:lnTo>
+                    <a:lnTo>
+                      <a:pt x="0" y="3"/>
+                    </a:lnTo>
+                    <a:lnTo>
+                      <a:pt x="18" y="0"/>
+                    </a:lnTo>
+                    <a:lnTo>
+                      <a:pt x="54" y="146"/>
+                    </a:lnTo>
+                    <a:lnTo>
+                      <a:pt x="54" y="766"/>
+                    </a:lnTo>
+                    <a:close/>
+                  </a:path>
+                </a:pathLst>
+              </a:custGeom>
+              <a:grpFill/>
+              <a:ln>
+                <a:noFill/>
+              </a:ln>
+              <a:extLst>
+                <a:ext uri="{91240B29-F687-4f45-9708-019B960494DF}">
+                  <a14:hiddenLine xmlns="" xmlns:a16="http://schemas.microsoft.com/office/drawing/2014/main" xmlns:p14="http://schemas.microsoft.com/office/powerpoint/2010/main" xmlns:a14="http://schemas.microsoft.com/office/drawing/2010/main" w="9525">
+                    <a:solidFill>
+                      <a:srgbClr val="000000"/>
+                    </a:solidFill>
+                    <a:round/>
+                    <a:headEnd/>
+                    <a:tailEnd/>
+                  </a14:hiddenLine>
+                </a:ext>
+              </a:extLst>
+            </p:spPr>
+          </p:sp>
+          <p:sp>
+            <p:nvSpPr>
+              <p:cNvPr id="47" name="Freeform 25">
+                <a:extLst>
+                  <a:ext uri="{FF2B5EF4-FFF2-40B4-BE49-F238E27FC236}">
+                    <a16:creationId xmlns:a16="http://schemas.microsoft.com/office/drawing/2014/main" id="{FAF42817-AB3E-40FA-997F-EAC1411F465F}"/>
+                  </a:ext>
+                  <a:ext uri="{C183D7F6-B498-43B3-948B-1728B52AA6E4}">
+                    <adec:decorative xmlns:adec="http://schemas.microsoft.com/office/drawing/2017/decorative" val="1"/>
+                  </a:ext>
+                </a:extLst>
+              </p:cNvPr>
+              <p:cNvSpPr>
+                <a:spLocks noEditPoints="1"/>
+              </p:cNvSpPr>
+              <p:nvPr>
+                <p:extLst>
+                  <p:ext uri="{386F3935-93C4-4BCD-93E2-E3B085C9AB24}">
+                    <p16:designElem xmlns:p16="http://schemas.microsoft.com/office/powerpoint/2015/main" val="1"/>
+                  </p:ext>
+                </p:extLst>
+              </p:nvPr>
+            </p:nvSpPr>
+            <p:spPr bwMode="auto">
+              <a:xfrm>
+                <a:off x="527050" y="4867275"/>
+                <a:ext cx="190500" cy="188913"/>
+              </a:xfrm>
+              <a:custGeom>
+                <a:avLst/>
+                <a:gdLst/>
+                <a:ahLst/>
+                <a:cxnLst/>
+                <a:rect l="0" t="0" r="r" b="b"/>
+                <a:pathLst>
+                  <a:path w="40" h="40">
+                    <a:moveTo>
+                      <a:pt x="20" y="40"/>
+                    </a:moveTo>
+                    <a:cubicBezTo>
+                      <a:pt x="9" y="40"/>
+                      <a:pt x="0" y="31"/>
+                      <a:pt x="0" y="20"/>
+                    </a:cubicBezTo>
+                    <a:cubicBezTo>
+                      <a:pt x="0" y="9"/>
+                      <a:pt x="9" y="0"/>
+                      <a:pt x="20" y="0"/>
+                    </a:cubicBezTo>
+                    <a:cubicBezTo>
+                      <a:pt x="31" y="0"/>
+                      <a:pt x="40" y="9"/>
+                      <a:pt x="40" y="20"/>
+                    </a:cubicBezTo>
+                    <a:cubicBezTo>
+                      <a:pt x="40" y="31"/>
+                      <a:pt x="31" y="40"/>
+                      <a:pt x="20" y="40"/>
+                    </a:cubicBezTo>
+                    <a:close/>
+                    <a:moveTo>
+                      <a:pt x="20" y="4"/>
+                    </a:moveTo>
+                    <a:cubicBezTo>
+                      <a:pt x="11" y="4"/>
+                      <a:pt x="4" y="11"/>
+                      <a:pt x="4" y="20"/>
+                    </a:cubicBezTo>
+                    <a:cubicBezTo>
+                      <a:pt x="4" y="29"/>
+                      <a:pt x="11" y="36"/>
+                      <a:pt x="20" y="36"/>
+                    </a:cubicBezTo>
+                    <a:cubicBezTo>
+                      <a:pt x="29" y="36"/>
+                      <a:pt x="36" y="29"/>
+                      <a:pt x="36" y="20"/>
+                    </a:cubicBezTo>
+                    <a:cubicBezTo>
+                      <a:pt x="36" y="11"/>
+                      <a:pt x="29" y="4"/>
+                      <a:pt x="20" y="4"/>
+                    </a:cubicBezTo>
+                    <a:close/>
+                  </a:path>
+                </a:pathLst>
+              </a:custGeom>
+              <a:grpFill/>
+              <a:ln>
+                <a:noFill/>
+              </a:ln>
+              <a:extLst>
+                <a:ext uri="{91240B29-F687-4f45-9708-019B960494DF}">
+                  <a14:hiddenLine xmlns="" xmlns:a16="http://schemas.microsoft.com/office/drawing/2014/main" xmlns:p14="http://schemas.microsoft.com/office/powerpoint/2010/main" xmlns:a14="http://schemas.microsoft.com/office/drawing/2010/main" w="9525">
+                    <a:solidFill>
+                      <a:srgbClr val="000000"/>
+                    </a:solidFill>
+                    <a:round/>
+                    <a:headEnd/>
+                    <a:tailEnd/>
+                  </a14:hiddenLine>
+                </a:ext>
+              </a:extLst>
+            </p:spPr>
+          </p:sp>
+          <p:sp>
+            <p:nvSpPr>
+              <p:cNvPr id="48" name="Freeform 26">
+                <a:extLst>
+                  <a:ext uri="{FF2B5EF4-FFF2-40B4-BE49-F238E27FC236}">
+                    <a16:creationId xmlns:a16="http://schemas.microsoft.com/office/drawing/2014/main" id="{50ED3298-A6DC-4825-93B1-68DB8CB629A1}"/>
+                  </a:ext>
+                  <a:ext uri="{C183D7F6-B498-43B3-948B-1728B52AA6E4}">
+                    <adec:decorative xmlns:adec="http://schemas.microsoft.com/office/drawing/2017/decorative" val="1"/>
+                  </a:ext>
+                </a:extLst>
+              </p:cNvPr>
+              <p:cNvSpPr/>
+              <p:nvPr>
+                <p:extLst>
+                  <p:ext uri="{386F3935-93C4-4BCD-93E2-E3B085C9AB24}">
+                    <p16:designElem xmlns:p16="http://schemas.microsoft.com/office/powerpoint/2015/main" val="1"/>
+                  </p:ext>
+                </p:extLst>
+              </p:nvPr>
+            </p:nvSpPr>
+            <p:spPr bwMode="auto">
+              <a:xfrm>
+                <a:off x="309562" y="5422900"/>
+                <a:ext cx="374650" cy="1425575"/>
+              </a:xfrm>
+              <a:custGeom>
+                <a:avLst/>
+                <a:gdLst/>
+                <a:ahLst/>
+                <a:cxnLst/>
+                <a:rect l="0" t="0" r="r" b="b"/>
+                <a:pathLst>
+                  <a:path w="236" h="898">
+                    <a:moveTo>
+                      <a:pt x="18" y="898"/>
+                    </a:moveTo>
+                    <a:lnTo>
+                      <a:pt x="0" y="898"/>
+                    </a:lnTo>
+                    <a:lnTo>
+                      <a:pt x="0" y="515"/>
+                    </a:lnTo>
+                    <a:lnTo>
+                      <a:pt x="3" y="512"/>
+                    </a:lnTo>
+                    <a:lnTo>
+                      <a:pt x="221" y="0"/>
+                    </a:lnTo>
+                    <a:lnTo>
+                      <a:pt x="236" y="6"/>
+                    </a:lnTo>
+                    <a:lnTo>
+                      <a:pt x="18" y="518"/>
+                    </a:lnTo>
+                    <a:lnTo>
+                      <a:pt x="18" y="898"/>
+                    </a:lnTo>
+                    <a:close/>
+                  </a:path>
+                </a:pathLst>
+              </a:custGeom>
+              <a:grpFill/>
+              <a:ln>
+                <a:noFill/>
+              </a:ln>
+              <a:extLst>
+                <a:ext uri="{91240B29-F687-4f45-9708-019B960494DF}">
+                  <a14:hiddenLine xmlns="" xmlns:a16="http://schemas.microsoft.com/office/drawing/2014/main" xmlns:p14="http://schemas.microsoft.com/office/powerpoint/2010/main" xmlns:a14="http://schemas.microsoft.com/office/drawing/2010/main" w="9525">
+                    <a:solidFill>
+                      <a:srgbClr val="000000"/>
+                    </a:solidFill>
+                    <a:round/>
+                    <a:headEnd/>
+                    <a:tailEnd/>
+                  </a14:hiddenLine>
+                </a:ext>
+              </a:extLst>
+            </p:spPr>
+          </p:sp>
+          <p:sp>
+            <p:nvSpPr>
+              <p:cNvPr id="49" name="Freeform 27">
+                <a:extLst>
+                  <a:ext uri="{FF2B5EF4-FFF2-40B4-BE49-F238E27FC236}">
+                    <a16:creationId xmlns:a16="http://schemas.microsoft.com/office/drawing/2014/main" id="{2B951778-3B6B-4BB9-9D89-2ED650C8204E}"/>
+                  </a:ext>
+                  <a:ext uri="{C183D7F6-B498-43B3-948B-1728B52AA6E4}">
+                    <adec:decorative xmlns:adec="http://schemas.microsoft.com/office/drawing/2017/decorative" val="1"/>
+                  </a:ext>
+                </a:extLst>
+              </p:cNvPr>
+              <p:cNvSpPr/>
+              <p:nvPr>
+                <p:extLst>
+                  <p:ext uri="{386F3935-93C4-4BCD-93E2-E3B085C9AB24}">
+                    <p16:designElem xmlns:p16="http://schemas.microsoft.com/office/powerpoint/2015/main" val="1"/>
+                  </p:ext>
+                </p:extLst>
+              </p:nvPr>
+            </p:nvSpPr>
+            <p:spPr bwMode="auto">
+              <a:xfrm>
+                <a:off x="569912" y="5945188"/>
+                <a:ext cx="152400" cy="912813"/>
+              </a:xfrm>
+              <a:custGeom>
+                <a:avLst/>
+                <a:gdLst/>
+                <a:ahLst/>
+                <a:cxnLst/>
+                <a:rect l="0" t="0" r="r" b="b"/>
+                <a:pathLst>
+                  <a:path w="96" h="575">
+                    <a:moveTo>
+                      <a:pt x="15" y="575"/>
+                    </a:moveTo>
+                    <a:lnTo>
+                      <a:pt x="0" y="569"/>
+                    </a:lnTo>
+                    <a:lnTo>
+                      <a:pt x="81" y="383"/>
+                    </a:lnTo>
+                    <a:lnTo>
+                      <a:pt x="81" y="0"/>
+                    </a:lnTo>
+                    <a:lnTo>
+                      <a:pt x="96" y="0"/>
+                    </a:lnTo>
+                    <a:lnTo>
+                      <a:pt x="96" y="386"/>
+                    </a:lnTo>
+                    <a:lnTo>
+                      <a:pt x="15" y="575"/>
+                    </a:lnTo>
+                    <a:close/>
+                  </a:path>
+                </a:pathLst>
+              </a:custGeom>
+              <a:grpFill/>
+              <a:ln>
+                <a:noFill/>
+              </a:ln>
+              <a:extLst>
+                <a:ext uri="{91240B29-F687-4f45-9708-019B960494DF}">
+                  <a14:hiddenLine xmlns="" xmlns:a16="http://schemas.microsoft.com/office/drawing/2014/main" xmlns:p14="http://schemas.microsoft.com/office/powerpoint/2010/main" xmlns:a14="http://schemas.microsoft.com/office/drawing/2010/main" w="9525">
+                    <a:solidFill>
+                      <a:srgbClr val="000000"/>
+                    </a:solidFill>
+                    <a:round/>
+                    <a:headEnd/>
+                    <a:tailEnd/>
+                  </a14:hiddenLine>
+                </a:ext>
+              </a:extLst>
+            </p:spPr>
+          </p:sp>
+          <p:sp>
+            <p:nvSpPr>
+              <p:cNvPr id="50" name="Freeform 28">
+                <a:extLst>
+                  <a:ext uri="{FF2B5EF4-FFF2-40B4-BE49-F238E27FC236}">
+                    <a16:creationId xmlns:a16="http://schemas.microsoft.com/office/drawing/2014/main" id="{8F3ED9A8-A83F-463A-8C2E-E83977D9A9CA}"/>
+                  </a:ext>
+                  <a:ext uri="{C183D7F6-B498-43B3-948B-1728B52AA6E4}">
+                    <adec:decorative xmlns:adec="http://schemas.microsoft.com/office/drawing/2017/decorative" val="1"/>
+                  </a:ext>
+                </a:extLst>
+              </p:cNvPr>
+              <p:cNvSpPr>
+                <a:spLocks noEditPoints="1"/>
+              </p:cNvSpPr>
+              <p:nvPr>
+                <p:extLst>
+                  <p:ext uri="{386F3935-93C4-4BCD-93E2-E3B085C9AB24}">
+                    <p16:designElem xmlns:p16="http://schemas.microsoft.com/office/powerpoint/2015/main" val="1"/>
+                  </p:ext>
+                </p:extLst>
+              </p:nvPr>
+            </p:nvSpPr>
+            <p:spPr bwMode="auto">
+              <a:xfrm>
+                <a:off x="612775" y="5246688"/>
+                <a:ext cx="190500" cy="190500"/>
+              </a:xfrm>
+              <a:custGeom>
+                <a:avLst/>
+                <a:gdLst/>
+                <a:ahLst/>
+                <a:cxnLst/>
+                <a:rect l="0" t="0" r="r" b="b"/>
+                <a:pathLst>
+                  <a:path w="40" h="40">
+                    <a:moveTo>
+                      <a:pt x="20" y="40"/>
+                    </a:moveTo>
+                    <a:cubicBezTo>
+                      <a:pt x="9" y="40"/>
+                      <a:pt x="0" y="31"/>
+                      <a:pt x="0" y="20"/>
+                    </a:cubicBezTo>
+                    <a:cubicBezTo>
+                      <a:pt x="0" y="9"/>
+                      <a:pt x="9" y="0"/>
+                      <a:pt x="20" y="0"/>
+                    </a:cubicBezTo>
+                    <a:cubicBezTo>
+                      <a:pt x="31" y="0"/>
+                      <a:pt x="40" y="9"/>
+                      <a:pt x="40" y="20"/>
+                    </a:cubicBezTo>
+                    <a:cubicBezTo>
+                      <a:pt x="40" y="31"/>
+                      <a:pt x="31" y="40"/>
+                      <a:pt x="20" y="40"/>
+                    </a:cubicBezTo>
+                    <a:close/>
+                    <a:moveTo>
+                      <a:pt x="20" y="4"/>
+                    </a:moveTo>
+                    <a:cubicBezTo>
+                      <a:pt x="12" y="4"/>
+                      <a:pt x="4" y="11"/>
+                      <a:pt x="4" y="20"/>
+                    </a:cubicBezTo>
+                    <a:cubicBezTo>
+                      <a:pt x="4" y="29"/>
+                      <a:pt x="12" y="36"/>
+                      <a:pt x="20" y="36"/>
+                    </a:cubicBezTo>
+                    <a:cubicBezTo>
+                      <a:pt x="29" y="36"/>
+                      <a:pt x="36" y="29"/>
+                      <a:pt x="36" y="20"/>
+                    </a:cubicBezTo>
+                    <a:cubicBezTo>
+                      <a:pt x="36" y="11"/>
+                      <a:pt x="29" y="4"/>
+                      <a:pt x="20" y="4"/>
+                    </a:cubicBezTo>
+                    <a:close/>
+                  </a:path>
+                </a:pathLst>
+              </a:custGeom>
+              <a:grpFill/>
+              <a:ln>
+                <a:noFill/>
+              </a:ln>
+              <a:extLst>
+                <a:ext uri="{91240B29-F687-4f45-9708-019B960494DF}">
+                  <a14:hiddenLine xmlns="" xmlns:a16="http://schemas.microsoft.com/office/drawing/2014/main" xmlns:p14="http://schemas.microsoft.com/office/powerpoint/2010/main" xmlns:a14="http://schemas.microsoft.com/office/drawing/2010/main" w="9525">
+                    <a:solidFill>
+                      <a:srgbClr val="000000"/>
+                    </a:solidFill>
+                    <a:round/>
+                    <a:headEnd/>
+                    <a:tailEnd/>
+                  </a14:hiddenLine>
+                </a:ext>
+              </a:extLst>
+            </p:spPr>
+          </p:sp>
+          <p:sp>
+            <p:nvSpPr>
+              <p:cNvPr id="51" name="Freeform 29">
+                <a:extLst>
+                  <a:ext uri="{FF2B5EF4-FFF2-40B4-BE49-F238E27FC236}">
+                    <a16:creationId xmlns:a16="http://schemas.microsoft.com/office/drawing/2014/main" id="{9A0C113E-781D-4083-86C0-EC936092D277}"/>
+                  </a:ext>
+                  <a:ext uri="{C183D7F6-B498-43B3-948B-1728B52AA6E4}">
+                    <adec:decorative xmlns:adec="http://schemas.microsoft.com/office/drawing/2017/decorative" val="1"/>
+                  </a:ext>
+                </a:extLst>
+              </p:cNvPr>
+              <p:cNvSpPr>
+                <a:spLocks noEditPoints="1"/>
+              </p:cNvSpPr>
+              <p:nvPr>
+                <p:extLst>
+                  <p:ext uri="{386F3935-93C4-4BCD-93E2-E3B085C9AB24}">
+                    <p16:designElem xmlns:p16="http://schemas.microsoft.com/office/powerpoint/2015/main" val="1"/>
+                  </p:ext>
+                </p:extLst>
+              </p:nvPr>
+            </p:nvSpPr>
+            <p:spPr bwMode="auto">
+              <a:xfrm>
+                <a:off x="612775" y="5764213"/>
+                <a:ext cx="190500" cy="190500"/>
+              </a:xfrm>
+              <a:custGeom>
+                <a:avLst/>
+                <a:gdLst/>
+                <a:ahLst/>
+                <a:cxnLst/>
+                <a:rect l="0" t="0" r="r" b="b"/>
+                <a:pathLst>
+                  <a:path w="40" h="40">
+                    <a:moveTo>
+                      <a:pt x="20" y="40"/>
+                    </a:moveTo>
+                    <a:cubicBezTo>
+                      <a:pt x="9" y="40"/>
+                      <a:pt x="0" y="31"/>
+                      <a:pt x="0" y="20"/>
+                    </a:cubicBezTo>
+                    <a:cubicBezTo>
+                      <a:pt x="0" y="9"/>
+                      <a:pt x="9" y="0"/>
+                      <a:pt x="20" y="0"/>
+                    </a:cubicBezTo>
+                    <a:cubicBezTo>
+                      <a:pt x="31" y="0"/>
+                      <a:pt x="40" y="9"/>
+                      <a:pt x="40" y="20"/>
+                    </a:cubicBezTo>
+                    <a:cubicBezTo>
+                      <a:pt x="40" y="31"/>
+                      <a:pt x="31" y="40"/>
+                      <a:pt x="20" y="40"/>
+                    </a:cubicBezTo>
+                    <a:close/>
+                    <a:moveTo>
+                      <a:pt x="20" y="4"/>
+                    </a:moveTo>
+                    <a:cubicBezTo>
+                      <a:pt x="12" y="4"/>
+                      <a:pt x="4" y="11"/>
+                      <a:pt x="4" y="20"/>
+                    </a:cubicBezTo>
+                    <a:cubicBezTo>
+                      <a:pt x="4" y="29"/>
+                      <a:pt x="12" y="36"/>
+                      <a:pt x="20" y="36"/>
+                    </a:cubicBezTo>
+                    <a:cubicBezTo>
+                      <a:pt x="29" y="36"/>
+                      <a:pt x="36" y="29"/>
+                      <a:pt x="36" y="20"/>
+                    </a:cubicBezTo>
+                    <a:cubicBezTo>
+                      <a:pt x="36" y="11"/>
+                      <a:pt x="29" y="4"/>
+                      <a:pt x="20" y="4"/>
+                    </a:cubicBezTo>
+                    <a:close/>
+                  </a:path>
+                </a:pathLst>
+              </a:custGeom>
+              <a:grpFill/>
+              <a:ln>
+                <a:noFill/>
+              </a:ln>
+              <a:extLst>
+                <a:ext uri="{91240B29-F687-4f45-9708-019B960494DF}">
+                  <a14:hiddenLine xmlns="" xmlns:a16="http://schemas.microsoft.com/office/drawing/2014/main" xmlns:p14="http://schemas.microsoft.com/office/powerpoint/2010/main" xmlns:a14="http://schemas.microsoft.com/office/drawing/2010/main" w="9525">
+                    <a:solidFill>
+                      <a:srgbClr val="000000"/>
+                    </a:solidFill>
+                    <a:round/>
+                    <a:headEnd/>
+                    <a:tailEnd/>
+                  </a14:hiddenLine>
+                </a:ext>
+              </a:extLst>
+            </p:spPr>
+          </p:sp>
+          <p:sp>
+            <p:nvSpPr>
+              <p:cNvPr id="52" name="Freeform 30">
+                <a:extLst>
+                  <a:ext uri="{FF2B5EF4-FFF2-40B4-BE49-F238E27FC236}">
+                    <a16:creationId xmlns:a16="http://schemas.microsoft.com/office/drawing/2014/main" id="{B63D60EF-1E99-4D4C-BF11-AAF8ABEB86E6}"/>
+                  </a:ext>
+                  <a:ext uri="{C183D7F6-B498-43B3-948B-1728B52AA6E4}">
+                    <adec:decorative xmlns:adec="http://schemas.microsoft.com/office/drawing/2017/decorative" val="1"/>
+                  </a:ext>
+                </a:extLst>
+              </p:cNvPr>
+              <p:cNvSpPr/>
+              <p:nvPr>
+                <p:extLst>
+                  <p:ext uri="{386F3935-93C4-4BCD-93E2-E3B085C9AB24}">
+                    <p16:designElem xmlns:p16="http://schemas.microsoft.com/office/powerpoint/2015/main" val="1"/>
+                  </p:ext>
+                </p:extLst>
+              </p:nvPr>
+            </p:nvSpPr>
+            <p:spPr bwMode="auto">
+              <a:xfrm>
+                <a:off x="669925" y="6330950"/>
+                <a:ext cx="417513" cy="517525"/>
+              </a:xfrm>
+              <a:custGeom>
+                <a:avLst/>
+                <a:gdLst/>
+                <a:ahLst/>
+                <a:cxnLst/>
+                <a:rect l="0" t="0" r="r" b="b"/>
+                <a:pathLst>
+                  <a:path w="263" h="326">
+                    <a:moveTo>
+                      <a:pt x="15" y="326"/>
+                    </a:moveTo>
+                    <a:lnTo>
+                      <a:pt x="0" y="320"/>
+                    </a:lnTo>
+                    <a:lnTo>
+                      <a:pt x="45" y="206"/>
+                    </a:lnTo>
+                    <a:lnTo>
+                      <a:pt x="48" y="206"/>
+                    </a:lnTo>
+                    <a:lnTo>
+                      <a:pt x="254" y="0"/>
+                    </a:lnTo>
+                    <a:lnTo>
+                      <a:pt x="263" y="12"/>
+                    </a:lnTo>
+                    <a:lnTo>
+                      <a:pt x="60" y="215"/>
+                    </a:lnTo>
+                    <a:lnTo>
+                      <a:pt x="15" y="326"/>
+                    </a:lnTo>
+                    <a:close/>
+                  </a:path>
+                </a:pathLst>
+              </a:custGeom>
+              <a:grpFill/>
+              <a:ln>
+                <a:noFill/>
+              </a:ln>
+              <a:extLst>
+                <a:ext uri="{91240B29-F687-4f45-9708-019B960494DF}">
+                  <a14:hiddenLine xmlns="" xmlns:a16="http://schemas.microsoft.com/office/drawing/2014/main" xmlns:p14="http://schemas.microsoft.com/office/powerpoint/2010/main" xmlns:a14="http://schemas.microsoft.com/office/drawing/2010/main" w="9525">
+                    <a:solidFill>
+                      <a:srgbClr val="000000"/>
+                    </a:solidFill>
+                    <a:round/>
+                    <a:headEnd/>
+                    <a:tailEnd/>
+                  </a14:hiddenLine>
+                </a:ext>
+              </a:extLst>
+            </p:spPr>
+          </p:sp>
+          <p:sp>
+            <p:nvSpPr>
+              <p:cNvPr id="53" name="Freeform 31">
+                <a:extLst>
+                  <a:ext uri="{FF2B5EF4-FFF2-40B4-BE49-F238E27FC236}">
+                    <a16:creationId xmlns:a16="http://schemas.microsoft.com/office/drawing/2014/main" id="{50403E41-7079-49EA-8D0B-4F678552D9BB}"/>
+                  </a:ext>
+                  <a:ext uri="{C183D7F6-B498-43B3-948B-1728B52AA6E4}">
+                    <adec:decorative xmlns:adec="http://schemas.microsoft.com/office/drawing/2017/decorative" val="1"/>
+                  </a:ext>
+                </a:extLst>
+              </p:cNvPr>
+              <p:cNvSpPr>
+                <a:spLocks noEditPoints="1"/>
+              </p:cNvSpPr>
+              <p:nvPr>
+                <p:extLst>
+                  <p:ext uri="{386F3935-93C4-4BCD-93E2-E3B085C9AB24}">
+                    <p16:designElem xmlns:p16="http://schemas.microsoft.com/office/powerpoint/2015/main" val="1"/>
+                  </p:ext>
+                </p:extLst>
+              </p:nvPr>
+            </p:nvSpPr>
+            <p:spPr bwMode="auto">
+              <a:xfrm>
+                <a:off x="1049337" y="6221413"/>
+                <a:ext cx="157163" cy="147638"/>
+              </a:xfrm>
+              <a:custGeom>
+                <a:avLst/>
+                <a:gdLst/>
+                <a:ahLst/>
+                <a:cxnLst/>
+                <a:rect l="0" t="0" r="r" b="b"/>
+                <a:pathLst>
+                  <a:path w="33" h="31">
+                    <a:moveTo>
+                      <a:pt x="16" y="31"/>
+                    </a:moveTo>
+                    <a:cubicBezTo>
+                      <a:pt x="12" y="31"/>
+                      <a:pt x="8" y="29"/>
+                      <a:pt x="5" y="26"/>
+                    </a:cubicBezTo>
+                    <a:cubicBezTo>
+                      <a:pt x="2" y="24"/>
+                      <a:pt x="0" y="20"/>
+                      <a:pt x="0" y="15"/>
+                    </a:cubicBezTo>
+                    <a:cubicBezTo>
+                      <a:pt x="0" y="11"/>
+                      <a:pt x="2" y="7"/>
+                      <a:pt x="5" y="4"/>
+                    </a:cubicBezTo>
+                    <a:cubicBezTo>
+                      <a:pt x="8" y="1"/>
+                      <a:pt x="12" y="0"/>
+                      <a:pt x="16" y="0"/>
+                    </a:cubicBezTo>
+                    <a:cubicBezTo>
+                      <a:pt x="20" y="0"/>
+                      <a:pt x="24" y="1"/>
+                      <a:pt x="27" y="4"/>
+                    </a:cubicBezTo>
+                    <a:cubicBezTo>
+                      <a:pt x="33" y="10"/>
+                      <a:pt x="33" y="20"/>
+                      <a:pt x="27" y="26"/>
+                    </a:cubicBezTo>
+                    <a:cubicBezTo>
+                      <a:pt x="24" y="29"/>
+                      <a:pt x="20" y="31"/>
+                      <a:pt x="16" y="31"/>
+                    </a:cubicBezTo>
+                    <a:close/>
+                    <a:moveTo>
+                      <a:pt x="16" y="4"/>
+                    </a:moveTo>
+                    <a:cubicBezTo>
+                      <a:pt x="13" y="4"/>
+                      <a:pt x="10" y="5"/>
+                      <a:pt x="8" y="7"/>
+                    </a:cubicBezTo>
+                    <a:cubicBezTo>
+                      <a:pt x="6" y="9"/>
+                      <a:pt x="4" y="12"/>
+                      <a:pt x="4" y="15"/>
+                    </a:cubicBezTo>
+                    <a:cubicBezTo>
+                      <a:pt x="4" y="19"/>
+                      <a:pt x="6" y="21"/>
+                      <a:pt x="8" y="24"/>
+                    </a:cubicBezTo>
+                    <a:cubicBezTo>
+                      <a:pt x="10" y="26"/>
+                      <a:pt x="13" y="27"/>
+                      <a:pt x="16" y="27"/>
+                    </a:cubicBezTo>
+                    <a:cubicBezTo>
+                      <a:pt x="19" y="27"/>
+                      <a:pt x="22" y="26"/>
+                      <a:pt x="24" y="24"/>
+                    </a:cubicBezTo>
+                    <a:cubicBezTo>
+                      <a:pt x="29" y="19"/>
+                      <a:pt x="29" y="12"/>
+                      <a:pt x="24" y="7"/>
+                    </a:cubicBezTo>
+                    <a:cubicBezTo>
+                      <a:pt x="22" y="5"/>
+                      <a:pt x="19" y="4"/>
+                      <a:pt x="16" y="4"/>
+                    </a:cubicBezTo>
+                    <a:close/>
+                  </a:path>
+                </a:pathLst>
+              </a:custGeom>
+              <a:grpFill/>
+              <a:ln>
+                <a:noFill/>
+              </a:ln>
+              <a:extLst>
+                <a:ext uri="{91240B29-F687-4f45-9708-019B960494DF}">
+                  <a14:hiddenLine xmlns="" xmlns:a16="http://schemas.microsoft.com/office/drawing/2014/main" xmlns:p14="http://schemas.microsoft.com/office/powerpoint/2010/main" xmlns:a14="http://schemas.microsoft.com/office/drawing/2010/main" w="9525">
+                    <a:solidFill>
+                      <a:srgbClr val="000000"/>
+                    </a:solidFill>
+                    <a:round/>
+                    <a:headEnd/>
+                    <a:tailEnd/>
+                  </a14:hiddenLine>
+                </a:ext>
+              </a:extLst>
+            </p:spPr>
+          </p:sp>
+        </p:grpSp>
+        <p:grpSp>
+          <p:nvGrpSpPr>
+            <p:cNvPr id="16" name="Group 15">
+              <a:extLst>
+                <a:ext uri="{FF2B5EF4-FFF2-40B4-BE49-F238E27FC236}">
+                  <a16:creationId xmlns:a16="http://schemas.microsoft.com/office/drawing/2014/main" id="{E3B2C458-4D37-49A0-A94E-D516E05C3CC4}"/>
+                </a:ext>
+                <a:ext uri="{C183D7F6-B498-43B3-948B-1728B52AA6E4}">
+                  <adec:decorative xmlns:adec="http://schemas.microsoft.com/office/drawing/2017/decorative" val="1"/>
+                </a:ext>
+              </a:extLst>
+            </p:cNvPr>
+            <p:cNvGrpSpPr/>
+            <p:nvPr>
+              <p:extLst>
+                <p:ext uri="{386F3935-93C4-4BCD-93E2-E3B085C9AB24}">
+                  <p16:designElem xmlns:p16="http://schemas.microsoft.com/office/powerpoint/2015/main" val="1"/>
+                </p:ext>
+              </p:extLst>
+            </p:nvPr>
+          </p:nvGrpSpPr>
+          <p:grpSpPr>
+            <a:xfrm>
+              <a:off x="11227597" y="0"/>
+              <a:ext cx="674688" cy="6848476"/>
+              <a:chOff x="11364912" y="0"/>
+              <a:chExt cx="674688" cy="6848476"/>
+            </a:xfrm>
+            <a:gradFill flip="none" rotWithShape="1">
+              <a:gsLst>
+                <a:gs pos="0">
+                  <a:schemeClr val="bg2"/>
+                </a:gs>
+                <a:gs pos="100000">
+                  <a:schemeClr val="tx2">
+                    <a:lumMod val="60000"/>
+                    <a:lumOff val="40000"/>
+                  </a:schemeClr>
+                </a:gs>
+              </a:gsLst>
+              <a:lin ang="5400000" scaled="0"/>
+              <a:tileRect/>
+            </a:gradFill>
+          </p:grpSpPr>
+          <p:sp>
+            <p:nvSpPr>
+              <p:cNvPr id="17" name="Freeform 32">
+                <a:extLst>
+                  <a:ext uri="{FF2B5EF4-FFF2-40B4-BE49-F238E27FC236}">
+                    <a16:creationId xmlns:a16="http://schemas.microsoft.com/office/drawing/2014/main" id="{C1B10016-E0C4-4526-A466-9911541D26EF}"/>
+                  </a:ext>
+                  <a:ext uri="{C183D7F6-B498-43B3-948B-1728B52AA6E4}">
+                    <adec:decorative xmlns:adec="http://schemas.microsoft.com/office/drawing/2017/decorative" val="1"/>
+                  </a:ext>
+                </a:extLst>
+              </p:cNvPr>
+              <p:cNvSpPr/>
+              <p:nvPr>
+                <p:extLst>
+                  <p:ext uri="{386F3935-93C4-4BCD-93E2-E3B085C9AB24}">
+                    <p16:designElem xmlns:p16="http://schemas.microsoft.com/office/powerpoint/2015/main" val="1"/>
+                  </p:ext>
+                </p:extLst>
+              </p:nvPr>
+            </p:nvSpPr>
+            <p:spPr bwMode="auto">
+              <a:xfrm>
+                <a:off x="11483975" y="0"/>
+                <a:ext cx="417513" cy="512763"/>
+              </a:xfrm>
+              <a:custGeom>
+                <a:avLst/>
+                <a:gdLst/>
+                <a:ahLst/>
+                <a:cxnLst/>
+                <a:rect l="0" t="0" r="r" b="b"/>
+                <a:pathLst>
+                  <a:path w="263" h="323">
+                    <a:moveTo>
+                      <a:pt x="12" y="323"/>
+                    </a:moveTo>
+                    <a:lnTo>
+                      <a:pt x="0" y="314"/>
+                    </a:lnTo>
+                    <a:lnTo>
+                      <a:pt x="203" y="108"/>
+                    </a:lnTo>
+                    <a:lnTo>
+                      <a:pt x="248" y="0"/>
+                    </a:lnTo>
+                    <a:lnTo>
+                      <a:pt x="263" y="6"/>
+                    </a:lnTo>
+                    <a:lnTo>
+                      <a:pt x="218" y="117"/>
+                    </a:lnTo>
+                    <a:lnTo>
+                      <a:pt x="218" y="117"/>
+                    </a:lnTo>
+                    <a:lnTo>
+                      <a:pt x="12" y="323"/>
+                    </a:lnTo>
+                    <a:close/>
+                  </a:path>
+                </a:pathLst>
+              </a:custGeom>
+              <a:grpFill/>
+              <a:ln>
+                <a:noFill/>
+              </a:ln>
+              <a:extLst>
+                <a:ext uri="{91240B29-F687-4f45-9708-019B960494DF}">
+                  <a14:hiddenLine xmlns="" xmlns:a16="http://schemas.microsoft.com/office/drawing/2014/main" xmlns:p14="http://schemas.microsoft.com/office/powerpoint/2010/main" xmlns:a14="http://schemas.microsoft.com/office/drawing/2010/main" w="9525">
+                    <a:solidFill>
+                      <a:srgbClr val="000000"/>
+                    </a:solidFill>
+                    <a:round/>
+                    <a:headEnd/>
+                    <a:tailEnd/>
+                  </a14:hiddenLine>
+                </a:ext>
+              </a:extLst>
+            </p:spPr>
+          </p:sp>
+          <p:sp>
+            <p:nvSpPr>
+              <p:cNvPr id="18" name="Freeform 33">
+                <a:extLst>
+                  <a:ext uri="{FF2B5EF4-FFF2-40B4-BE49-F238E27FC236}">
+                    <a16:creationId xmlns:a16="http://schemas.microsoft.com/office/drawing/2014/main" id="{D574C3F0-FC2B-43A3-94B2-75D305FBF7D0}"/>
+                  </a:ext>
+                  <a:ext uri="{C183D7F6-B498-43B3-948B-1728B52AA6E4}">
+                    <adec:decorative xmlns:adec="http://schemas.microsoft.com/office/drawing/2017/decorative" val="1"/>
+                  </a:ext>
+                </a:extLst>
+              </p:cNvPr>
+              <p:cNvSpPr>
+                <a:spLocks noEditPoints="1"/>
+              </p:cNvSpPr>
+              <p:nvPr>
+                <p:extLst>
+                  <p:ext uri="{386F3935-93C4-4BCD-93E2-E3B085C9AB24}">
+                    <p16:designElem xmlns:p16="http://schemas.microsoft.com/office/powerpoint/2015/main" val="1"/>
+                  </p:ext>
+                </p:extLst>
+              </p:nvPr>
+            </p:nvSpPr>
+            <p:spPr bwMode="auto">
+              <a:xfrm>
+                <a:off x="11364912" y="474663"/>
+                <a:ext cx="157163" cy="152400"/>
+              </a:xfrm>
+              <a:custGeom>
+                <a:avLst/>
+                <a:gdLst/>
+                <a:ahLst/>
+                <a:cxnLst/>
+                <a:rect l="0" t="0" r="r" b="b"/>
+                <a:pathLst>
+                  <a:path w="33" h="32">
+                    <a:moveTo>
+                      <a:pt x="17" y="32"/>
+                    </a:moveTo>
+                    <a:cubicBezTo>
+                      <a:pt x="13" y="32"/>
+                      <a:pt x="9" y="30"/>
+                      <a:pt x="6" y="27"/>
+                    </a:cubicBezTo>
+                    <a:cubicBezTo>
+                      <a:pt x="0" y="21"/>
+                      <a:pt x="0" y="11"/>
+                      <a:pt x="6" y="5"/>
+                    </a:cubicBezTo>
+                    <a:cubicBezTo>
+                      <a:pt x="9" y="2"/>
+                      <a:pt x="13" y="0"/>
+                      <a:pt x="17" y="0"/>
+                    </a:cubicBezTo>
+                    <a:cubicBezTo>
+                      <a:pt x="21" y="0"/>
+                      <a:pt x="25" y="2"/>
+                      <a:pt x="28" y="5"/>
+                    </a:cubicBezTo>
+                    <a:cubicBezTo>
+                      <a:pt x="31" y="8"/>
+                      <a:pt x="33" y="12"/>
+                      <a:pt x="33" y="16"/>
+                    </a:cubicBezTo>
+                    <a:cubicBezTo>
+                      <a:pt x="33" y="20"/>
+                      <a:pt x="31" y="24"/>
+                      <a:pt x="28" y="27"/>
+                    </a:cubicBezTo>
+                    <a:cubicBezTo>
+                      <a:pt x="25" y="30"/>
+                      <a:pt x="21" y="32"/>
+                      <a:pt x="17" y="32"/>
+                    </a:cubicBezTo>
+                    <a:close/>
+                    <a:moveTo>
+                      <a:pt x="17" y="4"/>
+                    </a:moveTo>
+                    <a:cubicBezTo>
+                      <a:pt x="14" y="4"/>
+                      <a:pt x="11" y="6"/>
+                      <a:pt x="9" y="8"/>
+                    </a:cubicBezTo>
+                    <a:cubicBezTo>
+                      <a:pt x="4" y="12"/>
+                      <a:pt x="4" y="20"/>
+                      <a:pt x="9" y="24"/>
+                    </a:cubicBezTo>
+                    <a:cubicBezTo>
+                      <a:pt x="11" y="27"/>
+                      <a:pt x="14" y="28"/>
+                      <a:pt x="17" y="28"/>
+                    </a:cubicBezTo>
+                    <a:cubicBezTo>
+                      <a:pt x="20" y="28"/>
+                      <a:pt x="23" y="27"/>
+                      <a:pt x="26" y="24"/>
+                    </a:cubicBezTo>
+                    <a:cubicBezTo>
+                      <a:pt x="30" y="20"/>
+                      <a:pt x="30" y="12"/>
+                      <a:pt x="26" y="8"/>
+                    </a:cubicBezTo>
+                    <a:cubicBezTo>
+                      <a:pt x="23" y="6"/>
+                      <a:pt x="20" y="4"/>
+                      <a:pt x="17" y="4"/>
+                    </a:cubicBezTo>
+                    <a:close/>
+                  </a:path>
+                </a:pathLst>
+              </a:custGeom>
+              <a:grpFill/>
+              <a:ln>
+                <a:noFill/>
+              </a:ln>
+              <a:extLst>
+                <a:ext uri="{91240B29-F687-4f45-9708-019B960494DF}">
+                  <a14:hiddenLine xmlns="" xmlns:a16="http://schemas.microsoft.com/office/drawing/2014/main" xmlns:p14="http://schemas.microsoft.com/office/powerpoint/2010/main" xmlns:a14="http://schemas.microsoft.com/office/drawing/2010/main" w="9525">
+                    <a:solidFill>
+                      <a:srgbClr val="000000"/>
+                    </a:solidFill>
+                    <a:round/>
+                    <a:headEnd/>
+                    <a:tailEnd/>
+                  </a14:hiddenLine>
+                </a:ext>
+              </a:extLst>
+            </p:spPr>
+          </p:sp>
+          <p:sp>
+            <p:nvSpPr>
+              <p:cNvPr id="19" name="Freeform 34">
+                <a:extLst>
+                  <a:ext uri="{FF2B5EF4-FFF2-40B4-BE49-F238E27FC236}">
+                    <a16:creationId xmlns:a16="http://schemas.microsoft.com/office/drawing/2014/main" id="{D92A5F66-F404-433B-BDBE-5E0DFF40D656}"/>
+                  </a:ext>
+                  <a:ext uri="{C183D7F6-B498-43B3-948B-1728B52AA6E4}">
+                    <adec:decorative xmlns:adec="http://schemas.microsoft.com/office/drawing/2017/decorative" val="1"/>
+                  </a:ext>
+                </a:extLst>
+              </p:cNvPr>
+              <p:cNvSpPr>
+                <a:spLocks noEditPoints="1"/>
+              </p:cNvSpPr>
+              <p:nvPr>
+                <p:extLst>
+                  <p:ext uri="{386F3935-93C4-4BCD-93E2-E3B085C9AB24}">
+                    <p16:designElem xmlns:p16="http://schemas.microsoft.com/office/powerpoint/2015/main" val="1"/>
+                  </p:ext>
+                </p:extLst>
+              </p:nvPr>
+            </p:nvSpPr>
+            <p:spPr bwMode="auto">
+              <a:xfrm>
+                <a:off x="11631612" y="1539875"/>
+                <a:ext cx="188913" cy="190500"/>
+              </a:xfrm>
+              <a:custGeom>
+                <a:avLst/>
+                <a:gdLst/>
+                <a:ahLst/>
+                <a:cxnLst/>
+                <a:rect l="0" t="0" r="r" b="b"/>
+                <a:pathLst>
+                  <a:path w="40" h="40">
+                    <a:moveTo>
+                      <a:pt x="20" y="40"/>
+                    </a:moveTo>
+                    <a:cubicBezTo>
+                      <a:pt x="9" y="40"/>
+                      <a:pt x="0" y="31"/>
+                      <a:pt x="0" y="20"/>
+                    </a:cubicBezTo>
+                    <a:cubicBezTo>
+                      <a:pt x="0" y="9"/>
+                      <a:pt x="9" y="0"/>
+                      <a:pt x="20" y="0"/>
+                    </a:cubicBezTo>
+                    <a:cubicBezTo>
+                      <a:pt x="31" y="0"/>
+                      <a:pt x="40" y="9"/>
+                      <a:pt x="40" y="20"/>
+                    </a:cubicBezTo>
+                    <a:cubicBezTo>
+                      <a:pt x="40" y="31"/>
+                      <a:pt x="31" y="40"/>
+                      <a:pt x="20" y="40"/>
+                    </a:cubicBezTo>
+                    <a:close/>
+                    <a:moveTo>
+                      <a:pt x="20" y="4"/>
+                    </a:moveTo>
+                    <a:cubicBezTo>
+                      <a:pt x="11" y="4"/>
+                      <a:pt x="4" y="11"/>
+                      <a:pt x="4" y="20"/>
+                    </a:cubicBezTo>
+                    <a:cubicBezTo>
+                      <a:pt x="4" y="29"/>
+                      <a:pt x="11" y="36"/>
+                      <a:pt x="20" y="36"/>
+                    </a:cubicBezTo>
+                    <a:cubicBezTo>
+                      <a:pt x="29" y="36"/>
+                      <a:pt x="36" y="29"/>
+                      <a:pt x="36" y="20"/>
+                    </a:cubicBezTo>
+                    <a:cubicBezTo>
+                      <a:pt x="36" y="11"/>
+                      <a:pt x="29" y="4"/>
+                      <a:pt x="20" y="4"/>
+                    </a:cubicBezTo>
+                    <a:close/>
+                  </a:path>
+                </a:pathLst>
+              </a:custGeom>
+              <a:grpFill/>
+              <a:ln>
+                <a:noFill/>
+              </a:ln>
+              <a:extLst>
+                <a:ext uri="{91240B29-F687-4f45-9708-019B960494DF}">
+                  <a14:hiddenLine xmlns="" xmlns:a16="http://schemas.microsoft.com/office/drawing/2014/main" xmlns:p14="http://schemas.microsoft.com/office/powerpoint/2010/main" xmlns:a14="http://schemas.microsoft.com/office/drawing/2010/main" w="9525">
+                    <a:solidFill>
+                      <a:srgbClr val="000000"/>
+                    </a:solidFill>
+                    <a:round/>
+                    <a:headEnd/>
+                    <a:tailEnd/>
+                  </a14:hiddenLine>
+                </a:ext>
+              </a:extLst>
+            </p:spPr>
+          </p:sp>
+          <p:sp>
+            <p:nvSpPr>
+              <p:cNvPr id="20" name="Freeform 35">
+                <a:extLst>
+                  <a:ext uri="{FF2B5EF4-FFF2-40B4-BE49-F238E27FC236}">
+                    <a16:creationId xmlns:a16="http://schemas.microsoft.com/office/drawing/2014/main" id="{0A0BDF81-64CC-431D-81B1-A21938C05432}"/>
+                  </a:ext>
+                  <a:ext uri="{C183D7F6-B498-43B3-948B-1728B52AA6E4}">
+                    <adec:decorative xmlns:adec="http://schemas.microsoft.com/office/drawing/2017/decorative" val="1"/>
+                  </a:ext>
+                </a:extLst>
+              </p:cNvPr>
+              <p:cNvSpPr/>
+              <p:nvPr>
+                <p:extLst>
+                  <p:ext uri="{386F3935-93C4-4BCD-93E2-E3B085C9AB24}">
+                    <p16:designElem xmlns:p16="http://schemas.microsoft.com/office/powerpoint/2015/main" val="1"/>
+                  </p:ext>
+                </p:extLst>
+              </p:nvPr>
+            </p:nvSpPr>
+            <p:spPr bwMode="auto">
+              <a:xfrm>
+                <a:off x="11531600" y="5694363"/>
+                <a:ext cx="298450" cy="1154113"/>
+              </a:xfrm>
+              <a:custGeom>
+                <a:avLst/>
+                <a:gdLst/>
+                <a:ahLst/>
+                <a:cxnLst/>
+                <a:rect l="0" t="0" r="r" b="b"/>
+                <a:pathLst>
+                  <a:path w="188" h="727">
+                    <a:moveTo>
+                      <a:pt x="15" y="727"/>
+                    </a:moveTo>
+                    <a:lnTo>
+                      <a:pt x="0" y="727"/>
+                    </a:lnTo>
+                    <a:lnTo>
+                      <a:pt x="0" y="407"/>
+                    </a:lnTo>
+                    <a:lnTo>
+                      <a:pt x="0" y="407"/>
+                    </a:lnTo>
+                    <a:lnTo>
+                      <a:pt x="176" y="0"/>
+                    </a:lnTo>
+                    <a:lnTo>
+                      <a:pt x="188" y="6"/>
+                    </a:lnTo>
+                    <a:lnTo>
+                      <a:pt x="15" y="410"/>
+                    </a:lnTo>
+                    <a:lnTo>
+                      <a:pt x="15" y="727"/>
+                    </a:lnTo>
+                    <a:close/>
+                  </a:path>
+                </a:pathLst>
+              </a:custGeom>
+              <a:grpFill/>
+              <a:ln>
+                <a:noFill/>
+              </a:ln>
+              <a:extLst>
+                <a:ext uri="{91240B29-F687-4f45-9708-019B960494DF}">
+                  <a14:hiddenLine xmlns="" xmlns:a16="http://schemas.microsoft.com/office/drawing/2014/main" xmlns:p14="http://schemas.microsoft.com/office/powerpoint/2010/main" xmlns:a14="http://schemas.microsoft.com/office/drawing/2010/main" w="9525">
+                    <a:solidFill>
+                      <a:srgbClr val="000000"/>
+                    </a:solidFill>
+                    <a:round/>
+                    <a:headEnd/>
+                    <a:tailEnd/>
+                  </a14:hiddenLine>
+                </a:ext>
+              </a:extLst>
+            </p:spPr>
+          </p:sp>
+          <p:sp>
+            <p:nvSpPr>
+              <p:cNvPr id="21" name="Freeform 36">
+                <a:extLst>
+                  <a:ext uri="{FF2B5EF4-FFF2-40B4-BE49-F238E27FC236}">
+                    <a16:creationId xmlns:a16="http://schemas.microsoft.com/office/drawing/2014/main" id="{42871530-50EC-42C2-879A-AE8154DADC0F}"/>
+                  </a:ext>
+                  <a:ext uri="{C183D7F6-B498-43B3-948B-1728B52AA6E4}">
+                    <adec:decorative xmlns:adec="http://schemas.microsoft.com/office/drawing/2017/decorative" val="1"/>
+                  </a:ext>
+                </a:extLst>
+              </p:cNvPr>
+              <p:cNvSpPr>
+                <a:spLocks noEditPoints="1"/>
+              </p:cNvSpPr>
+              <p:nvPr>
+                <p:extLst>
+                  <p:ext uri="{386F3935-93C4-4BCD-93E2-E3B085C9AB24}">
+                    <p16:designElem xmlns:p16="http://schemas.microsoft.com/office/powerpoint/2015/main" val="1"/>
+                  </p:ext>
+                </p:extLst>
+              </p:nvPr>
+            </p:nvSpPr>
+            <p:spPr bwMode="auto">
+              <a:xfrm>
+                <a:off x="11772900" y="5551488"/>
+                <a:ext cx="157163" cy="155575"/>
+              </a:xfrm>
+              <a:custGeom>
+                <a:avLst/>
+                <a:gdLst/>
+                <a:ahLst/>
+                <a:cxnLst/>
+                <a:rect l="0" t="0" r="r" b="b"/>
+                <a:pathLst>
+                  <a:path w="33" h="33">
+                    <a:moveTo>
+                      <a:pt x="17" y="33"/>
+                    </a:moveTo>
+                    <a:cubicBezTo>
+                      <a:pt x="8" y="33"/>
+                      <a:pt x="0" y="25"/>
+                      <a:pt x="0" y="16"/>
+                    </a:cubicBezTo>
+                    <a:cubicBezTo>
+                      <a:pt x="0" y="7"/>
+                      <a:pt x="8" y="0"/>
+                      <a:pt x="17" y="0"/>
+                    </a:cubicBezTo>
+                    <a:cubicBezTo>
+                      <a:pt x="26" y="0"/>
+                      <a:pt x="33" y="7"/>
+                      <a:pt x="33" y="16"/>
+                    </a:cubicBezTo>
+                    <a:cubicBezTo>
+                      <a:pt x="33" y="25"/>
+                      <a:pt x="26" y="33"/>
+                      <a:pt x="17" y="33"/>
+                    </a:cubicBezTo>
+                    <a:close/>
+                    <a:moveTo>
+                      <a:pt x="17" y="4"/>
+                    </a:moveTo>
+                    <a:cubicBezTo>
+                      <a:pt x="10" y="4"/>
+                      <a:pt x="4" y="9"/>
+                      <a:pt x="4" y="16"/>
+                    </a:cubicBezTo>
+                    <a:cubicBezTo>
+                      <a:pt x="4" y="23"/>
+                      <a:pt x="10" y="29"/>
+                      <a:pt x="17" y="29"/>
+                    </a:cubicBezTo>
+                    <a:cubicBezTo>
+                      <a:pt x="23" y="29"/>
+                      <a:pt x="29" y="23"/>
+                      <a:pt x="29" y="16"/>
+                    </a:cubicBezTo>
+                    <a:cubicBezTo>
+                      <a:pt x="29" y="9"/>
+                      <a:pt x="23" y="4"/>
+                      <a:pt x="17" y="4"/>
+                    </a:cubicBezTo>
+                    <a:close/>
+                  </a:path>
+                </a:pathLst>
+              </a:custGeom>
+              <a:grpFill/>
+              <a:ln>
+                <a:noFill/>
+              </a:ln>
+              <a:extLst>
+                <a:ext uri="{91240B29-F687-4f45-9708-019B960494DF}">
+                  <a14:hiddenLine xmlns="" xmlns:a16="http://schemas.microsoft.com/office/drawing/2014/main" xmlns:p14="http://schemas.microsoft.com/office/powerpoint/2010/main" xmlns:a14="http://schemas.microsoft.com/office/drawing/2010/main" w="9525">
+                    <a:solidFill>
+                      <a:srgbClr val="000000"/>
+                    </a:solidFill>
+                    <a:round/>
+                    <a:headEnd/>
+                    <a:tailEnd/>
+                  </a14:hiddenLine>
+                </a:ext>
+              </a:extLst>
+            </p:spPr>
+          </p:sp>
+          <p:sp>
+            <p:nvSpPr>
+              <p:cNvPr id="22" name="Freeform 37">
+                <a:extLst>
+                  <a:ext uri="{FF2B5EF4-FFF2-40B4-BE49-F238E27FC236}">
+                    <a16:creationId xmlns:a16="http://schemas.microsoft.com/office/drawing/2014/main" id="{53AF2F2A-B148-4906-B90D-6E2223978457}"/>
+                  </a:ext>
+                  <a:ext uri="{C183D7F6-B498-43B3-948B-1728B52AA6E4}">
+                    <adec:decorative xmlns:adec="http://schemas.microsoft.com/office/drawing/2017/decorative" val="1"/>
+                  </a:ext>
+                </a:extLst>
+              </p:cNvPr>
+              <p:cNvSpPr/>
+              <p:nvPr>
+                <p:extLst>
+                  <p:ext uri="{386F3935-93C4-4BCD-93E2-E3B085C9AB24}">
+                    <p16:designElem xmlns:p16="http://schemas.microsoft.com/office/powerpoint/2015/main" val="1"/>
+                  </p:ext>
+                </p:extLst>
+              </p:nvPr>
+            </p:nvSpPr>
+            <p:spPr bwMode="auto">
+              <a:xfrm>
+                <a:off x="11710987" y="4763"/>
+                <a:ext cx="304800" cy="1544638"/>
+              </a:xfrm>
+              <a:custGeom>
+                <a:avLst/>
+                <a:gdLst/>
+                <a:ahLst/>
+                <a:cxnLst/>
+                <a:rect l="0" t="0" r="r" b="b"/>
+                <a:pathLst>
+                  <a:path w="192" h="973">
+                    <a:moveTo>
+                      <a:pt x="15" y="973"/>
+                    </a:moveTo>
+                    <a:lnTo>
+                      <a:pt x="0" y="973"/>
+                    </a:lnTo>
+                    <a:lnTo>
+                      <a:pt x="0" y="790"/>
+                    </a:lnTo>
+                    <a:lnTo>
+                      <a:pt x="174" y="614"/>
+                    </a:lnTo>
+                    <a:lnTo>
+                      <a:pt x="174" y="0"/>
+                    </a:lnTo>
+                    <a:lnTo>
+                      <a:pt x="192" y="0"/>
+                    </a:lnTo>
+                    <a:lnTo>
+                      <a:pt x="192" y="620"/>
+                    </a:lnTo>
+                    <a:lnTo>
+                      <a:pt x="15" y="796"/>
+                    </a:lnTo>
+                    <a:lnTo>
+                      <a:pt x="15" y="973"/>
+                    </a:lnTo>
+                    <a:close/>
+                  </a:path>
+                </a:pathLst>
+              </a:custGeom>
+              <a:grpFill/>
+              <a:ln>
+                <a:noFill/>
+              </a:ln>
+              <a:extLst>
+                <a:ext uri="{91240B29-F687-4f45-9708-019B960494DF}">
+                  <a14:hiddenLine xmlns="" xmlns:a16="http://schemas.microsoft.com/office/drawing/2014/main" xmlns:p14="http://schemas.microsoft.com/office/powerpoint/2010/main" xmlns:a14="http://schemas.microsoft.com/office/drawing/2010/main" w="9525">
+                    <a:solidFill>
+                      <a:srgbClr val="000000"/>
+                    </a:solidFill>
+                    <a:round/>
+                    <a:headEnd/>
+                    <a:tailEnd/>
+                  </a14:hiddenLine>
+                </a:ext>
+              </a:extLst>
+            </p:spPr>
+          </p:sp>
+          <p:sp>
+            <p:nvSpPr>
+              <p:cNvPr id="23" name="Freeform 38">
+                <a:extLst>
+                  <a:ext uri="{FF2B5EF4-FFF2-40B4-BE49-F238E27FC236}">
+                    <a16:creationId xmlns:a16="http://schemas.microsoft.com/office/drawing/2014/main" id="{9A79EAA4-6F5D-4A2C-B688-CD29C2217C05}"/>
+                  </a:ext>
+                  <a:ext uri="{C183D7F6-B498-43B3-948B-1728B52AA6E4}">
+                    <adec:decorative xmlns:adec="http://schemas.microsoft.com/office/drawing/2017/decorative" val="1"/>
+                  </a:ext>
+                </a:extLst>
+              </p:cNvPr>
+              <p:cNvSpPr>
+                <a:spLocks noEditPoints="1"/>
+              </p:cNvSpPr>
+              <p:nvPr>
+                <p:extLst>
+                  <p:ext uri="{386F3935-93C4-4BCD-93E2-E3B085C9AB24}">
+                    <p16:designElem xmlns:p16="http://schemas.microsoft.com/office/powerpoint/2015/main" val="1"/>
+                  </p:ext>
+                </p:extLst>
+              </p:nvPr>
+            </p:nvSpPr>
+            <p:spPr bwMode="auto">
+              <a:xfrm>
+                <a:off x="11636375" y="4867275"/>
+                <a:ext cx="188913" cy="188913"/>
+              </a:xfrm>
+              <a:custGeom>
+                <a:avLst/>
+                <a:gdLst/>
+                <a:ahLst/>
+                <a:cxnLst/>
+                <a:rect l="0" t="0" r="r" b="b"/>
+                <a:pathLst>
+                  <a:path w="40" h="40">
+                    <a:moveTo>
+                      <a:pt x="20" y="40"/>
+                    </a:moveTo>
+                    <a:cubicBezTo>
+                      <a:pt x="9" y="40"/>
+                      <a:pt x="0" y="31"/>
+                      <a:pt x="0" y="20"/>
+                    </a:cubicBezTo>
+                    <a:cubicBezTo>
+                      <a:pt x="0" y="9"/>
+                      <a:pt x="9" y="0"/>
+                      <a:pt x="20" y="0"/>
+                    </a:cubicBezTo>
+                    <a:cubicBezTo>
+                      <a:pt x="31" y="0"/>
+                      <a:pt x="40" y="9"/>
+                      <a:pt x="40" y="20"/>
+                    </a:cubicBezTo>
+                    <a:cubicBezTo>
+                      <a:pt x="40" y="31"/>
+                      <a:pt x="31" y="40"/>
+                      <a:pt x="20" y="40"/>
+                    </a:cubicBezTo>
+                    <a:close/>
+                    <a:moveTo>
+                      <a:pt x="20" y="4"/>
+                    </a:moveTo>
+                    <a:cubicBezTo>
+                      <a:pt x="11" y="4"/>
+                      <a:pt x="4" y="11"/>
+                      <a:pt x="4" y="20"/>
+                    </a:cubicBezTo>
+                    <a:cubicBezTo>
+                      <a:pt x="4" y="29"/>
+                      <a:pt x="11" y="36"/>
+                      <a:pt x="20" y="36"/>
+                    </a:cubicBezTo>
+                    <a:cubicBezTo>
+                      <a:pt x="29" y="36"/>
+                      <a:pt x="36" y="29"/>
+                      <a:pt x="36" y="20"/>
+                    </a:cubicBezTo>
+                    <a:cubicBezTo>
+                      <a:pt x="36" y="11"/>
+                      <a:pt x="29" y="4"/>
+                      <a:pt x="20" y="4"/>
+                    </a:cubicBezTo>
+                    <a:close/>
+                  </a:path>
+                </a:pathLst>
+              </a:custGeom>
+              <a:grpFill/>
+              <a:ln>
+                <a:noFill/>
+              </a:ln>
+              <a:extLst>
+                <a:ext uri="{91240B29-F687-4f45-9708-019B960494DF}">
+                  <a14:hiddenLine xmlns="" xmlns:a16="http://schemas.microsoft.com/office/drawing/2014/main" xmlns:p14="http://schemas.microsoft.com/office/powerpoint/2010/main" xmlns:a14="http://schemas.microsoft.com/office/drawing/2010/main" w="9525">
+                    <a:solidFill>
+                      <a:srgbClr val="000000"/>
+                    </a:solidFill>
+                    <a:round/>
+                    <a:headEnd/>
+                    <a:tailEnd/>
+                  </a14:hiddenLine>
+                </a:ext>
+              </a:extLst>
+            </p:spPr>
+          </p:sp>
+          <p:sp>
+            <p:nvSpPr>
+              <p:cNvPr id="24" name="Freeform 39">
+                <a:extLst>
+                  <a:ext uri="{FF2B5EF4-FFF2-40B4-BE49-F238E27FC236}">
+                    <a16:creationId xmlns:a16="http://schemas.microsoft.com/office/drawing/2014/main" id="{B9CE5833-22CF-4408-9338-4B7749FEA3D4}"/>
+                  </a:ext>
+                  <a:ext uri="{C183D7F6-B498-43B3-948B-1728B52AA6E4}">
+                    <adec:decorative xmlns:adec="http://schemas.microsoft.com/office/drawing/2017/decorative" val="1"/>
+                  </a:ext>
+                </a:extLst>
+              </p:cNvPr>
+              <p:cNvSpPr/>
+              <p:nvPr>
+                <p:extLst>
+                  <p:ext uri="{386F3935-93C4-4BCD-93E2-E3B085C9AB24}">
+                    <p16:designElem xmlns:p16="http://schemas.microsoft.com/office/powerpoint/2015/main" val="1"/>
+                  </p:ext>
+                </p:extLst>
+              </p:nvPr>
+            </p:nvSpPr>
+            <p:spPr bwMode="auto">
+              <a:xfrm>
+                <a:off x="11441112" y="5046663"/>
+                <a:ext cx="307975" cy="1801813"/>
+              </a:xfrm>
+              <a:custGeom>
+                <a:avLst/>
+                <a:gdLst/>
+                <a:ahLst/>
+                <a:cxnLst/>
+                <a:rect l="0" t="0" r="r" b="b"/>
+                <a:pathLst>
+                  <a:path w="194" h="1135">
+                    <a:moveTo>
+                      <a:pt x="18" y="1135"/>
+                    </a:moveTo>
+                    <a:lnTo>
+                      <a:pt x="0" y="1135"/>
+                    </a:lnTo>
+                    <a:lnTo>
+                      <a:pt x="0" y="354"/>
+                    </a:lnTo>
+                    <a:lnTo>
+                      <a:pt x="176" y="177"/>
+                    </a:lnTo>
+                    <a:lnTo>
+                      <a:pt x="176" y="0"/>
+                    </a:lnTo>
+                    <a:lnTo>
+                      <a:pt x="194" y="0"/>
+                    </a:lnTo>
+                    <a:lnTo>
+                      <a:pt x="194" y="183"/>
+                    </a:lnTo>
+                    <a:lnTo>
+                      <a:pt x="18" y="360"/>
+                    </a:lnTo>
+                    <a:lnTo>
+                      <a:pt x="18" y="1135"/>
+                    </a:lnTo>
+                    <a:close/>
+                  </a:path>
+                </a:pathLst>
+              </a:custGeom>
+              <a:grpFill/>
+              <a:ln>
+                <a:noFill/>
+              </a:ln>
+              <a:extLst>
+                <a:ext uri="{91240B29-F687-4f45-9708-019B960494DF}">
+                  <a14:hiddenLine xmlns="" xmlns:a16="http://schemas.microsoft.com/office/drawing/2014/main" xmlns:p14="http://schemas.microsoft.com/office/powerpoint/2010/main" xmlns:a14="http://schemas.microsoft.com/office/drawing/2010/main" w="9525">
+                    <a:solidFill>
+                      <a:srgbClr val="000000"/>
+                    </a:solidFill>
+                    <a:round/>
+                    <a:headEnd/>
+                    <a:tailEnd/>
+                  </a14:hiddenLine>
+                </a:ext>
+              </a:extLst>
+            </p:spPr>
+          </p:sp>
+          <p:sp>
+            <p:nvSpPr>
+              <p:cNvPr id="25" name="Freeform 40">
+                <a:extLst>
+                  <a:ext uri="{FF2B5EF4-FFF2-40B4-BE49-F238E27FC236}">
+                    <a16:creationId xmlns:a16="http://schemas.microsoft.com/office/drawing/2014/main" id="{316A985A-7ADD-4BEE-A7B6-E5B49E1839E7}"/>
+                  </a:ext>
+                  <a:ext uri="{C183D7F6-B498-43B3-948B-1728B52AA6E4}">
+                    <adec:decorative xmlns:adec="http://schemas.microsoft.com/office/drawing/2017/decorative" val="1"/>
+                  </a:ext>
+                </a:extLst>
+              </p:cNvPr>
+              <p:cNvSpPr>
+                <a:spLocks noEditPoints="1"/>
+              </p:cNvSpPr>
+              <p:nvPr>
+                <p:extLst>
+                  <p:ext uri="{386F3935-93C4-4BCD-93E2-E3B085C9AB24}">
+                    <p16:designElem xmlns:p16="http://schemas.microsoft.com/office/powerpoint/2015/main" val="1"/>
+                  </p:ext>
+                </p:extLst>
+              </p:nvPr>
+            </p:nvSpPr>
+            <p:spPr bwMode="auto">
+              <a:xfrm>
+                <a:off x="11849100" y="6416675"/>
+                <a:ext cx="190500" cy="188913"/>
+              </a:xfrm>
+              <a:custGeom>
+                <a:avLst/>
+                <a:gdLst/>
+                <a:ahLst/>
+                <a:cxnLst/>
+                <a:rect l="0" t="0" r="r" b="b"/>
+                <a:pathLst>
+                  <a:path w="40" h="40">
+                    <a:moveTo>
+                      <a:pt x="20" y="40"/>
+                    </a:moveTo>
+                    <a:cubicBezTo>
+                      <a:pt x="9" y="40"/>
+                      <a:pt x="0" y="31"/>
+                      <a:pt x="0" y="20"/>
+                    </a:cubicBezTo>
+                    <a:cubicBezTo>
+                      <a:pt x="0" y="9"/>
+                      <a:pt x="9" y="0"/>
+                      <a:pt x="20" y="0"/>
+                    </a:cubicBezTo>
+                    <a:cubicBezTo>
+                      <a:pt x="31" y="0"/>
+                      <a:pt x="40" y="9"/>
+                      <a:pt x="40" y="20"/>
+                    </a:cubicBezTo>
+                    <a:cubicBezTo>
+                      <a:pt x="40" y="31"/>
+                      <a:pt x="31" y="40"/>
+                      <a:pt x="20" y="40"/>
+                    </a:cubicBezTo>
+                    <a:close/>
+                    <a:moveTo>
+                      <a:pt x="20" y="4"/>
+                    </a:moveTo>
+                    <a:cubicBezTo>
+                      <a:pt x="12" y="4"/>
+                      <a:pt x="4" y="11"/>
+                      <a:pt x="4" y="20"/>
+                    </a:cubicBezTo>
+                    <a:cubicBezTo>
+                      <a:pt x="4" y="29"/>
+                      <a:pt x="12" y="36"/>
+                      <a:pt x="20" y="36"/>
+                    </a:cubicBezTo>
+                    <a:cubicBezTo>
+                      <a:pt x="29" y="36"/>
+                      <a:pt x="36" y="29"/>
+                      <a:pt x="36" y="20"/>
+                    </a:cubicBezTo>
+                    <a:cubicBezTo>
+                      <a:pt x="36" y="11"/>
+                      <a:pt x="29" y="4"/>
+                      <a:pt x="20" y="4"/>
+                    </a:cubicBezTo>
+                    <a:close/>
+                  </a:path>
+                </a:pathLst>
+              </a:custGeom>
+              <a:grpFill/>
+              <a:ln>
+                <a:noFill/>
+              </a:ln>
+              <a:extLst>
+                <a:ext uri="{91240B29-F687-4f45-9708-019B960494DF}">
+                  <a14:hiddenLine xmlns="" xmlns:a16="http://schemas.microsoft.com/office/drawing/2014/main" xmlns:p14="http://schemas.microsoft.com/office/powerpoint/2010/main" xmlns:a14="http://schemas.microsoft.com/office/drawing/2010/main" w="9525">
+                    <a:solidFill>
+                      <a:srgbClr val="000000"/>
+                    </a:solidFill>
+                    <a:round/>
+                    <a:headEnd/>
+                    <a:tailEnd/>
+                  </a14:hiddenLine>
+                </a:ext>
+              </a:extLst>
+            </p:spPr>
+          </p:sp>
+          <p:sp>
+            <p:nvSpPr>
+              <p:cNvPr id="26" name="Rectangle 41">
+                <a:extLst>
+                  <a:ext uri="{FF2B5EF4-FFF2-40B4-BE49-F238E27FC236}">
+                    <a16:creationId xmlns:a16="http://schemas.microsoft.com/office/drawing/2014/main" id="{352CFA3F-5CFE-412E-9196-C966F34579DC}"/>
+                  </a:ext>
+                  <a:ext uri="{C183D7F6-B498-43B3-948B-1728B52AA6E4}">
+                    <adec:decorative xmlns:adec="http://schemas.microsoft.com/office/drawing/2017/decorative" val="1"/>
+                  </a:ext>
+                </a:extLst>
+              </p:cNvPr>
+              <p:cNvSpPr>
+                <a:spLocks noChangeArrowheads="1"/>
+              </p:cNvSpPr>
+              <p:nvPr>
+                <p:extLst>
+                  <p:ext uri="{386F3935-93C4-4BCD-93E2-E3B085C9AB24}">
+                    <p16:designElem xmlns:p16="http://schemas.microsoft.com/office/powerpoint/2015/main" val="1"/>
+                  </p:ext>
+                </p:extLst>
+              </p:nvPr>
+            </p:nvSpPr>
+            <p:spPr bwMode="auto">
+              <a:xfrm>
+                <a:off x="11939587" y="6596063"/>
+                <a:ext cx="23813" cy="252413"/>
+              </a:xfrm>
+              <a:prstGeom prst="rect">
+                <a:avLst/>
+              </a:prstGeom>
+              <a:grpFill/>
+              <a:ln>
+                <a:noFill/>
+              </a:ln>
+              <a:extLst>
+                <a:ext uri="{91240B29-F687-4f45-9708-019B960494DF}">
+                  <a14:hiddenLine xmlns="" xmlns:a16="http://schemas.microsoft.com/office/drawing/2014/main" xmlns:p14="http://schemas.microsoft.com/office/powerpoint/2010/main" xmlns:a14="http://schemas.microsoft.com/office/drawing/2010/main" w="9525">
+                    <a:solidFill>
+                      <a:srgbClr val="000000"/>
+                    </a:solidFill>
+                    <a:miter lim="800000"/>
+                    <a:headEnd/>
+                    <a:tailEnd/>
+                  </a14:hiddenLine>
+                </a:ext>
+              </a:extLst>
+            </p:spPr>
+          </p:sp>
+        </p:grpSp>
+      </p:grpSp>
+      <p:pic>
+        <p:nvPicPr>
+          <p:cNvPr id="55" name="Picture 2">
+            <a:extLst>
+              <a:ext uri="{FF2B5EF4-FFF2-40B4-BE49-F238E27FC236}">
+                <a16:creationId xmlns:a16="http://schemas.microsoft.com/office/drawing/2014/main" id="{2FB01CCF-839B-4126-9BF9-132C64D8A1AA}"/>
+              </a:ext>
+              <a:ext uri="{C183D7F6-B498-43B3-948B-1728B52AA6E4}">
+                <adec:decorative xmlns:adec="http://schemas.microsoft.com/office/drawing/2017/decorative" val="1"/>
+              </a:ext>
+            </a:extLst>
+          </p:cNvPr>
+          <p:cNvPicPr>
+            <a:picLocks noGrp="1" noRot="1" noChangeAspect="1" noMove="1" noResize="1" noEditPoints="1" noAdjustHandles="1" noChangeArrowheads="1" noChangeShapeType="1" noCrop="1"/>
+          </p:cNvPicPr>
+          <p:nvPr>
+            <p:extLst>
+              <p:ext uri="{386F3935-93C4-4BCD-93E2-E3B085C9AB24}">
+                <p16:designElem xmlns:p16="http://schemas.microsoft.com/office/powerpoint/2015/main" val="1"/>
+              </p:ext>
+            </p:extLst>
+          </p:nvPr>
+        </p:nvPicPr>
+        <p:blipFill>
+          <a:blip r:embed="rId2">
+            <a:alphaModFix amt="30000"/>
+            <a:extLst>
+              <a:ext uri="{28A0092B-C50C-407E-A947-70E740481C1C}">
+                <a14:useLocalDpi xmlns:a14="http://schemas.microsoft.com/office/drawing/2010/main" val="0"/>
+              </a:ext>
+            </a:extLst>
+          </a:blip>
+          <a:srcRect/>
+          <a:stretch>
+            <a:fillRect/>
+          </a:stretch>
+        </p:blipFill>
+        <p:spPr bwMode="auto">
+          <a:xfrm>
+            <a:off x="0" y="0"/>
+            <a:ext cx="12192003" cy="6858001"/>
+          </a:xfrm>
+          <a:prstGeom prst="rect">
+            <a:avLst/>
+          </a:prstGeom>
+          <a:noFill/>
+          <a:extLst>
+            <a:ext uri="{909E8E84-426E-40dd-AFC4-6F175D3DCCD1}">
+              <a14:hiddenFill xmlns="" xmlns:a16="http://schemas.microsoft.com/office/drawing/2014/main" xmlns:p14="http://schemas.microsoft.com/office/powerpoint/2010/main" xmlns:a14="http://schemas.microsoft.com/office/drawing/2010/main">
+                <a:solidFill>
+                  <a:srgbClr val="FFFFFF"/>
+                </a:solidFill>
+              </a14:hiddenFill>
+            </a:ext>
+          </a:extLst>
+        </p:spPr>
+      </p:pic>
+      <p:sp>
+        <p:nvSpPr>
           <p:cNvPr id="7" name="Title 3">
             <a:extLst>
               <a:ext uri="{FF2B5EF4-FFF2-40B4-BE49-F238E27FC236}">
@@ -19496,8 +23140,8 @@
         </p:nvSpPr>
         <p:spPr>
           <a:xfrm>
-            <a:off x="1066800" y="421217"/>
-            <a:ext cx="10515600" cy="903700"/>
+            <a:off x="5128643" y="618518"/>
+            <a:ext cx="6188402" cy="1478570"/>
           </a:xfrm>
           <a:prstGeom prst="rect">
             <a:avLst/>
@@ -19527,19 +23171,129 @@
             </a:lvl1pPr>
           </a:lstStyle>
           <a:p>
-            <a:pPr algn="ctr">
-              <a:lnSpc>
-                <a:spcPct val="100000"/>
-              </a:lnSpc>
+            <a:pPr>
+              <a:spcAft>
+                <a:spcPts val="600"/>
+              </a:spcAft>
             </a:pPr>
             <a:r>
-              <a:rPr lang="bg-BG" dirty="0"/>
+              <a:rPr lang="en-US">
+                <a:solidFill>
+                  <a:srgbClr val="FFFFFF"/>
+                </a:solidFill>
+              </a:rPr>
               <a:t>Наука. Основни характеристики.</a:t>
             </a:r>
-            <a:endParaRPr lang="en-US" dirty="0"/>
           </a:p>
         </p:txBody>
       </p:sp>
+      <p:sp useBgFill="1">
+        <p:nvSpPr>
+          <p:cNvPr id="57" name="Round Diagonal Corner Rectangle 6">
+            <a:extLst>
+              <a:ext uri="{FF2B5EF4-FFF2-40B4-BE49-F238E27FC236}">
+                <a16:creationId xmlns:a16="http://schemas.microsoft.com/office/drawing/2014/main" id="{F2B1468C-8227-4785-8776-7BDBDDF08F85}"/>
+              </a:ext>
+              <a:ext uri="{C183D7F6-B498-43B3-948B-1728B52AA6E4}">
+                <adec:decorative xmlns:adec="http://schemas.microsoft.com/office/drawing/2017/decorative" val="1"/>
+              </a:ext>
+            </a:extLst>
+          </p:cNvPr>
+          <p:cNvSpPr>
+            <a:spLocks noGrp="1" noRot="1" noChangeAspect="1" noMove="1" noResize="1" noEditPoints="1" noAdjustHandles="1" noChangeArrowheads="1" noChangeShapeType="1" noTextEdit="1"/>
+          </p:cNvSpPr>
+          <p:nvPr>
+            <p:extLst>
+              <p:ext uri="{386F3935-93C4-4BCD-93E2-E3B085C9AB24}">
+                <p16:designElem xmlns:p16="http://schemas.microsoft.com/office/powerpoint/2015/main" val="1"/>
+              </p:ext>
+            </p:extLst>
+          </p:nvPr>
+        </p:nvSpPr>
+        <p:spPr>
+          <a:xfrm>
+            <a:off x="814579" y="808057"/>
+            <a:ext cx="3821429" cy="5234394"/>
+          </a:xfrm>
+          <a:prstGeom prst="round2DiagRect">
+            <a:avLst>
+              <a:gd name="adj1" fmla="val 11323"/>
+              <a:gd name="adj2" fmla="val 0"/>
+            </a:avLst>
+          </a:prstGeom>
+          <a:ln w="19050" cap="sq">
+            <a:solidFill>
+              <a:schemeClr val="tx2">
+                <a:lumMod val="60000"/>
+                <a:lumOff val="40000"/>
+                <a:alpha val="60000"/>
+              </a:schemeClr>
+            </a:solidFill>
+            <a:miter lim="800000"/>
+          </a:ln>
+          <a:effectLst>
+            <a:outerShdw blurRad="88900" dist="38100" dir="5400000" algn="t" rotWithShape="0">
+              <a:prstClr val="black">
+                <a:alpha val="40000"/>
+              </a:prstClr>
+            </a:outerShdw>
+          </a:effectLst>
+        </p:spPr>
+        <p:style>
+          <a:lnRef idx="2">
+            <a:schemeClr val="accent1">
+              <a:shade val="50000"/>
+            </a:schemeClr>
+          </a:lnRef>
+          <a:fillRef idx="1">
+            <a:schemeClr val="accent1"/>
+          </a:fillRef>
+          <a:effectRef idx="0">
+            <a:schemeClr val="accent1"/>
+          </a:effectRef>
+          <a:fontRef idx="minor">
+            <a:schemeClr val="lt1"/>
+          </a:fontRef>
+        </p:style>
+        <p:txBody>
+          <a:bodyPr rtlCol="0" anchor="ctr"/>
+          <a:lstStyle/>
+          <a:p>
+            <a:pPr algn="ctr"/>
+            <a:endParaRPr lang="en-US"/>
+          </a:p>
+        </p:txBody>
+      </p:sp>
+      <p:pic>
+        <p:nvPicPr>
+          <p:cNvPr id="4" name="Picture 3">
+            <a:extLst>
+              <a:ext uri="{FF2B5EF4-FFF2-40B4-BE49-F238E27FC236}">
+                <a16:creationId xmlns:a16="http://schemas.microsoft.com/office/drawing/2014/main" id="{A57C6F9B-94EE-4280-81A3-24D44D9CFB66}"/>
+              </a:ext>
+            </a:extLst>
+          </p:cNvPr>
+          <p:cNvPicPr>
+            <a:picLocks noChangeAspect="1"/>
+          </p:cNvPicPr>
+          <p:nvPr/>
+        </p:nvPicPr>
+        <p:blipFill>
+          <a:blip r:embed="rId3"/>
+          <a:stretch>
+            <a:fillRect/>
+          </a:stretch>
+        </p:blipFill>
+        <p:spPr>
+          <a:xfrm>
+            <a:off x="1126617" y="1776976"/>
+            <a:ext cx="3178638" cy="3298586"/>
+          </a:xfrm>
+          <a:prstGeom prst="rect">
+            <a:avLst/>
+          </a:prstGeom>
+        </p:spPr>
+      </p:pic>
       <p:sp>
         <p:nvSpPr>
           <p:cNvPr id="3" name="Content Placeholder 2">
@@ -19558,51 +23312,156 @@
         </p:nvSpPr>
         <p:spPr>
           <a:xfrm>
-            <a:off x="1141412" y="2249487"/>
-            <a:ext cx="9905999" cy="3541714"/>
+            <a:off x="5128643" y="2249487"/>
+            <a:ext cx="6188402" cy="3541714"/>
           </a:xfrm>
         </p:spPr>
         <p:txBody>
-          <a:bodyPr/>
+          <a:bodyPr vert="horz" lIns="91440" tIns="45720" rIns="91440" bIns="45720" rtlCol="0">
+            <a:normAutofit/>
+          </a:bodyPr>
           <a:lstStyle/>
           <a:p>
             <a:r>
-              <a:rPr lang="bg-BG" dirty="0"/>
-              <a:t>Емпирично </a:t>
+              <a:rPr lang="en-US" dirty="0" err="1">
+                <a:solidFill>
+                  <a:srgbClr val="FFFFFF"/>
+                </a:solidFill>
+              </a:rPr>
+              <a:t>Емпирично</a:t>
             </a:r>
             <a:r>
-              <a:rPr lang="bg-BG" dirty="0" err="1"/>
+              <a:rPr lang="en-US" dirty="0">
+                <a:solidFill>
+                  <a:srgbClr val="FFFFFF"/>
+                </a:solidFill>
+              </a:rPr>
+              <a:t> </a:t>
+            </a:r>
+            <a:r>
+              <a:rPr lang="en-US" dirty="0" err="1">
+                <a:solidFill>
+                  <a:srgbClr val="FFFFFF"/>
+                </a:solidFill>
+              </a:rPr>
               <a:t>проверимо</a:t>
             </a:r>
-            <a:endParaRPr lang="bg-BG" dirty="0"/>
+            <a:endParaRPr lang="en-US" dirty="0">
+              <a:solidFill>
+                <a:srgbClr val="FFFFFF"/>
+              </a:solidFill>
+            </a:endParaRPr>
           </a:p>
           <a:p>
             <a:r>
-              <a:rPr lang="bg-BG" dirty="0"/>
+              <a:rPr lang="en-US" dirty="0" err="1">
+                <a:solidFill>
+                  <a:srgbClr val="FFFFFF"/>
+                </a:solidFill>
+              </a:rPr>
               <a:t>Неутралност</a:t>
             </a:r>
+            <a:endParaRPr lang="en-US" dirty="0">
+              <a:solidFill>
+                <a:srgbClr val="FFFFFF"/>
+              </a:solidFill>
+            </a:endParaRPr>
           </a:p>
           <a:p>
             <a:r>
-              <a:rPr lang="bg-BG" dirty="0"/>
+              <a:rPr lang="en-US" dirty="0" err="1">
+                <a:solidFill>
+                  <a:srgbClr val="FFFFFF"/>
+                </a:solidFill>
+              </a:rPr>
               <a:t>Обективност</a:t>
             </a:r>
+            <a:endParaRPr lang="en-US" dirty="0">
+              <a:solidFill>
+                <a:srgbClr val="FFFFFF"/>
+              </a:solidFill>
+            </a:endParaRPr>
           </a:p>
           <a:p>
             <a:r>
-              <a:rPr lang="bg-BG" dirty="0" err="1"/>
+              <a:rPr lang="en-US" dirty="0" err="1">
+                <a:solidFill>
+                  <a:srgbClr val="FFFFFF"/>
+                </a:solidFill>
+              </a:rPr>
               <a:t>Наблюдаемост</a:t>
             </a:r>
-            <a:endParaRPr lang="bg-BG" dirty="0"/>
+            <a:endParaRPr lang="en-US" dirty="0">
+              <a:solidFill>
+                <a:srgbClr val="FFFFFF"/>
+              </a:solidFill>
+            </a:endParaRPr>
           </a:p>
           <a:p>
             <a:r>
-              <a:rPr lang="bg-BG" dirty="0"/>
+              <a:rPr lang="en-US" dirty="0" err="1">
+                <a:solidFill>
+                  <a:srgbClr val="FFFFFF"/>
+                </a:solidFill>
+              </a:rPr>
               <a:t>Надеждност</a:t>
             </a:r>
+            <a:endParaRPr lang="en-US" dirty="0">
+              <a:solidFill>
+                <a:srgbClr val="FFFFFF"/>
+              </a:solidFill>
+            </a:endParaRPr>
           </a:p>
           <a:p>
-            <a:endParaRPr lang="en-US" dirty="0"/>
+            <a:endParaRPr lang="en-US" dirty="0">
+              <a:solidFill>
+                <a:srgbClr val="FFFFFF"/>
+              </a:solidFill>
+            </a:endParaRPr>
+          </a:p>
+        </p:txBody>
+      </p:sp>
+      <p:sp>
+        <p:nvSpPr>
+          <p:cNvPr id="56" name="TextBox 55">
+            <a:extLst>
+              <a:ext uri="{FF2B5EF4-FFF2-40B4-BE49-F238E27FC236}">
+                <a16:creationId xmlns:a16="http://schemas.microsoft.com/office/drawing/2014/main" id="{2C138EB0-6AA9-45E1-9734-113274AEEF53}"/>
+              </a:ext>
+            </a:extLst>
+          </p:cNvPr>
+          <p:cNvSpPr txBox="1"/>
+          <p:nvPr/>
+        </p:nvSpPr>
+        <p:spPr>
+          <a:xfrm>
+            <a:off x="931863" y="4963462"/>
+            <a:ext cx="3797527" cy="369332"/>
+          </a:xfrm>
+          <a:prstGeom prst="rect">
+            <a:avLst/>
+          </a:prstGeom>
+          <a:noFill/>
+        </p:spPr>
+        <p:txBody>
+          <a:bodyPr wrap="square">
+            <a:spAutoFit/>
+          </a:bodyPr>
+          <a:lstStyle/>
+          <a:p>
+            <a:pPr marL="0">
+              <a:spcBef>
+                <a:spcPts val="700"/>
+              </a:spcBef>
+            </a:pPr>
+            <a:r>
+              <a:rPr lang="en-US" b="1" i="1" dirty="0" err="1"/>
+              <a:t>Източник</a:t>
+            </a:r>
+            <a:r>
+              <a:rPr lang="en-US" b="1" i="1" dirty="0"/>
+              <a:t>: www. classroomclipart.org </a:t>
+            </a:r>
           </a:p>
         </p:txBody>
       </p:sp>
@@ -19614,8 +23473,20 @@
     </p:extLst>
   </p:cSld>
   <p:clrMapOvr>
-    <a:masterClrMapping/>
+    <a:overrideClrMapping bg1="lt1" tx1="dk1" bg2="lt2" tx2="dk2" accent1="accent1" accent2="accent2" accent3="accent3" accent4="accent4" accent5="accent5" accent6="accent6" hlink="hlink" folHlink="folHlink"/>
   </p:clrMapOvr>
+  <mc:AlternateContent xmlns:mc="http://schemas.openxmlformats.org/markup-compatibility/2006">
+    <mc:Choice xmlns:p14="http://schemas.microsoft.com/office/powerpoint/2010/main" Requires="p14">
+      <p:transition spd="med" p14:dur="700">
+        <p:fade/>
+      </p:transition>
+    </mc:Choice>
+    <mc:Fallback>
+      <p:transition spd="med">
+        <p:fade/>
+      </p:transition>
+    </mc:Fallback>
+  </mc:AlternateContent>
 </p:sld>
 </file>
 
@@ -19737,6 +23608,18 @@
   <p:clrMapOvr>
     <a:masterClrMapping/>
   </p:clrMapOvr>
+  <mc:AlternateContent xmlns:mc="http://schemas.openxmlformats.org/markup-compatibility/2006">
+    <mc:Choice xmlns:p14="http://schemas.microsoft.com/office/powerpoint/2010/main" Requires="p14">
+      <p:transition spd="med" p14:dur="700">
+        <p:fade/>
+      </p:transition>
+    </mc:Choice>
+    <mc:Fallback>
+      <p:transition spd="med">
+        <p:fade/>
+      </p:transition>
+    </mc:Fallback>
+  </mc:AlternateContent>
 </p:sld>
 </file>
 
@@ -19829,7 +23712,7 @@
           <a:noFill/>
           <a:extLst>
             <a:ext uri="{909E8E84-426E-40dd-AFC4-6F175D3DCCD1}">
-              <a14:hiddenFill xmlns:p14="http://schemas.microsoft.com/office/powerpoint/2010/main" xmlns:a14="http://schemas.microsoft.com/office/drawing/2010/main" xmlns:a16="http://schemas.microsoft.com/office/drawing/2014/main" xmlns="">
+              <a14:hiddenFill xmlns="" xmlns:a16="http://schemas.microsoft.com/office/drawing/2014/main" xmlns:a14="http://schemas.microsoft.com/office/drawing/2010/main" xmlns:p14="http://schemas.microsoft.com/office/powerpoint/2010/main">
                 <a:solidFill>
                   <a:srgbClr val="FFFFFF"/>
                 </a:solidFill>
@@ -19921,7 +23804,7 @@
             </a:ln>
             <a:extLst>
               <a:ext uri="{91240B29-F687-4f45-9708-019B960494DF}">
-                <a14:hiddenLine xmlns:p14="http://schemas.microsoft.com/office/powerpoint/2010/main" xmlns:a14="http://schemas.microsoft.com/office/drawing/2010/main" xmlns:a16="http://schemas.microsoft.com/office/drawing/2014/main" xmlns="" w="9525">
+                <a14:hiddenLine xmlns="" xmlns:a16="http://schemas.microsoft.com/office/drawing/2014/main" xmlns:a14="http://schemas.microsoft.com/office/drawing/2010/main" xmlns:p14="http://schemas.microsoft.com/office/powerpoint/2010/main" w="9525">
                   <a:solidFill>
                     <a:srgbClr val="000000"/>
                   </a:solidFill>
@@ -20026,7 +23909,7 @@
             </a:ln>
             <a:extLst>
               <a:ext uri="{91240B29-F687-4f45-9708-019B960494DF}">
-                <a14:hiddenLine xmlns:p14="http://schemas.microsoft.com/office/powerpoint/2010/main" xmlns:a14="http://schemas.microsoft.com/office/drawing/2010/main" xmlns:a16="http://schemas.microsoft.com/office/drawing/2014/main" xmlns="" w="9525">
+                <a14:hiddenLine xmlns="" xmlns:a16="http://schemas.microsoft.com/office/drawing/2014/main" xmlns:a14="http://schemas.microsoft.com/office/drawing/2010/main" xmlns:p14="http://schemas.microsoft.com/office/powerpoint/2010/main" w="9525">
                   <a:solidFill>
                     <a:srgbClr val="000000"/>
                   </a:solidFill>
@@ -20131,7 +24014,7 @@
             </a:ln>
             <a:extLst>
               <a:ext uri="{91240B29-F687-4f45-9708-019B960494DF}">
-                <a14:hiddenLine xmlns:p14="http://schemas.microsoft.com/office/powerpoint/2010/main" xmlns:a14="http://schemas.microsoft.com/office/drawing/2010/main" xmlns:a16="http://schemas.microsoft.com/office/drawing/2014/main" xmlns="" w="9525">
+                <a14:hiddenLine xmlns="" xmlns:a16="http://schemas.microsoft.com/office/drawing/2014/main" xmlns:a14="http://schemas.microsoft.com/office/drawing/2010/main" xmlns:p14="http://schemas.microsoft.com/office/powerpoint/2010/main" w="9525">
                   <a:solidFill>
                     <a:srgbClr val="000000"/>
                   </a:solidFill>
@@ -20180,7 +24063,7 @@
             </a:ln>
             <a:extLst>
               <a:ext uri="{91240B29-F687-4f45-9708-019B960494DF}">
-                <a14:hiddenLine xmlns:p14="http://schemas.microsoft.com/office/powerpoint/2010/main" xmlns:a14="http://schemas.microsoft.com/office/drawing/2010/main" xmlns:a16="http://schemas.microsoft.com/office/drawing/2014/main" xmlns="" w="9525">
+                <a14:hiddenLine xmlns="" xmlns:a16="http://schemas.microsoft.com/office/drawing/2014/main" xmlns:a14="http://schemas.microsoft.com/office/drawing/2010/main" xmlns:p14="http://schemas.microsoft.com/office/powerpoint/2010/main" w="9525">
                   <a:solidFill>
                     <a:srgbClr val="000000"/>
                   </a:solidFill>
@@ -20285,7 +24168,7 @@
             </a:ln>
             <a:extLst>
               <a:ext uri="{91240B29-F687-4f45-9708-019B960494DF}">
-                <a14:hiddenLine xmlns:p14="http://schemas.microsoft.com/office/powerpoint/2010/main" xmlns:a14="http://schemas.microsoft.com/office/drawing/2010/main" xmlns:a16="http://schemas.microsoft.com/office/drawing/2014/main" xmlns="" w="9525">
+                <a14:hiddenLine xmlns="" xmlns:a16="http://schemas.microsoft.com/office/drawing/2014/main" xmlns:a14="http://schemas.microsoft.com/office/drawing/2010/main" xmlns:p14="http://schemas.microsoft.com/office/powerpoint/2010/main" w="9525">
                   <a:solidFill>
                     <a:srgbClr val="000000"/>
                   </a:solidFill>
@@ -20362,7 +24245,7 @@
             </a:ln>
             <a:extLst>
               <a:ext uri="{91240B29-F687-4f45-9708-019B960494DF}">
-                <a14:hiddenLine xmlns:p14="http://schemas.microsoft.com/office/powerpoint/2010/main" xmlns:a14="http://schemas.microsoft.com/office/drawing/2010/main" xmlns:a16="http://schemas.microsoft.com/office/drawing/2014/main" xmlns="" w="9525">
+                <a14:hiddenLine xmlns="" xmlns:a16="http://schemas.microsoft.com/office/drawing/2014/main" xmlns:a14="http://schemas.microsoft.com/office/drawing/2010/main" xmlns:p14="http://schemas.microsoft.com/office/powerpoint/2010/main" w="9525">
                   <a:solidFill>
                     <a:srgbClr val="000000"/>
                   </a:solidFill>
@@ -20439,7 +24322,7 @@
             </a:ln>
             <a:extLst>
               <a:ext uri="{91240B29-F687-4f45-9708-019B960494DF}">
-                <a14:hiddenLine xmlns:p14="http://schemas.microsoft.com/office/powerpoint/2010/main" xmlns:a14="http://schemas.microsoft.com/office/drawing/2010/main" xmlns:a16="http://schemas.microsoft.com/office/drawing/2014/main" xmlns="" w="9525">
+                <a14:hiddenLine xmlns="" xmlns:a16="http://schemas.microsoft.com/office/drawing/2014/main" xmlns:a14="http://schemas.microsoft.com/office/drawing/2010/main" xmlns:p14="http://schemas.microsoft.com/office/powerpoint/2010/main" w="9525">
                   <a:solidFill>
                     <a:srgbClr val="000000"/>
                   </a:solidFill>
@@ -20544,7 +24427,7 @@
             </a:ln>
             <a:extLst>
               <a:ext uri="{91240B29-F687-4f45-9708-019B960494DF}">
-                <a14:hiddenLine xmlns:p14="http://schemas.microsoft.com/office/powerpoint/2010/main" xmlns:a14="http://schemas.microsoft.com/office/drawing/2010/main" xmlns:a16="http://schemas.microsoft.com/office/drawing/2014/main" xmlns="" w="9525">
+                <a14:hiddenLine xmlns="" xmlns:a16="http://schemas.microsoft.com/office/drawing/2014/main" xmlns:a14="http://schemas.microsoft.com/office/drawing/2010/main" xmlns:p14="http://schemas.microsoft.com/office/powerpoint/2010/main" w="9525">
                   <a:solidFill>
                     <a:srgbClr val="000000"/>
                   </a:solidFill>
@@ -20621,7 +24504,7 @@
             </a:ln>
             <a:extLst>
               <a:ext uri="{91240B29-F687-4f45-9708-019B960494DF}">
-                <a14:hiddenLine xmlns:p14="http://schemas.microsoft.com/office/powerpoint/2010/main" xmlns:a14="http://schemas.microsoft.com/office/drawing/2010/main" xmlns:a16="http://schemas.microsoft.com/office/drawing/2014/main" xmlns="" w="9525">
+                <a14:hiddenLine xmlns="" xmlns:a16="http://schemas.microsoft.com/office/drawing/2014/main" xmlns:a14="http://schemas.microsoft.com/office/drawing/2010/main" xmlns:p14="http://schemas.microsoft.com/office/powerpoint/2010/main" w="9525">
                   <a:solidFill>
                     <a:srgbClr val="000000"/>
                   </a:solidFill>
@@ -20698,7 +24581,7 @@
             </a:ln>
             <a:extLst>
               <a:ext uri="{91240B29-F687-4f45-9708-019B960494DF}">
-                <a14:hiddenLine xmlns:p14="http://schemas.microsoft.com/office/powerpoint/2010/main" xmlns:a14="http://schemas.microsoft.com/office/drawing/2010/main" xmlns:a16="http://schemas.microsoft.com/office/drawing/2014/main" xmlns="" w="9525">
+                <a14:hiddenLine xmlns="" xmlns:a16="http://schemas.microsoft.com/office/drawing/2014/main" xmlns:a14="http://schemas.microsoft.com/office/drawing/2010/main" xmlns:p14="http://schemas.microsoft.com/office/powerpoint/2010/main" w="9525">
                   <a:solidFill>
                     <a:srgbClr val="000000"/>
                   </a:solidFill>
@@ -20803,7 +24686,7 @@
             </a:ln>
             <a:extLst>
               <a:ext uri="{91240B29-F687-4f45-9708-019B960494DF}">
-                <a14:hiddenLine xmlns:p14="http://schemas.microsoft.com/office/powerpoint/2010/main" xmlns:a14="http://schemas.microsoft.com/office/drawing/2010/main" xmlns:a16="http://schemas.microsoft.com/office/drawing/2014/main" xmlns="" w="9525">
+                <a14:hiddenLine xmlns="" xmlns:a16="http://schemas.microsoft.com/office/drawing/2014/main" xmlns:a14="http://schemas.microsoft.com/office/drawing/2010/main" xmlns:p14="http://schemas.microsoft.com/office/powerpoint/2010/main" w="9525">
                   <a:solidFill>
                     <a:srgbClr val="000000"/>
                   </a:solidFill>
@@ -20908,7 +24791,7 @@
             </a:ln>
             <a:extLst>
               <a:ext uri="{91240B29-F687-4f45-9708-019B960494DF}">
-                <a14:hiddenLine xmlns:p14="http://schemas.microsoft.com/office/powerpoint/2010/main" xmlns:a14="http://schemas.microsoft.com/office/drawing/2010/main" xmlns:a16="http://schemas.microsoft.com/office/drawing/2014/main" xmlns="" w="9525">
+                <a14:hiddenLine xmlns="" xmlns:a16="http://schemas.microsoft.com/office/drawing/2014/main" xmlns:a14="http://schemas.microsoft.com/office/drawing/2010/main" xmlns:p14="http://schemas.microsoft.com/office/powerpoint/2010/main" w="9525">
                   <a:solidFill>
                     <a:srgbClr val="000000"/>
                   </a:solidFill>
@@ -20985,7 +24868,7 @@
             </a:ln>
             <a:extLst>
               <a:ext uri="{91240B29-F687-4f45-9708-019B960494DF}">
-                <a14:hiddenLine xmlns:p14="http://schemas.microsoft.com/office/powerpoint/2010/main" xmlns:a14="http://schemas.microsoft.com/office/drawing/2010/main" xmlns:a16="http://schemas.microsoft.com/office/drawing/2014/main" xmlns="" w="9525">
+                <a14:hiddenLine xmlns="" xmlns:a16="http://schemas.microsoft.com/office/drawing/2014/main" xmlns:a14="http://schemas.microsoft.com/office/drawing/2010/main" xmlns:p14="http://schemas.microsoft.com/office/powerpoint/2010/main" w="9525">
                   <a:solidFill>
                     <a:srgbClr val="000000"/>
                   </a:solidFill>
@@ -21110,7 +24993,7 @@
             </a:ln>
             <a:extLst>
               <a:ext uri="{91240B29-F687-4f45-9708-019B960494DF}">
-                <a14:hiddenLine xmlns:p14="http://schemas.microsoft.com/office/powerpoint/2010/main" xmlns:a14="http://schemas.microsoft.com/office/drawing/2010/main" xmlns:a16="http://schemas.microsoft.com/office/drawing/2014/main" xmlns="" w="9525">
+                <a14:hiddenLine xmlns="" xmlns:a16="http://schemas.microsoft.com/office/drawing/2014/main" xmlns:a14="http://schemas.microsoft.com/office/drawing/2010/main" xmlns:p14="http://schemas.microsoft.com/office/powerpoint/2010/main" w="9525">
                   <a:solidFill>
                     <a:srgbClr val="000000"/>
                   </a:solidFill>
@@ -21187,7 +25070,7 @@
             </a:ln>
             <a:extLst>
               <a:ext uri="{91240B29-F687-4f45-9708-019B960494DF}">
-                <a14:hiddenLine xmlns:p14="http://schemas.microsoft.com/office/powerpoint/2010/main" xmlns:a14="http://schemas.microsoft.com/office/drawing/2010/main" xmlns:a16="http://schemas.microsoft.com/office/drawing/2014/main" xmlns="" w="9525">
+                <a14:hiddenLine xmlns="" xmlns:a16="http://schemas.microsoft.com/office/drawing/2014/main" xmlns:a14="http://schemas.microsoft.com/office/drawing/2010/main" xmlns:p14="http://schemas.microsoft.com/office/powerpoint/2010/main" w="9525">
                   <a:solidFill>
                     <a:srgbClr val="000000"/>
                   </a:solidFill>
@@ -21292,7 +25175,7 @@
             </a:ln>
             <a:extLst>
               <a:ext uri="{91240B29-F687-4f45-9708-019B960494DF}">
-                <a14:hiddenLine xmlns:p14="http://schemas.microsoft.com/office/powerpoint/2010/main" xmlns:a14="http://schemas.microsoft.com/office/drawing/2010/main" xmlns:a16="http://schemas.microsoft.com/office/drawing/2014/main" xmlns="" w="9525">
+                <a14:hiddenLine xmlns="" xmlns:a16="http://schemas.microsoft.com/office/drawing/2014/main" xmlns:a14="http://schemas.microsoft.com/office/drawing/2010/main" xmlns:p14="http://schemas.microsoft.com/office/powerpoint/2010/main" w="9525">
                   <a:solidFill>
                     <a:srgbClr val="000000"/>
                   </a:solidFill>
@@ -21397,7 +25280,7 @@
             </a:ln>
             <a:extLst>
               <a:ext uri="{91240B29-F687-4f45-9708-019B960494DF}">
-                <a14:hiddenLine xmlns:p14="http://schemas.microsoft.com/office/powerpoint/2010/main" xmlns:a14="http://schemas.microsoft.com/office/drawing/2010/main" xmlns:a16="http://schemas.microsoft.com/office/drawing/2014/main" xmlns="" w="9525">
+                <a14:hiddenLine xmlns="" xmlns:a16="http://schemas.microsoft.com/office/drawing/2014/main" xmlns:a14="http://schemas.microsoft.com/office/drawing/2010/main" xmlns:p14="http://schemas.microsoft.com/office/powerpoint/2010/main" w="9525">
                   <a:solidFill>
                     <a:srgbClr val="000000"/>
                   </a:solidFill>
@@ -21474,7 +25357,7 @@
             </a:ln>
             <a:extLst>
               <a:ext uri="{91240B29-F687-4f45-9708-019B960494DF}">
-                <a14:hiddenLine xmlns:p14="http://schemas.microsoft.com/office/powerpoint/2010/main" xmlns:a14="http://schemas.microsoft.com/office/drawing/2010/main" xmlns:a16="http://schemas.microsoft.com/office/drawing/2014/main" xmlns="" w="9525">
+                <a14:hiddenLine xmlns="" xmlns:a16="http://schemas.microsoft.com/office/drawing/2014/main" xmlns:a14="http://schemas.microsoft.com/office/drawing/2010/main" xmlns:p14="http://schemas.microsoft.com/office/powerpoint/2010/main" w="9525">
                   <a:solidFill>
                     <a:srgbClr val="000000"/>
                   </a:solidFill>
@@ -21579,7 +25462,7 @@
             </a:ln>
             <a:extLst>
               <a:ext uri="{91240B29-F687-4f45-9708-019B960494DF}">
-                <a14:hiddenLine xmlns:p14="http://schemas.microsoft.com/office/powerpoint/2010/main" xmlns:a14="http://schemas.microsoft.com/office/drawing/2010/main" xmlns:a16="http://schemas.microsoft.com/office/drawing/2014/main" xmlns="" w="9525">
+                <a14:hiddenLine xmlns="" xmlns:a16="http://schemas.microsoft.com/office/drawing/2014/main" xmlns:a14="http://schemas.microsoft.com/office/drawing/2010/main" xmlns:p14="http://schemas.microsoft.com/office/powerpoint/2010/main" w="9525">
                   <a:solidFill>
                     <a:srgbClr val="000000"/>
                   </a:solidFill>
@@ -21684,7 +25567,7 @@
             </a:ln>
             <a:extLst>
               <a:ext uri="{91240B29-F687-4f45-9708-019B960494DF}">
-                <a14:hiddenLine xmlns:p14="http://schemas.microsoft.com/office/powerpoint/2010/main" xmlns:a14="http://schemas.microsoft.com/office/drawing/2010/main" xmlns:a16="http://schemas.microsoft.com/office/drawing/2014/main" xmlns="" w="9525">
+                <a14:hiddenLine xmlns="" xmlns:a16="http://schemas.microsoft.com/office/drawing/2014/main" xmlns:a14="http://schemas.microsoft.com/office/drawing/2010/main" xmlns:p14="http://schemas.microsoft.com/office/powerpoint/2010/main" w="9525">
                   <a:solidFill>
                     <a:srgbClr val="000000"/>
                   </a:solidFill>
@@ -21755,7 +25638,7 @@
             </a:ln>
             <a:extLst>
               <a:ext uri="{91240B29-F687-4f45-9708-019B960494DF}">
-                <a14:hiddenLine xmlns:p14="http://schemas.microsoft.com/office/powerpoint/2010/main" xmlns:a14="http://schemas.microsoft.com/office/drawing/2010/main" xmlns:a16="http://schemas.microsoft.com/office/drawing/2014/main" xmlns="" w="9525">
+                <a14:hiddenLine xmlns="" xmlns:a16="http://schemas.microsoft.com/office/drawing/2014/main" xmlns:a14="http://schemas.microsoft.com/office/drawing/2010/main" xmlns:p14="http://schemas.microsoft.com/office/powerpoint/2010/main" w="9525">
                   <a:solidFill>
                     <a:srgbClr val="000000"/>
                   </a:solidFill>
@@ -21860,7 +25743,7 @@
             </a:ln>
             <a:extLst>
               <a:ext uri="{91240B29-F687-4f45-9708-019B960494DF}">
-                <a14:hiddenLine xmlns:p14="http://schemas.microsoft.com/office/powerpoint/2010/main" xmlns:a14="http://schemas.microsoft.com/office/drawing/2010/main" xmlns:a16="http://schemas.microsoft.com/office/drawing/2014/main" xmlns="" w="9525">
+                <a14:hiddenLine xmlns="" xmlns:a16="http://schemas.microsoft.com/office/drawing/2014/main" xmlns:a14="http://schemas.microsoft.com/office/drawing/2010/main" xmlns:p14="http://schemas.microsoft.com/office/powerpoint/2010/main" w="9525">
                   <a:solidFill>
                     <a:srgbClr val="000000"/>
                   </a:solidFill>
@@ -21931,7 +25814,7 @@
             </a:ln>
             <a:extLst>
               <a:ext uri="{91240B29-F687-4f45-9708-019B960494DF}">
-                <a14:hiddenLine xmlns:p14="http://schemas.microsoft.com/office/powerpoint/2010/main" xmlns:a14="http://schemas.microsoft.com/office/drawing/2010/main" xmlns:a16="http://schemas.microsoft.com/office/drawing/2014/main" xmlns="" w="9525">
+                <a14:hiddenLine xmlns="" xmlns:a16="http://schemas.microsoft.com/office/drawing/2014/main" xmlns:a14="http://schemas.microsoft.com/office/drawing/2010/main" xmlns:p14="http://schemas.microsoft.com/office/powerpoint/2010/main" w="9525">
                   <a:solidFill>
                     <a:srgbClr val="000000"/>
                   </a:solidFill>
@@ -22036,7 +25919,7 @@
             </a:ln>
             <a:extLst>
               <a:ext uri="{91240B29-F687-4f45-9708-019B960494DF}">
-                <a14:hiddenLine xmlns:p14="http://schemas.microsoft.com/office/powerpoint/2010/main" xmlns:a14="http://schemas.microsoft.com/office/drawing/2010/main" xmlns:a16="http://schemas.microsoft.com/office/drawing/2014/main" xmlns="" w="9525">
+                <a14:hiddenLine xmlns="" xmlns:a16="http://schemas.microsoft.com/office/drawing/2014/main" xmlns:a14="http://schemas.microsoft.com/office/drawing/2010/main" xmlns:p14="http://schemas.microsoft.com/office/powerpoint/2010/main" w="9525">
                   <a:solidFill>
                     <a:srgbClr val="000000"/>
                   </a:solidFill>
@@ -22119,7 +26002,7 @@
             </a:ln>
             <a:extLst>
               <a:ext uri="{91240B29-F687-4f45-9708-019B960494DF}">
-                <a14:hiddenLine xmlns:p14="http://schemas.microsoft.com/office/powerpoint/2010/main" xmlns:a14="http://schemas.microsoft.com/office/drawing/2010/main" xmlns:a16="http://schemas.microsoft.com/office/drawing/2014/main" xmlns="" w="9525">
+                <a14:hiddenLine xmlns="" xmlns:a16="http://schemas.microsoft.com/office/drawing/2014/main" xmlns:a14="http://schemas.microsoft.com/office/drawing/2010/main" xmlns:p14="http://schemas.microsoft.com/office/powerpoint/2010/main" w="9525">
                   <a:solidFill>
                     <a:srgbClr val="000000"/>
                   </a:solidFill>
@@ -22224,7 +26107,7 @@
             </a:ln>
             <a:extLst>
               <a:ext uri="{91240B29-F687-4f45-9708-019B960494DF}">
-                <a14:hiddenLine xmlns:p14="http://schemas.microsoft.com/office/powerpoint/2010/main" xmlns:a14="http://schemas.microsoft.com/office/drawing/2010/main" xmlns:a16="http://schemas.microsoft.com/office/drawing/2014/main" xmlns="" w="9525">
+                <a14:hiddenLine xmlns="" xmlns:a16="http://schemas.microsoft.com/office/drawing/2014/main" xmlns:a14="http://schemas.microsoft.com/office/drawing/2010/main" xmlns:p14="http://schemas.microsoft.com/office/powerpoint/2010/main" w="9525">
                   <a:solidFill>
                     <a:srgbClr val="000000"/>
                   </a:solidFill>
@@ -22307,7 +26190,7 @@
             </a:ln>
             <a:extLst>
               <a:ext uri="{91240B29-F687-4f45-9708-019B960494DF}">
-                <a14:hiddenLine xmlns:p14="http://schemas.microsoft.com/office/powerpoint/2010/main" xmlns:a14="http://schemas.microsoft.com/office/drawing/2010/main" xmlns:a16="http://schemas.microsoft.com/office/drawing/2014/main" xmlns="" w="9525">
+                <a14:hiddenLine xmlns="" xmlns:a16="http://schemas.microsoft.com/office/drawing/2014/main" xmlns:a14="http://schemas.microsoft.com/office/drawing/2010/main" xmlns:p14="http://schemas.microsoft.com/office/powerpoint/2010/main" w="9525">
                   <a:solidFill>
                     <a:srgbClr val="000000"/>
                   </a:solidFill>
@@ -22412,7 +26295,7 @@
             </a:ln>
             <a:extLst>
               <a:ext uri="{91240B29-F687-4f45-9708-019B960494DF}">
-                <a14:hiddenLine xmlns:p14="http://schemas.microsoft.com/office/powerpoint/2010/main" xmlns:a14="http://schemas.microsoft.com/office/drawing/2010/main" xmlns:a16="http://schemas.microsoft.com/office/drawing/2014/main" xmlns="" w="9525">
+                <a14:hiddenLine xmlns="" xmlns:a16="http://schemas.microsoft.com/office/drawing/2014/main" xmlns:a14="http://schemas.microsoft.com/office/drawing/2010/main" xmlns:p14="http://schemas.microsoft.com/office/powerpoint/2010/main" w="9525">
                   <a:solidFill>
                     <a:srgbClr val="000000"/>
                   </a:solidFill>
@@ -22461,7 +26344,7 @@
             </a:ln>
             <a:extLst>
               <a:ext uri="{91240B29-F687-4f45-9708-019B960494DF}">
-                <a14:hiddenLine xmlns:p14="http://schemas.microsoft.com/office/powerpoint/2010/main" xmlns:a14="http://schemas.microsoft.com/office/drawing/2010/main" xmlns:a16="http://schemas.microsoft.com/office/drawing/2014/main" xmlns="" w="9525">
+                <a14:hiddenLine xmlns="" xmlns:a16="http://schemas.microsoft.com/office/drawing/2014/main" xmlns:a14="http://schemas.microsoft.com/office/drawing/2010/main" xmlns:p14="http://schemas.microsoft.com/office/powerpoint/2010/main" w="9525">
                   <a:solidFill>
                     <a:srgbClr val="000000"/>
                   </a:solidFill>
@@ -22566,7 +26449,7 @@
             </a:ln>
             <a:extLst>
               <a:ext uri="{91240B29-F687-4f45-9708-019B960494DF}">
-                <a14:hiddenLine xmlns:p14="http://schemas.microsoft.com/office/powerpoint/2010/main" xmlns:a14="http://schemas.microsoft.com/office/drawing/2010/main" xmlns:a16="http://schemas.microsoft.com/office/drawing/2014/main" xmlns="" w="9525">
+                <a14:hiddenLine xmlns="" xmlns:a16="http://schemas.microsoft.com/office/drawing/2014/main" xmlns:a14="http://schemas.microsoft.com/office/drawing/2010/main" xmlns:p14="http://schemas.microsoft.com/office/powerpoint/2010/main" w="9525">
                   <a:solidFill>
                     <a:srgbClr val="000000"/>
                   </a:solidFill>
@@ -22643,7 +26526,7 @@
             </a:ln>
             <a:extLst>
               <a:ext uri="{91240B29-F687-4f45-9708-019B960494DF}">
-                <a14:hiddenLine xmlns:p14="http://schemas.microsoft.com/office/powerpoint/2010/main" xmlns:a14="http://schemas.microsoft.com/office/drawing/2010/main" xmlns:a16="http://schemas.microsoft.com/office/drawing/2014/main" xmlns="" w="9525">
+                <a14:hiddenLine xmlns="" xmlns:a16="http://schemas.microsoft.com/office/drawing/2014/main" xmlns:a14="http://schemas.microsoft.com/office/drawing/2010/main" xmlns:p14="http://schemas.microsoft.com/office/powerpoint/2010/main" w="9525">
                   <a:solidFill>
                     <a:srgbClr val="000000"/>
                   </a:solidFill>
@@ -22720,7 +26603,7 @@
             </a:ln>
             <a:extLst>
               <a:ext uri="{91240B29-F687-4f45-9708-019B960494DF}">
-                <a14:hiddenLine xmlns:p14="http://schemas.microsoft.com/office/powerpoint/2010/main" xmlns:a14="http://schemas.microsoft.com/office/drawing/2010/main" xmlns:a16="http://schemas.microsoft.com/office/drawing/2014/main" xmlns="" w="9525">
+                <a14:hiddenLine xmlns="" xmlns:a16="http://schemas.microsoft.com/office/drawing/2014/main" xmlns:a14="http://schemas.microsoft.com/office/drawing/2010/main" xmlns:p14="http://schemas.microsoft.com/office/powerpoint/2010/main" w="9525">
                   <a:solidFill>
                     <a:srgbClr val="000000"/>
                   </a:solidFill>
@@ -22825,7 +26708,7 @@
             </a:ln>
             <a:extLst>
               <a:ext uri="{91240B29-F687-4f45-9708-019B960494DF}">
-                <a14:hiddenLine xmlns:p14="http://schemas.microsoft.com/office/powerpoint/2010/main" xmlns:a14="http://schemas.microsoft.com/office/drawing/2010/main" xmlns:a16="http://schemas.microsoft.com/office/drawing/2014/main" xmlns="" w="9525">
+                <a14:hiddenLine xmlns="" xmlns:a16="http://schemas.microsoft.com/office/drawing/2014/main" xmlns:a14="http://schemas.microsoft.com/office/drawing/2010/main" xmlns:p14="http://schemas.microsoft.com/office/powerpoint/2010/main" w="9525">
                   <a:solidFill>
                     <a:srgbClr val="000000"/>
                   </a:solidFill>
@@ -22908,7 +26791,7 @@
             </a:ln>
             <a:extLst>
               <a:ext uri="{91240B29-F687-4f45-9708-019B960494DF}">
-                <a14:hiddenLine xmlns:p14="http://schemas.microsoft.com/office/powerpoint/2010/main" xmlns:a14="http://schemas.microsoft.com/office/drawing/2010/main" xmlns:a16="http://schemas.microsoft.com/office/drawing/2014/main" xmlns="" w="9525">
+                <a14:hiddenLine xmlns="" xmlns:a16="http://schemas.microsoft.com/office/drawing/2014/main" xmlns:a14="http://schemas.microsoft.com/office/drawing/2010/main" xmlns:p14="http://schemas.microsoft.com/office/powerpoint/2010/main" w="9525">
                   <a:solidFill>
                     <a:srgbClr val="000000"/>
                   </a:solidFill>
@@ -22985,7 +26868,7 @@
             </a:ln>
             <a:extLst>
               <a:ext uri="{91240B29-F687-4f45-9708-019B960494DF}">
-                <a14:hiddenLine xmlns:p14="http://schemas.microsoft.com/office/powerpoint/2010/main" xmlns:a14="http://schemas.microsoft.com/office/drawing/2010/main" xmlns:a16="http://schemas.microsoft.com/office/drawing/2014/main" xmlns="" w="9525">
+                <a14:hiddenLine xmlns="" xmlns:a16="http://schemas.microsoft.com/office/drawing/2014/main" xmlns:a14="http://schemas.microsoft.com/office/drawing/2010/main" xmlns:p14="http://schemas.microsoft.com/office/powerpoint/2010/main" w="9525">
                   <a:solidFill>
                     <a:srgbClr val="000000"/>
                   </a:solidFill>
@@ -23090,7 +26973,7 @@
             </a:ln>
             <a:extLst>
               <a:ext uri="{91240B29-F687-4f45-9708-019B960494DF}">
-                <a14:hiddenLine xmlns:p14="http://schemas.microsoft.com/office/powerpoint/2010/main" xmlns:a14="http://schemas.microsoft.com/office/drawing/2010/main" xmlns:a16="http://schemas.microsoft.com/office/drawing/2014/main" xmlns="" w="9525">
+                <a14:hiddenLine xmlns="" xmlns:a16="http://schemas.microsoft.com/office/drawing/2014/main" xmlns:a14="http://schemas.microsoft.com/office/drawing/2010/main" xmlns:p14="http://schemas.microsoft.com/office/powerpoint/2010/main" w="9525">
                   <a:solidFill>
                     <a:srgbClr val="000000"/>
                   </a:solidFill>
@@ -23167,7 +27050,7 @@
             </a:ln>
             <a:extLst>
               <a:ext uri="{91240B29-F687-4f45-9708-019B960494DF}">
-                <a14:hiddenLine xmlns:p14="http://schemas.microsoft.com/office/powerpoint/2010/main" xmlns:a14="http://schemas.microsoft.com/office/drawing/2010/main" xmlns:a16="http://schemas.microsoft.com/office/drawing/2014/main" xmlns="" w="9525">
+                <a14:hiddenLine xmlns="" xmlns:a16="http://schemas.microsoft.com/office/drawing/2014/main" xmlns:a14="http://schemas.microsoft.com/office/drawing/2010/main" xmlns:p14="http://schemas.microsoft.com/office/powerpoint/2010/main" w="9525">
                   <a:solidFill>
                     <a:srgbClr val="000000"/>
                   </a:solidFill>
@@ -23272,7 +27155,7 @@
             </a:ln>
             <a:extLst>
               <a:ext uri="{91240B29-F687-4f45-9708-019B960494DF}">
-                <a14:hiddenLine xmlns:p14="http://schemas.microsoft.com/office/powerpoint/2010/main" xmlns:a14="http://schemas.microsoft.com/office/drawing/2010/main" xmlns:a16="http://schemas.microsoft.com/office/drawing/2014/main" xmlns="" w="9525">
+                <a14:hiddenLine xmlns="" xmlns:a16="http://schemas.microsoft.com/office/drawing/2014/main" xmlns:a14="http://schemas.microsoft.com/office/drawing/2010/main" xmlns:p14="http://schemas.microsoft.com/office/powerpoint/2010/main" w="9525">
                   <a:solidFill>
                     <a:srgbClr val="000000"/>
                   </a:solidFill>
@@ -23349,7 +27232,7 @@
             </a:ln>
             <a:extLst>
               <a:ext uri="{91240B29-F687-4f45-9708-019B960494DF}">
-                <a14:hiddenLine xmlns:p14="http://schemas.microsoft.com/office/powerpoint/2010/main" xmlns:a14="http://schemas.microsoft.com/office/drawing/2010/main" xmlns:a16="http://schemas.microsoft.com/office/drawing/2014/main" xmlns="" w="9525">
+                <a14:hiddenLine xmlns="" xmlns:a16="http://schemas.microsoft.com/office/drawing/2014/main" xmlns:a14="http://schemas.microsoft.com/office/drawing/2010/main" xmlns:p14="http://schemas.microsoft.com/office/powerpoint/2010/main" w="9525">
                   <a:solidFill>
                     <a:srgbClr val="000000"/>
                   </a:solidFill>
@@ -23454,7 +27337,7 @@
             </a:ln>
             <a:extLst>
               <a:ext uri="{91240B29-F687-4f45-9708-019B960494DF}">
-                <a14:hiddenLine xmlns:p14="http://schemas.microsoft.com/office/powerpoint/2010/main" xmlns:a14="http://schemas.microsoft.com/office/drawing/2010/main" xmlns:a16="http://schemas.microsoft.com/office/drawing/2014/main" xmlns="" w="9525">
+                <a14:hiddenLine xmlns="" xmlns:a16="http://schemas.microsoft.com/office/drawing/2014/main" xmlns:a14="http://schemas.microsoft.com/office/drawing/2010/main" xmlns:p14="http://schemas.microsoft.com/office/powerpoint/2010/main" w="9525">
                   <a:solidFill>
                     <a:srgbClr val="000000"/>
                   </a:solidFill>
@@ -23503,7 +27386,7 @@
             </a:ln>
             <a:extLst>
               <a:ext uri="{91240B29-F687-4f45-9708-019B960494DF}">
-                <a14:hiddenLine xmlns:p14="http://schemas.microsoft.com/office/powerpoint/2010/main" xmlns:a14="http://schemas.microsoft.com/office/drawing/2010/main" xmlns:a16="http://schemas.microsoft.com/office/drawing/2014/main" xmlns="" w="9525">
+                <a14:hiddenLine xmlns="" xmlns:a16="http://schemas.microsoft.com/office/drawing/2014/main" xmlns:a14="http://schemas.microsoft.com/office/drawing/2010/main" xmlns:p14="http://schemas.microsoft.com/office/powerpoint/2010/main" w="9525">
                   <a:solidFill>
                     <a:srgbClr val="000000"/>
                   </a:solidFill>
@@ -23583,7 +27466,7 @@
             </a:ln>
             <a:extLst>
               <a:ext uri="{91240B29-F687-4f45-9708-019B960494DF}">
-                <a14:hiddenLine xmlns:p14="http://schemas.microsoft.com/office/powerpoint/2010/main" xmlns:a14="http://schemas.microsoft.com/office/drawing/2010/main" xmlns:a16="http://schemas.microsoft.com/office/drawing/2014/main" xmlns="" w="9525">
+                <a14:hiddenLine xmlns="" xmlns:a16="http://schemas.microsoft.com/office/drawing/2014/main" xmlns:a14="http://schemas.microsoft.com/office/drawing/2010/main" xmlns:p14="http://schemas.microsoft.com/office/powerpoint/2010/main" w="9525">
                   <a:solidFill>
                     <a:srgbClr val="000000"/>
                   </a:solidFill>
@@ -23688,7 +27571,7 @@
             </a:ln>
             <a:extLst>
               <a:ext uri="{91240B29-F687-4f45-9708-019B960494DF}">
-                <a14:hiddenLine xmlns:p14="http://schemas.microsoft.com/office/powerpoint/2010/main" xmlns:a14="http://schemas.microsoft.com/office/drawing/2010/main" xmlns:a16="http://schemas.microsoft.com/office/drawing/2014/main" xmlns="" w="9525">
+                <a14:hiddenLine xmlns="" xmlns:a16="http://schemas.microsoft.com/office/drawing/2014/main" xmlns:a14="http://schemas.microsoft.com/office/drawing/2010/main" xmlns:p14="http://schemas.microsoft.com/office/powerpoint/2010/main" w="9525">
                   <a:solidFill>
                     <a:srgbClr val="000000"/>
                   </a:solidFill>
@@ -23765,7 +27648,7 @@
             </a:ln>
             <a:extLst>
               <a:ext uri="{91240B29-F687-4f45-9708-019B960494DF}">
-                <a14:hiddenLine xmlns:p14="http://schemas.microsoft.com/office/powerpoint/2010/main" xmlns:a14="http://schemas.microsoft.com/office/drawing/2010/main" xmlns:a16="http://schemas.microsoft.com/office/drawing/2014/main" xmlns="" w="9525">
+                <a14:hiddenLine xmlns="" xmlns:a16="http://schemas.microsoft.com/office/drawing/2014/main" xmlns:a14="http://schemas.microsoft.com/office/drawing/2010/main" xmlns:p14="http://schemas.microsoft.com/office/powerpoint/2010/main" w="9525">
                   <a:solidFill>
                     <a:srgbClr val="000000"/>
                   </a:solidFill>
@@ -23870,7 +27753,7 @@
             </a:ln>
             <a:extLst>
               <a:ext uri="{91240B29-F687-4f45-9708-019B960494DF}">
-                <a14:hiddenLine xmlns:p14="http://schemas.microsoft.com/office/powerpoint/2010/main" xmlns:a14="http://schemas.microsoft.com/office/drawing/2010/main" xmlns:a16="http://schemas.microsoft.com/office/drawing/2014/main" xmlns="" w="9525">
+                <a14:hiddenLine xmlns="" xmlns:a16="http://schemas.microsoft.com/office/drawing/2014/main" xmlns:a14="http://schemas.microsoft.com/office/drawing/2010/main" xmlns:p14="http://schemas.microsoft.com/office/powerpoint/2010/main" w="9525">
                   <a:solidFill>
                     <a:srgbClr val="000000"/>
                   </a:solidFill>
@@ -23975,7 +27858,7 @@
             </a:ln>
             <a:extLst>
               <a:ext uri="{91240B29-F687-4f45-9708-019B960494DF}">
-                <a14:hiddenLine xmlns:p14="http://schemas.microsoft.com/office/powerpoint/2010/main" xmlns:a14="http://schemas.microsoft.com/office/drawing/2010/main" xmlns:a16="http://schemas.microsoft.com/office/drawing/2014/main" xmlns="" w="9525">
+                <a14:hiddenLine xmlns="" xmlns:a16="http://schemas.microsoft.com/office/drawing/2014/main" xmlns:a14="http://schemas.microsoft.com/office/drawing/2010/main" xmlns:p14="http://schemas.microsoft.com/office/powerpoint/2010/main" w="9525">
                   <a:solidFill>
                     <a:srgbClr val="000000"/>
                   </a:solidFill>
@@ -24055,7 +27938,7 @@
             </a:ln>
             <a:extLst>
               <a:ext uri="{91240B29-F687-4f45-9708-019B960494DF}">
-                <a14:hiddenLine xmlns:p14="http://schemas.microsoft.com/office/powerpoint/2010/main" xmlns:a14="http://schemas.microsoft.com/office/drawing/2010/main" xmlns:a16="http://schemas.microsoft.com/office/drawing/2014/main" xmlns="" w="9525">
+                <a14:hiddenLine xmlns="" xmlns:a16="http://schemas.microsoft.com/office/drawing/2014/main" xmlns:a14="http://schemas.microsoft.com/office/drawing/2010/main" xmlns:p14="http://schemas.microsoft.com/office/powerpoint/2010/main" w="9525">
                   <a:solidFill>
                     <a:srgbClr val="000000"/>
                   </a:solidFill>
@@ -24132,7 +28015,7 @@
             </a:ln>
             <a:extLst>
               <a:ext uri="{91240B29-F687-4f45-9708-019B960494DF}">
-                <a14:hiddenLine xmlns:p14="http://schemas.microsoft.com/office/powerpoint/2010/main" xmlns:a14="http://schemas.microsoft.com/office/drawing/2010/main" xmlns:a16="http://schemas.microsoft.com/office/drawing/2014/main" xmlns="" w="9525">
+                <a14:hiddenLine xmlns="" xmlns:a16="http://schemas.microsoft.com/office/drawing/2014/main" xmlns:a14="http://schemas.microsoft.com/office/drawing/2010/main" xmlns:p14="http://schemas.microsoft.com/office/powerpoint/2010/main" w="9525">
                   <a:solidFill>
                     <a:srgbClr val="000000"/>
                   </a:solidFill>
@@ -24237,7 +28120,7 @@
             </a:ln>
             <a:extLst>
               <a:ext uri="{91240B29-F687-4f45-9708-019B960494DF}">
-                <a14:hiddenLine xmlns:p14="http://schemas.microsoft.com/office/powerpoint/2010/main" xmlns:a14="http://schemas.microsoft.com/office/drawing/2010/main" xmlns:a16="http://schemas.microsoft.com/office/drawing/2014/main" xmlns="" w="9525">
+                <a14:hiddenLine xmlns="" xmlns:a16="http://schemas.microsoft.com/office/drawing/2014/main" xmlns:a14="http://schemas.microsoft.com/office/drawing/2010/main" xmlns:p14="http://schemas.microsoft.com/office/powerpoint/2010/main" w="9525">
                   <a:solidFill>
                     <a:srgbClr val="000000"/>
                   </a:solidFill>
@@ -24342,7 +28225,7 @@
             </a:ln>
             <a:extLst>
               <a:ext uri="{91240B29-F687-4f45-9708-019B960494DF}">
-                <a14:hiddenLine xmlns:p14="http://schemas.microsoft.com/office/powerpoint/2010/main" xmlns:a14="http://schemas.microsoft.com/office/drawing/2010/main" xmlns:a16="http://schemas.microsoft.com/office/drawing/2014/main" xmlns="" w="9525">
+                <a14:hiddenLine xmlns="" xmlns:a16="http://schemas.microsoft.com/office/drawing/2014/main" xmlns:a14="http://schemas.microsoft.com/office/drawing/2010/main" xmlns:p14="http://schemas.microsoft.com/office/powerpoint/2010/main" w="9525">
                   <a:solidFill>
                     <a:srgbClr val="000000"/>
                   </a:solidFill>
@@ -24419,7 +28302,7 @@
             </a:ln>
             <a:extLst>
               <a:ext uri="{91240B29-F687-4f45-9708-019B960494DF}">
-                <a14:hiddenLine xmlns:p14="http://schemas.microsoft.com/office/powerpoint/2010/main" xmlns:a14="http://schemas.microsoft.com/office/drawing/2010/main" xmlns:a16="http://schemas.microsoft.com/office/drawing/2014/main" xmlns="" w="9525">
+                <a14:hiddenLine xmlns="" xmlns:a16="http://schemas.microsoft.com/office/drawing/2014/main" xmlns:a14="http://schemas.microsoft.com/office/drawing/2010/main" xmlns:p14="http://schemas.microsoft.com/office/powerpoint/2010/main" w="9525">
                   <a:solidFill>
                     <a:srgbClr val="000000"/>
                   </a:solidFill>
@@ -24554,7 +28437,7 @@
             </a:ln>
             <a:extLst>
               <a:ext uri="{91240B29-F687-4f45-9708-019B960494DF}">
-                <a14:hiddenLine xmlns:p14="http://schemas.microsoft.com/office/powerpoint/2010/main" xmlns:a14="http://schemas.microsoft.com/office/drawing/2010/main" xmlns:a16="http://schemas.microsoft.com/office/drawing/2014/main" xmlns="" w="9525">
+                <a14:hiddenLine xmlns="" xmlns:a16="http://schemas.microsoft.com/office/drawing/2014/main" xmlns:a14="http://schemas.microsoft.com/office/drawing/2010/main" xmlns:p14="http://schemas.microsoft.com/office/powerpoint/2010/main" w="9525">
                   <a:solidFill>
                     <a:srgbClr val="000000"/>
                   </a:solidFill>
@@ -24637,7 +28520,7 @@
             </a:ln>
             <a:extLst>
               <a:ext uri="{91240B29-F687-4f45-9708-019B960494DF}">
-                <a14:hiddenLine xmlns:p14="http://schemas.microsoft.com/office/powerpoint/2010/main" xmlns:a14="http://schemas.microsoft.com/office/drawing/2010/main" xmlns:a16="http://schemas.microsoft.com/office/drawing/2014/main" xmlns="" w="9525">
+                <a14:hiddenLine xmlns="" xmlns:a16="http://schemas.microsoft.com/office/drawing/2014/main" xmlns:a14="http://schemas.microsoft.com/office/drawing/2010/main" xmlns:p14="http://schemas.microsoft.com/office/powerpoint/2010/main" w="9525">
                   <a:solidFill>
                     <a:srgbClr val="000000"/>
                   </a:solidFill>
@@ -24742,7 +28625,7 @@
             </a:ln>
             <a:extLst>
               <a:ext uri="{91240B29-F687-4f45-9708-019B960494DF}">
-                <a14:hiddenLine xmlns:p14="http://schemas.microsoft.com/office/powerpoint/2010/main" xmlns:a14="http://schemas.microsoft.com/office/drawing/2010/main" xmlns:a16="http://schemas.microsoft.com/office/drawing/2014/main" xmlns="" w="9525">
+                <a14:hiddenLine xmlns="" xmlns:a16="http://schemas.microsoft.com/office/drawing/2014/main" xmlns:a14="http://schemas.microsoft.com/office/drawing/2010/main" xmlns:p14="http://schemas.microsoft.com/office/powerpoint/2010/main" w="9525">
                   <a:solidFill>
                     <a:srgbClr val="000000"/>
                   </a:solidFill>
@@ -24929,7 +28812,7 @@
         </p:nvSpPr>
         <p:spPr>
           <a:xfrm>
-            <a:off x="5319708" y="2628107"/>
+            <a:off x="5319708" y="2811098"/>
             <a:ext cx="6485728" cy="2611802"/>
           </a:xfrm>
         </p:spPr>
@@ -24967,27 +28850,13 @@
           <a:p>
             <a:r>
               <a:rPr lang="bg-BG" dirty="0"/>
-              <a:t>р</a:t>
+              <a:t>обективно проверено </a:t>
             </a:r>
+          </a:p>
+          <a:p>
             <a:r>
-              <a:rPr lang="ru-RU" dirty="0" err="1"/>
-              <a:t>езултат</a:t>
-            </a:r>
-            <a:r>
-              <a:rPr lang="ru-RU" dirty="0"/>
-              <a:t> или </a:t>
-            </a:r>
-            <a:r>
-              <a:rPr lang="ru-RU" dirty="0" err="1"/>
-              <a:t>събитие</a:t>
-            </a:r>
-            <a:r>
-              <a:rPr lang="ru-RU" dirty="0"/>
-              <a:t>, случило се в </a:t>
-            </a:r>
-            <a:r>
-              <a:rPr lang="ru-RU" dirty="0" err="1"/>
-              <a:t>действителност</a:t>
+              <a:rPr lang="bg-BG" dirty="0"/>
+              <a:t>потвърдено експериментално</a:t>
             </a:r>
             <a:endParaRPr lang="en-US" dirty="0"/>
           </a:p>
@@ -25033,6 +28902,18 @@
   <p:clrMapOvr>
     <a:masterClrMapping/>
   </p:clrMapOvr>
+  <mc:AlternateContent xmlns:mc="http://schemas.openxmlformats.org/markup-compatibility/2006">
+    <mc:Choice xmlns:p14="http://schemas.microsoft.com/office/powerpoint/2010/main" Requires="p14">
+      <p:transition spd="med" p14:dur="700">
+        <p:fade/>
+      </p:transition>
+    </mc:Choice>
+    <mc:Fallback>
+      <p:transition spd="med">
+        <p:fade/>
+      </p:transition>
+    </mc:Fallback>
+  </mc:AlternateContent>
 </p:sld>
 </file>
 
@@ -25233,7 +29114,7 @@
               </a:ln>
               <a:extLst>
                 <a:ext uri="{91240B29-F687-4f45-9708-019B960494DF}">
-                  <a14:hiddenLine xmlns="" xmlns:a16="http://schemas.microsoft.com/office/drawing/2014/main" xmlns:p14="http://schemas.microsoft.com/office/powerpoint/2010/main" xmlns:a14="http://schemas.microsoft.com/office/drawing/2010/main" w="9525">
+                  <a14:hiddenLine xmlns:a14="http://schemas.microsoft.com/office/drawing/2010/main" xmlns:p14="http://schemas.microsoft.com/office/powerpoint/2010/main" xmlns:a16="http://schemas.microsoft.com/office/drawing/2014/main" xmlns="" w="9525">
                     <a:solidFill>
                       <a:srgbClr val="000000"/>
                     </a:solidFill>
@@ -25338,7 +29219,7 @@
               </a:ln>
               <a:extLst>
                 <a:ext uri="{91240B29-F687-4f45-9708-019B960494DF}">
-                  <a14:hiddenLine xmlns="" xmlns:a16="http://schemas.microsoft.com/office/drawing/2014/main" xmlns:p14="http://schemas.microsoft.com/office/powerpoint/2010/main" xmlns:a14="http://schemas.microsoft.com/office/drawing/2010/main" w="9525">
+                  <a14:hiddenLine xmlns:a14="http://schemas.microsoft.com/office/drawing/2010/main" xmlns:p14="http://schemas.microsoft.com/office/powerpoint/2010/main" xmlns:a16="http://schemas.microsoft.com/office/drawing/2014/main" xmlns="" w="9525">
                     <a:solidFill>
                       <a:srgbClr val="000000"/>
                     </a:solidFill>
@@ -25443,7 +29324,7 @@
               </a:ln>
               <a:extLst>
                 <a:ext uri="{91240B29-F687-4f45-9708-019B960494DF}">
-                  <a14:hiddenLine xmlns="" xmlns:a16="http://schemas.microsoft.com/office/drawing/2014/main" xmlns:p14="http://schemas.microsoft.com/office/powerpoint/2010/main" xmlns:a14="http://schemas.microsoft.com/office/drawing/2010/main" w="9525">
+                  <a14:hiddenLine xmlns:a14="http://schemas.microsoft.com/office/drawing/2010/main" xmlns:p14="http://schemas.microsoft.com/office/powerpoint/2010/main" xmlns:a16="http://schemas.microsoft.com/office/drawing/2014/main" xmlns="" w="9525">
                     <a:solidFill>
                       <a:srgbClr val="000000"/>
                     </a:solidFill>
@@ -25520,7 +29401,7 @@
               </a:ln>
               <a:extLst>
                 <a:ext uri="{91240B29-F687-4f45-9708-019B960494DF}">
-                  <a14:hiddenLine xmlns="" xmlns:a16="http://schemas.microsoft.com/office/drawing/2014/main" xmlns:p14="http://schemas.microsoft.com/office/powerpoint/2010/main" xmlns:a14="http://schemas.microsoft.com/office/drawing/2010/main" w="9525">
+                  <a14:hiddenLine xmlns:a14="http://schemas.microsoft.com/office/drawing/2010/main" xmlns:p14="http://schemas.microsoft.com/office/powerpoint/2010/main" xmlns:a16="http://schemas.microsoft.com/office/drawing/2014/main" xmlns="" w="9525">
                     <a:solidFill>
                       <a:srgbClr val="000000"/>
                     </a:solidFill>
@@ -25625,7 +29506,7 @@
               </a:ln>
               <a:extLst>
                 <a:ext uri="{91240B29-F687-4f45-9708-019B960494DF}">
-                  <a14:hiddenLine xmlns="" xmlns:a16="http://schemas.microsoft.com/office/drawing/2014/main" xmlns:p14="http://schemas.microsoft.com/office/powerpoint/2010/main" xmlns:a14="http://schemas.microsoft.com/office/drawing/2010/main" w="9525">
+                  <a14:hiddenLine xmlns:a14="http://schemas.microsoft.com/office/drawing/2010/main" xmlns:p14="http://schemas.microsoft.com/office/powerpoint/2010/main" xmlns:a16="http://schemas.microsoft.com/office/drawing/2014/main" xmlns="" w="9525">
                     <a:solidFill>
                       <a:srgbClr val="000000"/>
                     </a:solidFill>
@@ -25702,7 +29583,7 @@
               </a:ln>
               <a:extLst>
                 <a:ext uri="{91240B29-F687-4f45-9708-019B960494DF}">
-                  <a14:hiddenLine xmlns="" xmlns:a16="http://schemas.microsoft.com/office/drawing/2014/main" xmlns:p14="http://schemas.microsoft.com/office/powerpoint/2010/main" xmlns:a14="http://schemas.microsoft.com/office/drawing/2010/main" w="9525">
+                  <a14:hiddenLine xmlns:a14="http://schemas.microsoft.com/office/drawing/2010/main" xmlns:p14="http://schemas.microsoft.com/office/powerpoint/2010/main" xmlns:a16="http://schemas.microsoft.com/office/drawing/2014/main" xmlns="" w="9525">
                     <a:solidFill>
                       <a:srgbClr val="000000"/>
                     </a:solidFill>
@@ -25779,7 +29660,7 @@
               </a:ln>
               <a:extLst>
                 <a:ext uri="{91240B29-F687-4f45-9708-019B960494DF}">
-                  <a14:hiddenLine xmlns="" xmlns:a16="http://schemas.microsoft.com/office/drawing/2014/main" xmlns:p14="http://schemas.microsoft.com/office/powerpoint/2010/main" xmlns:a14="http://schemas.microsoft.com/office/drawing/2010/main" w="9525">
+                  <a14:hiddenLine xmlns:a14="http://schemas.microsoft.com/office/drawing/2010/main" xmlns:p14="http://schemas.microsoft.com/office/powerpoint/2010/main" xmlns:a16="http://schemas.microsoft.com/office/drawing/2014/main" xmlns="" w="9525">
                     <a:solidFill>
                       <a:srgbClr val="000000"/>
                     </a:solidFill>
@@ -25884,7 +29765,7 @@
               </a:ln>
               <a:extLst>
                 <a:ext uri="{91240B29-F687-4f45-9708-019B960494DF}">
-                  <a14:hiddenLine xmlns="" xmlns:a16="http://schemas.microsoft.com/office/drawing/2014/main" xmlns:p14="http://schemas.microsoft.com/office/powerpoint/2010/main" xmlns:a14="http://schemas.microsoft.com/office/drawing/2010/main" w="9525">
+                  <a14:hiddenLine xmlns:a14="http://schemas.microsoft.com/office/drawing/2010/main" xmlns:p14="http://schemas.microsoft.com/office/powerpoint/2010/main" xmlns:a16="http://schemas.microsoft.com/office/drawing/2014/main" xmlns="" w="9525">
                     <a:solidFill>
                       <a:srgbClr val="000000"/>
                     </a:solidFill>
@@ -25989,7 +29870,7 @@
               </a:ln>
               <a:extLst>
                 <a:ext uri="{91240B29-F687-4f45-9708-019B960494DF}">
-                  <a14:hiddenLine xmlns="" xmlns:a16="http://schemas.microsoft.com/office/drawing/2014/main" xmlns:p14="http://schemas.microsoft.com/office/powerpoint/2010/main" xmlns:a14="http://schemas.microsoft.com/office/drawing/2010/main" w="9525">
+                  <a14:hiddenLine xmlns:a14="http://schemas.microsoft.com/office/drawing/2010/main" xmlns:p14="http://schemas.microsoft.com/office/powerpoint/2010/main" xmlns:a16="http://schemas.microsoft.com/office/drawing/2014/main" xmlns="" w="9525">
                     <a:solidFill>
                       <a:srgbClr val="000000"/>
                     </a:solidFill>
@@ -26066,7 +29947,7 @@
               </a:ln>
               <a:extLst>
                 <a:ext uri="{91240B29-F687-4f45-9708-019B960494DF}">
-                  <a14:hiddenLine xmlns="" xmlns:a16="http://schemas.microsoft.com/office/drawing/2014/main" xmlns:p14="http://schemas.microsoft.com/office/powerpoint/2010/main" xmlns:a14="http://schemas.microsoft.com/office/drawing/2010/main" w="9525">
+                  <a14:hiddenLine xmlns:a14="http://schemas.microsoft.com/office/drawing/2010/main" xmlns:p14="http://schemas.microsoft.com/office/powerpoint/2010/main" xmlns:a16="http://schemas.microsoft.com/office/drawing/2014/main" xmlns="" w="9525">
                     <a:solidFill>
                       <a:srgbClr val="000000"/>
                     </a:solidFill>
@@ -26191,7 +30072,7 @@
               </a:ln>
               <a:extLst>
                 <a:ext uri="{91240B29-F687-4f45-9708-019B960494DF}">
-                  <a14:hiddenLine xmlns="" xmlns:a16="http://schemas.microsoft.com/office/drawing/2014/main" xmlns:p14="http://schemas.microsoft.com/office/powerpoint/2010/main" xmlns:a14="http://schemas.microsoft.com/office/drawing/2010/main" w="9525">
+                  <a14:hiddenLine xmlns:a14="http://schemas.microsoft.com/office/drawing/2010/main" xmlns:p14="http://schemas.microsoft.com/office/powerpoint/2010/main" xmlns:a16="http://schemas.microsoft.com/office/drawing/2014/main" xmlns="" w="9525">
                     <a:solidFill>
                       <a:srgbClr val="000000"/>
                     </a:solidFill>
@@ -26305,7 +30186,7 @@
               </a:ln>
               <a:extLst>
                 <a:ext uri="{91240B29-F687-4f45-9708-019B960494DF}">
-                  <a14:hiddenLine xmlns="" xmlns:a16="http://schemas.microsoft.com/office/drawing/2014/main" xmlns:p14="http://schemas.microsoft.com/office/powerpoint/2010/main" xmlns:a14="http://schemas.microsoft.com/office/drawing/2010/main" w="9525">
+                  <a14:hiddenLine xmlns:a14="http://schemas.microsoft.com/office/drawing/2010/main" xmlns:p14="http://schemas.microsoft.com/office/powerpoint/2010/main" xmlns:a16="http://schemas.microsoft.com/office/drawing/2014/main" xmlns="" w="9525">
                     <a:solidFill>
                       <a:srgbClr val="000000"/>
                     </a:solidFill>
@@ -26382,7 +30263,7 @@
               </a:ln>
               <a:extLst>
                 <a:ext uri="{91240B29-F687-4f45-9708-019B960494DF}">
-                  <a14:hiddenLine xmlns="" xmlns:a16="http://schemas.microsoft.com/office/drawing/2014/main" xmlns:p14="http://schemas.microsoft.com/office/powerpoint/2010/main" xmlns:a14="http://schemas.microsoft.com/office/drawing/2010/main" w="9525">
+                  <a14:hiddenLine xmlns:a14="http://schemas.microsoft.com/office/drawing/2010/main" xmlns:p14="http://schemas.microsoft.com/office/powerpoint/2010/main" xmlns:a16="http://schemas.microsoft.com/office/drawing/2014/main" xmlns="" w="9525">
                     <a:solidFill>
                       <a:srgbClr val="000000"/>
                     </a:solidFill>
@@ -26459,7 +30340,7 @@
               </a:ln>
               <a:extLst>
                 <a:ext uri="{91240B29-F687-4f45-9708-019B960494DF}">
-                  <a14:hiddenLine xmlns="" xmlns:a16="http://schemas.microsoft.com/office/drawing/2014/main" xmlns:p14="http://schemas.microsoft.com/office/powerpoint/2010/main" xmlns:a14="http://schemas.microsoft.com/office/drawing/2010/main" w="9525">
+                  <a14:hiddenLine xmlns:a14="http://schemas.microsoft.com/office/drawing/2010/main" xmlns:p14="http://schemas.microsoft.com/office/powerpoint/2010/main" xmlns:a16="http://schemas.microsoft.com/office/drawing/2014/main" xmlns="" w="9525">
                     <a:solidFill>
                       <a:srgbClr val="000000"/>
                     </a:solidFill>
@@ -26564,7 +30445,7 @@
               </a:ln>
               <a:extLst>
                 <a:ext uri="{91240B29-F687-4f45-9708-019B960494DF}">
-                  <a14:hiddenLine xmlns="" xmlns:a16="http://schemas.microsoft.com/office/drawing/2014/main" xmlns:p14="http://schemas.microsoft.com/office/powerpoint/2010/main" xmlns:a14="http://schemas.microsoft.com/office/drawing/2010/main" w="9525">
+                  <a14:hiddenLine xmlns:a14="http://schemas.microsoft.com/office/drawing/2010/main" xmlns:p14="http://schemas.microsoft.com/office/powerpoint/2010/main" xmlns:a16="http://schemas.microsoft.com/office/drawing/2014/main" xmlns="" w="9525">
                     <a:solidFill>
                       <a:srgbClr val="000000"/>
                     </a:solidFill>
@@ -26613,7 +30494,7 @@
               </a:ln>
               <a:extLst>
                 <a:ext uri="{91240B29-F687-4f45-9708-019B960494DF}">
-                  <a14:hiddenLine xmlns="" xmlns:a16="http://schemas.microsoft.com/office/drawing/2014/main" xmlns:p14="http://schemas.microsoft.com/office/powerpoint/2010/main" xmlns:a14="http://schemas.microsoft.com/office/drawing/2010/main" w="9525">
+                  <a14:hiddenLine xmlns:a14="http://schemas.microsoft.com/office/drawing/2010/main" xmlns:p14="http://schemas.microsoft.com/office/powerpoint/2010/main" xmlns:a16="http://schemas.microsoft.com/office/drawing/2014/main" xmlns="" w="9525">
                     <a:solidFill>
                       <a:srgbClr val="000000"/>
                     </a:solidFill>
@@ -26693,7 +30574,7 @@
               </a:ln>
               <a:extLst>
                 <a:ext uri="{91240B29-F687-4f45-9708-019B960494DF}">
-                  <a14:hiddenLine xmlns="" xmlns:a16="http://schemas.microsoft.com/office/drawing/2014/main" xmlns:p14="http://schemas.microsoft.com/office/powerpoint/2010/main" xmlns:a14="http://schemas.microsoft.com/office/drawing/2010/main" w="9525">
+                  <a14:hiddenLine xmlns:a14="http://schemas.microsoft.com/office/drawing/2010/main" xmlns:p14="http://schemas.microsoft.com/office/powerpoint/2010/main" xmlns:a16="http://schemas.microsoft.com/office/drawing/2014/main" xmlns="" w="9525">
                     <a:solidFill>
                       <a:srgbClr val="000000"/>
                     </a:solidFill>
@@ -26798,7 +30679,7 @@
               </a:ln>
               <a:extLst>
                 <a:ext uri="{91240B29-F687-4f45-9708-019B960494DF}">
-                  <a14:hiddenLine xmlns="" xmlns:a16="http://schemas.microsoft.com/office/drawing/2014/main" xmlns:p14="http://schemas.microsoft.com/office/powerpoint/2010/main" xmlns:a14="http://schemas.microsoft.com/office/drawing/2010/main" w="9525">
+                  <a14:hiddenLine xmlns:a14="http://schemas.microsoft.com/office/drawing/2010/main" xmlns:p14="http://schemas.microsoft.com/office/powerpoint/2010/main" xmlns:a16="http://schemas.microsoft.com/office/drawing/2014/main" xmlns="" w="9525">
                     <a:solidFill>
                       <a:srgbClr val="000000"/>
                     </a:solidFill>
@@ -26875,7 +30756,7 @@
               </a:ln>
               <a:extLst>
                 <a:ext uri="{91240B29-F687-4f45-9708-019B960494DF}">
-                  <a14:hiddenLine xmlns="" xmlns:a16="http://schemas.microsoft.com/office/drawing/2014/main" xmlns:p14="http://schemas.microsoft.com/office/powerpoint/2010/main" xmlns:a14="http://schemas.microsoft.com/office/drawing/2010/main" w="9525">
+                  <a14:hiddenLine xmlns:a14="http://schemas.microsoft.com/office/drawing/2010/main" xmlns:p14="http://schemas.microsoft.com/office/powerpoint/2010/main" xmlns:a16="http://schemas.microsoft.com/office/drawing/2014/main" xmlns="" w="9525">
                     <a:solidFill>
                       <a:srgbClr val="000000"/>
                     </a:solidFill>
@@ -26980,7 +30861,7 @@
               </a:ln>
               <a:extLst>
                 <a:ext uri="{91240B29-F687-4f45-9708-019B960494DF}">
-                  <a14:hiddenLine xmlns="" xmlns:a16="http://schemas.microsoft.com/office/drawing/2014/main" xmlns:p14="http://schemas.microsoft.com/office/powerpoint/2010/main" xmlns:a14="http://schemas.microsoft.com/office/drawing/2010/main" w="9525">
+                  <a14:hiddenLine xmlns:a14="http://schemas.microsoft.com/office/drawing/2010/main" xmlns:p14="http://schemas.microsoft.com/office/powerpoint/2010/main" xmlns:a16="http://schemas.microsoft.com/office/drawing/2014/main" xmlns="" w="9525">
                     <a:solidFill>
                       <a:srgbClr val="000000"/>
                     </a:solidFill>
@@ -27060,7 +30941,7 @@
               </a:ln>
               <a:extLst>
                 <a:ext uri="{91240B29-F687-4f45-9708-019B960494DF}">
-                  <a14:hiddenLine xmlns="" xmlns:a16="http://schemas.microsoft.com/office/drawing/2014/main" xmlns:p14="http://schemas.microsoft.com/office/powerpoint/2010/main" xmlns:a14="http://schemas.microsoft.com/office/drawing/2010/main" w="9525">
+                  <a14:hiddenLine xmlns:a14="http://schemas.microsoft.com/office/drawing/2010/main" xmlns:p14="http://schemas.microsoft.com/office/powerpoint/2010/main" xmlns:a16="http://schemas.microsoft.com/office/drawing/2014/main" xmlns="" w="9525">
                     <a:solidFill>
                       <a:srgbClr val="000000"/>
                     </a:solidFill>
@@ -27137,7 +31018,7 @@
               </a:ln>
               <a:extLst>
                 <a:ext uri="{91240B29-F687-4f45-9708-019B960494DF}">
-                  <a14:hiddenLine xmlns="" xmlns:a16="http://schemas.microsoft.com/office/drawing/2014/main" xmlns:p14="http://schemas.microsoft.com/office/powerpoint/2010/main" xmlns:a14="http://schemas.microsoft.com/office/drawing/2010/main" w="9525">
+                  <a14:hiddenLine xmlns:a14="http://schemas.microsoft.com/office/drawing/2010/main" xmlns:p14="http://schemas.microsoft.com/office/powerpoint/2010/main" xmlns:a16="http://schemas.microsoft.com/office/drawing/2014/main" xmlns="" w="9525">
                     <a:solidFill>
                       <a:srgbClr val="000000"/>
                     </a:solidFill>
@@ -27242,7 +31123,7 @@
               </a:ln>
               <a:extLst>
                 <a:ext uri="{91240B29-F687-4f45-9708-019B960494DF}">
-                  <a14:hiddenLine xmlns="" xmlns:a16="http://schemas.microsoft.com/office/drawing/2014/main" xmlns:p14="http://schemas.microsoft.com/office/powerpoint/2010/main" xmlns:a14="http://schemas.microsoft.com/office/drawing/2010/main" w="9525">
+                  <a14:hiddenLine xmlns:a14="http://schemas.microsoft.com/office/drawing/2010/main" xmlns:p14="http://schemas.microsoft.com/office/powerpoint/2010/main" xmlns:a16="http://schemas.microsoft.com/office/drawing/2014/main" xmlns="" w="9525">
                     <a:solidFill>
                       <a:srgbClr val="000000"/>
                     </a:solidFill>
@@ -27347,7 +31228,7 @@
               </a:ln>
               <a:extLst>
                 <a:ext uri="{91240B29-F687-4f45-9708-019B960494DF}">
-                  <a14:hiddenLine xmlns="" xmlns:a16="http://schemas.microsoft.com/office/drawing/2014/main" xmlns:p14="http://schemas.microsoft.com/office/powerpoint/2010/main" xmlns:a14="http://schemas.microsoft.com/office/drawing/2010/main" w="9525">
+                  <a14:hiddenLine xmlns:a14="http://schemas.microsoft.com/office/drawing/2010/main" xmlns:p14="http://schemas.microsoft.com/office/powerpoint/2010/main" xmlns:a16="http://schemas.microsoft.com/office/drawing/2014/main" xmlns="" w="9525">
                     <a:solidFill>
                       <a:srgbClr val="000000"/>
                     </a:solidFill>
@@ -27427,7 +31308,7 @@
               </a:ln>
               <a:extLst>
                 <a:ext uri="{91240B29-F687-4f45-9708-019B960494DF}">
-                  <a14:hiddenLine xmlns="" xmlns:a16="http://schemas.microsoft.com/office/drawing/2014/main" xmlns:p14="http://schemas.microsoft.com/office/powerpoint/2010/main" xmlns:a14="http://schemas.microsoft.com/office/drawing/2010/main" w="9525">
+                  <a14:hiddenLine xmlns:a14="http://schemas.microsoft.com/office/drawing/2010/main" xmlns:p14="http://schemas.microsoft.com/office/powerpoint/2010/main" xmlns:a16="http://schemas.microsoft.com/office/drawing/2014/main" xmlns="" w="9525">
                     <a:solidFill>
                       <a:srgbClr val="000000"/>
                     </a:solidFill>
@@ -27562,7 +31443,7 @@
               </a:ln>
               <a:extLst>
                 <a:ext uri="{91240B29-F687-4f45-9708-019B960494DF}">
-                  <a14:hiddenLine xmlns="" xmlns:a16="http://schemas.microsoft.com/office/drawing/2014/main" xmlns:p14="http://schemas.microsoft.com/office/powerpoint/2010/main" xmlns:a14="http://schemas.microsoft.com/office/drawing/2010/main" w="9525">
+                  <a14:hiddenLine xmlns:a14="http://schemas.microsoft.com/office/drawing/2010/main" xmlns:p14="http://schemas.microsoft.com/office/powerpoint/2010/main" xmlns:a16="http://schemas.microsoft.com/office/drawing/2014/main" xmlns="" w="9525">
                     <a:solidFill>
                       <a:srgbClr val="000000"/>
                     </a:solidFill>
@@ -27687,7 +31568,7 @@
               </a:ln>
               <a:extLst>
                 <a:ext uri="{91240B29-F687-4f45-9708-019B960494DF}">
-                  <a14:hiddenLine xmlns="" xmlns:a16="http://schemas.microsoft.com/office/drawing/2014/main" xmlns:p14="http://schemas.microsoft.com/office/powerpoint/2010/main" xmlns:a14="http://schemas.microsoft.com/office/drawing/2010/main" w="9525">
+                  <a14:hiddenLine xmlns:a14="http://schemas.microsoft.com/office/drawing/2010/main" xmlns:p14="http://schemas.microsoft.com/office/powerpoint/2010/main" xmlns:a16="http://schemas.microsoft.com/office/drawing/2014/main" xmlns="" w="9525">
                     <a:solidFill>
                       <a:srgbClr val="000000"/>
                     </a:solidFill>
@@ -27817,7 +31698,7 @@
               </a:ln>
               <a:extLst>
                 <a:ext uri="{91240B29-F687-4f45-9708-019B960494DF}">
-                  <a14:hiddenLine xmlns="" xmlns:a16="http://schemas.microsoft.com/office/drawing/2014/main" xmlns:p14="http://schemas.microsoft.com/office/powerpoint/2010/main" xmlns:a14="http://schemas.microsoft.com/office/drawing/2010/main" w="9525">
+                  <a14:hiddenLine xmlns:a14="http://schemas.microsoft.com/office/drawing/2010/main" xmlns:p14="http://schemas.microsoft.com/office/powerpoint/2010/main" xmlns:a16="http://schemas.microsoft.com/office/drawing/2014/main" xmlns="" w="9525">
                     <a:solidFill>
                       <a:srgbClr val="000000"/>
                     </a:solidFill>
@@ -27922,7 +31803,7 @@
               </a:ln>
               <a:extLst>
                 <a:ext uri="{91240B29-F687-4f45-9708-019B960494DF}">
-                  <a14:hiddenLine xmlns="" xmlns:a16="http://schemas.microsoft.com/office/drawing/2014/main" xmlns:p14="http://schemas.microsoft.com/office/powerpoint/2010/main" xmlns:a14="http://schemas.microsoft.com/office/drawing/2010/main" w="9525">
+                  <a14:hiddenLine xmlns:a14="http://schemas.microsoft.com/office/drawing/2010/main" xmlns:p14="http://schemas.microsoft.com/office/powerpoint/2010/main" xmlns:a16="http://schemas.microsoft.com/office/drawing/2014/main" xmlns="" w="9525">
                     <a:solidFill>
                       <a:srgbClr val="000000"/>
                     </a:solidFill>
@@ -28002,7 +31883,7 @@
               </a:ln>
               <a:extLst>
                 <a:ext uri="{91240B29-F687-4f45-9708-019B960494DF}">
-                  <a14:hiddenLine xmlns="" xmlns:a16="http://schemas.microsoft.com/office/drawing/2014/main" xmlns:p14="http://schemas.microsoft.com/office/powerpoint/2010/main" xmlns:a14="http://schemas.microsoft.com/office/drawing/2010/main" w="9525">
+                  <a14:hiddenLine xmlns:a14="http://schemas.microsoft.com/office/drawing/2010/main" xmlns:p14="http://schemas.microsoft.com/office/powerpoint/2010/main" xmlns:a16="http://schemas.microsoft.com/office/drawing/2014/main" xmlns="" w="9525">
                     <a:solidFill>
                       <a:srgbClr val="000000"/>
                     </a:solidFill>
@@ -28107,7 +31988,7 @@
               </a:ln>
               <a:extLst>
                 <a:ext uri="{91240B29-F687-4f45-9708-019B960494DF}">
-                  <a14:hiddenLine xmlns="" xmlns:a16="http://schemas.microsoft.com/office/drawing/2014/main" xmlns:p14="http://schemas.microsoft.com/office/powerpoint/2010/main" xmlns:a14="http://schemas.microsoft.com/office/drawing/2010/main" w="9525">
+                  <a14:hiddenLine xmlns:a14="http://schemas.microsoft.com/office/drawing/2010/main" xmlns:p14="http://schemas.microsoft.com/office/powerpoint/2010/main" xmlns:a16="http://schemas.microsoft.com/office/drawing/2014/main" xmlns="" w="9525">
                     <a:solidFill>
                       <a:srgbClr val="000000"/>
                     </a:solidFill>
@@ -28190,7 +32071,7 @@
               </a:ln>
               <a:extLst>
                 <a:ext uri="{91240B29-F687-4f45-9708-019B960494DF}">
-                  <a14:hiddenLine xmlns="" xmlns:a16="http://schemas.microsoft.com/office/drawing/2014/main" xmlns:p14="http://schemas.microsoft.com/office/powerpoint/2010/main" xmlns:a14="http://schemas.microsoft.com/office/drawing/2010/main" w="9525">
+                  <a14:hiddenLine xmlns:a14="http://schemas.microsoft.com/office/drawing/2010/main" xmlns:p14="http://schemas.microsoft.com/office/powerpoint/2010/main" xmlns:a16="http://schemas.microsoft.com/office/drawing/2014/main" xmlns="" w="9525">
                     <a:solidFill>
                       <a:srgbClr val="000000"/>
                     </a:solidFill>
@@ -28295,7 +32176,7 @@
               </a:ln>
               <a:extLst>
                 <a:ext uri="{91240B29-F687-4f45-9708-019B960494DF}">
-                  <a14:hiddenLine xmlns="" xmlns:a16="http://schemas.microsoft.com/office/drawing/2014/main" xmlns:p14="http://schemas.microsoft.com/office/powerpoint/2010/main" xmlns:a14="http://schemas.microsoft.com/office/drawing/2010/main" w="9525">
+                  <a14:hiddenLine xmlns:a14="http://schemas.microsoft.com/office/drawing/2010/main" xmlns:p14="http://schemas.microsoft.com/office/powerpoint/2010/main" xmlns:a16="http://schemas.microsoft.com/office/drawing/2014/main" xmlns="" w="9525">
                     <a:solidFill>
                       <a:srgbClr val="000000"/>
                     </a:solidFill>
@@ -28378,7 +32259,7 @@
               </a:ln>
               <a:extLst>
                 <a:ext uri="{91240B29-F687-4f45-9708-019B960494DF}">
-                  <a14:hiddenLine xmlns="" xmlns:a16="http://schemas.microsoft.com/office/drawing/2014/main" xmlns:p14="http://schemas.microsoft.com/office/powerpoint/2010/main" xmlns:a14="http://schemas.microsoft.com/office/drawing/2010/main" w="9525">
+                  <a14:hiddenLine xmlns:a14="http://schemas.microsoft.com/office/drawing/2010/main" xmlns:p14="http://schemas.microsoft.com/office/powerpoint/2010/main" xmlns:a16="http://schemas.microsoft.com/office/drawing/2014/main" xmlns="" w="9525">
                     <a:solidFill>
                       <a:srgbClr val="000000"/>
                     </a:solidFill>
@@ -28483,7 +32364,7 @@
               </a:ln>
               <a:extLst>
                 <a:ext uri="{91240B29-F687-4f45-9708-019B960494DF}">
-                  <a14:hiddenLine xmlns="" xmlns:a16="http://schemas.microsoft.com/office/drawing/2014/main" xmlns:p14="http://schemas.microsoft.com/office/powerpoint/2010/main" xmlns:a14="http://schemas.microsoft.com/office/drawing/2010/main" w="9525">
+                  <a14:hiddenLine xmlns:a14="http://schemas.microsoft.com/office/drawing/2010/main" xmlns:p14="http://schemas.microsoft.com/office/powerpoint/2010/main" xmlns:a16="http://schemas.microsoft.com/office/drawing/2014/main" xmlns="" w="9525">
                     <a:solidFill>
                       <a:srgbClr val="000000"/>
                     </a:solidFill>
@@ -28532,7 +32413,7 @@
               </a:ln>
               <a:extLst>
                 <a:ext uri="{91240B29-F687-4f45-9708-019B960494DF}">
-                  <a14:hiddenLine xmlns="" xmlns:a16="http://schemas.microsoft.com/office/drawing/2014/main" xmlns:p14="http://schemas.microsoft.com/office/powerpoint/2010/main" xmlns:a14="http://schemas.microsoft.com/office/drawing/2010/main" w="9525">
+                  <a14:hiddenLine xmlns:a14="http://schemas.microsoft.com/office/drawing/2010/main" xmlns:p14="http://schemas.microsoft.com/office/powerpoint/2010/main" xmlns:a16="http://schemas.microsoft.com/office/drawing/2014/main" xmlns="" w="9525">
                     <a:solidFill>
                       <a:srgbClr val="000000"/>
                     </a:solidFill>
@@ -28594,7 +32475,7 @@
           <a:noFill/>
           <a:extLst>
             <a:ext uri="{909E8E84-426E-40dd-AFC4-6F175D3DCCD1}">
-              <a14:hiddenFill xmlns="" xmlns:a16="http://schemas.microsoft.com/office/drawing/2014/main" xmlns:p14="http://schemas.microsoft.com/office/powerpoint/2010/main" xmlns:a14="http://schemas.microsoft.com/office/drawing/2010/main">
+              <a14:hiddenFill xmlns:a14="http://schemas.microsoft.com/office/drawing/2010/main" xmlns:p14="http://schemas.microsoft.com/office/powerpoint/2010/main" xmlns:a16="http://schemas.microsoft.com/office/drawing/2014/main" xmlns="">
                 <a:solidFill>
                   <a:srgbClr val="FFFFFF"/>
                 </a:solidFill>
@@ -28972,18 +32853,21 @@
               </a:spcBef>
             </a:pPr>
             <a:r>
-              <a:rPr lang="en-US" b="1" i="1">
+              <a:rPr lang="en-US" b="1" i="1" dirty="0" err="1">
                 <a:solidFill>
                   <a:srgbClr val="FFFFFF"/>
                 </a:solidFill>
               </a:rPr>
-              <a:t>Източник: www.electrochem.org. </a:t>
+              <a:t>Източник</a:t>
             </a:r>
-            <a:endParaRPr lang="en-US" b="1" i="1" dirty="0">
-              <a:solidFill>
-                <a:srgbClr val="FFFFFF"/>
-              </a:solidFill>
-            </a:endParaRPr>
+            <a:r>
+              <a:rPr lang="en-US" b="1" i="1" dirty="0">
+                <a:solidFill>
+                  <a:srgbClr val="FFFFFF"/>
+                </a:solidFill>
+              </a:rPr>
+              <a:t>: www.electrochem.org. </a:t>
+            </a:r>
           </a:p>
         </p:txBody>
       </p:sp>
@@ -29276,6 +33160,18 @@
   <p:clrMapOvr>
     <a:overrideClrMapping bg1="lt1" tx1="dk1" bg2="lt2" tx2="dk2" accent1="accent1" accent2="accent2" accent3="accent3" accent4="accent4" accent5="accent5" accent6="accent6" hlink="hlink" folHlink="folHlink"/>
   </p:clrMapOvr>
+  <mc:AlternateContent xmlns:mc="http://schemas.openxmlformats.org/markup-compatibility/2006">
+    <mc:Choice xmlns:p14="http://schemas.microsoft.com/office/powerpoint/2010/main" Requires="p14">
+      <p:transition spd="med" p14:dur="700">
+        <p:fade/>
+      </p:transition>
+    </mc:Choice>
+    <mc:Fallback>
+      <p:transition spd="med">
+        <p:fade/>
+      </p:transition>
+    </mc:Fallback>
+  </mc:AlternateContent>
 </p:sld>
 </file>
 
@@ -29352,7 +33248,7 @@
           <a:noFill/>
           <a:extLst>
             <a:ext uri="{909E8E84-426E-40dd-AFC4-6F175D3DCCD1}">
-              <a14:hiddenFill xmlns="" xmlns:a16="http://schemas.microsoft.com/office/drawing/2014/main" xmlns:p14="http://schemas.microsoft.com/office/powerpoint/2010/main" xmlns:a14="http://schemas.microsoft.com/office/drawing/2010/main">
+              <a14:hiddenFill xmlns:a14="http://schemas.microsoft.com/office/drawing/2010/main" xmlns:p14="http://schemas.microsoft.com/office/powerpoint/2010/main" xmlns:a16="http://schemas.microsoft.com/office/drawing/2014/main" xmlns="">
                 <a:solidFill>
                   <a:srgbClr val="FFFFFF"/>
                 </a:solidFill>
@@ -29444,7 +33340,7 @@
             </a:ln>
             <a:extLst>
               <a:ext uri="{91240B29-F687-4f45-9708-019B960494DF}">
-                <a14:hiddenLine xmlns="" xmlns:a16="http://schemas.microsoft.com/office/drawing/2014/main" xmlns:p14="http://schemas.microsoft.com/office/powerpoint/2010/main" xmlns:a14="http://schemas.microsoft.com/office/drawing/2010/main" w="9525">
+                <a14:hiddenLine xmlns:a14="http://schemas.microsoft.com/office/drawing/2010/main" xmlns:p14="http://schemas.microsoft.com/office/powerpoint/2010/main" xmlns:a16="http://schemas.microsoft.com/office/drawing/2014/main" xmlns="" w="9525">
                   <a:solidFill>
                     <a:srgbClr val="000000"/>
                   </a:solidFill>
@@ -29549,7 +33445,7 @@
             </a:ln>
             <a:extLst>
               <a:ext uri="{91240B29-F687-4f45-9708-019B960494DF}">
-                <a14:hiddenLine xmlns="" xmlns:a16="http://schemas.microsoft.com/office/drawing/2014/main" xmlns:p14="http://schemas.microsoft.com/office/powerpoint/2010/main" xmlns:a14="http://schemas.microsoft.com/office/drawing/2010/main" w="9525">
+                <a14:hiddenLine xmlns:a14="http://schemas.microsoft.com/office/drawing/2010/main" xmlns:p14="http://schemas.microsoft.com/office/powerpoint/2010/main" xmlns:a16="http://schemas.microsoft.com/office/drawing/2014/main" xmlns="" w="9525">
                   <a:solidFill>
                     <a:srgbClr val="000000"/>
                   </a:solidFill>
@@ -29654,7 +33550,7 @@
             </a:ln>
             <a:extLst>
               <a:ext uri="{91240B29-F687-4f45-9708-019B960494DF}">
-                <a14:hiddenLine xmlns="" xmlns:a16="http://schemas.microsoft.com/office/drawing/2014/main" xmlns:p14="http://schemas.microsoft.com/office/powerpoint/2010/main" xmlns:a14="http://schemas.microsoft.com/office/drawing/2010/main" w="9525">
+                <a14:hiddenLine xmlns:a14="http://schemas.microsoft.com/office/drawing/2010/main" xmlns:p14="http://schemas.microsoft.com/office/powerpoint/2010/main" xmlns:a16="http://schemas.microsoft.com/office/drawing/2014/main" xmlns="" w="9525">
                   <a:solidFill>
                     <a:srgbClr val="000000"/>
                   </a:solidFill>
@@ -29703,7 +33599,7 @@
             </a:ln>
             <a:extLst>
               <a:ext uri="{91240B29-F687-4f45-9708-019B960494DF}">
-                <a14:hiddenLine xmlns="" xmlns:a16="http://schemas.microsoft.com/office/drawing/2014/main" xmlns:p14="http://schemas.microsoft.com/office/powerpoint/2010/main" xmlns:a14="http://schemas.microsoft.com/office/drawing/2010/main" w="9525">
+                <a14:hiddenLine xmlns:a14="http://schemas.microsoft.com/office/drawing/2010/main" xmlns:p14="http://schemas.microsoft.com/office/powerpoint/2010/main" xmlns:a16="http://schemas.microsoft.com/office/drawing/2014/main" xmlns="" w="9525">
                   <a:solidFill>
                     <a:srgbClr val="000000"/>
                   </a:solidFill>
@@ -29808,7 +33704,7 @@
             </a:ln>
             <a:extLst>
               <a:ext uri="{91240B29-F687-4f45-9708-019B960494DF}">
-                <a14:hiddenLine xmlns="" xmlns:a16="http://schemas.microsoft.com/office/drawing/2014/main" xmlns:p14="http://schemas.microsoft.com/office/powerpoint/2010/main" xmlns:a14="http://schemas.microsoft.com/office/drawing/2010/main" w="9525">
+                <a14:hiddenLine xmlns:a14="http://schemas.microsoft.com/office/drawing/2010/main" xmlns:p14="http://schemas.microsoft.com/office/powerpoint/2010/main" xmlns:a16="http://schemas.microsoft.com/office/drawing/2014/main" xmlns="" w="9525">
                   <a:solidFill>
                     <a:srgbClr val="000000"/>
                   </a:solidFill>
@@ -29885,7 +33781,7 @@
             </a:ln>
             <a:extLst>
               <a:ext uri="{91240B29-F687-4f45-9708-019B960494DF}">
-                <a14:hiddenLine xmlns="" xmlns:a16="http://schemas.microsoft.com/office/drawing/2014/main" xmlns:p14="http://schemas.microsoft.com/office/powerpoint/2010/main" xmlns:a14="http://schemas.microsoft.com/office/drawing/2010/main" w="9525">
+                <a14:hiddenLine xmlns:a14="http://schemas.microsoft.com/office/drawing/2010/main" xmlns:p14="http://schemas.microsoft.com/office/powerpoint/2010/main" xmlns:a16="http://schemas.microsoft.com/office/drawing/2014/main" xmlns="" w="9525">
                   <a:solidFill>
                     <a:srgbClr val="000000"/>
                   </a:solidFill>
@@ -29962,7 +33858,7 @@
             </a:ln>
             <a:extLst>
               <a:ext uri="{91240B29-F687-4f45-9708-019B960494DF}">
-                <a14:hiddenLine xmlns="" xmlns:a16="http://schemas.microsoft.com/office/drawing/2014/main" xmlns:p14="http://schemas.microsoft.com/office/powerpoint/2010/main" xmlns:a14="http://schemas.microsoft.com/office/drawing/2010/main" w="9525">
+                <a14:hiddenLine xmlns:a14="http://schemas.microsoft.com/office/drawing/2010/main" xmlns:p14="http://schemas.microsoft.com/office/powerpoint/2010/main" xmlns:a16="http://schemas.microsoft.com/office/drawing/2014/main" xmlns="" w="9525">
                   <a:solidFill>
                     <a:srgbClr val="000000"/>
                   </a:solidFill>
@@ -30067,7 +33963,7 @@
             </a:ln>
             <a:extLst>
               <a:ext uri="{91240B29-F687-4f45-9708-019B960494DF}">
-                <a14:hiddenLine xmlns="" xmlns:a16="http://schemas.microsoft.com/office/drawing/2014/main" xmlns:p14="http://schemas.microsoft.com/office/powerpoint/2010/main" xmlns:a14="http://schemas.microsoft.com/office/drawing/2010/main" w="9525">
+                <a14:hiddenLine xmlns:a14="http://schemas.microsoft.com/office/drawing/2010/main" xmlns:p14="http://schemas.microsoft.com/office/powerpoint/2010/main" xmlns:a16="http://schemas.microsoft.com/office/drawing/2014/main" xmlns="" w="9525">
                   <a:solidFill>
                     <a:srgbClr val="000000"/>
                   </a:solidFill>
@@ -30144,7 +34040,7 @@
             </a:ln>
             <a:extLst>
               <a:ext uri="{91240B29-F687-4f45-9708-019B960494DF}">
-                <a14:hiddenLine xmlns="" xmlns:a16="http://schemas.microsoft.com/office/drawing/2014/main" xmlns:p14="http://schemas.microsoft.com/office/powerpoint/2010/main" xmlns:a14="http://schemas.microsoft.com/office/drawing/2010/main" w="9525">
+                <a14:hiddenLine xmlns:a14="http://schemas.microsoft.com/office/drawing/2010/main" xmlns:p14="http://schemas.microsoft.com/office/powerpoint/2010/main" xmlns:a16="http://schemas.microsoft.com/office/drawing/2014/main" xmlns="" w="9525">
                   <a:solidFill>
                     <a:srgbClr val="000000"/>
                   </a:solidFill>
@@ -30221,7 +34117,7 @@
             </a:ln>
             <a:extLst>
               <a:ext uri="{91240B29-F687-4f45-9708-019B960494DF}">
-                <a14:hiddenLine xmlns="" xmlns:a16="http://schemas.microsoft.com/office/drawing/2014/main" xmlns:p14="http://schemas.microsoft.com/office/powerpoint/2010/main" xmlns:a14="http://schemas.microsoft.com/office/drawing/2010/main" w="9525">
+                <a14:hiddenLine xmlns:a14="http://schemas.microsoft.com/office/drawing/2010/main" xmlns:p14="http://schemas.microsoft.com/office/powerpoint/2010/main" xmlns:a16="http://schemas.microsoft.com/office/drawing/2014/main" xmlns="" w="9525">
                   <a:solidFill>
                     <a:srgbClr val="000000"/>
                   </a:solidFill>
@@ -30326,7 +34222,7 @@
             </a:ln>
             <a:extLst>
               <a:ext uri="{91240B29-F687-4f45-9708-019B960494DF}">
-                <a14:hiddenLine xmlns="" xmlns:a16="http://schemas.microsoft.com/office/drawing/2014/main" xmlns:p14="http://schemas.microsoft.com/office/powerpoint/2010/main" xmlns:a14="http://schemas.microsoft.com/office/drawing/2010/main" w="9525">
+                <a14:hiddenLine xmlns:a14="http://schemas.microsoft.com/office/drawing/2010/main" xmlns:p14="http://schemas.microsoft.com/office/powerpoint/2010/main" xmlns:a16="http://schemas.microsoft.com/office/drawing/2014/main" xmlns="" w="9525">
                   <a:solidFill>
                     <a:srgbClr val="000000"/>
                   </a:solidFill>
@@ -30431,7 +34327,7 @@
             </a:ln>
             <a:extLst>
               <a:ext uri="{91240B29-F687-4f45-9708-019B960494DF}">
-                <a14:hiddenLine xmlns="" xmlns:a16="http://schemas.microsoft.com/office/drawing/2014/main" xmlns:p14="http://schemas.microsoft.com/office/powerpoint/2010/main" xmlns:a14="http://schemas.microsoft.com/office/drawing/2010/main" w="9525">
+                <a14:hiddenLine xmlns:a14="http://schemas.microsoft.com/office/drawing/2010/main" xmlns:p14="http://schemas.microsoft.com/office/powerpoint/2010/main" xmlns:a16="http://schemas.microsoft.com/office/drawing/2014/main" xmlns="" w="9525">
                   <a:solidFill>
                     <a:srgbClr val="000000"/>
                   </a:solidFill>
@@ -30508,7 +34404,7 @@
             </a:ln>
             <a:extLst>
               <a:ext uri="{91240B29-F687-4f45-9708-019B960494DF}">
-                <a14:hiddenLine xmlns="" xmlns:a16="http://schemas.microsoft.com/office/drawing/2014/main" xmlns:p14="http://schemas.microsoft.com/office/powerpoint/2010/main" xmlns:a14="http://schemas.microsoft.com/office/drawing/2010/main" w="9525">
+                <a14:hiddenLine xmlns:a14="http://schemas.microsoft.com/office/drawing/2010/main" xmlns:p14="http://schemas.microsoft.com/office/powerpoint/2010/main" xmlns:a16="http://schemas.microsoft.com/office/drawing/2014/main" xmlns="" w="9525">
                   <a:solidFill>
                     <a:srgbClr val="000000"/>
                   </a:solidFill>
@@ -30633,7 +34529,7 @@
             </a:ln>
             <a:extLst>
               <a:ext uri="{91240B29-F687-4f45-9708-019B960494DF}">
-                <a14:hiddenLine xmlns="" xmlns:a16="http://schemas.microsoft.com/office/drawing/2014/main" xmlns:p14="http://schemas.microsoft.com/office/powerpoint/2010/main" xmlns:a14="http://schemas.microsoft.com/office/drawing/2010/main" w="9525">
+                <a14:hiddenLine xmlns:a14="http://schemas.microsoft.com/office/drawing/2010/main" xmlns:p14="http://schemas.microsoft.com/office/powerpoint/2010/main" xmlns:a16="http://schemas.microsoft.com/office/drawing/2014/main" xmlns="" w="9525">
                   <a:solidFill>
                     <a:srgbClr val="000000"/>
                   </a:solidFill>
@@ -30710,7 +34606,7 @@
             </a:ln>
             <a:extLst>
               <a:ext uri="{91240B29-F687-4f45-9708-019B960494DF}">
-                <a14:hiddenLine xmlns="" xmlns:a16="http://schemas.microsoft.com/office/drawing/2014/main" xmlns:p14="http://schemas.microsoft.com/office/powerpoint/2010/main" xmlns:a14="http://schemas.microsoft.com/office/drawing/2010/main" w="9525">
+                <a14:hiddenLine xmlns:a14="http://schemas.microsoft.com/office/drawing/2010/main" xmlns:p14="http://schemas.microsoft.com/office/powerpoint/2010/main" xmlns:a16="http://schemas.microsoft.com/office/drawing/2014/main" xmlns="" w="9525">
                   <a:solidFill>
                     <a:srgbClr val="000000"/>
                   </a:solidFill>
@@ -30815,7 +34711,7 @@
             </a:ln>
             <a:extLst>
               <a:ext uri="{91240B29-F687-4f45-9708-019B960494DF}">
-                <a14:hiddenLine xmlns="" xmlns:a16="http://schemas.microsoft.com/office/drawing/2014/main" xmlns:p14="http://schemas.microsoft.com/office/powerpoint/2010/main" xmlns:a14="http://schemas.microsoft.com/office/drawing/2010/main" w="9525">
+                <a14:hiddenLine xmlns:a14="http://schemas.microsoft.com/office/drawing/2010/main" xmlns:p14="http://schemas.microsoft.com/office/powerpoint/2010/main" xmlns:a16="http://schemas.microsoft.com/office/drawing/2014/main" xmlns="" w="9525">
                   <a:solidFill>
                     <a:srgbClr val="000000"/>
                   </a:solidFill>
@@ -30920,7 +34816,7 @@
             </a:ln>
             <a:extLst>
               <a:ext uri="{91240B29-F687-4f45-9708-019B960494DF}">
-                <a14:hiddenLine xmlns="" xmlns:a16="http://schemas.microsoft.com/office/drawing/2014/main" xmlns:p14="http://schemas.microsoft.com/office/powerpoint/2010/main" xmlns:a14="http://schemas.microsoft.com/office/drawing/2010/main" w="9525">
+                <a14:hiddenLine xmlns:a14="http://schemas.microsoft.com/office/drawing/2010/main" xmlns:p14="http://schemas.microsoft.com/office/powerpoint/2010/main" xmlns:a16="http://schemas.microsoft.com/office/drawing/2014/main" xmlns="" w="9525">
                   <a:solidFill>
                     <a:srgbClr val="000000"/>
                   </a:solidFill>
@@ -30997,7 +34893,7 @@
             </a:ln>
             <a:extLst>
               <a:ext uri="{91240B29-F687-4f45-9708-019B960494DF}">
-                <a14:hiddenLine xmlns="" xmlns:a16="http://schemas.microsoft.com/office/drawing/2014/main" xmlns:p14="http://schemas.microsoft.com/office/powerpoint/2010/main" xmlns:a14="http://schemas.microsoft.com/office/drawing/2010/main" w="9525">
+                <a14:hiddenLine xmlns:a14="http://schemas.microsoft.com/office/drawing/2010/main" xmlns:p14="http://schemas.microsoft.com/office/powerpoint/2010/main" xmlns:a16="http://schemas.microsoft.com/office/drawing/2014/main" xmlns="" w="9525">
                   <a:solidFill>
                     <a:srgbClr val="000000"/>
                   </a:solidFill>
@@ -31102,7 +34998,7 @@
             </a:ln>
             <a:extLst>
               <a:ext uri="{91240B29-F687-4f45-9708-019B960494DF}">
-                <a14:hiddenLine xmlns="" xmlns:a16="http://schemas.microsoft.com/office/drawing/2014/main" xmlns:p14="http://schemas.microsoft.com/office/powerpoint/2010/main" xmlns:a14="http://schemas.microsoft.com/office/drawing/2010/main" w="9525">
+                <a14:hiddenLine xmlns:a14="http://schemas.microsoft.com/office/drawing/2010/main" xmlns:p14="http://schemas.microsoft.com/office/powerpoint/2010/main" xmlns:a16="http://schemas.microsoft.com/office/drawing/2014/main" xmlns="" w="9525">
                   <a:solidFill>
                     <a:srgbClr val="000000"/>
                   </a:solidFill>
@@ -31207,7 +35103,7 @@
             </a:ln>
             <a:extLst>
               <a:ext uri="{91240B29-F687-4f45-9708-019B960494DF}">
-                <a14:hiddenLine xmlns="" xmlns:a16="http://schemas.microsoft.com/office/drawing/2014/main" xmlns:p14="http://schemas.microsoft.com/office/powerpoint/2010/main" xmlns:a14="http://schemas.microsoft.com/office/drawing/2010/main" w="9525">
+                <a14:hiddenLine xmlns:a14="http://schemas.microsoft.com/office/drawing/2010/main" xmlns:p14="http://schemas.microsoft.com/office/powerpoint/2010/main" xmlns:a16="http://schemas.microsoft.com/office/drawing/2014/main" xmlns="" w="9525">
                   <a:solidFill>
                     <a:srgbClr val="000000"/>
                   </a:solidFill>
@@ -31278,7 +35174,7 @@
             </a:ln>
             <a:extLst>
               <a:ext uri="{91240B29-F687-4f45-9708-019B960494DF}">
-                <a14:hiddenLine xmlns="" xmlns:a16="http://schemas.microsoft.com/office/drawing/2014/main" xmlns:p14="http://schemas.microsoft.com/office/powerpoint/2010/main" xmlns:a14="http://schemas.microsoft.com/office/drawing/2010/main" w="9525">
+                <a14:hiddenLine xmlns:a14="http://schemas.microsoft.com/office/drawing/2010/main" xmlns:p14="http://schemas.microsoft.com/office/powerpoint/2010/main" xmlns:a16="http://schemas.microsoft.com/office/drawing/2014/main" xmlns="" w="9525">
                   <a:solidFill>
                     <a:srgbClr val="000000"/>
                   </a:solidFill>
@@ -31383,7 +35279,7 @@
             </a:ln>
             <a:extLst>
               <a:ext uri="{91240B29-F687-4f45-9708-019B960494DF}">
-                <a14:hiddenLine xmlns="" xmlns:a16="http://schemas.microsoft.com/office/drawing/2014/main" xmlns:p14="http://schemas.microsoft.com/office/powerpoint/2010/main" xmlns:a14="http://schemas.microsoft.com/office/drawing/2010/main" w="9525">
+                <a14:hiddenLine xmlns:a14="http://schemas.microsoft.com/office/drawing/2010/main" xmlns:p14="http://schemas.microsoft.com/office/powerpoint/2010/main" xmlns:a16="http://schemas.microsoft.com/office/drawing/2014/main" xmlns="" w="9525">
                   <a:solidFill>
                     <a:srgbClr val="000000"/>
                   </a:solidFill>
@@ -31454,7 +35350,7 @@
             </a:ln>
             <a:extLst>
               <a:ext uri="{91240B29-F687-4f45-9708-019B960494DF}">
-                <a14:hiddenLine xmlns="" xmlns:a16="http://schemas.microsoft.com/office/drawing/2014/main" xmlns:p14="http://schemas.microsoft.com/office/powerpoint/2010/main" xmlns:a14="http://schemas.microsoft.com/office/drawing/2010/main" w="9525">
+                <a14:hiddenLine xmlns:a14="http://schemas.microsoft.com/office/drawing/2010/main" xmlns:p14="http://schemas.microsoft.com/office/powerpoint/2010/main" xmlns:a16="http://schemas.microsoft.com/office/drawing/2014/main" xmlns="" w="9525">
                   <a:solidFill>
                     <a:srgbClr val="000000"/>
                   </a:solidFill>
@@ -31559,7 +35455,7 @@
             </a:ln>
             <a:extLst>
               <a:ext uri="{91240B29-F687-4f45-9708-019B960494DF}">
-                <a14:hiddenLine xmlns="" xmlns:a16="http://schemas.microsoft.com/office/drawing/2014/main" xmlns:p14="http://schemas.microsoft.com/office/powerpoint/2010/main" xmlns:a14="http://schemas.microsoft.com/office/drawing/2010/main" w="9525">
+                <a14:hiddenLine xmlns:a14="http://schemas.microsoft.com/office/drawing/2010/main" xmlns:p14="http://schemas.microsoft.com/office/powerpoint/2010/main" xmlns:a16="http://schemas.microsoft.com/office/drawing/2014/main" xmlns="" w="9525">
                   <a:solidFill>
                     <a:srgbClr val="000000"/>
                   </a:solidFill>
@@ -31642,7 +35538,7 @@
             </a:ln>
             <a:extLst>
               <a:ext uri="{91240B29-F687-4f45-9708-019B960494DF}">
-                <a14:hiddenLine xmlns="" xmlns:a16="http://schemas.microsoft.com/office/drawing/2014/main" xmlns:p14="http://schemas.microsoft.com/office/powerpoint/2010/main" xmlns:a14="http://schemas.microsoft.com/office/drawing/2010/main" w="9525">
+                <a14:hiddenLine xmlns:a14="http://schemas.microsoft.com/office/drawing/2010/main" xmlns:p14="http://schemas.microsoft.com/office/powerpoint/2010/main" xmlns:a16="http://schemas.microsoft.com/office/drawing/2014/main" xmlns="" w="9525">
                   <a:solidFill>
                     <a:srgbClr val="000000"/>
                   </a:solidFill>
@@ -31747,7 +35643,7 @@
             </a:ln>
             <a:extLst>
               <a:ext uri="{91240B29-F687-4f45-9708-019B960494DF}">
-                <a14:hiddenLine xmlns="" xmlns:a16="http://schemas.microsoft.com/office/drawing/2014/main" xmlns:p14="http://schemas.microsoft.com/office/powerpoint/2010/main" xmlns:a14="http://schemas.microsoft.com/office/drawing/2010/main" w="9525">
+                <a14:hiddenLine xmlns:a14="http://schemas.microsoft.com/office/drawing/2010/main" xmlns:p14="http://schemas.microsoft.com/office/powerpoint/2010/main" xmlns:a16="http://schemas.microsoft.com/office/drawing/2014/main" xmlns="" w="9525">
                   <a:solidFill>
                     <a:srgbClr val="000000"/>
                   </a:solidFill>
@@ -31830,7 +35726,7 @@
             </a:ln>
             <a:extLst>
               <a:ext uri="{91240B29-F687-4f45-9708-019B960494DF}">
-                <a14:hiddenLine xmlns="" xmlns:a16="http://schemas.microsoft.com/office/drawing/2014/main" xmlns:p14="http://schemas.microsoft.com/office/powerpoint/2010/main" xmlns:a14="http://schemas.microsoft.com/office/drawing/2010/main" w="9525">
+                <a14:hiddenLine xmlns:a14="http://schemas.microsoft.com/office/drawing/2010/main" xmlns:p14="http://schemas.microsoft.com/office/powerpoint/2010/main" xmlns:a16="http://schemas.microsoft.com/office/drawing/2014/main" xmlns="" w="9525">
                   <a:solidFill>
                     <a:srgbClr val="000000"/>
                   </a:solidFill>
@@ -31935,7 +35831,7 @@
             </a:ln>
             <a:extLst>
               <a:ext uri="{91240B29-F687-4f45-9708-019B960494DF}">
-                <a14:hiddenLine xmlns="" xmlns:a16="http://schemas.microsoft.com/office/drawing/2014/main" xmlns:p14="http://schemas.microsoft.com/office/powerpoint/2010/main" xmlns:a14="http://schemas.microsoft.com/office/drawing/2010/main" w="9525">
+                <a14:hiddenLine xmlns:a14="http://schemas.microsoft.com/office/drawing/2010/main" xmlns:p14="http://schemas.microsoft.com/office/powerpoint/2010/main" xmlns:a16="http://schemas.microsoft.com/office/drawing/2014/main" xmlns="" w="9525">
                   <a:solidFill>
                     <a:srgbClr val="000000"/>
                   </a:solidFill>
@@ -31984,7 +35880,7 @@
             </a:ln>
             <a:extLst>
               <a:ext uri="{91240B29-F687-4f45-9708-019B960494DF}">
-                <a14:hiddenLine xmlns="" xmlns:a16="http://schemas.microsoft.com/office/drawing/2014/main" xmlns:p14="http://schemas.microsoft.com/office/powerpoint/2010/main" xmlns:a14="http://schemas.microsoft.com/office/drawing/2010/main" w="9525">
+                <a14:hiddenLine xmlns:a14="http://schemas.microsoft.com/office/drawing/2010/main" xmlns:p14="http://schemas.microsoft.com/office/powerpoint/2010/main" xmlns:a16="http://schemas.microsoft.com/office/drawing/2014/main" xmlns="" w="9525">
                   <a:solidFill>
                     <a:srgbClr val="000000"/>
                   </a:solidFill>
@@ -32089,7 +35985,7 @@
             </a:ln>
             <a:extLst>
               <a:ext uri="{91240B29-F687-4f45-9708-019B960494DF}">
-                <a14:hiddenLine xmlns="" xmlns:a16="http://schemas.microsoft.com/office/drawing/2014/main" xmlns:p14="http://schemas.microsoft.com/office/powerpoint/2010/main" xmlns:a14="http://schemas.microsoft.com/office/drawing/2010/main" w="9525">
+                <a14:hiddenLine xmlns:a14="http://schemas.microsoft.com/office/drawing/2010/main" xmlns:p14="http://schemas.microsoft.com/office/powerpoint/2010/main" xmlns:a16="http://schemas.microsoft.com/office/drawing/2014/main" xmlns="" w="9525">
                   <a:solidFill>
                     <a:srgbClr val="000000"/>
                   </a:solidFill>
@@ -32166,7 +36062,7 @@
             </a:ln>
             <a:extLst>
               <a:ext uri="{91240B29-F687-4f45-9708-019B960494DF}">
-                <a14:hiddenLine xmlns="" xmlns:a16="http://schemas.microsoft.com/office/drawing/2014/main" xmlns:p14="http://schemas.microsoft.com/office/powerpoint/2010/main" xmlns:a14="http://schemas.microsoft.com/office/drawing/2010/main" w="9525">
+                <a14:hiddenLine xmlns:a14="http://schemas.microsoft.com/office/drawing/2010/main" xmlns:p14="http://schemas.microsoft.com/office/powerpoint/2010/main" xmlns:a16="http://schemas.microsoft.com/office/drawing/2014/main" xmlns="" w="9525">
                   <a:solidFill>
                     <a:srgbClr val="000000"/>
                   </a:solidFill>
@@ -32243,7 +36139,7 @@
             </a:ln>
             <a:extLst>
               <a:ext uri="{91240B29-F687-4f45-9708-019B960494DF}">
-                <a14:hiddenLine xmlns="" xmlns:a16="http://schemas.microsoft.com/office/drawing/2014/main" xmlns:p14="http://schemas.microsoft.com/office/powerpoint/2010/main" xmlns:a14="http://schemas.microsoft.com/office/drawing/2010/main" w="9525">
+                <a14:hiddenLine xmlns:a14="http://schemas.microsoft.com/office/drawing/2010/main" xmlns:p14="http://schemas.microsoft.com/office/powerpoint/2010/main" xmlns:a16="http://schemas.microsoft.com/office/drawing/2014/main" xmlns="" w="9525">
                   <a:solidFill>
                     <a:srgbClr val="000000"/>
                   </a:solidFill>
@@ -32348,7 +36244,7 @@
             </a:ln>
             <a:extLst>
               <a:ext uri="{91240B29-F687-4f45-9708-019B960494DF}">
-                <a14:hiddenLine xmlns="" xmlns:a16="http://schemas.microsoft.com/office/drawing/2014/main" xmlns:p14="http://schemas.microsoft.com/office/powerpoint/2010/main" xmlns:a14="http://schemas.microsoft.com/office/drawing/2010/main" w="9525">
+                <a14:hiddenLine xmlns:a14="http://schemas.microsoft.com/office/drawing/2010/main" xmlns:p14="http://schemas.microsoft.com/office/powerpoint/2010/main" xmlns:a16="http://schemas.microsoft.com/office/drawing/2014/main" xmlns="" w="9525">
                   <a:solidFill>
                     <a:srgbClr val="000000"/>
                   </a:solidFill>
@@ -32431,7 +36327,7 @@
             </a:ln>
             <a:extLst>
               <a:ext uri="{91240B29-F687-4f45-9708-019B960494DF}">
-                <a14:hiddenLine xmlns="" xmlns:a16="http://schemas.microsoft.com/office/drawing/2014/main" xmlns:p14="http://schemas.microsoft.com/office/powerpoint/2010/main" xmlns:a14="http://schemas.microsoft.com/office/drawing/2010/main" w="9525">
+                <a14:hiddenLine xmlns:a14="http://schemas.microsoft.com/office/drawing/2010/main" xmlns:p14="http://schemas.microsoft.com/office/powerpoint/2010/main" xmlns:a16="http://schemas.microsoft.com/office/drawing/2014/main" xmlns="" w="9525">
                   <a:solidFill>
                     <a:srgbClr val="000000"/>
                   </a:solidFill>
@@ -32508,7 +36404,7 @@
             </a:ln>
             <a:extLst>
               <a:ext uri="{91240B29-F687-4f45-9708-019B960494DF}">
-                <a14:hiddenLine xmlns="" xmlns:a16="http://schemas.microsoft.com/office/drawing/2014/main" xmlns:p14="http://schemas.microsoft.com/office/powerpoint/2010/main" xmlns:a14="http://schemas.microsoft.com/office/drawing/2010/main" w="9525">
+                <a14:hiddenLine xmlns:a14="http://schemas.microsoft.com/office/drawing/2010/main" xmlns:p14="http://schemas.microsoft.com/office/powerpoint/2010/main" xmlns:a16="http://schemas.microsoft.com/office/drawing/2014/main" xmlns="" w="9525">
                   <a:solidFill>
                     <a:srgbClr val="000000"/>
                   </a:solidFill>
@@ -32613,7 +36509,7 @@
             </a:ln>
             <a:extLst>
               <a:ext uri="{91240B29-F687-4f45-9708-019B960494DF}">
-                <a14:hiddenLine xmlns="" xmlns:a16="http://schemas.microsoft.com/office/drawing/2014/main" xmlns:p14="http://schemas.microsoft.com/office/powerpoint/2010/main" xmlns:a14="http://schemas.microsoft.com/office/drawing/2010/main" w="9525">
+                <a14:hiddenLine xmlns:a14="http://schemas.microsoft.com/office/drawing/2010/main" xmlns:p14="http://schemas.microsoft.com/office/powerpoint/2010/main" xmlns:a16="http://schemas.microsoft.com/office/drawing/2014/main" xmlns="" w="9525">
                   <a:solidFill>
                     <a:srgbClr val="000000"/>
                   </a:solidFill>
@@ -32690,7 +36586,7 @@
             </a:ln>
             <a:extLst>
               <a:ext uri="{91240B29-F687-4f45-9708-019B960494DF}">
-                <a14:hiddenLine xmlns="" xmlns:a16="http://schemas.microsoft.com/office/drawing/2014/main" xmlns:p14="http://schemas.microsoft.com/office/powerpoint/2010/main" xmlns:a14="http://schemas.microsoft.com/office/drawing/2010/main" w="9525">
+                <a14:hiddenLine xmlns:a14="http://schemas.microsoft.com/office/drawing/2010/main" xmlns:p14="http://schemas.microsoft.com/office/powerpoint/2010/main" xmlns:a16="http://schemas.microsoft.com/office/drawing/2014/main" xmlns="" w="9525">
                   <a:solidFill>
                     <a:srgbClr val="000000"/>
                   </a:solidFill>
@@ -32795,7 +36691,7 @@
             </a:ln>
             <a:extLst>
               <a:ext uri="{91240B29-F687-4f45-9708-019B960494DF}">
-                <a14:hiddenLine xmlns="" xmlns:a16="http://schemas.microsoft.com/office/drawing/2014/main" xmlns:p14="http://schemas.microsoft.com/office/powerpoint/2010/main" xmlns:a14="http://schemas.microsoft.com/office/drawing/2010/main" w="9525">
+                <a14:hiddenLine xmlns:a14="http://schemas.microsoft.com/office/drawing/2010/main" xmlns:p14="http://schemas.microsoft.com/office/powerpoint/2010/main" xmlns:a16="http://schemas.microsoft.com/office/drawing/2014/main" xmlns="" w="9525">
                   <a:solidFill>
                     <a:srgbClr val="000000"/>
                   </a:solidFill>
@@ -32872,7 +36768,7 @@
             </a:ln>
             <a:extLst>
               <a:ext uri="{91240B29-F687-4f45-9708-019B960494DF}">
-                <a14:hiddenLine xmlns="" xmlns:a16="http://schemas.microsoft.com/office/drawing/2014/main" xmlns:p14="http://schemas.microsoft.com/office/powerpoint/2010/main" xmlns:a14="http://schemas.microsoft.com/office/drawing/2010/main" w="9525">
+                <a14:hiddenLine xmlns:a14="http://schemas.microsoft.com/office/drawing/2010/main" xmlns:p14="http://schemas.microsoft.com/office/powerpoint/2010/main" xmlns:a16="http://schemas.microsoft.com/office/drawing/2014/main" xmlns="" w="9525">
                   <a:solidFill>
                     <a:srgbClr val="000000"/>
                   </a:solidFill>
@@ -32977,7 +36873,7 @@
             </a:ln>
             <a:extLst>
               <a:ext uri="{91240B29-F687-4f45-9708-019B960494DF}">
-                <a14:hiddenLine xmlns="" xmlns:a16="http://schemas.microsoft.com/office/drawing/2014/main" xmlns:p14="http://schemas.microsoft.com/office/powerpoint/2010/main" xmlns:a14="http://schemas.microsoft.com/office/drawing/2010/main" w="9525">
+                <a14:hiddenLine xmlns:a14="http://schemas.microsoft.com/office/drawing/2010/main" xmlns:p14="http://schemas.microsoft.com/office/powerpoint/2010/main" xmlns:a16="http://schemas.microsoft.com/office/drawing/2014/main" xmlns="" w="9525">
                   <a:solidFill>
                     <a:srgbClr val="000000"/>
                   </a:solidFill>
@@ -33026,7 +36922,7 @@
             </a:ln>
             <a:extLst>
               <a:ext uri="{91240B29-F687-4f45-9708-019B960494DF}">
-                <a14:hiddenLine xmlns="" xmlns:a16="http://schemas.microsoft.com/office/drawing/2014/main" xmlns:p14="http://schemas.microsoft.com/office/powerpoint/2010/main" xmlns:a14="http://schemas.microsoft.com/office/drawing/2010/main" w="9525">
+                <a14:hiddenLine xmlns:a14="http://schemas.microsoft.com/office/drawing/2010/main" xmlns:p14="http://schemas.microsoft.com/office/powerpoint/2010/main" xmlns:a16="http://schemas.microsoft.com/office/drawing/2014/main" xmlns="" w="9525">
                   <a:solidFill>
                     <a:srgbClr val="000000"/>
                   </a:solidFill>
@@ -33106,7 +37002,7 @@
             </a:ln>
             <a:extLst>
               <a:ext uri="{91240B29-F687-4f45-9708-019B960494DF}">
-                <a14:hiddenLine xmlns="" xmlns:a16="http://schemas.microsoft.com/office/drawing/2014/main" xmlns:p14="http://schemas.microsoft.com/office/powerpoint/2010/main" xmlns:a14="http://schemas.microsoft.com/office/drawing/2010/main" w="9525">
+                <a14:hiddenLine xmlns:a14="http://schemas.microsoft.com/office/drawing/2010/main" xmlns:p14="http://schemas.microsoft.com/office/powerpoint/2010/main" xmlns:a16="http://schemas.microsoft.com/office/drawing/2014/main" xmlns="" w="9525">
                   <a:solidFill>
                     <a:srgbClr val="000000"/>
                   </a:solidFill>
@@ -33211,7 +37107,7 @@
             </a:ln>
             <a:extLst>
               <a:ext uri="{91240B29-F687-4f45-9708-019B960494DF}">
-                <a14:hiddenLine xmlns="" xmlns:a16="http://schemas.microsoft.com/office/drawing/2014/main" xmlns:p14="http://schemas.microsoft.com/office/powerpoint/2010/main" xmlns:a14="http://schemas.microsoft.com/office/drawing/2010/main" w="9525">
+                <a14:hiddenLine xmlns:a14="http://schemas.microsoft.com/office/drawing/2010/main" xmlns:p14="http://schemas.microsoft.com/office/powerpoint/2010/main" xmlns:a16="http://schemas.microsoft.com/office/drawing/2014/main" xmlns="" w="9525">
                   <a:solidFill>
                     <a:srgbClr val="000000"/>
                   </a:solidFill>
@@ -33288,7 +37184,7 @@
             </a:ln>
             <a:extLst>
               <a:ext uri="{91240B29-F687-4f45-9708-019B960494DF}">
-                <a14:hiddenLine xmlns="" xmlns:a16="http://schemas.microsoft.com/office/drawing/2014/main" xmlns:p14="http://schemas.microsoft.com/office/powerpoint/2010/main" xmlns:a14="http://schemas.microsoft.com/office/drawing/2010/main" w="9525">
+                <a14:hiddenLine xmlns:a14="http://schemas.microsoft.com/office/drawing/2010/main" xmlns:p14="http://schemas.microsoft.com/office/powerpoint/2010/main" xmlns:a16="http://schemas.microsoft.com/office/drawing/2014/main" xmlns="" w="9525">
                   <a:solidFill>
                     <a:srgbClr val="000000"/>
                   </a:solidFill>
@@ -33393,7 +37289,7 @@
             </a:ln>
             <a:extLst>
               <a:ext uri="{91240B29-F687-4f45-9708-019B960494DF}">
-                <a14:hiddenLine xmlns="" xmlns:a16="http://schemas.microsoft.com/office/drawing/2014/main" xmlns:p14="http://schemas.microsoft.com/office/powerpoint/2010/main" xmlns:a14="http://schemas.microsoft.com/office/drawing/2010/main" w="9525">
+                <a14:hiddenLine xmlns:a14="http://schemas.microsoft.com/office/drawing/2010/main" xmlns:p14="http://schemas.microsoft.com/office/powerpoint/2010/main" xmlns:a16="http://schemas.microsoft.com/office/drawing/2014/main" xmlns="" w="9525">
                   <a:solidFill>
                     <a:srgbClr val="000000"/>
                   </a:solidFill>
@@ -33498,7 +37394,7 @@
             </a:ln>
             <a:extLst>
               <a:ext uri="{91240B29-F687-4f45-9708-019B960494DF}">
-                <a14:hiddenLine xmlns="" xmlns:a16="http://schemas.microsoft.com/office/drawing/2014/main" xmlns:p14="http://schemas.microsoft.com/office/powerpoint/2010/main" xmlns:a14="http://schemas.microsoft.com/office/drawing/2010/main" w="9525">
+                <a14:hiddenLine xmlns:a14="http://schemas.microsoft.com/office/drawing/2010/main" xmlns:p14="http://schemas.microsoft.com/office/powerpoint/2010/main" xmlns:a16="http://schemas.microsoft.com/office/drawing/2014/main" xmlns="" w="9525">
                   <a:solidFill>
                     <a:srgbClr val="000000"/>
                   </a:solidFill>
@@ -33578,7 +37474,7 @@
             </a:ln>
             <a:extLst>
               <a:ext uri="{91240B29-F687-4f45-9708-019B960494DF}">
-                <a14:hiddenLine xmlns="" xmlns:a16="http://schemas.microsoft.com/office/drawing/2014/main" xmlns:p14="http://schemas.microsoft.com/office/powerpoint/2010/main" xmlns:a14="http://schemas.microsoft.com/office/drawing/2010/main" w="9525">
+                <a14:hiddenLine xmlns:a14="http://schemas.microsoft.com/office/drawing/2010/main" xmlns:p14="http://schemas.microsoft.com/office/powerpoint/2010/main" xmlns:a16="http://schemas.microsoft.com/office/drawing/2014/main" xmlns="" w="9525">
                   <a:solidFill>
                     <a:srgbClr val="000000"/>
                   </a:solidFill>
@@ -33655,7 +37551,7 @@
             </a:ln>
             <a:extLst>
               <a:ext uri="{91240B29-F687-4f45-9708-019B960494DF}">
-                <a14:hiddenLine xmlns="" xmlns:a16="http://schemas.microsoft.com/office/drawing/2014/main" xmlns:p14="http://schemas.microsoft.com/office/powerpoint/2010/main" xmlns:a14="http://schemas.microsoft.com/office/drawing/2010/main" w="9525">
+                <a14:hiddenLine xmlns:a14="http://schemas.microsoft.com/office/drawing/2010/main" xmlns:p14="http://schemas.microsoft.com/office/powerpoint/2010/main" xmlns:a16="http://schemas.microsoft.com/office/drawing/2014/main" xmlns="" w="9525">
                   <a:solidFill>
                     <a:srgbClr val="000000"/>
                   </a:solidFill>
@@ -33760,7 +37656,7 @@
             </a:ln>
             <a:extLst>
               <a:ext uri="{91240B29-F687-4f45-9708-019B960494DF}">
-                <a14:hiddenLine xmlns="" xmlns:a16="http://schemas.microsoft.com/office/drawing/2014/main" xmlns:p14="http://schemas.microsoft.com/office/powerpoint/2010/main" xmlns:a14="http://schemas.microsoft.com/office/drawing/2010/main" w="9525">
+                <a14:hiddenLine xmlns:a14="http://schemas.microsoft.com/office/drawing/2010/main" xmlns:p14="http://schemas.microsoft.com/office/powerpoint/2010/main" xmlns:a16="http://schemas.microsoft.com/office/drawing/2014/main" xmlns="" w="9525">
                   <a:solidFill>
                     <a:srgbClr val="000000"/>
                   </a:solidFill>
@@ -33865,7 +37761,7 @@
             </a:ln>
             <a:extLst>
               <a:ext uri="{91240B29-F687-4f45-9708-019B960494DF}">
-                <a14:hiddenLine xmlns="" xmlns:a16="http://schemas.microsoft.com/office/drawing/2014/main" xmlns:p14="http://schemas.microsoft.com/office/powerpoint/2010/main" xmlns:a14="http://schemas.microsoft.com/office/drawing/2010/main" w="9525">
+                <a14:hiddenLine xmlns:a14="http://schemas.microsoft.com/office/drawing/2010/main" xmlns:p14="http://schemas.microsoft.com/office/powerpoint/2010/main" xmlns:a16="http://schemas.microsoft.com/office/drawing/2014/main" xmlns="" w="9525">
                   <a:solidFill>
                     <a:srgbClr val="000000"/>
                   </a:solidFill>
@@ -33942,7 +37838,7 @@
             </a:ln>
             <a:extLst>
               <a:ext uri="{91240B29-F687-4f45-9708-019B960494DF}">
-                <a14:hiddenLine xmlns="" xmlns:a16="http://schemas.microsoft.com/office/drawing/2014/main" xmlns:p14="http://schemas.microsoft.com/office/powerpoint/2010/main" xmlns:a14="http://schemas.microsoft.com/office/drawing/2010/main" w="9525">
+                <a14:hiddenLine xmlns:a14="http://schemas.microsoft.com/office/drawing/2010/main" xmlns:p14="http://schemas.microsoft.com/office/powerpoint/2010/main" xmlns:a16="http://schemas.microsoft.com/office/drawing/2014/main" xmlns="" w="9525">
                   <a:solidFill>
                     <a:srgbClr val="000000"/>
                   </a:solidFill>
@@ -34077,7 +37973,7 @@
             </a:ln>
             <a:extLst>
               <a:ext uri="{91240B29-F687-4f45-9708-019B960494DF}">
-                <a14:hiddenLine xmlns="" xmlns:a16="http://schemas.microsoft.com/office/drawing/2014/main" xmlns:p14="http://schemas.microsoft.com/office/powerpoint/2010/main" xmlns:a14="http://schemas.microsoft.com/office/drawing/2010/main" w="9525">
+                <a14:hiddenLine xmlns:a14="http://schemas.microsoft.com/office/drawing/2010/main" xmlns:p14="http://schemas.microsoft.com/office/powerpoint/2010/main" xmlns:a16="http://schemas.microsoft.com/office/drawing/2014/main" xmlns="" w="9525">
                   <a:solidFill>
                     <a:srgbClr val="000000"/>
                   </a:solidFill>
@@ -34160,7 +38056,7 @@
             </a:ln>
             <a:extLst>
               <a:ext uri="{91240B29-F687-4f45-9708-019B960494DF}">
-                <a14:hiddenLine xmlns="" xmlns:a16="http://schemas.microsoft.com/office/drawing/2014/main" xmlns:p14="http://schemas.microsoft.com/office/powerpoint/2010/main" xmlns:a14="http://schemas.microsoft.com/office/drawing/2010/main" w="9525">
+                <a14:hiddenLine xmlns:a14="http://schemas.microsoft.com/office/drawing/2010/main" xmlns:p14="http://schemas.microsoft.com/office/powerpoint/2010/main" xmlns:a16="http://schemas.microsoft.com/office/drawing/2014/main" xmlns="" w="9525">
                   <a:solidFill>
                     <a:srgbClr val="000000"/>
                   </a:solidFill>
@@ -34265,7 +38161,7 @@
             </a:ln>
             <a:extLst>
               <a:ext uri="{91240B29-F687-4f45-9708-019B960494DF}">
-                <a14:hiddenLine xmlns="" xmlns:a16="http://schemas.microsoft.com/office/drawing/2014/main" xmlns:p14="http://schemas.microsoft.com/office/powerpoint/2010/main" xmlns:a14="http://schemas.microsoft.com/office/drawing/2010/main" w="9525">
+                <a14:hiddenLine xmlns:a14="http://schemas.microsoft.com/office/drawing/2010/main" xmlns:p14="http://schemas.microsoft.com/office/powerpoint/2010/main" xmlns:a16="http://schemas.microsoft.com/office/drawing/2014/main" xmlns="" w="9525">
                   <a:solidFill>
                     <a:srgbClr val="000000"/>
                   </a:solidFill>
@@ -34421,7 +38317,7 @@
             </a:ln>
             <a:extLst>
               <a:ext uri="{91240B29-F687-4f45-9708-019B960494DF}">
-                <a14:hiddenLine xmlns="" xmlns:a16="http://schemas.microsoft.com/office/drawing/2014/main" xmlns:p14="http://schemas.microsoft.com/office/powerpoint/2010/main" xmlns:a14="http://schemas.microsoft.com/office/drawing/2010/main" w="9525">
+                <a14:hiddenLine xmlns:a14="http://schemas.microsoft.com/office/drawing/2010/main" xmlns:p14="http://schemas.microsoft.com/office/powerpoint/2010/main" xmlns:a16="http://schemas.microsoft.com/office/drawing/2014/main" xmlns="" w="9525">
                   <a:solidFill>
                     <a:srgbClr val="000000"/>
                   </a:solidFill>
@@ -34526,7 +38422,7 @@
             </a:ln>
             <a:extLst>
               <a:ext uri="{91240B29-F687-4f45-9708-019B960494DF}">
-                <a14:hiddenLine xmlns="" xmlns:a16="http://schemas.microsoft.com/office/drawing/2014/main" xmlns:p14="http://schemas.microsoft.com/office/powerpoint/2010/main" xmlns:a14="http://schemas.microsoft.com/office/drawing/2010/main" w="9525">
+                <a14:hiddenLine xmlns:a14="http://schemas.microsoft.com/office/drawing/2010/main" xmlns:p14="http://schemas.microsoft.com/office/powerpoint/2010/main" xmlns:a16="http://schemas.microsoft.com/office/drawing/2014/main" xmlns="" w="9525">
                   <a:solidFill>
                     <a:srgbClr val="000000"/>
                   </a:solidFill>
@@ -34631,7 +38527,7 @@
             </a:ln>
             <a:extLst>
               <a:ext uri="{91240B29-F687-4f45-9708-019B960494DF}">
-                <a14:hiddenLine xmlns="" xmlns:a16="http://schemas.microsoft.com/office/drawing/2014/main" xmlns:p14="http://schemas.microsoft.com/office/powerpoint/2010/main" xmlns:a14="http://schemas.microsoft.com/office/drawing/2010/main" w="9525">
+                <a14:hiddenLine xmlns:a14="http://schemas.microsoft.com/office/drawing/2010/main" xmlns:p14="http://schemas.microsoft.com/office/powerpoint/2010/main" xmlns:a16="http://schemas.microsoft.com/office/drawing/2014/main" xmlns="" w="9525">
                   <a:solidFill>
                     <a:srgbClr val="000000"/>
                   </a:solidFill>
@@ -34680,7 +38576,7 @@
             </a:ln>
             <a:extLst>
               <a:ext uri="{91240B29-F687-4f45-9708-019B960494DF}">
-                <a14:hiddenLine xmlns="" xmlns:a16="http://schemas.microsoft.com/office/drawing/2014/main" xmlns:p14="http://schemas.microsoft.com/office/powerpoint/2010/main" xmlns:a14="http://schemas.microsoft.com/office/drawing/2010/main" w="9525">
+                <a14:hiddenLine xmlns:a14="http://schemas.microsoft.com/office/drawing/2010/main" xmlns:p14="http://schemas.microsoft.com/office/powerpoint/2010/main" xmlns:a16="http://schemas.microsoft.com/office/drawing/2014/main" xmlns="" w="9525">
                   <a:solidFill>
                     <a:srgbClr val="000000"/>
                   </a:solidFill>
@@ -34785,7 +38681,7 @@
             </a:ln>
             <a:extLst>
               <a:ext uri="{91240B29-F687-4f45-9708-019B960494DF}">
-                <a14:hiddenLine xmlns="" xmlns:a16="http://schemas.microsoft.com/office/drawing/2014/main" xmlns:p14="http://schemas.microsoft.com/office/powerpoint/2010/main" xmlns:a14="http://schemas.microsoft.com/office/drawing/2010/main" w="9525">
+                <a14:hiddenLine xmlns:a14="http://schemas.microsoft.com/office/drawing/2010/main" xmlns:p14="http://schemas.microsoft.com/office/powerpoint/2010/main" xmlns:a16="http://schemas.microsoft.com/office/drawing/2014/main" xmlns="" w="9525">
                   <a:solidFill>
                     <a:srgbClr val="000000"/>
                   </a:solidFill>
@@ -34862,7 +38758,7 @@
             </a:ln>
             <a:extLst>
               <a:ext uri="{91240B29-F687-4f45-9708-019B960494DF}">
-                <a14:hiddenLine xmlns="" xmlns:a16="http://schemas.microsoft.com/office/drawing/2014/main" xmlns:p14="http://schemas.microsoft.com/office/powerpoint/2010/main" xmlns:a14="http://schemas.microsoft.com/office/drawing/2010/main" w="9525">
+                <a14:hiddenLine xmlns:a14="http://schemas.microsoft.com/office/drawing/2010/main" xmlns:p14="http://schemas.microsoft.com/office/powerpoint/2010/main" xmlns:a16="http://schemas.microsoft.com/office/drawing/2014/main" xmlns="" w="9525">
                   <a:solidFill>
                     <a:srgbClr val="000000"/>
                   </a:solidFill>
@@ -34939,7 +38835,7 @@
             </a:ln>
             <a:extLst>
               <a:ext uri="{91240B29-F687-4f45-9708-019B960494DF}">
-                <a14:hiddenLine xmlns="" xmlns:a16="http://schemas.microsoft.com/office/drawing/2014/main" xmlns:p14="http://schemas.microsoft.com/office/powerpoint/2010/main" xmlns:a14="http://schemas.microsoft.com/office/drawing/2010/main" w="9525">
+                <a14:hiddenLine xmlns:a14="http://schemas.microsoft.com/office/drawing/2010/main" xmlns:p14="http://schemas.microsoft.com/office/powerpoint/2010/main" xmlns:a16="http://schemas.microsoft.com/office/drawing/2014/main" xmlns="" w="9525">
                   <a:solidFill>
                     <a:srgbClr val="000000"/>
                   </a:solidFill>
@@ -35044,7 +38940,7 @@
             </a:ln>
             <a:extLst>
               <a:ext uri="{91240B29-F687-4f45-9708-019B960494DF}">
-                <a14:hiddenLine xmlns="" xmlns:a16="http://schemas.microsoft.com/office/drawing/2014/main" xmlns:p14="http://schemas.microsoft.com/office/powerpoint/2010/main" xmlns:a14="http://schemas.microsoft.com/office/drawing/2010/main" w="9525">
+                <a14:hiddenLine xmlns:a14="http://schemas.microsoft.com/office/drawing/2010/main" xmlns:p14="http://schemas.microsoft.com/office/powerpoint/2010/main" xmlns:a16="http://schemas.microsoft.com/office/drawing/2014/main" xmlns="" w="9525">
                   <a:solidFill>
                     <a:srgbClr val="000000"/>
                   </a:solidFill>
@@ -35121,7 +39017,7 @@
             </a:ln>
             <a:extLst>
               <a:ext uri="{91240B29-F687-4f45-9708-019B960494DF}">
-                <a14:hiddenLine xmlns="" xmlns:a16="http://schemas.microsoft.com/office/drawing/2014/main" xmlns:p14="http://schemas.microsoft.com/office/powerpoint/2010/main" xmlns:a14="http://schemas.microsoft.com/office/drawing/2010/main" w="9525">
+                <a14:hiddenLine xmlns:a14="http://schemas.microsoft.com/office/drawing/2010/main" xmlns:p14="http://schemas.microsoft.com/office/powerpoint/2010/main" xmlns:a16="http://schemas.microsoft.com/office/drawing/2014/main" xmlns="" w="9525">
                   <a:solidFill>
                     <a:srgbClr val="000000"/>
                   </a:solidFill>
@@ -35198,7 +39094,7 @@
             </a:ln>
             <a:extLst>
               <a:ext uri="{91240B29-F687-4f45-9708-019B960494DF}">
-                <a14:hiddenLine xmlns="" xmlns:a16="http://schemas.microsoft.com/office/drawing/2014/main" xmlns:p14="http://schemas.microsoft.com/office/powerpoint/2010/main" xmlns:a14="http://schemas.microsoft.com/office/drawing/2010/main" w="9525">
+                <a14:hiddenLine xmlns:a14="http://schemas.microsoft.com/office/drawing/2010/main" xmlns:p14="http://schemas.microsoft.com/office/powerpoint/2010/main" xmlns:a16="http://schemas.microsoft.com/office/drawing/2014/main" xmlns="" w="9525">
                   <a:solidFill>
                     <a:srgbClr val="000000"/>
                   </a:solidFill>
@@ -35303,7 +39199,7 @@
             </a:ln>
             <a:extLst>
               <a:ext uri="{91240B29-F687-4f45-9708-019B960494DF}">
-                <a14:hiddenLine xmlns="" xmlns:a16="http://schemas.microsoft.com/office/drawing/2014/main" xmlns:p14="http://schemas.microsoft.com/office/powerpoint/2010/main" xmlns:a14="http://schemas.microsoft.com/office/drawing/2010/main" w="9525">
+                <a14:hiddenLine xmlns:a14="http://schemas.microsoft.com/office/drawing/2010/main" xmlns:p14="http://schemas.microsoft.com/office/powerpoint/2010/main" xmlns:a16="http://schemas.microsoft.com/office/drawing/2014/main" xmlns="" w="9525">
                   <a:solidFill>
                     <a:srgbClr val="000000"/>
                   </a:solidFill>
@@ -35408,7 +39304,7 @@
             </a:ln>
             <a:extLst>
               <a:ext uri="{91240B29-F687-4f45-9708-019B960494DF}">
-                <a14:hiddenLine xmlns="" xmlns:a16="http://schemas.microsoft.com/office/drawing/2014/main" xmlns:p14="http://schemas.microsoft.com/office/powerpoint/2010/main" xmlns:a14="http://schemas.microsoft.com/office/drawing/2010/main" w="9525">
+                <a14:hiddenLine xmlns:a14="http://schemas.microsoft.com/office/drawing/2010/main" xmlns:p14="http://schemas.microsoft.com/office/powerpoint/2010/main" xmlns:a16="http://schemas.microsoft.com/office/drawing/2014/main" xmlns="" w="9525">
                   <a:solidFill>
                     <a:srgbClr val="000000"/>
                   </a:solidFill>
@@ -35485,7 +39381,7 @@
             </a:ln>
             <a:extLst>
               <a:ext uri="{91240B29-F687-4f45-9708-019B960494DF}">
-                <a14:hiddenLine xmlns="" xmlns:a16="http://schemas.microsoft.com/office/drawing/2014/main" xmlns:p14="http://schemas.microsoft.com/office/powerpoint/2010/main" xmlns:a14="http://schemas.microsoft.com/office/drawing/2010/main" w="9525">
+                <a14:hiddenLine xmlns:a14="http://schemas.microsoft.com/office/drawing/2010/main" xmlns:p14="http://schemas.microsoft.com/office/powerpoint/2010/main" xmlns:a16="http://schemas.microsoft.com/office/drawing/2014/main" xmlns="" w="9525">
                   <a:solidFill>
                     <a:srgbClr val="000000"/>
                   </a:solidFill>
@@ -35610,7 +39506,7 @@
             </a:ln>
             <a:extLst>
               <a:ext uri="{91240B29-F687-4f45-9708-019B960494DF}">
-                <a14:hiddenLine xmlns="" xmlns:a16="http://schemas.microsoft.com/office/drawing/2014/main" xmlns:p14="http://schemas.microsoft.com/office/powerpoint/2010/main" xmlns:a14="http://schemas.microsoft.com/office/drawing/2010/main" w="9525">
+                <a14:hiddenLine xmlns:a14="http://schemas.microsoft.com/office/drawing/2010/main" xmlns:p14="http://schemas.microsoft.com/office/powerpoint/2010/main" xmlns:a16="http://schemas.microsoft.com/office/drawing/2014/main" xmlns="" w="9525">
                   <a:solidFill>
                     <a:srgbClr val="000000"/>
                   </a:solidFill>
@@ -35687,7 +39583,7 @@
             </a:ln>
             <a:extLst>
               <a:ext uri="{91240B29-F687-4f45-9708-019B960494DF}">
-                <a14:hiddenLine xmlns="" xmlns:a16="http://schemas.microsoft.com/office/drawing/2014/main" xmlns:p14="http://schemas.microsoft.com/office/powerpoint/2010/main" xmlns:a14="http://schemas.microsoft.com/office/drawing/2010/main" w="9525">
+                <a14:hiddenLine xmlns:a14="http://schemas.microsoft.com/office/drawing/2010/main" xmlns:p14="http://schemas.microsoft.com/office/powerpoint/2010/main" xmlns:a16="http://schemas.microsoft.com/office/drawing/2014/main" xmlns="" w="9525">
                   <a:solidFill>
                     <a:srgbClr val="000000"/>
                   </a:solidFill>
@@ -35792,7 +39688,7 @@
             </a:ln>
             <a:extLst>
               <a:ext uri="{91240B29-F687-4f45-9708-019B960494DF}">
-                <a14:hiddenLine xmlns="" xmlns:a16="http://schemas.microsoft.com/office/drawing/2014/main" xmlns:p14="http://schemas.microsoft.com/office/powerpoint/2010/main" xmlns:a14="http://schemas.microsoft.com/office/drawing/2010/main" w="9525">
+                <a14:hiddenLine xmlns:a14="http://schemas.microsoft.com/office/drawing/2010/main" xmlns:p14="http://schemas.microsoft.com/office/powerpoint/2010/main" xmlns:a16="http://schemas.microsoft.com/office/drawing/2014/main" xmlns="" w="9525">
                   <a:solidFill>
                     <a:srgbClr val="000000"/>
                   </a:solidFill>
@@ -35897,7 +39793,7 @@
             </a:ln>
             <a:extLst>
               <a:ext uri="{91240B29-F687-4f45-9708-019B960494DF}">
-                <a14:hiddenLine xmlns="" xmlns:a16="http://schemas.microsoft.com/office/drawing/2014/main" xmlns:p14="http://schemas.microsoft.com/office/powerpoint/2010/main" xmlns:a14="http://schemas.microsoft.com/office/drawing/2010/main" w="9525">
+                <a14:hiddenLine xmlns:a14="http://schemas.microsoft.com/office/drawing/2010/main" xmlns:p14="http://schemas.microsoft.com/office/powerpoint/2010/main" xmlns:a16="http://schemas.microsoft.com/office/drawing/2014/main" xmlns="" w="9525">
                   <a:solidFill>
                     <a:srgbClr val="000000"/>
                   </a:solidFill>
@@ -35974,7 +39870,7 @@
             </a:ln>
             <a:extLst>
               <a:ext uri="{91240B29-F687-4f45-9708-019B960494DF}">
-                <a14:hiddenLine xmlns="" xmlns:a16="http://schemas.microsoft.com/office/drawing/2014/main" xmlns:p14="http://schemas.microsoft.com/office/powerpoint/2010/main" xmlns:a14="http://schemas.microsoft.com/office/drawing/2010/main" w="9525">
+                <a14:hiddenLine xmlns:a14="http://schemas.microsoft.com/office/drawing/2010/main" xmlns:p14="http://schemas.microsoft.com/office/powerpoint/2010/main" xmlns:a16="http://schemas.microsoft.com/office/drawing/2014/main" xmlns="" w="9525">
                   <a:solidFill>
                     <a:srgbClr val="000000"/>
                   </a:solidFill>
@@ -36079,7 +39975,7 @@
             </a:ln>
             <a:extLst>
               <a:ext uri="{91240B29-F687-4f45-9708-019B960494DF}">
-                <a14:hiddenLine xmlns="" xmlns:a16="http://schemas.microsoft.com/office/drawing/2014/main" xmlns:p14="http://schemas.microsoft.com/office/powerpoint/2010/main" xmlns:a14="http://schemas.microsoft.com/office/drawing/2010/main" w="9525">
+                <a14:hiddenLine xmlns:a14="http://schemas.microsoft.com/office/drawing/2010/main" xmlns:p14="http://schemas.microsoft.com/office/powerpoint/2010/main" xmlns:a16="http://schemas.microsoft.com/office/drawing/2014/main" xmlns="" w="9525">
                   <a:solidFill>
                     <a:srgbClr val="000000"/>
                   </a:solidFill>
@@ -36184,7 +40080,7 @@
             </a:ln>
             <a:extLst>
               <a:ext uri="{91240B29-F687-4f45-9708-019B960494DF}">
-                <a14:hiddenLine xmlns="" xmlns:a16="http://schemas.microsoft.com/office/drawing/2014/main" xmlns:p14="http://schemas.microsoft.com/office/powerpoint/2010/main" xmlns:a14="http://schemas.microsoft.com/office/drawing/2010/main" w="9525">
+                <a14:hiddenLine xmlns:a14="http://schemas.microsoft.com/office/drawing/2010/main" xmlns:p14="http://schemas.microsoft.com/office/powerpoint/2010/main" xmlns:a16="http://schemas.microsoft.com/office/drawing/2014/main" xmlns="" w="9525">
                   <a:solidFill>
                     <a:srgbClr val="000000"/>
                   </a:solidFill>
@@ -36255,7 +40151,7 @@
             </a:ln>
             <a:extLst>
               <a:ext uri="{91240B29-F687-4f45-9708-019B960494DF}">
-                <a14:hiddenLine xmlns="" xmlns:a16="http://schemas.microsoft.com/office/drawing/2014/main" xmlns:p14="http://schemas.microsoft.com/office/powerpoint/2010/main" xmlns:a14="http://schemas.microsoft.com/office/drawing/2010/main" w="9525">
+                <a14:hiddenLine xmlns:a14="http://schemas.microsoft.com/office/drawing/2010/main" xmlns:p14="http://schemas.microsoft.com/office/powerpoint/2010/main" xmlns:a16="http://schemas.microsoft.com/office/drawing/2014/main" xmlns="" w="9525">
                   <a:solidFill>
                     <a:srgbClr val="000000"/>
                   </a:solidFill>
@@ -36360,7 +40256,7 @@
             </a:ln>
             <a:extLst>
               <a:ext uri="{91240B29-F687-4f45-9708-019B960494DF}">
-                <a14:hiddenLine xmlns="" xmlns:a16="http://schemas.microsoft.com/office/drawing/2014/main" xmlns:p14="http://schemas.microsoft.com/office/powerpoint/2010/main" xmlns:a14="http://schemas.microsoft.com/office/drawing/2010/main" w="9525">
+                <a14:hiddenLine xmlns:a14="http://schemas.microsoft.com/office/drawing/2010/main" xmlns:p14="http://schemas.microsoft.com/office/powerpoint/2010/main" xmlns:a16="http://schemas.microsoft.com/office/drawing/2014/main" xmlns="" w="9525">
                   <a:solidFill>
                     <a:srgbClr val="000000"/>
                   </a:solidFill>
@@ -36431,7 +40327,7 @@
             </a:ln>
             <a:extLst>
               <a:ext uri="{91240B29-F687-4f45-9708-019B960494DF}">
-                <a14:hiddenLine xmlns="" xmlns:a16="http://schemas.microsoft.com/office/drawing/2014/main" xmlns:p14="http://schemas.microsoft.com/office/powerpoint/2010/main" xmlns:a14="http://schemas.microsoft.com/office/drawing/2010/main" w="9525">
+                <a14:hiddenLine xmlns:a14="http://schemas.microsoft.com/office/drawing/2010/main" xmlns:p14="http://schemas.microsoft.com/office/powerpoint/2010/main" xmlns:a16="http://schemas.microsoft.com/office/drawing/2014/main" xmlns="" w="9525">
                   <a:solidFill>
                     <a:srgbClr val="000000"/>
                   </a:solidFill>
@@ -36536,7 +40432,7 @@
             </a:ln>
             <a:extLst>
               <a:ext uri="{91240B29-F687-4f45-9708-019B960494DF}">
-                <a14:hiddenLine xmlns="" xmlns:a16="http://schemas.microsoft.com/office/drawing/2014/main" xmlns:p14="http://schemas.microsoft.com/office/powerpoint/2010/main" xmlns:a14="http://schemas.microsoft.com/office/drawing/2010/main" w="9525">
+                <a14:hiddenLine xmlns:a14="http://schemas.microsoft.com/office/drawing/2010/main" xmlns:p14="http://schemas.microsoft.com/office/powerpoint/2010/main" xmlns:a16="http://schemas.microsoft.com/office/drawing/2014/main" xmlns="" w="9525">
                   <a:solidFill>
                     <a:srgbClr val="000000"/>
                   </a:solidFill>
@@ -36619,7 +40515,7 @@
             </a:ln>
             <a:extLst>
               <a:ext uri="{91240B29-F687-4f45-9708-019B960494DF}">
-                <a14:hiddenLine xmlns="" xmlns:a16="http://schemas.microsoft.com/office/drawing/2014/main" xmlns:p14="http://schemas.microsoft.com/office/powerpoint/2010/main" xmlns:a14="http://schemas.microsoft.com/office/drawing/2010/main" w="9525">
+                <a14:hiddenLine xmlns:a14="http://schemas.microsoft.com/office/drawing/2010/main" xmlns:p14="http://schemas.microsoft.com/office/powerpoint/2010/main" xmlns:a16="http://schemas.microsoft.com/office/drawing/2014/main" xmlns="" w="9525">
                   <a:solidFill>
                     <a:srgbClr val="000000"/>
                   </a:solidFill>
@@ -36724,7 +40620,7 @@
             </a:ln>
             <a:extLst>
               <a:ext uri="{91240B29-F687-4f45-9708-019B960494DF}">
-                <a14:hiddenLine xmlns="" xmlns:a16="http://schemas.microsoft.com/office/drawing/2014/main" xmlns:p14="http://schemas.microsoft.com/office/powerpoint/2010/main" xmlns:a14="http://schemas.microsoft.com/office/drawing/2010/main" w="9525">
+                <a14:hiddenLine xmlns:a14="http://schemas.microsoft.com/office/drawing/2010/main" xmlns:p14="http://schemas.microsoft.com/office/powerpoint/2010/main" xmlns:a16="http://schemas.microsoft.com/office/drawing/2014/main" xmlns="" w="9525">
                   <a:solidFill>
                     <a:srgbClr val="000000"/>
                   </a:solidFill>
@@ -36807,7 +40703,7 @@
             </a:ln>
             <a:extLst>
               <a:ext uri="{91240B29-F687-4f45-9708-019B960494DF}">
-                <a14:hiddenLine xmlns="" xmlns:a16="http://schemas.microsoft.com/office/drawing/2014/main" xmlns:p14="http://schemas.microsoft.com/office/powerpoint/2010/main" xmlns:a14="http://schemas.microsoft.com/office/drawing/2010/main" w="9525">
+                <a14:hiddenLine xmlns:a14="http://schemas.microsoft.com/office/drawing/2010/main" xmlns:p14="http://schemas.microsoft.com/office/powerpoint/2010/main" xmlns:a16="http://schemas.microsoft.com/office/drawing/2014/main" xmlns="" w="9525">
                   <a:solidFill>
                     <a:srgbClr val="000000"/>
                   </a:solidFill>
@@ -36912,7 +40808,7 @@
             </a:ln>
             <a:extLst>
               <a:ext uri="{91240B29-F687-4f45-9708-019B960494DF}">
-                <a14:hiddenLine xmlns="" xmlns:a16="http://schemas.microsoft.com/office/drawing/2014/main" xmlns:p14="http://schemas.microsoft.com/office/powerpoint/2010/main" xmlns:a14="http://schemas.microsoft.com/office/drawing/2010/main" w="9525">
+                <a14:hiddenLine xmlns:a14="http://schemas.microsoft.com/office/drawing/2010/main" xmlns:p14="http://schemas.microsoft.com/office/powerpoint/2010/main" xmlns:a16="http://schemas.microsoft.com/office/drawing/2014/main" xmlns="" w="9525">
                   <a:solidFill>
                     <a:srgbClr val="000000"/>
                   </a:solidFill>
@@ -36961,7 +40857,7 @@
             </a:ln>
             <a:extLst>
               <a:ext uri="{91240B29-F687-4f45-9708-019B960494DF}">
-                <a14:hiddenLine xmlns="" xmlns:a16="http://schemas.microsoft.com/office/drawing/2014/main" xmlns:p14="http://schemas.microsoft.com/office/powerpoint/2010/main" xmlns:a14="http://schemas.microsoft.com/office/drawing/2010/main" w="9525">
+                <a14:hiddenLine xmlns:a14="http://schemas.microsoft.com/office/drawing/2010/main" xmlns:p14="http://schemas.microsoft.com/office/powerpoint/2010/main" xmlns:a16="http://schemas.microsoft.com/office/drawing/2014/main" xmlns="" w="9525">
                   <a:solidFill>
                     <a:srgbClr val="000000"/>
                   </a:solidFill>
@@ -37066,7 +40962,7 @@
             </a:ln>
             <a:extLst>
               <a:ext uri="{91240B29-F687-4f45-9708-019B960494DF}">
-                <a14:hiddenLine xmlns="" xmlns:a16="http://schemas.microsoft.com/office/drawing/2014/main" xmlns:p14="http://schemas.microsoft.com/office/powerpoint/2010/main" xmlns:a14="http://schemas.microsoft.com/office/drawing/2010/main" w="9525">
+                <a14:hiddenLine xmlns:a14="http://schemas.microsoft.com/office/drawing/2010/main" xmlns:p14="http://schemas.microsoft.com/office/powerpoint/2010/main" xmlns:a16="http://schemas.microsoft.com/office/drawing/2014/main" xmlns="" w="9525">
                   <a:solidFill>
                     <a:srgbClr val="000000"/>
                   </a:solidFill>
@@ -37143,7 +41039,7 @@
             </a:ln>
             <a:extLst>
               <a:ext uri="{91240B29-F687-4f45-9708-019B960494DF}">
-                <a14:hiddenLine xmlns="" xmlns:a16="http://schemas.microsoft.com/office/drawing/2014/main" xmlns:p14="http://schemas.microsoft.com/office/powerpoint/2010/main" xmlns:a14="http://schemas.microsoft.com/office/drawing/2010/main" w="9525">
+                <a14:hiddenLine xmlns:a14="http://schemas.microsoft.com/office/drawing/2010/main" xmlns:p14="http://schemas.microsoft.com/office/powerpoint/2010/main" xmlns:a16="http://schemas.microsoft.com/office/drawing/2014/main" xmlns="" w="9525">
                   <a:solidFill>
                     <a:srgbClr val="000000"/>
                   </a:solidFill>
@@ -37220,7 +41116,7 @@
             </a:ln>
             <a:extLst>
               <a:ext uri="{91240B29-F687-4f45-9708-019B960494DF}">
-                <a14:hiddenLine xmlns="" xmlns:a16="http://schemas.microsoft.com/office/drawing/2014/main" xmlns:p14="http://schemas.microsoft.com/office/powerpoint/2010/main" xmlns:a14="http://schemas.microsoft.com/office/drawing/2010/main" w="9525">
+                <a14:hiddenLine xmlns:a14="http://schemas.microsoft.com/office/drawing/2010/main" xmlns:p14="http://schemas.microsoft.com/office/powerpoint/2010/main" xmlns:a16="http://schemas.microsoft.com/office/drawing/2014/main" xmlns="" w="9525">
                   <a:solidFill>
                     <a:srgbClr val="000000"/>
                   </a:solidFill>
@@ -37325,7 +41221,7 @@
             </a:ln>
             <a:extLst>
               <a:ext uri="{91240B29-F687-4f45-9708-019B960494DF}">
-                <a14:hiddenLine xmlns="" xmlns:a16="http://schemas.microsoft.com/office/drawing/2014/main" xmlns:p14="http://schemas.microsoft.com/office/powerpoint/2010/main" xmlns:a14="http://schemas.microsoft.com/office/drawing/2010/main" w="9525">
+                <a14:hiddenLine xmlns:a14="http://schemas.microsoft.com/office/drawing/2010/main" xmlns:p14="http://schemas.microsoft.com/office/powerpoint/2010/main" xmlns:a16="http://schemas.microsoft.com/office/drawing/2014/main" xmlns="" w="9525">
                   <a:solidFill>
                     <a:srgbClr val="000000"/>
                   </a:solidFill>
@@ -37408,7 +41304,7 @@
             </a:ln>
             <a:extLst>
               <a:ext uri="{91240B29-F687-4f45-9708-019B960494DF}">
-                <a14:hiddenLine xmlns="" xmlns:a16="http://schemas.microsoft.com/office/drawing/2014/main" xmlns:p14="http://schemas.microsoft.com/office/powerpoint/2010/main" xmlns:a14="http://schemas.microsoft.com/office/drawing/2010/main" w="9525">
+                <a14:hiddenLine xmlns:a14="http://schemas.microsoft.com/office/drawing/2010/main" xmlns:p14="http://schemas.microsoft.com/office/powerpoint/2010/main" xmlns:a16="http://schemas.microsoft.com/office/drawing/2014/main" xmlns="" w="9525">
                   <a:solidFill>
                     <a:srgbClr val="000000"/>
                   </a:solidFill>
@@ -37485,7 +41381,7 @@
             </a:ln>
             <a:extLst>
               <a:ext uri="{91240B29-F687-4f45-9708-019B960494DF}">
-                <a14:hiddenLine xmlns="" xmlns:a16="http://schemas.microsoft.com/office/drawing/2014/main" xmlns:p14="http://schemas.microsoft.com/office/powerpoint/2010/main" xmlns:a14="http://schemas.microsoft.com/office/drawing/2010/main" w="9525">
+                <a14:hiddenLine xmlns:a14="http://schemas.microsoft.com/office/drawing/2010/main" xmlns:p14="http://schemas.microsoft.com/office/powerpoint/2010/main" xmlns:a16="http://schemas.microsoft.com/office/drawing/2014/main" xmlns="" w="9525">
                   <a:solidFill>
                     <a:srgbClr val="000000"/>
                   </a:solidFill>
@@ -37590,7 +41486,7 @@
             </a:ln>
             <a:extLst>
               <a:ext uri="{91240B29-F687-4f45-9708-019B960494DF}">
-                <a14:hiddenLine xmlns="" xmlns:a16="http://schemas.microsoft.com/office/drawing/2014/main" xmlns:p14="http://schemas.microsoft.com/office/powerpoint/2010/main" xmlns:a14="http://schemas.microsoft.com/office/drawing/2010/main" w="9525">
+                <a14:hiddenLine xmlns:a14="http://schemas.microsoft.com/office/drawing/2010/main" xmlns:p14="http://schemas.microsoft.com/office/powerpoint/2010/main" xmlns:a16="http://schemas.microsoft.com/office/drawing/2014/main" xmlns="" w="9525">
                   <a:solidFill>
                     <a:srgbClr val="000000"/>
                   </a:solidFill>
@@ -37667,7 +41563,7 @@
             </a:ln>
             <a:extLst>
               <a:ext uri="{91240B29-F687-4f45-9708-019B960494DF}">
-                <a14:hiddenLine xmlns="" xmlns:a16="http://schemas.microsoft.com/office/drawing/2014/main" xmlns:p14="http://schemas.microsoft.com/office/powerpoint/2010/main" xmlns:a14="http://schemas.microsoft.com/office/drawing/2010/main" w="9525">
+                <a14:hiddenLine xmlns:a14="http://schemas.microsoft.com/office/drawing/2010/main" xmlns:p14="http://schemas.microsoft.com/office/powerpoint/2010/main" xmlns:a16="http://schemas.microsoft.com/office/drawing/2014/main" xmlns="" w="9525">
                   <a:solidFill>
                     <a:srgbClr val="000000"/>
                   </a:solidFill>
@@ -37772,7 +41668,7 @@
             </a:ln>
             <a:extLst>
               <a:ext uri="{91240B29-F687-4f45-9708-019B960494DF}">
-                <a14:hiddenLine xmlns="" xmlns:a16="http://schemas.microsoft.com/office/drawing/2014/main" xmlns:p14="http://schemas.microsoft.com/office/powerpoint/2010/main" xmlns:a14="http://schemas.microsoft.com/office/drawing/2010/main" w="9525">
+                <a14:hiddenLine xmlns:a14="http://schemas.microsoft.com/office/drawing/2010/main" xmlns:p14="http://schemas.microsoft.com/office/powerpoint/2010/main" xmlns:a16="http://schemas.microsoft.com/office/drawing/2014/main" xmlns="" w="9525">
                   <a:solidFill>
                     <a:srgbClr val="000000"/>
                   </a:solidFill>
@@ -37849,7 +41745,7 @@
             </a:ln>
             <a:extLst>
               <a:ext uri="{91240B29-F687-4f45-9708-019B960494DF}">
-                <a14:hiddenLine xmlns="" xmlns:a16="http://schemas.microsoft.com/office/drawing/2014/main" xmlns:p14="http://schemas.microsoft.com/office/powerpoint/2010/main" xmlns:a14="http://schemas.microsoft.com/office/drawing/2010/main" w="9525">
+                <a14:hiddenLine xmlns:a14="http://schemas.microsoft.com/office/drawing/2010/main" xmlns:p14="http://schemas.microsoft.com/office/powerpoint/2010/main" xmlns:a16="http://schemas.microsoft.com/office/drawing/2014/main" xmlns="" w="9525">
                   <a:solidFill>
                     <a:srgbClr val="000000"/>
                   </a:solidFill>
@@ -37954,7 +41850,7 @@
             </a:ln>
             <a:extLst>
               <a:ext uri="{91240B29-F687-4f45-9708-019B960494DF}">
-                <a14:hiddenLine xmlns="" xmlns:a16="http://schemas.microsoft.com/office/drawing/2014/main" xmlns:p14="http://schemas.microsoft.com/office/powerpoint/2010/main" xmlns:a14="http://schemas.microsoft.com/office/drawing/2010/main" w="9525">
+                <a14:hiddenLine xmlns:a14="http://schemas.microsoft.com/office/drawing/2010/main" xmlns:p14="http://schemas.microsoft.com/office/powerpoint/2010/main" xmlns:a16="http://schemas.microsoft.com/office/drawing/2014/main" xmlns="" w="9525">
                   <a:solidFill>
                     <a:srgbClr val="000000"/>
                   </a:solidFill>
@@ -38003,7 +41899,7 @@
             </a:ln>
             <a:extLst>
               <a:ext uri="{91240B29-F687-4f45-9708-019B960494DF}">
-                <a14:hiddenLine xmlns="" xmlns:a16="http://schemas.microsoft.com/office/drawing/2014/main" xmlns:p14="http://schemas.microsoft.com/office/powerpoint/2010/main" xmlns:a14="http://schemas.microsoft.com/office/drawing/2010/main" w="9525">
+                <a14:hiddenLine xmlns:a14="http://schemas.microsoft.com/office/drawing/2010/main" xmlns:p14="http://schemas.microsoft.com/office/powerpoint/2010/main" xmlns:a16="http://schemas.microsoft.com/office/drawing/2014/main" xmlns="" w="9525">
                   <a:solidFill>
                     <a:srgbClr val="000000"/>
                   </a:solidFill>
@@ -38083,7 +41979,7 @@
             </a:ln>
             <a:extLst>
               <a:ext uri="{91240B29-F687-4f45-9708-019B960494DF}">
-                <a14:hiddenLine xmlns="" xmlns:a16="http://schemas.microsoft.com/office/drawing/2014/main" xmlns:p14="http://schemas.microsoft.com/office/powerpoint/2010/main" xmlns:a14="http://schemas.microsoft.com/office/drawing/2010/main" w="9525">
+                <a14:hiddenLine xmlns:a14="http://schemas.microsoft.com/office/drawing/2010/main" xmlns:p14="http://schemas.microsoft.com/office/powerpoint/2010/main" xmlns:a16="http://schemas.microsoft.com/office/drawing/2014/main" xmlns="" w="9525">
                   <a:solidFill>
                     <a:srgbClr val="000000"/>
                   </a:solidFill>
@@ -38188,7 +42084,7 @@
             </a:ln>
             <a:extLst>
               <a:ext uri="{91240B29-F687-4f45-9708-019B960494DF}">
-                <a14:hiddenLine xmlns="" xmlns:a16="http://schemas.microsoft.com/office/drawing/2014/main" xmlns:p14="http://schemas.microsoft.com/office/powerpoint/2010/main" xmlns:a14="http://schemas.microsoft.com/office/drawing/2010/main" w="9525">
+                <a14:hiddenLine xmlns:a14="http://schemas.microsoft.com/office/drawing/2010/main" xmlns:p14="http://schemas.microsoft.com/office/powerpoint/2010/main" xmlns:a16="http://schemas.microsoft.com/office/drawing/2014/main" xmlns="" w="9525">
                   <a:solidFill>
                     <a:srgbClr val="000000"/>
                   </a:solidFill>
@@ -38265,7 +42161,7 @@
             </a:ln>
             <a:extLst>
               <a:ext uri="{91240B29-F687-4f45-9708-019B960494DF}">
-                <a14:hiddenLine xmlns="" xmlns:a16="http://schemas.microsoft.com/office/drawing/2014/main" xmlns:p14="http://schemas.microsoft.com/office/powerpoint/2010/main" xmlns:a14="http://schemas.microsoft.com/office/drawing/2010/main" w="9525">
+                <a14:hiddenLine xmlns:a14="http://schemas.microsoft.com/office/drawing/2010/main" xmlns:p14="http://schemas.microsoft.com/office/powerpoint/2010/main" xmlns:a16="http://schemas.microsoft.com/office/drawing/2014/main" xmlns="" w="9525">
                   <a:solidFill>
                     <a:srgbClr val="000000"/>
                   </a:solidFill>
@@ -38370,7 +42266,7 @@
             </a:ln>
             <a:extLst>
               <a:ext uri="{91240B29-F687-4f45-9708-019B960494DF}">
-                <a14:hiddenLine xmlns="" xmlns:a16="http://schemas.microsoft.com/office/drawing/2014/main" xmlns:p14="http://schemas.microsoft.com/office/powerpoint/2010/main" xmlns:a14="http://schemas.microsoft.com/office/drawing/2010/main" w="9525">
+                <a14:hiddenLine xmlns:a14="http://schemas.microsoft.com/office/drawing/2010/main" xmlns:p14="http://schemas.microsoft.com/office/powerpoint/2010/main" xmlns:a16="http://schemas.microsoft.com/office/drawing/2014/main" xmlns="" w="9525">
                   <a:solidFill>
                     <a:srgbClr val="000000"/>
                   </a:solidFill>
@@ -38475,7 +42371,7 @@
             </a:ln>
             <a:extLst>
               <a:ext uri="{91240B29-F687-4f45-9708-019B960494DF}">
-                <a14:hiddenLine xmlns="" xmlns:a16="http://schemas.microsoft.com/office/drawing/2014/main" xmlns:p14="http://schemas.microsoft.com/office/powerpoint/2010/main" xmlns:a14="http://schemas.microsoft.com/office/drawing/2010/main" w="9525">
+                <a14:hiddenLine xmlns:a14="http://schemas.microsoft.com/office/drawing/2010/main" xmlns:p14="http://schemas.microsoft.com/office/powerpoint/2010/main" xmlns:a16="http://schemas.microsoft.com/office/drawing/2014/main" xmlns="" w="9525">
                   <a:solidFill>
                     <a:srgbClr val="000000"/>
                   </a:solidFill>
@@ -38555,7 +42451,7 @@
             </a:ln>
             <a:extLst>
               <a:ext uri="{91240B29-F687-4f45-9708-019B960494DF}">
-                <a14:hiddenLine xmlns="" xmlns:a16="http://schemas.microsoft.com/office/drawing/2014/main" xmlns:p14="http://schemas.microsoft.com/office/powerpoint/2010/main" xmlns:a14="http://schemas.microsoft.com/office/drawing/2010/main" w="9525">
+                <a14:hiddenLine xmlns:a14="http://schemas.microsoft.com/office/drawing/2010/main" xmlns:p14="http://schemas.microsoft.com/office/powerpoint/2010/main" xmlns:a16="http://schemas.microsoft.com/office/drawing/2014/main" xmlns="" w="9525">
                   <a:solidFill>
                     <a:srgbClr val="000000"/>
                   </a:solidFill>
@@ -38632,7 +42528,7 @@
             </a:ln>
             <a:extLst>
               <a:ext uri="{91240B29-F687-4f45-9708-019B960494DF}">
-                <a14:hiddenLine xmlns="" xmlns:a16="http://schemas.microsoft.com/office/drawing/2014/main" xmlns:p14="http://schemas.microsoft.com/office/powerpoint/2010/main" xmlns:a14="http://schemas.microsoft.com/office/drawing/2010/main" w="9525">
+                <a14:hiddenLine xmlns:a14="http://schemas.microsoft.com/office/drawing/2010/main" xmlns:p14="http://schemas.microsoft.com/office/powerpoint/2010/main" xmlns:a16="http://schemas.microsoft.com/office/drawing/2014/main" xmlns="" w="9525">
                   <a:solidFill>
                     <a:srgbClr val="000000"/>
                   </a:solidFill>
@@ -38737,7 +42633,7 @@
             </a:ln>
             <a:extLst>
               <a:ext uri="{91240B29-F687-4f45-9708-019B960494DF}">
-                <a14:hiddenLine xmlns="" xmlns:a16="http://schemas.microsoft.com/office/drawing/2014/main" xmlns:p14="http://schemas.microsoft.com/office/powerpoint/2010/main" xmlns:a14="http://schemas.microsoft.com/office/drawing/2010/main" w="9525">
+                <a14:hiddenLine xmlns:a14="http://schemas.microsoft.com/office/drawing/2010/main" xmlns:p14="http://schemas.microsoft.com/office/powerpoint/2010/main" xmlns:a16="http://schemas.microsoft.com/office/drawing/2014/main" xmlns="" w="9525">
                   <a:solidFill>
                     <a:srgbClr val="000000"/>
                   </a:solidFill>
@@ -38842,7 +42738,7 @@
             </a:ln>
             <a:extLst>
               <a:ext uri="{91240B29-F687-4f45-9708-019B960494DF}">
-                <a14:hiddenLine xmlns="" xmlns:a16="http://schemas.microsoft.com/office/drawing/2014/main" xmlns:p14="http://schemas.microsoft.com/office/powerpoint/2010/main" xmlns:a14="http://schemas.microsoft.com/office/drawing/2010/main" w="9525">
+                <a14:hiddenLine xmlns:a14="http://schemas.microsoft.com/office/drawing/2010/main" xmlns:p14="http://schemas.microsoft.com/office/powerpoint/2010/main" xmlns:a16="http://schemas.microsoft.com/office/drawing/2014/main" xmlns="" w="9525">
                   <a:solidFill>
                     <a:srgbClr val="000000"/>
                   </a:solidFill>
@@ -38919,7 +42815,7 @@
             </a:ln>
             <a:extLst>
               <a:ext uri="{91240B29-F687-4f45-9708-019B960494DF}">
-                <a14:hiddenLine xmlns="" xmlns:a16="http://schemas.microsoft.com/office/drawing/2014/main" xmlns:p14="http://schemas.microsoft.com/office/powerpoint/2010/main" xmlns:a14="http://schemas.microsoft.com/office/drawing/2010/main" w="9525">
+                <a14:hiddenLine xmlns:a14="http://schemas.microsoft.com/office/drawing/2010/main" xmlns:p14="http://schemas.microsoft.com/office/powerpoint/2010/main" xmlns:a16="http://schemas.microsoft.com/office/drawing/2014/main" xmlns="" w="9525">
                   <a:solidFill>
                     <a:srgbClr val="000000"/>
                   </a:solidFill>
@@ -39054,7 +42950,7 @@
             </a:ln>
             <a:extLst>
               <a:ext uri="{91240B29-F687-4f45-9708-019B960494DF}">
-                <a14:hiddenLine xmlns="" xmlns:a16="http://schemas.microsoft.com/office/drawing/2014/main" xmlns:p14="http://schemas.microsoft.com/office/powerpoint/2010/main" xmlns:a14="http://schemas.microsoft.com/office/drawing/2010/main" w="9525">
+                <a14:hiddenLine xmlns:a14="http://schemas.microsoft.com/office/drawing/2010/main" xmlns:p14="http://schemas.microsoft.com/office/powerpoint/2010/main" xmlns:a16="http://schemas.microsoft.com/office/drawing/2014/main" xmlns="" w="9525">
                   <a:solidFill>
                     <a:srgbClr val="000000"/>
                   </a:solidFill>
@@ -39137,7 +43033,7 @@
             </a:ln>
             <a:extLst>
               <a:ext uri="{91240B29-F687-4f45-9708-019B960494DF}">
-                <a14:hiddenLine xmlns="" xmlns:a16="http://schemas.microsoft.com/office/drawing/2014/main" xmlns:p14="http://schemas.microsoft.com/office/powerpoint/2010/main" xmlns:a14="http://schemas.microsoft.com/office/drawing/2010/main" w="9525">
+                <a14:hiddenLine xmlns:a14="http://schemas.microsoft.com/office/drawing/2010/main" xmlns:p14="http://schemas.microsoft.com/office/powerpoint/2010/main" xmlns:a16="http://schemas.microsoft.com/office/drawing/2014/main" xmlns="" w="9525">
                   <a:solidFill>
                     <a:srgbClr val="000000"/>
                   </a:solidFill>
@@ -39242,7 +43138,7 @@
             </a:ln>
             <a:extLst>
               <a:ext uri="{91240B29-F687-4f45-9708-019B960494DF}">
-                <a14:hiddenLine xmlns="" xmlns:a16="http://schemas.microsoft.com/office/drawing/2014/main" xmlns:p14="http://schemas.microsoft.com/office/powerpoint/2010/main" xmlns:a14="http://schemas.microsoft.com/office/drawing/2010/main" w="9525">
+                <a14:hiddenLine xmlns:a14="http://schemas.microsoft.com/office/drawing/2010/main" xmlns:p14="http://schemas.microsoft.com/office/powerpoint/2010/main" xmlns:a16="http://schemas.microsoft.com/office/drawing/2014/main" xmlns="" w="9525">
                   <a:solidFill>
                     <a:srgbClr val="000000"/>
                   </a:solidFill>
@@ -39303,7 +43199,7 @@
           <a:noFill/>
           <a:extLst>
             <a:ext uri="{909E8E84-426E-40dd-AFC4-6F175D3DCCD1}">
-              <a14:hiddenFill xmlns="" xmlns:a16="http://schemas.microsoft.com/office/drawing/2014/main" xmlns:p14="http://schemas.microsoft.com/office/powerpoint/2010/main" xmlns:a14="http://schemas.microsoft.com/office/drawing/2010/main">
+              <a14:hiddenFill xmlns:a14="http://schemas.microsoft.com/office/drawing/2010/main" xmlns:p14="http://schemas.microsoft.com/office/powerpoint/2010/main" xmlns:a16="http://schemas.microsoft.com/office/drawing/2014/main" xmlns="">
                 <a:solidFill>
                   <a:srgbClr val="FFFFFF"/>
                 </a:solidFill>
@@ -39890,6 +43786,18 @@
   <p:clrMapOvr>
     <a:overrideClrMapping bg1="lt1" tx1="dk1" bg2="lt2" tx2="dk2" accent1="accent1" accent2="accent2" accent3="accent3" accent4="accent4" accent5="accent5" accent6="accent6" hlink="hlink" folHlink="folHlink"/>
   </p:clrMapOvr>
+  <mc:AlternateContent xmlns:mc="http://schemas.openxmlformats.org/markup-compatibility/2006">
+    <mc:Choice xmlns:p14="http://schemas.microsoft.com/office/powerpoint/2010/main" Requires="p14">
+      <p:transition spd="med" p14:dur="700">
+        <p:fade/>
+      </p:transition>
+    </mc:Choice>
+    <mc:Fallback>
+      <p:transition spd="med">
+        <p:fade/>
+      </p:transition>
+    </mc:Fallback>
+  </mc:AlternateContent>
 </p:sld>
 </file>
 
@@ -39953,6 +43861,18 @@
   <p:clrMapOvr>
     <a:masterClrMapping/>
   </p:clrMapOvr>
+  <mc:AlternateContent xmlns:mc="http://schemas.openxmlformats.org/markup-compatibility/2006">
+    <mc:Choice xmlns:p14="http://schemas.microsoft.com/office/powerpoint/2010/main" Requires="p14">
+      <p:transition spd="med" p14:dur="700">
+        <p:fade/>
+      </p:transition>
+    </mc:Choice>
+    <mc:Fallback>
+      <p:transition spd="med">
+        <p:fade/>
+      </p:transition>
+    </mc:Fallback>
+  </mc:AlternateContent>
 </p:sld>
 </file>
 

--- a/research methodology/research_methodology_pres.pptx
+++ b/research methodology/research_methodology_pres.pptx
@@ -5,17 +5,18 @@
     <p:sldMasterId id="2147483678" r:id="rId1"/>
   </p:sldMasterIdLst>
   <p:notesMasterIdLst>
-    <p:notesMasterId r:id="rId10"/>
+    <p:notesMasterId r:id="rId11"/>
   </p:notesMasterIdLst>
   <p:sldIdLst>
     <p:sldId id="257" r:id="rId2"/>
-    <p:sldId id="768" r:id="rId3"/>
-    <p:sldId id="806" r:id="rId4"/>
-    <p:sldId id="650" r:id="rId5"/>
-    <p:sldId id="659" r:id="rId6"/>
-    <p:sldId id="313" r:id="rId7"/>
-    <p:sldId id="681" r:id="rId8"/>
-    <p:sldId id="805" r:id="rId9"/>
+    <p:sldId id="812" r:id="rId3"/>
+    <p:sldId id="768" r:id="rId4"/>
+    <p:sldId id="806" r:id="rId5"/>
+    <p:sldId id="650" r:id="rId6"/>
+    <p:sldId id="659" r:id="rId7"/>
+    <p:sldId id="313" r:id="rId8"/>
+    <p:sldId id="681" r:id="rId9"/>
+    <p:sldId id="805" r:id="rId10"/>
   </p:sldIdLst>
   <p:sldSz cx="12192000" cy="6858000"/>
   <p:notesSz cx="6858000" cy="9144000"/>
@@ -204,7 +205,7 @@
           <a:p>
             <a:fld id="{0F9C471C-5CEB-41C5-B26F-30EBC0FE28CB}" type="datetimeFigureOut">
               <a:rPr lang="en-US" smtClean="0"/>
-              <a:t>6/20/2022</a:t>
+              <a:t>6/27/2022</a:t>
             </a:fld>
             <a:endParaRPr lang="en-US"/>
           </a:p>
@@ -656,7 +657,7 @@
           <a:noFill/>
           <a:extLst>
             <a:ext uri="{909E8E84-426E-40dd-AFC4-6F175D3DCCD1}">
-              <a14:hiddenFill xmlns="" xmlns:a14="http://schemas.microsoft.com/office/drawing/2010/main">
+              <a14:hiddenFill xmlns:a14="http://schemas.microsoft.com/office/drawing/2010/main" xmlns="">
                 <a:solidFill>
                   <a:srgbClr val="FFFFFF"/>
                 </a:solidFill>
@@ -716,7 +717,7 @@
             </a:ln>
             <a:extLst>
               <a:ext uri="{91240B29-F687-4f45-9708-019B960494DF}">
-                <a14:hiddenLine xmlns="" xmlns:a14="http://schemas.microsoft.com/office/drawing/2010/main" w="9525">
+                <a14:hiddenLine xmlns:a14="http://schemas.microsoft.com/office/drawing/2010/main" xmlns="" w="9525">
                   <a:solidFill>
                     <a:srgbClr val="000000"/>
                   </a:solidFill>
@@ -806,7 +807,7 @@
             </a:ln>
             <a:extLst>
               <a:ext uri="{91240B29-F687-4f45-9708-019B960494DF}">
-                <a14:hiddenLine xmlns="" xmlns:a14="http://schemas.microsoft.com/office/drawing/2010/main" w="9525">
+                <a14:hiddenLine xmlns:a14="http://schemas.microsoft.com/office/drawing/2010/main" xmlns="" w="9525">
                   <a:solidFill>
                     <a:srgbClr val="000000"/>
                   </a:solidFill>
@@ -896,7 +897,7 @@
             </a:ln>
             <a:extLst>
               <a:ext uri="{91240B29-F687-4f45-9708-019B960494DF}">
-                <a14:hiddenLine xmlns="" xmlns:a14="http://schemas.microsoft.com/office/drawing/2010/main" w="9525">
+                <a14:hiddenLine xmlns:a14="http://schemas.microsoft.com/office/drawing/2010/main" xmlns="" w="9525">
                   <a:solidFill>
                     <a:srgbClr val="000000"/>
                   </a:solidFill>
@@ -930,7 +931,7 @@
             </a:ln>
             <a:extLst>
               <a:ext uri="{91240B29-F687-4f45-9708-019B960494DF}">
-                <a14:hiddenLine xmlns="" xmlns:a14="http://schemas.microsoft.com/office/drawing/2010/main" w="9525">
+                <a14:hiddenLine xmlns:a14="http://schemas.microsoft.com/office/drawing/2010/main" xmlns="" w="9525">
                   <a:solidFill>
                     <a:srgbClr val="000000"/>
                   </a:solidFill>
@@ -1020,7 +1021,7 @@
             </a:ln>
             <a:extLst>
               <a:ext uri="{91240B29-F687-4f45-9708-019B960494DF}">
-                <a14:hiddenLine xmlns="" xmlns:a14="http://schemas.microsoft.com/office/drawing/2010/main" w="9525">
+                <a14:hiddenLine xmlns:a14="http://schemas.microsoft.com/office/drawing/2010/main" xmlns="" w="9525">
                   <a:solidFill>
                     <a:srgbClr val="000000"/>
                   </a:solidFill>
@@ -1082,7 +1083,7 @@
             </a:ln>
             <a:extLst>
               <a:ext uri="{91240B29-F687-4f45-9708-019B960494DF}">
-                <a14:hiddenLine xmlns="" xmlns:a14="http://schemas.microsoft.com/office/drawing/2010/main" w="9525">
+                <a14:hiddenLine xmlns:a14="http://schemas.microsoft.com/office/drawing/2010/main" xmlns="" w="9525">
                   <a:solidFill>
                     <a:srgbClr val="000000"/>
                   </a:solidFill>
@@ -1144,7 +1145,7 @@
             </a:ln>
             <a:extLst>
               <a:ext uri="{91240B29-F687-4f45-9708-019B960494DF}">
-                <a14:hiddenLine xmlns="" xmlns:a14="http://schemas.microsoft.com/office/drawing/2010/main" w="9525">
+                <a14:hiddenLine xmlns:a14="http://schemas.microsoft.com/office/drawing/2010/main" xmlns="" w="9525">
                   <a:solidFill>
                     <a:srgbClr val="000000"/>
                   </a:solidFill>
@@ -1234,7 +1235,7 @@
             </a:ln>
             <a:extLst>
               <a:ext uri="{91240B29-F687-4f45-9708-019B960494DF}">
-                <a14:hiddenLine xmlns="" xmlns:a14="http://schemas.microsoft.com/office/drawing/2010/main" w="9525">
+                <a14:hiddenLine xmlns:a14="http://schemas.microsoft.com/office/drawing/2010/main" xmlns="" w="9525">
                   <a:solidFill>
                     <a:srgbClr val="000000"/>
                   </a:solidFill>
@@ -1296,7 +1297,7 @@
             </a:ln>
             <a:extLst>
               <a:ext uri="{91240B29-F687-4f45-9708-019B960494DF}">
-                <a14:hiddenLine xmlns="" xmlns:a14="http://schemas.microsoft.com/office/drawing/2010/main" w="9525">
+                <a14:hiddenLine xmlns:a14="http://schemas.microsoft.com/office/drawing/2010/main" xmlns="" w="9525">
                   <a:solidFill>
                     <a:srgbClr val="000000"/>
                   </a:solidFill>
@@ -1358,7 +1359,7 @@
             </a:ln>
             <a:extLst>
               <a:ext uri="{91240B29-F687-4f45-9708-019B960494DF}">
-                <a14:hiddenLine xmlns="" xmlns:a14="http://schemas.microsoft.com/office/drawing/2010/main" w="9525">
+                <a14:hiddenLine xmlns:a14="http://schemas.microsoft.com/office/drawing/2010/main" xmlns="" w="9525">
                   <a:solidFill>
                     <a:srgbClr val="000000"/>
                   </a:solidFill>
@@ -1448,7 +1449,7 @@
             </a:ln>
             <a:extLst>
               <a:ext uri="{91240B29-F687-4f45-9708-019B960494DF}">
-                <a14:hiddenLine xmlns="" xmlns:a14="http://schemas.microsoft.com/office/drawing/2010/main" w="9525">
+                <a14:hiddenLine xmlns:a14="http://schemas.microsoft.com/office/drawing/2010/main" xmlns="" w="9525">
                   <a:solidFill>
                     <a:srgbClr val="000000"/>
                   </a:solidFill>
@@ -1538,7 +1539,7 @@
             </a:ln>
             <a:extLst>
               <a:ext uri="{91240B29-F687-4f45-9708-019B960494DF}">
-                <a14:hiddenLine xmlns="" xmlns:a14="http://schemas.microsoft.com/office/drawing/2010/main" w="9525">
+                <a14:hiddenLine xmlns:a14="http://schemas.microsoft.com/office/drawing/2010/main" xmlns="" w="9525">
                   <a:solidFill>
                     <a:srgbClr val="000000"/>
                   </a:solidFill>
@@ -1600,7 +1601,7 @@
             </a:ln>
             <a:extLst>
               <a:ext uri="{91240B29-F687-4f45-9708-019B960494DF}">
-                <a14:hiddenLine xmlns="" xmlns:a14="http://schemas.microsoft.com/office/drawing/2010/main" w="9525">
+                <a14:hiddenLine xmlns:a14="http://schemas.microsoft.com/office/drawing/2010/main" xmlns="" w="9525">
                   <a:solidFill>
                     <a:srgbClr val="000000"/>
                   </a:solidFill>
@@ -1710,7 +1711,7 @@
             </a:ln>
             <a:extLst>
               <a:ext uri="{91240B29-F687-4f45-9708-019B960494DF}">
-                <a14:hiddenLine xmlns="" xmlns:a14="http://schemas.microsoft.com/office/drawing/2010/main" w="9525">
+                <a14:hiddenLine xmlns:a14="http://schemas.microsoft.com/office/drawing/2010/main" xmlns="" w="9525">
                   <a:solidFill>
                     <a:srgbClr val="000000"/>
                   </a:solidFill>
@@ -1772,7 +1773,7 @@
             </a:ln>
             <a:extLst>
               <a:ext uri="{91240B29-F687-4f45-9708-019B960494DF}">
-                <a14:hiddenLine xmlns="" xmlns:a14="http://schemas.microsoft.com/office/drawing/2010/main" w="9525">
+                <a14:hiddenLine xmlns:a14="http://schemas.microsoft.com/office/drawing/2010/main" xmlns="" w="9525">
                   <a:solidFill>
                     <a:srgbClr val="000000"/>
                   </a:solidFill>
@@ -1862,7 +1863,7 @@
             </a:ln>
             <a:extLst>
               <a:ext uri="{91240B29-F687-4f45-9708-019B960494DF}">
-                <a14:hiddenLine xmlns="" xmlns:a14="http://schemas.microsoft.com/office/drawing/2010/main" w="9525">
+                <a14:hiddenLine xmlns:a14="http://schemas.microsoft.com/office/drawing/2010/main" xmlns="" w="9525">
                   <a:solidFill>
                     <a:srgbClr val="000000"/>
                   </a:solidFill>
@@ -1952,7 +1953,7 @@
             </a:ln>
             <a:extLst>
               <a:ext uri="{91240B29-F687-4f45-9708-019B960494DF}">
-                <a14:hiddenLine xmlns="" xmlns:a14="http://schemas.microsoft.com/office/drawing/2010/main" w="9525">
+                <a14:hiddenLine xmlns:a14="http://schemas.microsoft.com/office/drawing/2010/main" xmlns="" w="9525">
                   <a:solidFill>
                     <a:srgbClr val="000000"/>
                   </a:solidFill>
@@ -2014,7 +2015,7 @@
             </a:ln>
             <a:extLst>
               <a:ext uri="{91240B29-F687-4f45-9708-019B960494DF}">
-                <a14:hiddenLine xmlns="" xmlns:a14="http://schemas.microsoft.com/office/drawing/2010/main" w="9525">
+                <a14:hiddenLine xmlns:a14="http://schemas.microsoft.com/office/drawing/2010/main" xmlns="" w="9525">
                   <a:solidFill>
                     <a:srgbClr val="000000"/>
                   </a:solidFill>
@@ -2104,7 +2105,7 @@
             </a:ln>
             <a:extLst>
               <a:ext uri="{91240B29-F687-4f45-9708-019B960494DF}">
-                <a14:hiddenLine xmlns="" xmlns:a14="http://schemas.microsoft.com/office/drawing/2010/main" w="9525">
+                <a14:hiddenLine xmlns:a14="http://schemas.microsoft.com/office/drawing/2010/main" xmlns="" w="9525">
                   <a:solidFill>
                     <a:srgbClr val="000000"/>
                   </a:solidFill>
@@ -2194,7 +2195,7 @@
             </a:ln>
             <a:extLst>
               <a:ext uri="{91240B29-F687-4f45-9708-019B960494DF}">
-                <a14:hiddenLine xmlns="" xmlns:a14="http://schemas.microsoft.com/office/drawing/2010/main" w="9525">
+                <a14:hiddenLine xmlns:a14="http://schemas.microsoft.com/office/drawing/2010/main" xmlns="" w="9525">
                   <a:solidFill>
                     <a:srgbClr val="000000"/>
                   </a:solidFill>
@@ -2250,7 +2251,7 @@
             </a:ln>
             <a:extLst>
               <a:ext uri="{91240B29-F687-4f45-9708-019B960494DF}">
-                <a14:hiddenLine xmlns="" xmlns:a14="http://schemas.microsoft.com/office/drawing/2010/main" w="9525">
+                <a14:hiddenLine xmlns:a14="http://schemas.microsoft.com/office/drawing/2010/main" xmlns="" w="9525">
                   <a:solidFill>
                     <a:srgbClr val="000000"/>
                   </a:solidFill>
@@ -2340,7 +2341,7 @@
             </a:ln>
             <a:extLst>
               <a:ext uri="{91240B29-F687-4f45-9708-019B960494DF}">
-                <a14:hiddenLine xmlns="" xmlns:a14="http://schemas.microsoft.com/office/drawing/2010/main" w="9525">
+                <a14:hiddenLine xmlns:a14="http://schemas.microsoft.com/office/drawing/2010/main" xmlns="" w="9525">
                   <a:solidFill>
                     <a:srgbClr val="000000"/>
                   </a:solidFill>
@@ -2396,7 +2397,7 @@
             </a:ln>
             <a:extLst>
               <a:ext uri="{91240B29-F687-4f45-9708-019B960494DF}">
-                <a14:hiddenLine xmlns="" xmlns:a14="http://schemas.microsoft.com/office/drawing/2010/main" w="9525">
+                <a14:hiddenLine xmlns:a14="http://schemas.microsoft.com/office/drawing/2010/main" xmlns="" w="9525">
                   <a:solidFill>
                     <a:srgbClr val="000000"/>
                   </a:solidFill>
@@ -2486,7 +2487,7 @@
             </a:ln>
             <a:extLst>
               <a:ext uri="{91240B29-F687-4f45-9708-019B960494DF}">
-                <a14:hiddenLine xmlns="" xmlns:a14="http://schemas.microsoft.com/office/drawing/2010/main" w="9525">
+                <a14:hiddenLine xmlns:a14="http://schemas.microsoft.com/office/drawing/2010/main" xmlns="" w="9525">
                   <a:solidFill>
                     <a:srgbClr val="000000"/>
                   </a:solidFill>
@@ -2554,7 +2555,7 @@
             </a:ln>
             <a:extLst>
               <a:ext uri="{91240B29-F687-4f45-9708-019B960494DF}">
-                <a14:hiddenLine xmlns="" xmlns:a14="http://schemas.microsoft.com/office/drawing/2010/main" w="9525">
+                <a14:hiddenLine xmlns:a14="http://schemas.microsoft.com/office/drawing/2010/main" xmlns="" w="9525">
                   <a:solidFill>
                     <a:srgbClr val="000000"/>
                   </a:solidFill>
@@ -2644,7 +2645,7 @@
             </a:ln>
             <a:extLst>
               <a:ext uri="{91240B29-F687-4f45-9708-019B960494DF}">
-                <a14:hiddenLine xmlns="" xmlns:a14="http://schemas.microsoft.com/office/drawing/2010/main" w="9525">
+                <a14:hiddenLine xmlns:a14="http://schemas.microsoft.com/office/drawing/2010/main" xmlns="" w="9525">
                   <a:solidFill>
                     <a:srgbClr val="000000"/>
                   </a:solidFill>
@@ -2712,7 +2713,7 @@
             </a:ln>
             <a:extLst>
               <a:ext uri="{91240B29-F687-4f45-9708-019B960494DF}">
-                <a14:hiddenLine xmlns="" xmlns:a14="http://schemas.microsoft.com/office/drawing/2010/main" w="9525">
+                <a14:hiddenLine xmlns:a14="http://schemas.microsoft.com/office/drawing/2010/main" xmlns="" w="9525">
                   <a:solidFill>
                     <a:srgbClr val="000000"/>
                   </a:solidFill>
@@ -2802,7 +2803,7 @@
             </a:ln>
             <a:extLst>
               <a:ext uri="{91240B29-F687-4f45-9708-019B960494DF}">
-                <a14:hiddenLine xmlns="" xmlns:a14="http://schemas.microsoft.com/office/drawing/2010/main" w="9525">
+                <a14:hiddenLine xmlns:a14="http://schemas.microsoft.com/office/drawing/2010/main" xmlns="" w="9525">
                   <a:solidFill>
                     <a:srgbClr val="000000"/>
                   </a:solidFill>
@@ -2836,7 +2837,7 @@
             </a:ln>
             <a:extLst>
               <a:ext uri="{91240B29-F687-4f45-9708-019B960494DF}">
-                <a14:hiddenLine xmlns="" xmlns:a14="http://schemas.microsoft.com/office/drawing/2010/main" w="9525">
+                <a14:hiddenLine xmlns:a14="http://schemas.microsoft.com/office/drawing/2010/main" xmlns="" w="9525">
                   <a:solidFill>
                     <a:srgbClr val="000000"/>
                   </a:solidFill>
@@ -2926,7 +2927,7 @@
             </a:ln>
             <a:extLst>
               <a:ext uri="{91240B29-F687-4f45-9708-019B960494DF}">
-                <a14:hiddenLine xmlns="" xmlns:a14="http://schemas.microsoft.com/office/drawing/2010/main" w="9525">
+                <a14:hiddenLine xmlns:a14="http://schemas.microsoft.com/office/drawing/2010/main" xmlns="" w="9525">
                   <a:solidFill>
                     <a:srgbClr val="000000"/>
                   </a:solidFill>
@@ -2988,7 +2989,7 @@
             </a:ln>
             <a:extLst>
               <a:ext uri="{91240B29-F687-4f45-9708-019B960494DF}">
-                <a14:hiddenLine xmlns="" xmlns:a14="http://schemas.microsoft.com/office/drawing/2010/main" w="9525">
+                <a14:hiddenLine xmlns:a14="http://schemas.microsoft.com/office/drawing/2010/main" xmlns="" w="9525">
                   <a:solidFill>
                     <a:srgbClr val="000000"/>
                   </a:solidFill>
@@ -3050,7 +3051,7 @@
             </a:ln>
             <a:extLst>
               <a:ext uri="{91240B29-F687-4f45-9708-019B960494DF}">
-                <a14:hiddenLine xmlns="" xmlns:a14="http://schemas.microsoft.com/office/drawing/2010/main" w="9525">
+                <a14:hiddenLine xmlns:a14="http://schemas.microsoft.com/office/drawing/2010/main" xmlns="" w="9525">
                   <a:solidFill>
                     <a:srgbClr val="000000"/>
                   </a:solidFill>
@@ -3140,7 +3141,7 @@
             </a:ln>
             <a:extLst>
               <a:ext uri="{91240B29-F687-4f45-9708-019B960494DF}">
-                <a14:hiddenLine xmlns="" xmlns:a14="http://schemas.microsoft.com/office/drawing/2010/main" w="9525">
+                <a14:hiddenLine xmlns:a14="http://schemas.microsoft.com/office/drawing/2010/main" xmlns="" w="9525">
                   <a:solidFill>
                     <a:srgbClr val="000000"/>
                   </a:solidFill>
@@ -3208,7 +3209,7 @@
             </a:ln>
             <a:extLst>
               <a:ext uri="{91240B29-F687-4f45-9708-019B960494DF}">
-                <a14:hiddenLine xmlns="" xmlns:a14="http://schemas.microsoft.com/office/drawing/2010/main" w="9525">
+                <a14:hiddenLine xmlns:a14="http://schemas.microsoft.com/office/drawing/2010/main" xmlns="" w="9525">
                   <a:solidFill>
                     <a:srgbClr val="000000"/>
                   </a:solidFill>
@@ -3270,7 +3271,7 @@
             </a:ln>
             <a:extLst>
               <a:ext uri="{91240B29-F687-4f45-9708-019B960494DF}">
-                <a14:hiddenLine xmlns="" xmlns:a14="http://schemas.microsoft.com/office/drawing/2010/main" w="9525">
+                <a14:hiddenLine xmlns:a14="http://schemas.microsoft.com/office/drawing/2010/main" xmlns="" w="9525">
                   <a:solidFill>
                     <a:srgbClr val="000000"/>
                   </a:solidFill>
@@ -3360,7 +3361,7 @@
             </a:ln>
             <a:extLst>
               <a:ext uri="{91240B29-F687-4f45-9708-019B960494DF}">
-                <a14:hiddenLine xmlns="" xmlns:a14="http://schemas.microsoft.com/office/drawing/2010/main" w="9525">
+                <a14:hiddenLine xmlns:a14="http://schemas.microsoft.com/office/drawing/2010/main" xmlns="" w="9525">
                   <a:solidFill>
                     <a:srgbClr val="000000"/>
                   </a:solidFill>
@@ -3422,7 +3423,7 @@
             </a:ln>
             <a:extLst>
               <a:ext uri="{91240B29-F687-4f45-9708-019B960494DF}">
-                <a14:hiddenLine xmlns="" xmlns:a14="http://schemas.microsoft.com/office/drawing/2010/main" w="9525">
+                <a14:hiddenLine xmlns:a14="http://schemas.microsoft.com/office/drawing/2010/main" xmlns="" w="9525">
                   <a:solidFill>
                     <a:srgbClr val="000000"/>
                   </a:solidFill>
@@ -3512,7 +3513,7 @@
             </a:ln>
             <a:extLst>
               <a:ext uri="{91240B29-F687-4f45-9708-019B960494DF}">
-                <a14:hiddenLine xmlns="" xmlns:a14="http://schemas.microsoft.com/office/drawing/2010/main" w="9525">
+                <a14:hiddenLine xmlns:a14="http://schemas.microsoft.com/office/drawing/2010/main" xmlns="" w="9525">
                   <a:solidFill>
                     <a:srgbClr val="000000"/>
                   </a:solidFill>
@@ -3574,7 +3575,7 @@
             </a:ln>
             <a:extLst>
               <a:ext uri="{91240B29-F687-4f45-9708-019B960494DF}">
-                <a14:hiddenLine xmlns="" xmlns:a14="http://schemas.microsoft.com/office/drawing/2010/main" w="9525">
+                <a14:hiddenLine xmlns:a14="http://schemas.microsoft.com/office/drawing/2010/main" xmlns="" w="9525">
                   <a:solidFill>
                     <a:srgbClr val="000000"/>
                   </a:solidFill>
@@ -3664,7 +3665,7 @@
             </a:ln>
             <a:extLst>
               <a:ext uri="{91240B29-F687-4f45-9708-019B960494DF}">
-                <a14:hiddenLine xmlns="" xmlns:a14="http://schemas.microsoft.com/office/drawing/2010/main" w="9525">
+                <a14:hiddenLine xmlns:a14="http://schemas.microsoft.com/office/drawing/2010/main" xmlns="" w="9525">
                   <a:solidFill>
                     <a:srgbClr val="000000"/>
                   </a:solidFill>
@@ -3698,7 +3699,7 @@
             </a:ln>
             <a:extLst>
               <a:ext uri="{91240B29-F687-4f45-9708-019B960494DF}">
-                <a14:hiddenLine xmlns="" xmlns:a14="http://schemas.microsoft.com/office/drawing/2010/main" w="9525">
+                <a14:hiddenLine xmlns:a14="http://schemas.microsoft.com/office/drawing/2010/main" xmlns="" w="9525">
                   <a:solidFill>
                     <a:srgbClr val="000000"/>
                   </a:solidFill>
@@ -3763,7 +3764,7 @@
             </a:ln>
             <a:extLst>
               <a:ext uri="{91240B29-F687-4f45-9708-019B960494DF}">
-                <a14:hiddenLine xmlns="" xmlns:a14="http://schemas.microsoft.com/office/drawing/2010/main" w="9525">
+                <a14:hiddenLine xmlns:a14="http://schemas.microsoft.com/office/drawing/2010/main" xmlns="" w="9525">
                   <a:solidFill>
                     <a:srgbClr val="000000"/>
                   </a:solidFill>
@@ -3853,7 +3854,7 @@
             </a:ln>
             <a:extLst>
               <a:ext uri="{91240B29-F687-4f45-9708-019B960494DF}">
-                <a14:hiddenLine xmlns="" xmlns:a14="http://schemas.microsoft.com/office/drawing/2010/main" w="9525">
+                <a14:hiddenLine xmlns:a14="http://schemas.microsoft.com/office/drawing/2010/main" xmlns="" w="9525">
                   <a:solidFill>
                     <a:srgbClr val="000000"/>
                   </a:solidFill>
@@ -3915,7 +3916,7 @@
             </a:ln>
             <a:extLst>
               <a:ext uri="{91240B29-F687-4f45-9708-019B960494DF}">
-                <a14:hiddenLine xmlns="" xmlns:a14="http://schemas.microsoft.com/office/drawing/2010/main" w="9525">
+                <a14:hiddenLine xmlns:a14="http://schemas.microsoft.com/office/drawing/2010/main" xmlns="" w="9525">
                   <a:solidFill>
                     <a:srgbClr val="000000"/>
                   </a:solidFill>
@@ -4005,7 +4006,7 @@
             </a:ln>
             <a:extLst>
               <a:ext uri="{91240B29-F687-4f45-9708-019B960494DF}">
-                <a14:hiddenLine xmlns="" xmlns:a14="http://schemas.microsoft.com/office/drawing/2010/main" w="9525">
+                <a14:hiddenLine xmlns:a14="http://schemas.microsoft.com/office/drawing/2010/main" xmlns="" w="9525">
                   <a:solidFill>
                     <a:srgbClr val="000000"/>
                   </a:solidFill>
@@ -4095,7 +4096,7 @@
             </a:ln>
             <a:extLst>
               <a:ext uri="{91240B29-F687-4f45-9708-019B960494DF}">
-                <a14:hiddenLine xmlns="" xmlns:a14="http://schemas.microsoft.com/office/drawing/2010/main" w="9525">
+                <a14:hiddenLine xmlns:a14="http://schemas.microsoft.com/office/drawing/2010/main" xmlns="" w="9525">
                   <a:solidFill>
                     <a:srgbClr val="000000"/>
                   </a:solidFill>
@@ -4160,7 +4161,7 @@
             </a:ln>
             <a:extLst>
               <a:ext uri="{91240B29-F687-4f45-9708-019B960494DF}">
-                <a14:hiddenLine xmlns="" xmlns:a14="http://schemas.microsoft.com/office/drawing/2010/main" w="9525">
+                <a14:hiddenLine xmlns:a14="http://schemas.microsoft.com/office/drawing/2010/main" xmlns="" w="9525">
                   <a:solidFill>
                     <a:srgbClr val="000000"/>
                   </a:solidFill>
@@ -4222,7 +4223,7 @@
             </a:ln>
             <a:extLst>
               <a:ext uri="{91240B29-F687-4f45-9708-019B960494DF}">
-                <a14:hiddenLine xmlns="" xmlns:a14="http://schemas.microsoft.com/office/drawing/2010/main" w="9525">
+                <a14:hiddenLine xmlns:a14="http://schemas.microsoft.com/office/drawing/2010/main" xmlns="" w="9525">
                   <a:solidFill>
                     <a:srgbClr val="000000"/>
                   </a:solidFill>
@@ -4312,7 +4313,7 @@
             </a:ln>
             <a:extLst>
               <a:ext uri="{91240B29-F687-4f45-9708-019B960494DF}">
-                <a14:hiddenLine xmlns="" xmlns:a14="http://schemas.microsoft.com/office/drawing/2010/main" w="9525">
+                <a14:hiddenLine xmlns:a14="http://schemas.microsoft.com/office/drawing/2010/main" xmlns="" w="9525">
                   <a:solidFill>
                     <a:srgbClr val="000000"/>
                   </a:solidFill>
@@ -4402,7 +4403,7 @@
             </a:ln>
             <a:extLst>
               <a:ext uri="{91240B29-F687-4f45-9708-019B960494DF}">
-                <a14:hiddenLine xmlns="" xmlns:a14="http://schemas.microsoft.com/office/drawing/2010/main" w="9525">
+                <a14:hiddenLine xmlns:a14="http://schemas.microsoft.com/office/drawing/2010/main" xmlns="" w="9525">
                   <a:solidFill>
                     <a:srgbClr val="000000"/>
                   </a:solidFill>
@@ -4464,7 +4465,7 @@
             </a:ln>
             <a:extLst>
               <a:ext uri="{91240B29-F687-4f45-9708-019B960494DF}">
-                <a14:hiddenLine xmlns="" xmlns:a14="http://schemas.microsoft.com/office/drawing/2010/main" w="9525">
+                <a14:hiddenLine xmlns:a14="http://schemas.microsoft.com/office/drawing/2010/main" xmlns="" w="9525">
                   <a:solidFill>
                     <a:srgbClr val="000000"/>
                   </a:solidFill>
@@ -4584,7 +4585,7 @@
             </a:ln>
             <a:extLst>
               <a:ext uri="{91240B29-F687-4f45-9708-019B960494DF}">
-                <a14:hiddenLine xmlns="" xmlns:a14="http://schemas.microsoft.com/office/drawing/2010/main" w="9525">
+                <a14:hiddenLine xmlns:a14="http://schemas.microsoft.com/office/drawing/2010/main" xmlns="" w="9525">
                   <a:solidFill>
                     <a:srgbClr val="000000"/>
                   </a:solidFill>
@@ -4652,7 +4653,7 @@
             </a:ln>
             <a:extLst>
               <a:ext uri="{91240B29-F687-4f45-9708-019B960494DF}">
-                <a14:hiddenLine xmlns="" xmlns:a14="http://schemas.microsoft.com/office/drawing/2010/main" w="9525">
+                <a14:hiddenLine xmlns:a14="http://schemas.microsoft.com/office/drawing/2010/main" xmlns="" w="9525">
                   <a:solidFill>
                     <a:srgbClr val="000000"/>
                   </a:solidFill>
@@ -4742,7 +4743,7 @@
             </a:ln>
             <a:extLst>
               <a:ext uri="{91240B29-F687-4f45-9708-019B960494DF}">
-                <a14:hiddenLine xmlns="" xmlns:a14="http://schemas.microsoft.com/office/drawing/2010/main" w="9525">
+                <a14:hiddenLine xmlns:a14="http://schemas.microsoft.com/office/drawing/2010/main" xmlns="" w="9525">
                   <a:solidFill>
                     <a:srgbClr val="000000"/>
                   </a:solidFill>
@@ -4882,7 +4883,7 @@
           <a:p>
             <a:fld id="{F34B6E3E-06F4-4326-ABDB-61EE022A2F5F}" type="datetimeFigureOut">
               <a:rPr lang="en-US" smtClean="0"/>
-              <a:t>6/20/2022</a:t>
+              <a:t>6/27/2022</a:t>
             </a:fld>
             <a:endParaRPr lang="en-US"/>
           </a:p>
@@ -5149,7 +5150,7 @@
           <a:p>
             <a:fld id="{F34B6E3E-06F4-4326-ABDB-61EE022A2F5F}" type="datetimeFigureOut">
               <a:rPr lang="en-US" smtClean="0"/>
-              <a:t>6/20/2022</a:t>
+              <a:t>6/27/2022</a:t>
             </a:fld>
             <a:endParaRPr lang="en-US"/>
           </a:p>
@@ -5345,7 +5346,7 @@
           <a:p>
             <a:fld id="{F34B6E3E-06F4-4326-ABDB-61EE022A2F5F}" type="datetimeFigureOut">
               <a:rPr lang="en-US" smtClean="0"/>
-              <a:t>6/20/2022</a:t>
+              <a:t>6/27/2022</a:t>
             </a:fld>
             <a:endParaRPr lang="en-US"/>
           </a:p>
@@ -5608,7 +5609,7 @@
           <a:p>
             <a:fld id="{F34B6E3E-06F4-4326-ABDB-61EE022A2F5F}" type="datetimeFigureOut">
               <a:rPr lang="en-US" smtClean="0"/>
-              <a:t>6/20/2022</a:t>
+              <a:t>6/27/2022</a:t>
             </a:fld>
             <a:endParaRPr lang="en-US"/>
           </a:p>
@@ -6042,7 +6043,7 @@
           <a:p>
             <a:fld id="{F34B6E3E-06F4-4326-ABDB-61EE022A2F5F}" type="datetimeFigureOut">
               <a:rPr lang="en-US" smtClean="0"/>
-              <a:t>6/20/2022</a:t>
+              <a:t>6/27/2022</a:t>
             </a:fld>
             <a:endParaRPr lang="en-US"/>
           </a:p>
@@ -6588,7 +6589,7 @@
           <a:p>
             <a:fld id="{F34B6E3E-06F4-4326-ABDB-61EE022A2F5F}" type="datetimeFigureOut">
               <a:rPr lang="en-US" smtClean="0"/>
-              <a:t>6/20/2022</a:t>
+              <a:t>6/27/2022</a:t>
             </a:fld>
             <a:endParaRPr lang="en-US"/>
           </a:p>
@@ -7308,7 +7309,7 @@
           <a:p>
             <a:fld id="{F34B6E3E-06F4-4326-ABDB-61EE022A2F5F}" type="datetimeFigureOut">
               <a:rPr lang="en-US" smtClean="0"/>
-              <a:t>6/20/2022</a:t>
+              <a:t>6/27/2022</a:t>
             </a:fld>
             <a:endParaRPr lang="en-US"/>
           </a:p>
@@ -7478,7 +7479,7 @@
           <a:p>
             <a:fld id="{F34B6E3E-06F4-4326-ABDB-61EE022A2F5F}" type="datetimeFigureOut">
               <a:rPr lang="en-US" smtClean="0"/>
-              <a:t>6/20/2022</a:t>
+              <a:t>6/27/2022</a:t>
             </a:fld>
             <a:endParaRPr lang="en-US"/>
           </a:p>
@@ -7658,7 +7659,7 @@
           <a:p>
             <a:fld id="{F34B6E3E-06F4-4326-ABDB-61EE022A2F5F}" type="datetimeFigureOut">
               <a:rPr lang="en-US" smtClean="0"/>
-              <a:t>6/20/2022</a:t>
+              <a:t>6/27/2022</a:t>
             </a:fld>
             <a:endParaRPr lang="en-US"/>
           </a:p>
@@ -8326,7 +8327,7 @@
           <a:p>
             <a:fld id="{F34B6E3E-06F4-4326-ABDB-61EE022A2F5F}" type="datetimeFigureOut">
               <a:rPr lang="en-US" smtClean="0"/>
-              <a:t>6/20/2022</a:t>
+              <a:t>6/27/2022</a:t>
             </a:fld>
             <a:endParaRPr lang="en-US"/>
           </a:p>
@@ -8576,7 +8577,7 @@
           <a:p>
             <a:fld id="{F34B6E3E-06F4-4326-ABDB-61EE022A2F5F}" type="datetimeFigureOut">
               <a:rPr lang="en-US" smtClean="0"/>
-              <a:t>6/20/2022</a:t>
+              <a:t>6/27/2022</a:t>
             </a:fld>
             <a:endParaRPr lang="en-US"/>
           </a:p>
@@ -8808,7 +8809,7 @@
           <a:p>
             <a:fld id="{F34B6E3E-06F4-4326-ABDB-61EE022A2F5F}" type="datetimeFigureOut">
               <a:rPr lang="en-US" smtClean="0"/>
-              <a:t>6/20/2022</a:t>
+              <a:t>6/27/2022</a:t>
             </a:fld>
             <a:endParaRPr lang="en-US"/>
           </a:p>
@@ -9189,7 +9190,7 @@
           <a:p>
             <a:fld id="{F34B6E3E-06F4-4326-ABDB-61EE022A2F5F}" type="datetimeFigureOut">
               <a:rPr lang="en-US" smtClean="0"/>
-              <a:t>6/20/2022</a:t>
+              <a:t>6/27/2022</a:t>
             </a:fld>
             <a:endParaRPr lang="en-US"/>
           </a:p>
@@ -9307,7 +9308,7 @@
           <a:p>
             <a:fld id="{F34B6E3E-06F4-4326-ABDB-61EE022A2F5F}" type="datetimeFigureOut">
               <a:rPr lang="en-US" smtClean="0"/>
-              <a:t>6/20/2022</a:t>
+              <a:t>6/27/2022</a:t>
             </a:fld>
             <a:endParaRPr lang="en-US"/>
           </a:p>
@@ -9402,7 +9403,7 @@
           <a:p>
             <a:fld id="{F34B6E3E-06F4-4326-ABDB-61EE022A2F5F}" type="datetimeFigureOut">
               <a:rPr lang="en-US" smtClean="0"/>
-              <a:t>6/20/2022</a:t>
+              <a:t>6/27/2022</a:t>
             </a:fld>
             <a:endParaRPr lang="en-US"/>
           </a:p>
@@ -9651,7 +9652,7 @@
           <a:p>
             <a:fld id="{F34B6E3E-06F4-4326-ABDB-61EE022A2F5F}" type="datetimeFigureOut">
               <a:rPr lang="en-US" smtClean="0"/>
-              <a:t>6/20/2022</a:t>
+              <a:t>6/27/2022</a:t>
             </a:fld>
             <a:endParaRPr lang="en-US"/>
           </a:p>
@@ -9931,7 +9932,7 @@
           <a:p>
             <a:fld id="{F34B6E3E-06F4-4326-ABDB-61EE022A2F5F}" type="datetimeFigureOut">
               <a:rPr lang="en-US" smtClean="0"/>
-              <a:t>6/20/2022</a:t>
+              <a:t>6/27/2022</a:t>
             </a:fld>
             <a:endParaRPr lang="en-US"/>
           </a:p>
@@ -10047,7 +10048,7 @@
           <a:noFill/>
           <a:extLst>
             <a:ext uri="{909E8E84-426E-40dd-AFC4-6F175D3DCCD1}">
-              <a14:hiddenFill xmlns="" xmlns:a14="http://schemas.microsoft.com/office/drawing/2010/main">
+              <a14:hiddenFill xmlns:a14="http://schemas.microsoft.com/office/drawing/2010/main" xmlns="">
                 <a:solidFill>
                   <a:srgbClr val="FFFFFF"/>
                 </a:solidFill>
@@ -10121,7 +10122,7 @@
               </a:ln>
               <a:extLst>
                 <a:ext uri="{91240B29-F687-4f45-9708-019B960494DF}">
-                  <a14:hiddenLine xmlns="" xmlns:a14="http://schemas.microsoft.com/office/drawing/2010/main" w="9525">
+                  <a14:hiddenLine xmlns:a14="http://schemas.microsoft.com/office/drawing/2010/main" xmlns="" w="9525">
                     <a:solidFill>
                       <a:srgbClr val="000000"/>
                     </a:solidFill>
@@ -10211,7 +10212,7 @@
               </a:ln>
               <a:extLst>
                 <a:ext uri="{91240B29-F687-4f45-9708-019B960494DF}">
-                  <a14:hiddenLine xmlns="" xmlns:a14="http://schemas.microsoft.com/office/drawing/2010/main" w="9525">
+                  <a14:hiddenLine xmlns:a14="http://schemas.microsoft.com/office/drawing/2010/main" xmlns="" w="9525">
                     <a:solidFill>
                       <a:srgbClr val="000000"/>
                     </a:solidFill>
@@ -10301,7 +10302,7 @@
               </a:ln>
               <a:extLst>
                 <a:ext uri="{91240B29-F687-4f45-9708-019B960494DF}">
-                  <a14:hiddenLine xmlns="" xmlns:a14="http://schemas.microsoft.com/office/drawing/2010/main" w="9525">
+                  <a14:hiddenLine xmlns:a14="http://schemas.microsoft.com/office/drawing/2010/main" xmlns="" w="9525">
                     <a:solidFill>
                       <a:srgbClr val="000000"/>
                     </a:solidFill>
@@ -10363,7 +10364,7 @@
               </a:ln>
               <a:extLst>
                 <a:ext uri="{91240B29-F687-4f45-9708-019B960494DF}">
-                  <a14:hiddenLine xmlns="" xmlns:a14="http://schemas.microsoft.com/office/drawing/2010/main" w="9525">
+                  <a14:hiddenLine xmlns:a14="http://schemas.microsoft.com/office/drawing/2010/main" xmlns="" w="9525">
                     <a:solidFill>
                       <a:srgbClr val="000000"/>
                     </a:solidFill>
@@ -10453,7 +10454,7 @@
               </a:ln>
               <a:extLst>
                 <a:ext uri="{91240B29-F687-4f45-9708-019B960494DF}">
-                  <a14:hiddenLine xmlns="" xmlns:a14="http://schemas.microsoft.com/office/drawing/2010/main" w="9525">
+                  <a14:hiddenLine xmlns:a14="http://schemas.microsoft.com/office/drawing/2010/main" xmlns="" w="9525">
                     <a:solidFill>
                       <a:srgbClr val="000000"/>
                     </a:solidFill>
@@ -10515,7 +10516,7 @@
               </a:ln>
               <a:extLst>
                 <a:ext uri="{91240B29-F687-4f45-9708-019B960494DF}">
-                  <a14:hiddenLine xmlns="" xmlns:a14="http://schemas.microsoft.com/office/drawing/2010/main" w="9525">
+                  <a14:hiddenLine xmlns:a14="http://schemas.microsoft.com/office/drawing/2010/main" xmlns="" w="9525">
                     <a:solidFill>
                       <a:srgbClr val="000000"/>
                     </a:solidFill>
@@ -10577,7 +10578,7 @@
               </a:ln>
               <a:extLst>
                 <a:ext uri="{91240B29-F687-4f45-9708-019B960494DF}">
-                  <a14:hiddenLine xmlns="" xmlns:a14="http://schemas.microsoft.com/office/drawing/2010/main" w="9525">
+                  <a14:hiddenLine xmlns:a14="http://schemas.microsoft.com/office/drawing/2010/main" xmlns="" w="9525">
                     <a:solidFill>
                       <a:srgbClr val="000000"/>
                     </a:solidFill>
@@ -10667,7 +10668,7 @@
               </a:ln>
               <a:extLst>
                 <a:ext uri="{91240B29-F687-4f45-9708-019B960494DF}">
-                  <a14:hiddenLine xmlns="" xmlns:a14="http://schemas.microsoft.com/office/drawing/2010/main" w="9525">
+                  <a14:hiddenLine xmlns:a14="http://schemas.microsoft.com/office/drawing/2010/main" xmlns="" w="9525">
                     <a:solidFill>
                       <a:srgbClr val="000000"/>
                     </a:solidFill>
@@ -10757,7 +10758,7 @@
               </a:ln>
               <a:extLst>
                 <a:ext uri="{91240B29-F687-4f45-9708-019B960494DF}">
-                  <a14:hiddenLine xmlns="" xmlns:a14="http://schemas.microsoft.com/office/drawing/2010/main" w="9525">
+                  <a14:hiddenLine xmlns:a14="http://schemas.microsoft.com/office/drawing/2010/main" xmlns="" w="9525">
                     <a:solidFill>
                       <a:srgbClr val="000000"/>
                     </a:solidFill>
@@ -10819,7 +10820,7 @@
               </a:ln>
               <a:extLst>
                 <a:ext uri="{91240B29-F687-4f45-9708-019B960494DF}">
-                  <a14:hiddenLine xmlns="" xmlns:a14="http://schemas.microsoft.com/office/drawing/2010/main" w="9525">
+                  <a14:hiddenLine xmlns:a14="http://schemas.microsoft.com/office/drawing/2010/main" xmlns="" w="9525">
                     <a:solidFill>
                       <a:srgbClr val="000000"/>
                     </a:solidFill>
@@ -10929,7 +10930,7 @@
               </a:ln>
               <a:extLst>
                 <a:ext uri="{91240B29-F687-4f45-9708-019B960494DF}">
-                  <a14:hiddenLine xmlns="" xmlns:a14="http://schemas.microsoft.com/office/drawing/2010/main" w="9525">
+                  <a14:hiddenLine xmlns:a14="http://schemas.microsoft.com/office/drawing/2010/main" xmlns="" w="9525">
                     <a:solidFill>
                       <a:srgbClr val="000000"/>
                     </a:solidFill>
@@ -11013,7 +11014,7 @@
               </a:ln>
               <a:extLst>
                 <a:ext uri="{91240B29-F687-4f45-9708-019B960494DF}">
-                  <a14:hiddenLine xmlns="" xmlns:a14="http://schemas.microsoft.com/office/drawing/2010/main" w="9525">
+                  <a14:hiddenLine xmlns:a14="http://schemas.microsoft.com/office/drawing/2010/main" xmlns="" w="9525">
                     <a:solidFill>
                       <a:srgbClr val="000000"/>
                     </a:solidFill>
@@ -11075,7 +11076,7 @@
               </a:ln>
               <a:extLst>
                 <a:ext uri="{91240B29-F687-4f45-9708-019B960494DF}">
-                  <a14:hiddenLine xmlns="" xmlns:a14="http://schemas.microsoft.com/office/drawing/2010/main" w="9525">
+                  <a14:hiddenLine xmlns:a14="http://schemas.microsoft.com/office/drawing/2010/main" xmlns="" w="9525">
                     <a:solidFill>
                       <a:srgbClr val="000000"/>
                     </a:solidFill>
@@ -11137,7 +11138,7 @@
               </a:ln>
               <a:extLst>
                 <a:ext uri="{91240B29-F687-4f45-9708-019B960494DF}">
-                  <a14:hiddenLine xmlns="" xmlns:a14="http://schemas.microsoft.com/office/drawing/2010/main" w="9525">
+                  <a14:hiddenLine xmlns:a14="http://schemas.microsoft.com/office/drawing/2010/main" xmlns="" w="9525">
                     <a:solidFill>
                       <a:srgbClr val="000000"/>
                     </a:solidFill>
@@ -11227,7 +11228,7 @@
               </a:ln>
               <a:extLst>
                 <a:ext uri="{91240B29-F687-4f45-9708-019B960494DF}">
-                  <a14:hiddenLine xmlns="" xmlns:a14="http://schemas.microsoft.com/office/drawing/2010/main" w="9525">
+                  <a14:hiddenLine xmlns:a14="http://schemas.microsoft.com/office/drawing/2010/main" xmlns="" w="9525">
                     <a:solidFill>
                       <a:srgbClr val="000000"/>
                     </a:solidFill>
@@ -11261,7 +11262,7 @@
               </a:ln>
               <a:extLst>
                 <a:ext uri="{91240B29-F687-4f45-9708-019B960494DF}">
-                  <a14:hiddenLine xmlns="" xmlns:a14="http://schemas.microsoft.com/office/drawing/2010/main" w="9525">
+                  <a14:hiddenLine xmlns:a14="http://schemas.microsoft.com/office/drawing/2010/main" xmlns="" w="9525">
                     <a:solidFill>
                       <a:srgbClr val="000000"/>
                     </a:solidFill>
@@ -11326,7 +11327,7 @@
               </a:ln>
               <a:extLst>
                 <a:ext uri="{91240B29-F687-4f45-9708-019B960494DF}">
-                  <a14:hiddenLine xmlns="" xmlns:a14="http://schemas.microsoft.com/office/drawing/2010/main" w="9525">
+                  <a14:hiddenLine xmlns:a14="http://schemas.microsoft.com/office/drawing/2010/main" xmlns="" w="9525">
                     <a:solidFill>
                       <a:srgbClr val="000000"/>
                     </a:solidFill>
@@ -11416,7 +11417,7 @@
               </a:ln>
               <a:extLst>
                 <a:ext uri="{91240B29-F687-4f45-9708-019B960494DF}">
-                  <a14:hiddenLine xmlns="" xmlns:a14="http://schemas.microsoft.com/office/drawing/2010/main" w="9525">
+                  <a14:hiddenLine xmlns:a14="http://schemas.microsoft.com/office/drawing/2010/main" xmlns="" w="9525">
                     <a:solidFill>
                       <a:srgbClr val="000000"/>
                     </a:solidFill>
@@ -11478,7 +11479,7 @@
               </a:ln>
               <a:extLst>
                 <a:ext uri="{91240B29-F687-4f45-9708-019B960494DF}">
-                  <a14:hiddenLine xmlns="" xmlns:a14="http://schemas.microsoft.com/office/drawing/2010/main" w="9525">
+                  <a14:hiddenLine xmlns:a14="http://schemas.microsoft.com/office/drawing/2010/main" xmlns="" w="9525">
                     <a:solidFill>
                       <a:srgbClr val="000000"/>
                     </a:solidFill>
@@ -11568,7 +11569,7 @@
               </a:ln>
               <a:extLst>
                 <a:ext uri="{91240B29-F687-4f45-9708-019B960494DF}">
-                  <a14:hiddenLine xmlns="" xmlns:a14="http://schemas.microsoft.com/office/drawing/2010/main" w="9525">
+                  <a14:hiddenLine xmlns:a14="http://schemas.microsoft.com/office/drawing/2010/main" xmlns="" w="9525">
                     <a:solidFill>
                       <a:srgbClr val="000000"/>
                     </a:solidFill>
@@ -11633,7 +11634,7 @@
               </a:ln>
               <a:extLst>
                 <a:ext uri="{91240B29-F687-4f45-9708-019B960494DF}">
-                  <a14:hiddenLine xmlns="" xmlns:a14="http://schemas.microsoft.com/office/drawing/2010/main" w="9525">
+                  <a14:hiddenLine xmlns:a14="http://schemas.microsoft.com/office/drawing/2010/main" xmlns="" w="9525">
                     <a:solidFill>
                       <a:srgbClr val="000000"/>
                     </a:solidFill>
@@ -11695,7 +11696,7 @@
               </a:ln>
               <a:extLst>
                 <a:ext uri="{91240B29-F687-4f45-9708-019B960494DF}">
-                  <a14:hiddenLine xmlns="" xmlns:a14="http://schemas.microsoft.com/office/drawing/2010/main" w="9525">
+                  <a14:hiddenLine xmlns:a14="http://schemas.microsoft.com/office/drawing/2010/main" xmlns="" w="9525">
                     <a:solidFill>
                       <a:srgbClr val="000000"/>
                     </a:solidFill>
@@ -11785,7 +11786,7 @@
               </a:ln>
               <a:extLst>
                 <a:ext uri="{91240B29-F687-4f45-9708-019B960494DF}">
-                  <a14:hiddenLine xmlns="" xmlns:a14="http://schemas.microsoft.com/office/drawing/2010/main" w="9525">
+                  <a14:hiddenLine xmlns:a14="http://schemas.microsoft.com/office/drawing/2010/main" xmlns="" w="9525">
                     <a:solidFill>
                       <a:srgbClr val="000000"/>
                     </a:solidFill>
@@ -11875,7 +11876,7 @@
               </a:ln>
               <a:extLst>
                 <a:ext uri="{91240B29-F687-4f45-9708-019B960494DF}">
-                  <a14:hiddenLine xmlns="" xmlns:a14="http://schemas.microsoft.com/office/drawing/2010/main" w="9525">
+                  <a14:hiddenLine xmlns:a14="http://schemas.microsoft.com/office/drawing/2010/main" xmlns="" w="9525">
                     <a:solidFill>
                       <a:srgbClr val="000000"/>
                     </a:solidFill>
@@ -11940,7 +11941,7 @@
               </a:ln>
               <a:extLst>
                 <a:ext uri="{91240B29-F687-4f45-9708-019B960494DF}">
-                  <a14:hiddenLine xmlns="" xmlns:a14="http://schemas.microsoft.com/office/drawing/2010/main" w="9525">
+                  <a14:hiddenLine xmlns:a14="http://schemas.microsoft.com/office/drawing/2010/main" xmlns="" w="9525">
                     <a:solidFill>
                       <a:srgbClr val="000000"/>
                     </a:solidFill>
@@ -12060,7 +12061,7 @@
               </a:ln>
               <a:extLst>
                 <a:ext uri="{91240B29-F687-4f45-9708-019B960494DF}">
-                  <a14:hiddenLine xmlns="" xmlns:a14="http://schemas.microsoft.com/office/drawing/2010/main" w="9525">
+                  <a14:hiddenLine xmlns:a14="http://schemas.microsoft.com/office/drawing/2010/main" xmlns="" w="9525">
                     <a:solidFill>
                       <a:srgbClr val="000000"/>
                     </a:solidFill>
@@ -12158,7 +12159,7 @@
               </a:ln>
               <a:extLst>
                 <a:ext uri="{91240B29-F687-4f45-9708-019B960494DF}">
-                  <a14:hiddenLine xmlns="" xmlns:a14="http://schemas.microsoft.com/office/drawing/2010/main" w="9525">
+                  <a14:hiddenLine xmlns:a14="http://schemas.microsoft.com/office/drawing/2010/main" xmlns="" w="9525">
                     <a:solidFill>
                       <a:srgbClr val="000000"/>
                     </a:solidFill>
@@ -12273,7 +12274,7 @@
               </a:ln>
               <a:extLst>
                 <a:ext uri="{91240B29-F687-4f45-9708-019B960494DF}">
-                  <a14:hiddenLine xmlns="" xmlns:a14="http://schemas.microsoft.com/office/drawing/2010/main" w="9525">
+                  <a14:hiddenLine xmlns:a14="http://schemas.microsoft.com/office/drawing/2010/main" xmlns="" w="9525">
                     <a:solidFill>
                       <a:srgbClr val="000000"/>
                     </a:solidFill>
@@ -12363,7 +12364,7 @@
               </a:ln>
               <a:extLst>
                 <a:ext uri="{91240B29-F687-4f45-9708-019B960494DF}">
-                  <a14:hiddenLine xmlns="" xmlns:a14="http://schemas.microsoft.com/office/drawing/2010/main" w="9525">
+                  <a14:hiddenLine xmlns:a14="http://schemas.microsoft.com/office/drawing/2010/main" xmlns="" w="9525">
                     <a:solidFill>
                       <a:srgbClr val="000000"/>
                     </a:solidFill>
@@ -12428,7 +12429,7 @@
               </a:ln>
               <a:extLst>
                 <a:ext uri="{91240B29-F687-4f45-9708-019B960494DF}">
-                  <a14:hiddenLine xmlns="" xmlns:a14="http://schemas.microsoft.com/office/drawing/2010/main" w="9525">
+                  <a14:hiddenLine xmlns:a14="http://schemas.microsoft.com/office/drawing/2010/main" xmlns="" w="9525">
                     <a:solidFill>
                       <a:srgbClr val="000000"/>
                     </a:solidFill>
@@ -12518,7 +12519,7 @@
               </a:ln>
               <a:extLst>
                 <a:ext uri="{91240B29-F687-4f45-9708-019B960494DF}">
-                  <a14:hiddenLine xmlns="" xmlns:a14="http://schemas.microsoft.com/office/drawing/2010/main" w="9525">
+                  <a14:hiddenLine xmlns:a14="http://schemas.microsoft.com/office/drawing/2010/main" xmlns="" w="9525">
                     <a:solidFill>
                       <a:srgbClr val="000000"/>
                     </a:solidFill>
@@ -12586,7 +12587,7 @@
               </a:ln>
               <a:extLst>
                 <a:ext uri="{91240B29-F687-4f45-9708-019B960494DF}">
-                  <a14:hiddenLine xmlns="" xmlns:a14="http://schemas.microsoft.com/office/drawing/2010/main" w="9525">
+                  <a14:hiddenLine xmlns:a14="http://schemas.microsoft.com/office/drawing/2010/main" xmlns="" w="9525">
                     <a:solidFill>
                       <a:srgbClr val="000000"/>
                     </a:solidFill>
@@ -12676,7 +12677,7 @@
               </a:ln>
               <a:extLst>
                 <a:ext uri="{91240B29-F687-4f45-9708-019B960494DF}">
-                  <a14:hiddenLine xmlns="" xmlns:a14="http://schemas.microsoft.com/office/drawing/2010/main" w="9525">
+                  <a14:hiddenLine xmlns:a14="http://schemas.microsoft.com/office/drawing/2010/main" xmlns="" w="9525">
                     <a:solidFill>
                       <a:srgbClr val="000000"/>
                     </a:solidFill>
@@ -12744,7 +12745,7 @@
               </a:ln>
               <a:extLst>
                 <a:ext uri="{91240B29-F687-4f45-9708-019B960494DF}">
-                  <a14:hiddenLine xmlns="" xmlns:a14="http://schemas.microsoft.com/office/drawing/2010/main" w="9525">
+                  <a14:hiddenLine xmlns:a14="http://schemas.microsoft.com/office/drawing/2010/main" xmlns="" w="9525">
                     <a:solidFill>
                       <a:srgbClr val="000000"/>
                     </a:solidFill>
@@ -12834,7 +12835,7 @@
               </a:ln>
               <a:extLst>
                 <a:ext uri="{91240B29-F687-4f45-9708-019B960494DF}">
-                  <a14:hiddenLine xmlns="" xmlns:a14="http://schemas.microsoft.com/office/drawing/2010/main" w="9525">
+                  <a14:hiddenLine xmlns:a14="http://schemas.microsoft.com/office/drawing/2010/main" xmlns="" w="9525">
                     <a:solidFill>
                       <a:srgbClr val="000000"/>
                     </a:solidFill>
@@ -12868,7 +12869,7 @@
               </a:ln>
               <a:extLst>
                 <a:ext uri="{91240B29-F687-4f45-9708-019B960494DF}">
-                  <a14:hiddenLine xmlns="" xmlns:a14="http://schemas.microsoft.com/office/drawing/2010/main" w="9525">
+                  <a14:hiddenLine xmlns:a14="http://schemas.microsoft.com/office/drawing/2010/main" xmlns="" w="9525">
                     <a:solidFill>
                       <a:srgbClr val="000000"/>
                     </a:solidFill>
@@ -13008,7 +13009,7 @@
           <a:p>
             <a:fld id="{F34B6E3E-06F4-4326-ABDB-61EE022A2F5F}" type="datetimeFigureOut">
               <a:rPr lang="en-US" smtClean="0"/>
-              <a:t>6/20/2022</a:t>
+              <a:t>6/27/2022</a:t>
             </a:fld>
             <a:endParaRPr lang="en-US"/>
           </a:p>
@@ -13897,13 +13898,13 @@
   <p:clrMapOvr>
     <a:masterClrMapping/>
   </p:clrMapOvr>
-  <mc:AlternateContent xmlns:mc="http://schemas.openxmlformats.org/markup-compatibility/2006">
-    <mc:Choice xmlns:p14="http://schemas.microsoft.com/office/powerpoint/2010/main" Requires="p14">
+  <mc:AlternateContent xmlns:mc="http://schemas.openxmlformats.org/markup-compatibility/2006" xmlns:p14="http://schemas.microsoft.com/office/powerpoint/2010/main">
+    <mc:Choice Requires="p14">
       <p:transition spd="med" p14:dur="700">
         <p:fade/>
       </p:transition>
     </mc:Choice>
-    <mc:Fallback>
+    <mc:Fallback xmlns="">
       <p:transition spd="med">
         <p:fade/>
       </p:transition>
@@ -13913,6 +13914,349 @@
 </file>
 
 <file path=ppt/slides/slide2.xml><?xml version="1.0" encoding="utf-8"?>
+<p:sld xmlns:a="http://schemas.openxmlformats.org/drawingml/2006/main" xmlns:r="http://schemas.openxmlformats.org/officeDocument/2006/relationships" xmlns:p="http://schemas.openxmlformats.org/presentationml/2006/main">
+  <p:cSld>
+    <p:spTree>
+      <p:nvGrpSpPr>
+        <p:cNvPr id="1" name=""/>
+        <p:cNvGrpSpPr/>
+        <p:nvPr/>
+      </p:nvGrpSpPr>
+      <p:grpSpPr>
+        <a:xfrm>
+          <a:off x="0" y="0"/>
+          <a:ext cx="0" cy="0"/>
+          <a:chOff x="0" y="0"/>
+          <a:chExt cx="0" cy="0"/>
+        </a:xfrm>
+      </p:grpSpPr>
+      <p:sp>
+        <p:nvSpPr>
+          <p:cNvPr id="6" name="Title 1">
+            <a:extLst>
+              <a:ext uri="{FF2B5EF4-FFF2-40B4-BE49-F238E27FC236}">
+                <a16:creationId xmlns:a16="http://schemas.microsoft.com/office/drawing/2014/main" id="{8ADB85D9-6475-4DF3-8859-BC8AF9435F79}"/>
+              </a:ext>
+            </a:extLst>
+          </p:cNvPr>
+          <p:cNvSpPr>
+            <a:spLocks noGrp="1"/>
+          </p:cNvSpPr>
+          <p:nvPr>
+            <p:ph type="title"/>
+          </p:nvPr>
+        </p:nvSpPr>
+        <p:spPr>
+          <a:xfrm>
+            <a:off x="1141413" y="1082673"/>
+            <a:ext cx="2869416" cy="4708528"/>
+          </a:xfrm>
+        </p:spPr>
+        <p:txBody>
+          <a:bodyPr vert="horz" lIns="91440" tIns="45720" rIns="91440" bIns="45720" rtlCol="0" anchor="ctr">
+            <a:normAutofit/>
+          </a:bodyPr>
+          <a:lstStyle/>
+          <a:p>
+            <a:pPr algn="r"/>
+            <a:r>
+              <a:rPr lang="en-US" sz="3400" dirty="0"/>
+              <a:t>СЪДЪРЖАНИЕ</a:t>
+            </a:r>
+          </a:p>
+        </p:txBody>
+      </p:sp>
+      <p:sp>
+        <p:nvSpPr>
+          <p:cNvPr id="7" name="TextBox 6">
+            <a:extLst>
+              <a:ext uri="{FF2B5EF4-FFF2-40B4-BE49-F238E27FC236}">
+                <a16:creationId xmlns:a16="http://schemas.microsoft.com/office/drawing/2014/main" id="{C77EDAF1-E0B6-41EA-887B-6F5BF9ED8AAD}"/>
+              </a:ext>
+            </a:extLst>
+          </p:cNvPr>
+          <p:cNvSpPr txBox="1"/>
+          <p:nvPr/>
+        </p:nvSpPr>
+        <p:spPr>
+          <a:xfrm>
+            <a:off x="5297763" y="1082673"/>
+            <a:ext cx="5751237" cy="4708528"/>
+          </a:xfrm>
+          <a:prstGeom prst="rect">
+            <a:avLst/>
+          </a:prstGeom>
+        </p:spPr>
+        <p:txBody>
+          <a:bodyPr vert="horz" lIns="91440" tIns="45720" rIns="91440" bIns="45720" rtlCol="0" anchor="ctr">
+            <a:normAutofit/>
+          </a:bodyPr>
+          <a:lstStyle/>
+          <a:p>
+            <a:pPr marL="342900" indent="-228600">
+              <a:lnSpc>
+                <a:spcPct val="120000"/>
+              </a:lnSpc>
+              <a:spcAft>
+                <a:spcPts val="600"/>
+              </a:spcAft>
+              <a:buSzPct val="125000"/>
+              <a:buFont typeface="Arial" panose="020B0604020202020204" pitchFamily="34" charset="0"/>
+              <a:buChar char="•"/>
+            </a:pPr>
+            <a:r>
+              <a:rPr lang="en-US" sz="2000" dirty="0" err="1"/>
+              <a:t>Наука</a:t>
+            </a:r>
+            <a:r>
+              <a:rPr lang="en-US" sz="2000" dirty="0"/>
+              <a:t>. </a:t>
+            </a:r>
+            <a:r>
+              <a:rPr lang="en-US" sz="2000" dirty="0" err="1"/>
+              <a:t>Основни</a:t>
+            </a:r>
+            <a:r>
+              <a:rPr lang="en-US" sz="2000" dirty="0"/>
+              <a:t> </a:t>
+            </a:r>
+            <a:r>
+              <a:rPr lang="en-US" sz="2000" dirty="0" err="1"/>
+              <a:t>характеристики</a:t>
+            </a:r>
+            <a:r>
+              <a:rPr lang="en-US" sz="2000" dirty="0"/>
+              <a:t>.</a:t>
+            </a:r>
+          </a:p>
+          <a:p>
+            <a:pPr marL="342900" indent="-228600">
+              <a:lnSpc>
+                <a:spcPct val="120000"/>
+              </a:lnSpc>
+              <a:spcAft>
+                <a:spcPts val="600"/>
+              </a:spcAft>
+              <a:buSzPct val="125000"/>
+              <a:buFont typeface="Arial" panose="020B0604020202020204" pitchFamily="34" charset="0"/>
+              <a:buChar char="•"/>
+            </a:pPr>
+            <a:r>
+              <a:rPr lang="en-US" sz="2000" dirty="0" err="1"/>
+              <a:t>Научно</a:t>
+            </a:r>
+            <a:r>
+              <a:rPr lang="en-US" sz="2000" dirty="0"/>
+              <a:t>  </a:t>
+            </a:r>
+            <a:r>
+              <a:rPr lang="en-US" sz="2000" dirty="0" err="1"/>
+              <a:t>знание</a:t>
+            </a:r>
+            <a:br>
+              <a:rPr lang="en-US" sz="2000" dirty="0"/>
+            </a:br>
+            <a:r>
+              <a:rPr lang="en-US" sz="2000" dirty="0"/>
+              <a:t>- </a:t>
+            </a:r>
+            <a:r>
+              <a:rPr lang="en-US" sz="2000" dirty="0" err="1"/>
+              <a:t>Характеристики</a:t>
+            </a:r>
+            <a:r>
+              <a:rPr lang="en-US" sz="2000" dirty="0"/>
+              <a:t> </a:t>
+            </a:r>
+            <a:r>
+              <a:rPr lang="en-US" sz="2000" dirty="0" err="1"/>
+              <a:t>на</a:t>
+            </a:r>
+            <a:r>
+              <a:rPr lang="en-US" sz="2000" dirty="0"/>
+              <a:t> </a:t>
+            </a:r>
+            <a:r>
+              <a:rPr lang="en-US" sz="2000" dirty="0" err="1"/>
+              <a:t>научното</a:t>
+            </a:r>
+            <a:r>
+              <a:rPr lang="en-US" sz="2000" dirty="0"/>
+              <a:t> </a:t>
+            </a:r>
+            <a:r>
+              <a:rPr lang="en-US" sz="2000" dirty="0" err="1"/>
+              <a:t>знание</a:t>
+            </a:r>
+            <a:br>
+              <a:rPr lang="en-US" sz="2000" dirty="0"/>
+            </a:br>
+            <a:r>
+              <a:rPr lang="en-US" sz="2000" dirty="0"/>
+              <a:t>- </a:t>
+            </a:r>
+            <a:r>
+              <a:rPr lang="en-US" sz="2000" dirty="0" err="1"/>
+              <a:t>Цели</a:t>
+            </a:r>
+            <a:r>
+              <a:rPr lang="en-US" sz="2000" dirty="0"/>
+              <a:t> </a:t>
+            </a:r>
+            <a:r>
+              <a:rPr lang="en-US" sz="2000" dirty="0" err="1"/>
+              <a:t>на</a:t>
+            </a:r>
+            <a:r>
+              <a:rPr lang="en-US" sz="2000" dirty="0"/>
+              <a:t> </a:t>
+            </a:r>
+            <a:r>
+              <a:rPr lang="en-US" sz="2000" dirty="0" err="1"/>
+              <a:t>научното</a:t>
+            </a:r>
+            <a:r>
+              <a:rPr lang="en-US" sz="2000" dirty="0"/>
+              <a:t> </a:t>
+            </a:r>
+            <a:r>
+              <a:rPr lang="en-US" sz="2000" dirty="0" err="1"/>
+              <a:t>знание</a:t>
+            </a:r>
+            <a:endParaRPr lang="en-US" sz="2000" dirty="0"/>
+          </a:p>
+          <a:p>
+            <a:pPr marL="342900" indent="-228600">
+              <a:lnSpc>
+                <a:spcPct val="120000"/>
+              </a:lnSpc>
+              <a:spcAft>
+                <a:spcPts val="600"/>
+              </a:spcAft>
+              <a:buSzPct val="125000"/>
+              <a:buFont typeface="Arial" panose="020B0604020202020204" pitchFamily="34" charset="0"/>
+              <a:buChar char="•"/>
+            </a:pPr>
+            <a:r>
+              <a:rPr lang="en-US" sz="2000" dirty="0" err="1"/>
+              <a:t>Характеристика</a:t>
+            </a:r>
+            <a:r>
+              <a:rPr lang="en-US" sz="2000" dirty="0"/>
+              <a:t> </a:t>
+            </a:r>
+            <a:r>
+              <a:rPr lang="en-US" sz="2000" dirty="0" err="1"/>
+              <a:t>на</a:t>
+            </a:r>
+            <a:r>
+              <a:rPr lang="en-US" sz="2000" dirty="0"/>
+              <a:t> </a:t>
+            </a:r>
+            <a:r>
+              <a:rPr lang="en-US" sz="2000" dirty="0" err="1"/>
+              <a:t>фактите</a:t>
+            </a:r>
+            <a:endParaRPr lang="en-US" sz="2000" dirty="0"/>
+          </a:p>
+          <a:p>
+            <a:pPr marL="342900" indent="-228600">
+              <a:lnSpc>
+                <a:spcPct val="120000"/>
+              </a:lnSpc>
+              <a:spcAft>
+                <a:spcPts val="600"/>
+              </a:spcAft>
+              <a:buSzPct val="125000"/>
+              <a:buFont typeface="Arial" panose="020B0604020202020204" pitchFamily="34" charset="0"/>
+              <a:buChar char="•"/>
+            </a:pPr>
+            <a:r>
+              <a:rPr lang="en-US" sz="2000" dirty="0" err="1"/>
+              <a:t>Основи</a:t>
+            </a:r>
+            <a:r>
+              <a:rPr lang="en-US" sz="2000" dirty="0"/>
+              <a:t> </a:t>
+            </a:r>
+            <a:r>
+              <a:rPr lang="en-US" sz="2000" dirty="0" err="1"/>
+              <a:t>на</a:t>
+            </a:r>
+            <a:r>
+              <a:rPr lang="en-US" sz="2000" dirty="0"/>
+              <a:t> </a:t>
+            </a:r>
+            <a:r>
+              <a:rPr lang="en-US" sz="2000" dirty="0" err="1"/>
+              <a:t>научните</a:t>
+            </a:r>
+            <a:r>
+              <a:rPr lang="en-US" sz="2000" dirty="0"/>
+              <a:t> </a:t>
+            </a:r>
+            <a:r>
+              <a:rPr lang="en-US" sz="2000" dirty="0" err="1"/>
+              <a:t>изследвания</a:t>
+            </a:r>
+            <a:endParaRPr lang="en-US" sz="2000" dirty="0"/>
+          </a:p>
+          <a:p>
+            <a:pPr marL="342900" indent="-228600">
+              <a:lnSpc>
+                <a:spcPct val="120000"/>
+              </a:lnSpc>
+              <a:spcAft>
+                <a:spcPts val="600"/>
+              </a:spcAft>
+              <a:buSzPct val="125000"/>
+              <a:buFont typeface="Arial" panose="020B0604020202020204" pitchFamily="34" charset="0"/>
+              <a:buChar char="•"/>
+            </a:pPr>
+            <a:r>
+              <a:rPr lang="en-US" sz="2000" dirty="0" err="1"/>
+              <a:t>Научна</a:t>
+            </a:r>
+            <a:r>
+              <a:rPr lang="en-US" sz="2000" dirty="0"/>
+              <a:t> </a:t>
+            </a:r>
+            <a:r>
+              <a:rPr lang="en-US" sz="2000" dirty="0" err="1"/>
+              <a:t>продукция</a:t>
+            </a:r>
+            <a:endParaRPr lang="en-US" sz="2000" dirty="0"/>
+          </a:p>
+          <a:p>
+            <a:pPr marL="285750" indent="-228600">
+              <a:lnSpc>
+                <a:spcPct val="120000"/>
+              </a:lnSpc>
+              <a:spcAft>
+                <a:spcPts val="600"/>
+              </a:spcAft>
+              <a:buSzPct val="125000"/>
+              <a:buFont typeface="Arial" panose="020B0604020202020204" pitchFamily="34" charset="0"/>
+              <a:buChar char="•"/>
+            </a:pPr>
+            <a:endParaRPr lang="en-US" sz="2000" dirty="0"/>
+          </a:p>
+        </p:txBody>
+      </p:sp>
+    </p:spTree>
+    <p:extLst>
+      <p:ext uri="{BB962C8B-B14F-4D97-AF65-F5344CB8AC3E}">
+        <p14:creationId xmlns:p14="http://schemas.microsoft.com/office/powerpoint/2010/main" val="1707310336"/>
+      </p:ext>
+    </p:extLst>
+  </p:cSld>
+  <p:clrMapOvr>
+    <a:masterClrMapping/>
+  </p:clrMapOvr>
+</p:sld>
+</file>
+
+<file path=ppt/slides/slide3.xml><?xml version="1.0" encoding="utf-8"?>
 <p:sld xmlns:a="http://schemas.openxmlformats.org/drawingml/2006/main" xmlns:r="http://schemas.openxmlformats.org/officeDocument/2006/relationships" xmlns:p="http://schemas.openxmlformats.org/presentationml/2006/main">
   <p:cSld>
     <p:bg>
@@ -14001,7 +14345,7 @@
           <a:noFill/>
           <a:extLst>
             <a:ext uri="{909E8E84-426E-40dd-AFC4-6F175D3DCCD1}">
-              <a14:hiddenFill xmlns="" xmlns:a16="http://schemas.microsoft.com/office/drawing/2014/main" xmlns:a14="http://schemas.microsoft.com/office/drawing/2010/main" xmlns:p14="http://schemas.microsoft.com/office/powerpoint/2010/main">
+              <a14:hiddenFill xmlns:p14="http://schemas.microsoft.com/office/powerpoint/2010/main" xmlns:a14="http://schemas.microsoft.com/office/drawing/2010/main" xmlns:a16="http://schemas.microsoft.com/office/drawing/2014/main" xmlns="">
                 <a:solidFill>
                   <a:srgbClr val="FFFFFF"/>
                 </a:solidFill>
@@ -14093,7 +14437,7 @@
             </a:ln>
             <a:extLst>
               <a:ext uri="{91240B29-F687-4f45-9708-019B960494DF}">
-                <a14:hiddenLine xmlns="" xmlns:a16="http://schemas.microsoft.com/office/drawing/2014/main" xmlns:a14="http://schemas.microsoft.com/office/drawing/2010/main" xmlns:p14="http://schemas.microsoft.com/office/powerpoint/2010/main" w="9525">
+                <a14:hiddenLine xmlns:p14="http://schemas.microsoft.com/office/powerpoint/2010/main" xmlns:a14="http://schemas.microsoft.com/office/drawing/2010/main" xmlns:a16="http://schemas.microsoft.com/office/drawing/2014/main" xmlns="" w="9525">
                   <a:solidFill>
                     <a:srgbClr val="000000"/>
                   </a:solidFill>
@@ -14198,7 +14542,7 @@
             </a:ln>
             <a:extLst>
               <a:ext uri="{91240B29-F687-4f45-9708-019B960494DF}">
-                <a14:hiddenLine xmlns="" xmlns:a16="http://schemas.microsoft.com/office/drawing/2014/main" xmlns:a14="http://schemas.microsoft.com/office/drawing/2010/main" xmlns:p14="http://schemas.microsoft.com/office/powerpoint/2010/main" w="9525">
+                <a14:hiddenLine xmlns:p14="http://schemas.microsoft.com/office/powerpoint/2010/main" xmlns:a14="http://schemas.microsoft.com/office/drawing/2010/main" xmlns:a16="http://schemas.microsoft.com/office/drawing/2014/main" xmlns="" w="9525">
                   <a:solidFill>
                     <a:srgbClr val="000000"/>
                   </a:solidFill>
@@ -14303,7 +14647,7 @@
             </a:ln>
             <a:extLst>
               <a:ext uri="{91240B29-F687-4f45-9708-019B960494DF}">
-                <a14:hiddenLine xmlns="" xmlns:a16="http://schemas.microsoft.com/office/drawing/2014/main" xmlns:a14="http://schemas.microsoft.com/office/drawing/2010/main" xmlns:p14="http://schemas.microsoft.com/office/powerpoint/2010/main" w="9525">
+                <a14:hiddenLine xmlns:p14="http://schemas.microsoft.com/office/powerpoint/2010/main" xmlns:a14="http://schemas.microsoft.com/office/drawing/2010/main" xmlns:a16="http://schemas.microsoft.com/office/drawing/2014/main" xmlns="" w="9525">
                   <a:solidFill>
                     <a:srgbClr val="000000"/>
                   </a:solidFill>
@@ -14352,7 +14696,7 @@
             </a:ln>
             <a:extLst>
               <a:ext uri="{91240B29-F687-4f45-9708-019B960494DF}">
-                <a14:hiddenLine xmlns="" xmlns:a16="http://schemas.microsoft.com/office/drawing/2014/main" xmlns:a14="http://schemas.microsoft.com/office/drawing/2010/main" xmlns:p14="http://schemas.microsoft.com/office/powerpoint/2010/main" w="9525">
+                <a14:hiddenLine xmlns:p14="http://schemas.microsoft.com/office/powerpoint/2010/main" xmlns:a14="http://schemas.microsoft.com/office/drawing/2010/main" xmlns:a16="http://schemas.microsoft.com/office/drawing/2014/main" xmlns="" w="9525">
                   <a:solidFill>
                     <a:srgbClr val="000000"/>
                   </a:solidFill>
@@ -14457,7 +14801,7 @@
             </a:ln>
             <a:extLst>
               <a:ext uri="{91240B29-F687-4f45-9708-019B960494DF}">
-                <a14:hiddenLine xmlns="" xmlns:a16="http://schemas.microsoft.com/office/drawing/2014/main" xmlns:a14="http://schemas.microsoft.com/office/drawing/2010/main" xmlns:p14="http://schemas.microsoft.com/office/powerpoint/2010/main" w="9525">
+                <a14:hiddenLine xmlns:p14="http://schemas.microsoft.com/office/powerpoint/2010/main" xmlns:a14="http://schemas.microsoft.com/office/drawing/2010/main" xmlns:a16="http://schemas.microsoft.com/office/drawing/2014/main" xmlns="" w="9525">
                   <a:solidFill>
                     <a:srgbClr val="000000"/>
                   </a:solidFill>
@@ -14534,7 +14878,7 @@
             </a:ln>
             <a:extLst>
               <a:ext uri="{91240B29-F687-4f45-9708-019B960494DF}">
-                <a14:hiddenLine xmlns="" xmlns:a16="http://schemas.microsoft.com/office/drawing/2014/main" xmlns:a14="http://schemas.microsoft.com/office/drawing/2010/main" xmlns:p14="http://schemas.microsoft.com/office/powerpoint/2010/main" w="9525">
+                <a14:hiddenLine xmlns:p14="http://schemas.microsoft.com/office/powerpoint/2010/main" xmlns:a14="http://schemas.microsoft.com/office/drawing/2010/main" xmlns:a16="http://schemas.microsoft.com/office/drawing/2014/main" xmlns="" w="9525">
                   <a:solidFill>
                     <a:srgbClr val="000000"/>
                   </a:solidFill>
@@ -14611,7 +14955,7 @@
             </a:ln>
             <a:extLst>
               <a:ext uri="{91240B29-F687-4f45-9708-019B960494DF}">
-                <a14:hiddenLine xmlns="" xmlns:a16="http://schemas.microsoft.com/office/drawing/2014/main" xmlns:a14="http://schemas.microsoft.com/office/drawing/2010/main" xmlns:p14="http://schemas.microsoft.com/office/powerpoint/2010/main" w="9525">
+                <a14:hiddenLine xmlns:p14="http://schemas.microsoft.com/office/powerpoint/2010/main" xmlns:a14="http://schemas.microsoft.com/office/drawing/2010/main" xmlns:a16="http://schemas.microsoft.com/office/drawing/2014/main" xmlns="" w="9525">
                   <a:solidFill>
                     <a:srgbClr val="000000"/>
                   </a:solidFill>
@@ -14716,7 +15060,7 @@
             </a:ln>
             <a:extLst>
               <a:ext uri="{91240B29-F687-4f45-9708-019B960494DF}">
-                <a14:hiddenLine xmlns="" xmlns:a16="http://schemas.microsoft.com/office/drawing/2014/main" xmlns:a14="http://schemas.microsoft.com/office/drawing/2010/main" xmlns:p14="http://schemas.microsoft.com/office/powerpoint/2010/main" w="9525">
+                <a14:hiddenLine xmlns:p14="http://schemas.microsoft.com/office/powerpoint/2010/main" xmlns:a14="http://schemas.microsoft.com/office/drawing/2010/main" xmlns:a16="http://schemas.microsoft.com/office/drawing/2014/main" xmlns="" w="9525">
                   <a:solidFill>
                     <a:srgbClr val="000000"/>
                   </a:solidFill>
@@ -14793,7 +15137,7 @@
             </a:ln>
             <a:extLst>
               <a:ext uri="{91240B29-F687-4f45-9708-019B960494DF}">
-                <a14:hiddenLine xmlns="" xmlns:a16="http://schemas.microsoft.com/office/drawing/2014/main" xmlns:a14="http://schemas.microsoft.com/office/drawing/2010/main" xmlns:p14="http://schemas.microsoft.com/office/powerpoint/2010/main" w="9525">
+                <a14:hiddenLine xmlns:p14="http://schemas.microsoft.com/office/powerpoint/2010/main" xmlns:a14="http://schemas.microsoft.com/office/drawing/2010/main" xmlns:a16="http://schemas.microsoft.com/office/drawing/2014/main" xmlns="" w="9525">
                   <a:solidFill>
                     <a:srgbClr val="000000"/>
                   </a:solidFill>
@@ -14870,7 +15214,7 @@
             </a:ln>
             <a:extLst>
               <a:ext uri="{91240B29-F687-4f45-9708-019B960494DF}">
-                <a14:hiddenLine xmlns="" xmlns:a16="http://schemas.microsoft.com/office/drawing/2014/main" xmlns:a14="http://schemas.microsoft.com/office/drawing/2010/main" xmlns:p14="http://schemas.microsoft.com/office/powerpoint/2010/main" w="9525">
+                <a14:hiddenLine xmlns:p14="http://schemas.microsoft.com/office/powerpoint/2010/main" xmlns:a14="http://schemas.microsoft.com/office/drawing/2010/main" xmlns:a16="http://schemas.microsoft.com/office/drawing/2014/main" xmlns="" w="9525">
                   <a:solidFill>
                     <a:srgbClr val="000000"/>
                   </a:solidFill>
@@ -14975,7 +15319,7 @@
             </a:ln>
             <a:extLst>
               <a:ext uri="{91240B29-F687-4f45-9708-019B960494DF}">
-                <a14:hiddenLine xmlns="" xmlns:a16="http://schemas.microsoft.com/office/drawing/2014/main" xmlns:a14="http://schemas.microsoft.com/office/drawing/2010/main" xmlns:p14="http://schemas.microsoft.com/office/powerpoint/2010/main" w="9525">
+                <a14:hiddenLine xmlns:p14="http://schemas.microsoft.com/office/powerpoint/2010/main" xmlns:a14="http://schemas.microsoft.com/office/drawing/2010/main" xmlns:a16="http://schemas.microsoft.com/office/drawing/2014/main" xmlns="" w="9525">
                   <a:solidFill>
                     <a:srgbClr val="000000"/>
                   </a:solidFill>
@@ -15080,7 +15424,7 @@
             </a:ln>
             <a:extLst>
               <a:ext uri="{91240B29-F687-4f45-9708-019B960494DF}">
-                <a14:hiddenLine xmlns="" xmlns:a16="http://schemas.microsoft.com/office/drawing/2014/main" xmlns:a14="http://schemas.microsoft.com/office/drawing/2010/main" xmlns:p14="http://schemas.microsoft.com/office/powerpoint/2010/main" w="9525">
+                <a14:hiddenLine xmlns:p14="http://schemas.microsoft.com/office/powerpoint/2010/main" xmlns:a14="http://schemas.microsoft.com/office/drawing/2010/main" xmlns:a16="http://schemas.microsoft.com/office/drawing/2014/main" xmlns="" w="9525">
                   <a:solidFill>
                     <a:srgbClr val="000000"/>
                   </a:solidFill>
@@ -15157,7 +15501,7 @@
             </a:ln>
             <a:extLst>
               <a:ext uri="{91240B29-F687-4f45-9708-019B960494DF}">
-                <a14:hiddenLine xmlns="" xmlns:a16="http://schemas.microsoft.com/office/drawing/2014/main" xmlns:a14="http://schemas.microsoft.com/office/drawing/2010/main" xmlns:p14="http://schemas.microsoft.com/office/powerpoint/2010/main" w="9525">
+                <a14:hiddenLine xmlns:p14="http://schemas.microsoft.com/office/powerpoint/2010/main" xmlns:a14="http://schemas.microsoft.com/office/drawing/2010/main" xmlns:a16="http://schemas.microsoft.com/office/drawing/2014/main" xmlns="" w="9525">
                   <a:solidFill>
                     <a:srgbClr val="000000"/>
                   </a:solidFill>
@@ -15282,7 +15626,7 @@
             </a:ln>
             <a:extLst>
               <a:ext uri="{91240B29-F687-4f45-9708-019B960494DF}">
-                <a14:hiddenLine xmlns="" xmlns:a16="http://schemas.microsoft.com/office/drawing/2014/main" xmlns:a14="http://schemas.microsoft.com/office/drawing/2010/main" xmlns:p14="http://schemas.microsoft.com/office/powerpoint/2010/main" w="9525">
+                <a14:hiddenLine xmlns:p14="http://schemas.microsoft.com/office/powerpoint/2010/main" xmlns:a14="http://schemas.microsoft.com/office/drawing/2010/main" xmlns:a16="http://schemas.microsoft.com/office/drawing/2014/main" xmlns="" w="9525">
                   <a:solidFill>
                     <a:srgbClr val="000000"/>
                   </a:solidFill>
@@ -15359,7 +15703,7 @@
             </a:ln>
             <a:extLst>
               <a:ext uri="{91240B29-F687-4f45-9708-019B960494DF}">
-                <a14:hiddenLine xmlns="" xmlns:a16="http://schemas.microsoft.com/office/drawing/2014/main" xmlns:a14="http://schemas.microsoft.com/office/drawing/2010/main" xmlns:p14="http://schemas.microsoft.com/office/powerpoint/2010/main" w="9525">
+                <a14:hiddenLine xmlns:p14="http://schemas.microsoft.com/office/powerpoint/2010/main" xmlns:a14="http://schemas.microsoft.com/office/drawing/2010/main" xmlns:a16="http://schemas.microsoft.com/office/drawing/2014/main" xmlns="" w="9525">
                   <a:solidFill>
                     <a:srgbClr val="000000"/>
                   </a:solidFill>
@@ -15464,7 +15808,7 @@
             </a:ln>
             <a:extLst>
               <a:ext uri="{91240B29-F687-4f45-9708-019B960494DF}">
-                <a14:hiddenLine xmlns="" xmlns:a16="http://schemas.microsoft.com/office/drawing/2014/main" xmlns:a14="http://schemas.microsoft.com/office/drawing/2010/main" xmlns:p14="http://schemas.microsoft.com/office/powerpoint/2010/main" w="9525">
+                <a14:hiddenLine xmlns:p14="http://schemas.microsoft.com/office/powerpoint/2010/main" xmlns:a14="http://schemas.microsoft.com/office/drawing/2010/main" xmlns:a16="http://schemas.microsoft.com/office/drawing/2014/main" xmlns="" w="9525">
                   <a:solidFill>
                     <a:srgbClr val="000000"/>
                   </a:solidFill>
@@ -15569,7 +15913,7 @@
             </a:ln>
             <a:extLst>
               <a:ext uri="{91240B29-F687-4f45-9708-019B960494DF}">
-                <a14:hiddenLine xmlns="" xmlns:a16="http://schemas.microsoft.com/office/drawing/2014/main" xmlns:a14="http://schemas.microsoft.com/office/drawing/2010/main" xmlns:p14="http://schemas.microsoft.com/office/powerpoint/2010/main" w="9525">
+                <a14:hiddenLine xmlns:p14="http://schemas.microsoft.com/office/powerpoint/2010/main" xmlns:a14="http://schemas.microsoft.com/office/drawing/2010/main" xmlns:a16="http://schemas.microsoft.com/office/drawing/2014/main" xmlns="" w="9525">
                   <a:solidFill>
                     <a:srgbClr val="000000"/>
                   </a:solidFill>
@@ -15646,7 +15990,7 @@
             </a:ln>
             <a:extLst>
               <a:ext uri="{91240B29-F687-4f45-9708-019B960494DF}">
-                <a14:hiddenLine xmlns="" xmlns:a16="http://schemas.microsoft.com/office/drawing/2014/main" xmlns:a14="http://schemas.microsoft.com/office/drawing/2010/main" xmlns:p14="http://schemas.microsoft.com/office/powerpoint/2010/main" w="9525">
+                <a14:hiddenLine xmlns:p14="http://schemas.microsoft.com/office/powerpoint/2010/main" xmlns:a14="http://schemas.microsoft.com/office/drawing/2010/main" xmlns:a16="http://schemas.microsoft.com/office/drawing/2014/main" xmlns="" w="9525">
                   <a:solidFill>
                     <a:srgbClr val="000000"/>
                   </a:solidFill>
@@ -15751,7 +16095,7 @@
             </a:ln>
             <a:extLst>
               <a:ext uri="{91240B29-F687-4f45-9708-019B960494DF}">
-                <a14:hiddenLine xmlns="" xmlns:a16="http://schemas.microsoft.com/office/drawing/2014/main" xmlns:a14="http://schemas.microsoft.com/office/drawing/2010/main" xmlns:p14="http://schemas.microsoft.com/office/powerpoint/2010/main" w="9525">
+                <a14:hiddenLine xmlns:p14="http://schemas.microsoft.com/office/powerpoint/2010/main" xmlns:a14="http://schemas.microsoft.com/office/drawing/2010/main" xmlns:a16="http://schemas.microsoft.com/office/drawing/2014/main" xmlns="" w="9525">
                   <a:solidFill>
                     <a:srgbClr val="000000"/>
                   </a:solidFill>
@@ -15856,7 +16200,7 @@
             </a:ln>
             <a:extLst>
               <a:ext uri="{91240B29-F687-4f45-9708-019B960494DF}">
-                <a14:hiddenLine xmlns="" xmlns:a16="http://schemas.microsoft.com/office/drawing/2014/main" xmlns:a14="http://schemas.microsoft.com/office/drawing/2010/main" xmlns:p14="http://schemas.microsoft.com/office/powerpoint/2010/main" w="9525">
+                <a14:hiddenLine xmlns:p14="http://schemas.microsoft.com/office/powerpoint/2010/main" xmlns:a14="http://schemas.microsoft.com/office/drawing/2010/main" xmlns:a16="http://schemas.microsoft.com/office/drawing/2014/main" xmlns="" w="9525">
                   <a:solidFill>
                     <a:srgbClr val="000000"/>
                   </a:solidFill>
@@ -15927,7 +16271,7 @@
             </a:ln>
             <a:extLst>
               <a:ext uri="{91240B29-F687-4f45-9708-019B960494DF}">
-                <a14:hiddenLine xmlns="" xmlns:a16="http://schemas.microsoft.com/office/drawing/2014/main" xmlns:a14="http://schemas.microsoft.com/office/drawing/2010/main" xmlns:p14="http://schemas.microsoft.com/office/powerpoint/2010/main" w="9525">
+                <a14:hiddenLine xmlns:p14="http://schemas.microsoft.com/office/powerpoint/2010/main" xmlns:a14="http://schemas.microsoft.com/office/drawing/2010/main" xmlns:a16="http://schemas.microsoft.com/office/drawing/2014/main" xmlns="" w="9525">
                   <a:solidFill>
                     <a:srgbClr val="000000"/>
                   </a:solidFill>
@@ -16032,7 +16376,7 @@
             </a:ln>
             <a:extLst>
               <a:ext uri="{91240B29-F687-4f45-9708-019B960494DF}">
-                <a14:hiddenLine xmlns="" xmlns:a16="http://schemas.microsoft.com/office/drawing/2014/main" xmlns:a14="http://schemas.microsoft.com/office/drawing/2010/main" xmlns:p14="http://schemas.microsoft.com/office/powerpoint/2010/main" w="9525">
+                <a14:hiddenLine xmlns:p14="http://schemas.microsoft.com/office/powerpoint/2010/main" xmlns:a14="http://schemas.microsoft.com/office/drawing/2010/main" xmlns:a16="http://schemas.microsoft.com/office/drawing/2014/main" xmlns="" w="9525">
                   <a:solidFill>
                     <a:srgbClr val="000000"/>
                   </a:solidFill>
@@ -16103,7 +16447,7 @@
             </a:ln>
             <a:extLst>
               <a:ext uri="{91240B29-F687-4f45-9708-019B960494DF}">
-                <a14:hiddenLine xmlns="" xmlns:a16="http://schemas.microsoft.com/office/drawing/2014/main" xmlns:a14="http://schemas.microsoft.com/office/drawing/2010/main" xmlns:p14="http://schemas.microsoft.com/office/powerpoint/2010/main" w="9525">
+                <a14:hiddenLine xmlns:p14="http://schemas.microsoft.com/office/powerpoint/2010/main" xmlns:a14="http://schemas.microsoft.com/office/drawing/2010/main" xmlns:a16="http://schemas.microsoft.com/office/drawing/2014/main" xmlns="" w="9525">
                   <a:solidFill>
                     <a:srgbClr val="000000"/>
                   </a:solidFill>
@@ -16208,7 +16552,7 @@
             </a:ln>
             <a:extLst>
               <a:ext uri="{91240B29-F687-4f45-9708-019B960494DF}">
-                <a14:hiddenLine xmlns="" xmlns:a16="http://schemas.microsoft.com/office/drawing/2014/main" xmlns:a14="http://schemas.microsoft.com/office/drawing/2010/main" xmlns:p14="http://schemas.microsoft.com/office/powerpoint/2010/main" w="9525">
+                <a14:hiddenLine xmlns:p14="http://schemas.microsoft.com/office/powerpoint/2010/main" xmlns:a14="http://schemas.microsoft.com/office/drawing/2010/main" xmlns:a16="http://schemas.microsoft.com/office/drawing/2014/main" xmlns="" w="9525">
                   <a:solidFill>
                     <a:srgbClr val="000000"/>
                   </a:solidFill>
@@ -16291,7 +16635,7 @@
             </a:ln>
             <a:extLst>
               <a:ext uri="{91240B29-F687-4f45-9708-019B960494DF}">
-                <a14:hiddenLine xmlns="" xmlns:a16="http://schemas.microsoft.com/office/drawing/2014/main" xmlns:a14="http://schemas.microsoft.com/office/drawing/2010/main" xmlns:p14="http://schemas.microsoft.com/office/powerpoint/2010/main" w="9525">
+                <a14:hiddenLine xmlns:p14="http://schemas.microsoft.com/office/powerpoint/2010/main" xmlns:a14="http://schemas.microsoft.com/office/drawing/2010/main" xmlns:a16="http://schemas.microsoft.com/office/drawing/2014/main" xmlns="" w="9525">
                   <a:solidFill>
                     <a:srgbClr val="000000"/>
                   </a:solidFill>
@@ -16396,7 +16740,7 @@
             </a:ln>
             <a:extLst>
               <a:ext uri="{91240B29-F687-4f45-9708-019B960494DF}">
-                <a14:hiddenLine xmlns="" xmlns:a16="http://schemas.microsoft.com/office/drawing/2014/main" xmlns:a14="http://schemas.microsoft.com/office/drawing/2010/main" xmlns:p14="http://schemas.microsoft.com/office/powerpoint/2010/main" w="9525">
+                <a14:hiddenLine xmlns:p14="http://schemas.microsoft.com/office/powerpoint/2010/main" xmlns:a14="http://schemas.microsoft.com/office/drawing/2010/main" xmlns:a16="http://schemas.microsoft.com/office/drawing/2014/main" xmlns="" w="9525">
                   <a:solidFill>
                     <a:srgbClr val="000000"/>
                   </a:solidFill>
@@ -16479,7 +16823,7 @@
             </a:ln>
             <a:extLst>
               <a:ext uri="{91240B29-F687-4f45-9708-019B960494DF}">
-                <a14:hiddenLine xmlns="" xmlns:a16="http://schemas.microsoft.com/office/drawing/2014/main" xmlns:a14="http://schemas.microsoft.com/office/drawing/2010/main" xmlns:p14="http://schemas.microsoft.com/office/powerpoint/2010/main" w="9525">
+                <a14:hiddenLine xmlns:p14="http://schemas.microsoft.com/office/powerpoint/2010/main" xmlns:a14="http://schemas.microsoft.com/office/drawing/2010/main" xmlns:a16="http://schemas.microsoft.com/office/drawing/2014/main" xmlns="" w="9525">
                   <a:solidFill>
                     <a:srgbClr val="000000"/>
                   </a:solidFill>
@@ -16584,7 +16928,7 @@
             </a:ln>
             <a:extLst>
               <a:ext uri="{91240B29-F687-4f45-9708-019B960494DF}">
-                <a14:hiddenLine xmlns="" xmlns:a16="http://schemas.microsoft.com/office/drawing/2014/main" xmlns:a14="http://schemas.microsoft.com/office/drawing/2010/main" xmlns:p14="http://schemas.microsoft.com/office/powerpoint/2010/main" w="9525">
+                <a14:hiddenLine xmlns:p14="http://schemas.microsoft.com/office/powerpoint/2010/main" xmlns:a14="http://schemas.microsoft.com/office/drawing/2010/main" xmlns:a16="http://schemas.microsoft.com/office/drawing/2014/main" xmlns="" w="9525">
                   <a:solidFill>
                     <a:srgbClr val="000000"/>
                   </a:solidFill>
@@ -16633,7 +16977,7 @@
             </a:ln>
             <a:extLst>
               <a:ext uri="{91240B29-F687-4f45-9708-019B960494DF}">
-                <a14:hiddenLine xmlns="" xmlns:a16="http://schemas.microsoft.com/office/drawing/2014/main" xmlns:a14="http://schemas.microsoft.com/office/drawing/2010/main" xmlns:p14="http://schemas.microsoft.com/office/powerpoint/2010/main" w="9525">
+                <a14:hiddenLine xmlns:p14="http://schemas.microsoft.com/office/powerpoint/2010/main" xmlns:a14="http://schemas.microsoft.com/office/drawing/2010/main" xmlns:a16="http://schemas.microsoft.com/office/drawing/2014/main" xmlns="" w="9525">
                   <a:solidFill>
                     <a:srgbClr val="000000"/>
                   </a:solidFill>
@@ -16738,7 +17082,7 @@
             </a:ln>
             <a:extLst>
               <a:ext uri="{91240B29-F687-4f45-9708-019B960494DF}">
-                <a14:hiddenLine xmlns="" xmlns:a16="http://schemas.microsoft.com/office/drawing/2014/main" xmlns:a14="http://schemas.microsoft.com/office/drawing/2010/main" xmlns:p14="http://schemas.microsoft.com/office/powerpoint/2010/main" w="9525">
+                <a14:hiddenLine xmlns:p14="http://schemas.microsoft.com/office/powerpoint/2010/main" xmlns:a14="http://schemas.microsoft.com/office/drawing/2010/main" xmlns:a16="http://schemas.microsoft.com/office/drawing/2014/main" xmlns="" w="9525">
                   <a:solidFill>
                     <a:srgbClr val="000000"/>
                   </a:solidFill>
@@ -16815,7 +17159,7 @@
             </a:ln>
             <a:extLst>
               <a:ext uri="{91240B29-F687-4f45-9708-019B960494DF}">
-                <a14:hiddenLine xmlns="" xmlns:a16="http://schemas.microsoft.com/office/drawing/2014/main" xmlns:a14="http://schemas.microsoft.com/office/drawing/2010/main" xmlns:p14="http://schemas.microsoft.com/office/powerpoint/2010/main" w="9525">
+                <a14:hiddenLine xmlns:p14="http://schemas.microsoft.com/office/powerpoint/2010/main" xmlns:a14="http://schemas.microsoft.com/office/drawing/2010/main" xmlns:a16="http://schemas.microsoft.com/office/drawing/2014/main" xmlns="" w="9525">
                   <a:solidFill>
                     <a:srgbClr val="000000"/>
                   </a:solidFill>
@@ -16892,7 +17236,7 @@
             </a:ln>
             <a:extLst>
               <a:ext uri="{91240B29-F687-4f45-9708-019B960494DF}">
-                <a14:hiddenLine xmlns="" xmlns:a16="http://schemas.microsoft.com/office/drawing/2014/main" xmlns:a14="http://schemas.microsoft.com/office/drawing/2010/main" xmlns:p14="http://schemas.microsoft.com/office/powerpoint/2010/main" w="9525">
+                <a14:hiddenLine xmlns:p14="http://schemas.microsoft.com/office/powerpoint/2010/main" xmlns:a14="http://schemas.microsoft.com/office/drawing/2010/main" xmlns:a16="http://schemas.microsoft.com/office/drawing/2014/main" xmlns="" w="9525">
                   <a:solidFill>
                     <a:srgbClr val="000000"/>
                   </a:solidFill>
@@ -16997,7 +17341,7 @@
             </a:ln>
             <a:extLst>
               <a:ext uri="{91240B29-F687-4f45-9708-019B960494DF}">
-                <a14:hiddenLine xmlns="" xmlns:a16="http://schemas.microsoft.com/office/drawing/2014/main" xmlns:a14="http://schemas.microsoft.com/office/drawing/2010/main" xmlns:p14="http://schemas.microsoft.com/office/powerpoint/2010/main" w="9525">
+                <a14:hiddenLine xmlns:p14="http://schemas.microsoft.com/office/powerpoint/2010/main" xmlns:a14="http://schemas.microsoft.com/office/drawing/2010/main" xmlns:a16="http://schemas.microsoft.com/office/drawing/2014/main" xmlns="" w="9525">
                   <a:solidFill>
                     <a:srgbClr val="000000"/>
                   </a:solidFill>
@@ -17080,7 +17424,7 @@
             </a:ln>
             <a:extLst>
               <a:ext uri="{91240B29-F687-4f45-9708-019B960494DF}">
-                <a14:hiddenLine xmlns="" xmlns:a16="http://schemas.microsoft.com/office/drawing/2014/main" xmlns:a14="http://schemas.microsoft.com/office/drawing/2010/main" xmlns:p14="http://schemas.microsoft.com/office/powerpoint/2010/main" w="9525">
+                <a14:hiddenLine xmlns:p14="http://schemas.microsoft.com/office/powerpoint/2010/main" xmlns:a14="http://schemas.microsoft.com/office/drawing/2010/main" xmlns:a16="http://schemas.microsoft.com/office/drawing/2014/main" xmlns="" w="9525">
                   <a:solidFill>
                     <a:srgbClr val="000000"/>
                   </a:solidFill>
@@ -17157,7 +17501,7 @@
             </a:ln>
             <a:extLst>
               <a:ext uri="{91240B29-F687-4f45-9708-019B960494DF}">
-                <a14:hiddenLine xmlns="" xmlns:a16="http://schemas.microsoft.com/office/drawing/2014/main" xmlns:a14="http://schemas.microsoft.com/office/drawing/2010/main" xmlns:p14="http://schemas.microsoft.com/office/powerpoint/2010/main" w="9525">
+                <a14:hiddenLine xmlns:p14="http://schemas.microsoft.com/office/powerpoint/2010/main" xmlns:a14="http://schemas.microsoft.com/office/drawing/2010/main" xmlns:a16="http://schemas.microsoft.com/office/drawing/2014/main" xmlns="" w="9525">
                   <a:solidFill>
                     <a:srgbClr val="000000"/>
                   </a:solidFill>
@@ -17262,7 +17606,7 @@
             </a:ln>
             <a:extLst>
               <a:ext uri="{91240B29-F687-4f45-9708-019B960494DF}">
-                <a14:hiddenLine xmlns="" xmlns:a16="http://schemas.microsoft.com/office/drawing/2014/main" xmlns:a14="http://schemas.microsoft.com/office/drawing/2010/main" xmlns:p14="http://schemas.microsoft.com/office/powerpoint/2010/main" w="9525">
+                <a14:hiddenLine xmlns:p14="http://schemas.microsoft.com/office/powerpoint/2010/main" xmlns:a14="http://schemas.microsoft.com/office/drawing/2010/main" xmlns:a16="http://schemas.microsoft.com/office/drawing/2014/main" xmlns="" w="9525">
                   <a:solidFill>
                     <a:srgbClr val="000000"/>
                   </a:solidFill>
@@ -17339,7 +17683,7 @@
             </a:ln>
             <a:extLst>
               <a:ext uri="{91240B29-F687-4f45-9708-019B960494DF}">
-                <a14:hiddenLine xmlns="" xmlns:a16="http://schemas.microsoft.com/office/drawing/2014/main" xmlns:a14="http://schemas.microsoft.com/office/drawing/2010/main" xmlns:p14="http://schemas.microsoft.com/office/powerpoint/2010/main" w="9525">
+                <a14:hiddenLine xmlns:p14="http://schemas.microsoft.com/office/powerpoint/2010/main" xmlns:a14="http://schemas.microsoft.com/office/drawing/2010/main" xmlns:a16="http://schemas.microsoft.com/office/drawing/2014/main" xmlns="" w="9525">
                   <a:solidFill>
                     <a:srgbClr val="000000"/>
                   </a:solidFill>
@@ -17444,7 +17788,7 @@
             </a:ln>
             <a:extLst>
               <a:ext uri="{91240B29-F687-4f45-9708-019B960494DF}">
-                <a14:hiddenLine xmlns="" xmlns:a16="http://schemas.microsoft.com/office/drawing/2014/main" xmlns:a14="http://schemas.microsoft.com/office/drawing/2010/main" xmlns:p14="http://schemas.microsoft.com/office/powerpoint/2010/main" w="9525">
+                <a14:hiddenLine xmlns:p14="http://schemas.microsoft.com/office/powerpoint/2010/main" xmlns:a14="http://schemas.microsoft.com/office/drawing/2010/main" xmlns:a16="http://schemas.microsoft.com/office/drawing/2014/main" xmlns="" w="9525">
                   <a:solidFill>
                     <a:srgbClr val="000000"/>
                   </a:solidFill>
@@ -17521,7 +17865,7 @@
             </a:ln>
             <a:extLst>
               <a:ext uri="{91240B29-F687-4f45-9708-019B960494DF}">
-                <a14:hiddenLine xmlns="" xmlns:a16="http://schemas.microsoft.com/office/drawing/2014/main" xmlns:a14="http://schemas.microsoft.com/office/drawing/2010/main" xmlns:p14="http://schemas.microsoft.com/office/powerpoint/2010/main" w="9525">
+                <a14:hiddenLine xmlns:p14="http://schemas.microsoft.com/office/powerpoint/2010/main" xmlns:a14="http://schemas.microsoft.com/office/drawing/2010/main" xmlns:a16="http://schemas.microsoft.com/office/drawing/2014/main" xmlns="" w="9525">
                   <a:solidFill>
                     <a:srgbClr val="000000"/>
                   </a:solidFill>
@@ -17626,7 +17970,7 @@
             </a:ln>
             <a:extLst>
               <a:ext uri="{91240B29-F687-4f45-9708-019B960494DF}">
-                <a14:hiddenLine xmlns="" xmlns:a16="http://schemas.microsoft.com/office/drawing/2014/main" xmlns:a14="http://schemas.microsoft.com/office/drawing/2010/main" xmlns:p14="http://schemas.microsoft.com/office/powerpoint/2010/main" w="9525">
+                <a14:hiddenLine xmlns:p14="http://schemas.microsoft.com/office/powerpoint/2010/main" xmlns:a14="http://schemas.microsoft.com/office/drawing/2010/main" xmlns:a16="http://schemas.microsoft.com/office/drawing/2014/main" xmlns="" w="9525">
                   <a:solidFill>
                     <a:srgbClr val="000000"/>
                   </a:solidFill>
@@ -17675,7 +18019,7 @@
             </a:ln>
             <a:extLst>
               <a:ext uri="{91240B29-F687-4f45-9708-019B960494DF}">
-                <a14:hiddenLine xmlns="" xmlns:a16="http://schemas.microsoft.com/office/drawing/2014/main" xmlns:a14="http://schemas.microsoft.com/office/drawing/2010/main" xmlns:p14="http://schemas.microsoft.com/office/powerpoint/2010/main" w="9525">
+                <a14:hiddenLine xmlns:p14="http://schemas.microsoft.com/office/powerpoint/2010/main" xmlns:a14="http://schemas.microsoft.com/office/drawing/2010/main" xmlns:a16="http://schemas.microsoft.com/office/drawing/2014/main" xmlns="" w="9525">
                   <a:solidFill>
                     <a:srgbClr val="000000"/>
                   </a:solidFill>
@@ -17755,7 +18099,7 @@
             </a:ln>
             <a:extLst>
               <a:ext uri="{91240B29-F687-4f45-9708-019B960494DF}">
-                <a14:hiddenLine xmlns="" xmlns:a16="http://schemas.microsoft.com/office/drawing/2014/main" xmlns:a14="http://schemas.microsoft.com/office/drawing/2010/main" xmlns:p14="http://schemas.microsoft.com/office/powerpoint/2010/main" w="9525">
+                <a14:hiddenLine xmlns:p14="http://schemas.microsoft.com/office/powerpoint/2010/main" xmlns:a14="http://schemas.microsoft.com/office/drawing/2010/main" xmlns:a16="http://schemas.microsoft.com/office/drawing/2014/main" xmlns="" w="9525">
                   <a:solidFill>
                     <a:srgbClr val="000000"/>
                   </a:solidFill>
@@ -17860,7 +18204,7 @@
             </a:ln>
             <a:extLst>
               <a:ext uri="{91240B29-F687-4f45-9708-019B960494DF}">
-                <a14:hiddenLine xmlns="" xmlns:a16="http://schemas.microsoft.com/office/drawing/2014/main" xmlns:a14="http://schemas.microsoft.com/office/drawing/2010/main" xmlns:p14="http://schemas.microsoft.com/office/powerpoint/2010/main" w="9525">
+                <a14:hiddenLine xmlns:p14="http://schemas.microsoft.com/office/powerpoint/2010/main" xmlns:a14="http://schemas.microsoft.com/office/drawing/2010/main" xmlns:a16="http://schemas.microsoft.com/office/drawing/2014/main" xmlns="" w="9525">
                   <a:solidFill>
                     <a:srgbClr val="000000"/>
                   </a:solidFill>
@@ -17937,7 +18281,7 @@
             </a:ln>
             <a:extLst>
               <a:ext uri="{91240B29-F687-4f45-9708-019B960494DF}">
-                <a14:hiddenLine xmlns="" xmlns:a16="http://schemas.microsoft.com/office/drawing/2014/main" xmlns:a14="http://schemas.microsoft.com/office/drawing/2010/main" xmlns:p14="http://schemas.microsoft.com/office/powerpoint/2010/main" w="9525">
+                <a14:hiddenLine xmlns:p14="http://schemas.microsoft.com/office/powerpoint/2010/main" xmlns:a14="http://schemas.microsoft.com/office/drawing/2010/main" xmlns:a16="http://schemas.microsoft.com/office/drawing/2014/main" xmlns="" w="9525">
                   <a:solidFill>
                     <a:srgbClr val="000000"/>
                   </a:solidFill>
@@ -18042,7 +18386,7 @@
             </a:ln>
             <a:extLst>
               <a:ext uri="{91240B29-F687-4f45-9708-019B960494DF}">
-                <a14:hiddenLine xmlns="" xmlns:a16="http://schemas.microsoft.com/office/drawing/2014/main" xmlns:a14="http://schemas.microsoft.com/office/drawing/2010/main" xmlns:p14="http://schemas.microsoft.com/office/powerpoint/2010/main" w="9525">
+                <a14:hiddenLine xmlns:p14="http://schemas.microsoft.com/office/powerpoint/2010/main" xmlns:a14="http://schemas.microsoft.com/office/drawing/2010/main" xmlns:a16="http://schemas.microsoft.com/office/drawing/2014/main" xmlns="" w="9525">
                   <a:solidFill>
                     <a:srgbClr val="000000"/>
                   </a:solidFill>
@@ -18147,7 +18491,7 @@
             </a:ln>
             <a:extLst>
               <a:ext uri="{91240B29-F687-4f45-9708-019B960494DF}">
-                <a14:hiddenLine xmlns="" xmlns:a16="http://schemas.microsoft.com/office/drawing/2014/main" xmlns:a14="http://schemas.microsoft.com/office/drawing/2010/main" xmlns:p14="http://schemas.microsoft.com/office/powerpoint/2010/main" w="9525">
+                <a14:hiddenLine xmlns:p14="http://schemas.microsoft.com/office/powerpoint/2010/main" xmlns:a14="http://schemas.microsoft.com/office/drawing/2010/main" xmlns:a16="http://schemas.microsoft.com/office/drawing/2014/main" xmlns="" w="9525">
                   <a:solidFill>
                     <a:srgbClr val="000000"/>
                   </a:solidFill>
@@ -18227,7 +18571,7 @@
             </a:ln>
             <a:extLst>
               <a:ext uri="{91240B29-F687-4f45-9708-019B960494DF}">
-                <a14:hiddenLine xmlns="" xmlns:a16="http://schemas.microsoft.com/office/drawing/2014/main" xmlns:a14="http://schemas.microsoft.com/office/drawing/2010/main" xmlns:p14="http://schemas.microsoft.com/office/powerpoint/2010/main" w="9525">
+                <a14:hiddenLine xmlns:p14="http://schemas.microsoft.com/office/powerpoint/2010/main" xmlns:a14="http://schemas.microsoft.com/office/drawing/2010/main" xmlns:a16="http://schemas.microsoft.com/office/drawing/2014/main" xmlns="" w="9525">
                   <a:solidFill>
                     <a:srgbClr val="000000"/>
                   </a:solidFill>
@@ -18304,7 +18648,7 @@
             </a:ln>
             <a:extLst>
               <a:ext uri="{91240B29-F687-4f45-9708-019B960494DF}">
-                <a14:hiddenLine xmlns="" xmlns:a16="http://schemas.microsoft.com/office/drawing/2014/main" xmlns:a14="http://schemas.microsoft.com/office/drawing/2010/main" xmlns:p14="http://schemas.microsoft.com/office/powerpoint/2010/main" w="9525">
+                <a14:hiddenLine xmlns:p14="http://schemas.microsoft.com/office/powerpoint/2010/main" xmlns:a14="http://schemas.microsoft.com/office/drawing/2010/main" xmlns:a16="http://schemas.microsoft.com/office/drawing/2014/main" xmlns="" w="9525">
                   <a:solidFill>
                     <a:srgbClr val="000000"/>
                   </a:solidFill>
@@ -18409,7 +18753,7 @@
             </a:ln>
             <a:extLst>
               <a:ext uri="{91240B29-F687-4f45-9708-019B960494DF}">
-                <a14:hiddenLine xmlns="" xmlns:a16="http://schemas.microsoft.com/office/drawing/2014/main" xmlns:a14="http://schemas.microsoft.com/office/drawing/2010/main" xmlns:p14="http://schemas.microsoft.com/office/powerpoint/2010/main" w="9525">
+                <a14:hiddenLine xmlns:p14="http://schemas.microsoft.com/office/powerpoint/2010/main" xmlns:a14="http://schemas.microsoft.com/office/drawing/2010/main" xmlns:a16="http://schemas.microsoft.com/office/drawing/2014/main" xmlns="" w="9525">
                   <a:solidFill>
                     <a:srgbClr val="000000"/>
                   </a:solidFill>
@@ -18514,7 +18858,7 @@
             </a:ln>
             <a:extLst>
               <a:ext uri="{91240B29-F687-4f45-9708-019B960494DF}">
-                <a14:hiddenLine xmlns="" xmlns:a16="http://schemas.microsoft.com/office/drawing/2014/main" xmlns:a14="http://schemas.microsoft.com/office/drawing/2010/main" xmlns:p14="http://schemas.microsoft.com/office/powerpoint/2010/main" w="9525">
+                <a14:hiddenLine xmlns:p14="http://schemas.microsoft.com/office/powerpoint/2010/main" xmlns:a14="http://schemas.microsoft.com/office/drawing/2010/main" xmlns:a16="http://schemas.microsoft.com/office/drawing/2014/main" xmlns="" w="9525">
                   <a:solidFill>
                     <a:srgbClr val="000000"/>
                   </a:solidFill>
@@ -18591,7 +18935,7 @@
             </a:ln>
             <a:extLst>
               <a:ext uri="{91240B29-F687-4f45-9708-019B960494DF}">
-                <a14:hiddenLine xmlns="" xmlns:a16="http://schemas.microsoft.com/office/drawing/2014/main" xmlns:a14="http://schemas.microsoft.com/office/drawing/2010/main" xmlns:p14="http://schemas.microsoft.com/office/powerpoint/2010/main" w="9525">
+                <a14:hiddenLine xmlns:p14="http://schemas.microsoft.com/office/powerpoint/2010/main" xmlns:a14="http://schemas.microsoft.com/office/drawing/2010/main" xmlns:a16="http://schemas.microsoft.com/office/drawing/2014/main" xmlns="" w="9525">
                   <a:solidFill>
                     <a:srgbClr val="000000"/>
                   </a:solidFill>
@@ -18726,7 +19070,7 @@
             </a:ln>
             <a:extLst>
               <a:ext uri="{91240B29-F687-4f45-9708-019B960494DF}">
-                <a14:hiddenLine xmlns="" xmlns:a16="http://schemas.microsoft.com/office/drawing/2014/main" xmlns:a14="http://schemas.microsoft.com/office/drawing/2010/main" xmlns:p14="http://schemas.microsoft.com/office/powerpoint/2010/main" w="9525">
+                <a14:hiddenLine xmlns:p14="http://schemas.microsoft.com/office/powerpoint/2010/main" xmlns:a14="http://schemas.microsoft.com/office/drawing/2010/main" xmlns:a16="http://schemas.microsoft.com/office/drawing/2014/main" xmlns="" w="9525">
                   <a:solidFill>
                     <a:srgbClr val="000000"/>
                   </a:solidFill>
@@ -18809,7 +19153,7 @@
             </a:ln>
             <a:extLst>
               <a:ext uri="{91240B29-F687-4f45-9708-019B960494DF}">
-                <a14:hiddenLine xmlns="" xmlns:a16="http://schemas.microsoft.com/office/drawing/2014/main" xmlns:a14="http://schemas.microsoft.com/office/drawing/2010/main" xmlns:p14="http://schemas.microsoft.com/office/powerpoint/2010/main" w="9525">
+                <a14:hiddenLine xmlns:p14="http://schemas.microsoft.com/office/powerpoint/2010/main" xmlns:a14="http://schemas.microsoft.com/office/drawing/2010/main" xmlns:a16="http://schemas.microsoft.com/office/drawing/2014/main" xmlns="" w="9525">
                   <a:solidFill>
                     <a:srgbClr val="000000"/>
                   </a:solidFill>
@@ -18914,7 +19258,7 @@
             </a:ln>
             <a:extLst>
               <a:ext uri="{91240B29-F687-4f45-9708-019B960494DF}">
-                <a14:hiddenLine xmlns="" xmlns:a16="http://schemas.microsoft.com/office/drawing/2014/main" xmlns:a14="http://schemas.microsoft.com/office/drawing/2010/main" xmlns:p14="http://schemas.microsoft.com/office/powerpoint/2010/main" w="9525">
+                <a14:hiddenLine xmlns:p14="http://schemas.microsoft.com/office/powerpoint/2010/main" xmlns:a14="http://schemas.microsoft.com/office/drawing/2010/main" xmlns:a16="http://schemas.microsoft.com/office/drawing/2014/main" xmlns="" w="9525">
                   <a:solidFill>
                     <a:srgbClr val="000000"/>
                   </a:solidFill>
@@ -19542,13 +19886,13 @@
   <p:clrMapOvr>
     <a:masterClrMapping/>
   </p:clrMapOvr>
-  <mc:AlternateContent xmlns:mc="http://schemas.openxmlformats.org/markup-compatibility/2006">
-    <mc:Choice xmlns:p14="http://schemas.microsoft.com/office/powerpoint/2010/main" Requires="p14">
+  <mc:AlternateContent xmlns:mc="http://schemas.openxmlformats.org/markup-compatibility/2006" xmlns:p14="http://schemas.microsoft.com/office/powerpoint/2010/main">
+    <mc:Choice Requires="p14">
       <p:transition spd="med" p14:dur="700">
         <p:fade/>
       </p:transition>
     </mc:Choice>
-    <mc:Fallback>
+    <mc:Fallback xmlns="">
       <p:transition spd="med">
         <p:fade/>
       </p:transition>
@@ -19557,7 +19901,7 @@
 </p:sld>
 </file>
 
-<file path=ppt/slides/slide3.xml><?xml version="1.0" encoding="utf-8"?>
+<file path=ppt/slides/slide4.xml><?xml version="1.0" encoding="utf-8"?>
 <p:sld xmlns:a="http://schemas.openxmlformats.org/drawingml/2006/main" xmlns:r="http://schemas.openxmlformats.org/officeDocument/2006/relationships" xmlns:p="http://schemas.openxmlformats.org/presentationml/2006/main">
   <p:cSld>
     <p:bg>
@@ -19754,7 +20098,7 @@
               </a:ln>
               <a:extLst>
                 <a:ext uri="{91240B29-F687-4f45-9708-019B960494DF}">
-                  <a14:hiddenLine xmlns="" xmlns:a16="http://schemas.microsoft.com/office/drawing/2014/main" xmlns:p14="http://schemas.microsoft.com/office/powerpoint/2010/main" xmlns:a14="http://schemas.microsoft.com/office/drawing/2010/main" w="9525">
+                  <a14:hiddenLine xmlns:a14="http://schemas.microsoft.com/office/drawing/2010/main" xmlns:p14="http://schemas.microsoft.com/office/powerpoint/2010/main" xmlns:a16="http://schemas.microsoft.com/office/drawing/2014/main" xmlns="" w="9525">
                     <a:solidFill>
                       <a:srgbClr val="000000"/>
                     </a:solidFill>
@@ -19859,7 +20203,7 @@
               </a:ln>
               <a:extLst>
                 <a:ext uri="{91240B29-F687-4f45-9708-019B960494DF}">
-                  <a14:hiddenLine xmlns="" xmlns:a16="http://schemas.microsoft.com/office/drawing/2014/main" xmlns:p14="http://schemas.microsoft.com/office/powerpoint/2010/main" xmlns:a14="http://schemas.microsoft.com/office/drawing/2010/main" w="9525">
+                  <a14:hiddenLine xmlns:a14="http://schemas.microsoft.com/office/drawing/2010/main" xmlns:p14="http://schemas.microsoft.com/office/powerpoint/2010/main" xmlns:a16="http://schemas.microsoft.com/office/drawing/2014/main" xmlns="" w="9525">
                     <a:solidFill>
                       <a:srgbClr val="000000"/>
                     </a:solidFill>
@@ -19964,7 +20308,7 @@
               </a:ln>
               <a:extLst>
                 <a:ext uri="{91240B29-F687-4f45-9708-019B960494DF}">
-                  <a14:hiddenLine xmlns="" xmlns:a16="http://schemas.microsoft.com/office/drawing/2014/main" xmlns:p14="http://schemas.microsoft.com/office/powerpoint/2010/main" xmlns:a14="http://schemas.microsoft.com/office/drawing/2010/main" w="9525">
+                  <a14:hiddenLine xmlns:a14="http://schemas.microsoft.com/office/drawing/2010/main" xmlns:p14="http://schemas.microsoft.com/office/powerpoint/2010/main" xmlns:a16="http://schemas.microsoft.com/office/drawing/2014/main" xmlns="" w="9525">
                     <a:solidFill>
                       <a:srgbClr val="000000"/>
                     </a:solidFill>
@@ -20041,7 +20385,7 @@
               </a:ln>
               <a:extLst>
                 <a:ext uri="{91240B29-F687-4f45-9708-019B960494DF}">
-                  <a14:hiddenLine xmlns="" xmlns:a16="http://schemas.microsoft.com/office/drawing/2014/main" xmlns:p14="http://schemas.microsoft.com/office/powerpoint/2010/main" xmlns:a14="http://schemas.microsoft.com/office/drawing/2010/main" w="9525">
+                  <a14:hiddenLine xmlns:a14="http://schemas.microsoft.com/office/drawing/2010/main" xmlns:p14="http://schemas.microsoft.com/office/powerpoint/2010/main" xmlns:a16="http://schemas.microsoft.com/office/drawing/2014/main" xmlns="" w="9525">
                     <a:solidFill>
                       <a:srgbClr val="000000"/>
                     </a:solidFill>
@@ -20146,7 +20490,7 @@
               </a:ln>
               <a:extLst>
                 <a:ext uri="{91240B29-F687-4f45-9708-019B960494DF}">
-                  <a14:hiddenLine xmlns="" xmlns:a16="http://schemas.microsoft.com/office/drawing/2014/main" xmlns:p14="http://schemas.microsoft.com/office/powerpoint/2010/main" xmlns:a14="http://schemas.microsoft.com/office/drawing/2010/main" w="9525">
+                  <a14:hiddenLine xmlns:a14="http://schemas.microsoft.com/office/drawing/2010/main" xmlns:p14="http://schemas.microsoft.com/office/powerpoint/2010/main" xmlns:a16="http://schemas.microsoft.com/office/drawing/2014/main" xmlns="" w="9525">
                     <a:solidFill>
                       <a:srgbClr val="000000"/>
                     </a:solidFill>
@@ -20223,7 +20567,7 @@
               </a:ln>
               <a:extLst>
                 <a:ext uri="{91240B29-F687-4f45-9708-019B960494DF}">
-                  <a14:hiddenLine xmlns="" xmlns:a16="http://schemas.microsoft.com/office/drawing/2014/main" xmlns:p14="http://schemas.microsoft.com/office/powerpoint/2010/main" xmlns:a14="http://schemas.microsoft.com/office/drawing/2010/main" w="9525">
+                  <a14:hiddenLine xmlns:a14="http://schemas.microsoft.com/office/drawing/2010/main" xmlns:p14="http://schemas.microsoft.com/office/powerpoint/2010/main" xmlns:a16="http://schemas.microsoft.com/office/drawing/2014/main" xmlns="" w="9525">
                     <a:solidFill>
                       <a:srgbClr val="000000"/>
                     </a:solidFill>
@@ -20300,7 +20644,7 @@
               </a:ln>
               <a:extLst>
                 <a:ext uri="{91240B29-F687-4f45-9708-019B960494DF}">
-                  <a14:hiddenLine xmlns="" xmlns:a16="http://schemas.microsoft.com/office/drawing/2014/main" xmlns:p14="http://schemas.microsoft.com/office/powerpoint/2010/main" xmlns:a14="http://schemas.microsoft.com/office/drawing/2010/main" w="9525">
+                  <a14:hiddenLine xmlns:a14="http://schemas.microsoft.com/office/drawing/2010/main" xmlns:p14="http://schemas.microsoft.com/office/powerpoint/2010/main" xmlns:a16="http://schemas.microsoft.com/office/drawing/2014/main" xmlns="" w="9525">
                     <a:solidFill>
                       <a:srgbClr val="000000"/>
                     </a:solidFill>
@@ -20405,7 +20749,7 @@
               </a:ln>
               <a:extLst>
                 <a:ext uri="{91240B29-F687-4f45-9708-019B960494DF}">
-                  <a14:hiddenLine xmlns="" xmlns:a16="http://schemas.microsoft.com/office/drawing/2014/main" xmlns:p14="http://schemas.microsoft.com/office/powerpoint/2010/main" xmlns:a14="http://schemas.microsoft.com/office/drawing/2010/main" w="9525">
+                  <a14:hiddenLine xmlns:a14="http://schemas.microsoft.com/office/drawing/2010/main" xmlns:p14="http://schemas.microsoft.com/office/powerpoint/2010/main" xmlns:a16="http://schemas.microsoft.com/office/drawing/2014/main" xmlns="" w="9525">
                     <a:solidFill>
                       <a:srgbClr val="000000"/>
                     </a:solidFill>
@@ -20510,7 +20854,7 @@
               </a:ln>
               <a:extLst>
                 <a:ext uri="{91240B29-F687-4f45-9708-019B960494DF}">
-                  <a14:hiddenLine xmlns="" xmlns:a16="http://schemas.microsoft.com/office/drawing/2014/main" xmlns:p14="http://schemas.microsoft.com/office/powerpoint/2010/main" xmlns:a14="http://schemas.microsoft.com/office/drawing/2010/main" w="9525">
+                  <a14:hiddenLine xmlns:a14="http://schemas.microsoft.com/office/drawing/2010/main" xmlns:p14="http://schemas.microsoft.com/office/powerpoint/2010/main" xmlns:a16="http://schemas.microsoft.com/office/drawing/2014/main" xmlns="" w="9525">
                     <a:solidFill>
                       <a:srgbClr val="000000"/>
                     </a:solidFill>
@@ -20587,7 +20931,7 @@
               </a:ln>
               <a:extLst>
                 <a:ext uri="{91240B29-F687-4f45-9708-019B960494DF}">
-                  <a14:hiddenLine xmlns="" xmlns:a16="http://schemas.microsoft.com/office/drawing/2014/main" xmlns:p14="http://schemas.microsoft.com/office/powerpoint/2010/main" xmlns:a14="http://schemas.microsoft.com/office/drawing/2010/main" w="9525">
+                  <a14:hiddenLine xmlns:a14="http://schemas.microsoft.com/office/drawing/2010/main" xmlns:p14="http://schemas.microsoft.com/office/powerpoint/2010/main" xmlns:a16="http://schemas.microsoft.com/office/drawing/2014/main" xmlns="" w="9525">
                     <a:solidFill>
                       <a:srgbClr val="000000"/>
                     </a:solidFill>
@@ -20712,7 +21056,7 @@
               </a:ln>
               <a:extLst>
                 <a:ext uri="{91240B29-F687-4f45-9708-019B960494DF}">
-                  <a14:hiddenLine xmlns="" xmlns:a16="http://schemas.microsoft.com/office/drawing/2014/main" xmlns:p14="http://schemas.microsoft.com/office/powerpoint/2010/main" xmlns:a14="http://schemas.microsoft.com/office/drawing/2010/main" w="9525">
+                  <a14:hiddenLine xmlns:a14="http://schemas.microsoft.com/office/drawing/2010/main" xmlns:p14="http://schemas.microsoft.com/office/powerpoint/2010/main" xmlns:a16="http://schemas.microsoft.com/office/drawing/2014/main" xmlns="" w="9525">
                     <a:solidFill>
                       <a:srgbClr val="000000"/>
                     </a:solidFill>
@@ -20826,7 +21170,7 @@
               </a:ln>
               <a:extLst>
                 <a:ext uri="{91240B29-F687-4f45-9708-019B960494DF}">
-                  <a14:hiddenLine xmlns="" xmlns:a16="http://schemas.microsoft.com/office/drawing/2014/main" xmlns:p14="http://schemas.microsoft.com/office/powerpoint/2010/main" xmlns:a14="http://schemas.microsoft.com/office/drawing/2010/main" w="9525">
+                  <a14:hiddenLine xmlns:a14="http://schemas.microsoft.com/office/drawing/2010/main" xmlns:p14="http://schemas.microsoft.com/office/powerpoint/2010/main" xmlns:a16="http://schemas.microsoft.com/office/drawing/2014/main" xmlns="" w="9525">
                     <a:solidFill>
                       <a:srgbClr val="000000"/>
                     </a:solidFill>
@@ -20903,7 +21247,7 @@
               </a:ln>
               <a:extLst>
                 <a:ext uri="{91240B29-F687-4f45-9708-019B960494DF}">
-                  <a14:hiddenLine xmlns="" xmlns:a16="http://schemas.microsoft.com/office/drawing/2014/main" xmlns:p14="http://schemas.microsoft.com/office/powerpoint/2010/main" xmlns:a14="http://schemas.microsoft.com/office/drawing/2010/main" w="9525">
+                  <a14:hiddenLine xmlns:a14="http://schemas.microsoft.com/office/drawing/2010/main" xmlns:p14="http://schemas.microsoft.com/office/powerpoint/2010/main" xmlns:a16="http://schemas.microsoft.com/office/drawing/2014/main" xmlns="" w="9525">
                     <a:solidFill>
                       <a:srgbClr val="000000"/>
                     </a:solidFill>
@@ -20980,7 +21324,7 @@
               </a:ln>
               <a:extLst>
                 <a:ext uri="{91240B29-F687-4f45-9708-019B960494DF}">
-                  <a14:hiddenLine xmlns="" xmlns:a16="http://schemas.microsoft.com/office/drawing/2014/main" xmlns:p14="http://schemas.microsoft.com/office/powerpoint/2010/main" xmlns:a14="http://schemas.microsoft.com/office/drawing/2010/main" w="9525">
+                  <a14:hiddenLine xmlns:a14="http://schemas.microsoft.com/office/drawing/2010/main" xmlns:p14="http://schemas.microsoft.com/office/powerpoint/2010/main" xmlns:a16="http://schemas.microsoft.com/office/drawing/2014/main" xmlns="" w="9525">
                     <a:solidFill>
                       <a:srgbClr val="000000"/>
                     </a:solidFill>
@@ -21085,7 +21429,7 @@
               </a:ln>
               <a:extLst>
                 <a:ext uri="{91240B29-F687-4f45-9708-019B960494DF}">
-                  <a14:hiddenLine xmlns="" xmlns:a16="http://schemas.microsoft.com/office/drawing/2014/main" xmlns:p14="http://schemas.microsoft.com/office/powerpoint/2010/main" xmlns:a14="http://schemas.microsoft.com/office/drawing/2010/main" w="9525">
+                  <a14:hiddenLine xmlns:a14="http://schemas.microsoft.com/office/drawing/2010/main" xmlns:p14="http://schemas.microsoft.com/office/powerpoint/2010/main" xmlns:a16="http://schemas.microsoft.com/office/drawing/2014/main" xmlns="" w="9525">
                     <a:solidFill>
                       <a:srgbClr val="000000"/>
                     </a:solidFill>
@@ -21134,7 +21478,7 @@
               </a:ln>
               <a:extLst>
                 <a:ext uri="{91240B29-F687-4f45-9708-019B960494DF}">
-                  <a14:hiddenLine xmlns="" xmlns:a16="http://schemas.microsoft.com/office/drawing/2014/main" xmlns:p14="http://schemas.microsoft.com/office/powerpoint/2010/main" xmlns:a14="http://schemas.microsoft.com/office/drawing/2010/main" w="9525">
+                  <a14:hiddenLine xmlns:a14="http://schemas.microsoft.com/office/drawing/2010/main" xmlns:p14="http://schemas.microsoft.com/office/powerpoint/2010/main" xmlns:a16="http://schemas.microsoft.com/office/drawing/2014/main" xmlns="" w="9525">
                     <a:solidFill>
                       <a:srgbClr val="000000"/>
                     </a:solidFill>
@@ -21214,7 +21558,7 @@
               </a:ln>
               <a:extLst>
                 <a:ext uri="{91240B29-F687-4f45-9708-019B960494DF}">
-                  <a14:hiddenLine xmlns="" xmlns:a16="http://schemas.microsoft.com/office/drawing/2014/main" xmlns:p14="http://schemas.microsoft.com/office/powerpoint/2010/main" xmlns:a14="http://schemas.microsoft.com/office/drawing/2010/main" w="9525">
+                  <a14:hiddenLine xmlns:a14="http://schemas.microsoft.com/office/drawing/2010/main" xmlns:p14="http://schemas.microsoft.com/office/powerpoint/2010/main" xmlns:a16="http://schemas.microsoft.com/office/drawing/2014/main" xmlns="" w="9525">
                     <a:solidFill>
                       <a:srgbClr val="000000"/>
                     </a:solidFill>
@@ -21319,7 +21663,7 @@
               </a:ln>
               <a:extLst>
                 <a:ext uri="{91240B29-F687-4f45-9708-019B960494DF}">
-                  <a14:hiddenLine xmlns="" xmlns:a16="http://schemas.microsoft.com/office/drawing/2014/main" xmlns:p14="http://schemas.microsoft.com/office/powerpoint/2010/main" xmlns:a14="http://schemas.microsoft.com/office/drawing/2010/main" w="9525">
+                  <a14:hiddenLine xmlns:a14="http://schemas.microsoft.com/office/drawing/2010/main" xmlns:p14="http://schemas.microsoft.com/office/powerpoint/2010/main" xmlns:a16="http://schemas.microsoft.com/office/drawing/2014/main" xmlns="" w="9525">
                     <a:solidFill>
                       <a:srgbClr val="000000"/>
                     </a:solidFill>
@@ -21396,7 +21740,7 @@
               </a:ln>
               <a:extLst>
                 <a:ext uri="{91240B29-F687-4f45-9708-019B960494DF}">
-                  <a14:hiddenLine xmlns="" xmlns:a16="http://schemas.microsoft.com/office/drawing/2014/main" xmlns:p14="http://schemas.microsoft.com/office/powerpoint/2010/main" xmlns:a14="http://schemas.microsoft.com/office/drawing/2010/main" w="9525">
+                  <a14:hiddenLine xmlns:a14="http://schemas.microsoft.com/office/drawing/2010/main" xmlns:p14="http://schemas.microsoft.com/office/powerpoint/2010/main" xmlns:a16="http://schemas.microsoft.com/office/drawing/2014/main" xmlns="" w="9525">
                     <a:solidFill>
                       <a:srgbClr val="000000"/>
                     </a:solidFill>
@@ -21501,7 +21845,7 @@
               </a:ln>
               <a:extLst>
                 <a:ext uri="{91240B29-F687-4f45-9708-019B960494DF}">
-                  <a14:hiddenLine xmlns="" xmlns:a16="http://schemas.microsoft.com/office/drawing/2014/main" xmlns:p14="http://schemas.microsoft.com/office/powerpoint/2010/main" xmlns:a14="http://schemas.microsoft.com/office/drawing/2010/main" w="9525">
+                  <a14:hiddenLine xmlns:a14="http://schemas.microsoft.com/office/drawing/2010/main" xmlns:p14="http://schemas.microsoft.com/office/powerpoint/2010/main" xmlns:a16="http://schemas.microsoft.com/office/drawing/2014/main" xmlns="" w="9525">
                     <a:solidFill>
                       <a:srgbClr val="000000"/>
                     </a:solidFill>
@@ -21581,7 +21925,7 @@
               </a:ln>
               <a:extLst>
                 <a:ext uri="{91240B29-F687-4f45-9708-019B960494DF}">
-                  <a14:hiddenLine xmlns="" xmlns:a16="http://schemas.microsoft.com/office/drawing/2014/main" xmlns:p14="http://schemas.microsoft.com/office/powerpoint/2010/main" xmlns:a14="http://schemas.microsoft.com/office/drawing/2010/main" w="9525">
+                  <a14:hiddenLine xmlns:a14="http://schemas.microsoft.com/office/drawing/2010/main" xmlns:p14="http://schemas.microsoft.com/office/powerpoint/2010/main" xmlns:a16="http://schemas.microsoft.com/office/drawing/2014/main" xmlns="" w="9525">
                     <a:solidFill>
                       <a:srgbClr val="000000"/>
                     </a:solidFill>
@@ -21658,7 +22002,7 @@
               </a:ln>
               <a:extLst>
                 <a:ext uri="{91240B29-F687-4f45-9708-019B960494DF}">
-                  <a14:hiddenLine xmlns="" xmlns:a16="http://schemas.microsoft.com/office/drawing/2014/main" xmlns:p14="http://schemas.microsoft.com/office/powerpoint/2010/main" xmlns:a14="http://schemas.microsoft.com/office/drawing/2010/main" w="9525">
+                  <a14:hiddenLine xmlns:a14="http://schemas.microsoft.com/office/drawing/2010/main" xmlns:p14="http://schemas.microsoft.com/office/powerpoint/2010/main" xmlns:a16="http://schemas.microsoft.com/office/drawing/2014/main" xmlns="" w="9525">
                     <a:solidFill>
                       <a:srgbClr val="000000"/>
                     </a:solidFill>
@@ -21763,7 +22107,7 @@
               </a:ln>
               <a:extLst>
                 <a:ext uri="{91240B29-F687-4f45-9708-019B960494DF}">
-                  <a14:hiddenLine xmlns="" xmlns:a16="http://schemas.microsoft.com/office/drawing/2014/main" xmlns:p14="http://schemas.microsoft.com/office/powerpoint/2010/main" xmlns:a14="http://schemas.microsoft.com/office/drawing/2010/main" w="9525">
+                  <a14:hiddenLine xmlns:a14="http://schemas.microsoft.com/office/drawing/2010/main" xmlns:p14="http://schemas.microsoft.com/office/powerpoint/2010/main" xmlns:a16="http://schemas.microsoft.com/office/drawing/2014/main" xmlns="" w="9525">
                     <a:solidFill>
                       <a:srgbClr val="000000"/>
                     </a:solidFill>
@@ -21868,7 +22212,7 @@
               </a:ln>
               <a:extLst>
                 <a:ext uri="{91240B29-F687-4f45-9708-019B960494DF}">
-                  <a14:hiddenLine xmlns="" xmlns:a16="http://schemas.microsoft.com/office/drawing/2014/main" xmlns:p14="http://schemas.microsoft.com/office/powerpoint/2010/main" xmlns:a14="http://schemas.microsoft.com/office/drawing/2010/main" w="9525">
+                  <a14:hiddenLine xmlns:a14="http://schemas.microsoft.com/office/drawing/2010/main" xmlns:p14="http://schemas.microsoft.com/office/powerpoint/2010/main" xmlns:a16="http://schemas.microsoft.com/office/drawing/2014/main" xmlns="" w="9525">
                     <a:solidFill>
                       <a:srgbClr val="000000"/>
                     </a:solidFill>
@@ -21948,7 +22292,7 @@
               </a:ln>
               <a:extLst>
                 <a:ext uri="{91240B29-F687-4f45-9708-019B960494DF}">
-                  <a14:hiddenLine xmlns="" xmlns:a16="http://schemas.microsoft.com/office/drawing/2014/main" xmlns:p14="http://schemas.microsoft.com/office/powerpoint/2010/main" xmlns:a14="http://schemas.microsoft.com/office/drawing/2010/main" w="9525">
+                  <a14:hiddenLine xmlns:a14="http://schemas.microsoft.com/office/drawing/2010/main" xmlns:p14="http://schemas.microsoft.com/office/powerpoint/2010/main" xmlns:a16="http://schemas.microsoft.com/office/drawing/2014/main" xmlns="" w="9525">
                     <a:solidFill>
                       <a:srgbClr val="000000"/>
                     </a:solidFill>
@@ -22083,7 +22427,7 @@
               </a:ln>
               <a:extLst>
                 <a:ext uri="{91240B29-F687-4f45-9708-019B960494DF}">
-                  <a14:hiddenLine xmlns="" xmlns:a16="http://schemas.microsoft.com/office/drawing/2014/main" xmlns:p14="http://schemas.microsoft.com/office/powerpoint/2010/main" xmlns:a14="http://schemas.microsoft.com/office/drawing/2010/main" w="9525">
+                  <a14:hiddenLine xmlns:a14="http://schemas.microsoft.com/office/drawing/2010/main" xmlns:p14="http://schemas.microsoft.com/office/powerpoint/2010/main" xmlns:a16="http://schemas.microsoft.com/office/drawing/2014/main" xmlns="" w="9525">
                     <a:solidFill>
                       <a:srgbClr val="000000"/>
                     </a:solidFill>
@@ -22208,7 +22552,7 @@
               </a:ln>
               <a:extLst>
                 <a:ext uri="{91240B29-F687-4f45-9708-019B960494DF}">
-                  <a14:hiddenLine xmlns="" xmlns:a16="http://schemas.microsoft.com/office/drawing/2014/main" xmlns:p14="http://schemas.microsoft.com/office/powerpoint/2010/main" xmlns:a14="http://schemas.microsoft.com/office/drawing/2010/main" w="9525">
+                  <a14:hiddenLine xmlns:a14="http://schemas.microsoft.com/office/drawing/2010/main" xmlns:p14="http://schemas.microsoft.com/office/powerpoint/2010/main" xmlns:a16="http://schemas.microsoft.com/office/drawing/2014/main" xmlns="" w="9525">
                     <a:solidFill>
                       <a:srgbClr val="000000"/>
                     </a:solidFill>
@@ -22338,7 +22682,7 @@
               </a:ln>
               <a:extLst>
                 <a:ext uri="{91240B29-F687-4f45-9708-019B960494DF}">
-                  <a14:hiddenLine xmlns="" xmlns:a16="http://schemas.microsoft.com/office/drawing/2014/main" xmlns:p14="http://schemas.microsoft.com/office/powerpoint/2010/main" xmlns:a14="http://schemas.microsoft.com/office/drawing/2010/main" w="9525">
+                  <a14:hiddenLine xmlns:a14="http://schemas.microsoft.com/office/drawing/2010/main" xmlns:p14="http://schemas.microsoft.com/office/powerpoint/2010/main" xmlns:a16="http://schemas.microsoft.com/office/drawing/2014/main" xmlns="" w="9525">
                     <a:solidFill>
                       <a:srgbClr val="000000"/>
                     </a:solidFill>
@@ -22443,7 +22787,7 @@
               </a:ln>
               <a:extLst>
                 <a:ext uri="{91240B29-F687-4f45-9708-019B960494DF}">
-                  <a14:hiddenLine xmlns="" xmlns:a16="http://schemas.microsoft.com/office/drawing/2014/main" xmlns:p14="http://schemas.microsoft.com/office/powerpoint/2010/main" xmlns:a14="http://schemas.microsoft.com/office/drawing/2010/main" w="9525">
+                  <a14:hiddenLine xmlns:a14="http://schemas.microsoft.com/office/drawing/2010/main" xmlns:p14="http://schemas.microsoft.com/office/powerpoint/2010/main" xmlns:a16="http://schemas.microsoft.com/office/drawing/2014/main" xmlns="" w="9525">
                     <a:solidFill>
                       <a:srgbClr val="000000"/>
                     </a:solidFill>
@@ -22523,7 +22867,7 @@
               </a:ln>
               <a:extLst>
                 <a:ext uri="{91240B29-F687-4f45-9708-019B960494DF}">
-                  <a14:hiddenLine xmlns="" xmlns:a16="http://schemas.microsoft.com/office/drawing/2014/main" xmlns:p14="http://schemas.microsoft.com/office/powerpoint/2010/main" xmlns:a14="http://schemas.microsoft.com/office/drawing/2010/main" w="9525">
+                  <a14:hiddenLine xmlns:a14="http://schemas.microsoft.com/office/drawing/2010/main" xmlns:p14="http://schemas.microsoft.com/office/powerpoint/2010/main" xmlns:a16="http://schemas.microsoft.com/office/drawing/2014/main" xmlns="" w="9525">
                     <a:solidFill>
                       <a:srgbClr val="000000"/>
                     </a:solidFill>
@@ -22628,7 +22972,7 @@
               </a:ln>
               <a:extLst>
                 <a:ext uri="{91240B29-F687-4f45-9708-019B960494DF}">
-                  <a14:hiddenLine xmlns="" xmlns:a16="http://schemas.microsoft.com/office/drawing/2014/main" xmlns:p14="http://schemas.microsoft.com/office/powerpoint/2010/main" xmlns:a14="http://schemas.microsoft.com/office/drawing/2010/main" w="9525">
+                  <a14:hiddenLine xmlns:a14="http://schemas.microsoft.com/office/drawing/2010/main" xmlns:p14="http://schemas.microsoft.com/office/powerpoint/2010/main" xmlns:a16="http://schemas.microsoft.com/office/drawing/2014/main" xmlns="" w="9525">
                     <a:solidFill>
                       <a:srgbClr val="000000"/>
                     </a:solidFill>
@@ -22711,7 +23055,7 @@
               </a:ln>
               <a:extLst>
                 <a:ext uri="{91240B29-F687-4f45-9708-019B960494DF}">
-                  <a14:hiddenLine xmlns="" xmlns:a16="http://schemas.microsoft.com/office/drawing/2014/main" xmlns:p14="http://schemas.microsoft.com/office/powerpoint/2010/main" xmlns:a14="http://schemas.microsoft.com/office/drawing/2010/main" w="9525">
+                  <a14:hiddenLine xmlns:a14="http://schemas.microsoft.com/office/drawing/2010/main" xmlns:p14="http://schemas.microsoft.com/office/powerpoint/2010/main" xmlns:a16="http://schemas.microsoft.com/office/drawing/2014/main" xmlns="" w="9525">
                     <a:solidFill>
                       <a:srgbClr val="000000"/>
                     </a:solidFill>
@@ -22816,7 +23160,7 @@
               </a:ln>
               <a:extLst>
                 <a:ext uri="{91240B29-F687-4f45-9708-019B960494DF}">
-                  <a14:hiddenLine xmlns="" xmlns:a16="http://schemas.microsoft.com/office/drawing/2014/main" xmlns:p14="http://schemas.microsoft.com/office/powerpoint/2010/main" xmlns:a14="http://schemas.microsoft.com/office/drawing/2010/main" w="9525">
+                  <a14:hiddenLine xmlns:a14="http://schemas.microsoft.com/office/drawing/2010/main" xmlns:p14="http://schemas.microsoft.com/office/powerpoint/2010/main" xmlns:a16="http://schemas.microsoft.com/office/drawing/2014/main" xmlns="" w="9525">
                     <a:solidFill>
                       <a:srgbClr val="000000"/>
                     </a:solidFill>
@@ -22899,7 +23243,7 @@
               </a:ln>
               <a:extLst>
                 <a:ext uri="{91240B29-F687-4f45-9708-019B960494DF}">
-                  <a14:hiddenLine xmlns="" xmlns:a16="http://schemas.microsoft.com/office/drawing/2014/main" xmlns:p14="http://schemas.microsoft.com/office/powerpoint/2010/main" xmlns:a14="http://schemas.microsoft.com/office/drawing/2010/main" w="9525">
+                  <a14:hiddenLine xmlns:a14="http://schemas.microsoft.com/office/drawing/2010/main" xmlns:p14="http://schemas.microsoft.com/office/powerpoint/2010/main" xmlns:a16="http://schemas.microsoft.com/office/drawing/2014/main" xmlns="" w="9525">
                     <a:solidFill>
                       <a:srgbClr val="000000"/>
                     </a:solidFill>
@@ -23004,7 +23348,7 @@
               </a:ln>
               <a:extLst>
                 <a:ext uri="{91240B29-F687-4f45-9708-019B960494DF}">
-                  <a14:hiddenLine xmlns="" xmlns:a16="http://schemas.microsoft.com/office/drawing/2014/main" xmlns:p14="http://schemas.microsoft.com/office/powerpoint/2010/main" xmlns:a14="http://schemas.microsoft.com/office/drawing/2010/main" w="9525">
+                  <a14:hiddenLine xmlns:a14="http://schemas.microsoft.com/office/drawing/2010/main" xmlns:p14="http://schemas.microsoft.com/office/powerpoint/2010/main" xmlns:a16="http://schemas.microsoft.com/office/drawing/2014/main" xmlns="" w="9525">
                     <a:solidFill>
                       <a:srgbClr val="000000"/>
                     </a:solidFill>
@@ -23053,7 +23397,7 @@
               </a:ln>
               <a:extLst>
                 <a:ext uri="{91240B29-F687-4f45-9708-019B960494DF}">
-                  <a14:hiddenLine xmlns="" xmlns:a16="http://schemas.microsoft.com/office/drawing/2014/main" xmlns:p14="http://schemas.microsoft.com/office/powerpoint/2010/main" xmlns:a14="http://schemas.microsoft.com/office/drawing/2010/main" w="9525">
+                  <a14:hiddenLine xmlns:a14="http://schemas.microsoft.com/office/drawing/2010/main" xmlns:p14="http://schemas.microsoft.com/office/powerpoint/2010/main" xmlns:a16="http://schemas.microsoft.com/office/drawing/2014/main" xmlns="" w="9525">
                     <a:solidFill>
                       <a:srgbClr val="000000"/>
                     </a:solidFill>
@@ -23115,7 +23459,7 @@
           <a:noFill/>
           <a:extLst>
             <a:ext uri="{909E8E84-426E-40dd-AFC4-6F175D3DCCD1}">
-              <a14:hiddenFill xmlns="" xmlns:a16="http://schemas.microsoft.com/office/drawing/2014/main" xmlns:p14="http://schemas.microsoft.com/office/powerpoint/2010/main" xmlns:a14="http://schemas.microsoft.com/office/drawing/2010/main">
+              <a14:hiddenFill xmlns:a14="http://schemas.microsoft.com/office/drawing/2010/main" xmlns:p14="http://schemas.microsoft.com/office/powerpoint/2010/main" xmlns:a16="http://schemas.microsoft.com/office/drawing/2014/main" xmlns="">
                 <a:solidFill>
                   <a:srgbClr val="FFFFFF"/>
                 </a:solidFill>
@@ -23475,13 +23819,13 @@
   <p:clrMapOvr>
     <a:overrideClrMapping bg1="lt1" tx1="dk1" bg2="lt2" tx2="dk2" accent1="accent1" accent2="accent2" accent3="accent3" accent4="accent4" accent5="accent5" accent6="accent6" hlink="hlink" folHlink="folHlink"/>
   </p:clrMapOvr>
-  <mc:AlternateContent xmlns:mc="http://schemas.openxmlformats.org/markup-compatibility/2006">
-    <mc:Choice xmlns:p14="http://schemas.microsoft.com/office/powerpoint/2010/main" Requires="p14">
+  <mc:AlternateContent xmlns:mc="http://schemas.openxmlformats.org/markup-compatibility/2006" xmlns:p14="http://schemas.microsoft.com/office/powerpoint/2010/main">
+    <mc:Choice Requires="p14">
       <p:transition spd="med" p14:dur="700">
         <p:fade/>
       </p:transition>
     </mc:Choice>
-    <mc:Fallback>
+    <mc:Fallback xmlns="">
       <p:transition spd="med">
         <p:fade/>
       </p:transition>
@@ -23490,7 +23834,7 @@
 </p:sld>
 </file>
 
-<file path=ppt/slides/slide4.xml><?xml version="1.0" encoding="utf-8"?>
+<file path=ppt/slides/slide5.xml><?xml version="1.0" encoding="utf-8"?>
 <p:sld xmlns:a="http://schemas.openxmlformats.org/drawingml/2006/main" xmlns:r="http://schemas.openxmlformats.org/officeDocument/2006/relationships" xmlns:p="http://schemas.openxmlformats.org/presentationml/2006/main">
   <p:cSld>
     <p:spTree>
@@ -23538,7 +23882,7 @@
               <a:pPr>
                 <a:defRPr/>
               </a:pPr>
-              <a:t>4</a:t>
+              <a:t>5</a:t>
             </a:fld>
             <a:endParaRPr lang="en-US" dirty="0"/>
           </a:p>
@@ -23575,26 +23919,776 @@
       </p:sp>
       <p:sp>
         <p:nvSpPr>
-          <p:cNvPr id="3" name="Content Placeholder 2">
+          <p:cNvPr id="8" name="TextBox 7">
             <a:extLst>
               <a:ext uri="{FF2B5EF4-FFF2-40B4-BE49-F238E27FC236}">
-                <a16:creationId xmlns:a16="http://schemas.microsoft.com/office/drawing/2014/main" id="{350B0125-48DF-4CBF-979E-5E6434BAF717}"/>
+                <a16:creationId xmlns:a16="http://schemas.microsoft.com/office/drawing/2014/main" id="{8EDCB4B2-8753-4050-9353-A545E4F0583D}"/>
               </a:ext>
             </a:extLst>
           </p:cNvPr>
-          <p:cNvSpPr>
-            <a:spLocks noGrp="1"/>
-          </p:cNvSpPr>
-          <p:nvPr>
-            <p:ph idx="1"/>
-          </p:nvPr>
+          <p:cNvSpPr txBox="1"/>
+          <p:nvPr/>
         </p:nvSpPr>
-        <p:spPr/>
+        <p:spPr>
+          <a:xfrm>
+            <a:off x="1752600" y="2120328"/>
+            <a:ext cx="3886198" cy="461665"/>
+          </a:xfrm>
+          <a:prstGeom prst="rect">
+            <a:avLst/>
+          </a:prstGeom>
+          <a:noFill/>
+        </p:spPr>
         <p:txBody>
-          <a:bodyPr/>
+          <a:bodyPr wrap="square">
+            <a:spAutoFit/>
+          </a:bodyPr>
           <a:lstStyle/>
           <a:p>
-            <a:endParaRPr lang="en-US"/>
+            <a:r>
+              <a:rPr lang="bg-BG" sz="2400" dirty="0"/>
+              <a:t>Важни характеристики: </a:t>
+            </a:r>
+            <a:endParaRPr lang="en-US" sz="2400" dirty="0"/>
+          </a:p>
+        </p:txBody>
+      </p:sp>
+      <p:sp>
+        <p:nvSpPr>
+          <p:cNvPr id="6" name="Content Placeholder 2">
+            <a:extLst>
+              <a:ext uri="{FF2B5EF4-FFF2-40B4-BE49-F238E27FC236}">
+                <a16:creationId xmlns:a16="http://schemas.microsoft.com/office/drawing/2014/main" id="{5AC76269-7675-495E-A92E-7C9C303677EA}"/>
+              </a:ext>
+            </a:extLst>
+          </p:cNvPr>
+          <p:cNvSpPr txBox="1">
+            <a:spLocks/>
+          </p:cNvSpPr>
+          <p:nvPr/>
+        </p:nvSpPr>
+        <p:spPr>
+          <a:xfrm>
+            <a:off x="1752600" y="2575002"/>
+            <a:ext cx="3115174" cy="2129135"/>
+          </a:xfrm>
+          <a:prstGeom prst="rect">
+            <a:avLst/>
+          </a:prstGeom>
+        </p:spPr>
+        <p:txBody>
+          <a:bodyPr vert="horz" lIns="91440" tIns="45720" rIns="91440" bIns="45720" rtlCol="0">
+            <a:normAutofit/>
+          </a:bodyPr>
+          <a:lstStyle>
+            <a:lvl1pPr marL="228600" indent="-228600" algn="l" defTabSz="914400" rtl="0" eaLnBrk="1" latinLnBrk="0" hangingPunct="1">
+              <a:lnSpc>
+                <a:spcPct val="120000"/>
+              </a:lnSpc>
+              <a:spcBef>
+                <a:spcPts val="1000"/>
+              </a:spcBef>
+              <a:buSzPct val="125000"/>
+              <a:buFont typeface="Arial" panose="020B0604020202020204" pitchFamily="34" charset="0"/>
+              <a:buChar char="•"/>
+              <a:defRPr sz="2400" kern="1200">
+                <a:solidFill>
+                  <a:schemeClr val="tx1"/>
+                </a:solidFill>
+                <a:latin typeface="+mn-lt"/>
+                <a:ea typeface="+mn-ea"/>
+                <a:cs typeface="+mn-cs"/>
+              </a:defRPr>
+            </a:lvl1pPr>
+            <a:lvl2pPr marL="685800" indent="-228600" algn="l" defTabSz="914400" rtl="0" eaLnBrk="1" latinLnBrk="0" hangingPunct="1">
+              <a:lnSpc>
+                <a:spcPct val="120000"/>
+              </a:lnSpc>
+              <a:spcBef>
+                <a:spcPts val="500"/>
+              </a:spcBef>
+              <a:buSzPct val="125000"/>
+              <a:buFont typeface="Arial" panose="020B0604020202020204" pitchFamily="34" charset="0"/>
+              <a:buChar char="•"/>
+              <a:defRPr sz="2000" kern="1200">
+                <a:solidFill>
+                  <a:schemeClr val="tx1"/>
+                </a:solidFill>
+                <a:latin typeface="+mn-lt"/>
+                <a:ea typeface="+mn-ea"/>
+                <a:cs typeface="+mn-cs"/>
+              </a:defRPr>
+            </a:lvl2pPr>
+            <a:lvl3pPr marL="1143000" indent="-228600" algn="l" defTabSz="914400" rtl="0" eaLnBrk="1" latinLnBrk="0" hangingPunct="1">
+              <a:lnSpc>
+                <a:spcPct val="120000"/>
+              </a:lnSpc>
+              <a:spcBef>
+                <a:spcPts val="500"/>
+              </a:spcBef>
+              <a:buSzPct val="125000"/>
+              <a:buFont typeface="Arial" panose="020B0604020202020204" pitchFamily="34" charset="0"/>
+              <a:buChar char="•"/>
+              <a:defRPr sz="1800" kern="1200">
+                <a:solidFill>
+                  <a:schemeClr val="tx1"/>
+                </a:solidFill>
+                <a:latin typeface="+mn-lt"/>
+                <a:ea typeface="+mn-ea"/>
+                <a:cs typeface="+mn-cs"/>
+              </a:defRPr>
+            </a:lvl3pPr>
+            <a:lvl4pPr marL="1600200" indent="-228600" algn="l" defTabSz="914400" rtl="0" eaLnBrk="1" latinLnBrk="0" hangingPunct="1">
+              <a:lnSpc>
+                <a:spcPct val="120000"/>
+              </a:lnSpc>
+              <a:spcBef>
+                <a:spcPts val="500"/>
+              </a:spcBef>
+              <a:buSzPct val="125000"/>
+              <a:buFont typeface="Arial" panose="020B0604020202020204" pitchFamily="34" charset="0"/>
+              <a:buChar char="•"/>
+              <a:defRPr sz="1600" kern="1200">
+                <a:solidFill>
+                  <a:schemeClr val="tx1"/>
+                </a:solidFill>
+                <a:latin typeface="+mn-lt"/>
+                <a:ea typeface="+mn-ea"/>
+                <a:cs typeface="+mn-cs"/>
+              </a:defRPr>
+            </a:lvl4pPr>
+            <a:lvl5pPr marL="2057400" indent="-228600" algn="l" defTabSz="914400" rtl="0" eaLnBrk="1" latinLnBrk="0" hangingPunct="1">
+              <a:lnSpc>
+                <a:spcPct val="120000"/>
+              </a:lnSpc>
+              <a:spcBef>
+                <a:spcPts val="500"/>
+              </a:spcBef>
+              <a:buSzPct val="125000"/>
+              <a:buFont typeface="Arial" panose="020B0604020202020204" pitchFamily="34" charset="0"/>
+              <a:buChar char="•"/>
+              <a:defRPr sz="1600" kern="1200">
+                <a:solidFill>
+                  <a:schemeClr val="tx1"/>
+                </a:solidFill>
+                <a:latin typeface="+mn-lt"/>
+                <a:ea typeface="+mn-ea"/>
+                <a:cs typeface="+mn-cs"/>
+              </a:defRPr>
+            </a:lvl5pPr>
+            <a:lvl6pPr marL="2514600" indent="-228600" algn="l" defTabSz="914400" rtl="0" eaLnBrk="1" latinLnBrk="0" hangingPunct="1">
+              <a:lnSpc>
+                <a:spcPct val="120000"/>
+              </a:lnSpc>
+              <a:spcBef>
+                <a:spcPts val="500"/>
+              </a:spcBef>
+              <a:buSzPct val="125000"/>
+              <a:buFont typeface="Arial" panose="020B0604020202020204" pitchFamily="34" charset="0"/>
+              <a:buChar char="•"/>
+              <a:defRPr sz="1400" kern="1200">
+                <a:solidFill>
+                  <a:schemeClr val="tx1"/>
+                </a:solidFill>
+                <a:latin typeface="+mn-lt"/>
+                <a:ea typeface="+mn-ea"/>
+                <a:cs typeface="+mn-cs"/>
+              </a:defRPr>
+            </a:lvl6pPr>
+            <a:lvl7pPr marL="2971800" indent="-228600" algn="l" defTabSz="914400" rtl="0" eaLnBrk="1" latinLnBrk="0" hangingPunct="1">
+              <a:lnSpc>
+                <a:spcPct val="120000"/>
+              </a:lnSpc>
+              <a:spcBef>
+                <a:spcPts val="500"/>
+              </a:spcBef>
+              <a:buSzPct val="125000"/>
+              <a:buFont typeface="Arial" panose="020B0604020202020204" pitchFamily="34" charset="0"/>
+              <a:buChar char="•"/>
+              <a:defRPr sz="1400" kern="1200">
+                <a:solidFill>
+                  <a:schemeClr val="tx1"/>
+                </a:solidFill>
+                <a:latin typeface="+mn-lt"/>
+                <a:ea typeface="+mn-ea"/>
+                <a:cs typeface="+mn-cs"/>
+              </a:defRPr>
+            </a:lvl7pPr>
+            <a:lvl8pPr marL="3429000" indent="-228600" algn="l" defTabSz="914400" rtl="0" eaLnBrk="1" latinLnBrk="0" hangingPunct="1">
+              <a:lnSpc>
+                <a:spcPct val="120000"/>
+              </a:lnSpc>
+              <a:spcBef>
+                <a:spcPts val="500"/>
+              </a:spcBef>
+              <a:buSzPct val="125000"/>
+              <a:buFont typeface="Arial" panose="020B0604020202020204" pitchFamily="34" charset="0"/>
+              <a:buChar char="•"/>
+              <a:defRPr sz="1400" kern="1200">
+                <a:solidFill>
+                  <a:schemeClr val="tx1"/>
+                </a:solidFill>
+                <a:latin typeface="+mn-lt"/>
+                <a:ea typeface="+mn-ea"/>
+                <a:cs typeface="+mn-cs"/>
+              </a:defRPr>
+            </a:lvl8pPr>
+            <a:lvl9pPr marL="3886200" indent="-228600" algn="l" defTabSz="914400" rtl="0" eaLnBrk="1" latinLnBrk="0" hangingPunct="1">
+              <a:lnSpc>
+                <a:spcPct val="120000"/>
+              </a:lnSpc>
+              <a:spcBef>
+                <a:spcPts val="500"/>
+              </a:spcBef>
+              <a:buSzPct val="125000"/>
+              <a:buFont typeface="Arial" panose="020B0604020202020204" pitchFamily="34" charset="0"/>
+              <a:buChar char="•"/>
+              <a:defRPr sz="1400" kern="1200">
+                <a:solidFill>
+                  <a:schemeClr val="tx1"/>
+                </a:solidFill>
+                <a:latin typeface="+mn-lt"/>
+                <a:ea typeface="+mn-ea"/>
+                <a:cs typeface="+mn-cs"/>
+              </a:defRPr>
+            </a:lvl9pPr>
+          </a:lstStyle>
+          <a:p>
+            <a:r>
+              <a:rPr lang="bg-BG" dirty="0">
+                <a:solidFill>
+                  <a:srgbClr val="FFFFFF"/>
+                </a:solidFill>
+              </a:rPr>
+              <a:t>Фактическа</a:t>
+            </a:r>
+            <a:endParaRPr lang="en-US" dirty="0">
+              <a:solidFill>
+                <a:srgbClr val="FFFFFF"/>
+              </a:solidFill>
+            </a:endParaRPr>
+          </a:p>
+          <a:p>
+            <a:r>
+              <a:rPr lang="bg-BG" dirty="0">
+                <a:solidFill>
+                  <a:srgbClr val="FFFFFF"/>
+                </a:solidFill>
+              </a:rPr>
+              <a:t>Трансцендентна</a:t>
+            </a:r>
+            <a:endParaRPr lang="en-US" dirty="0">
+              <a:solidFill>
+                <a:srgbClr val="FFFFFF"/>
+              </a:solidFill>
+            </a:endParaRPr>
+          </a:p>
+          <a:p>
+            <a:r>
+              <a:rPr lang="bg-BG" dirty="0">
+                <a:solidFill>
+                  <a:srgbClr val="FFFFFF"/>
+                </a:solidFill>
+              </a:rPr>
+              <a:t>Аналитична</a:t>
+            </a:r>
+            <a:endParaRPr lang="en-US" dirty="0">
+              <a:solidFill>
+                <a:srgbClr val="FFFFFF"/>
+              </a:solidFill>
+            </a:endParaRPr>
+          </a:p>
+          <a:p>
+            <a:endParaRPr lang="en-US" dirty="0">
+              <a:solidFill>
+                <a:srgbClr val="FFFFFF"/>
+              </a:solidFill>
+            </a:endParaRPr>
+          </a:p>
+        </p:txBody>
+      </p:sp>
+      <p:cxnSp>
+        <p:nvCxnSpPr>
+          <p:cNvPr id="14" name="Straight Connector 13">
+            <a:extLst>
+              <a:ext uri="{FF2B5EF4-FFF2-40B4-BE49-F238E27FC236}">
+                <a16:creationId xmlns:a16="http://schemas.microsoft.com/office/drawing/2014/main" id="{7C37A144-F462-4D67-AC68-994DEB00DAA2}"/>
+              </a:ext>
+            </a:extLst>
+          </p:cNvPr>
+          <p:cNvCxnSpPr>
+            <a:cxnSpLocks/>
+          </p:cNvCxnSpPr>
+          <p:nvPr/>
+        </p:nvCxnSpPr>
+        <p:spPr>
+          <a:xfrm>
+            <a:off x="5715000" y="1828800"/>
+            <a:ext cx="0" cy="3276600"/>
+          </a:xfrm>
+          <a:prstGeom prst="line">
+            <a:avLst/>
+          </a:prstGeom>
+          <a:ln>
+            <a:solidFill>
+              <a:schemeClr val="tx1"/>
+            </a:solidFill>
+          </a:ln>
+        </p:spPr>
+        <p:style>
+          <a:lnRef idx="1">
+            <a:schemeClr val="accent1"/>
+          </a:lnRef>
+          <a:fillRef idx="0">
+            <a:schemeClr val="accent1"/>
+          </a:fillRef>
+          <a:effectRef idx="0">
+            <a:schemeClr val="accent1"/>
+          </a:effectRef>
+          <a:fontRef idx="minor">
+            <a:schemeClr val="tx1"/>
+          </a:fontRef>
+        </p:style>
+      </p:cxnSp>
+      <p:sp>
+        <p:nvSpPr>
+          <p:cNvPr id="17" name="TextBox 16">
+            <a:extLst>
+              <a:ext uri="{FF2B5EF4-FFF2-40B4-BE49-F238E27FC236}">
+                <a16:creationId xmlns:a16="http://schemas.microsoft.com/office/drawing/2014/main" id="{F9D98D1B-B649-4590-8C3E-306377F3FD5B}"/>
+              </a:ext>
+            </a:extLst>
+          </p:cNvPr>
+          <p:cNvSpPr txBox="1"/>
+          <p:nvPr/>
+        </p:nvSpPr>
+        <p:spPr>
+          <a:xfrm>
+            <a:off x="6096000" y="2120328"/>
+            <a:ext cx="3886198" cy="461665"/>
+          </a:xfrm>
+          <a:prstGeom prst="rect">
+            <a:avLst/>
+          </a:prstGeom>
+          <a:noFill/>
+        </p:spPr>
+        <p:txBody>
+          <a:bodyPr wrap="square">
+            <a:spAutoFit/>
+          </a:bodyPr>
+          <a:lstStyle/>
+          <a:p>
+            <a:r>
+              <a:rPr lang="bg-BG" sz="2400" dirty="0"/>
+              <a:t>Цели</a:t>
+            </a:r>
+            <a:r>
+              <a:rPr lang="en-US" sz="2400" dirty="0"/>
+              <a:t>:</a:t>
+            </a:r>
+            <a:r>
+              <a:rPr lang="bg-BG" sz="2400" dirty="0"/>
+              <a:t> </a:t>
+            </a:r>
+            <a:endParaRPr lang="en-US" sz="2400" dirty="0"/>
+          </a:p>
+        </p:txBody>
+      </p:sp>
+      <p:sp>
+        <p:nvSpPr>
+          <p:cNvPr id="18" name="Content Placeholder 2">
+            <a:extLst>
+              <a:ext uri="{FF2B5EF4-FFF2-40B4-BE49-F238E27FC236}">
+                <a16:creationId xmlns:a16="http://schemas.microsoft.com/office/drawing/2014/main" id="{3EA800D3-E680-491F-9C0E-C9FADBA81415}"/>
+              </a:ext>
+            </a:extLst>
+          </p:cNvPr>
+          <p:cNvSpPr txBox="1">
+            <a:spLocks/>
+          </p:cNvSpPr>
+          <p:nvPr/>
+        </p:nvSpPr>
+        <p:spPr>
+          <a:xfrm>
+            <a:off x="6011407" y="2575001"/>
+            <a:ext cx="5875791" cy="2129135"/>
+          </a:xfrm>
+          <a:prstGeom prst="rect">
+            <a:avLst/>
+          </a:prstGeom>
+        </p:spPr>
+        <p:txBody>
+          <a:bodyPr vert="horz" lIns="91440" tIns="45720" rIns="91440" bIns="45720" rtlCol="0">
+            <a:normAutofit fontScale="92500" lnSpcReduction="20000"/>
+          </a:bodyPr>
+          <a:lstStyle>
+            <a:lvl1pPr marL="228600" indent="-228600" algn="l" defTabSz="914400" rtl="0" eaLnBrk="1" latinLnBrk="0" hangingPunct="1">
+              <a:lnSpc>
+                <a:spcPct val="120000"/>
+              </a:lnSpc>
+              <a:spcBef>
+                <a:spcPts val="1000"/>
+              </a:spcBef>
+              <a:buSzPct val="125000"/>
+              <a:buFont typeface="Arial" panose="020B0604020202020204" pitchFamily="34" charset="0"/>
+              <a:buChar char="•"/>
+              <a:defRPr sz="2400" kern="1200">
+                <a:solidFill>
+                  <a:schemeClr val="tx1"/>
+                </a:solidFill>
+                <a:latin typeface="+mn-lt"/>
+                <a:ea typeface="+mn-ea"/>
+                <a:cs typeface="+mn-cs"/>
+              </a:defRPr>
+            </a:lvl1pPr>
+            <a:lvl2pPr marL="685800" indent="-228600" algn="l" defTabSz="914400" rtl="0" eaLnBrk="1" latinLnBrk="0" hangingPunct="1">
+              <a:lnSpc>
+                <a:spcPct val="120000"/>
+              </a:lnSpc>
+              <a:spcBef>
+                <a:spcPts val="500"/>
+              </a:spcBef>
+              <a:buSzPct val="125000"/>
+              <a:buFont typeface="Arial" panose="020B0604020202020204" pitchFamily="34" charset="0"/>
+              <a:buChar char="•"/>
+              <a:defRPr sz="2000" kern="1200">
+                <a:solidFill>
+                  <a:schemeClr val="tx1"/>
+                </a:solidFill>
+                <a:latin typeface="+mn-lt"/>
+                <a:ea typeface="+mn-ea"/>
+                <a:cs typeface="+mn-cs"/>
+              </a:defRPr>
+            </a:lvl2pPr>
+            <a:lvl3pPr marL="1143000" indent="-228600" algn="l" defTabSz="914400" rtl="0" eaLnBrk="1" latinLnBrk="0" hangingPunct="1">
+              <a:lnSpc>
+                <a:spcPct val="120000"/>
+              </a:lnSpc>
+              <a:spcBef>
+                <a:spcPts val="500"/>
+              </a:spcBef>
+              <a:buSzPct val="125000"/>
+              <a:buFont typeface="Arial" panose="020B0604020202020204" pitchFamily="34" charset="0"/>
+              <a:buChar char="•"/>
+              <a:defRPr sz="1800" kern="1200">
+                <a:solidFill>
+                  <a:schemeClr val="tx1"/>
+                </a:solidFill>
+                <a:latin typeface="+mn-lt"/>
+                <a:ea typeface="+mn-ea"/>
+                <a:cs typeface="+mn-cs"/>
+              </a:defRPr>
+            </a:lvl3pPr>
+            <a:lvl4pPr marL="1600200" indent="-228600" algn="l" defTabSz="914400" rtl="0" eaLnBrk="1" latinLnBrk="0" hangingPunct="1">
+              <a:lnSpc>
+                <a:spcPct val="120000"/>
+              </a:lnSpc>
+              <a:spcBef>
+                <a:spcPts val="500"/>
+              </a:spcBef>
+              <a:buSzPct val="125000"/>
+              <a:buFont typeface="Arial" panose="020B0604020202020204" pitchFamily="34" charset="0"/>
+              <a:buChar char="•"/>
+              <a:defRPr sz="1600" kern="1200">
+                <a:solidFill>
+                  <a:schemeClr val="tx1"/>
+                </a:solidFill>
+                <a:latin typeface="+mn-lt"/>
+                <a:ea typeface="+mn-ea"/>
+                <a:cs typeface="+mn-cs"/>
+              </a:defRPr>
+            </a:lvl4pPr>
+            <a:lvl5pPr marL="2057400" indent="-228600" algn="l" defTabSz="914400" rtl="0" eaLnBrk="1" latinLnBrk="0" hangingPunct="1">
+              <a:lnSpc>
+                <a:spcPct val="120000"/>
+              </a:lnSpc>
+              <a:spcBef>
+                <a:spcPts val="500"/>
+              </a:spcBef>
+              <a:buSzPct val="125000"/>
+              <a:buFont typeface="Arial" panose="020B0604020202020204" pitchFamily="34" charset="0"/>
+              <a:buChar char="•"/>
+              <a:defRPr sz="1600" kern="1200">
+                <a:solidFill>
+                  <a:schemeClr val="tx1"/>
+                </a:solidFill>
+                <a:latin typeface="+mn-lt"/>
+                <a:ea typeface="+mn-ea"/>
+                <a:cs typeface="+mn-cs"/>
+              </a:defRPr>
+            </a:lvl5pPr>
+            <a:lvl6pPr marL="2514600" indent="-228600" algn="l" defTabSz="914400" rtl="0" eaLnBrk="1" latinLnBrk="0" hangingPunct="1">
+              <a:lnSpc>
+                <a:spcPct val="120000"/>
+              </a:lnSpc>
+              <a:spcBef>
+                <a:spcPts val="500"/>
+              </a:spcBef>
+              <a:buSzPct val="125000"/>
+              <a:buFont typeface="Arial" panose="020B0604020202020204" pitchFamily="34" charset="0"/>
+              <a:buChar char="•"/>
+              <a:defRPr sz="1400" kern="1200">
+                <a:solidFill>
+                  <a:schemeClr val="tx1"/>
+                </a:solidFill>
+                <a:latin typeface="+mn-lt"/>
+                <a:ea typeface="+mn-ea"/>
+                <a:cs typeface="+mn-cs"/>
+              </a:defRPr>
+            </a:lvl6pPr>
+            <a:lvl7pPr marL="2971800" indent="-228600" algn="l" defTabSz="914400" rtl="0" eaLnBrk="1" latinLnBrk="0" hangingPunct="1">
+              <a:lnSpc>
+                <a:spcPct val="120000"/>
+              </a:lnSpc>
+              <a:spcBef>
+                <a:spcPts val="500"/>
+              </a:spcBef>
+              <a:buSzPct val="125000"/>
+              <a:buFont typeface="Arial" panose="020B0604020202020204" pitchFamily="34" charset="0"/>
+              <a:buChar char="•"/>
+              <a:defRPr sz="1400" kern="1200">
+                <a:solidFill>
+                  <a:schemeClr val="tx1"/>
+                </a:solidFill>
+                <a:latin typeface="+mn-lt"/>
+                <a:ea typeface="+mn-ea"/>
+                <a:cs typeface="+mn-cs"/>
+              </a:defRPr>
+            </a:lvl7pPr>
+            <a:lvl8pPr marL="3429000" indent="-228600" algn="l" defTabSz="914400" rtl="0" eaLnBrk="1" latinLnBrk="0" hangingPunct="1">
+              <a:lnSpc>
+                <a:spcPct val="120000"/>
+              </a:lnSpc>
+              <a:spcBef>
+                <a:spcPts val="500"/>
+              </a:spcBef>
+              <a:buSzPct val="125000"/>
+              <a:buFont typeface="Arial" panose="020B0604020202020204" pitchFamily="34" charset="0"/>
+              <a:buChar char="•"/>
+              <a:defRPr sz="1400" kern="1200">
+                <a:solidFill>
+                  <a:schemeClr val="tx1"/>
+                </a:solidFill>
+                <a:latin typeface="+mn-lt"/>
+                <a:ea typeface="+mn-ea"/>
+                <a:cs typeface="+mn-cs"/>
+              </a:defRPr>
+            </a:lvl8pPr>
+            <a:lvl9pPr marL="3886200" indent="-228600" algn="l" defTabSz="914400" rtl="0" eaLnBrk="1" latinLnBrk="0" hangingPunct="1">
+              <a:lnSpc>
+                <a:spcPct val="120000"/>
+              </a:lnSpc>
+              <a:spcBef>
+                <a:spcPts val="500"/>
+              </a:spcBef>
+              <a:buSzPct val="125000"/>
+              <a:buFont typeface="Arial" panose="020B0604020202020204" pitchFamily="34" charset="0"/>
+              <a:buChar char="•"/>
+              <a:defRPr sz="1400" kern="1200">
+                <a:solidFill>
+                  <a:schemeClr val="tx1"/>
+                </a:solidFill>
+                <a:latin typeface="+mn-lt"/>
+                <a:ea typeface="+mn-ea"/>
+                <a:cs typeface="+mn-cs"/>
+              </a:defRPr>
+            </a:lvl9pPr>
+          </a:lstStyle>
+          <a:p>
+            <a:r>
+              <a:rPr lang="ru-RU" dirty="0" err="1">
+                <a:solidFill>
+                  <a:srgbClr val="FFFFFF"/>
+                </a:solidFill>
+              </a:rPr>
+              <a:t>Разбиране</a:t>
+            </a:r>
+            <a:r>
+              <a:rPr lang="ru-RU" dirty="0">
+                <a:solidFill>
+                  <a:srgbClr val="FFFFFF"/>
+                </a:solidFill>
+              </a:rPr>
+              <a:t> и </a:t>
+            </a:r>
+            <a:r>
+              <a:rPr lang="ru-RU" dirty="0" err="1">
+                <a:solidFill>
+                  <a:srgbClr val="FFFFFF"/>
+                </a:solidFill>
+              </a:rPr>
+              <a:t>обяснение</a:t>
+            </a:r>
+            <a:r>
+              <a:rPr lang="ru-RU" dirty="0">
+                <a:solidFill>
+                  <a:srgbClr val="FFFFFF"/>
+                </a:solidFill>
+              </a:rPr>
+              <a:t> с </a:t>
+            </a:r>
+            <a:r>
+              <a:rPr lang="ru-RU" dirty="0" err="1">
+                <a:solidFill>
+                  <a:srgbClr val="FFFFFF"/>
+                </a:solidFill>
+              </a:rPr>
+              <a:t>обективност</a:t>
+            </a:r>
+            <a:endParaRPr lang="en-US" dirty="0">
+              <a:solidFill>
+                <a:srgbClr val="FFFFFF"/>
+              </a:solidFill>
+            </a:endParaRPr>
+          </a:p>
+          <a:p>
+            <a:r>
+              <a:rPr lang="ru-RU" dirty="0" err="1">
+                <a:solidFill>
+                  <a:srgbClr val="FFFFFF"/>
+                </a:solidFill>
+              </a:rPr>
+              <a:t>Установяване</a:t>
+            </a:r>
+            <a:r>
+              <a:rPr lang="ru-RU" dirty="0">
+                <a:solidFill>
+                  <a:srgbClr val="FFFFFF"/>
+                </a:solidFill>
+              </a:rPr>
+              <a:t> на </a:t>
+            </a:r>
+            <a:r>
+              <a:rPr lang="ru-RU" dirty="0" err="1">
+                <a:solidFill>
+                  <a:srgbClr val="FFFFFF"/>
+                </a:solidFill>
+              </a:rPr>
+              <a:t>законите</a:t>
+            </a:r>
+            <a:r>
+              <a:rPr lang="ru-RU" dirty="0">
+                <a:solidFill>
+                  <a:srgbClr val="FFFFFF"/>
+                </a:solidFill>
+              </a:rPr>
+              <a:t> и </a:t>
+            </a:r>
+            <a:r>
+              <a:rPr lang="ru-RU" dirty="0" err="1">
+                <a:solidFill>
+                  <a:srgbClr val="FFFFFF"/>
+                </a:solidFill>
+              </a:rPr>
+              <a:t>принципите</a:t>
+            </a:r>
+            <a:r>
+              <a:rPr lang="ru-RU" dirty="0">
+                <a:solidFill>
+                  <a:srgbClr val="FFFFFF"/>
+                </a:solidFill>
+              </a:rPr>
+              <a:t>, на </a:t>
+            </a:r>
+            <a:r>
+              <a:rPr lang="ru-RU" dirty="0" err="1">
+                <a:solidFill>
+                  <a:srgbClr val="FFFFFF"/>
+                </a:solidFill>
+              </a:rPr>
+              <a:t>които</a:t>
+            </a:r>
+            <a:r>
+              <a:rPr lang="ru-RU" dirty="0">
+                <a:solidFill>
+                  <a:srgbClr val="FFFFFF"/>
+                </a:solidFill>
+              </a:rPr>
+              <a:t> се </a:t>
+            </a:r>
+            <a:r>
+              <a:rPr lang="ru-RU" dirty="0" err="1">
+                <a:solidFill>
+                  <a:srgbClr val="FFFFFF"/>
+                </a:solidFill>
+              </a:rPr>
+              <a:t>подчиняват</a:t>
+            </a:r>
+            <a:r>
+              <a:rPr lang="ru-RU" dirty="0">
+                <a:solidFill>
+                  <a:srgbClr val="FFFFFF"/>
+                </a:solidFill>
+              </a:rPr>
+              <a:t> </a:t>
+            </a:r>
+            <a:r>
+              <a:rPr lang="ru-RU" dirty="0" err="1">
+                <a:solidFill>
+                  <a:srgbClr val="FFFFFF"/>
+                </a:solidFill>
+              </a:rPr>
+              <a:t>явленията</a:t>
+            </a:r>
+            <a:endParaRPr lang="en-US" dirty="0">
+              <a:solidFill>
+                <a:srgbClr val="FFFFFF"/>
+              </a:solidFill>
+            </a:endParaRPr>
+          </a:p>
+          <a:p>
+            <a:r>
+              <a:rPr lang="ru-RU" dirty="0" err="1">
+                <a:solidFill>
+                  <a:srgbClr val="FFFFFF"/>
+                </a:solidFill>
+              </a:rPr>
+              <a:t>Установяване</a:t>
+            </a:r>
+            <a:r>
+              <a:rPr lang="ru-RU" dirty="0">
+                <a:solidFill>
+                  <a:srgbClr val="FFFFFF"/>
+                </a:solidFill>
+              </a:rPr>
+              <a:t> на заключения с </a:t>
+            </a:r>
+            <a:r>
+              <a:rPr lang="ru-RU" dirty="0" err="1">
+                <a:solidFill>
+                  <a:srgbClr val="FFFFFF"/>
+                </a:solidFill>
+              </a:rPr>
+              <a:t>универсална</a:t>
+            </a:r>
+            <a:r>
+              <a:rPr lang="ru-RU" dirty="0">
+                <a:solidFill>
+                  <a:srgbClr val="FFFFFF"/>
+                </a:solidFill>
+              </a:rPr>
+              <a:t> </a:t>
+            </a:r>
+            <a:r>
+              <a:rPr lang="ru-RU" dirty="0" err="1">
+                <a:solidFill>
+                  <a:srgbClr val="FFFFFF"/>
+                </a:solidFill>
+              </a:rPr>
+              <a:t>валидност</a:t>
+            </a:r>
+            <a:endParaRPr lang="en-US" dirty="0">
+              <a:solidFill>
+                <a:srgbClr val="FFFFFF"/>
+              </a:solidFill>
+            </a:endParaRPr>
+          </a:p>
+          <a:p>
+            <a:endParaRPr lang="en-US" dirty="0">
+              <a:solidFill>
+                <a:srgbClr val="FFFFFF"/>
+              </a:solidFill>
+            </a:endParaRPr>
           </a:p>
         </p:txBody>
       </p:sp>
@@ -23608,13 +24702,13 @@
   <p:clrMapOvr>
     <a:masterClrMapping/>
   </p:clrMapOvr>
-  <mc:AlternateContent xmlns:mc="http://schemas.openxmlformats.org/markup-compatibility/2006">
-    <mc:Choice xmlns:p14="http://schemas.microsoft.com/office/powerpoint/2010/main" Requires="p14">
+  <mc:AlternateContent xmlns:mc="http://schemas.openxmlformats.org/markup-compatibility/2006" xmlns:p14="http://schemas.microsoft.com/office/powerpoint/2010/main">
+    <mc:Choice Requires="p14">
       <p:transition spd="med" p14:dur="700">
         <p:fade/>
       </p:transition>
     </mc:Choice>
-    <mc:Fallback>
+    <mc:Fallback xmlns="">
       <p:transition spd="med">
         <p:fade/>
       </p:transition>
@@ -23623,7 +24717,7 @@
 </p:sld>
 </file>
 
-<file path=ppt/slides/slide5.xml><?xml version="1.0" encoding="utf-8"?>
+<file path=ppt/slides/slide6.xml><?xml version="1.0" encoding="utf-8"?>
 <p:sld xmlns:a="http://schemas.openxmlformats.org/drawingml/2006/main" xmlns:r="http://schemas.openxmlformats.org/officeDocument/2006/relationships" xmlns:p="http://schemas.openxmlformats.org/presentationml/2006/main">
   <p:cSld>
     <p:bg>
@@ -23712,7 +24806,7 @@
           <a:noFill/>
           <a:extLst>
             <a:ext uri="{909E8E84-426E-40dd-AFC4-6F175D3DCCD1}">
-              <a14:hiddenFill xmlns="" xmlns:a16="http://schemas.microsoft.com/office/drawing/2014/main" xmlns:a14="http://schemas.microsoft.com/office/drawing/2010/main" xmlns:p14="http://schemas.microsoft.com/office/powerpoint/2010/main">
+              <a14:hiddenFill xmlns:p14="http://schemas.microsoft.com/office/powerpoint/2010/main" xmlns:a14="http://schemas.microsoft.com/office/drawing/2010/main" xmlns:a16="http://schemas.microsoft.com/office/drawing/2014/main" xmlns="">
                 <a:solidFill>
                   <a:srgbClr val="FFFFFF"/>
                 </a:solidFill>
@@ -23804,7 +24898,7 @@
             </a:ln>
             <a:extLst>
               <a:ext uri="{91240B29-F687-4f45-9708-019B960494DF}">
-                <a14:hiddenLine xmlns="" xmlns:a16="http://schemas.microsoft.com/office/drawing/2014/main" xmlns:a14="http://schemas.microsoft.com/office/drawing/2010/main" xmlns:p14="http://schemas.microsoft.com/office/powerpoint/2010/main" w="9525">
+                <a14:hiddenLine xmlns:p14="http://schemas.microsoft.com/office/powerpoint/2010/main" xmlns:a14="http://schemas.microsoft.com/office/drawing/2010/main" xmlns:a16="http://schemas.microsoft.com/office/drawing/2014/main" xmlns="" w="9525">
                   <a:solidFill>
                     <a:srgbClr val="000000"/>
                   </a:solidFill>
@@ -23909,7 +25003,7 @@
             </a:ln>
             <a:extLst>
               <a:ext uri="{91240B29-F687-4f45-9708-019B960494DF}">
-                <a14:hiddenLine xmlns="" xmlns:a16="http://schemas.microsoft.com/office/drawing/2014/main" xmlns:a14="http://schemas.microsoft.com/office/drawing/2010/main" xmlns:p14="http://schemas.microsoft.com/office/powerpoint/2010/main" w="9525">
+                <a14:hiddenLine xmlns:p14="http://schemas.microsoft.com/office/powerpoint/2010/main" xmlns:a14="http://schemas.microsoft.com/office/drawing/2010/main" xmlns:a16="http://schemas.microsoft.com/office/drawing/2014/main" xmlns="" w="9525">
                   <a:solidFill>
                     <a:srgbClr val="000000"/>
                   </a:solidFill>
@@ -24014,7 +25108,7 @@
             </a:ln>
             <a:extLst>
               <a:ext uri="{91240B29-F687-4f45-9708-019B960494DF}">
-                <a14:hiddenLine xmlns="" xmlns:a16="http://schemas.microsoft.com/office/drawing/2014/main" xmlns:a14="http://schemas.microsoft.com/office/drawing/2010/main" xmlns:p14="http://schemas.microsoft.com/office/powerpoint/2010/main" w="9525">
+                <a14:hiddenLine xmlns:p14="http://schemas.microsoft.com/office/powerpoint/2010/main" xmlns:a14="http://schemas.microsoft.com/office/drawing/2010/main" xmlns:a16="http://schemas.microsoft.com/office/drawing/2014/main" xmlns="" w="9525">
                   <a:solidFill>
                     <a:srgbClr val="000000"/>
                   </a:solidFill>
@@ -24063,7 +25157,7 @@
             </a:ln>
             <a:extLst>
               <a:ext uri="{91240B29-F687-4f45-9708-019B960494DF}">
-                <a14:hiddenLine xmlns="" xmlns:a16="http://schemas.microsoft.com/office/drawing/2014/main" xmlns:a14="http://schemas.microsoft.com/office/drawing/2010/main" xmlns:p14="http://schemas.microsoft.com/office/powerpoint/2010/main" w="9525">
+                <a14:hiddenLine xmlns:p14="http://schemas.microsoft.com/office/powerpoint/2010/main" xmlns:a14="http://schemas.microsoft.com/office/drawing/2010/main" xmlns:a16="http://schemas.microsoft.com/office/drawing/2014/main" xmlns="" w="9525">
                   <a:solidFill>
                     <a:srgbClr val="000000"/>
                   </a:solidFill>
@@ -24168,7 +25262,7 @@
             </a:ln>
             <a:extLst>
               <a:ext uri="{91240B29-F687-4f45-9708-019B960494DF}">
-                <a14:hiddenLine xmlns="" xmlns:a16="http://schemas.microsoft.com/office/drawing/2014/main" xmlns:a14="http://schemas.microsoft.com/office/drawing/2010/main" xmlns:p14="http://schemas.microsoft.com/office/powerpoint/2010/main" w="9525">
+                <a14:hiddenLine xmlns:p14="http://schemas.microsoft.com/office/powerpoint/2010/main" xmlns:a14="http://schemas.microsoft.com/office/drawing/2010/main" xmlns:a16="http://schemas.microsoft.com/office/drawing/2014/main" xmlns="" w="9525">
                   <a:solidFill>
                     <a:srgbClr val="000000"/>
                   </a:solidFill>
@@ -24245,7 +25339,7 @@
             </a:ln>
             <a:extLst>
               <a:ext uri="{91240B29-F687-4f45-9708-019B960494DF}">
-                <a14:hiddenLine xmlns="" xmlns:a16="http://schemas.microsoft.com/office/drawing/2014/main" xmlns:a14="http://schemas.microsoft.com/office/drawing/2010/main" xmlns:p14="http://schemas.microsoft.com/office/powerpoint/2010/main" w="9525">
+                <a14:hiddenLine xmlns:p14="http://schemas.microsoft.com/office/powerpoint/2010/main" xmlns:a14="http://schemas.microsoft.com/office/drawing/2010/main" xmlns:a16="http://schemas.microsoft.com/office/drawing/2014/main" xmlns="" w="9525">
                   <a:solidFill>
                     <a:srgbClr val="000000"/>
                   </a:solidFill>
@@ -24322,7 +25416,7 @@
             </a:ln>
             <a:extLst>
               <a:ext uri="{91240B29-F687-4f45-9708-019B960494DF}">
-                <a14:hiddenLine xmlns="" xmlns:a16="http://schemas.microsoft.com/office/drawing/2014/main" xmlns:a14="http://schemas.microsoft.com/office/drawing/2010/main" xmlns:p14="http://schemas.microsoft.com/office/powerpoint/2010/main" w="9525">
+                <a14:hiddenLine xmlns:p14="http://schemas.microsoft.com/office/powerpoint/2010/main" xmlns:a14="http://schemas.microsoft.com/office/drawing/2010/main" xmlns:a16="http://schemas.microsoft.com/office/drawing/2014/main" xmlns="" w="9525">
                   <a:solidFill>
                     <a:srgbClr val="000000"/>
                   </a:solidFill>
@@ -24427,7 +25521,7 @@
             </a:ln>
             <a:extLst>
               <a:ext uri="{91240B29-F687-4f45-9708-019B960494DF}">
-                <a14:hiddenLine xmlns="" xmlns:a16="http://schemas.microsoft.com/office/drawing/2014/main" xmlns:a14="http://schemas.microsoft.com/office/drawing/2010/main" xmlns:p14="http://schemas.microsoft.com/office/powerpoint/2010/main" w="9525">
+                <a14:hiddenLine xmlns:p14="http://schemas.microsoft.com/office/powerpoint/2010/main" xmlns:a14="http://schemas.microsoft.com/office/drawing/2010/main" xmlns:a16="http://schemas.microsoft.com/office/drawing/2014/main" xmlns="" w="9525">
                   <a:solidFill>
                     <a:srgbClr val="000000"/>
                   </a:solidFill>
@@ -24504,7 +25598,7 @@
             </a:ln>
             <a:extLst>
               <a:ext uri="{91240B29-F687-4f45-9708-019B960494DF}">
-                <a14:hiddenLine xmlns="" xmlns:a16="http://schemas.microsoft.com/office/drawing/2014/main" xmlns:a14="http://schemas.microsoft.com/office/drawing/2010/main" xmlns:p14="http://schemas.microsoft.com/office/powerpoint/2010/main" w="9525">
+                <a14:hiddenLine xmlns:p14="http://schemas.microsoft.com/office/powerpoint/2010/main" xmlns:a14="http://schemas.microsoft.com/office/drawing/2010/main" xmlns:a16="http://schemas.microsoft.com/office/drawing/2014/main" xmlns="" w="9525">
                   <a:solidFill>
                     <a:srgbClr val="000000"/>
                   </a:solidFill>
@@ -24581,7 +25675,7 @@
             </a:ln>
             <a:extLst>
               <a:ext uri="{91240B29-F687-4f45-9708-019B960494DF}">
-                <a14:hiddenLine xmlns="" xmlns:a16="http://schemas.microsoft.com/office/drawing/2014/main" xmlns:a14="http://schemas.microsoft.com/office/drawing/2010/main" xmlns:p14="http://schemas.microsoft.com/office/powerpoint/2010/main" w="9525">
+                <a14:hiddenLine xmlns:p14="http://schemas.microsoft.com/office/powerpoint/2010/main" xmlns:a14="http://schemas.microsoft.com/office/drawing/2010/main" xmlns:a16="http://schemas.microsoft.com/office/drawing/2014/main" xmlns="" w="9525">
                   <a:solidFill>
                     <a:srgbClr val="000000"/>
                   </a:solidFill>
@@ -24686,7 +25780,7 @@
             </a:ln>
             <a:extLst>
               <a:ext uri="{91240B29-F687-4f45-9708-019B960494DF}">
-                <a14:hiddenLine xmlns="" xmlns:a16="http://schemas.microsoft.com/office/drawing/2014/main" xmlns:a14="http://schemas.microsoft.com/office/drawing/2010/main" xmlns:p14="http://schemas.microsoft.com/office/powerpoint/2010/main" w="9525">
+                <a14:hiddenLine xmlns:p14="http://schemas.microsoft.com/office/powerpoint/2010/main" xmlns:a14="http://schemas.microsoft.com/office/drawing/2010/main" xmlns:a16="http://schemas.microsoft.com/office/drawing/2014/main" xmlns="" w="9525">
                   <a:solidFill>
                     <a:srgbClr val="000000"/>
                   </a:solidFill>
@@ -24791,7 +25885,7 @@
             </a:ln>
             <a:extLst>
               <a:ext uri="{91240B29-F687-4f45-9708-019B960494DF}">
-                <a14:hiddenLine xmlns="" xmlns:a16="http://schemas.microsoft.com/office/drawing/2014/main" xmlns:a14="http://schemas.microsoft.com/office/drawing/2010/main" xmlns:p14="http://schemas.microsoft.com/office/powerpoint/2010/main" w="9525">
+                <a14:hiddenLine xmlns:p14="http://schemas.microsoft.com/office/powerpoint/2010/main" xmlns:a14="http://schemas.microsoft.com/office/drawing/2010/main" xmlns:a16="http://schemas.microsoft.com/office/drawing/2014/main" xmlns="" w="9525">
                   <a:solidFill>
                     <a:srgbClr val="000000"/>
                   </a:solidFill>
@@ -24868,7 +25962,7 @@
             </a:ln>
             <a:extLst>
               <a:ext uri="{91240B29-F687-4f45-9708-019B960494DF}">
-                <a14:hiddenLine xmlns="" xmlns:a16="http://schemas.microsoft.com/office/drawing/2014/main" xmlns:a14="http://schemas.microsoft.com/office/drawing/2010/main" xmlns:p14="http://schemas.microsoft.com/office/powerpoint/2010/main" w="9525">
+                <a14:hiddenLine xmlns:p14="http://schemas.microsoft.com/office/powerpoint/2010/main" xmlns:a14="http://schemas.microsoft.com/office/drawing/2010/main" xmlns:a16="http://schemas.microsoft.com/office/drawing/2014/main" xmlns="" w="9525">
                   <a:solidFill>
                     <a:srgbClr val="000000"/>
                   </a:solidFill>
@@ -24993,7 +26087,7 @@
             </a:ln>
             <a:extLst>
               <a:ext uri="{91240B29-F687-4f45-9708-019B960494DF}">
-                <a14:hiddenLine xmlns="" xmlns:a16="http://schemas.microsoft.com/office/drawing/2014/main" xmlns:a14="http://schemas.microsoft.com/office/drawing/2010/main" xmlns:p14="http://schemas.microsoft.com/office/powerpoint/2010/main" w="9525">
+                <a14:hiddenLine xmlns:p14="http://schemas.microsoft.com/office/powerpoint/2010/main" xmlns:a14="http://schemas.microsoft.com/office/drawing/2010/main" xmlns:a16="http://schemas.microsoft.com/office/drawing/2014/main" xmlns="" w="9525">
                   <a:solidFill>
                     <a:srgbClr val="000000"/>
                   </a:solidFill>
@@ -25070,7 +26164,7 @@
             </a:ln>
             <a:extLst>
               <a:ext uri="{91240B29-F687-4f45-9708-019B960494DF}">
-                <a14:hiddenLine xmlns="" xmlns:a16="http://schemas.microsoft.com/office/drawing/2014/main" xmlns:a14="http://schemas.microsoft.com/office/drawing/2010/main" xmlns:p14="http://schemas.microsoft.com/office/powerpoint/2010/main" w="9525">
+                <a14:hiddenLine xmlns:p14="http://schemas.microsoft.com/office/powerpoint/2010/main" xmlns:a14="http://schemas.microsoft.com/office/drawing/2010/main" xmlns:a16="http://schemas.microsoft.com/office/drawing/2014/main" xmlns="" w="9525">
                   <a:solidFill>
                     <a:srgbClr val="000000"/>
                   </a:solidFill>
@@ -25175,7 +26269,7 @@
             </a:ln>
             <a:extLst>
               <a:ext uri="{91240B29-F687-4f45-9708-019B960494DF}">
-                <a14:hiddenLine xmlns="" xmlns:a16="http://schemas.microsoft.com/office/drawing/2014/main" xmlns:a14="http://schemas.microsoft.com/office/drawing/2010/main" xmlns:p14="http://schemas.microsoft.com/office/powerpoint/2010/main" w="9525">
+                <a14:hiddenLine xmlns:p14="http://schemas.microsoft.com/office/powerpoint/2010/main" xmlns:a14="http://schemas.microsoft.com/office/drawing/2010/main" xmlns:a16="http://schemas.microsoft.com/office/drawing/2014/main" xmlns="" w="9525">
                   <a:solidFill>
                     <a:srgbClr val="000000"/>
                   </a:solidFill>
@@ -25280,7 +26374,7 @@
             </a:ln>
             <a:extLst>
               <a:ext uri="{91240B29-F687-4f45-9708-019B960494DF}">
-                <a14:hiddenLine xmlns="" xmlns:a16="http://schemas.microsoft.com/office/drawing/2014/main" xmlns:a14="http://schemas.microsoft.com/office/drawing/2010/main" xmlns:p14="http://schemas.microsoft.com/office/powerpoint/2010/main" w="9525">
+                <a14:hiddenLine xmlns:p14="http://schemas.microsoft.com/office/powerpoint/2010/main" xmlns:a14="http://schemas.microsoft.com/office/drawing/2010/main" xmlns:a16="http://schemas.microsoft.com/office/drawing/2014/main" xmlns="" w="9525">
                   <a:solidFill>
                     <a:srgbClr val="000000"/>
                   </a:solidFill>
@@ -25357,7 +26451,7 @@
             </a:ln>
             <a:extLst>
               <a:ext uri="{91240B29-F687-4f45-9708-019B960494DF}">
-                <a14:hiddenLine xmlns="" xmlns:a16="http://schemas.microsoft.com/office/drawing/2014/main" xmlns:a14="http://schemas.microsoft.com/office/drawing/2010/main" xmlns:p14="http://schemas.microsoft.com/office/powerpoint/2010/main" w="9525">
+                <a14:hiddenLine xmlns:p14="http://schemas.microsoft.com/office/powerpoint/2010/main" xmlns:a14="http://schemas.microsoft.com/office/drawing/2010/main" xmlns:a16="http://schemas.microsoft.com/office/drawing/2014/main" xmlns="" w="9525">
                   <a:solidFill>
                     <a:srgbClr val="000000"/>
                   </a:solidFill>
@@ -25462,7 +26556,7 @@
             </a:ln>
             <a:extLst>
               <a:ext uri="{91240B29-F687-4f45-9708-019B960494DF}">
-                <a14:hiddenLine xmlns="" xmlns:a16="http://schemas.microsoft.com/office/drawing/2014/main" xmlns:a14="http://schemas.microsoft.com/office/drawing/2010/main" xmlns:p14="http://schemas.microsoft.com/office/powerpoint/2010/main" w="9525">
+                <a14:hiddenLine xmlns:p14="http://schemas.microsoft.com/office/powerpoint/2010/main" xmlns:a14="http://schemas.microsoft.com/office/drawing/2010/main" xmlns:a16="http://schemas.microsoft.com/office/drawing/2014/main" xmlns="" w="9525">
                   <a:solidFill>
                     <a:srgbClr val="000000"/>
                   </a:solidFill>
@@ -25567,7 +26661,7 @@
             </a:ln>
             <a:extLst>
               <a:ext uri="{91240B29-F687-4f45-9708-019B960494DF}">
-                <a14:hiddenLine xmlns="" xmlns:a16="http://schemas.microsoft.com/office/drawing/2014/main" xmlns:a14="http://schemas.microsoft.com/office/drawing/2010/main" xmlns:p14="http://schemas.microsoft.com/office/powerpoint/2010/main" w="9525">
+                <a14:hiddenLine xmlns:p14="http://schemas.microsoft.com/office/powerpoint/2010/main" xmlns:a14="http://schemas.microsoft.com/office/drawing/2010/main" xmlns:a16="http://schemas.microsoft.com/office/drawing/2014/main" xmlns="" w="9525">
                   <a:solidFill>
                     <a:srgbClr val="000000"/>
                   </a:solidFill>
@@ -25638,7 +26732,7 @@
             </a:ln>
             <a:extLst>
               <a:ext uri="{91240B29-F687-4f45-9708-019B960494DF}">
-                <a14:hiddenLine xmlns="" xmlns:a16="http://schemas.microsoft.com/office/drawing/2014/main" xmlns:a14="http://schemas.microsoft.com/office/drawing/2010/main" xmlns:p14="http://schemas.microsoft.com/office/powerpoint/2010/main" w="9525">
+                <a14:hiddenLine xmlns:p14="http://schemas.microsoft.com/office/powerpoint/2010/main" xmlns:a14="http://schemas.microsoft.com/office/drawing/2010/main" xmlns:a16="http://schemas.microsoft.com/office/drawing/2014/main" xmlns="" w="9525">
                   <a:solidFill>
                     <a:srgbClr val="000000"/>
                   </a:solidFill>
@@ -25743,7 +26837,7 @@
             </a:ln>
             <a:extLst>
               <a:ext uri="{91240B29-F687-4f45-9708-019B960494DF}">
-                <a14:hiddenLine xmlns="" xmlns:a16="http://schemas.microsoft.com/office/drawing/2014/main" xmlns:a14="http://schemas.microsoft.com/office/drawing/2010/main" xmlns:p14="http://schemas.microsoft.com/office/powerpoint/2010/main" w="9525">
+                <a14:hiddenLine xmlns:p14="http://schemas.microsoft.com/office/powerpoint/2010/main" xmlns:a14="http://schemas.microsoft.com/office/drawing/2010/main" xmlns:a16="http://schemas.microsoft.com/office/drawing/2014/main" xmlns="" w="9525">
                   <a:solidFill>
                     <a:srgbClr val="000000"/>
                   </a:solidFill>
@@ -25814,7 +26908,7 @@
             </a:ln>
             <a:extLst>
               <a:ext uri="{91240B29-F687-4f45-9708-019B960494DF}">
-                <a14:hiddenLine xmlns="" xmlns:a16="http://schemas.microsoft.com/office/drawing/2014/main" xmlns:a14="http://schemas.microsoft.com/office/drawing/2010/main" xmlns:p14="http://schemas.microsoft.com/office/powerpoint/2010/main" w="9525">
+                <a14:hiddenLine xmlns:p14="http://schemas.microsoft.com/office/powerpoint/2010/main" xmlns:a14="http://schemas.microsoft.com/office/drawing/2010/main" xmlns:a16="http://schemas.microsoft.com/office/drawing/2014/main" xmlns="" w="9525">
                   <a:solidFill>
                     <a:srgbClr val="000000"/>
                   </a:solidFill>
@@ -25919,7 +27013,7 @@
             </a:ln>
             <a:extLst>
               <a:ext uri="{91240B29-F687-4f45-9708-019B960494DF}">
-                <a14:hiddenLine xmlns="" xmlns:a16="http://schemas.microsoft.com/office/drawing/2014/main" xmlns:a14="http://schemas.microsoft.com/office/drawing/2010/main" xmlns:p14="http://schemas.microsoft.com/office/powerpoint/2010/main" w="9525">
+                <a14:hiddenLine xmlns:p14="http://schemas.microsoft.com/office/powerpoint/2010/main" xmlns:a14="http://schemas.microsoft.com/office/drawing/2010/main" xmlns:a16="http://schemas.microsoft.com/office/drawing/2014/main" xmlns="" w="9525">
                   <a:solidFill>
                     <a:srgbClr val="000000"/>
                   </a:solidFill>
@@ -26002,7 +27096,7 @@
             </a:ln>
             <a:extLst>
               <a:ext uri="{91240B29-F687-4f45-9708-019B960494DF}">
-                <a14:hiddenLine xmlns="" xmlns:a16="http://schemas.microsoft.com/office/drawing/2014/main" xmlns:a14="http://schemas.microsoft.com/office/drawing/2010/main" xmlns:p14="http://schemas.microsoft.com/office/powerpoint/2010/main" w="9525">
+                <a14:hiddenLine xmlns:p14="http://schemas.microsoft.com/office/powerpoint/2010/main" xmlns:a14="http://schemas.microsoft.com/office/drawing/2010/main" xmlns:a16="http://schemas.microsoft.com/office/drawing/2014/main" xmlns="" w="9525">
                   <a:solidFill>
                     <a:srgbClr val="000000"/>
                   </a:solidFill>
@@ -26107,7 +27201,7 @@
             </a:ln>
             <a:extLst>
               <a:ext uri="{91240B29-F687-4f45-9708-019B960494DF}">
-                <a14:hiddenLine xmlns="" xmlns:a16="http://schemas.microsoft.com/office/drawing/2014/main" xmlns:a14="http://schemas.microsoft.com/office/drawing/2010/main" xmlns:p14="http://schemas.microsoft.com/office/powerpoint/2010/main" w="9525">
+                <a14:hiddenLine xmlns:p14="http://schemas.microsoft.com/office/powerpoint/2010/main" xmlns:a14="http://schemas.microsoft.com/office/drawing/2010/main" xmlns:a16="http://schemas.microsoft.com/office/drawing/2014/main" xmlns="" w="9525">
                   <a:solidFill>
                     <a:srgbClr val="000000"/>
                   </a:solidFill>
@@ -26190,7 +27284,7 @@
             </a:ln>
             <a:extLst>
               <a:ext uri="{91240B29-F687-4f45-9708-019B960494DF}">
-                <a14:hiddenLine xmlns="" xmlns:a16="http://schemas.microsoft.com/office/drawing/2014/main" xmlns:a14="http://schemas.microsoft.com/office/drawing/2010/main" xmlns:p14="http://schemas.microsoft.com/office/powerpoint/2010/main" w="9525">
+                <a14:hiddenLine xmlns:p14="http://schemas.microsoft.com/office/powerpoint/2010/main" xmlns:a14="http://schemas.microsoft.com/office/drawing/2010/main" xmlns:a16="http://schemas.microsoft.com/office/drawing/2014/main" xmlns="" w="9525">
                   <a:solidFill>
                     <a:srgbClr val="000000"/>
                   </a:solidFill>
@@ -26295,7 +27389,7 @@
             </a:ln>
             <a:extLst>
               <a:ext uri="{91240B29-F687-4f45-9708-019B960494DF}">
-                <a14:hiddenLine xmlns="" xmlns:a16="http://schemas.microsoft.com/office/drawing/2014/main" xmlns:a14="http://schemas.microsoft.com/office/drawing/2010/main" xmlns:p14="http://schemas.microsoft.com/office/powerpoint/2010/main" w="9525">
+                <a14:hiddenLine xmlns:p14="http://schemas.microsoft.com/office/powerpoint/2010/main" xmlns:a14="http://schemas.microsoft.com/office/drawing/2010/main" xmlns:a16="http://schemas.microsoft.com/office/drawing/2014/main" xmlns="" w="9525">
                   <a:solidFill>
                     <a:srgbClr val="000000"/>
                   </a:solidFill>
@@ -26344,7 +27438,7 @@
             </a:ln>
             <a:extLst>
               <a:ext uri="{91240B29-F687-4f45-9708-019B960494DF}">
-                <a14:hiddenLine xmlns="" xmlns:a16="http://schemas.microsoft.com/office/drawing/2014/main" xmlns:a14="http://schemas.microsoft.com/office/drawing/2010/main" xmlns:p14="http://schemas.microsoft.com/office/powerpoint/2010/main" w="9525">
+                <a14:hiddenLine xmlns:p14="http://schemas.microsoft.com/office/powerpoint/2010/main" xmlns:a14="http://schemas.microsoft.com/office/drawing/2010/main" xmlns:a16="http://schemas.microsoft.com/office/drawing/2014/main" xmlns="" w="9525">
                   <a:solidFill>
                     <a:srgbClr val="000000"/>
                   </a:solidFill>
@@ -26449,7 +27543,7 @@
             </a:ln>
             <a:extLst>
               <a:ext uri="{91240B29-F687-4f45-9708-019B960494DF}">
-                <a14:hiddenLine xmlns="" xmlns:a16="http://schemas.microsoft.com/office/drawing/2014/main" xmlns:a14="http://schemas.microsoft.com/office/drawing/2010/main" xmlns:p14="http://schemas.microsoft.com/office/powerpoint/2010/main" w="9525">
+                <a14:hiddenLine xmlns:p14="http://schemas.microsoft.com/office/powerpoint/2010/main" xmlns:a14="http://schemas.microsoft.com/office/drawing/2010/main" xmlns:a16="http://schemas.microsoft.com/office/drawing/2014/main" xmlns="" w="9525">
                   <a:solidFill>
                     <a:srgbClr val="000000"/>
                   </a:solidFill>
@@ -26526,7 +27620,7 @@
             </a:ln>
             <a:extLst>
               <a:ext uri="{91240B29-F687-4f45-9708-019B960494DF}">
-                <a14:hiddenLine xmlns="" xmlns:a16="http://schemas.microsoft.com/office/drawing/2014/main" xmlns:a14="http://schemas.microsoft.com/office/drawing/2010/main" xmlns:p14="http://schemas.microsoft.com/office/powerpoint/2010/main" w="9525">
+                <a14:hiddenLine xmlns:p14="http://schemas.microsoft.com/office/powerpoint/2010/main" xmlns:a14="http://schemas.microsoft.com/office/drawing/2010/main" xmlns:a16="http://schemas.microsoft.com/office/drawing/2014/main" xmlns="" w="9525">
                   <a:solidFill>
                     <a:srgbClr val="000000"/>
                   </a:solidFill>
@@ -26603,7 +27697,7 @@
             </a:ln>
             <a:extLst>
               <a:ext uri="{91240B29-F687-4f45-9708-019B960494DF}">
-                <a14:hiddenLine xmlns="" xmlns:a16="http://schemas.microsoft.com/office/drawing/2014/main" xmlns:a14="http://schemas.microsoft.com/office/drawing/2010/main" xmlns:p14="http://schemas.microsoft.com/office/powerpoint/2010/main" w="9525">
+                <a14:hiddenLine xmlns:p14="http://schemas.microsoft.com/office/powerpoint/2010/main" xmlns:a14="http://schemas.microsoft.com/office/drawing/2010/main" xmlns:a16="http://schemas.microsoft.com/office/drawing/2014/main" xmlns="" w="9525">
                   <a:solidFill>
                     <a:srgbClr val="000000"/>
                   </a:solidFill>
@@ -26708,7 +27802,7 @@
             </a:ln>
             <a:extLst>
               <a:ext uri="{91240B29-F687-4f45-9708-019B960494DF}">
-                <a14:hiddenLine xmlns="" xmlns:a16="http://schemas.microsoft.com/office/drawing/2014/main" xmlns:a14="http://schemas.microsoft.com/office/drawing/2010/main" xmlns:p14="http://schemas.microsoft.com/office/powerpoint/2010/main" w="9525">
+                <a14:hiddenLine xmlns:p14="http://schemas.microsoft.com/office/powerpoint/2010/main" xmlns:a14="http://schemas.microsoft.com/office/drawing/2010/main" xmlns:a16="http://schemas.microsoft.com/office/drawing/2014/main" xmlns="" w="9525">
                   <a:solidFill>
                     <a:srgbClr val="000000"/>
                   </a:solidFill>
@@ -26791,7 +27885,7 @@
             </a:ln>
             <a:extLst>
               <a:ext uri="{91240B29-F687-4f45-9708-019B960494DF}">
-                <a14:hiddenLine xmlns="" xmlns:a16="http://schemas.microsoft.com/office/drawing/2014/main" xmlns:a14="http://schemas.microsoft.com/office/drawing/2010/main" xmlns:p14="http://schemas.microsoft.com/office/powerpoint/2010/main" w="9525">
+                <a14:hiddenLine xmlns:p14="http://schemas.microsoft.com/office/powerpoint/2010/main" xmlns:a14="http://schemas.microsoft.com/office/drawing/2010/main" xmlns:a16="http://schemas.microsoft.com/office/drawing/2014/main" xmlns="" w="9525">
                   <a:solidFill>
                     <a:srgbClr val="000000"/>
                   </a:solidFill>
@@ -26868,7 +27962,7 @@
             </a:ln>
             <a:extLst>
               <a:ext uri="{91240B29-F687-4f45-9708-019B960494DF}">
-                <a14:hiddenLine xmlns="" xmlns:a16="http://schemas.microsoft.com/office/drawing/2014/main" xmlns:a14="http://schemas.microsoft.com/office/drawing/2010/main" xmlns:p14="http://schemas.microsoft.com/office/powerpoint/2010/main" w="9525">
+                <a14:hiddenLine xmlns:p14="http://schemas.microsoft.com/office/powerpoint/2010/main" xmlns:a14="http://schemas.microsoft.com/office/drawing/2010/main" xmlns:a16="http://schemas.microsoft.com/office/drawing/2014/main" xmlns="" w="9525">
                   <a:solidFill>
                     <a:srgbClr val="000000"/>
                   </a:solidFill>
@@ -26973,7 +28067,7 @@
             </a:ln>
             <a:extLst>
               <a:ext uri="{91240B29-F687-4f45-9708-019B960494DF}">
-                <a14:hiddenLine xmlns="" xmlns:a16="http://schemas.microsoft.com/office/drawing/2014/main" xmlns:a14="http://schemas.microsoft.com/office/drawing/2010/main" xmlns:p14="http://schemas.microsoft.com/office/powerpoint/2010/main" w="9525">
+                <a14:hiddenLine xmlns:p14="http://schemas.microsoft.com/office/powerpoint/2010/main" xmlns:a14="http://schemas.microsoft.com/office/drawing/2010/main" xmlns:a16="http://schemas.microsoft.com/office/drawing/2014/main" xmlns="" w="9525">
                   <a:solidFill>
                     <a:srgbClr val="000000"/>
                   </a:solidFill>
@@ -27050,7 +28144,7 @@
             </a:ln>
             <a:extLst>
               <a:ext uri="{91240B29-F687-4f45-9708-019B960494DF}">
-                <a14:hiddenLine xmlns="" xmlns:a16="http://schemas.microsoft.com/office/drawing/2014/main" xmlns:a14="http://schemas.microsoft.com/office/drawing/2010/main" xmlns:p14="http://schemas.microsoft.com/office/powerpoint/2010/main" w="9525">
+                <a14:hiddenLine xmlns:p14="http://schemas.microsoft.com/office/powerpoint/2010/main" xmlns:a14="http://schemas.microsoft.com/office/drawing/2010/main" xmlns:a16="http://schemas.microsoft.com/office/drawing/2014/main" xmlns="" w="9525">
                   <a:solidFill>
                     <a:srgbClr val="000000"/>
                   </a:solidFill>
@@ -27155,7 +28249,7 @@
             </a:ln>
             <a:extLst>
               <a:ext uri="{91240B29-F687-4f45-9708-019B960494DF}">
-                <a14:hiddenLine xmlns="" xmlns:a16="http://schemas.microsoft.com/office/drawing/2014/main" xmlns:a14="http://schemas.microsoft.com/office/drawing/2010/main" xmlns:p14="http://schemas.microsoft.com/office/powerpoint/2010/main" w="9525">
+                <a14:hiddenLine xmlns:p14="http://schemas.microsoft.com/office/powerpoint/2010/main" xmlns:a14="http://schemas.microsoft.com/office/drawing/2010/main" xmlns:a16="http://schemas.microsoft.com/office/drawing/2014/main" xmlns="" w="9525">
                   <a:solidFill>
                     <a:srgbClr val="000000"/>
                   </a:solidFill>
@@ -27232,7 +28326,7 @@
             </a:ln>
             <a:extLst>
               <a:ext uri="{91240B29-F687-4f45-9708-019B960494DF}">
-                <a14:hiddenLine xmlns="" xmlns:a16="http://schemas.microsoft.com/office/drawing/2014/main" xmlns:a14="http://schemas.microsoft.com/office/drawing/2010/main" xmlns:p14="http://schemas.microsoft.com/office/powerpoint/2010/main" w="9525">
+                <a14:hiddenLine xmlns:p14="http://schemas.microsoft.com/office/powerpoint/2010/main" xmlns:a14="http://schemas.microsoft.com/office/drawing/2010/main" xmlns:a16="http://schemas.microsoft.com/office/drawing/2014/main" xmlns="" w="9525">
                   <a:solidFill>
                     <a:srgbClr val="000000"/>
                   </a:solidFill>
@@ -27337,7 +28431,7 @@
             </a:ln>
             <a:extLst>
               <a:ext uri="{91240B29-F687-4f45-9708-019B960494DF}">
-                <a14:hiddenLine xmlns="" xmlns:a16="http://schemas.microsoft.com/office/drawing/2014/main" xmlns:a14="http://schemas.microsoft.com/office/drawing/2010/main" xmlns:p14="http://schemas.microsoft.com/office/powerpoint/2010/main" w="9525">
+                <a14:hiddenLine xmlns:p14="http://schemas.microsoft.com/office/powerpoint/2010/main" xmlns:a14="http://schemas.microsoft.com/office/drawing/2010/main" xmlns:a16="http://schemas.microsoft.com/office/drawing/2014/main" xmlns="" w="9525">
                   <a:solidFill>
                     <a:srgbClr val="000000"/>
                   </a:solidFill>
@@ -27386,7 +28480,7 @@
             </a:ln>
             <a:extLst>
               <a:ext uri="{91240B29-F687-4f45-9708-019B960494DF}">
-                <a14:hiddenLine xmlns="" xmlns:a16="http://schemas.microsoft.com/office/drawing/2014/main" xmlns:a14="http://schemas.microsoft.com/office/drawing/2010/main" xmlns:p14="http://schemas.microsoft.com/office/powerpoint/2010/main" w="9525">
+                <a14:hiddenLine xmlns:p14="http://schemas.microsoft.com/office/powerpoint/2010/main" xmlns:a14="http://schemas.microsoft.com/office/drawing/2010/main" xmlns:a16="http://schemas.microsoft.com/office/drawing/2014/main" xmlns="" w="9525">
                   <a:solidFill>
                     <a:srgbClr val="000000"/>
                   </a:solidFill>
@@ -27466,7 +28560,7 @@
             </a:ln>
             <a:extLst>
               <a:ext uri="{91240B29-F687-4f45-9708-019B960494DF}">
-                <a14:hiddenLine xmlns="" xmlns:a16="http://schemas.microsoft.com/office/drawing/2014/main" xmlns:a14="http://schemas.microsoft.com/office/drawing/2010/main" xmlns:p14="http://schemas.microsoft.com/office/powerpoint/2010/main" w="9525">
+                <a14:hiddenLine xmlns:p14="http://schemas.microsoft.com/office/powerpoint/2010/main" xmlns:a14="http://schemas.microsoft.com/office/drawing/2010/main" xmlns:a16="http://schemas.microsoft.com/office/drawing/2014/main" xmlns="" w="9525">
                   <a:solidFill>
                     <a:srgbClr val="000000"/>
                   </a:solidFill>
@@ -27571,7 +28665,7 @@
             </a:ln>
             <a:extLst>
               <a:ext uri="{91240B29-F687-4f45-9708-019B960494DF}">
-                <a14:hiddenLine xmlns="" xmlns:a16="http://schemas.microsoft.com/office/drawing/2014/main" xmlns:a14="http://schemas.microsoft.com/office/drawing/2010/main" xmlns:p14="http://schemas.microsoft.com/office/powerpoint/2010/main" w="9525">
+                <a14:hiddenLine xmlns:p14="http://schemas.microsoft.com/office/powerpoint/2010/main" xmlns:a14="http://schemas.microsoft.com/office/drawing/2010/main" xmlns:a16="http://schemas.microsoft.com/office/drawing/2014/main" xmlns="" w="9525">
                   <a:solidFill>
                     <a:srgbClr val="000000"/>
                   </a:solidFill>
@@ -27648,7 +28742,7 @@
             </a:ln>
             <a:extLst>
               <a:ext uri="{91240B29-F687-4f45-9708-019B960494DF}">
-                <a14:hiddenLine xmlns="" xmlns:a16="http://schemas.microsoft.com/office/drawing/2014/main" xmlns:a14="http://schemas.microsoft.com/office/drawing/2010/main" xmlns:p14="http://schemas.microsoft.com/office/powerpoint/2010/main" w="9525">
+                <a14:hiddenLine xmlns:p14="http://schemas.microsoft.com/office/powerpoint/2010/main" xmlns:a14="http://schemas.microsoft.com/office/drawing/2010/main" xmlns:a16="http://schemas.microsoft.com/office/drawing/2014/main" xmlns="" w="9525">
                   <a:solidFill>
                     <a:srgbClr val="000000"/>
                   </a:solidFill>
@@ -27753,7 +28847,7 @@
             </a:ln>
             <a:extLst>
               <a:ext uri="{91240B29-F687-4f45-9708-019B960494DF}">
-                <a14:hiddenLine xmlns="" xmlns:a16="http://schemas.microsoft.com/office/drawing/2014/main" xmlns:a14="http://schemas.microsoft.com/office/drawing/2010/main" xmlns:p14="http://schemas.microsoft.com/office/powerpoint/2010/main" w="9525">
+                <a14:hiddenLine xmlns:p14="http://schemas.microsoft.com/office/powerpoint/2010/main" xmlns:a14="http://schemas.microsoft.com/office/drawing/2010/main" xmlns:a16="http://schemas.microsoft.com/office/drawing/2014/main" xmlns="" w="9525">
                   <a:solidFill>
                     <a:srgbClr val="000000"/>
                   </a:solidFill>
@@ -27858,7 +28952,7 @@
             </a:ln>
             <a:extLst>
               <a:ext uri="{91240B29-F687-4f45-9708-019B960494DF}">
-                <a14:hiddenLine xmlns="" xmlns:a16="http://schemas.microsoft.com/office/drawing/2014/main" xmlns:a14="http://schemas.microsoft.com/office/drawing/2010/main" xmlns:p14="http://schemas.microsoft.com/office/powerpoint/2010/main" w="9525">
+                <a14:hiddenLine xmlns:p14="http://schemas.microsoft.com/office/powerpoint/2010/main" xmlns:a14="http://schemas.microsoft.com/office/drawing/2010/main" xmlns:a16="http://schemas.microsoft.com/office/drawing/2014/main" xmlns="" w="9525">
                   <a:solidFill>
                     <a:srgbClr val="000000"/>
                   </a:solidFill>
@@ -27938,7 +29032,7 @@
             </a:ln>
             <a:extLst>
               <a:ext uri="{91240B29-F687-4f45-9708-019B960494DF}">
-                <a14:hiddenLine xmlns="" xmlns:a16="http://schemas.microsoft.com/office/drawing/2014/main" xmlns:a14="http://schemas.microsoft.com/office/drawing/2010/main" xmlns:p14="http://schemas.microsoft.com/office/powerpoint/2010/main" w="9525">
+                <a14:hiddenLine xmlns:p14="http://schemas.microsoft.com/office/powerpoint/2010/main" xmlns:a14="http://schemas.microsoft.com/office/drawing/2010/main" xmlns:a16="http://schemas.microsoft.com/office/drawing/2014/main" xmlns="" w="9525">
                   <a:solidFill>
                     <a:srgbClr val="000000"/>
                   </a:solidFill>
@@ -28015,7 +29109,7 @@
             </a:ln>
             <a:extLst>
               <a:ext uri="{91240B29-F687-4f45-9708-019B960494DF}">
-                <a14:hiddenLine xmlns="" xmlns:a16="http://schemas.microsoft.com/office/drawing/2014/main" xmlns:a14="http://schemas.microsoft.com/office/drawing/2010/main" xmlns:p14="http://schemas.microsoft.com/office/powerpoint/2010/main" w="9525">
+                <a14:hiddenLine xmlns:p14="http://schemas.microsoft.com/office/powerpoint/2010/main" xmlns:a14="http://schemas.microsoft.com/office/drawing/2010/main" xmlns:a16="http://schemas.microsoft.com/office/drawing/2014/main" xmlns="" w="9525">
                   <a:solidFill>
                     <a:srgbClr val="000000"/>
                   </a:solidFill>
@@ -28120,7 +29214,7 @@
             </a:ln>
             <a:extLst>
               <a:ext uri="{91240B29-F687-4f45-9708-019B960494DF}">
-                <a14:hiddenLine xmlns="" xmlns:a16="http://schemas.microsoft.com/office/drawing/2014/main" xmlns:a14="http://schemas.microsoft.com/office/drawing/2010/main" xmlns:p14="http://schemas.microsoft.com/office/powerpoint/2010/main" w="9525">
+                <a14:hiddenLine xmlns:p14="http://schemas.microsoft.com/office/powerpoint/2010/main" xmlns:a14="http://schemas.microsoft.com/office/drawing/2010/main" xmlns:a16="http://schemas.microsoft.com/office/drawing/2014/main" xmlns="" w="9525">
                   <a:solidFill>
                     <a:srgbClr val="000000"/>
                   </a:solidFill>
@@ -28225,7 +29319,7 @@
             </a:ln>
             <a:extLst>
               <a:ext uri="{91240B29-F687-4f45-9708-019B960494DF}">
-                <a14:hiddenLine xmlns="" xmlns:a16="http://schemas.microsoft.com/office/drawing/2014/main" xmlns:a14="http://schemas.microsoft.com/office/drawing/2010/main" xmlns:p14="http://schemas.microsoft.com/office/powerpoint/2010/main" w="9525">
+                <a14:hiddenLine xmlns:p14="http://schemas.microsoft.com/office/powerpoint/2010/main" xmlns:a14="http://schemas.microsoft.com/office/drawing/2010/main" xmlns:a16="http://schemas.microsoft.com/office/drawing/2014/main" xmlns="" w="9525">
                   <a:solidFill>
                     <a:srgbClr val="000000"/>
                   </a:solidFill>
@@ -28302,7 +29396,7 @@
             </a:ln>
             <a:extLst>
               <a:ext uri="{91240B29-F687-4f45-9708-019B960494DF}">
-                <a14:hiddenLine xmlns="" xmlns:a16="http://schemas.microsoft.com/office/drawing/2014/main" xmlns:a14="http://schemas.microsoft.com/office/drawing/2010/main" xmlns:p14="http://schemas.microsoft.com/office/powerpoint/2010/main" w="9525">
+                <a14:hiddenLine xmlns:p14="http://schemas.microsoft.com/office/powerpoint/2010/main" xmlns:a14="http://schemas.microsoft.com/office/drawing/2010/main" xmlns:a16="http://schemas.microsoft.com/office/drawing/2014/main" xmlns="" w="9525">
                   <a:solidFill>
                     <a:srgbClr val="000000"/>
                   </a:solidFill>
@@ -28437,7 +29531,7 @@
             </a:ln>
             <a:extLst>
               <a:ext uri="{91240B29-F687-4f45-9708-019B960494DF}">
-                <a14:hiddenLine xmlns="" xmlns:a16="http://schemas.microsoft.com/office/drawing/2014/main" xmlns:a14="http://schemas.microsoft.com/office/drawing/2010/main" xmlns:p14="http://schemas.microsoft.com/office/powerpoint/2010/main" w="9525">
+                <a14:hiddenLine xmlns:p14="http://schemas.microsoft.com/office/powerpoint/2010/main" xmlns:a14="http://schemas.microsoft.com/office/drawing/2010/main" xmlns:a16="http://schemas.microsoft.com/office/drawing/2014/main" xmlns="" w="9525">
                   <a:solidFill>
                     <a:srgbClr val="000000"/>
                   </a:solidFill>
@@ -28520,7 +29614,7 @@
             </a:ln>
             <a:extLst>
               <a:ext uri="{91240B29-F687-4f45-9708-019B960494DF}">
-                <a14:hiddenLine xmlns="" xmlns:a16="http://schemas.microsoft.com/office/drawing/2014/main" xmlns:a14="http://schemas.microsoft.com/office/drawing/2010/main" xmlns:p14="http://schemas.microsoft.com/office/powerpoint/2010/main" w="9525">
+                <a14:hiddenLine xmlns:p14="http://schemas.microsoft.com/office/powerpoint/2010/main" xmlns:a14="http://schemas.microsoft.com/office/drawing/2010/main" xmlns:a16="http://schemas.microsoft.com/office/drawing/2014/main" xmlns="" w="9525">
                   <a:solidFill>
                     <a:srgbClr val="000000"/>
                   </a:solidFill>
@@ -28625,7 +29719,7 @@
             </a:ln>
             <a:extLst>
               <a:ext uri="{91240B29-F687-4f45-9708-019B960494DF}">
-                <a14:hiddenLine xmlns="" xmlns:a16="http://schemas.microsoft.com/office/drawing/2014/main" xmlns:a14="http://schemas.microsoft.com/office/drawing/2010/main" xmlns:p14="http://schemas.microsoft.com/office/powerpoint/2010/main" w="9525">
+                <a14:hiddenLine xmlns:p14="http://schemas.microsoft.com/office/powerpoint/2010/main" xmlns:a14="http://schemas.microsoft.com/office/drawing/2010/main" xmlns:a16="http://schemas.microsoft.com/office/drawing/2014/main" xmlns="" w="9525">
                   <a:solidFill>
                     <a:srgbClr val="000000"/>
                   </a:solidFill>
@@ -28788,7 +29882,7 @@
                 </a:spcAft>
                 <a:defRPr/>
               </a:pPr>
-              <a:t>5</a:t>
+              <a:t>6</a:t>
             </a:fld>
             <a:endParaRPr lang="en-US"/>
           </a:p>
@@ -28826,24 +29920,13 @@
               <a:rPr lang="bg-BG" dirty="0"/>
               <a:t>синоним на истинност</a:t>
             </a:r>
-            <a:endParaRPr lang="en-US" dirty="0"/>
-          </a:p>
-          <a:p>
             <a:r>
-              <a:rPr lang="ru-RU" dirty="0" err="1"/>
-              <a:t>може</a:t>
+              <a:rPr lang="en-US" dirty="0"/>
+              <a:t>, </a:t>
             </a:r>
             <a:r>
               <a:rPr lang="ru-RU" dirty="0"/>
-              <a:t> да </a:t>
-            </a:r>
-            <a:r>
-              <a:rPr lang="ru-RU" dirty="0" err="1"/>
-              <a:t>бъде</a:t>
-            </a:r>
-            <a:r>
-              <a:rPr lang="ru-RU" dirty="0"/>
-              <a:t> доказан научно  или  логично</a:t>
+              <a:t>доказан научно  или  логично</a:t>
             </a:r>
             <a:endParaRPr lang="en-US" dirty="0"/>
           </a:p>
@@ -28902,13 +29985,13 @@
   <p:clrMapOvr>
     <a:masterClrMapping/>
   </p:clrMapOvr>
-  <mc:AlternateContent xmlns:mc="http://schemas.openxmlformats.org/markup-compatibility/2006">
-    <mc:Choice xmlns:p14="http://schemas.microsoft.com/office/powerpoint/2010/main" Requires="p14">
+  <mc:AlternateContent xmlns:mc="http://schemas.openxmlformats.org/markup-compatibility/2006" xmlns:p14="http://schemas.microsoft.com/office/powerpoint/2010/main">
+    <mc:Choice Requires="p14">
       <p:transition spd="med" p14:dur="700">
         <p:fade/>
       </p:transition>
     </mc:Choice>
-    <mc:Fallback>
+    <mc:Fallback xmlns="">
       <p:transition spd="med">
         <p:fade/>
       </p:transition>
@@ -28917,7 +30000,7 @@
 </p:sld>
 </file>
 
-<file path=ppt/slides/slide6.xml><?xml version="1.0" encoding="utf-8"?>
+<file path=ppt/slides/slide7.xml><?xml version="1.0" encoding="utf-8"?>
 <p:sld xmlns:a="http://schemas.openxmlformats.org/drawingml/2006/main" xmlns:r="http://schemas.openxmlformats.org/officeDocument/2006/relationships" xmlns:p="http://schemas.openxmlformats.org/presentationml/2006/main">
   <p:cSld>
     <p:bg>
@@ -29114,7 +30197,7 @@
               </a:ln>
               <a:extLst>
                 <a:ext uri="{91240B29-F687-4f45-9708-019B960494DF}">
-                  <a14:hiddenLine xmlns:a14="http://schemas.microsoft.com/office/drawing/2010/main" xmlns:p14="http://schemas.microsoft.com/office/powerpoint/2010/main" xmlns:a16="http://schemas.microsoft.com/office/drawing/2014/main" xmlns="" w="9525">
+                  <a14:hiddenLine xmlns="" xmlns:a16="http://schemas.microsoft.com/office/drawing/2014/main" xmlns:p14="http://schemas.microsoft.com/office/powerpoint/2010/main" xmlns:a14="http://schemas.microsoft.com/office/drawing/2010/main" w="9525">
                     <a:solidFill>
                       <a:srgbClr val="000000"/>
                     </a:solidFill>
@@ -29219,7 +30302,7 @@
               </a:ln>
               <a:extLst>
                 <a:ext uri="{91240B29-F687-4f45-9708-019B960494DF}">
-                  <a14:hiddenLine xmlns:a14="http://schemas.microsoft.com/office/drawing/2010/main" xmlns:p14="http://schemas.microsoft.com/office/powerpoint/2010/main" xmlns:a16="http://schemas.microsoft.com/office/drawing/2014/main" xmlns="" w="9525">
+                  <a14:hiddenLine xmlns="" xmlns:a16="http://schemas.microsoft.com/office/drawing/2014/main" xmlns:p14="http://schemas.microsoft.com/office/powerpoint/2010/main" xmlns:a14="http://schemas.microsoft.com/office/drawing/2010/main" w="9525">
                     <a:solidFill>
                       <a:srgbClr val="000000"/>
                     </a:solidFill>
@@ -29324,7 +30407,7 @@
               </a:ln>
               <a:extLst>
                 <a:ext uri="{91240B29-F687-4f45-9708-019B960494DF}">
-                  <a14:hiddenLine xmlns:a14="http://schemas.microsoft.com/office/drawing/2010/main" xmlns:p14="http://schemas.microsoft.com/office/powerpoint/2010/main" xmlns:a16="http://schemas.microsoft.com/office/drawing/2014/main" xmlns="" w="9525">
+                  <a14:hiddenLine xmlns="" xmlns:a16="http://schemas.microsoft.com/office/drawing/2014/main" xmlns:p14="http://schemas.microsoft.com/office/powerpoint/2010/main" xmlns:a14="http://schemas.microsoft.com/office/drawing/2010/main" w="9525">
                     <a:solidFill>
                       <a:srgbClr val="000000"/>
                     </a:solidFill>
@@ -29401,7 +30484,7 @@
               </a:ln>
               <a:extLst>
                 <a:ext uri="{91240B29-F687-4f45-9708-019B960494DF}">
-                  <a14:hiddenLine xmlns:a14="http://schemas.microsoft.com/office/drawing/2010/main" xmlns:p14="http://schemas.microsoft.com/office/powerpoint/2010/main" xmlns:a16="http://schemas.microsoft.com/office/drawing/2014/main" xmlns="" w="9525">
+                  <a14:hiddenLine xmlns="" xmlns:a16="http://schemas.microsoft.com/office/drawing/2014/main" xmlns:p14="http://schemas.microsoft.com/office/powerpoint/2010/main" xmlns:a14="http://schemas.microsoft.com/office/drawing/2010/main" w="9525">
                     <a:solidFill>
                       <a:srgbClr val="000000"/>
                     </a:solidFill>
@@ -29506,7 +30589,7 @@
               </a:ln>
               <a:extLst>
                 <a:ext uri="{91240B29-F687-4f45-9708-019B960494DF}">
-                  <a14:hiddenLine xmlns:a14="http://schemas.microsoft.com/office/drawing/2010/main" xmlns:p14="http://schemas.microsoft.com/office/powerpoint/2010/main" xmlns:a16="http://schemas.microsoft.com/office/drawing/2014/main" xmlns="" w="9525">
+                  <a14:hiddenLine xmlns="" xmlns:a16="http://schemas.microsoft.com/office/drawing/2014/main" xmlns:p14="http://schemas.microsoft.com/office/powerpoint/2010/main" xmlns:a14="http://schemas.microsoft.com/office/drawing/2010/main" w="9525">
                     <a:solidFill>
                       <a:srgbClr val="000000"/>
                     </a:solidFill>
@@ -29583,7 +30666,7 @@
               </a:ln>
               <a:extLst>
                 <a:ext uri="{91240B29-F687-4f45-9708-019B960494DF}">
-                  <a14:hiddenLine xmlns:a14="http://schemas.microsoft.com/office/drawing/2010/main" xmlns:p14="http://schemas.microsoft.com/office/powerpoint/2010/main" xmlns:a16="http://schemas.microsoft.com/office/drawing/2014/main" xmlns="" w="9525">
+                  <a14:hiddenLine xmlns="" xmlns:a16="http://schemas.microsoft.com/office/drawing/2014/main" xmlns:p14="http://schemas.microsoft.com/office/powerpoint/2010/main" xmlns:a14="http://schemas.microsoft.com/office/drawing/2010/main" w="9525">
                     <a:solidFill>
                       <a:srgbClr val="000000"/>
                     </a:solidFill>
@@ -29660,7 +30743,7 @@
               </a:ln>
               <a:extLst>
                 <a:ext uri="{91240B29-F687-4f45-9708-019B960494DF}">
-                  <a14:hiddenLine xmlns:a14="http://schemas.microsoft.com/office/drawing/2010/main" xmlns:p14="http://schemas.microsoft.com/office/powerpoint/2010/main" xmlns:a16="http://schemas.microsoft.com/office/drawing/2014/main" xmlns="" w="9525">
+                  <a14:hiddenLine xmlns="" xmlns:a16="http://schemas.microsoft.com/office/drawing/2014/main" xmlns:p14="http://schemas.microsoft.com/office/powerpoint/2010/main" xmlns:a14="http://schemas.microsoft.com/office/drawing/2010/main" w="9525">
                     <a:solidFill>
                       <a:srgbClr val="000000"/>
                     </a:solidFill>
@@ -29765,7 +30848,7 @@
               </a:ln>
               <a:extLst>
                 <a:ext uri="{91240B29-F687-4f45-9708-019B960494DF}">
-                  <a14:hiddenLine xmlns:a14="http://schemas.microsoft.com/office/drawing/2010/main" xmlns:p14="http://schemas.microsoft.com/office/powerpoint/2010/main" xmlns:a16="http://schemas.microsoft.com/office/drawing/2014/main" xmlns="" w="9525">
+                  <a14:hiddenLine xmlns="" xmlns:a16="http://schemas.microsoft.com/office/drawing/2014/main" xmlns:p14="http://schemas.microsoft.com/office/powerpoint/2010/main" xmlns:a14="http://schemas.microsoft.com/office/drawing/2010/main" w="9525">
                     <a:solidFill>
                       <a:srgbClr val="000000"/>
                     </a:solidFill>
@@ -29870,7 +30953,7 @@
               </a:ln>
               <a:extLst>
                 <a:ext uri="{91240B29-F687-4f45-9708-019B960494DF}">
-                  <a14:hiddenLine xmlns:a14="http://schemas.microsoft.com/office/drawing/2010/main" xmlns:p14="http://schemas.microsoft.com/office/powerpoint/2010/main" xmlns:a16="http://schemas.microsoft.com/office/drawing/2014/main" xmlns="" w="9525">
+                  <a14:hiddenLine xmlns="" xmlns:a16="http://schemas.microsoft.com/office/drawing/2014/main" xmlns:p14="http://schemas.microsoft.com/office/powerpoint/2010/main" xmlns:a14="http://schemas.microsoft.com/office/drawing/2010/main" w="9525">
                     <a:solidFill>
                       <a:srgbClr val="000000"/>
                     </a:solidFill>
@@ -29947,7 +31030,7 @@
               </a:ln>
               <a:extLst>
                 <a:ext uri="{91240B29-F687-4f45-9708-019B960494DF}">
-                  <a14:hiddenLine xmlns:a14="http://schemas.microsoft.com/office/drawing/2010/main" xmlns:p14="http://schemas.microsoft.com/office/powerpoint/2010/main" xmlns:a16="http://schemas.microsoft.com/office/drawing/2014/main" xmlns="" w="9525">
+                  <a14:hiddenLine xmlns="" xmlns:a16="http://schemas.microsoft.com/office/drawing/2014/main" xmlns:p14="http://schemas.microsoft.com/office/powerpoint/2010/main" xmlns:a14="http://schemas.microsoft.com/office/drawing/2010/main" w="9525">
                     <a:solidFill>
                       <a:srgbClr val="000000"/>
                     </a:solidFill>
@@ -30072,7 +31155,7 @@
               </a:ln>
               <a:extLst>
                 <a:ext uri="{91240B29-F687-4f45-9708-019B960494DF}">
-                  <a14:hiddenLine xmlns:a14="http://schemas.microsoft.com/office/drawing/2010/main" xmlns:p14="http://schemas.microsoft.com/office/powerpoint/2010/main" xmlns:a16="http://schemas.microsoft.com/office/drawing/2014/main" xmlns="" w="9525">
+                  <a14:hiddenLine xmlns="" xmlns:a16="http://schemas.microsoft.com/office/drawing/2014/main" xmlns:p14="http://schemas.microsoft.com/office/powerpoint/2010/main" xmlns:a14="http://schemas.microsoft.com/office/drawing/2010/main" w="9525">
                     <a:solidFill>
                       <a:srgbClr val="000000"/>
                     </a:solidFill>
@@ -30186,7 +31269,7 @@
               </a:ln>
               <a:extLst>
                 <a:ext uri="{91240B29-F687-4f45-9708-019B960494DF}">
-                  <a14:hiddenLine xmlns:a14="http://schemas.microsoft.com/office/drawing/2010/main" xmlns:p14="http://schemas.microsoft.com/office/powerpoint/2010/main" xmlns:a16="http://schemas.microsoft.com/office/drawing/2014/main" xmlns="" w="9525">
+                  <a14:hiddenLine xmlns="" xmlns:a16="http://schemas.microsoft.com/office/drawing/2014/main" xmlns:p14="http://schemas.microsoft.com/office/powerpoint/2010/main" xmlns:a14="http://schemas.microsoft.com/office/drawing/2010/main" w="9525">
                     <a:solidFill>
                       <a:srgbClr val="000000"/>
                     </a:solidFill>
@@ -30263,7 +31346,7 @@
               </a:ln>
               <a:extLst>
                 <a:ext uri="{91240B29-F687-4f45-9708-019B960494DF}">
-                  <a14:hiddenLine xmlns:a14="http://schemas.microsoft.com/office/drawing/2010/main" xmlns:p14="http://schemas.microsoft.com/office/powerpoint/2010/main" xmlns:a16="http://schemas.microsoft.com/office/drawing/2014/main" xmlns="" w="9525">
+                  <a14:hiddenLine xmlns="" xmlns:a16="http://schemas.microsoft.com/office/drawing/2014/main" xmlns:p14="http://schemas.microsoft.com/office/powerpoint/2010/main" xmlns:a14="http://schemas.microsoft.com/office/drawing/2010/main" w="9525">
                     <a:solidFill>
                       <a:srgbClr val="000000"/>
                     </a:solidFill>
@@ -30340,7 +31423,7 @@
               </a:ln>
               <a:extLst>
                 <a:ext uri="{91240B29-F687-4f45-9708-019B960494DF}">
-                  <a14:hiddenLine xmlns:a14="http://schemas.microsoft.com/office/drawing/2010/main" xmlns:p14="http://schemas.microsoft.com/office/powerpoint/2010/main" xmlns:a16="http://schemas.microsoft.com/office/drawing/2014/main" xmlns="" w="9525">
+                  <a14:hiddenLine xmlns="" xmlns:a16="http://schemas.microsoft.com/office/drawing/2014/main" xmlns:p14="http://schemas.microsoft.com/office/powerpoint/2010/main" xmlns:a14="http://schemas.microsoft.com/office/drawing/2010/main" w="9525">
                     <a:solidFill>
                       <a:srgbClr val="000000"/>
                     </a:solidFill>
@@ -30445,7 +31528,7 @@
               </a:ln>
               <a:extLst>
                 <a:ext uri="{91240B29-F687-4f45-9708-019B960494DF}">
-                  <a14:hiddenLine xmlns:a14="http://schemas.microsoft.com/office/drawing/2010/main" xmlns:p14="http://schemas.microsoft.com/office/powerpoint/2010/main" xmlns:a16="http://schemas.microsoft.com/office/drawing/2014/main" xmlns="" w="9525">
+                  <a14:hiddenLine xmlns="" xmlns:a16="http://schemas.microsoft.com/office/drawing/2014/main" xmlns:p14="http://schemas.microsoft.com/office/powerpoint/2010/main" xmlns:a14="http://schemas.microsoft.com/office/drawing/2010/main" w="9525">
                     <a:solidFill>
                       <a:srgbClr val="000000"/>
                     </a:solidFill>
@@ -30494,7 +31577,7 @@
               </a:ln>
               <a:extLst>
                 <a:ext uri="{91240B29-F687-4f45-9708-019B960494DF}">
-                  <a14:hiddenLine xmlns:a14="http://schemas.microsoft.com/office/drawing/2010/main" xmlns:p14="http://schemas.microsoft.com/office/powerpoint/2010/main" xmlns:a16="http://schemas.microsoft.com/office/drawing/2014/main" xmlns="" w="9525">
+                  <a14:hiddenLine xmlns="" xmlns:a16="http://schemas.microsoft.com/office/drawing/2014/main" xmlns:p14="http://schemas.microsoft.com/office/powerpoint/2010/main" xmlns:a14="http://schemas.microsoft.com/office/drawing/2010/main" w="9525">
                     <a:solidFill>
                       <a:srgbClr val="000000"/>
                     </a:solidFill>
@@ -30574,7 +31657,7 @@
               </a:ln>
               <a:extLst>
                 <a:ext uri="{91240B29-F687-4f45-9708-019B960494DF}">
-                  <a14:hiddenLine xmlns:a14="http://schemas.microsoft.com/office/drawing/2010/main" xmlns:p14="http://schemas.microsoft.com/office/powerpoint/2010/main" xmlns:a16="http://schemas.microsoft.com/office/drawing/2014/main" xmlns="" w="9525">
+                  <a14:hiddenLine xmlns="" xmlns:a16="http://schemas.microsoft.com/office/drawing/2014/main" xmlns:p14="http://schemas.microsoft.com/office/powerpoint/2010/main" xmlns:a14="http://schemas.microsoft.com/office/drawing/2010/main" w="9525">
                     <a:solidFill>
                       <a:srgbClr val="000000"/>
                     </a:solidFill>
@@ -30679,7 +31762,7 @@
               </a:ln>
               <a:extLst>
                 <a:ext uri="{91240B29-F687-4f45-9708-019B960494DF}">
-                  <a14:hiddenLine xmlns:a14="http://schemas.microsoft.com/office/drawing/2010/main" xmlns:p14="http://schemas.microsoft.com/office/powerpoint/2010/main" xmlns:a16="http://schemas.microsoft.com/office/drawing/2014/main" xmlns="" w="9525">
+                  <a14:hiddenLine xmlns="" xmlns:a16="http://schemas.microsoft.com/office/drawing/2014/main" xmlns:p14="http://schemas.microsoft.com/office/powerpoint/2010/main" xmlns:a14="http://schemas.microsoft.com/office/drawing/2010/main" w="9525">
                     <a:solidFill>
                       <a:srgbClr val="000000"/>
                     </a:solidFill>
@@ -30756,7 +31839,7 @@
               </a:ln>
               <a:extLst>
                 <a:ext uri="{91240B29-F687-4f45-9708-019B960494DF}">
-                  <a14:hiddenLine xmlns:a14="http://schemas.microsoft.com/office/drawing/2010/main" xmlns:p14="http://schemas.microsoft.com/office/powerpoint/2010/main" xmlns:a16="http://schemas.microsoft.com/office/drawing/2014/main" xmlns="" w="9525">
+                  <a14:hiddenLine xmlns="" xmlns:a16="http://schemas.microsoft.com/office/drawing/2014/main" xmlns:p14="http://schemas.microsoft.com/office/powerpoint/2010/main" xmlns:a14="http://schemas.microsoft.com/office/drawing/2010/main" w="9525">
                     <a:solidFill>
                       <a:srgbClr val="000000"/>
                     </a:solidFill>
@@ -30861,7 +31944,7 @@
               </a:ln>
               <a:extLst>
                 <a:ext uri="{91240B29-F687-4f45-9708-019B960494DF}">
-                  <a14:hiddenLine xmlns:a14="http://schemas.microsoft.com/office/drawing/2010/main" xmlns:p14="http://schemas.microsoft.com/office/powerpoint/2010/main" xmlns:a16="http://schemas.microsoft.com/office/drawing/2014/main" xmlns="" w="9525">
+                  <a14:hiddenLine xmlns="" xmlns:a16="http://schemas.microsoft.com/office/drawing/2014/main" xmlns:p14="http://schemas.microsoft.com/office/powerpoint/2010/main" xmlns:a14="http://schemas.microsoft.com/office/drawing/2010/main" w="9525">
                     <a:solidFill>
                       <a:srgbClr val="000000"/>
                     </a:solidFill>
@@ -30941,7 +32024,7 @@
               </a:ln>
               <a:extLst>
                 <a:ext uri="{91240B29-F687-4f45-9708-019B960494DF}">
-                  <a14:hiddenLine xmlns:a14="http://schemas.microsoft.com/office/drawing/2010/main" xmlns:p14="http://schemas.microsoft.com/office/powerpoint/2010/main" xmlns:a16="http://schemas.microsoft.com/office/drawing/2014/main" xmlns="" w="9525">
+                  <a14:hiddenLine xmlns="" xmlns:a16="http://schemas.microsoft.com/office/drawing/2014/main" xmlns:p14="http://schemas.microsoft.com/office/powerpoint/2010/main" xmlns:a14="http://schemas.microsoft.com/office/drawing/2010/main" w="9525">
                     <a:solidFill>
                       <a:srgbClr val="000000"/>
                     </a:solidFill>
@@ -31018,7 +32101,7 @@
               </a:ln>
               <a:extLst>
                 <a:ext uri="{91240B29-F687-4f45-9708-019B960494DF}">
-                  <a14:hiddenLine xmlns:a14="http://schemas.microsoft.com/office/drawing/2010/main" xmlns:p14="http://schemas.microsoft.com/office/powerpoint/2010/main" xmlns:a16="http://schemas.microsoft.com/office/drawing/2014/main" xmlns="" w="9525">
+                  <a14:hiddenLine xmlns="" xmlns:a16="http://schemas.microsoft.com/office/drawing/2014/main" xmlns:p14="http://schemas.microsoft.com/office/powerpoint/2010/main" xmlns:a14="http://schemas.microsoft.com/office/drawing/2010/main" w="9525">
                     <a:solidFill>
                       <a:srgbClr val="000000"/>
                     </a:solidFill>
@@ -31123,7 +32206,7 @@
               </a:ln>
               <a:extLst>
                 <a:ext uri="{91240B29-F687-4f45-9708-019B960494DF}">
-                  <a14:hiddenLine xmlns:a14="http://schemas.microsoft.com/office/drawing/2010/main" xmlns:p14="http://schemas.microsoft.com/office/powerpoint/2010/main" xmlns:a16="http://schemas.microsoft.com/office/drawing/2014/main" xmlns="" w="9525">
+                  <a14:hiddenLine xmlns="" xmlns:a16="http://schemas.microsoft.com/office/drawing/2014/main" xmlns:p14="http://schemas.microsoft.com/office/powerpoint/2010/main" xmlns:a14="http://schemas.microsoft.com/office/drawing/2010/main" w="9525">
                     <a:solidFill>
                       <a:srgbClr val="000000"/>
                     </a:solidFill>
@@ -31228,7 +32311,7 @@
               </a:ln>
               <a:extLst>
                 <a:ext uri="{91240B29-F687-4f45-9708-019B960494DF}">
-                  <a14:hiddenLine xmlns:a14="http://schemas.microsoft.com/office/drawing/2010/main" xmlns:p14="http://schemas.microsoft.com/office/powerpoint/2010/main" xmlns:a16="http://schemas.microsoft.com/office/drawing/2014/main" xmlns="" w="9525">
+                  <a14:hiddenLine xmlns="" xmlns:a16="http://schemas.microsoft.com/office/drawing/2014/main" xmlns:p14="http://schemas.microsoft.com/office/powerpoint/2010/main" xmlns:a14="http://schemas.microsoft.com/office/drawing/2010/main" w="9525">
                     <a:solidFill>
                       <a:srgbClr val="000000"/>
                     </a:solidFill>
@@ -31308,7 +32391,7 @@
               </a:ln>
               <a:extLst>
                 <a:ext uri="{91240B29-F687-4f45-9708-019B960494DF}">
-                  <a14:hiddenLine xmlns:a14="http://schemas.microsoft.com/office/drawing/2010/main" xmlns:p14="http://schemas.microsoft.com/office/powerpoint/2010/main" xmlns:a16="http://schemas.microsoft.com/office/drawing/2014/main" xmlns="" w="9525">
+                  <a14:hiddenLine xmlns="" xmlns:a16="http://schemas.microsoft.com/office/drawing/2014/main" xmlns:p14="http://schemas.microsoft.com/office/powerpoint/2010/main" xmlns:a14="http://schemas.microsoft.com/office/drawing/2010/main" w="9525">
                     <a:solidFill>
                       <a:srgbClr val="000000"/>
                     </a:solidFill>
@@ -31443,7 +32526,7 @@
               </a:ln>
               <a:extLst>
                 <a:ext uri="{91240B29-F687-4f45-9708-019B960494DF}">
-                  <a14:hiddenLine xmlns:a14="http://schemas.microsoft.com/office/drawing/2010/main" xmlns:p14="http://schemas.microsoft.com/office/powerpoint/2010/main" xmlns:a16="http://schemas.microsoft.com/office/drawing/2014/main" xmlns="" w="9525">
+                  <a14:hiddenLine xmlns="" xmlns:a16="http://schemas.microsoft.com/office/drawing/2014/main" xmlns:p14="http://schemas.microsoft.com/office/powerpoint/2010/main" xmlns:a14="http://schemas.microsoft.com/office/drawing/2010/main" w="9525">
                     <a:solidFill>
                       <a:srgbClr val="000000"/>
                     </a:solidFill>
@@ -31568,7 +32651,7 @@
               </a:ln>
               <a:extLst>
                 <a:ext uri="{91240B29-F687-4f45-9708-019B960494DF}">
-                  <a14:hiddenLine xmlns:a14="http://schemas.microsoft.com/office/drawing/2010/main" xmlns:p14="http://schemas.microsoft.com/office/powerpoint/2010/main" xmlns:a16="http://schemas.microsoft.com/office/drawing/2014/main" xmlns="" w="9525">
+                  <a14:hiddenLine xmlns="" xmlns:a16="http://schemas.microsoft.com/office/drawing/2014/main" xmlns:p14="http://schemas.microsoft.com/office/powerpoint/2010/main" xmlns:a14="http://schemas.microsoft.com/office/drawing/2010/main" w="9525">
                     <a:solidFill>
                       <a:srgbClr val="000000"/>
                     </a:solidFill>
@@ -31698,7 +32781,7 @@
               </a:ln>
               <a:extLst>
                 <a:ext uri="{91240B29-F687-4f45-9708-019B960494DF}">
-                  <a14:hiddenLine xmlns:a14="http://schemas.microsoft.com/office/drawing/2010/main" xmlns:p14="http://schemas.microsoft.com/office/powerpoint/2010/main" xmlns:a16="http://schemas.microsoft.com/office/drawing/2014/main" xmlns="" w="9525">
+                  <a14:hiddenLine xmlns="" xmlns:a16="http://schemas.microsoft.com/office/drawing/2014/main" xmlns:p14="http://schemas.microsoft.com/office/powerpoint/2010/main" xmlns:a14="http://schemas.microsoft.com/office/drawing/2010/main" w="9525">
                     <a:solidFill>
                       <a:srgbClr val="000000"/>
                     </a:solidFill>
@@ -31803,7 +32886,7 @@
               </a:ln>
               <a:extLst>
                 <a:ext uri="{91240B29-F687-4f45-9708-019B960494DF}">
-                  <a14:hiddenLine xmlns:a14="http://schemas.microsoft.com/office/drawing/2010/main" xmlns:p14="http://schemas.microsoft.com/office/powerpoint/2010/main" xmlns:a16="http://schemas.microsoft.com/office/drawing/2014/main" xmlns="" w="9525">
+                  <a14:hiddenLine xmlns="" xmlns:a16="http://schemas.microsoft.com/office/drawing/2014/main" xmlns:p14="http://schemas.microsoft.com/office/powerpoint/2010/main" xmlns:a14="http://schemas.microsoft.com/office/drawing/2010/main" w="9525">
                     <a:solidFill>
                       <a:srgbClr val="000000"/>
                     </a:solidFill>
@@ -31883,7 +32966,7 @@
               </a:ln>
               <a:extLst>
                 <a:ext uri="{91240B29-F687-4f45-9708-019B960494DF}">
-                  <a14:hiddenLine xmlns:a14="http://schemas.microsoft.com/office/drawing/2010/main" xmlns:p14="http://schemas.microsoft.com/office/powerpoint/2010/main" xmlns:a16="http://schemas.microsoft.com/office/drawing/2014/main" xmlns="" w="9525">
+                  <a14:hiddenLine xmlns="" xmlns:a16="http://schemas.microsoft.com/office/drawing/2014/main" xmlns:p14="http://schemas.microsoft.com/office/powerpoint/2010/main" xmlns:a14="http://schemas.microsoft.com/office/drawing/2010/main" w="9525">
                     <a:solidFill>
                       <a:srgbClr val="000000"/>
                     </a:solidFill>
@@ -31988,7 +33071,7 @@
               </a:ln>
               <a:extLst>
                 <a:ext uri="{91240B29-F687-4f45-9708-019B960494DF}">
-                  <a14:hiddenLine xmlns:a14="http://schemas.microsoft.com/office/drawing/2010/main" xmlns:p14="http://schemas.microsoft.com/office/powerpoint/2010/main" xmlns:a16="http://schemas.microsoft.com/office/drawing/2014/main" xmlns="" w="9525">
+                  <a14:hiddenLine xmlns="" xmlns:a16="http://schemas.microsoft.com/office/drawing/2014/main" xmlns:p14="http://schemas.microsoft.com/office/powerpoint/2010/main" xmlns:a14="http://schemas.microsoft.com/office/drawing/2010/main" w="9525">
                     <a:solidFill>
                       <a:srgbClr val="000000"/>
                     </a:solidFill>
@@ -32071,7 +33154,7 @@
               </a:ln>
               <a:extLst>
                 <a:ext uri="{91240B29-F687-4f45-9708-019B960494DF}">
-                  <a14:hiddenLine xmlns:a14="http://schemas.microsoft.com/office/drawing/2010/main" xmlns:p14="http://schemas.microsoft.com/office/powerpoint/2010/main" xmlns:a16="http://schemas.microsoft.com/office/drawing/2014/main" xmlns="" w="9525">
+                  <a14:hiddenLine xmlns="" xmlns:a16="http://schemas.microsoft.com/office/drawing/2014/main" xmlns:p14="http://schemas.microsoft.com/office/powerpoint/2010/main" xmlns:a14="http://schemas.microsoft.com/office/drawing/2010/main" w="9525">
                     <a:solidFill>
                       <a:srgbClr val="000000"/>
                     </a:solidFill>
@@ -32176,7 +33259,7 @@
               </a:ln>
               <a:extLst>
                 <a:ext uri="{91240B29-F687-4f45-9708-019B960494DF}">
-                  <a14:hiddenLine xmlns:a14="http://schemas.microsoft.com/office/drawing/2010/main" xmlns:p14="http://schemas.microsoft.com/office/powerpoint/2010/main" xmlns:a16="http://schemas.microsoft.com/office/drawing/2014/main" xmlns="" w="9525">
+                  <a14:hiddenLine xmlns="" xmlns:a16="http://schemas.microsoft.com/office/drawing/2014/main" xmlns:p14="http://schemas.microsoft.com/office/powerpoint/2010/main" xmlns:a14="http://schemas.microsoft.com/office/drawing/2010/main" w="9525">
                     <a:solidFill>
                       <a:srgbClr val="000000"/>
                     </a:solidFill>
@@ -32259,7 +33342,7 @@
               </a:ln>
               <a:extLst>
                 <a:ext uri="{91240B29-F687-4f45-9708-019B960494DF}">
-                  <a14:hiddenLine xmlns:a14="http://schemas.microsoft.com/office/drawing/2010/main" xmlns:p14="http://schemas.microsoft.com/office/powerpoint/2010/main" xmlns:a16="http://schemas.microsoft.com/office/drawing/2014/main" xmlns="" w="9525">
+                  <a14:hiddenLine xmlns="" xmlns:a16="http://schemas.microsoft.com/office/drawing/2014/main" xmlns:p14="http://schemas.microsoft.com/office/powerpoint/2010/main" xmlns:a14="http://schemas.microsoft.com/office/drawing/2010/main" w="9525">
                     <a:solidFill>
                       <a:srgbClr val="000000"/>
                     </a:solidFill>
@@ -32364,7 +33447,7 @@
               </a:ln>
               <a:extLst>
                 <a:ext uri="{91240B29-F687-4f45-9708-019B960494DF}">
-                  <a14:hiddenLine xmlns:a14="http://schemas.microsoft.com/office/drawing/2010/main" xmlns:p14="http://schemas.microsoft.com/office/powerpoint/2010/main" xmlns:a16="http://schemas.microsoft.com/office/drawing/2014/main" xmlns="" w="9525">
+                  <a14:hiddenLine xmlns="" xmlns:a16="http://schemas.microsoft.com/office/drawing/2014/main" xmlns:p14="http://schemas.microsoft.com/office/powerpoint/2010/main" xmlns:a14="http://schemas.microsoft.com/office/drawing/2010/main" w="9525">
                     <a:solidFill>
                       <a:srgbClr val="000000"/>
                     </a:solidFill>
@@ -32413,7 +33496,7 @@
               </a:ln>
               <a:extLst>
                 <a:ext uri="{91240B29-F687-4f45-9708-019B960494DF}">
-                  <a14:hiddenLine xmlns:a14="http://schemas.microsoft.com/office/drawing/2010/main" xmlns:p14="http://schemas.microsoft.com/office/powerpoint/2010/main" xmlns:a16="http://schemas.microsoft.com/office/drawing/2014/main" xmlns="" w="9525">
+                  <a14:hiddenLine xmlns="" xmlns:a16="http://schemas.microsoft.com/office/drawing/2014/main" xmlns:p14="http://schemas.microsoft.com/office/powerpoint/2010/main" xmlns:a14="http://schemas.microsoft.com/office/drawing/2010/main" w="9525">
                     <a:solidFill>
                       <a:srgbClr val="000000"/>
                     </a:solidFill>
@@ -32475,7 +33558,7 @@
           <a:noFill/>
           <a:extLst>
             <a:ext uri="{909E8E84-426E-40dd-AFC4-6F175D3DCCD1}">
-              <a14:hiddenFill xmlns:a14="http://schemas.microsoft.com/office/drawing/2010/main" xmlns:p14="http://schemas.microsoft.com/office/powerpoint/2010/main" xmlns:a16="http://schemas.microsoft.com/office/drawing/2014/main" xmlns="">
+              <a14:hiddenFill xmlns="" xmlns:a16="http://schemas.microsoft.com/office/drawing/2014/main" xmlns:p14="http://schemas.microsoft.com/office/powerpoint/2010/main" xmlns:a14="http://schemas.microsoft.com/office/drawing/2010/main">
                 <a:solidFill>
                   <a:srgbClr val="FFFFFF"/>
                 </a:solidFill>
@@ -32914,7 +33997,7 @@
                 </a:spcAft>
                 <a:defRPr/>
               </a:pPr>
-              <a:t>6</a:t>
+              <a:t>7</a:t>
             </a:fld>
             <a:endParaRPr lang="en-US">
               <a:solidFill>
@@ -33160,13 +34243,13 @@
   <p:clrMapOvr>
     <a:overrideClrMapping bg1="lt1" tx1="dk1" bg2="lt2" tx2="dk2" accent1="accent1" accent2="accent2" accent3="accent3" accent4="accent4" accent5="accent5" accent6="accent6" hlink="hlink" folHlink="folHlink"/>
   </p:clrMapOvr>
-  <mc:AlternateContent xmlns:mc="http://schemas.openxmlformats.org/markup-compatibility/2006">
-    <mc:Choice xmlns:p14="http://schemas.microsoft.com/office/powerpoint/2010/main" Requires="p14">
+  <mc:AlternateContent xmlns:mc="http://schemas.openxmlformats.org/markup-compatibility/2006" xmlns:p14="http://schemas.microsoft.com/office/powerpoint/2010/main">
+    <mc:Choice Requires="p14">
       <p:transition spd="med" p14:dur="700">
         <p:fade/>
       </p:transition>
     </mc:Choice>
-    <mc:Fallback>
+    <mc:Fallback xmlns="">
       <p:transition spd="med">
         <p:fade/>
       </p:transition>
@@ -33175,7 +34258,7 @@
 </p:sld>
 </file>
 
-<file path=ppt/slides/slide7.xml><?xml version="1.0" encoding="utf-8"?>
+<file path=ppt/slides/slide8.xml><?xml version="1.0" encoding="utf-8"?>
 <p:sld xmlns:a="http://schemas.openxmlformats.org/drawingml/2006/main" xmlns:r="http://schemas.openxmlformats.org/officeDocument/2006/relationships" xmlns:p="http://schemas.openxmlformats.org/presentationml/2006/main">
   <p:cSld>
     <p:bg>
@@ -33248,7 +34331,7 @@
           <a:noFill/>
           <a:extLst>
             <a:ext uri="{909E8E84-426E-40dd-AFC4-6F175D3DCCD1}">
-              <a14:hiddenFill xmlns:a14="http://schemas.microsoft.com/office/drawing/2010/main" xmlns:p14="http://schemas.microsoft.com/office/powerpoint/2010/main" xmlns:a16="http://schemas.microsoft.com/office/drawing/2014/main" xmlns="">
+              <a14:hiddenFill xmlns="" xmlns:a16="http://schemas.microsoft.com/office/drawing/2014/main" xmlns:p14="http://schemas.microsoft.com/office/powerpoint/2010/main" xmlns:a14="http://schemas.microsoft.com/office/drawing/2010/main">
                 <a:solidFill>
                   <a:srgbClr val="FFFFFF"/>
                 </a:solidFill>
@@ -33340,7 +34423,7 @@
             </a:ln>
             <a:extLst>
               <a:ext uri="{91240B29-F687-4f45-9708-019B960494DF}">
-                <a14:hiddenLine xmlns:a14="http://schemas.microsoft.com/office/drawing/2010/main" xmlns:p14="http://schemas.microsoft.com/office/powerpoint/2010/main" xmlns:a16="http://schemas.microsoft.com/office/drawing/2014/main" xmlns="" w="9525">
+                <a14:hiddenLine xmlns="" xmlns:a16="http://schemas.microsoft.com/office/drawing/2014/main" xmlns:p14="http://schemas.microsoft.com/office/powerpoint/2010/main" xmlns:a14="http://schemas.microsoft.com/office/drawing/2010/main" w="9525">
                   <a:solidFill>
                     <a:srgbClr val="000000"/>
                   </a:solidFill>
@@ -33445,7 +34528,7 @@
             </a:ln>
             <a:extLst>
               <a:ext uri="{91240B29-F687-4f45-9708-019B960494DF}">
-                <a14:hiddenLine xmlns:a14="http://schemas.microsoft.com/office/drawing/2010/main" xmlns:p14="http://schemas.microsoft.com/office/powerpoint/2010/main" xmlns:a16="http://schemas.microsoft.com/office/drawing/2014/main" xmlns="" w="9525">
+                <a14:hiddenLine xmlns="" xmlns:a16="http://schemas.microsoft.com/office/drawing/2014/main" xmlns:p14="http://schemas.microsoft.com/office/powerpoint/2010/main" xmlns:a14="http://schemas.microsoft.com/office/drawing/2010/main" w="9525">
                   <a:solidFill>
                     <a:srgbClr val="000000"/>
                   </a:solidFill>
@@ -33550,7 +34633,7 @@
             </a:ln>
             <a:extLst>
               <a:ext uri="{91240B29-F687-4f45-9708-019B960494DF}">
-                <a14:hiddenLine xmlns:a14="http://schemas.microsoft.com/office/drawing/2010/main" xmlns:p14="http://schemas.microsoft.com/office/powerpoint/2010/main" xmlns:a16="http://schemas.microsoft.com/office/drawing/2014/main" xmlns="" w="9525">
+                <a14:hiddenLine xmlns="" xmlns:a16="http://schemas.microsoft.com/office/drawing/2014/main" xmlns:p14="http://schemas.microsoft.com/office/powerpoint/2010/main" xmlns:a14="http://schemas.microsoft.com/office/drawing/2010/main" w="9525">
                   <a:solidFill>
                     <a:srgbClr val="000000"/>
                   </a:solidFill>
@@ -33599,7 +34682,7 @@
             </a:ln>
             <a:extLst>
               <a:ext uri="{91240B29-F687-4f45-9708-019B960494DF}">
-                <a14:hiddenLine xmlns:a14="http://schemas.microsoft.com/office/drawing/2010/main" xmlns:p14="http://schemas.microsoft.com/office/powerpoint/2010/main" xmlns:a16="http://schemas.microsoft.com/office/drawing/2014/main" xmlns="" w="9525">
+                <a14:hiddenLine xmlns="" xmlns:a16="http://schemas.microsoft.com/office/drawing/2014/main" xmlns:p14="http://schemas.microsoft.com/office/powerpoint/2010/main" xmlns:a14="http://schemas.microsoft.com/office/drawing/2010/main" w="9525">
                   <a:solidFill>
                     <a:srgbClr val="000000"/>
                   </a:solidFill>
@@ -33704,7 +34787,7 @@
             </a:ln>
             <a:extLst>
               <a:ext uri="{91240B29-F687-4f45-9708-019B960494DF}">
-                <a14:hiddenLine xmlns:a14="http://schemas.microsoft.com/office/drawing/2010/main" xmlns:p14="http://schemas.microsoft.com/office/powerpoint/2010/main" xmlns:a16="http://schemas.microsoft.com/office/drawing/2014/main" xmlns="" w="9525">
+                <a14:hiddenLine xmlns="" xmlns:a16="http://schemas.microsoft.com/office/drawing/2014/main" xmlns:p14="http://schemas.microsoft.com/office/powerpoint/2010/main" xmlns:a14="http://schemas.microsoft.com/office/drawing/2010/main" w="9525">
                   <a:solidFill>
                     <a:srgbClr val="000000"/>
                   </a:solidFill>
@@ -33781,7 +34864,7 @@
             </a:ln>
             <a:extLst>
               <a:ext uri="{91240B29-F687-4f45-9708-019B960494DF}">
-                <a14:hiddenLine xmlns:a14="http://schemas.microsoft.com/office/drawing/2010/main" xmlns:p14="http://schemas.microsoft.com/office/powerpoint/2010/main" xmlns:a16="http://schemas.microsoft.com/office/drawing/2014/main" xmlns="" w="9525">
+                <a14:hiddenLine xmlns="" xmlns:a16="http://schemas.microsoft.com/office/drawing/2014/main" xmlns:p14="http://schemas.microsoft.com/office/powerpoint/2010/main" xmlns:a14="http://schemas.microsoft.com/office/drawing/2010/main" w="9525">
                   <a:solidFill>
                     <a:srgbClr val="000000"/>
                   </a:solidFill>
@@ -33858,7 +34941,7 @@
             </a:ln>
             <a:extLst>
               <a:ext uri="{91240B29-F687-4f45-9708-019B960494DF}">
-                <a14:hiddenLine xmlns:a14="http://schemas.microsoft.com/office/drawing/2010/main" xmlns:p14="http://schemas.microsoft.com/office/powerpoint/2010/main" xmlns:a16="http://schemas.microsoft.com/office/drawing/2014/main" xmlns="" w="9525">
+                <a14:hiddenLine xmlns="" xmlns:a16="http://schemas.microsoft.com/office/drawing/2014/main" xmlns:p14="http://schemas.microsoft.com/office/powerpoint/2010/main" xmlns:a14="http://schemas.microsoft.com/office/drawing/2010/main" w="9525">
                   <a:solidFill>
                     <a:srgbClr val="000000"/>
                   </a:solidFill>
@@ -33963,7 +35046,7 @@
             </a:ln>
             <a:extLst>
               <a:ext uri="{91240B29-F687-4f45-9708-019B960494DF}">
-                <a14:hiddenLine xmlns:a14="http://schemas.microsoft.com/office/drawing/2010/main" xmlns:p14="http://schemas.microsoft.com/office/powerpoint/2010/main" xmlns:a16="http://schemas.microsoft.com/office/drawing/2014/main" xmlns="" w="9525">
+                <a14:hiddenLine xmlns="" xmlns:a16="http://schemas.microsoft.com/office/drawing/2014/main" xmlns:p14="http://schemas.microsoft.com/office/powerpoint/2010/main" xmlns:a14="http://schemas.microsoft.com/office/drawing/2010/main" w="9525">
                   <a:solidFill>
                     <a:srgbClr val="000000"/>
                   </a:solidFill>
@@ -34040,7 +35123,7 @@
             </a:ln>
             <a:extLst>
               <a:ext uri="{91240B29-F687-4f45-9708-019B960494DF}">
-                <a14:hiddenLine xmlns:a14="http://schemas.microsoft.com/office/drawing/2010/main" xmlns:p14="http://schemas.microsoft.com/office/powerpoint/2010/main" xmlns:a16="http://schemas.microsoft.com/office/drawing/2014/main" xmlns="" w="9525">
+                <a14:hiddenLine xmlns="" xmlns:a16="http://schemas.microsoft.com/office/drawing/2014/main" xmlns:p14="http://schemas.microsoft.com/office/powerpoint/2010/main" xmlns:a14="http://schemas.microsoft.com/office/drawing/2010/main" w="9525">
                   <a:solidFill>
                     <a:srgbClr val="000000"/>
                   </a:solidFill>
@@ -34117,7 +35200,7 @@
             </a:ln>
             <a:extLst>
               <a:ext uri="{91240B29-F687-4f45-9708-019B960494DF}">
-                <a14:hiddenLine xmlns:a14="http://schemas.microsoft.com/office/drawing/2010/main" xmlns:p14="http://schemas.microsoft.com/office/powerpoint/2010/main" xmlns:a16="http://schemas.microsoft.com/office/drawing/2014/main" xmlns="" w="9525">
+                <a14:hiddenLine xmlns="" xmlns:a16="http://schemas.microsoft.com/office/drawing/2014/main" xmlns:p14="http://schemas.microsoft.com/office/powerpoint/2010/main" xmlns:a14="http://schemas.microsoft.com/office/drawing/2010/main" w="9525">
                   <a:solidFill>
                     <a:srgbClr val="000000"/>
                   </a:solidFill>
@@ -34222,7 +35305,7 @@
             </a:ln>
             <a:extLst>
               <a:ext uri="{91240B29-F687-4f45-9708-019B960494DF}">
-                <a14:hiddenLine xmlns:a14="http://schemas.microsoft.com/office/drawing/2010/main" xmlns:p14="http://schemas.microsoft.com/office/powerpoint/2010/main" xmlns:a16="http://schemas.microsoft.com/office/drawing/2014/main" xmlns="" w="9525">
+                <a14:hiddenLine xmlns="" xmlns:a16="http://schemas.microsoft.com/office/drawing/2014/main" xmlns:p14="http://schemas.microsoft.com/office/powerpoint/2010/main" xmlns:a14="http://schemas.microsoft.com/office/drawing/2010/main" w="9525">
                   <a:solidFill>
                     <a:srgbClr val="000000"/>
                   </a:solidFill>
@@ -34327,7 +35410,7 @@
             </a:ln>
             <a:extLst>
               <a:ext uri="{91240B29-F687-4f45-9708-019B960494DF}">
-                <a14:hiddenLine xmlns:a14="http://schemas.microsoft.com/office/drawing/2010/main" xmlns:p14="http://schemas.microsoft.com/office/powerpoint/2010/main" xmlns:a16="http://schemas.microsoft.com/office/drawing/2014/main" xmlns="" w="9525">
+                <a14:hiddenLine xmlns="" xmlns:a16="http://schemas.microsoft.com/office/drawing/2014/main" xmlns:p14="http://schemas.microsoft.com/office/powerpoint/2010/main" xmlns:a14="http://schemas.microsoft.com/office/drawing/2010/main" w="9525">
                   <a:solidFill>
                     <a:srgbClr val="000000"/>
                   </a:solidFill>
@@ -34404,7 +35487,7 @@
             </a:ln>
             <a:extLst>
               <a:ext uri="{91240B29-F687-4f45-9708-019B960494DF}">
-                <a14:hiddenLine xmlns:a14="http://schemas.microsoft.com/office/drawing/2010/main" xmlns:p14="http://schemas.microsoft.com/office/powerpoint/2010/main" xmlns:a16="http://schemas.microsoft.com/office/drawing/2014/main" xmlns="" w="9525">
+                <a14:hiddenLine xmlns="" xmlns:a16="http://schemas.microsoft.com/office/drawing/2014/main" xmlns:p14="http://schemas.microsoft.com/office/powerpoint/2010/main" xmlns:a14="http://schemas.microsoft.com/office/drawing/2010/main" w="9525">
                   <a:solidFill>
                     <a:srgbClr val="000000"/>
                   </a:solidFill>
@@ -34529,7 +35612,7 @@
             </a:ln>
             <a:extLst>
               <a:ext uri="{91240B29-F687-4f45-9708-019B960494DF}">
-                <a14:hiddenLine xmlns:a14="http://schemas.microsoft.com/office/drawing/2010/main" xmlns:p14="http://schemas.microsoft.com/office/powerpoint/2010/main" xmlns:a16="http://schemas.microsoft.com/office/drawing/2014/main" xmlns="" w="9525">
+                <a14:hiddenLine xmlns="" xmlns:a16="http://schemas.microsoft.com/office/drawing/2014/main" xmlns:p14="http://schemas.microsoft.com/office/powerpoint/2010/main" xmlns:a14="http://schemas.microsoft.com/office/drawing/2010/main" w="9525">
                   <a:solidFill>
                     <a:srgbClr val="000000"/>
                   </a:solidFill>
@@ -34606,7 +35689,7 @@
             </a:ln>
             <a:extLst>
               <a:ext uri="{91240B29-F687-4f45-9708-019B960494DF}">
-                <a14:hiddenLine xmlns:a14="http://schemas.microsoft.com/office/drawing/2010/main" xmlns:p14="http://schemas.microsoft.com/office/powerpoint/2010/main" xmlns:a16="http://schemas.microsoft.com/office/drawing/2014/main" xmlns="" w="9525">
+                <a14:hiddenLine xmlns="" xmlns:a16="http://schemas.microsoft.com/office/drawing/2014/main" xmlns:p14="http://schemas.microsoft.com/office/powerpoint/2010/main" xmlns:a14="http://schemas.microsoft.com/office/drawing/2010/main" w="9525">
                   <a:solidFill>
                     <a:srgbClr val="000000"/>
                   </a:solidFill>
@@ -34711,7 +35794,7 @@
             </a:ln>
             <a:extLst>
               <a:ext uri="{91240B29-F687-4f45-9708-019B960494DF}">
-                <a14:hiddenLine xmlns:a14="http://schemas.microsoft.com/office/drawing/2010/main" xmlns:p14="http://schemas.microsoft.com/office/powerpoint/2010/main" xmlns:a16="http://schemas.microsoft.com/office/drawing/2014/main" xmlns="" w="9525">
+                <a14:hiddenLine xmlns="" xmlns:a16="http://schemas.microsoft.com/office/drawing/2014/main" xmlns:p14="http://schemas.microsoft.com/office/powerpoint/2010/main" xmlns:a14="http://schemas.microsoft.com/office/drawing/2010/main" w="9525">
                   <a:solidFill>
                     <a:srgbClr val="000000"/>
                   </a:solidFill>
@@ -34816,7 +35899,7 @@
             </a:ln>
             <a:extLst>
               <a:ext uri="{91240B29-F687-4f45-9708-019B960494DF}">
-                <a14:hiddenLine xmlns:a14="http://schemas.microsoft.com/office/drawing/2010/main" xmlns:p14="http://schemas.microsoft.com/office/powerpoint/2010/main" xmlns:a16="http://schemas.microsoft.com/office/drawing/2014/main" xmlns="" w="9525">
+                <a14:hiddenLine xmlns="" xmlns:a16="http://schemas.microsoft.com/office/drawing/2014/main" xmlns:p14="http://schemas.microsoft.com/office/powerpoint/2010/main" xmlns:a14="http://schemas.microsoft.com/office/drawing/2010/main" w="9525">
                   <a:solidFill>
                     <a:srgbClr val="000000"/>
                   </a:solidFill>
@@ -34893,7 +35976,7 @@
             </a:ln>
             <a:extLst>
               <a:ext uri="{91240B29-F687-4f45-9708-019B960494DF}">
-                <a14:hiddenLine xmlns:a14="http://schemas.microsoft.com/office/drawing/2010/main" xmlns:p14="http://schemas.microsoft.com/office/powerpoint/2010/main" xmlns:a16="http://schemas.microsoft.com/office/drawing/2014/main" xmlns="" w="9525">
+                <a14:hiddenLine xmlns="" xmlns:a16="http://schemas.microsoft.com/office/drawing/2014/main" xmlns:p14="http://schemas.microsoft.com/office/powerpoint/2010/main" xmlns:a14="http://schemas.microsoft.com/office/drawing/2010/main" w="9525">
                   <a:solidFill>
                     <a:srgbClr val="000000"/>
                   </a:solidFill>
@@ -34998,7 +36081,7 @@
             </a:ln>
             <a:extLst>
               <a:ext uri="{91240B29-F687-4f45-9708-019B960494DF}">
-                <a14:hiddenLine xmlns:a14="http://schemas.microsoft.com/office/drawing/2010/main" xmlns:p14="http://schemas.microsoft.com/office/powerpoint/2010/main" xmlns:a16="http://schemas.microsoft.com/office/drawing/2014/main" xmlns="" w="9525">
+                <a14:hiddenLine xmlns="" xmlns:a16="http://schemas.microsoft.com/office/drawing/2014/main" xmlns:p14="http://schemas.microsoft.com/office/powerpoint/2010/main" xmlns:a14="http://schemas.microsoft.com/office/drawing/2010/main" w="9525">
                   <a:solidFill>
                     <a:srgbClr val="000000"/>
                   </a:solidFill>
@@ -35103,7 +36186,7 @@
             </a:ln>
             <a:extLst>
               <a:ext uri="{91240B29-F687-4f45-9708-019B960494DF}">
-                <a14:hiddenLine xmlns:a14="http://schemas.microsoft.com/office/drawing/2010/main" xmlns:p14="http://schemas.microsoft.com/office/powerpoint/2010/main" xmlns:a16="http://schemas.microsoft.com/office/drawing/2014/main" xmlns="" w="9525">
+                <a14:hiddenLine xmlns="" xmlns:a16="http://schemas.microsoft.com/office/drawing/2014/main" xmlns:p14="http://schemas.microsoft.com/office/powerpoint/2010/main" xmlns:a14="http://schemas.microsoft.com/office/drawing/2010/main" w="9525">
                   <a:solidFill>
                     <a:srgbClr val="000000"/>
                   </a:solidFill>
@@ -35174,7 +36257,7 @@
             </a:ln>
             <a:extLst>
               <a:ext uri="{91240B29-F687-4f45-9708-019B960494DF}">
-                <a14:hiddenLine xmlns:a14="http://schemas.microsoft.com/office/drawing/2010/main" xmlns:p14="http://schemas.microsoft.com/office/powerpoint/2010/main" xmlns:a16="http://schemas.microsoft.com/office/drawing/2014/main" xmlns="" w="9525">
+                <a14:hiddenLine xmlns="" xmlns:a16="http://schemas.microsoft.com/office/drawing/2014/main" xmlns:p14="http://schemas.microsoft.com/office/powerpoint/2010/main" xmlns:a14="http://schemas.microsoft.com/office/drawing/2010/main" w="9525">
                   <a:solidFill>
                     <a:srgbClr val="000000"/>
                   </a:solidFill>
@@ -35279,7 +36362,7 @@
             </a:ln>
             <a:extLst>
               <a:ext uri="{91240B29-F687-4f45-9708-019B960494DF}">
-                <a14:hiddenLine xmlns:a14="http://schemas.microsoft.com/office/drawing/2010/main" xmlns:p14="http://schemas.microsoft.com/office/powerpoint/2010/main" xmlns:a16="http://schemas.microsoft.com/office/drawing/2014/main" xmlns="" w="9525">
+                <a14:hiddenLine xmlns="" xmlns:a16="http://schemas.microsoft.com/office/drawing/2014/main" xmlns:p14="http://schemas.microsoft.com/office/powerpoint/2010/main" xmlns:a14="http://schemas.microsoft.com/office/drawing/2010/main" w="9525">
                   <a:solidFill>
                     <a:srgbClr val="000000"/>
                   </a:solidFill>
@@ -35350,7 +36433,7 @@
             </a:ln>
             <a:extLst>
               <a:ext uri="{91240B29-F687-4f45-9708-019B960494DF}">
-                <a14:hiddenLine xmlns:a14="http://schemas.microsoft.com/office/drawing/2010/main" xmlns:p14="http://schemas.microsoft.com/office/powerpoint/2010/main" xmlns:a16="http://schemas.microsoft.com/office/drawing/2014/main" xmlns="" w="9525">
+                <a14:hiddenLine xmlns="" xmlns:a16="http://schemas.microsoft.com/office/drawing/2014/main" xmlns:p14="http://schemas.microsoft.com/office/powerpoint/2010/main" xmlns:a14="http://schemas.microsoft.com/office/drawing/2010/main" w="9525">
                   <a:solidFill>
                     <a:srgbClr val="000000"/>
                   </a:solidFill>
@@ -35455,7 +36538,7 @@
             </a:ln>
             <a:extLst>
               <a:ext uri="{91240B29-F687-4f45-9708-019B960494DF}">
-                <a14:hiddenLine xmlns:a14="http://schemas.microsoft.com/office/drawing/2010/main" xmlns:p14="http://schemas.microsoft.com/office/powerpoint/2010/main" xmlns:a16="http://schemas.microsoft.com/office/drawing/2014/main" xmlns="" w="9525">
+                <a14:hiddenLine xmlns="" xmlns:a16="http://schemas.microsoft.com/office/drawing/2014/main" xmlns:p14="http://schemas.microsoft.com/office/powerpoint/2010/main" xmlns:a14="http://schemas.microsoft.com/office/drawing/2010/main" w="9525">
                   <a:solidFill>
                     <a:srgbClr val="000000"/>
                   </a:solidFill>
@@ -35538,7 +36621,7 @@
             </a:ln>
             <a:extLst>
               <a:ext uri="{91240B29-F687-4f45-9708-019B960494DF}">
-                <a14:hiddenLine xmlns:a14="http://schemas.microsoft.com/office/drawing/2010/main" xmlns:p14="http://schemas.microsoft.com/office/powerpoint/2010/main" xmlns:a16="http://schemas.microsoft.com/office/drawing/2014/main" xmlns="" w="9525">
+                <a14:hiddenLine xmlns="" xmlns:a16="http://schemas.microsoft.com/office/drawing/2014/main" xmlns:p14="http://schemas.microsoft.com/office/powerpoint/2010/main" xmlns:a14="http://schemas.microsoft.com/office/drawing/2010/main" w="9525">
                   <a:solidFill>
                     <a:srgbClr val="000000"/>
                   </a:solidFill>
@@ -35643,7 +36726,7 @@
             </a:ln>
             <a:extLst>
               <a:ext uri="{91240B29-F687-4f45-9708-019B960494DF}">
-                <a14:hiddenLine xmlns:a14="http://schemas.microsoft.com/office/drawing/2010/main" xmlns:p14="http://schemas.microsoft.com/office/powerpoint/2010/main" xmlns:a16="http://schemas.microsoft.com/office/drawing/2014/main" xmlns="" w="9525">
+                <a14:hiddenLine xmlns="" xmlns:a16="http://schemas.microsoft.com/office/drawing/2014/main" xmlns:p14="http://schemas.microsoft.com/office/powerpoint/2010/main" xmlns:a14="http://schemas.microsoft.com/office/drawing/2010/main" w="9525">
                   <a:solidFill>
                     <a:srgbClr val="000000"/>
                   </a:solidFill>
@@ -35726,7 +36809,7 @@
             </a:ln>
             <a:extLst>
               <a:ext uri="{91240B29-F687-4f45-9708-019B960494DF}">
-                <a14:hiddenLine xmlns:a14="http://schemas.microsoft.com/office/drawing/2010/main" xmlns:p14="http://schemas.microsoft.com/office/powerpoint/2010/main" xmlns:a16="http://schemas.microsoft.com/office/drawing/2014/main" xmlns="" w="9525">
+                <a14:hiddenLine xmlns="" xmlns:a16="http://schemas.microsoft.com/office/drawing/2014/main" xmlns:p14="http://schemas.microsoft.com/office/powerpoint/2010/main" xmlns:a14="http://schemas.microsoft.com/office/drawing/2010/main" w="9525">
                   <a:solidFill>
                     <a:srgbClr val="000000"/>
                   </a:solidFill>
@@ -35831,7 +36914,7 @@
             </a:ln>
             <a:extLst>
               <a:ext uri="{91240B29-F687-4f45-9708-019B960494DF}">
-                <a14:hiddenLine xmlns:a14="http://schemas.microsoft.com/office/drawing/2010/main" xmlns:p14="http://schemas.microsoft.com/office/powerpoint/2010/main" xmlns:a16="http://schemas.microsoft.com/office/drawing/2014/main" xmlns="" w="9525">
+                <a14:hiddenLine xmlns="" xmlns:a16="http://schemas.microsoft.com/office/drawing/2014/main" xmlns:p14="http://schemas.microsoft.com/office/powerpoint/2010/main" xmlns:a14="http://schemas.microsoft.com/office/drawing/2010/main" w="9525">
                   <a:solidFill>
                     <a:srgbClr val="000000"/>
                   </a:solidFill>
@@ -35880,7 +36963,7 @@
             </a:ln>
             <a:extLst>
               <a:ext uri="{91240B29-F687-4f45-9708-019B960494DF}">
-                <a14:hiddenLine xmlns:a14="http://schemas.microsoft.com/office/drawing/2010/main" xmlns:p14="http://schemas.microsoft.com/office/powerpoint/2010/main" xmlns:a16="http://schemas.microsoft.com/office/drawing/2014/main" xmlns="" w="9525">
+                <a14:hiddenLine xmlns="" xmlns:a16="http://schemas.microsoft.com/office/drawing/2014/main" xmlns:p14="http://schemas.microsoft.com/office/powerpoint/2010/main" xmlns:a14="http://schemas.microsoft.com/office/drawing/2010/main" w="9525">
                   <a:solidFill>
                     <a:srgbClr val="000000"/>
                   </a:solidFill>
@@ -35985,7 +37068,7 @@
             </a:ln>
             <a:extLst>
               <a:ext uri="{91240B29-F687-4f45-9708-019B960494DF}">
-                <a14:hiddenLine xmlns:a14="http://schemas.microsoft.com/office/drawing/2010/main" xmlns:p14="http://schemas.microsoft.com/office/powerpoint/2010/main" xmlns:a16="http://schemas.microsoft.com/office/drawing/2014/main" xmlns="" w="9525">
+                <a14:hiddenLine xmlns="" xmlns:a16="http://schemas.microsoft.com/office/drawing/2014/main" xmlns:p14="http://schemas.microsoft.com/office/powerpoint/2010/main" xmlns:a14="http://schemas.microsoft.com/office/drawing/2010/main" w="9525">
                   <a:solidFill>
                     <a:srgbClr val="000000"/>
                   </a:solidFill>
@@ -36062,7 +37145,7 @@
             </a:ln>
             <a:extLst>
               <a:ext uri="{91240B29-F687-4f45-9708-019B960494DF}">
-                <a14:hiddenLine xmlns:a14="http://schemas.microsoft.com/office/drawing/2010/main" xmlns:p14="http://schemas.microsoft.com/office/powerpoint/2010/main" xmlns:a16="http://schemas.microsoft.com/office/drawing/2014/main" xmlns="" w="9525">
+                <a14:hiddenLine xmlns="" xmlns:a16="http://schemas.microsoft.com/office/drawing/2014/main" xmlns:p14="http://schemas.microsoft.com/office/powerpoint/2010/main" xmlns:a14="http://schemas.microsoft.com/office/drawing/2010/main" w="9525">
                   <a:solidFill>
                     <a:srgbClr val="000000"/>
                   </a:solidFill>
@@ -36139,7 +37222,7 @@
             </a:ln>
             <a:extLst>
               <a:ext uri="{91240B29-F687-4f45-9708-019B960494DF}">
-                <a14:hiddenLine xmlns:a14="http://schemas.microsoft.com/office/drawing/2010/main" xmlns:p14="http://schemas.microsoft.com/office/powerpoint/2010/main" xmlns:a16="http://schemas.microsoft.com/office/drawing/2014/main" xmlns="" w="9525">
+                <a14:hiddenLine xmlns="" xmlns:a16="http://schemas.microsoft.com/office/drawing/2014/main" xmlns:p14="http://schemas.microsoft.com/office/powerpoint/2010/main" xmlns:a14="http://schemas.microsoft.com/office/drawing/2010/main" w="9525">
                   <a:solidFill>
                     <a:srgbClr val="000000"/>
                   </a:solidFill>
@@ -36244,7 +37327,7 @@
             </a:ln>
             <a:extLst>
               <a:ext uri="{91240B29-F687-4f45-9708-019B960494DF}">
-                <a14:hiddenLine xmlns:a14="http://schemas.microsoft.com/office/drawing/2010/main" xmlns:p14="http://schemas.microsoft.com/office/powerpoint/2010/main" xmlns:a16="http://schemas.microsoft.com/office/drawing/2014/main" xmlns="" w="9525">
+                <a14:hiddenLine xmlns="" xmlns:a16="http://schemas.microsoft.com/office/drawing/2014/main" xmlns:p14="http://schemas.microsoft.com/office/powerpoint/2010/main" xmlns:a14="http://schemas.microsoft.com/office/drawing/2010/main" w="9525">
                   <a:solidFill>
                     <a:srgbClr val="000000"/>
                   </a:solidFill>
@@ -36327,7 +37410,7 @@
             </a:ln>
             <a:extLst>
               <a:ext uri="{91240B29-F687-4f45-9708-019B960494DF}">
-                <a14:hiddenLine xmlns:a14="http://schemas.microsoft.com/office/drawing/2010/main" xmlns:p14="http://schemas.microsoft.com/office/powerpoint/2010/main" xmlns:a16="http://schemas.microsoft.com/office/drawing/2014/main" xmlns="" w="9525">
+                <a14:hiddenLine xmlns="" xmlns:a16="http://schemas.microsoft.com/office/drawing/2014/main" xmlns:p14="http://schemas.microsoft.com/office/powerpoint/2010/main" xmlns:a14="http://schemas.microsoft.com/office/drawing/2010/main" w="9525">
                   <a:solidFill>
                     <a:srgbClr val="000000"/>
                   </a:solidFill>
@@ -36404,7 +37487,7 @@
             </a:ln>
             <a:extLst>
               <a:ext uri="{91240B29-F687-4f45-9708-019B960494DF}">
-                <a14:hiddenLine xmlns:a14="http://schemas.microsoft.com/office/drawing/2010/main" xmlns:p14="http://schemas.microsoft.com/office/powerpoint/2010/main" xmlns:a16="http://schemas.microsoft.com/office/drawing/2014/main" xmlns="" w="9525">
+                <a14:hiddenLine xmlns="" xmlns:a16="http://schemas.microsoft.com/office/drawing/2014/main" xmlns:p14="http://schemas.microsoft.com/office/powerpoint/2010/main" xmlns:a14="http://schemas.microsoft.com/office/drawing/2010/main" w="9525">
                   <a:solidFill>
                     <a:srgbClr val="000000"/>
                   </a:solidFill>
@@ -36509,7 +37592,7 @@
             </a:ln>
             <a:extLst>
               <a:ext uri="{91240B29-F687-4f45-9708-019B960494DF}">
-                <a14:hiddenLine xmlns:a14="http://schemas.microsoft.com/office/drawing/2010/main" xmlns:p14="http://schemas.microsoft.com/office/powerpoint/2010/main" xmlns:a16="http://schemas.microsoft.com/office/drawing/2014/main" xmlns="" w="9525">
+                <a14:hiddenLine xmlns="" xmlns:a16="http://schemas.microsoft.com/office/drawing/2014/main" xmlns:p14="http://schemas.microsoft.com/office/powerpoint/2010/main" xmlns:a14="http://schemas.microsoft.com/office/drawing/2010/main" w="9525">
                   <a:solidFill>
                     <a:srgbClr val="000000"/>
                   </a:solidFill>
@@ -36586,7 +37669,7 @@
             </a:ln>
             <a:extLst>
               <a:ext uri="{91240B29-F687-4f45-9708-019B960494DF}">
-                <a14:hiddenLine xmlns:a14="http://schemas.microsoft.com/office/drawing/2010/main" xmlns:p14="http://schemas.microsoft.com/office/powerpoint/2010/main" xmlns:a16="http://schemas.microsoft.com/office/drawing/2014/main" xmlns="" w="9525">
+                <a14:hiddenLine xmlns="" xmlns:a16="http://schemas.microsoft.com/office/drawing/2014/main" xmlns:p14="http://schemas.microsoft.com/office/powerpoint/2010/main" xmlns:a14="http://schemas.microsoft.com/office/drawing/2010/main" w="9525">
                   <a:solidFill>
                     <a:srgbClr val="000000"/>
                   </a:solidFill>
@@ -36691,7 +37774,7 @@
             </a:ln>
             <a:extLst>
               <a:ext uri="{91240B29-F687-4f45-9708-019B960494DF}">
-                <a14:hiddenLine xmlns:a14="http://schemas.microsoft.com/office/drawing/2010/main" xmlns:p14="http://schemas.microsoft.com/office/powerpoint/2010/main" xmlns:a16="http://schemas.microsoft.com/office/drawing/2014/main" xmlns="" w="9525">
+                <a14:hiddenLine xmlns="" xmlns:a16="http://schemas.microsoft.com/office/drawing/2014/main" xmlns:p14="http://schemas.microsoft.com/office/powerpoint/2010/main" xmlns:a14="http://schemas.microsoft.com/office/drawing/2010/main" w="9525">
                   <a:solidFill>
                     <a:srgbClr val="000000"/>
                   </a:solidFill>
@@ -36768,7 +37851,7 @@
             </a:ln>
             <a:extLst>
               <a:ext uri="{91240B29-F687-4f45-9708-019B960494DF}">
-                <a14:hiddenLine xmlns:a14="http://schemas.microsoft.com/office/drawing/2010/main" xmlns:p14="http://schemas.microsoft.com/office/powerpoint/2010/main" xmlns:a16="http://schemas.microsoft.com/office/drawing/2014/main" xmlns="" w="9525">
+                <a14:hiddenLine xmlns="" xmlns:a16="http://schemas.microsoft.com/office/drawing/2014/main" xmlns:p14="http://schemas.microsoft.com/office/powerpoint/2010/main" xmlns:a14="http://schemas.microsoft.com/office/drawing/2010/main" w="9525">
                   <a:solidFill>
                     <a:srgbClr val="000000"/>
                   </a:solidFill>
@@ -36873,7 +37956,7 @@
             </a:ln>
             <a:extLst>
               <a:ext uri="{91240B29-F687-4f45-9708-019B960494DF}">
-                <a14:hiddenLine xmlns:a14="http://schemas.microsoft.com/office/drawing/2010/main" xmlns:p14="http://schemas.microsoft.com/office/powerpoint/2010/main" xmlns:a16="http://schemas.microsoft.com/office/drawing/2014/main" xmlns="" w="9525">
+                <a14:hiddenLine xmlns="" xmlns:a16="http://schemas.microsoft.com/office/drawing/2014/main" xmlns:p14="http://schemas.microsoft.com/office/powerpoint/2010/main" xmlns:a14="http://schemas.microsoft.com/office/drawing/2010/main" w="9525">
                   <a:solidFill>
                     <a:srgbClr val="000000"/>
                   </a:solidFill>
@@ -36922,7 +38005,7 @@
             </a:ln>
             <a:extLst>
               <a:ext uri="{91240B29-F687-4f45-9708-019B960494DF}">
-                <a14:hiddenLine xmlns:a14="http://schemas.microsoft.com/office/drawing/2010/main" xmlns:p14="http://schemas.microsoft.com/office/powerpoint/2010/main" xmlns:a16="http://schemas.microsoft.com/office/drawing/2014/main" xmlns="" w="9525">
+                <a14:hiddenLine xmlns="" xmlns:a16="http://schemas.microsoft.com/office/drawing/2014/main" xmlns:p14="http://schemas.microsoft.com/office/powerpoint/2010/main" xmlns:a14="http://schemas.microsoft.com/office/drawing/2010/main" w="9525">
                   <a:solidFill>
                     <a:srgbClr val="000000"/>
                   </a:solidFill>
@@ -37002,7 +38085,7 @@
             </a:ln>
             <a:extLst>
               <a:ext uri="{91240B29-F687-4f45-9708-019B960494DF}">
-                <a14:hiddenLine xmlns:a14="http://schemas.microsoft.com/office/drawing/2010/main" xmlns:p14="http://schemas.microsoft.com/office/powerpoint/2010/main" xmlns:a16="http://schemas.microsoft.com/office/drawing/2014/main" xmlns="" w="9525">
+                <a14:hiddenLine xmlns="" xmlns:a16="http://schemas.microsoft.com/office/drawing/2014/main" xmlns:p14="http://schemas.microsoft.com/office/powerpoint/2010/main" xmlns:a14="http://schemas.microsoft.com/office/drawing/2010/main" w="9525">
                   <a:solidFill>
                     <a:srgbClr val="000000"/>
                   </a:solidFill>
@@ -37107,7 +38190,7 @@
             </a:ln>
             <a:extLst>
               <a:ext uri="{91240B29-F687-4f45-9708-019B960494DF}">
-                <a14:hiddenLine xmlns:a14="http://schemas.microsoft.com/office/drawing/2010/main" xmlns:p14="http://schemas.microsoft.com/office/powerpoint/2010/main" xmlns:a16="http://schemas.microsoft.com/office/drawing/2014/main" xmlns="" w="9525">
+                <a14:hiddenLine xmlns="" xmlns:a16="http://schemas.microsoft.com/office/drawing/2014/main" xmlns:p14="http://schemas.microsoft.com/office/powerpoint/2010/main" xmlns:a14="http://schemas.microsoft.com/office/drawing/2010/main" w="9525">
                   <a:solidFill>
                     <a:srgbClr val="000000"/>
                   </a:solidFill>
@@ -37184,7 +38267,7 @@
             </a:ln>
             <a:extLst>
               <a:ext uri="{91240B29-F687-4f45-9708-019B960494DF}">
-                <a14:hiddenLine xmlns:a14="http://schemas.microsoft.com/office/drawing/2010/main" xmlns:p14="http://schemas.microsoft.com/office/powerpoint/2010/main" xmlns:a16="http://schemas.microsoft.com/office/drawing/2014/main" xmlns="" w="9525">
+                <a14:hiddenLine xmlns="" xmlns:a16="http://schemas.microsoft.com/office/drawing/2014/main" xmlns:p14="http://schemas.microsoft.com/office/powerpoint/2010/main" xmlns:a14="http://schemas.microsoft.com/office/drawing/2010/main" w="9525">
                   <a:solidFill>
                     <a:srgbClr val="000000"/>
                   </a:solidFill>
@@ -37289,7 +38372,7 @@
             </a:ln>
             <a:extLst>
               <a:ext uri="{91240B29-F687-4f45-9708-019B960494DF}">
-                <a14:hiddenLine xmlns:a14="http://schemas.microsoft.com/office/drawing/2010/main" xmlns:p14="http://schemas.microsoft.com/office/powerpoint/2010/main" xmlns:a16="http://schemas.microsoft.com/office/drawing/2014/main" xmlns="" w="9525">
+                <a14:hiddenLine xmlns="" xmlns:a16="http://schemas.microsoft.com/office/drawing/2014/main" xmlns:p14="http://schemas.microsoft.com/office/powerpoint/2010/main" xmlns:a14="http://schemas.microsoft.com/office/drawing/2010/main" w="9525">
                   <a:solidFill>
                     <a:srgbClr val="000000"/>
                   </a:solidFill>
@@ -37394,7 +38477,7 @@
             </a:ln>
             <a:extLst>
               <a:ext uri="{91240B29-F687-4f45-9708-019B960494DF}">
-                <a14:hiddenLine xmlns:a14="http://schemas.microsoft.com/office/drawing/2010/main" xmlns:p14="http://schemas.microsoft.com/office/powerpoint/2010/main" xmlns:a16="http://schemas.microsoft.com/office/drawing/2014/main" xmlns="" w="9525">
+                <a14:hiddenLine xmlns="" xmlns:a16="http://schemas.microsoft.com/office/drawing/2014/main" xmlns:p14="http://schemas.microsoft.com/office/powerpoint/2010/main" xmlns:a14="http://schemas.microsoft.com/office/drawing/2010/main" w="9525">
                   <a:solidFill>
                     <a:srgbClr val="000000"/>
                   </a:solidFill>
@@ -37474,7 +38557,7 @@
             </a:ln>
             <a:extLst>
               <a:ext uri="{91240B29-F687-4f45-9708-019B960494DF}">
-                <a14:hiddenLine xmlns:a14="http://schemas.microsoft.com/office/drawing/2010/main" xmlns:p14="http://schemas.microsoft.com/office/powerpoint/2010/main" xmlns:a16="http://schemas.microsoft.com/office/drawing/2014/main" xmlns="" w="9525">
+                <a14:hiddenLine xmlns="" xmlns:a16="http://schemas.microsoft.com/office/drawing/2014/main" xmlns:p14="http://schemas.microsoft.com/office/powerpoint/2010/main" xmlns:a14="http://schemas.microsoft.com/office/drawing/2010/main" w="9525">
                   <a:solidFill>
                     <a:srgbClr val="000000"/>
                   </a:solidFill>
@@ -37551,7 +38634,7 @@
             </a:ln>
             <a:extLst>
               <a:ext uri="{91240B29-F687-4f45-9708-019B960494DF}">
-                <a14:hiddenLine xmlns:a14="http://schemas.microsoft.com/office/drawing/2010/main" xmlns:p14="http://schemas.microsoft.com/office/powerpoint/2010/main" xmlns:a16="http://schemas.microsoft.com/office/drawing/2014/main" xmlns="" w="9525">
+                <a14:hiddenLine xmlns="" xmlns:a16="http://schemas.microsoft.com/office/drawing/2014/main" xmlns:p14="http://schemas.microsoft.com/office/powerpoint/2010/main" xmlns:a14="http://schemas.microsoft.com/office/drawing/2010/main" w="9525">
                   <a:solidFill>
                     <a:srgbClr val="000000"/>
                   </a:solidFill>
@@ -37656,7 +38739,7 @@
             </a:ln>
             <a:extLst>
               <a:ext uri="{91240B29-F687-4f45-9708-019B960494DF}">
-                <a14:hiddenLine xmlns:a14="http://schemas.microsoft.com/office/drawing/2010/main" xmlns:p14="http://schemas.microsoft.com/office/powerpoint/2010/main" xmlns:a16="http://schemas.microsoft.com/office/drawing/2014/main" xmlns="" w="9525">
+                <a14:hiddenLine xmlns="" xmlns:a16="http://schemas.microsoft.com/office/drawing/2014/main" xmlns:p14="http://schemas.microsoft.com/office/powerpoint/2010/main" xmlns:a14="http://schemas.microsoft.com/office/drawing/2010/main" w="9525">
                   <a:solidFill>
                     <a:srgbClr val="000000"/>
                   </a:solidFill>
@@ -37761,7 +38844,7 @@
             </a:ln>
             <a:extLst>
               <a:ext uri="{91240B29-F687-4f45-9708-019B960494DF}">
-                <a14:hiddenLine xmlns:a14="http://schemas.microsoft.com/office/drawing/2010/main" xmlns:p14="http://schemas.microsoft.com/office/powerpoint/2010/main" xmlns:a16="http://schemas.microsoft.com/office/drawing/2014/main" xmlns="" w="9525">
+                <a14:hiddenLine xmlns="" xmlns:a16="http://schemas.microsoft.com/office/drawing/2014/main" xmlns:p14="http://schemas.microsoft.com/office/powerpoint/2010/main" xmlns:a14="http://schemas.microsoft.com/office/drawing/2010/main" w="9525">
                   <a:solidFill>
                     <a:srgbClr val="000000"/>
                   </a:solidFill>
@@ -37838,7 +38921,7 @@
             </a:ln>
             <a:extLst>
               <a:ext uri="{91240B29-F687-4f45-9708-019B960494DF}">
-                <a14:hiddenLine xmlns:a14="http://schemas.microsoft.com/office/drawing/2010/main" xmlns:p14="http://schemas.microsoft.com/office/powerpoint/2010/main" xmlns:a16="http://schemas.microsoft.com/office/drawing/2014/main" xmlns="" w="9525">
+                <a14:hiddenLine xmlns="" xmlns:a16="http://schemas.microsoft.com/office/drawing/2014/main" xmlns:p14="http://schemas.microsoft.com/office/powerpoint/2010/main" xmlns:a14="http://schemas.microsoft.com/office/drawing/2010/main" w="9525">
                   <a:solidFill>
                     <a:srgbClr val="000000"/>
                   </a:solidFill>
@@ -37973,7 +39056,7 @@
             </a:ln>
             <a:extLst>
               <a:ext uri="{91240B29-F687-4f45-9708-019B960494DF}">
-                <a14:hiddenLine xmlns:a14="http://schemas.microsoft.com/office/drawing/2010/main" xmlns:p14="http://schemas.microsoft.com/office/powerpoint/2010/main" xmlns:a16="http://schemas.microsoft.com/office/drawing/2014/main" xmlns="" w="9525">
+                <a14:hiddenLine xmlns="" xmlns:a16="http://schemas.microsoft.com/office/drawing/2014/main" xmlns:p14="http://schemas.microsoft.com/office/powerpoint/2010/main" xmlns:a14="http://schemas.microsoft.com/office/drawing/2010/main" w="9525">
                   <a:solidFill>
                     <a:srgbClr val="000000"/>
                   </a:solidFill>
@@ -38056,7 +39139,7 @@
             </a:ln>
             <a:extLst>
               <a:ext uri="{91240B29-F687-4f45-9708-019B960494DF}">
-                <a14:hiddenLine xmlns:a14="http://schemas.microsoft.com/office/drawing/2010/main" xmlns:p14="http://schemas.microsoft.com/office/powerpoint/2010/main" xmlns:a16="http://schemas.microsoft.com/office/drawing/2014/main" xmlns="" w="9525">
+                <a14:hiddenLine xmlns="" xmlns:a16="http://schemas.microsoft.com/office/drawing/2014/main" xmlns:p14="http://schemas.microsoft.com/office/powerpoint/2010/main" xmlns:a14="http://schemas.microsoft.com/office/drawing/2010/main" w="9525">
                   <a:solidFill>
                     <a:srgbClr val="000000"/>
                   </a:solidFill>
@@ -38161,7 +39244,7 @@
             </a:ln>
             <a:extLst>
               <a:ext uri="{91240B29-F687-4f45-9708-019B960494DF}">
-                <a14:hiddenLine xmlns:a14="http://schemas.microsoft.com/office/drawing/2010/main" xmlns:p14="http://schemas.microsoft.com/office/powerpoint/2010/main" xmlns:a16="http://schemas.microsoft.com/office/drawing/2014/main" xmlns="" w="9525">
+                <a14:hiddenLine xmlns="" xmlns:a16="http://schemas.microsoft.com/office/drawing/2014/main" xmlns:p14="http://schemas.microsoft.com/office/powerpoint/2010/main" xmlns:a14="http://schemas.microsoft.com/office/drawing/2010/main" w="9525">
                   <a:solidFill>
                     <a:srgbClr val="000000"/>
                   </a:solidFill>
@@ -38317,7 +39400,7 @@
             </a:ln>
             <a:extLst>
               <a:ext uri="{91240B29-F687-4f45-9708-019B960494DF}">
-                <a14:hiddenLine xmlns:a14="http://schemas.microsoft.com/office/drawing/2010/main" xmlns:p14="http://schemas.microsoft.com/office/powerpoint/2010/main" xmlns:a16="http://schemas.microsoft.com/office/drawing/2014/main" xmlns="" w="9525">
+                <a14:hiddenLine xmlns="" xmlns:a16="http://schemas.microsoft.com/office/drawing/2014/main" xmlns:p14="http://schemas.microsoft.com/office/powerpoint/2010/main" xmlns:a14="http://schemas.microsoft.com/office/drawing/2010/main" w="9525">
                   <a:solidFill>
                     <a:srgbClr val="000000"/>
                   </a:solidFill>
@@ -38422,7 +39505,7 @@
             </a:ln>
             <a:extLst>
               <a:ext uri="{91240B29-F687-4f45-9708-019B960494DF}">
-                <a14:hiddenLine xmlns:a14="http://schemas.microsoft.com/office/drawing/2010/main" xmlns:p14="http://schemas.microsoft.com/office/powerpoint/2010/main" xmlns:a16="http://schemas.microsoft.com/office/drawing/2014/main" xmlns="" w="9525">
+                <a14:hiddenLine xmlns="" xmlns:a16="http://schemas.microsoft.com/office/drawing/2014/main" xmlns:p14="http://schemas.microsoft.com/office/powerpoint/2010/main" xmlns:a14="http://schemas.microsoft.com/office/drawing/2010/main" w="9525">
                   <a:solidFill>
                     <a:srgbClr val="000000"/>
                   </a:solidFill>
@@ -38527,7 +39610,7 @@
             </a:ln>
             <a:extLst>
               <a:ext uri="{91240B29-F687-4f45-9708-019B960494DF}">
-                <a14:hiddenLine xmlns:a14="http://schemas.microsoft.com/office/drawing/2010/main" xmlns:p14="http://schemas.microsoft.com/office/powerpoint/2010/main" xmlns:a16="http://schemas.microsoft.com/office/drawing/2014/main" xmlns="" w="9525">
+                <a14:hiddenLine xmlns="" xmlns:a16="http://schemas.microsoft.com/office/drawing/2014/main" xmlns:p14="http://schemas.microsoft.com/office/powerpoint/2010/main" xmlns:a14="http://schemas.microsoft.com/office/drawing/2010/main" w="9525">
                   <a:solidFill>
                     <a:srgbClr val="000000"/>
                   </a:solidFill>
@@ -38576,7 +39659,7 @@
             </a:ln>
             <a:extLst>
               <a:ext uri="{91240B29-F687-4f45-9708-019B960494DF}">
-                <a14:hiddenLine xmlns:a14="http://schemas.microsoft.com/office/drawing/2010/main" xmlns:p14="http://schemas.microsoft.com/office/powerpoint/2010/main" xmlns:a16="http://schemas.microsoft.com/office/drawing/2014/main" xmlns="" w="9525">
+                <a14:hiddenLine xmlns="" xmlns:a16="http://schemas.microsoft.com/office/drawing/2014/main" xmlns:p14="http://schemas.microsoft.com/office/powerpoint/2010/main" xmlns:a14="http://schemas.microsoft.com/office/drawing/2010/main" w="9525">
                   <a:solidFill>
                     <a:srgbClr val="000000"/>
                   </a:solidFill>
@@ -38681,7 +39764,7 @@
             </a:ln>
             <a:extLst>
               <a:ext uri="{91240B29-F687-4f45-9708-019B960494DF}">
-                <a14:hiddenLine xmlns:a14="http://schemas.microsoft.com/office/drawing/2010/main" xmlns:p14="http://schemas.microsoft.com/office/powerpoint/2010/main" xmlns:a16="http://schemas.microsoft.com/office/drawing/2014/main" xmlns="" w="9525">
+                <a14:hiddenLine xmlns="" xmlns:a16="http://schemas.microsoft.com/office/drawing/2014/main" xmlns:p14="http://schemas.microsoft.com/office/powerpoint/2010/main" xmlns:a14="http://schemas.microsoft.com/office/drawing/2010/main" w="9525">
                   <a:solidFill>
                     <a:srgbClr val="000000"/>
                   </a:solidFill>
@@ -38758,7 +39841,7 @@
             </a:ln>
             <a:extLst>
               <a:ext uri="{91240B29-F687-4f45-9708-019B960494DF}">
-                <a14:hiddenLine xmlns:a14="http://schemas.microsoft.com/office/drawing/2010/main" xmlns:p14="http://schemas.microsoft.com/office/powerpoint/2010/main" xmlns:a16="http://schemas.microsoft.com/office/drawing/2014/main" xmlns="" w="9525">
+                <a14:hiddenLine xmlns="" xmlns:a16="http://schemas.microsoft.com/office/drawing/2014/main" xmlns:p14="http://schemas.microsoft.com/office/powerpoint/2010/main" xmlns:a14="http://schemas.microsoft.com/office/drawing/2010/main" w="9525">
                   <a:solidFill>
                     <a:srgbClr val="000000"/>
                   </a:solidFill>
@@ -38835,7 +39918,7 @@
             </a:ln>
             <a:extLst>
               <a:ext uri="{91240B29-F687-4f45-9708-019B960494DF}">
-                <a14:hiddenLine xmlns:a14="http://schemas.microsoft.com/office/drawing/2010/main" xmlns:p14="http://schemas.microsoft.com/office/powerpoint/2010/main" xmlns:a16="http://schemas.microsoft.com/office/drawing/2014/main" xmlns="" w="9525">
+                <a14:hiddenLine xmlns="" xmlns:a16="http://schemas.microsoft.com/office/drawing/2014/main" xmlns:p14="http://schemas.microsoft.com/office/powerpoint/2010/main" xmlns:a14="http://schemas.microsoft.com/office/drawing/2010/main" w="9525">
                   <a:solidFill>
                     <a:srgbClr val="000000"/>
                   </a:solidFill>
@@ -38940,7 +40023,7 @@
             </a:ln>
             <a:extLst>
               <a:ext uri="{91240B29-F687-4f45-9708-019B960494DF}">
-                <a14:hiddenLine xmlns:a14="http://schemas.microsoft.com/office/drawing/2010/main" xmlns:p14="http://schemas.microsoft.com/office/powerpoint/2010/main" xmlns:a16="http://schemas.microsoft.com/office/drawing/2014/main" xmlns="" w="9525">
+                <a14:hiddenLine xmlns="" xmlns:a16="http://schemas.microsoft.com/office/drawing/2014/main" xmlns:p14="http://schemas.microsoft.com/office/powerpoint/2010/main" xmlns:a14="http://schemas.microsoft.com/office/drawing/2010/main" w="9525">
                   <a:solidFill>
                     <a:srgbClr val="000000"/>
                   </a:solidFill>
@@ -39017,7 +40100,7 @@
             </a:ln>
             <a:extLst>
               <a:ext uri="{91240B29-F687-4f45-9708-019B960494DF}">
-                <a14:hiddenLine xmlns:a14="http://schemas.microsoft.com/office/drawing/2010/main" xmlns:p14="http://schemas.microsoft.com/office/powerpoint/2010/main" xmlns:a16="http://schemas.microsoft.com/office/drawing/2014/main" xmlns="" w="9525">
+                <a14:hiddenLine xmlns="" xmlns:a16="http://schemas.microsoft.com/office/drawing/2014/main" xmlns:p14="http://schemas.microsoft.com/office/powerpoint/2010/main" xmlns:a14="http://schemas.microsoft.com/office/drawing/2010/main" w="9525">
                   <a:solidFill>
                     <a:srgbClr val="000000"/>
                   </a:solidFill>
@@ -39094,7 +40177,7 @@
             </a:ln>
             <a:extLst>
               <a:ext uri="{91240B29-F687-4f45-9708-019B960494DF}">
-                <a14:hiddenLine xmlns:a14="http://schemas.microsoft.com/office/drawing/2010/main" xmlns:p14="http://schemas.microsoft.com/office/powerpoint/2010/main" xmlns:a16="http://schemas.microsoft.com/office/drawing/2014/main" xmlns="" w="9525">
+                <a14:hiddenLine xmlns="" xmlns:a16="http://schemas.microsoft.com/office/drawing/2014/main" xmlns:p14="http://schemas.microsoft.com/office/powerpoint/2010/main" xmlns:a14="http://schemas.microsoft.com/office/drawing/2010/main" w="9525">
                   <a:solidFill>
                     <a:srgbClr val="000000"/>
                   </a:solidFill>
@@ -39199,7 +40282,7 @@
             </a:ln>
             <a:extLst>
               <a:ext uri="{91240B29-F687-4f45-9708-019B960494DF}">
-                <a14:hiddenLine xmlns:a14="http://schemas.microsoft.com/office/drawing/2010/main" xmlns:p14="http://schemas.microsoft.com/office/powerpoint/2010/main" xmlns:a16="http://schemas.microsoft.com/office/drawing/2014/main" xmlns="" w="9525">
+                <a14:hiddenLine xmlns="" xmlns:a16="http://schemas.microsoft.com/office/drawing/2014/main" xmlns:p14="http://schemas.microsoft.com/office/powerpoint/2010/main" xmlns:a14="http://schemas.microsoft.com/office/drawing/2010/main" w="9525">
                   <a:solidFill>
                     <a:srgbClr val="000000"/>
                   </a:solidFill>
@@ -39304,7 +40387,7 @@
             </a:ln>
             <a:extLst>
               <a:ext uri="{91240B29-F687-4f45-9708-019B960494DF}">
-                <a14:hiddenLine xmlns:a14="http://schemas.microsoft.com/office/drawing/2010/main" xmlns:p14="http://schemas.microsoft.com/office/powerpoint/2010/main" xmlns:a16="http://schemas.microsoft.com/office/drawing/2014/main" xmlns="" w="9525">
+                <a14:hiddenLine xmlns="" xmlns:a16="http://schemas.microsoft.com/office/drawing/2014/main" xmlns:p14="http://schemas.microsoft.com/office/powerpoint/2010/main" xmlns:a14="http://schemas.microsoft.com/office/drawing/2010/main" w="9525">
                   <a:solidFill>
                     <a:srgbClr val="000000"/>
                   </a:solidFill>
@@ -39381,7 +40464,7 @@
             </a:ln>
             <a:extLst>
               <a:ext uri="{91240B29-F687-4f45-9708-019B960494DF}">
-                <a14:hiddenLine xmlns:a14="http://schemas.microsoft.com/office/drawing/2010/main" xmlns:p14="http://schemas.microsoft.com/office/powerpoint/2010/main" xmlns:a16="http://schemas.microsoft.com/office/drawing/2014/main" xmlns="" w="9525">
+                <a14:hiddenLine xmlns="" xmlns:a16="http://schemas.microsoft.com/office/drawing/2014/main" xmlns:p14="http://schemas.microsoft.com/office/powerpoint/2010/main" xmlns:a14="http://schemas.microsoft.com/office/drawing/2010/main" w="9525">
                   <a:solidFill>
                     <a:srgbClr val="000000"/>
                   </a:solidFill>
@@ -39506,7 +40589,7 @@
             </a:ln>
             <a:extLst>
               <a:ext uri="{91240B29-F687-4f45-9708-019B960494DF}">
-                <a14:hiddenLine xmlns:a14="http://schemas.microsoft.com/office/drawing/2010/main" xmlns:p14="http://schemas.microsoft.com/office/powerpoint/2010/main" xmlns:a16="http://schemas.microsoft.com/office/drawing/2014/main" xmlns="" w="9525">
+                <a14:hiddenLine xmlns="" xmlns:a16="http://schemas.microsoft.com/office/drawing/2014/main" xmlns:p14="http://schemas.microsoft.com/office/powerpoint/2010/main" xmlns:a14="http://schemas.microsoft.com/office/drawing/2010/main" w="9525">
                   <a:solidFill>
                     <a:srgbClr val="000000"/>
                   </a:solidFill>
@@ -39583,7 +40666,7 @@
             </a:ln>
             <a:extLst>
               <a:ext uri="{91240B29-F687-4f45-9708-019B960494DF}">
-                <a14:hiddenLine xmlns:a14="http://schemas.microsoft.com/office/drawing/2010/main" xmlns:p14="http://schemas.microsoft.com/office/powerpoint/2010/main" xmlns:a16="http://schemas.microsoft.com/office/drawing/2014/main" xmlns="" w="9525">
+                <a14:hiddenLine xmlns="" xmlns:a16="http://schemas.microsoft.com/office/drawing/2014/main" xmlns:p14="http://schemas.microsoft.com/office/powerpoint/2010/main" xmlns:a14="http://schemas.microsoft.com/office/drawing/2010/main" w="9525">
                   <a:solidFill>
                     <a:srgbClr val="000000"/>
                   </a:solidFill>
@@ -39688,7 +40771,7 @@
             </a:ln>
             <a:extLst>
               <a:ext uri="{91240B29-F687-4f45-9708-019B960494DF}">
-                <a14:hiddenLine xmlns:a14="http://schemas.microsoft.com/office/drawing/2010/main" xmlns:p14="http://schemas.microsoft.com/office/powerpoint/2010/main" xmlns:a16="http://schemas.microsoft.com/office/drawing/2014/main" xmlns="" w="9525">
+                <a14:hiddenLine xmlns="" xmlns:a16="http://schemas.microsoft.com/office/drawing/2014/main" xmlns:p14="http://schemas.microsoft.com/office/powerpoint/2010/main" xmlns:a14="http://schemas.microsoft.com/office/drawing/2010/main" w="9525">
                   <a:solidFill>
                     <a:srgbClr val="000000"/>
                   </a:solidFill>
@@ -39793,7 +40876,7 @@
             </a:ln>
             <a:extLst>
               <a:ext uri="{91240B29-F687-4f45-9708-019B960494DF}">
-                <a14:hiddenLine xmlns:a14="http://schemas.microsoft.com/office/drawing/2010/main" xmlns:p14="http://schemas.microsoft.com/office/powerpoint/2010/main" xmlns:a16="http://schemas.microsoft.com/office/drawing/2014/main" xmlns="" w="9525">
+                <a14:hiddenLine xmlns="" xmlns:a16="http://schemas.microsoft.com/office/drawing/2014/main" xmlns:p14="http://schemas.microsoft.com/office/powerpoint/2010/main" xmlns:a14="http://schemas.microsoft.com/office/drawing/2010/main" w="9525">
                   <a:solidFill>
                     <a:srgbClr val="000000"/>
                   </a:solidFill>
@@ -39870,7 +40953,7 @@
             </a:ln>
             <a:extLst>
               <a:ext uri="{91240B29-F687-4f45-9708-019B960494DF}">
-                <a14:hiddenLine xmlns:a14="http://schemas.microsoft.com/office/drawing/2010/main" xmlns:p14="http://schemas.microsoft.com/office/powerpoint/2010/main" xmlns:a16="http://schemas.microsoft.com/office/drawing/2014/main" xmlns="" w="9525">
+                <a14:hiddenLine xmlns="" xmlns:a16="http://schemas.microsoft.com/office/drawing/2014/main" xmlns:p14="http://schemas.microsoft.com/office/powerpoint/2010/main" xmlns:a14="http://schemas.microsoft.com/office/drawing/2010/main" w="9525">
                   <a:solidFill>
                     <a:srgbClr val="000000"/>
                   </a:solidFill>
@@ -39975,7 +41058,7 @@
             </a:ln>
             <a:extLst>
               <a:ext uri="{91240B29-F687-4f45-9708-019B960494DF}">
-                <a14:hiddenLine xmlns:a14="http://schemas.microsoft.com/office/drawing/2010/main" xmlns:p14="http://schemas.microsoft.com/office/powerpoint/2010/main" xmlns:a16="http://schemas.microsoft.com/office/drawing/2014/main" xmlns="" w="9525">
+                <a14:hiddenLine xmlns="" xmlns:a16="http://schemas.microsoft.com/office/drawing/2014/main" xmlns:p14="http://schemas.microsoft.com/office/powerpoint/2010/main" xmlns:a14="http://schemas.microsoft.com/office/drawing/2010/main" w="9525">
                   <a:solidFill>
                     <a:srgbClr val="000000"/>
                   </a:solidFill>
@@ -40080,7 +41163,7 @@
             </a:ln>
             <a:extLst>
               <a:ext uri="{91240B29-F687-4f45-9708-019B960494DF}">
-                <a14:hiddenLine xmlns:a14="http://schemas.microsoft.com/office/drawing/2010/main" xmlns:p14="http://schemas.microsoft.com/office/powerpoint/2010/main" xmlns:a16="http://schemas.microsoft.com/office/drawing/2014/main" xmlns="" w="9525">
+                <a14:hiddenLine xmlns="" xmlns:a16="http://schemas.microsoft.com/office/drawing/2014/main" xmlns:p14="http://schemas.microsoft.com/office/powerpoint/2010/main" xmlns:a14="http://schemas.microsoft.com/office/drawing/2010/main" w="9525">
                   <a:solidFill>
                     <a:srgbClr val="000000"/>
                   </a:solidFill>
@@ -40151,7 +41234,7 @@
             </a:ln>
             <a:extLst>
               <a:ext uri="{91240B29-F687-4f45-9708-019B960494DF}">
-                <a14:hiddenLine xmlns:a14="http://schemas.microsoft.com/office/drawing/2010/main" xmlns:p14="http://schemas.microsoft.com/office/powerpoint/2010/main" xmlns:a16="http://schemas.microsoft.com/office/drawing/2014/main" xmlns="" w="9525">
+                <a14:hiddenLine xmlns="" xmlns:a16="http://schemas.microsoft.com/office/drawing/2014/main" xmlns:p14="http://schemas.microsoft.com/office/powerpoint/2010/main" xmlns:a14="http://schemas.microsoft.com/office/drawing/2010/main" w="9525">
                   <a:solidFill>
                     <a:srgbClr val="000000"/>
                   </a:solidFill>
@@ -40256,7 +41339,7 @@
             </a:ln>
             <a:extLst>
               <a:ext uri="{91240B29-F687-4f45-9708-019B960494DF}">
-                <a14:hiddenLine xmlns:a14="http://schemas.microsoft.com/office/drawing/2010/main" xmlns:p14="http://schemas.microsoft.com/office/powerpoint/2010/main" xmlns:a16="http://schemas.microsoft.com/office/drawing/2014/main" xmlns="" w="9525">
+                <a14:hiddenLine xmlns="" xmlns:a16="http://schemas.microsoft.com/office/drawing/2014/main" xmlns:p14="http://schemas.microsoft.com/office/powerpoint/2010/main" xmlns:a14="http://schemas.microsoft.com/office/drawing/2010/main" w="9525">
                   <a:solidFill>
                     <a:srgbClr val="000000"/>
                   </a:solidFill>
@@ -40327,7 +41410,7 @@
             </a:ln>
             <a:extLst>
               <a:ext uri="{91240B29-F687-4f45-9708-019B960494DF}">
-                <a14:hiddenLine xmlns:a14="http://schemas.microsoft.com/office/drawing/2010/main" xmlns:p14="http://schemas.microsoft.com/office/powerpoint/2010/main" xmlns:a16="http://schemas.microsoft.com/office/drawing/2014/main" xmlns="" w="9525">
+                <a14:hiddenLine xmlns="" xmlns:a16="http://schemas.microsoft.com/office/drawing/2014/main" xmlns:p14="http://schemas.microsoft.com/office/powerpoint/2010/main" xmlns:a14="http://schemas.microsoft.com/office/drawing/2010/main" w="9525">
                   <a:solidFill>
                     <a:srgbClr val="000000"/>
                   </a:solidFill>
@@ -40432,7 +41515,7 @@
             </a:ln>
             <a:extLst>
               <a:ext uri="{91240B29-F687-4f45-9708-019B960494DF}">
-                <a14:hiddenLine xmlns:a14="http://schemas.microsoft.com/office/drawing/2010/main" xmlns:p14="http://schemas.microsoft.com/office/powerpoint/2010/main" xmlns:a16="http://schemas.microsoft.com/office/drawing/2014/main" xmlns="" w="9525">
+                <a14:hiddenLine xmlns="" xmlns:a16="http://schemas.microsoft.com/office/drawing/2014/main" xmlns:p14="http://schemas.microsoft.com/office/powerpoint/2010/main" xmlns:a14="http://schemas.microsoft.com/office/drawing/2010/main" w="9525">
                   <a:solidFill>
                     <a:srgbClr val="000000"/>
                   </a:solidFill>
@@ -40515,7 +41598,7 @@
             </a:ln>
             <a:extLst>
               <a:ext uri="{91240B29-F687-4f45-9708-019B960494DF}">
-                <a14:hiddenLine xmlns:a14="http://schemas.microsoft.com/office/drawing/2010/main" xmlns:p14="http://schemas.microsoft.com/office/powerpoint/2010/main" xmlns:a16="http://schemas.microsoft.com/office/drawing/2014/main" xmlns="" w="9525">
+                <a14:hiddenLine xmlns="" xmlns:a16="http://schemas.microsoft.com/office/drawing/2014/main" xmlns:p14="http://schemas.microsoft.com/office/powerpoint/2010/main" xmlns:a14="http://schemas.microsoft.com/office/drawing/2010/main" w="9525">
                   <a:solidFill>
                     <a:srgbClr val="000000"/>
                   </a:solidFill>
@@ -40620,7 +41703,7 @@
             </a:ln>
             <a:extLst>
               <a:ext uri="{91240B29-F687-4f45-9708-019B960494DF}">
-                <a14:hiddenLine xmlns:a14="http://schemas.microsoft.com/office/drawing/2010/main" xmlns:p14="http://schemas.microsoft.com/office/powerpoint/2010/main" xmlns:a16="http://schemas.microsoft.com/office/drawing/2014/main" xmlns="" w="9525">
+                <a14:hiddenLine xmlns="" xmlns:a16="http://schemas.microsoft.com/office/drawing/2014/main" xmlns:p14="http://schemas.microsoft.com/office/powerpoint/2010/main" xmlns:a14="http://schemas.microsoft.com/office/drawing/2010/main" w="9525">
                   <a:solidFill>
                     <a:srgbClr val="000000"/>
                   </a:solidFill>
@@ -40703,7 +41786,7 @@
             </a:ln>
             <a:extLst>
               <a:ext uri="{91240B29-F687-4f45-9708-019B960494DF}">
-                <a14:hiddenLine xmlns:a14="http://schemas.microsoft.com/office/drawing/2010/main" xmlns:p14="http://schemas.microsoft.com/office/powerpoint/2010/main" xmlns:a16="http://schemas.microsoft.com/office/drawing/2014/main" xmlns="" w="9525">
+                <a14:hiddenLine xmlns="" xmlns:a16="http://schemas.microsoft.com/office/drawing/2014/main" xmlns:p14="http://schemas.microsoft.com/office/powerpoint/2010/main" xmlns:a14="http://schemas.microsoft.com/office/drawing/2010/main" w="9525">
                   <a:solidFill>
                     <a:srgbClr val="000000"/>
                   </a:solidFill>
@@ -40808,7 +41891,7 @@
             </a:ln>
             <a:extLst>
               <a:ext uri="{91240B29-F687-4f45-9708-019B960494DF}">
-                <a14:hiddenLine xmlns:a14="http://schemas.microsoft.com/office/drawing/2010/main" xmlns:p14="http://schemas.microsoft.com/office/powerpoint/2010/main" xmlns:a16="http://schemas.microsoft.com/office/drawing/2014/main" xmlns="" w="9525">
+                <a14:hiddenLine xmlns="" xmlns:a16="http://schemas.microsoft.com/office/drawing/2014/main" xmlns:p14="http://schemas.microsoft.com/office/powerpoint/2010/main" xmlns:a14="http://schemas.microsoft.com/office/drawing/2010/main" w="9525">
                   <a:solidFill>
                     <a:srgbClr val="000000"/>
                   </a:solidFill>
@@ -40857,7 +41940,7 @@
             </a:ln>
             <a:extLst>
               <a:ext uri="{91240B29-F687-4f45-9708-019B960494DF}">
-                <a14:hiddenLine xmlns:a14="http://schemas.microsoft.com/office/drawing/2010/main" xmlns:p14="http://schemas.microsoft.com/office/powerpoint/2010/main" xmlns:a16="http://schemas.microsoft.com/office/drawing/2014/main" xmlns="" w="9525">
+                <a14:hiddenLine xmlns="" xmlns:a16="http://schemas.microsoft.com/office/drawing/2014/main" xmlns:p14="http://schemas.microsoft.com/office/powerpoint/2010/main" xmlns:a14="http://schemas.microsoft.com/office/drawing/2010/main" w="9525">
                   <a:solidFill>
                     <a:srgbClr val="000000"/>
                   </a:solidFill>
@@ -40962,7 +42045,7 @@
             </a:ln>
             <a:extLst>
               <a:ext uri="{91240B29-F687-4f45-9708-019B960494DF}">
-                <a14:hiddenLine xmlns:a14="http://schemas.microsoft.com/office/drawing/2010/main" xmlns:p14="http://schemas.microsoft.com/office/powerpoint/2010/main" xmlns:a16="http://schemas.microsoft.com/office/drawing/2014/main" xmlns="" w="9525">
+                <a14:hiddenLine xmlns="" xmlns:a16="http://schemas.microsoft.com/office/drawing/2014/main" xmlns:p14="http://schemas.microsoft.com/office/powerpoint/2010/main" xmlns:a14="http://schemas.microsoft.com/office/drawing/2010/main" w="9525">
                   <a:solidFill>
                     <a:srgbClr val="000000"/>
                   </a:solidFill>
@@ -41039,7 +42122,7 @@
             </a:ln>
             <a:extLst>
               <a:ext uri="{91240B29-F687-4f45-9708-019B960494DF}">
-                <a14:hiddenLine xmlns:a14="http://schemas.microsoft.com/office/drawing/2010/main" xmlns:p14="http://schemas.microsoft.com/office/powerpoint/2010/main" xmlns:a16="http://schemas.microsoft.com/office/drawing/2014/main" xmlns="" w="9525">
+                <a14:hiddenLine xmlns="" xmlns:a16="http://schemas.microsoft.com/office/drawing/2014/main" xmlns:p14="http://schemas.microsoft.com/office/powerpoint/2010/main" xmlns:a14="http://schemas.microsoft.com/office/drawing/2010/main" w="9525">
                   <a:solidFill>
                     <a:srgbClr val="000000"/>
                   </a:solidFill>
@@ -41116,7 +42199,7 @@
             </a:ln>
             <a:extLst>
               <a:ext uri="{91240B29-F687-4f45-9708-019B960494DF}">
-                <a14:hiddenLine xmlns:a14="http://schemas.microsoft.com/office/drawing/2010/main" xmlns:p14="http://schemas.microsoft.com/office/powerpoint/2010/main" xmlns:a16="http://schemas.microsoft.com/office/drawing/2014/main" xmlns="" w="9525">
+                <a14:hiddenLine xmlns="" xmlns:a16="http://schemas.microsoft.com/office/drawing/2014/main" xmlns:p14="http://schemas.microsoft.com/office/powerpoint/2010/main" xmlns:a14="http://schemas.microsoft.com/office/drawing/2010/main" w="9525">
                   <a:solidFill>
                     <a:srgbClr val="000000"/>
                   </a:solidFill>
@@ -41221,7 +42304,7 @@
             </a:ln>
             <a:extLst>
               <a:ext uri="{91240B29-F687-4f45-9708-019B960494DF}">
-                <a14:hiddenLine xmlns:a14="http://schemas.microsoft.com/office/drawing/2010/main" xmlns:p14="http://schemas.microsoft.com/office/powerpoint/2010/main" xmlns:a16="http://schemas.microsoft.com/office/drawing/2014/main" xmlns="" w="9525">
+                <a14:hiddenLine xmlns="" xmlns:a16="http://schemas.microsoft.com/office/drawing/2014/main" xmlns:p14="http://schemas.microsoft.com/office/powerpoint/2010/main" xmlns:a14="http://schemas.microsoft.com/office/drawing/2010/main" w="9525">
                   <a:solidFill>
                     <a:srgbClr val="000000"/>
                   </a:solidFill>
@@ -41304,7 +42387,7 @@
             </a:ln>
             <a:extLst>
               <a:ext uri="{91240B29-F687-4f45-9708-019B960494DF}">
-                <a14:hiddenLine xmlns:a14="http://schemas.microsoft.com/office/drawing/2010/main" xmlns:p14="http://schemas.microsoft.com/office/powerpoint/2010/main" xmlns:a16="http://schemas.microsoft.com/office/drawing/2014/main" xmlns="" w="9525">
+                <a14:hiddenLine xmlns="" xmlns:a16="http://schemas.microsoft.com/office/drawing/2014/main" xmlns:p14="http://schemas.microsoft.com/office/powerpoint/2010/main" xmlns:a14="http://schemas.microsoft.com/office/drawing/2010/main" w="9525">
                   <a:solidFill>
                     <a:srgbClr val="000000"/>
                   </a:solidFill>
@@ -41381,7 +42464,7 @@
             </a:ln>
             <a:extLst>
               <a:ext uri="{91240B29-F687-4f45-9708-019B960494DF}">
-                <a14:hiddenLine xmlns:a14="http://schemas.microsoft.com/office/drawing/2010/main" xmlns:p14="http://schemas.microsoft.com/office/powerpoint/2010/main" xmlns:a16="http://schemas.microsoft.com/office/drawing/2014/main" xmlns="" w="9525">
+                <a14:hiddenLine xmlns="" xmlns:a16="http://schemas.microsoft.com/office/drawing/2014/main" xmlns:p14="http://schemas.microsoft.com/office/powerpoint/2010/main" xmlns:a14="http://schemas.microsoft.com/office/drawing/2010/main" w="9525">
                   <a:solidFill>
                     <a:srgbClr val="000000"/>
                   </a:solidFill>
@@ -41486,7 +42569,7 @@
             </a:ln>
             <a:extLst>
               <a:ext uri="{91240B29-F687-4f45-9708-019B960494DF}">
-                <a14:hiddenLine xmlns:a14="http://schemas.microsoft.com/office/drawing/2010/main" xmlns:p14="http://schemas.microsoft.com/office/powerpoint/2010/main" xmlns:a16="http://schemas.microsoft.com/office/drawing/2014/main" xmlns="" w="9525">
+                <a14:hiddenLine xmlns="" xmlns:a16="http://schemas.microsoft.com/office/drawing/2014/main" xmlns:p14="http://schemas.microsoft.com/office/powerpoint/2010/main" xmlns:a14="http://schemas.microsoft.com/office/drawing/2010/main" w="9525">
                   <a:solidFill>
                     <a:srgbClr val="000000"/>
                   </a:solidFill>
@@ -41563,7 +42646,7 @@
             </a:ln>
             <a:extLst>
               <a:ext uri="{91240B29-F687-4f45-9708-019B960494DF}">
-                <a14:hiddenLine xmlns:a14="http://schemas.microsoft.com/office/drawing/2010/main" xmlns:p14="http://schemas.microsoft.com/office/powerpoint/2010/main" xmlns:a16="http://schemas.microsoft.com/office/drawing/2014/main" xmlns="" w="9525">
+                <a14:hiddenLine xmlns="" xmlns:a16="http://schemas.microsoft.com/office/drawing/2014/main" xmlns:p14="http://schemas.microsoft.com/office/powerpoint/2010/main" xmlns:a14="http://schemas.microsoft.com/office/drawing/2010/main" w="9525">
                   <a:solidFill>
                     <a:srgbClr val="000000"/>
                   </a:solidFill>
@@ -41668,7 +42751,7 @@
             </a:ln>
             <a:extLst>
               <a:ext uri="{91240B29-F687-4f45-9708-019B960494DF}">
-                <a14:hiddenLine xmlns:a14="http://schemas.microsoft.com/office/drawing/2010/main" xmlns:p14="http://schemas.microsoft.com/office/powerpoint/2010/main" xmlns:a16="http://schemas.microsoft.com/office/drawing/2014/main" xmlns="" w="9525">
+                <a14:hiddenLine xmlns="" xmlns:a16="http://schemas.microsoft.com/office/drawing/2014/main" xmlns:p14="http://schemas.microsoft.com/office/powerpoint/2010/main" xmlns:a14="http://schemas.microsoft.com/office/drawing/2010/main" w="9525">
                   <a:solidFill>
                     <a:srgbClr val="000000"/>
                   </a:solidFill>
@@ -41745,7 +42828,7 @@
             </a:ln>
             <a:extLst>
               <a:ext uri="{91240B29-F687-4f45-9708-019B960494DF}">
-                <a14:hiddenLine xmlns:a14="http://schemas.microsoft.com/office/drawing/2010/main" xmlns:p14="http://schemas.microsoft.com/office/powerpoint/2010/main" xmlns:a16="http://schemas.microsoft.com/office/drawing/2014/main" xmlns="" w="9525">
+                <a14:hiddenLine xmlns="" xmlns:a16="http://schemas.microsoft.com/office/drawing/2014/main" xmlns:p14="http://schemas.microsoft.com/office/powerpoint/2010/main" xmlns:a14="http://schemas.microsoft.com/office/drawing/2010/main" w="9525">
                   <a:solidFill>
                     <a:srgbClr val="000000"/>
                   </a:solidFill>
@@ -41850,7 +42933,7 @@
             </a:ln>
             <a:extLst>
               <a:ext uri="{91240B29-F687-4f45-9708-019B960494DF}">
-                <a14:hiddenLine xmlns:a14="http://schemas.microsoft.com/office/drawing/2010/main" xmlns:p14="http://schemas.microsoft.com/office/powerpoint/2010/main" xmlns:a16="http://schemas.microsoft.com/office/drawing/2014/main" xmlns="" w="9525">
+                <a14:hiddenLine xmlns="" xmlns:a16="http://schemas.microsoft.com/office/drawing/2014/main" xmlns:p14="http://schemas.microsoft.com/office/powerpoint/2010/main" xmlns:a14="http://schemas.microsoft.com/office/drawing/2010/main" w="9525">
                   <a:solidFill>
                     <a:srgbClr val="000000"/>
                   </a:solidFill>
@@ -41899,7 +42982,7 @@
             </a:ln>
             <a:extLst>
               <a:ext uri="{91240B29-F687-4f45-9708-019B960494DF}">
-                <a14:hiddenLine xmlns:a14="http://schemas.microsoft.com/office/drawing/2010/main" xmlns:p14="http://schemas.microsoft.com/office/powerpoint/2010/main" xmlns:a16="http://schemas.microsoft.com/office/drawing/2014/main" xmlns="" w="9525">
+                <a14:hiddenLine xmlns="" xmlns:a16="http://schemas.microsoft.com/office/drawing/2014/main" xmlns:p14="http://schemas.microsoft.com/office/powerpoint/2010/main" xmlns:a14="http://schemas.microsoft.com/office/drawing/2010/main" w="9525">
                   <a:solidFill>
                     <a:srgbClr val="000000"/>
                   </a:solidFill>
@@ -41979,7 +43062,7 @@
             </a:ln>
             <a:extLst>
               <a:ext uri="{91240B29-F687-4f45-9708-019B960494DF}">
-                <a14:hiddenLine xmlns:a14="http://schemas.microsoft.com/office/drawing/2010/main" xmlns:p14="http://schemas.microsoft.com/office/powerpoint/2010/main" xmlns:a16="http://schemas.microsoft.com/office/drawing/2014/main" xmlns="" w="9525">
+                <a14:hiddenLine xmlns="" xmlns:a16="http://schemas.microsoft.com/office/drawing/2014/main" xmlns:p14="http://schemas.microsoft.com/office/powerpoint/2010/main" xmlns:a14="http://schemas.microsoft.com/office/drawing/2010/main" w="9525">
                   <a:solidFill>
                     <a:srgbClr val="000000"/>
                   </a:solidFill>
@@ -42084,7 +43167,7 @@
             </a:ln>
             <a:extLst>
               <a:ext uri="{91240B29-F687-4f45-9708-019B960494DF}">
-                <a14:hiddenLine xmlns:a14="http://schemas.microsoft.com/office/drawing/2010/main" xmlns:p14="http://schemas.microsoft.com/office/powerpoint/2010/main" xmlns:a16="http://schemas.microsoft.com/office/drawing/2014/main" xmlns="" w="9525">
+                <a14:hiddenLine xmlns="" xmlns:a16="http://schemas.microsoft.com/office/drawing/2014/main" xmlns:p14="http://schemas.microsoft.com/office/powerpoint/2010/main" xmlns:a14="http://schemas.microsoft.com/office/drawing/2010/main" w="9525">
                   <a:solidFill>
                     <a:srgbClr val="000000"/>
                   </a:solidFill>
@@ -42161,7 +43244,7 @@
             </a:ln>
             <a:extLst>
               <a:ext uri="{91240B29-F687-4f45-9708-019B960494DF}">
-                <a14:hiddenLine xmlns:a14="http://schemas.microsoft.com/office/drawing/2010/main" xmlns:p14="http://schemas.microsoft.com/office/powerpoint/2010/main" xmlns:a16="http://schemas.microsoft.com/office/drawing/2014/main" xmlns="" w="9525">
+                <a14:hiddenLine xmlns="" xmlns:a16="http://schemas.microsoft.com/office/drawing/2014/main" xmlns:p14="http://schemas.microsoft.com/office/powerpoint/2010/main" xmlns:a14="http://schemas.microsoft.com/office/drawing/2010/main" w="9525">
                   <a:solidFill>
                     <a:srgbClr val="000000"/>
                   </a:solidFill>
@@ -42266,7 +43349,7 @@
             </a:ln>
             <a:extLst>
               <a:ext uri="{91240B29-F687-4f45-9708-019B960494DF}">
-                <a14:hiddenLine xmlns:a14="http://schemas.microsoft.com/office/drawing/2010/main" xmlns:p14="http://schemas.microsoft.com/office/powerpoint/2010/main" xmlns:a16="http://schemas.microsoft.com/office/drawing/2014/main" xmlns="" w="9525">
+                <a14:hiddenLine xmlns="" xmlns:a16="http://schemas.microsoft.com/office/drawing/2014/main" xmlns:p14="http://schemas.microsoft.com/office/powerpoint/2010/main" xmlns:a14="http://schemas.microsoft.com/office/drawing/2010/main" w="9525">
                   <a:solidFill>
                     <a:srgbClr val="000000"/>
                   </a:solidFill>
@@ -42371,7 +43454,7 @@
             </a:ln>
             <a:extLst>
               <a:ext uri="{91240B29-F687-4f45-9708-019B960494DF}">
-                <a14:hiddenLine xmlns:a14="http://schemas.microsoft.com/office/drawing/2010/main" xmlns:p14="http://schemas.microsoft.com/office/powerpoint/2010/main" xmlns:a16="http://schemas.microsoft.com/office/drawing/2014/main" xmlns="" w="9525">
+                <a14:hiddenLine xmlns="" xmlns:a16="http://schemas.microsoft.com/office/drawing/2014/main" xmlns:p14="http://schemas.microsoft.com/office/powerpoint/2010/main" xmlns:a14="http://schemas.microsoft.com/office/drawing/2010/main" w="9525">
                   <a:solidFill>
                     <a:srgbClr val="000000"/>
                   </a:solidFill>
@@ -42451,7 +43534,7 @@
             </a:ln>
             <a:extLst>
               <a:ext uri="{91240B29-F687-4f45-9708-019B960494DF}">
-                <a14:hiddenLine xmlns:a14="http://schemas.microsoft.com/office/drawing/2010/main" xmlns:p14="http://schemas.microsoft.com/office/powerpoint/2010/main" xmlns:a16="http://schemas.microsoft.com/office/drawing/2014/main" xmlns="" w="9525">
+                <a14:hiddenLine xmlns="" xmlns:a16="http://schemas.microsoft.com/office/drawing/2014/main" xmlns:p14="http://schemas.microsoft.com/office/powerpoint/2010/main" xmlns:a14="http://schemas.microsoft.com/office/drawing/2010/main" w="9525">
                   <a:solidFill>
                     <a:srgbClr val="000000"/>
                   </a:solidFill>
@@ -42528,7 +43611,7 @@
             </a:ln>
             <a:extLst>
               <a:ext uri="{91240B29-F687-4f45-9708-019B960494DF}">
-                <a14:hiddenLine xmlns:a14="http://schemas.microsoft.com/office/drawing/2010/main" xmlns:p14="http://schemas.microsoft.com/office/powerpoint/2010/main" xmlns:a16="http://schemas.microsoft.com/office/drawing/2014/main" xmlns="" w="9525">
+                <a14:hiddenLine xmlns="" xmlns:a16="http://schemas.microsoft.com/office/drawing/2014/main" xmlns:p14="http://schemas.microsoft.com/office/powerpoint/2010/main" xmlns:a14="http://schemas.microsoft.com/office/drawing/2010/main" w="9525">
                   <a:solidFill>
                     <a:srgbClr val="000000"/>
                   </a:solidFill>
@@ -42633,7 +43716,7 @@
             </a:ln>
             <a:extLst>
               <a:ext uri="{91240B29-F687-4f45-9708-019B960494DF}">
-                <a14:hiddenLine xmlns:a14="http://schemas.microsoft.com/office/drawing/2010/main" xmlns:p14="http://schemas.microsoft.com/office/powerpoint/2010/main" xmlns:a16="http://schemas.microsoft.com/office/drawing/2014/main" xmlns="" w="9525">
+                <a14:hiddenLine xmlns="" xmlns:a16="http://schemas.microsoft.com/office/drawing/2014/main" xmlns:p14="http://schemas.microsoft.com/office/powerpoint/2010/main" xmlns:a14="http://schemas.microsoft.com/office/drawing/2010/main" w="9525">
                   <a:solidFill>
                     <a:srgbClr val="000000"/>
                   </a:solidFill>
@@ -42738,7 +43821,7 @@
             </a:ln>
             <a:extLst>
               <a:ext uri="{91240B29-F687-4f45-9708-019B960494DF}">
-                <a14:hiddenLine xmlns:a14="http://schemas.microsoft.com/office/drawing/2010/main" xmlns:p14="http://schemas.microsoft.com/office/powerpoint/2010/main" xmlns:a16="http://schemas.microsoft.com/office/drawing/2014/main" xmlns="" w="9525">
+                <a14:hiddenLine xmlns="" xmlns:a16="http://schemas.microsoft.com/office/drawing/2014/main" xmlns:p14="http://schemas.microsoft.com/office/powerpoint/2010/main" xmlns:a14="http://schemas.microsoft.com/office/drawing/2010/main" w="9525">
                   <a:solidFill>
                     <a:srgbClr val="000000"/>
                   </a:solidFill>
@@ -42815,7 +43898,7 @@
             </a:ln>
             <a:extLst>
               <a:ext uri="{91240B29-F687-4f45-9708-019B960494DF}">
-                <a14:hiddenLine xmlns:a14="http://schemas.microsoft.com/office/drawing/2010/main" xmlns:p14="http://schemas.microsoft.com/office/powerpoint/2010/main" xmlns:a16="http://schemas.microsoft.com/office/drawing/2014/main" xmlns="" w="9525">
+                <a14:hiddenLine xmlns="" xmlns:a16="http://schemas.microsoft.com/office/drawing/2014/main" xmlns:p14="http://schemas.microsoft.com/office/powerpoint/2010/main" xmlns:a14="http://schemas.microsoft.com/office/drawing/2010/main" w="9525">
                   <a:solidFill>
                     <a:srgbClr val="000000"/>
                   </a:solidFill>
@@ -42950,7 +44033,7 @@
             </a:ln>
             <a:extLst>
               <a:ext uri="{91240B29-F687-4f45-9708-019B960494DF}">
-                <a14:hiddenLine xmlns:a14="http://schemas.microsoft.com/office/drawing/2010/main" xmlns:p14="http://schemas.microsoft.com/office/powerpoint/2010/main" xmlns:a16="http://schemas.microsoft.com/office/drawing/2014/main" xmlns="" w="9525">
+                <a14:hiddenLine xmlns="" xmlns:a16="http://schemas.microsoft.com/office/drawing/2014/main" xmlns:p14="http://schemas.microsoft.com/office/powerpoint/2010/main" xmlns:a14="http://schemas.microsoft.com/office/drawing/2010/main" w="9525">
                   <a:solidFill>
                     <a:srgbClr val="000000"/>
                   </a:solidFill>
@@ -43033,7 +44116,7 @@
             </a:ln>
             <a:extLst>
               <a:ext uri="{91240B29-F687-4f45-9708-019B960494DF}">
-                <a14:hiddenLine xmlns:a14="http://schemas.microsoft.com/office/drawing/2010/main" xmlns:p14="http://schemas.microsoft.com/office/powerpoint/2010/main" xmlns:a16="http://schemas.microsoft.com/office/drawing/2014/main" xmlns="" w="9525">
+                <a14:hiddenLine xmlns="" xmlns:a16="http://schemas.microsoft.com/office/drawing/2014/main" xmlns:p14="http://schemas.microsoft.com/office/powerpoint/2010/main" xmlns:a14="http://schemas.microsoft.com/office/drawing/2010/main" w="9525">
                   <a:solidFill>
                     <a:srgbClr val="000000"/>
                   </a:solidFill>
@@ -43138,7 +44221,7 @@
             </a:ln>
             <a:extLst>
               <a:ext uri="{91240B29-F687-4f45-9708-019B960494DF}">
-                <a14:hiddenLine xmlns:a14="http://schemas.microsoft.com/office/drawing/2010/main" xmlns:p14="http://schemas.microsoft.com/office/powerpoint/2010/main" xmlns:a16="http://schemas.microsoft.com/office/drawing/2014/main" xmlns="" w="9525">
+                <a14:hiddenLine xmlns="" xmlns:a16="http://schemas.microsoft.com/office/drawing/2014/main" xmlns:p14="http://schemas.microsoft.com/office/powerpoint/2010/main" xmlns:a14="http://schemas.microsoft.com/office/drawing/2010/main" w="9525">
                   <a:solidFill>
                     <a:srgbClr val="000000"/>
                   </a:solidFill>
@@ -43199,7 +44282,7 @@
           <a:noFill/>
           <a:extLst>
             <a:ext uri="{909E8E84-426E-40dd-AFC4-6F175D3DCCD1}">
-              <a14:hiddenFill xmlns:a14="http://schemas.microsoft.com/office/drawing/2010/main" xmlns:p14="http://schemas.microsoft.com/office/powerpoint/2010/main" xmlns:a16="http://schemas.microsoft.com/office/drawing/2014/main" xmlns="">
+              <a14:hiddenFill xmlns="" xmlns:a16="http://schemas.microsoft.com/office/drawing/2014/main" xmlns:p14="http://schemas.microsoft.com/office/powerpoint/2010/main" xmlns:a14="http://schemas.microsoft.com/office/drawing/2010/main">
                 <a:solidFill>
                   <a:srgbClr val="FFFFFF"/>
                 </a:solidFill>
@@ -43428,7 +44511,7 @@
                 </a:spcAft>
                 <a:defRPr/>
               </a:pPr>
-              <a:t>7</a:t>
+              <a:t>8</a:t>
             </a:fld>
             <a:endParaRPr lang="en-US">
               <a:solidFill>
@@ -43786,13 +44869,13 @@
   <p:clrMapOvr>
     <a:overrideClrMapping bg1="lt1" tx1="dk1" bg2="lt2" tx2="dk2" accent1="accent1" accent2="accent2" accent3="accent3" accent4="accent4" accent5="accent5" accent6="accent6" hlink="hlink" folHlink="folHlink"/>
   </p:clrMapOvr>
-  <mc:AlternateContent xmlns:mc="http://schemas.openxmlformats.org/markup-compatibility/2006">
-    <mc:Choice xmlns:p14="http://schemas.microsoft.com/office/powerpoint/2010/main" Requires="p14">
+  <mc:AlternateContent xmlns:mc="http://schemas.openxmlformats.org/markup-compatibility/2006" xmlns:p14="http://schemas.microsoft.com/office/powerpoint/2010/main">
+    <mc:Choice Requires="p14">
       <p:transition spd="med" p14:dur="700">
         <p:fade/>
       </p:transition>
     </mc:Choice>
-    <mc:Fallback>
+    <mc:Fallback xmlns="">
       <p:transition spd="med">
         <p:fade/>
       </p:transition>
@@ -43801,7 +44884,7 @@
 </p:sld>
 </file>
 
-<file path=ppt/slides/slide8.xml><?xml version="1.0" encoding="utf-8"?>
+<file path=ppt/slides/slide9.xml><?xml version="1.0" encoding="utf-8"?>
 <p:sld xmlns:a="http://schemas.openxmlformats.org/drawingml/2006/main" xmlns:r="http://schemas.openxmlformats.org/officeDocument/2006/relationships" xmlns:p="http://schemas.openxmlformats.org/presentationml/2006/main">
   <p:cSld>
     <p:spTree>
@@ -43861,13 +44944,13 @@
   <p:clrMapOvr>
     <a:masterClrMapping/>
   </p:clrMapOvr>
-  <mc:AlternateContent xmlns:mc="http://schemas.openxmlformats.org/markup-compatibility/2006">
-    <mc:Choice xmlns:p14="http://schemas.microsoft.com/office/powerpoint/2010/main" Requires="p14">
+  <mc:AlternateContent xmlns:mc="http://schemas.openxmlformats.org/markup-compatibility/2006" xmlns:p14="http://schemas.microsoft.com/office/powerpoint/2010/main">
+    <mc:Choice Requires="p14">
       <p:transition spd="med" p14:dur="700">
         <p:fade/>
       </p:transition>
     </mc:Choice>
-    <mc:Fallback>
+    <mc:Fallback xmlns="">
       <p:transition spd="med">
         <p:fade/>
       </p:transition>

--- a/research methodology/research_methodology_pres.pptx
+++ b/research methodology/research_methodology_pres.pptx
@@ -205,7 +205,7 @@
           <a:p>
             <a:fld id="{0F9C471C-5CEB-41C5-B26F-30EBC0FE28CB}" type="datetimeFigureOut">
               <a:rPr lang="en-US" smtClean="0"/>
-              <a:t>6/27/2022</a:t>
+              <a:t>6/28/2022</a:t>
             </a:fld>
             <a:endParaRPr lang="en-US"/>
           </a:p>
@@ -657,7 +657,7 @@
           <a:noFill/>
           <a:extLst>
             <a:ext uri="{909E8E84-426E-40dd-AFC4-6F175D3DCCD1}">
-              <a14:hiddenFill xmlns:a14="http://schemas.microsoft.com/office/drawing/2010/main" xmlns="">
+              <a14:hiddenFill xmlns="" xmlns:a14="http://schemas.microsoft.com/office/drawing/2010/main">
                 <a:solidFill>
                   <a:srgbClr val="FFFFFF"/>
                 </a:solidFill>
@@ -717,7 +717,7 @@
             </a:ln>
             <a:extLst>
               <a:ext uri="{91240B29-F687-4f45-9708-019B960494DF}">
-                <a14:hiddenLine xmlns:a14="http://schemas.microsoft.com/office/drawing/2010/main" xmlns="" w="9525">
+                <a14:hiddenLine xmlns="" xmlns:a14="http://schemas.microsoft.com/office/drawing/2010/main" w="9525">
                   <a:solidFill>
                     <a:srgbClr val="000000"/>
                   </a:solidFill>
@@ -807,7 +807,7 @@
             </a:ln>
             <a:extLst>
               <a:ext uri="{91240B29-F687-4f45-9708-019B960494DF}">
-                <a14:hiddenLine xmlns:a14="http://schemas.microsoft.com/office/drawing/2010/main" xmlns="" w="9525">
+                <a14:hiddenLine xmlns="" xmlns:a14="http://schemas.microsoft.com/office/drawing/2010/main" w="9525">
                   <a:solidFill>
                     <a:srgbClr val="000000"/>
                   </a:solidFill>
@@ -897,7 +897,7 @@
             </a:ln>
             <a:extLst>
               <a:ext uri="{91240B29-F687-4f45-9708-019B960494DF}">
-                <a14:hiddenLine xmlns:a14="http://schemas.microsoft.com/office/drawing/2010/main" xmlns="" w="9525">
+                <a14:hiddenLine xmlns="" xmlns:a14="http://schemas.microsoft.com/office/drawing/2010/main" w="9525">
                   <a:solidFill>
                     <a:srgbClr val="000000"/>
                   </a:solidFill>
@@ -931,7 +931,7 @@
             </a:ln>
             <a:extLst>
               <a:ext uri="{91240B29-F687-4f45-9708-019B960494DF}">
-                <a14:hiddenLine xmlns:a14="http://schemas.microsoft.com/office/drawing/2010/main" xmlns="" w="9525">
+                <a14:hiddenLine xmlns="" xmlns:a14="http://schemas.microsoft.com/office/drawing/2010/main" w="9525">
                   <a:solidFill>
                     <a:srgbClr val="000000"/>
                   </a:solidFill>
@@ -1021,7 +1021,7 @@
             </a:ln>
             <a:extLst>
               <a:ext uri="{91240B29-F687-4f45-9708-019B960494DF}">
-                <a14:hiddenLine xmlns:a14="http://schemas.microsoft.com/office/drawing/2010/main" xmlns="" w="9525">
+                <a14:hiddenLine xmlns="" xmlns:a14="http://schemas.microsoft.com/office/drawing/2010/main" w="9525">
                   <a:solidFill>
                     <a:srgbClr val="000000"/>
                   </a:solidFill>
@@ -1083,7 +1083,7 @@
             </a:ln>
             <a:extLst>
               <a:ext uri="{91240B29-F687-4f45-9708-019B960494DF}">
-                <a14:hiddenLine xmlns:a14="http://schemas.microsoft.com/office/drawing/2010/main" xmlns="" w="9525">
+                <a14:hiddenLine xmlns="" xmlns:a14="http://schemas.microsoft.com/office/drawing/2010/main" w="9525">
                   <a:solidFill>
                     <a:srgbClr val="000000"/>
                   </a:solidFill>
@@ -1145,7 +1145,7 @@
             </a:ln>
             <a:extLst>
               <a:ext uri="{91240B29-F687-4f45-9708-019B960494DF}">
-                <a14:hiddenLine xmlns:a14="http://schemas.microsoft.com/office/drawing/2010/main" xmlns="" w="9525">
+                <a14:hiddenLine xmlns="" xmlns:a14="http://schemas.microsoft.com/office/drawing/2010/main" w="9525">
                   <a:solidFill>
                     <a:srgbClr val="000000"/>
                   </a:solidFill>
@@ -1235,7 +1235,7 @@
             </a:ln>
             <a:extLst>
               <a:ext uri="{91240B29-F687-4f45-9708-019B960494DF}">
-                <a14:hiddenLine xmlns:a14="http://schemas.microsoft.com/office/drawing/2010/main" xmlns="" w="9525">
+                <a14:hiddenLine xmlns="" xmlns:a14="http://schemas.microsoft.com/office/drawing/2010/main" w="9525">
                   <a:solidFill>
                     <a:srgbClr val="000000"/>
                   </a:solidFill>
@@ -1297,7 +1297,7 @@
             </a:ln>
             <a:extLst>
               <a:ext uri="{91240B29-F687-4f45-9708-019B960494DF}">
-                <a14:hiddenLine xmlns:a14="http://schemas.microsoft.com/office/drawing/2010/main" xmlns="" w="9525">
+                <a14:hiddenLine xmlns="" xmlns:a14="http://schemas.microsoft.com/office/drawing/2010/main" w="9525">
                   <a:solidFill>
                     <a:srgbClr val="000000"/>
                   </a:solidFill>
@@ -1359,7 +1359,7 @@
             </a:ln>
             <a:extLst>
               <a:ext uri="{91240B29-F687-4f45-9708-019B960494DF}">
-                <a14:hiddenLine xmlns:a14="http://schemas.microsoft.com/office/drawing/2010/main" xmlns="" w="9525">
+                <a14:hiddenLine xmlns="" xmlns:a14="http://schemas.microsoft.com/office/drawing/2010/main" w="9525">
                   <a:solidFill>
                     <a:srgbClr val="000000"/>
                   </a:solidFill>
@@ -1449,7 +1449,7 @@
             </a:ln>
             <a:extLst>
               <a:ext uri="{91240B29-F687-4f45-9708-019B960494DF}">
-                <a14:hiddenLine xmlns:a14="http://schemas.microsoft.com/office/drawing/2010/main" xmlns="" w="9525">
+                <a14:hiddenLine xmlns="" xmlns:a14="http://schemas.microsoft.com/office/drawing/2010/main" w="9525">
                   <a:solidFill>
                     <a:srgbClr val="000000"/>
                   </a:solidFill>
@@ -1539,7 +1539,7 @@
             </a:ln>
             <a:extLst>
               <a:ext uri="{91240B29-F687-4f45-9708-019B960494DF}">
-                <a14:hiddenLine xmlns:a14="http://schemas.microsoft.com/office/drawing/2010/main" xmlns="" w="9525">
+                <a14:hiddenLine xmlns="" xmlns:a14="http://schemas.microsoft.com/office/drawing/2010/main" w="9525">
                   <a:solidFill>
                     <a:srgbClr val="000000"/>
                   </a:solidFill>
@@ -1601,7 +1601,7 @@
             </a:ln>
             <a:extLst>
               <a:ext uri="{91240B29-F687-4f45-9708-019B960494DF}">
-                <a14:hiddenLine xmlns:a14="http://schemas.microsoft.com/office/drawing/2010/main" xmlns="" w="9525">
+                <a14:hiddenLine xmlns="" xmlns:a14="http://schemas.microsoft.com/office/drawing/2010/main" w="9525">
                   <a:solidFill>
                     <a:srgbClr val="000000"/>
                   </a:solidFill>
@@ -1711,7 +1711,7 @@
             </a:ln>
             <a:extLst>
               <a:ext uri="{91240B29-F687-4f45-9708-019B960494DF}">
-                <a14:hiddenLine xmlns:a14="http://schemas.microsoft.com/office/drawing/2010/main" xmlns="" w="9525">
+                <a14:hiddenLine xmlns="" xmlns:a14="http://schemas.microsoft.com/office/drawing/2010/main" w="9525">
                   <a:solidFill>
                     <a:srgbClr val="000000"/>
                   </a:solidFill>
@@ -1773,7 +1773,7 @@
             </a:ln>
             <a:extLst>
               <a:ext uri="{91240B29-F687-4f45-9708-019B960494DF}">
-                <a14:hiddenLine xmlns:a14="http://schemas.microsoft.com/office/drawing/2010/main" xmlns="" w="9525">
+                <a14:hiddenLine xmlns="" xmlns:a14="http://schemas.microsoft.com/office/drawing/2010/main" w="9525">
                   <a:solidFill>
                     <a:srgbClr val="000000"/>
                   </a:solidFill>
@@ -1863,7 +1863,7 @@
             </a:ln>
             <a:extLst>
               <a:ext uri="{91240B29-F687-4f45-9708-019B960494DF}">
-                <a14:hiddenLine xmlns:a14="http://schemas.microsoft.com/office/drawing/2010/main" xmlns="" w="9525">
+                <a14:hiddenLine xmlns="" xmlns:a14="http://schemas.microsoft.com/office/drawing/2010/main" w="9525">
                   <a:solidFill>
                     <a:srgbClr val="000000"/>
                   </a:solidFill>
@@ -1953,7 +1953,7 @@
             </a:ln>
             <a:extLst>
               <a:ext uri="{91240B29-F687-4f45-9708-019B960494DF}">
-                <a14:hiddenLine xmlns:a14="http://schemas.microsoft.com/office/drawing/2010/main" xmlns="" w="9525">
+                <a14:hiddenLine xmlns="" xmlns:a14="http://schemas.microsoft.com/office/drawing/2010/main" w="9525">
                   <a:solidFill>
                     <a:srgbClr val="000000"/>
                   </a:solidFill>
@@ -2015,7 +2015,7 @@
             </a:ln>
             <a:extLst>
               <a:ext uri="{91240B29-F687-4f45-9708-019B960494DF}">
-                <a14:hiddenLine xmlns:a14="http://schemas.microsoft.com/office/drawing/2010/main" xmlns="" w="9525">
+                <a14:hiddenLine xmlns="" xmlns:a14="http://schemas.microsoft.com/office/drawing/2010/main" w="9525">
                   <a:solidFill>
                     <a:srgbClr val="000000"/>
                   </a:solidFill>
@@ -2105,7 +2105,7 @@
             </a:ln>
             <a:extLst>
               <a:ext uri="{91240B29-F687-4f45-9708-019B960494DF}">
-                <a14:hiddenLine xmlns:a14="http://schemas.microsoft.com/office/drawing/2010/main" xmlns="" w="9525">
+                <a14:hiddenLine xmlns="" xmlns:a14="http://schemas.microsoft.com/office/drawing/2010/main" w="9525">
                   <a:solidFill>
                     <a:srgbClr val="000000"/>
                   </a:solidFill>
@@ -2195,7 +2195,7 @@
             </a:ln>
             <a:extLst>
               <a:ext uri="{91240B29-F687-4f45-9708-019B960494DF}">
-                <a14:hiddenLine xmlns:a14="http://schemas.microsoft.com/office/drawing/2010/main" xmlns="" w="9525">
+                <a14:hiddenLine xmlns="" xmlns:a14="http://schemas.microsoft.com/office/drawing/2010/main" w="9525">
                   <a:solidFill>
                     <a:srgbClr val="000000"/>
                   </a:solidFill>
@@ -2251,7 +2251,7 @@
             </a:ln>
             <a:extLst>
               <a:ext uri="{91240B29-F687-4f45-9708-019B960494DF}">
-                <a14:hiddenLine xmlns:a14="http://schemas.microsoft.com/office/drawing/2010/main" xmlns="" w="9525">
+                <a14:hiddenLine xmlns="" xmlns:a14="http://schemas.microsoft.com/office/drawing/2010/main" w="9525">
                   <a:solidFill>
                     <a:srgbClr val="000000"/>
                   </a:solidFill>
@@ -2341,7 +2341,7 @@
             </a:ln>
             <a:extLst>
               <a:ext uri="{91240B29-F687-4f45-9708-019B960494DF}">
-                <a14:hiddenLine xmlns:a14="http://schemas.microsoft.com/office/drawing/2010/main" xmlns="" w="9525">
+                <a14:hiddenLine xmlns="" xmlns:a14="http://schemas.microsoft.com/office/drawing/2010/main" w="9525">
                   <a:solidFill>
                     <a:srgbClr val="000000"/>
                   </a:solidFill>
@@ -2397,7 +2397,7 @@
             </a:ln>
             <a:extLst>
               <a:ext uri="{91240B29-F687-4f45-9708-019B960494DF}">
-                <a14:hiddenLine xmlns:a14="http://schemas.microsoft.com/office/drawing/2010/main" xmlns="" w="9525">
+                <a14:hiddenLine xmlns="" xmlns:a14="http://schemas.microsoft.com/office/drawing/2010/main" w="9525">
                   <a:solidFill>
                     <a:srgbClr val="000000"/>
                   </a:solidFill>
@@ -2487,7 +2487,7 @@
             </a:ln>
             <a:extLst>
               <a:ext uri="{91240B29-F687-4f45-9708-019B960494DF}">
-                <a14:hiddenLine xmlns:a14="http://schemas.microsoft.com/office/drawing/2010/main" xmlns="" w="9525">
+                <a14:hiddenLine xmlns="" xmlns:a14="http://schemas.microsoft.com/office/drawing/2010/main" w="9525">
                   <a:solidFill>
                     <a:srgbClr val="000000"/>
                   </a:solidFill>
@@ -2555,7 +2555,7 @@
             </a:ln>
             <a:extLst>
               <a:ext uri="{91240B29-F687-4f45-9708-019B960494DF}">
-                <a14:hiddenLine xmlns:a14="http://schemas.microsoft.com/office/drawing/2010/main" xmlns="" w="9525">
+                <a14:hiddenLine xmlns="" xmlns:a14="http://schemas.microsoft.com/office/drawing/2010/main" w="9525">
                   <a:solidFill>
                     <a:srgbClr val="000000"/>
                   </a:solidFill>
@@ -2645,7 +2645,7 @@
             </a:ln>
             <a:extLst>
               <a:ext uri="{91240B29-F687-4f45-9708-019B960494DF}">
-                <a14:hiddenLine xmlns:a14="http://schemas.microsoft.com/office/drawing/2010/main" xmlns="" w="9525">
+                <a14:hiddenLine xmlns="" xmlns:a14="http://schemas.microsoft.com/office/drawing/2010/main" w="9525">
                   <a:solidFill>
                     <a:srgbClr val="000000"/>
                   </a:solidFill>
@@ -2713,7 +2713,7 @@
             </a:ln>
             <a:extLst>
               <a:ext uri="{91240B29-F687-4f45-9708-019B960494DF}">
-                <a14:hiddenLine xmlns:a14="http://schemas.microsoft.com/office/drawing/2010/main" xmlns="" w="9525">
+                <a14:hiddenLine xmlns="" xmlns:a14="http://schemas.microsoft.com/office/drawing/2010/main" w="9525">
                   <a:solidFill>
                     <a:srgbClr val="000000"/>
                   </a:solidFill>
@@ -2803,7 +2803,7 @@
             </a:ln>
             <a:extLst>
               <a:ext uri="{91240B29-F687-4f45-9708-019B960494DF}">
-                <a14:hiddenLine xmlns:a14="http://schemas.microsoft.com/office/drawing/2010/main" xmlns="" w="9525">
+                <a14:hiddenLine xmlns="" xmlns:a14="http://schemas.microsoft.com/office/drawing/2010/main" w="9525">
                   <a:solidFill>
                     <a:srgbClr val="000000"/>
                   </a:solidFill>
@@ -2837,7 +2837,7 @@
             </a:ln>
             <a:extLst>
               <a:ext uri="{91240B29-F687-4f45-9708-019B960494DF}">
-                <a14:hiddenLine xmlns:a14="http://schemas.microsoft.com/office/drawing/2010/main" xmlns="" w="9525">
+                <a14:hiddenLine xmlns="" xmlns:a14="http://schemas.microsoft.com/office/drawing/2010/main" w="9525">
                   <a:solidFill>
                     <a:srgbClr val="000000"/>
                   </a:solidFill>
@@ -2927,7 +2927,7 @@
             </a:ln>
             <a:extLst>
               <a:ext uri="{91240B29-F687-4f45-9708-019B960494DF}">
-                <a14:hiddenLine xmlns:a14="http://schemas.microsoft.com/office/drawing/2010/main" xmlns="" w="9525">
+                <a14:hiddenLine xmlns="" xmlns:a14="http://schemas.microsoft.com/office/drawing/2010/main" w="9525">
                   <a:solidFill>
                     <a:srgbClr val="000000"/>
                   </a:solidFill>
@@ -2989,7 +2989,7 @@
             </a:ln>
             <a:extLst>
               <a:ext uri="{91240B29-F687-4f45-9708-019B960494DF}">
-                <a14:hiddenLine xmlns:a14="http://schemas.microsoft.com/office/drawing/2010/main" xmlns="" w="9525">
+                <a14:hiddenLine xmlns="" xmlns:a14="http://schemas.microsoft.com/office/drawing/2010/main" w="9525">
                   <a:solidFill>
                     <a:srgbClr val="000000"/>
                   </a:solidFill>
@@ -3051,7 +3051,7 @@
             </a:ln>
             <a:extLst>
               <a:ext uri="{91240B29-F687-4f45-9708-019B960494DF}">
-                <a14:hiddenLine xmlns:a14="http://schemas.microsoft.com/office/drawing/2010/main" xmlns="" w="9525">
+                <a14:hiddenLine xmlns="" xmlns:a14="http://schemas.microsoft.com/office/drawing/2010/main" w="9525">
                   <a:solidFill>
                     <a:srgbClr val="000000"/>
                   </a:solidFill>
@@ -3141,7 +3141,7 @@
             </a:ln>
             <a:extLst>
               <a:ext uri="{91240B29-F687-4f45-9708-019B960494DF}">
-                <a14:hiddenLine xmlns:a14="http://schemas.microsoft.com/office/drawing/2010/main" xmlns="" w="9525">
+                <a14:hiddenLine xmlns="" xmlns:a14="http://schemas.microsoft.com/office/drawing/2010/main" w="9525">
                   <a:solidFill>
                     <a:srgbClr val="000000"/>
                   </a:solidFill>
@@ -3209,7 +3209,7 @@
             </a:ln>
             <a:extLst>
               <a:ext uri="{91240B29-F687-4f45-9708-019B960494DF}">
-                <a14:hiddenLine xmlns:a14="http://schemas.microsoft.com/office/drawing/2010/main" xmlns="" w="9525">
+                <a14:hiddenLine xmlns="" xmlns:a14="http://schemas.microsoft.com/office/drawing/2010/main" w="9525">
                   <a:solidFill>
                     <a:srgbClr val="000000"/>
                   </a:solidFill>
@@ -3271,7 +3271,7 @@
             </a:ln>
             <a:extLst>
               <a:ext uri="{91240B29-F687-4f45-9708-019B960494DF}">
-                <a14:hiddenLine xmlns:a14="http://schemas.microsoft.com/office/drawing/2010/main" xmlns="" w="9525">
+                <a14:hiddenLine xmlns="" xmlns:a14="http://schemas.microsoft.com/office/drawing/2010/main" w="9525">
                   <a:solidFill>
                     <a:srgbClr val="000000"/>
                   </a:solidFill>
@@ -3361,7 +3361,7 @@
             </a:ln>
             <a:extLst>
               <a:ext uri="{91240B29-F687-4f45-9708-019B960494DF}">
-                <a14:hiddenLine xmlns:a14="http://schemas.microsoft.com/office/drawing/2010/main" xmlns="" w="9525">
+                <a14:hiddenLine xmlns="" xmlns:a14="http://schemas.microsoft.com/office/drawing/2010/main" w="9525">
                   <a:solidFill>
                     <a:srgbClr val="000000"/>
                   </a:solidFill>
@@ -3423,7 +3423,7 @@
             </a:ln>
             <a:extLst>
               <a:ext uri="{91240B29-F687-4f45-9708-019B960494DF}">
-                <a14:hiddenLine xmlns:a14="http://schemas.microsoft.com/office/drawing/2010/main" xmlns="" w="9525">
+                <a14:hiddenLine xmlns="" xmlns:a14="http://schemas.microsoft.com/office/drawing/2010/main" w="9525">
                   <a:solidFill>
                     <a:srgbClr val="000000"/>
                   </a:solidFill>
@@ -3513,7 +3513,7 @@
             </a:ln>
             <a:extLst>
               <a:ext uri="{91240B29-F687-4f45-9708-019B960494DF}">
-                <a14:hiddenLine xmlns:a14="http://schemas.microsoft.com/office/drawing/2010/main" xmlns="" w="9525">
+                <a14:hiddenLine xmlns="" xmlns:a14="http://schemas.microsoft.com/office/drawing/2010/main" w="9525">
                   <a:solidFill>
                     <a:srgbClr val="000000"/>
                   </a:solidFill>
@@ -3575,7 +3575,7 @@
             </a:ln>
             <a:extLst>
               <a:ext uri="{91240B29-F687-4f45-9708-019B960494DF}">
-                <a14:hiddenLine xmlns:a14="http://schemas.microsoft.com/office/drawing/2010/main" xmlns="" w="9525">
+                <a14:hiddenLine xmlns="" xmlns:a14="http://schemas.microsoft.com/office/drawing/2010/main" w="9525">
                   <a:solidFill>
                     <a:srgbClr val="000000"/>
                   </a:solidFill>
@@ -3665,7 +3665,7 @@
             </a:ln>
             <a:extLst>
               <a:ext uri="{91240B29-F687-4f45-9708-019B960494DF}">
-                <a14:hiddenLine xmlns:a14="http://schemas.microsoft.com/office/drawing/2010/main" xmlns="" w="9525">
+                <a14:hiddenLine xmlns="" xmlns:a14="http://schemas.microsoft.com/office/drawing/2010/main" w="9525">
                   <a:solidFill>
                     <a:srgbClr val="000000"/>
                   </a:solidFill>
@@ -3699,7 +3699,7 @@
             </a:ln>
             <a:extLst>
               <a:ext uri="{91240B29-F687-4f45-9708-019B960494DF}">
-                <a14:hiddenLine xmlns:a14="http://schemas.microsoft.com/office/drawing/2010/main" xmlns="" w="9525">
+                <a14:hiddenLine xmlns="" xmlns:a14="http://schemas.microsoft.com/office/drawing/2010/main" w="9525">
                   <a:solidFill>
                     <a:srgbClr val="000000"/>
                   </a:solidFill>
@@ -3764,7 +3764,7 @@
             </a:ln>
             <a:extLst>
               <a:ext uri="{91240B29-F687-4f45-9708-019B960494DF}">
-                <a14:hiddenLine xmlns:a14="http://schemas.microsoft.com/office/drawing/2010/main" xmlns="" w="9525">
+                <a14:hiddenLine xmlns="" xmlns:a14="http://schemas.microsoft.com/office/drawing/2010/main" w="9525">
                   <a:solidFill>
                     <a:srgbClr val="000000"/>
                   </a:solidFill>
@@ -3854,7 +3854,7 @@
             </a:ln>
             <a:extLst>
               <a:ext uri="{91240B29-F687-4f45-9708-019B960494DF}">
-                <a14:hiddenLine xmlns:a14="http://schemas.microsoft.com/office/drawing/2010/main" xmlns="" w="9525">
+                <a14:hiddenLine xmlns="" xmlns:a14="http://schemas.microsoft.com/office/drawing/2010/main" w="9525">
                   <a:solidFill>
                     <a:srgbClr val="000000"/>
                   </a:solidFill>
@@ -3916,7 +3916,7 @@
             </a:ln>
             <a:extLst>
               <a:ext uri="{91240B29-F687-4f45-9708-019B960494DF}">
-                <a14:hiddenLine xmlns:a14="http://schemas.microsoft.com/office/drawing/2010/main" xmlns="" w="9525">
+                <a14:hiddenLine xmlns="" xmlns:a14="http://schemas.microsoft.com/office/drawing/2010/main" w="9525">
                   <a:solidFill>
                     <a:srgbClr val="000000"/>
                   </a:solidFill>
@@ -4006,7 +4006,7 @@
             </a:ln>
             <a:extLst>
               <a:ext uri="{91240B29-F687-4f45-9708-019B960494DF}">
-                <a14:hiddenLine xmlns:a14="http://schemas.microsoft.com/office/drawing/2010/main" xmlns="" w="9525">
+                <a14:hiddenLine xmlns="" xmlns:a14="http://schemas.microsoft.com/office/drawing/2010/main" w="9525">
                   <a:solidFill>
                     <a:srgbClr val="000000"/>
                   </a:solidFill>
@@ -4096,7 +4096,7 @@
             </a:ln>
             <a:extLst>
               <a:ext uri="{91240B29-F687-4f45-9708-019B960494DF}">
-                <a14:hiddenLine xmlns:a14="http://schemas.microsoft.com/office/drawing/2010/main" xmlns="" w="9525">
+                <a14:hiddenLine xmlns="" xmlns:a14="http://schemas.microsoft.com/office/drawing/2010/main" w="9525">
                   <a:solidFill>
                     <a:srgbClr val="000000"/>
                   </a:solidFill>
@@ -4161,7 +4161,7 @@
             </a:ln>
             <a:extLst>
               <a:ext uri="{91240B29-F687-4f45-9708-019B960494DF}">
-                <a14:hiddenLine xmlns:a14="http://schemas.microsoft.com/office/drawing/2010/main" xmlns="" w="9525">
+                <a14:hiddenLine xmlns="" xmlns:a14="http://schemas.microsoft.com/office/drawing/2010/main" w="9525">
                   <a:solidFill>
                     <a:srgbClr val="000000"/>
                   </a:solidFill>
@@ -4223,7 +4223,7 @@
             </a:ln>
             <a:extLst>
               <a:ext uri="{91240B29-F687-4f45-9708-019B960494DF}">
-                <a14:hiddenLine xmlns:a14="http://schemas.microsoft.com/office/drawing/2010/main" xmlns="" w="9525">
+                <a14:hiddenLine xmlns="" xmlns:a14="http://schemas.microsoft.com/office/drawing/2010/main" w="9525">
                   <a:solidFill>
                     <a:srgbClr val="000000"/>
                   </a:solidFill>
@@ -4313,7 +4313,7 @@
             </a:ln>
             <a:extLst>
               <a:ext uri="{91240B29-F687-4f45-9708-019B960494DF}">
-                <a14:hiddenLine xmlns:a14="http://schemas.microsoft.com/office/drawing/2010/main" xmlns="" w="9525">
+                <a14:hiddenLine xmlns="" xmlns:a14="http://schemas.microsoft.com/office/drawing/2010/main" w="9525">
                   <a:solidFill>
                     <a:srgbClr val="000000"/>
                   </a:solidFill>
@@ -4403,7 +4403,7 @@
             </a:ln>
             <a:extLst>
               <a:ext uri="{91240B29-F687-4f45-9708-019B960494DF}">
-                <a14:hiddenLine xmlns:a14="http://schemas.microsoft.com/office/drawing/2010/main" xmlns="" w="9525">
+                <a14:hiddenLine xmlns="" xmlns:a14="http://schemas.microsoft.com/office/drawing/2010/main" w="9525">
                   <a:solidFill>
                     <a:srgbClr val="000000"/>
                   </a:solidFill>
@@ -4465,7 +4465,7 @@
             </a:ln>
             <a:extLst>
               <a:ext uri="{91240B29-F687-4f45-9708-019B960494DF}">
-                <a14:hiddenLine xmlns:a14="http://schemas.microsoft.com/office/drawing/2010/main" xmlns="" w="9525">
+                <a14:hiddenLine xmlns="" xmlns:a14="http://schemas.microsoft.com/office/drawing/2010/main" w="9525">
                   <a:solidFill>
                     <a:srgbClr val="000000"/>
                   </a:solidFill>
@@ -4585,7 +4585,7 @@
             </a:ln>
             <a:extLst>
               <a:ext uri="{91240B29-F687-4f45-9708-019B960494DF}">
-                <a14:hiddenLine xmlns:a14="http://schemas.microsoft.com/office/drawing/2010/main" xmlns="" w="9525">
+                <a14:hiddenLine xmlns="" xmlns:a14="http://schemas.microsoft.com/office/drawing/2010/main" w="9525">
                   <a:solidFill>
                     <a:srgbClr val="000000"/>
                   </a:solidFill>
@@ -4653,7 +4653,7 @@
             </a:ln>
             <a:extLst>
               <a:ext uri="{91240B29-F687-4f45-9708-019B960494DF}">
-                <a14:hiddenLine xmlns:a14="http://schemas.microsoft.com/office/drawing/2010/main" xmlns="" w="9525">
+                <a14:hiddenLine xmlns="" xmlns:a14="http://schemas.microsoft.com/office/drawing/2010/main" w="9525">
                   <a:solidFill>
                     <a:srgbClr val="000000"/>
                   </a:solidFill>
@@ -4743,7 +4743,7 @@
             </a:ln>
             <a:extLst>
               <a:ext uri="{91240B29-F687-4f45-9708-019B960494DF}">
-                <a14:hiddenLine xmlns:a14="http://schemas.microsoft.com/office/drawing/2010/main" xmlns="" w="9525">
+                <a14:hiddenLine xmlns="" xmlns:a14="http://schemas.microsoft.com/office/drawing/2010/main" w="9525">
                   <a:solidFill>
                     <a:srgbClr val="000000"/>
                   </a:solidFill>
@@ -4883,7 +4883,7 @@
           <a:p>
             <a:fld id="{F34B6E3E-06F4-4326-ABDB-61EE022A2F5F}" type="datetimeFigureOut">
               <a:rPr lang="en-US" smtClean="0"/>
-              <a:t>6/27/2022</a:t>
+              <a:t>6/28/2022</a:t>
             </a:fld>
             <a:endParaRPr lang="en-US"/>
           </a:p>
@@ -5150,7 +5150,7 @@
           <a:p>
             <a:fld id="{F34B6E3E-06F4-4326-ABDB-61EE022A2F5F}" type="datetimeFigureOut">
               <a:rPr lang="en-US" smtClean="0"/>
-              <a:t>6/27/2022</a:t>
+              <a:t>6/28/2022</a:t>
             </a:fld>
             <a:endParaRPr lang="en-US"/>
           </a:p>
@@ -5346,7 +5346,7 @@
           <a:p>
             <a:fld id="{F34B6E3E-06F4-4326-ABDB-61EE022A2F5F}" type="datetimeFigureOut">
               <a:rPr lang="en-US" smtClean="0"/>
-              <a:t>6/27/2022</a:t>
+              <a:t>6/28/2022</a:t>
             </a:fld>
             <a:endParaRPr lang="en-US"/>
           </a:p>
@@ -5609,7 +5609,7 @@
           <a:p>
             <a:fld id="{F34B6E3E-06F4-4326-ABDB-61EE022A2F5F}" type="datetimeFigureOut">
               <a:rPr lang="en-US" smtClean="0"/>
-              <a:t>6/27/2022</a:t>
+              <a:t>6/28/2022</a:t>
             </a:fld>
             <a:endParaRPr lang="en-US"/>
           </a:p>
@@ -6043,7 +6043,7 @@
           <a:p>
             <a:fld id="{F34B6E3E-06F4-4326-ABDB-61EE022A2F5F}" type="datetimeFigureOut">
               <a:rPr lang="en-US" smtClean="0"/>
-              <a:t>6/27/2022</a:t>
+              <a:t>6/28/2022</a:t>
             </a:fld>
             <a:endParaRPr lang="en-US"/>
           </a:p>
@@ -6589,7 +6589,7 @@
           <a:p>
             <a:fld id="{F34B6E3E-06F4-4326-ABDB-61EE022A2F5F}" type="datetimeFigureOut">
               <a:rPr lang="en-US" smtClean="0"/>
-              <a:t>6/27/2022</a:t>
+              <a:t>6/28/2022</a:t>
             </a:fld>
             <a:endParaRPr lang="en-US"/>
           </a:p>
@@ -7309,7 +7309,7 @@
           <a:p>
             <a:fld id="{F34B6E3E-06F4-4326-ABDB-61EE022A2F5F}" type="datetimeFigureOut">
               <a:rPr lang="en-US" smtClean="0"/>
-              <a:t>6/27/2022</a:t>
+              <a:t>6/28/2022</a:t>
             </a:fld>
             <a:endParaRPr lang="en-US"/>
           </a:p>
@@ -7479,7 +7479,7 @@
           <a:p>
             <a:fld id="{F34B6E3E-06F4-4326-ABDB-61EE022A2F5F}" type="datetimeFigureOut">
               <a:rPr lang="en-US" smtClean="0"/>
-              <a:t>6/27/2022</a:t>
+              <a:t>6/28/2022</a:t>
             </a:fld>
             <a:endParaRPr lang="en-US"/>
           </a:p>
@@ -7659,7 +7659,7 @@
           <a:p>
             <a:fld id="{F34B6E3E-06F4-4326-ABDB-61EE022A2F5F}" type="datetimeFigureOut">
               <a:rPr lang="en-US" smtClean="0"/>
-              <a:t>6/27/2022</a:t>
+              <a:t>6/28/2022</a:t>
             </a:fld>
             <a:endParaRPr lang="en-US"/>
           </a:p>
@@ -8327,7 +8327,7 @@
           <a:p>
             <a:fld id="{F34B6E3E-06F4-4326-ABDB-61EE022A2F5F}" type="datetimeFigureOut">
               <a:rPr lang="en-US" smtClean="0"/>
-              <a:t>6/27/2022</a:t>
+              <a:t>6/28/2022</a:t>
             </a:fld>
             <a:endParaRPr lang="en-US"/>
           </a:p>
@@ -8577,7 +8577,7 @@
           <a:p>
             <a:fld id="{F34B6E3E-06F4-4326-ABDB-61EE022A2F5F}" type="datetimeFigureOut">
               <a:rPr lang="en-US" smtClean="0"/>
-              <a:t>6/27/2022</a:t>
+              <a:t>6/28/2022</a:t>
             </a:fld>
             <a:endParaRPr lang="en-US"/>
           </a:p>
@@ -8809,7 +8809,7 @@
           <a:p>
             <a:fld id="{F34B6E3E-06F4-4326-ABDB-61EE022A2F5F}" type="datetimeFigureOut">
               <a:rPr lang="en-US" smtClean="0"/>
-              <a:t>6/27/2022</a:t>
+              <a:t>6/28/2022</a:t>
             </a:fld>
             <a:endParaRPr lang="en-US"/>
           </a:p>
@@ -9190,7 +9190,7 @@
           <a:p>
             <a:fld id="{F34B6E3E-06F4-4326-ABDB-61EE022A2F5F}" type="datetimeFigureOut">
               <a:rPr lang="en-US" smtClean="0"/>
-              <a:t>6/27/2022</a:t>
+              <a:t>6/28/2022</a:t>
             </a:fld>
             <a:endParaRPr lang="en-US"/>
           </a:p>
@@ -9308,7 +9308,7 @@
           <a:p>
             <a:fld id="{F34B6E3E-06F4-4326-ABDB-61EE022A2F5F}" type="datetimeFigureOut">
               <a:rPr lang="en-US" smtClean="0"/>
-              <a:t>6/27/2022</a:t>
+              <a:t>6/28/2022</a:t>
             </a:fld>
             <a:endParaRPr lang="en-US"/>
           </a:p>
@@ -9403,7 +9403,7 @@
           <a:p>
             <a:fld id="{F34B6E3E-06F4-4326-ABDB-61EE022A2F5F}" type="datetimeFigureOut">
               <a:rPr lang="en-US" smtClean="0"/>
-              <a:t>6/27/2022</a:t>
+              <a:t>6/28/2022</a:t>
             </a:fld>
             <a:endParaRPr lang="en-US"/>
           </a:p>
@@ -9652,7 +9652,7 @@
           <a:p>
             <a:fld id="{F34B6E3E-06F4-4326-ABDB-61EE022A2F5F}" type="datetimeFigureOut">
               <a:rPr lang="en-US" smtClean="0"/>
-              <a:t>6/27/2022</a:t>
+              <a:t>6/28/2022</a:t>
             </a:fld>
             <a:endParaRPr lang="en-US"/>
           </a:p>
@@ -9932,7 +9932,7 @@
           <a:p>
             <a:fld id="{F34B6E3E-06F4-4326-ABDB-61EE022A2F5F}" type="datetimeFigureOut">
               <a:rPr lang="en-US" smtClean="0"/>
-              <a:t>6/27/2022</a:t>
+              <a:t>6/28/2022</a:t>
             </a:fld>
             <a:endParaRPr lang="en-US"/>
           </a:p>
@@ -10048,7 +10048,7 @@
           <a:noFill/>
           <a:extLst>
             <a:ext uri="{909E8E84-426E-40dd-AFC4-6F175D3DCCD1}">
-              <a14:hiddenFill xmlns:a14="http://schemas.microsoft.com/office/drawing/2010/main" xmlns="">
+              <a14:hiddenFill xmlns="" xmlns:a14="http://schemas.microsoft.com/office/drawing/2010/main">
                 <a:solidFill>
                   <a:srgbClr val="FFFFFF"/>
                 </a:solidFill>
@@ -10122,7 +10122,7 @@
               </a:ln>
               <a:extLst>
                 <a:ext uri="{91240B29-F687-4f45-9708-019B960494DF}">
-                  <a14:hiddenLine xmlns:a14="http://schemas.microsoft.com/office/drawing/2010/main" xmlns="" w="9525">
+                  <a14:hiddenLine xmlns="" xmlns:a14="http://schemas.microsoft.com/office/drawing/2010/main" w="9525">
                     <a:solidFill>
                       <a:srgbClr val="000000"/>
                     </a:solidFill>
@@ -10212,7 +10212,7 @@
               </a:ln>
               <a:extLst>
                 <a:ext uri="{91240B29-F687-4f45-9708-019B960494DF}">
-                  <a14:hiddenLine xmlns:a14="http://schemas.microsoft.com/office/drawing/2010/main" xmlns="" w="9525">
+                  <a14:hiddenLine xmlns="" xmlns:a14="http://schemas.microsoft.com/office/drawing/2010/main" w="9525">
                     <a:solidFill>
                       <a:srgbClr val="000000"/>
                     </a:solidFill>
@@ -10302,7 +10302,7 @@
               </a:ln>
               <a:extLst>
                 <a:ext uri="{91240B29-F687-4f45-9708-019B960494DF}">
-                  <a14:hiddenLine xmlns:a14="http://schemas.microsoft.com/office/drawing/2010/main" xmlns="" w="9525">
+                  <a14:hiddenLine xmlns="" xmlns:a14="http://schemas.microsoft.com/office/drawing/2010/main" w="9525">
                     <a:solidFill>
                       <a:srgbClr val="000000"/>
                     </a:solidFill>
@@ -10364,7 +10364,7 @@
               </a:ln>
               <a:extLst>
                 <a:ext uri="{91240B29-F687-4f45-9708-019B960494DF}">
-                  <a14:hiddenLine xmlns:a14="http://schemas.microsoft.com/office/drawing/2010/main" xmlns="" w="9525">
+                  <a14:hiddenLine xmlns="" xmlns:a14="http://schemas.microsoft.com/office/drawing/2010/main" w="9525">
                     <a:solidFill>
                       <a:srgbClr val="000000"/>
                     </a:solidFill>
@@ -10454,7 +10454,7 @@
               </a:ln>
               <a:extLst>
                 <a:ext uri="{91240B29-F687-4f45-9708-019B960494DF}">
-                  <a14:hiddenLine xmlns:a14="http://schemas.microsoft.com/office/drawing/2010/main" xmlns="" w="9525">
+                  <a14:hiddenLine xmlns="" xmlns:a14="http://schemas.microsoft.com/office/drawing/2010/main" w="9525">
                     <a:solidFill>
                       <a:srgbClr val="000000"/>
                     </a:solidFill>
@@ -10516,7 +10516,7 @@
               </a:ln>
               <a:extLst>
                 <a:ext uri="{91240B29-F687-4f45-9708-019B960494DF}">
-                  <a14:hiddenLine xmlns:a14="http://schemas.microsoft.com/office/drawing/2010/main" xmlns="" w="9525">
+                  <a14:hiddenLine xmlns="" xmlns:a14="http://schemas.microsoft.com/office/drawing/2010/main" w="9525">
                     <a:solidFill>
                       <a:srgbClr val="000000"/>
                     </a:solidFill>
@@ -10578,7 +10578,7 @@
               </a:ln>
               <a:extLst>
                 <a:ext uri="{91240B29-F687-4f45-9708-019B960494DF}">
-                  <a14:hiddenLine xmlns:a14="http://schemas.microsoft.com/office/drawing/2010/main" xmlns="" w="9525">
+                  <a14:hiddenLine xmlns="" xmlns:a14="http://schemas.microsoft.com/office/drawing/2010/main" w="9525">
                     <a:solidFill>
                       <a:srgbClr val="000000"/>
                     </a:solidFill>
@@ -10668,7 +10668,7 @@
               </a:ln>
               <a:extLst>
                 <a:ext uri="{91240B29-F687-4f45-9708-019B960494DF}">
-                  <a14:hiddenLine xmlns:a14="http://schemas.microsoft.com/office/drawing/2010/main" xmlns="" w="9525">
+                  <a14:hiddenLine xmlns="" xmlns:a14="http://schemas.microsoft.com/office/drawing/2010/main" w="9525">
                     <a:solidFill>
                       <a:srgbClr val="000000"/>
                     </a:solidFill>
@@ -10758,7 +10758,7 @@
               </a:ln>
               <a:extLst>
                 <a:ext uri="{91240B29-F687-4f45-9708-019B960494DF}">
-                  <a14:hiddenLine xmlns:a14="http://schemas.microsoft.com/office/drawing/2010/main" xmlns="" w="9525">
+                  <a14:hiddenLine xmlns="" xmlns:a14="http://schemas.microsoft.com/office/drawing/2010/main" w="9525">
                     <a:solidFill>
                       <a:srgbClr val="000000"/>
                     </a:solidFill>
@@ -10820,7 +10820,7 @@
               </a:ln>
               <a:extLst>
                 <a:ext uri="{91240B29-F687-4f45-9708-019B960494DF}">
-                  <a14:hiddenLine xmlns:a14="http://schemas.microsoft.com/office/drawing/2010/main" xmlns="" w="9525">
+                  <a14:hiddenLine xmlns="" xmlns:a14="http://schemas.microsoft.com/office/drawing/2010/main" w="9525">
                     <a:solidFill>
                       <a:srgbClr val="000000"/>
                     </a:solidFill>
@@ -10930,7 +10930,7 @@
               </a:ln>
               <a:extLst>
                 <a:ext uri="{91240B29-F687-4f45-9708-019B960494DF}">
-                  <a14:hiddenLine xmlns:a14="http://schemas.microsoft.com/office/drawing/2010/main" xmlns="" w="9525">
+                  <a14:hiddenLine xmlns="" xmlns:a14="http://schemas.microsoft.com/office/drawing/2010/main" w="9525">
                     <a:solidFill>
                       <a:srgbClr val="000000"/>
                     </a:solidFill>
@@ -11014,7 +11014,7 @@
               </a:ln>
               <a:extLst>
                 <a:ext uri="{91240B29-F687-4f45-9708-019B960494DF}">
-                  <a14:hiddenLine xmlns:a14="http://schemas.microsoft.com/office/drawing/2010/main" xmlns="" w="9525">
+                  <a14:hiddenLine xmlns="" xmlns:a14="http://schemas.microsoft.com/office/drawing/2010/main" w="9525">
                     <a:solidFill>
                       <a:srgbClr val="000000"/>
                     </a:solidFill>
@@ -11076,7 +11076,7 @@
               </a:ln>
               <a:extLst>
                 <a:ext uri="{91240B29-F687-4f45-9708-019B960494DF}">
-                  <a14:hiddenLine xmlns:a14="http://schemas.microsoft.com/office/drawing/2010/main" xmlns="" w="9525">
+                  <a14:hiddenLine xmlns="" xmlns:a14="http://schemas.microsoft.com/office/drawing/2010/main" w="9525">
                     <a:solidFill>
                       <a:srgbClr val="000000"/>
                     </a:solidFill>
@@ -11138,7 +11138,7 @@
               </a:ln>
               <a:extLst>
                 <a:ext uri="{91240B29-F687-4f45-9708-019B960494DF}">
-                  <a14:hiddenLine xmlns:a14="http://schemas.microsoft.com/office/drawing/2010/main" xmlns="" w="9525">
+                  <a14:hiddenLine xmlns="" xmlns:a14="http://schemas.microsoft.com/office/drawing/2010/main" w="9525">
                     <a:solidFill>
                       <a:srgbClr val="000000"/>
                     </a:solidFill>
@@ -11228,7 +11228,7 @@
               </a:ln>
               <a:extLst>
                 <a:ext uri="{91240B29-F687-4f45-9708-019B960494DF}">
-                  <a14:hiddenLine xmlns:a14="http://schemas.microsoft.com/office/drawing/2010/main" xmlns="" w="9525">
+                  <a14:hiddenLine xmlns="" xmlns:a14="http://schemas.microsoft.com/office/drawing/2010/main" w="9525">
                     <a:solidFill>
                       <a:srgbClr val="000000"/>
                     </a:solidFill>
@@ -11262,7 +11262,7 @@
               </a:ln>
               <a:extLst>
                 <a:ext uri="{91240B29-F687-4f45-9708-019B960494DF}">
-                  <a14:hiddenLine xmlns:a14="http://schemas.microsoft.com/office/drawing/2010/main" xmlns="" w="9525">
+                  <a14:hiddenLine xmlns="" xmlns:a14="http://schemas.microsoft.com/office/drawing/2010/main" w="9525">
                     <a:solidFill>
                       <a:srgbClr val="000000"/>
                     </a:solidFill>
@@ -11327,7 +11327,7 @@
               </a:ln>
               <a:extLst>
                 <a:ext uri="{91240B29-F687-4f45-9708-019B960494DF}">
-                  <a14:hiddenLine xmlns:a14="http://schemas.microsoft.com/office/drawing/2010/main" xmlns="" w="9525">
+                  <a14:hiddenLine xmlns="" xmlns:a14="http://schemas.microsoft.com/office/drawing/2010/main" w="9525">
                     <a:solidFill>
                       <a:srgbClr val="000000"/>
                     </a:solidFill>
@@ -11417,7 +11417,7 @@
               </a:ln>
               <a:extLst>
                 <a:ext uri="{91240B29-F687-4f45-9708-019B960494DF}">
-                  <a14:hiddenLine xmlns:a14="http://schemas.microsoft.com/office/drawing/2010/main" xmlns="" w="9525">
+                  <a14:hiddenLine xmlns="" xmlns:a14="http://schemas.microsoft.com/office/drawing/2010/main" w="9525">
                     <a:solidFill>
                       <a:srgbClr val="000000"/>
                     </a:solidFill>
@@ -11479,7 +11479,7 @@
               </a:ln>
               <a:extLst>
                 <a:ext uri="{91240B29-F687-4f45-9708-019B960494DF}">
-                  <a14:hiddenLine xmlns:a14="http://schemas.microsoft.com/office/drawing/2010/main" xmlns="" w="9525">
+                  <a14:hiddenLine xmlns="" xmlns:a14="http://schemas.microsoft.com/office/drawing/2010/main" w="9525">
                     <a:solidFill>
                       <a:srgbClr val="000000"/>
                     </a:solidFill>
@@ -11569,7 +11569,7 @@
               </a:ln>
               <a:extLst>
                 <a:ext uri="{91240B29-F687-4f45-9708-019B960494DF}">
-                  <a14:hiddenLine xmlns:a14="http://schemas.microsoft.com/office/drawing/2010/main" xmlns="" w="9525">
+                  <a14:hiddenLine xmlns="" xmlns:a14="http://schemas.microsoft.com/office/drawing/2010/main" w="9525">
                     <a:solidFill>
                       <a:srgbClr val="000000"/>
                     </a:solidFill>
@@ -11634,7 +11634,7 @@
               </a:ln>
               <a:extLst>
                 <a:ext uri="{91240B29-F687-4f45-9708-019B960494DF}">
-                  <a14:hiddenLine xmlns:a14="http://schemas.microsoft.com/office/drawing/2010/main" xmlns="" w="9525">
+                  <a14:hiddenLine xmlns="" xmlns:a14="http://schemas.microsoft.com/office/drawing/2010/main" w="9525">
                     <a:solidFill>
                       <a:srgbClr val="000000"/>
                     </a:solidFill>
@@ -11696,7 +11696,7 @@
               </a:ln>
               <a:extLst>
                 <a:ext uri="{91240B29-F687-4f45-9708-019B960494DF}">
-                  <a14:hiddenLine xmlns:a14="http://schemas.microsoft.com/office/drawing/2010/main" xmlns="" w="9525">
+                  <a14:hiddenLine xmlns="" xmlns:a14="http://schemas.microsoft.com/office/drawing/2010/main" w="9525">
                     <a:solidFill>
                       <a:srgbClr val="000000"/>
                     </a:solidFill>
@@ -11786,7 +11786,7 @@
               </a:ln>
               <a:extLst>
                 <a:ext uri="{91240B29-F687-4f45-9708-019B960494DF}">
-                  <a14:hiddenLine xmlns:a14="http://schemas.microsoft.com/office/drawing/2010/main" xmlns="" w="9525">
+                  <a14:hiddenLine xmlns="" xmlns:a14="http://schemas.microsoft.com/office/drawing/2010/main" w="9525">
                     <a:solidFill>
                       <a:srgbClr val="000000"/>
                     </a:solidFill>
@@ -11876,7 +11876,7 @@
               </a:ln>
               <a:extLst>
                 <a:ext uri="{91240B29-F687-4f45-9708-019B960494DF}">
-                  <a14:hiddenLine xmlns:a14="http://schemas.microsoft.com/office/drawing/2010/main" xmlns="" w="9525">
+                  <a14:hiddenLine xmlns="" xmlns:a14="http://schemas.microsoft.com/office/drawing/2010/main" w="9525">
                     <a:solidFill>
                       <a:srgbClr val="000000"/>
                     </a:solidFill>
@@ -11941,7 +11941,7 @@
               </a:ln>
               <a:extLst>
                 <a:ext uri="{91240B29-F687-4f45-9708-019B960494DF}">
-                  <a14:hiddenLine xmlns:a14="http://schemas.microsoft.com/office/drawing/2010/main" xmlns="" w="9525">
+                  <a14:hiddenLine xmlns="" xmlns:a14="http://schemas.microsoft.com/office/drawing/2010/main" w="9525">
                     <a:solidFill>
                       <a:srgbClr val="000000"/>
                     </a:solidFill>
@@ -12061,7 +12061,7 @@
               </a:ln>
               <a:extLst>
                 <a:ext uri="{91240B29-F687-4f45-9708-019B960494DF}">
-                  <a14:hiddenLine xmlns:a14="http://schemas.microsoft.com/office/drawing/2010/main" xmlns="" w="9525">
+                  <a14:hiddenLine xmlns="" xmlns:a14="http://schemas.microsoft.com/office/drawing/2010/main" w="9525">
                     <a:solidFill>
                       <a:srgbClr val="000000"/>
                     </a:solidFill>
@@ -12159,7 +12159,7 @@
               </a:ln>
               <a:extLst>
                 <a:ext uri="{91240B29-F687-4f45-9708-019B960494DF}">
-                  <a14:hiddenLine xmlns:a14="http://schemas.microsoft.com/office/drawing/2010/main" xmlns="" w="9525">
+                  <a14:hiddenLine xmlns="" xmlns:a14="http://schemas.microsoft.com/office/drawing/2010/main" w="9525">
                     <a:solidFill>
                       <a:srgbClr val="000000"/>
                     </a:solidFill>
@@ -12274,7 +12274,7 @@
               </a:ln>
               <a:extLst>
                 <a:ext uri="{91240B29-F687-4f45-9708-019B960494DF}">
-                  <a14:hiddenLine xmlns:a14="http://schemas.microsoft.com/office/drawing/2010/main" xmlns="" w="9525">
+                  <a14:hiddenLine xmlns="" xmlns:a14="http://schemas.microsoft.com/office/drawing/2010/main" w="9525">
                     <a:solidFill>
                       <a:srgbClr val="000000"/>
                     </a:solidFill>
@@ -12364,7 +12364,7 @@
               </a:ln>
               <a:extLst>
                 <a:ext uri="{91240B29-F687-4f45-9708-019B960494DF}">
-                  <a14:hiddenLine xmlns:a14="http://schemas.microsoft.com/office/drawing/2010/main" xmlns="" w="9525">
+                  <a14:hiddenLine xmlns="" xmlns:a14="http://schemas.microsoft.com/office/drawing/2010/main" w="9525">
                     <a:solidFill>
                       <a:srgbClr val="000000"/>
                     </a:solidFill>
@@ -12429,7 +12429,7 @@
               </a:ln>
               <a:extLst>
                 <a:ext uri="{91240B29-F687-4f45-9708-019B960494DF}">
-                  <a14:hiddenLine xmlns:a14="http://schemas.microsoft.com/office/drawing/2010/main" xmlns="" w="9525">
+                  <a14:hiddenLine xmlns="" xmlns:a14="http://schemas.microsoft.com/office/drawing/2010/main" w="9525">
                     <a:solidFill>
                       <a:srgbClr val="000000"/>
                     </a:solidFill>
@@ -12519,7 +12519,7 @@
               </a:ln>
               <a:extLst>
                 <a:ext uri="{91240B29-F687-4f45-9708-019B960494DF}">
-                  <a14:hiddenLine xmlns:a14="http://schemas.microsoft.com/office/drawing/2010/main" xmlns="" w="9525">
+                  <a14:hiddenLine xmlns="" xmlns:a14="http://schemas.microsoft.com/office/drawing/2010/main" w="9525">
                     <a:solidFill>
                       <a:srgbClr val="000000"/>
                     </a:solidFill>
@@ -12587,7 +12587,7 @@
               </a:ln>
               <a:extLst>
                 <a:ext uri="{91240B29-F687-4f45-9708-019B960494DF}">
-                  <a14:hiddenLine xmlns:a14="http://schemas.microsoft.com/office/drawing/2010/main" xmlns="" w="9525">
+                  <a14:hiddenLine xmlns="" xmlns:a14="http://schemas.microsoft.com/office/drawing/2010/main" w="9525">
                     <a:solidFill>
                       <a:srgbClr val="000000"/>
                     </a:solidFill>
@@ -12677,7 +12677,7 @@
               </a:ln>
               <a:extLst>
                 <a:ext uri="{91240B29-F687-4f45-9708-019B960494DF}">
-                  <a14:hiddenLine xmlns:a14="http://schemas.microsoft.com/office/drawing/2010/main" xmlns="" w="9525">
+                  <a14:hiddenLine xmlns="" xmlns:a14="http://schemas.microsoft.com/office/drawing/2010/main" w="9525">
                     <a:solidFill>
                       <a:srgbClr val="000000"/>
                     </a:solidFill>
@@ -12745,7 +12745,7 @@
               </a:ln>
               <a:extLst>
                 <a:ext uri="{91240B29-F687-4f45-9708-019B960494DF}">
-                  <a14:hiddenLine xmlns:a14="http://schemas.microsoft.com/office/drawing/2010/main" xmlns="" w="9525">
+                  <a14:hiddenLine xmlns="" xmlns:a14="http://schemas.microsoft.com/office/drawing/2010/main" w="9525">
                     <a:solidFill>
                       <a:srgbClr val="000000"/>
                     </a:solidFill>
@@ -12835,7 +12835,7 @@
               </a:ln>
               <a:extLst>
                 <a:ext uri="{91240B29-F687-4f45-9708-019B960494DF}">
-                  <a14:hiddenLine xmlns:a14="http://schemas.microsoft.com/office/drawing/2010/main" xmlns="" w="9525">
+                  <a14:hiddenLine xmlns="" xmlns:a14="http://schemas.microsoft.com/office/drawing/2010/main" w="9525">
                     <a:solidFill>
                       <a:srgbClr val="000000"/>
                     </a:solidFill>
@@ -12869,7 +12869,7 @@
               </a:ln>
               <a:extLst>
                 <a:ext uri="{91240B29-F687-4f45-9708-019B960494DF}">
-                  <a14:hiddenLine xmlns:a14="http://schemas.microsoft.com/office/drawing/2010/main" xmlns="" w="9525">
+                  <a14:hiddenLine xmlns="" xmlns:a14="http://schemas.microsoft.com/office/drawing/2010/main" w="9525">
                     <a:solidFill>
                       <a:srgbClr val="000000"/>
                     </a:solidFill>
@@ -13009,7 +13009,7 @@
           <a:p>
             <a:fld id="{F34B6E3E-06F4-4326-ABDB-61EE022A2F5F}" type="datetimeFigureOut">
               <a:rPr lang="en-US" smtClean="0"/>
-              <a:t>6/27/2022</a:t>
+              <a:t>6/28/2022</a:t>
             </a:fld>
             <a:endParaRPr lang="en-US"/>
           </a:p>
@@ -13448,7 +13448,7 @@
         </p:nvSpPr>
         <p:spPr>
           <a:xfrm>
-            <a:off x="609600" y="1752600"/>
+            <a:off x="457200" y="2628900"/>
             <a:ext cx="10972800" cy="1476352"/>
           </a:xfrm>
         </p:spPr>
@@ -13465,15 +13465,15 @@
                   <a:schemeClr val="tx1"/>
                 </a:solidFill>
               </a:rPr>
-              <a:t>Наука и научно знание</a:t>
+              <a:t>Наука и научно знание. </a:t>
             </a:r>
             <a:r>
-              <a:rPr lang="ru-RU">
+              <a:rPr lang="ru-RU" dirty="0" err="1">
                 <a:solidFill>
                   <a:schemeClr val="tx1"/>
                 </a:solidFill>
               </a:rPr>
-              <a:t>. факти</a:t>
+              <a:t>факти</a:t>
             </a:r>
             <a:r>
               <a:rPr lang="ru-RU" dirty="0">
@@ -13555,7 +13555,7 @@
         </p:nvSpPr>
         <p:spPr>
           <a:xfrm>
-            <a:off x="7239000" y="3810000"/>
+            <a:off x="7162800" y="4648200"/>
             <a:ext cx="3962400" cy="930301"/>
           </a:xfrm>
           <a:prstGeom prst="rect">
@@ -13830,7 +13830,7 @@
         </p:nvSpPr>
         <p:spPr>
           <a:xfrm>
-            <a:off x="1219200" y="4114800"/>
+            <a:off x="1143000" y="4953000"/>
             <a:ext cx="3200400" cy="938719"/>
           </a:xfrm>
           <a:prstGeom prst="rect">
@@ -13888,6 +13888,118 @@
           </a:p>
         </p:txBody>
       </p:sp>
+      <p:sp>
+        <p:nvSpPr>
+          <p:cNvPr id="8" name="Title 4">
+            <a:extLst>
+              <a:ext uri="{FF2B5EF4-FFF2-40B4-BE49-F238E27FC236}">
+                <a16:creationId xmlns:a16="http://schemas.microsoft.com/office/drawing/2014/main" id="{071BD957-3C40-4685-BC3C-2E934DF6CA5E}"/>
+              </a:ext>
+            </a:extLst>
+          </p:cNvPr>
+          <p:cNvSpPr txBox="1">
+            <a:spLocks/>
+          </p:cNvSpPr>
+          <p:nvPr/>
+        </p:nvSpPr>
+        <p:spPr>
+          <a:xfrm>
+            <a:off x="609600" y="304800"/>
+            <a:ext cx="10972800" cy="1476352"/>
+          </a:xfrm>
+          <a:prstGeom prst="rect">
+            <a:avLst/>
+          </a:prstGeom>
+        </p:spPr>
+        <p:txBody>
+          <a:bodyPr vert="horz" lIns="0" tIns="0" rIns="0" bIns="0" rtlCol="0" anchor="ctr">
+            <a:normAutofit fontScale="97500"/>
+          </a:bodyPr>
+          <a:lstStyle>
+            <a:lvl1pPr algn="r" defTabSz="914400" rtl="0" eaLnBrk="1" latinLnBrk="0" hangingPunct="1">
+              <a:lnSpc>
+                <a:spcPct val="90000"/>
+              </a:lnSpc>
+              <a:spcBef>
+                <a:spcPct val="0"/>
+              </a:spcBef>
+              <a:buNone/>
+              <a:defRPr sz="5400" kern="1200" cap="all" baseline="0">
+                <a:solidFill>
+                  <a:srgbClr val="F6D18E"/>
+                </a:solidFill>
+                <a:latin typeface="+mj-lt"/>
+                <a:ea typeface="+mj-ea"/>
+                <a:cs typeface="+mj-cs"/>
+              </a:defRPr>
+            </a:lvl1pPr>
+          </a:lstStyle>
+          <a:p>
+            <a:pPr algn="ctr"/>
+            <a:r>
+              <a:rPr lang="ru-RU" sz="4800" u="sng" dirty="0">
+                <a:solidFill>
+                  <a:schemeClr val="tx1"/>
+                </a:solidFill>
+              </a:rPr>
+              <a:t>Методика</a:t>
+            </a:r>
+            <a:r>
+              <a:rPr lang="en-US" sz="4800" u="sng" dirty="0">
+                <a:solidFill>
+                  <a:schemeClr val="tx1"/>
+                </a:solidFill>
+              </a:rPr>
+              <a:t> </a:t>
+            </a:r>
+            <a:r>
+              <a:rPr lang="ru-RU" sz="4800" u="sng" dirty="0">
+                <a:solidFill>
+                  <a:schemeClr val="tx1"/>
+                </a:solidFill>
+              </a:rPr>
+              <a:t>на</a:t>
+            </a:r>
+            <a:r>
+              <a:rPr lang="en-US" sz="4800" u="sng" dirty="0">
+                <a:solidFill>
+                  <a:schemeClr val="tx1"/>
+                </a:solidFill>
+              </a:rPr>
+              <a:t> </a:t>
+            </a:r>
+            <a:r>
+              <a:rPr lang="ru-RU" sz="4800" u="sng" dirty="0" err="1">
+                <a:solidFill>
+                  <a:schemeClr val="tx1"/>
+                </a:solidFill>
+              </a:rPr>
+              <a:t>Научните</a:t>
+            </a:r>
+            <a:r>
+              <a:rPr lang="en-US" sz="4800" u="sng" dirty="0">
+                <a:solidFill>
+                  <a:schemeClr val="tx1"/>
+                </a:solidFill>
+              </a:rPr>
+              <a:t> </a:t>
+            </a:r>
+            <a:r>
+              <a:rPr lang="ru-RU" sz="4800" u="sng" dirty="0" err="1">
+                <a:solidFill>
+                  <a:schemeClr val="tx1"/>
+                </a:solidFill>
+              </a:rPr>
+              <a:t>Изследвания</a:t>
+            </a:r>
+            <a:endParaRPr lang="en-US" sz="4800" u="sng" dirty="0">
+              <a:solidFill>
+                <a:schemeClr val="tx1"/>
+              </a:solidFill>
+            </a:endParaRPr>
+          </a:p>
+        </p:txBody>
+      </p:sp>
     </p:spTree>
     <p:extLst>
       <p:ext uri="{BB962C8B-B14F-4D97-AF65-F5344CB8AC3E}">
@@ -13898,13 +14010,13 @@
   <p:clrMapOvr>
     <a:masterClrMapping/>
   </p:clrMapOvr>
-  <mc:AlternateContent xmlns:mc="http://schemas.openxmlformats.org/markup-compatibility/2006" xmlns:p14="http://schemas.microsoft.com/office/powerpoint/2010/main">
-    <mc:Choice Requires="p14">
+  <mc:AlternateContent xmlns:mc="http://schemas.openxmlformats.org/markup-compatibility/2006">
+    <mc:Choice xmlns:p14="http://schemas.microsoft.com/office/powerpoint/2010/main" Requires="p14">
       <p:transition spd="med" p14:dur="700">
         <p:fade/>
       </p:transition>
     </mc:Choice>
-    <mc:Fallback xmlns="">
+    <mc:Fallback>
       <p:transition spd="med">
         <p:fade/>
       </p:transition>
@@ -14253,6 +14365,18 @@
   <p:clrMapOvr>
     <a:masterClrMapping/>
   </p:clrMapOvr>
+  <mc:AlternateContent xmlns:mc="http://schemas.openxmlformats.org/markup-compatibility/2006">
+    <mc:Choice xmlns:p14="http://schemas.microsoft.com/office/powerpoint/2010/main" Requires="p14">
+      <p:transition spd="med" p14:dur="700">
+        <p:fade/>
+      </p:transition>
+    </mc:Choice>
+    <mc:Fallback>
+      <p:transition spd="med">
+        <p:fade/>
+      </p:transition>
+    </mc:Fallback>
+  </mc:AlternateContent>
 </p:sld>
 </file>
 
@@ -14345,7 +14469,7 @@
           <a:noFill/>
           <a:extLst>
             <a:ext uri="{909E8E84-426E-40dd-AFC4-6F175D3DCCD1}">
-              <a14:hiddenFill xmlns:p14="http://schemas.microsoft.com/office/powerpoint/2010/main" xmlns:a14="http://schemas.microsoft.com/office/drawing/2010/main" xmlns:a16="http://schemas.microsoft.com/office/drawing/2014/main" xmlns="">
+              <a14:hiddenFill xmlns="" xmlns:a16="http://schemas.microsoft.com/office/drawing/2014/main" xmlns:a14="http://schemas.microsoft.com/office/drawing/2010/main" xmlns:p14="http://schemas.microsoft.com/office/powerpoint/2010/main">
                 <a:solidFill>
                   <a:srgbClr val="FFFFFF"/>
                 </a:solidFill>
@@ -14437,7 +14561,7 @@
             </a:ln>
             <a:extLst>
               <a:ext uri="{91240B29-F687-4f45-9708-019B960494DF}">
-                <a14:hiddenLine xmlns:p14="http://schemas.microsoft.com/office/powerpoint/2010/main" xmlns:a14="http://schemas.microsoft.com/office/drawing/2010/main" xmlns:a16="http://schemas.microsoft.com/office/drawing/2014/main" xmlns="" w="9525">
+                <a14:hiddenLine xmlns="" xmlns:a16="http://schemas.microsoft.com/office/drawing/2014/main" xmlns:a14="http://schemas.microsoft.com/office/drawing/2010/main" xmlns:p14="http://schemas.microsoft.com/office/powerpoint/2010/main" w="9525">
                   <a:solidFill>
                     <a:srgbClr val="000000"/>
                   </a:solidFill>
@@ -14542,7 +14666,7 @@
             </a:ln>
             <a:extLst>
               <a:ext uri="{91240B29-F687-4f45-9708-019B960494DF}">
-                <a14:hiddenLine xmlns:p14="http://schemas.microsoft.com/office/powerpoint/2010/main" xmlns:a14="http://schemas.microsoft.com/office/drawing/2010/main" xmlns:a16="http://schemas.microsoft.com/office/drawing/2014/main" xmlns="" w="9525">
+                <a14:hiddenLine xmlns="" xmlns:a16="http://schemas.microsoft.com/office/drawing/2014/main" xmlns:a14="http://schemas.microsoft.com/office/drawing/2010/main" xmlns:p14="http://schemas.microsoft.com/office/powerpoint/2010/main" w="9525">
                   <a:solidFill>
                     <a:srgbClr val="000000"/>
                   </a:solidFill>
@@ -14647,7 +14771,7 @@
             </a:ln>
             <a:extLst>
               <a:ext uri="{91240B29-F687-4f45-9708-019B960494DF}">
-                <a14:hiddenLine xmlns:p14="http://schemas.microsoft.com/office/powerpoint/2010/main" xmlns:a14="http://schemas.microsoft.com/office/drawing/2010/main" xmlns:a16="http://schemas.microsoft.com/office/drawing/2014/main" xmlns="" w="9525">
+                <a14:hiddenLine xmlns="" xmlns:a16="http://schemas.microsoft.com/office/drawing/2014/main" xmlns:a14="http://schemas.microsoft.com/office/drawing/2010/main" xmlns:p14="http://schemas.microsoft.com/office/powerpoint/2010/main" w="9525">
                   <a:solidFill>
                     <a:srgbClr val="000000"/>
                   </a:solidFill>
@@ -14696,7 +14820,7 @@
             </a:ln>
             <a:extLst>
               <a:ext uri="{91240B29-F687-4f45-9708-019B960494DF}">
-                <a14:hiddenLine xmlns:p14="http://schemas.microsoft.com/office/powerpoint/2010/main" xmlns:a14="http://schemas.microsoft.com/office/drawing/2010/main" xmlns:a16="http://schemas.microsoft.com/office/drawing/2014/main" xmlns="" w="9525">
+                <a14:hiddenLine xmlns="" xmlns:a16="http://schemas.microsoft.com/office/drawing/2014/main" xmlns:a14="http://schemas.microsoft.com/office/drawing/2010/main" xmlns:p14="http://schemas.microsoft.com/office/powerpoint/2010/main" w="9525">
                   <a:solidFill>
                     <a:srgbClr val="000000"/>
                   </a:solidFill>
@@ -14801,7 +14925,7 @@
             </a:ln>
             <a:extLst>
               <a:ext uri="{91240B29-F687-4f45-9708-019B960494DF}">
-                <a14:hiddenLine xmlns:p14="http://schemas.microsoft.com/office/powerpoint/2010/main" xmlns:a14="http://schemas.microsoft.com/office/drawing/2010/main" xmlns:a16="http://schemas.microsoft.com/office/drawing/2014/main" xmlns="" w="9525">
+                <a14:hiddenLine xmlns="" xmlns:a16="http://schemas.microsoft.com/office/drawing/2014/main" xmlns:a14="http://schemas.microsoft.com/office/drawing/2010/main" xmlns:p14="http://schemas.microsoft.com/office/powerpoint/2010/main" w="9525">
                   <a:solidFill>
                     <a:srgbClr val="000000"/>
                   </a:solidFill>
@@ -14878,7 +15002,7 @@
             </a:ln>
             <a:extLst>
               <a:ext uri="{91240B29-F687-4f45-9708-019B960494DF}">
-                <a14:hiddenLine xmlns:p14="http://schemas.microsoft.com/office/powerpoint/2010/main" xmlns:a14="http://schemas.microsoft.com/office/drawing/2010/main" xmlns:a16="http://schemas.microsoft.com/office/drawing/2014/main" xmlns="" w="9525">
+                <a14:hiddenLine xmlns="" xmlns:a16="http://schemas.microsoft.com/office/drawing/2014/main" xmlns:a14="http://schemas.microsoft.com/office/drawing/2010/main" xmlns:p14="http://schemas.microsoft.com/office/powerpoint/2010/main" w="9525">
                   <a:solidFill>
                     <a:srgbClr val="000000"/>
                   </a:solidFill>
@@ -14955,7 +15079,7 @@
             </a:ln>
             <a:extLst>
               <a:ext uri="{91240B29-F687-4f45-9708-019B960494DF}">
-                <a14:hiddenLine xmlns:p14="http://schemas.microsoft.com/office/powerpoint/2010/main" xmlns:a14="http://schemas.microsoft.com/office/drawing/2010/main" xmlns:a16="http://schemas.microsoft.com/office/drawing/2014/main" xmlns="" w="9525">
+                <a14:hiddenLine xmlns="" xmlns:a16="http://schemas.microsoft.com/office/drawing/2014/main" xmlns:a14="http://schemas.microsoft.com/office/drawing/2010/main" xmlns:p14="http://schemas.microsoft.com/office/powerpoint/2010/main" w="9525">
                   <a:solidFill>
                     <a:srgbClr val="000000"/>
                   </a:solidFill>
@@ -15060,7 +15184,7 @@
             </a:ln>
             <a:extLst>
               <a:ext uri="{91240B29-F687-4f45-9708-019B960494DF}">
-                <a14:hiddenLine xmlns:p14="http://schemas.microsoft.com/office/powerpoint/2010/main" xmlns:a14="http://schemas.microsoft.com/office/drawing/2010/main" xmlns:a16="http://schemas.microsoft.com/office/drawing/2014/main" xmlns="" w="9525">
+                <a14:hiddenLine xmlns="" xmlns:a16="http://schemas.microsoft.com/office/drawing/2014/main" xmlns:a14="http://schemas.microsoft.com/office/drawing/2010/main" xmlns:p14="http://schemas.microsoft.com/office/powerpoint/2010/main" w="9525">
                   <a:solidFill>
                     <a:srgbClr val="000000"/>
                   </a:solidFill>
@@ -15137,7 +15261,7 @@
             </a:ln>
             <a:extLst>
               <a:ext uri="{91240B29-F687-4f45-9708-019B960494DF}">
-                <a14:hiddenLine xmlns:p14="http://schemas.microsoft.com/office/powerpoint/2010/main" xmlns:a14="http://schemas.microsoft.com/office/drawing/2010/main" xmlns:a16="http://schemas.microsoft.com/office/drawing/2014/main" xmlns="" w="9525">
+                <a14:hiddenLine xmlns="" xmlns:a16="http://schemas.microsoft.com/office/drawing/2014/main" xmlns:a14="http://schemas.microsoft.com/office/drawing/2010/main" xmlns:p14="http://schemas.microsoft.com/office/powerpoint/2010/main" w="9525">
                   <a:solidFill>
                     <a:srgbClr val="000000"/>
                   </a:solidFill>
@@ -15214,7 +15338,7 @@
             </a:ln>
             <a:extLst>
               <a:ext uri="{91240B29-F687-4f45-9708-019B960494DF}">
-                <a14:hiddenLine xmlns:p14="http://schemas.microsoft.com/office/powerpoint/2010/main" xmlns:a14="http://schemas.microsoft.com/office/drawing/2010/main" xmlns:a16="http://schemas.microsoft.com/office/drawing/2014/main" xmlns="" w="9525">
+                <a14:hiddenLine xmlns="" xmlns:a16="http://schemas.microsoft.com/office/drawing/2014/main" xmlns:a14="http://schemas.microsoft.com/office/drawing/2010/main" xmlns:p14="http://schemas.microsoft.com/office/powerpoint/2010/main" w="9525">
                   <a:solidFill>
                     <a:srgbClr val="000000"/>
                   </a:solidFill>
@@ -15319,7 +15443,7 @@
             </a:ln>
             <a:extLst>
               <a:ext uri="{91240B29-F687-4f45-9708-019B960494DF}">
-                <a14:hiddenLine xmlns:p14="http://schemas.microsoft.com/office/powerpoint/2010/main" xmlns:a14="http://schemas.microsoft.com/office/drawing/2010/main" xmlns:a16="http://schemas.microsoft.com/office/drawing/2014/main" xmlns="" w="9525">
+                <a14:hiddenLine xmlns="" xmlns:a16="http://schemas.microsoft.com/office/drawing/2014/main" xmlns:a14="http://schemas.microsoft.com/office/drawing/2010/main" xmlns:p14="http://schemas.microsoft.com/office/powerpoint/2010/main" w="9525">
                   <a:solidFill>
                     <a:srgbClr val="000000"/>
                   </a:solidFill>
@@ -15424,7 +15548,7 @@
             </a:ln>
             <a:extLst>
               <a:ext uri="{91240B29-F687-4f45-9708-019B960494DF}">
-                <a14:hiddenLine xmlns:p14="http://schemas.microsoft.com/office/powerpoint/2010/main" xmlns:a14="http://schemas.microsoft.com/office/drawing/2010/main" xmlns:a16="http://schemas.microsoft.com/office/drawing/2014/main" xmlns="" w="9525">
+                <a14:hiddenLine xmlns="" xmlns:a16="http://schemas.microsoft.com/office/drawing/2014/main" xmlns:a14="http://schemas.microsoft.com/office/drawing/2010/main" xmlns:p14="http://schemas.microsoft.com/office/powerpoint/2010/main" w="9525">
                   <a:solidFill>
                     <a:srgbClr val="000000"/>
                   </a:solidFill>
@@ -15501,7 +15625,7 @@
             </a:ln>
             <a:extLst>
               <a:ext uri="{91240B29-F687-4f45-9708-019B960494DF}">
-                <a14:hiddenLine xmlns:p14="http://schemas.microsoft.com/office/powerpoint/2010/main" xmlns:a14="http://schemas.microsoft.com/office/drawing/2010/main" xmlns:a16="http://schemas.microsoft.com/office/drawing/2014/main" xmlns="" w="9525">
+                <a14:hiddenLine xmlns="" xmlns:a16="http://schemas.microsoft.com/office/drawing/2014/main" xmlns:a14="http://schemas.microsoft.com/office/drawing/2010/main" xmlns:p14="http://schemas.microsoft.com/office/powerpoint/2010/main" w="9525">
                   <a:solidFill>
                     <a:srgbClr val="000000"/>
                   </a:solidFill>
@@ -15626,7 +15750,7 @@
             </a:ln>
             <a:extLst>
               <a:ext uri="{91240B29-F687-4f45-9708-019B960494DF}">
-                <a14:hiddenLine xmlns:p14="http://schemas.microsoft.com/office/powerpoint/2010/main" xmlns:a14="http://schemas.microsoft.com/office/drawing/2010/main" xmlns:a16="http://schemas.microsoft.com/office/drawing/2014/main" xmlns="" w="9525">
+                <a14:hiddenLine xmlns="" xmlns:a16="http://schemas.microsoft.com/office/drawing/2014/main" xmlns:a14="http://schemas.microsoft.com/office/drawing/2010/main" xmlns:p14="http://schemas.microsoft.com/office/powerpoint/2010/main" w="9525">
                   <a:solidFill>
                     <a:srgbClr val="000000"/>
                   </a:solidFill>
@@ -15703,7 +15827,7 @@
             </a:ln>
             <a:extLst>
               <a:ext uri="{91240B29-F687-4f45-9708-019B960494DF}">
-                <a14:hiddenLine xmlns:p14="http://schemas.microsoft.com/office/powerpoint/2010/main" xmlns:a14="http://schemas.microsoft.com/office/drawing/2010/main" xmlns:a16="http://schemas.microsoft.com/office/drawing/2014/main" xmlns="" w="9525">
+                <a14:hiddenLine xmlns="" xmlns:a16="http://schemas.microsoft.com/office/drawing/2014/main" xmlns:a14="http://schemas.microsoft.com/office/drawing/2010/main" xmlns:p14="http://schemas.microsoft.com/office/powerpoint/2010/main" w="9525">
                   <a:solidFill>
                     <a:srgbClr val="000000"/>
                   </a:solidFill>
@@ -15808,7 +15932,7 @@
             </a:ln>
             <a:extLst>
               <a:ext uri="{91240B29-F687-4f45-9708-019B960494DF}">
-                <a14:hiddenLine xmlns:p14="http://schemas.microsoft.com/office/powerpoint/2010/main" xmlns:a14="http://schemas.microsoft.com/office/drawing/2010/main" xmlns:a16="http://schemas.microsoft.com/office/drawing/2014/main" xmlns="" w="9525">
+                <a14:hiddenLine xmlns="" xmlns:a16="http://schemas.microsoft.com/office/drawing/2014/main" xmlns:a14="http://schemas.microsoft.com/office/drawing/2010/main" xmlns:p14="http://schemas.microsoft.com/office/powerpoint/2010/main" w="9525">
                   <a:solidFill>
                     <a:srgbClr val="000000"/>
                   </a:solidFill>
@@ -15913,7 +16037,7 @@
             </a:ln>
             <a:extLst>
               <a:ext uri="{91240B29-F687-4f45-9708-019B960494DF}">
-                <a14:hiddenLine xmlns:p14="http://schemas.microsoft.com/office/powerpoint/2010/main" xmlns:a14="http://schemas.microsoft.com/office/drawing/2010/main" xmlns:a16="http://schemas.microsoft.com/office/drawing/2014/main" xmlns="" w="9525">
+                <a14:hiddenLine xmlns="" xmlns:a16="http://schemas.microsoft.com/office/drawing/2014/main" xmlns:a14="http://schemas.microsoft.com/office/drawing/2010/main" xmlns:p14="http://schemas.microsoft.com/office/powerpoint/2010/main" w="9525">
                   <a:solidFill>
                     <a:srgbClr val="000000"/>
                   </a:solidFill>
@@ -15990,7 +16114,7 @@
             </a:ln>
             <a:extLst>
               <a:ext uri="{91240B29-F687-4f45-9708-019B960494DF}">
-                <a14:hiddenLine xmlns:p14="http://schemas.microsoft.com/office/powerpoint/2010/main" xmlns:a14="http://schemas.microsoft.com/office/drawing/2010/main" xmlns:a16="http://schemas.microsoft.com/office/drawing/2014/main" xmlns="" w="9525">
+                <a14:hiddenLine xmlns="" xmlns:a16="http://schemas.microsoft.com/office/drawing/2014/main" xmlns:a14="http://schemas.microsoft.com/office/drawing/2010/main" xmlns:p14="http://schemas.microsoft.com/office/powerpoint/2010/main" w="9525">
                   <a:solidFill>
                     <a:srgbClr val="000000"/>
                   </a:solidFill>
@@ -16095,7 +16219,7 @@
             </a:ln>
             <a:extLst>
               <a:ext uri="{91240B29-F687-4f45-9708-019B960494DF}">
-                <a14:hiddenLine xmlns:p14="http://schemas.microsoft.com/office/powerpoint/2010/main" xmlns:a14="http://schemas.microsoft.com/office/drawing/2010/main" xmlns:a16="http://schemas.microsoft.com/office/drawing/2014/main" xmlns="" w="9525">
+                <a14:hiddenLine xmlns="" xmlns:a16="http://schemas.microsoft.com/office/drawing/2014/main" xmlns:a14="http://schemas.microsoft.com/office/drawing/2010/main" xmlns:p14="http://schemas.microsoft.com/office/powerpoint/2010/main" w="9525">
                   <a:solidFill>
                     <a:srgbClr val="000000"/>
                   </a:solidFill>
@@ -16200,7 +16324,7 @@
             </a:ln>
             <a:extLst>
               <a:ext uri="{91240B29-F687-4f45-9708-019B960494DF}">
-                <a14:hiddenLine xmlns:p14="http://schemas.microsoft.com/office/powerpoint/2010/main" xmlns:a14="http://schemas.microsoft.com/office/drawing/2010/main" xmlns:a16="http://schemas.microsoft.com/office/drawing/2014/main" xmlns="" w="9525">
+                <a14:hiddenLine xmlns="" xmlns:a16="http://schemas.microsoft.com/office/drawing/2014/main" xmlns:a14="http://schemas.microsoft.com/office/drawing/2010/main" xmlns:p14="http://schemas.microsoft.com/office/powerpoint/2010/main" w="9525">
                   <a:solidFill>
                     <a:srgbClr val="000000"/>
                   </a:solidFill>
@@ -16271,7 +16395,7 @@
             </a:ln>
             <a:extLst>
               <a:ext uri="{91240B29-F687-4f45-9708-019B960494DF}">
-                <a14:hiddenLine xmlns:p14="http://schemas.microsoft.com/office/powerpoint/2010/main" xmlns:a14="http://schemas.microsoft.com/office/drawing/2010/main" xmlns:a16="http://schemas.microsoft.com/office/drawing/2014/main" xmlns="" w="9525">
+                <a14:hiddenLine xmlns="" xmlns:a16="http://schemas.microsoft.com/office/drawing/2014/main" xmlns:a14="http://schemas.microsoft.com/office/drawing/2010/main" xmlns:p14="http://schemas.microsoft.com/office/powerpoint/2010/main" w="9525">
                   <a:solidFill>
                     <a:srgbClr val="000000"/>
                   </a:solidFill>
@@ -16376,7 +16500,7 @@
             </a:ln>
             <a:extLst>
               <a:ext uri="{91240B29-F687-4f45-9708-019B960494DF}">
-                <a14:hiddenLine xmlns:p14="http://schemas.microsoft.com/office/powerpoint/2010/main" xmlns:a14="http://schemas.microsoft.com/office/drawing/2010/main" xmlns:a16="http://schemas.microsoft.com/office/drawing/2014/main" xmlns="" w="9525">
+                <a14:hiddenLine xmlns="" xmlns:a16="http://schemas.microsoft.com/office/drawing/2014/main" xmlns:a14="http://schemas.microsoft.com/office/drawing/2010/main" xmlns:p14="http://schemas.microsoft.com/office/powerpoint/2010/main" w="9525">
                   <a:solidFill>
                     <a:srgbClr val="000000"/>
                   </a:solidFill>
@@ -16447,7 +16571,7 @@
             </a:ln>
             <a:extLst>
               <a:ext uri="{91240B29-F687-4f45-9708-019B960494DF}">
-                <a14:hiddenLine xmlns:p14="http://schemas.microsoft.com/office/powerpoint/2010/main" xmlns:a14="http://schemas.microsoft.com/office/drawing/2010/main" xmlns:a16="http://schemas.microsoft.com/office/drawing/2014/main" xmlns="" w="9525">
+                <a14:hiddenLine xmlns="" xmlns:a16="http://schemas.microsoft.com/office/drawing/2014/main" xmlns:a14="http://schemas.microsoft.com/office/drawing/2010/main" xmlns:p14="http://schemas.microsoft.com/office/powerpoint/2010/main" w="9525">
                   <a:solidFill>
                     <a:srgbClr val="000000"/>
                   </a:solidFill>
@@ -16552,7 +16676,7 @@
             </a:ln>
             <a:extLst>
               <a:ext uri="{91240B29-F687-4f45-9708-019B960494DF}">
-                <a14:hiddenLine xmlns:p14="http://schemas.microsoft.com/office/powerpoint/2010/main" xmlns:a14="http://schemas.microsoft.com/office/drawing/2010/main" xmlns:a16="http://schemas.microsoft.com/office/drawing/2014/main" xmlns="" w="9525">
+                <a14:hiddenLine xmlns="" xmlns:a16="http://schemas.microsoft.com/office/drawing/2014/main" xmlns:a14="http://schemas.microsoft.com/office/drawing/2010/main" xmlns:p14="http://schemas.microsoft.com/office/powerpoint/2010/main" w="9525">
                   <a:solidFill>
                     <a:srgbClr val="000000"/>
                   </a:solidFill>
@@ -16635,7 +16759,7 @@
             </a:ln>
             <a:extLst>
               <a:ext uri="{91240B29-F687-4f45-9708-019B960494DF}">
-                <a14:hiddenLine xmlns:p14="http://schemas.microsoft.com/office/powerpoint/2010/main" xmlns:a14="http://schemas.microsoft.com/office/drawing/2010/main" xmlns:a16="http://schemas.microsoft.com/office/drawing/2014/main" xmlns="" w="9525">
+                <a14:hiddenLine xmlns="" xmlns:a16="http://schemas.microsoft.com/office/drawing/2014/main" xmlns:a14="http://schemas.microsoft.com/office/drawing/2010/main" xmlns:p14="http://schemas.microsoft.com/office/powerpoint/2010/main" w="9525">
                   <a:solidFill>
                     <a:srgbClr val="000000"/>
                   </a:solidFill>
@@ -16740,7 +16864,7 @@
             </a:ln>
             <a:extLst>
               <a:ext uri="{91240B29-F687-4f45-9708-019B960494DF}">
-                <a14:hiddenLine xmlns:p14="http://schemas.microsoft.com/office/powerpoint/2010/main" xmlns:a14="http://schemas.microsoft.com/office/drawing/2010/main" xmlns:a16="http://schemas.microsoft.com/office/drawing/2014/main" xmlns="" w="9525">
+                <a14:hiddenLine xmlns="" xmlns:a16="http://schemas.microsoft.com/office/drawing/2014/main" xmlns:a14="http://schemas.microsoft.com/office/drawing/2010/main" xmlns:p14="http://schemas.microsoft.com/office/powerpoint/2010/main" w="9525">
                   <a:solidFill>
                     <a:srgbClr val="000000"/>
                   </a:solidFill>
@@ -16823,7 +16947,7 @@
             </a:ln>
             <a:extLst>
               <a:ext uri="{91240B29-F687-4f45-9708-019B960494DF}">
-                <a14:hiddenLine xmlns:p14="http://schemas.microsoft.com/office/powerpoint/2010/main" xmlns:a14="http://schemas.microsoft.com/office/drawing/2010/main" xmlns:a16="http://schemas.microsoft.com/office/drawing/2014/main" xmlns="" w="9525">
+                <a14:hiddenLine xmlns="" xmlns:a16="http://schemas.microsoft.com/office/drawing/2014/main" xmlns:a14="http://schemas.microsoft.com/office/drawing/2010/main" xmlns:p14="http://schemas.microsoft.com/office/powerpoint/2010/main" w="9525">
                   <a:solidFill>
                     <a:srgbClr val="000000"/>
                   </a:solidFill>
@@ -16928,7 +17052,7 @@
             </a:ln>
             <a:extLst>
               <a:ext uri="{91240B29-F687-4f45-9708-019B960494DF}">
-                <a14:hiddenLine xmlns:p14="http://schemas.microsoft.com/office/powerpoint/2010/main" xmlns:a14="http://schemas.microsoft.com/office/drawing/2010/main" xmlns:a16="http://schemas.microsoft.com/office/drawing/2014/main" xmlns="" w="9525">
+                <a14:hiddenLine xmlns="" xmlns:a16="http://schemas.microsoft.com/office/drawing/2014/main" xmlns:a14="http://schemas.microsoft.com/office/drawing/2010/main" xmlns:p14="http://schemas.microsoft.com/office/powerpoint/2010/main" w="9525">
                   <a:solidFill>
                     <a:srgbClr val="000000"/>
                   </a:solidFill>
@@ -16977,7 +17101,7 @@
             </a:ln>
             <a:extLst>
               <a:ext uri="{91240B29-F687-4f45-9708-019B960494DF}">
-                <a14:hiddenLine xmlns:p14="http://schemas.microsoft.com/office/powerpoint/2010/main" xmlns:a14="http://schemas.microsoft.com/office/drawing/2010/main" xmlns:a16="http://schemas.microsoft.com/office/drawing/2014/main" xmlns="" w="9525">
+                <a14:hiddenLine xmlns="" xmlns:a16="http://schemas.microsoft.com/office/drawing/2014/main" xmlns:a14="http://schemas.microsoft.com/office/drawing/2010/main" xmlns:p14="http://schemas.microsoft.com/office/powerpoint/2010/main" w="9525">
                   <a:solidFill>
                     <a:srgbClr val="000000"/>
                   </a:solidFill>
@@ -17082,7 +17206,7 @@
             </a:ln>
             <a:extLst>
               <a:ext uri="{91240B29-F687-4f45-9708-019B960494DF}">
-                <a14:hiddenLine xmlns:p14="http://schemas.microsoft.com/office/powerpoint/2010/main" xmlns:a14="http://schemas.microsoft.com/office/drawing/2010/main" xmlns:a16="http://schemas.microsoft.com/office/drawing/2014/main" xmlns="" w="9525">
+                <a14:hiddenLine xmlns="" xmlns:a16="http://schemas.microsoft.com/office/drawing/2014/main" xmlns:a14="http://schemas.microsoft.com/office/drawing/2010/main" xmlns:p14="http://schemas.microsoft.com/office/powerpoint/2010/main" w="9525">
                   <a:solidFill>
                     <a:srgbClr val="000000"/>
                   </a:solidFill>
@@ -17159,7 +17283,7 @@
             </a:ln>
             <a:extLst>
               <a:ext uri="{91240B29-F687-4f45-9708-019B960494DF}">
-                <a14:hiddenLine xmlns:p14="http://schemas.microsoft.com/office/powerpoint/2010/main" xmlns:a14="http://schemas.microsoft.com/office/drawing/2010/main" xmlns:a16="http://schemas.microsoft.com/office/drawing/2014/main" xmlns="" w="9525">
+                <a14:hiddenLine xmlns="" xmlns:a16="http://schemas.microsoft.com/office/drawing/2014/main" xmlns:a14="http://schemas.microsoft.com/office/drawing/2010/main" xmlns:p14="http://schemas.microsoft.com/office/powerpoint/2010/main" w="9525">
                   <a:solidFill>
                     <a:srgbClr val="000000"/>
                   </a:solidFill>
@@ -17236,7 +17360,7 @@
             </a:ln>
             <a:extLst>
               <a:ext uri="{91240B29-F687-4f45-9708-019B960494DF}">
-                <a14:hiddenLine xmlns:p14="http://schemas.microsoft.com/office/powerpoint/2010/main" xmlns:a14="http://schemas.microsoft.com/office/drawing/2010/main" xmlns:a16="http://schemas.microsoft.com/office/drawing/2014/main" xmlns="" w="9525">
+                <a14:hiddenLine xmlns="" xmlns:a16="http://schemas.microsoft.com/office/drawing/2014/main" xmlns:a14="http://schemas.microsoft.com/office/drawing/2010/main" xmlns:p14="http://schemas.microsoft.com/office/powerpoint/2010/main" w="9525">
                   <a:solidFill>
                     <a:srgbClr val="000000"/>
                   </a:solidFill>
@@ -17341,7 +17465,7 @@
             </a:ln>
             <a:extLst>
               <a:ext uri="{91240B29-F687-4f45-9708-019B960494DF}">
-                <a14:hiddenLine xmlns:p14="http://schemas.microsoft.com/office/powerpoint/2010/main" xmlns:a14="http://schemas.microsoft.com/office/drawing/2010/main" xmlns:a16="http://schemas.microsoft.com/office/drawing/2014/main" xmlns="" w="9525">
+                <a14:hiddenLine xmlns="" xmlns:a16="http://schemas.microsoft.com/office/drawing/2014/main" xmlns:a14="http://schemas.microsoft.com/office/drawing/2010/main" xmlns:p14="http://schemas.microsoft.com/office/powerpoint/2010/main" w="9525">
                   <a:solidFill>
                     <a:srgbClr val="000000"/>
                   </a:solidFill>
@@ -17424,7 +17548,7 @@
             </a:ln>
             <a:extLst>
               <a:ext uri="{91240B29-F687-4f45-9708-019B960494DF}">
-                <a14:hiddenLine xmlns:p14="http://schemas.microsoft.com/office/powerpoint/2010/main" xmlns:a14="http://schemas.microsoft.com/office/drawing/2010/main" xmlns:a16="http://schemas.microsoft.com/office/drawing/2014/main" xmlns="" w="9525">
+                <a14:hiddenLine xmlns="" xmlns:a16="http://schemas.microsoft.com/office/drawing/2014/main" xmlns:a14="http://schemas.microsoft.com/office/drawing/2010/main" xmlns:p14="http://schemas.microsoft.com/office/powerpoint/2010/main" w="9525">
                   <a:solidFill>
                     <a:srgbClr val="000000"/>
                   </a:solidFill>
@@ -17501,7 +17625,7 @@
             </a:ln>
             <a:extLst>
               <a:ext uri="{91240B29-F687-4f45-9708-019B960494DF}">
-                <a14:hiddenLine xmlns:p14="http://schemas.microsoft.com/office/powerpoint/2010/main" xmlns:a14="http://schemas.microsoft.com/office/drawing/2010/main" xmlns:a16="http://schemas.microsoft.com/office/drawing/2014/main" xmlns="" w="9525">
+                <a14:hiddenLine xmlns="" xmlns:a16="http://schemas.microsoft.com/office/drawing/2014/main" xmlns:a14="http://schemas.microsoft.com/office/drawing/2010/main" xmlns:p14="http://schemas.microsoft.com/office/powerpoint/2010/main" w="9525">
                   <a:solidFill>
                     <a:srgbClr val="000000"/>
                   </a:solidFill>
@@ -17606,7 +17730,7 @@
             </a:ln>
             <a:extLst>
               <a:ext uri="{91240B29-F687-4f45-9708-019B960494DF}">
-                <a14:hiddenLine xmlns:p14="http://schemas.microsoft.com/office/powerpoint/2010/main" xmlns:a14="http://schemas.microsoft.com/office/drawing/2010/main" xmlns:a16="http://schemas.microsoft.com/office/drawing/2014/main" xmlns="" w="9525">
+                <a14:hiddenLine xmlns="" xmlns:a16="http://schemas.microsoft.com/office/drawing/2014/main" xmlns:a14="http://schemas.microsoft.com/office/drawing/2010/main" xmlns:p14="http://schemas.microsoft.com/office/powerpoint/2010/main" w="9525">
                   <a:solidFill>
                     <a:srgbClr val="000000"/>
                   </a:solidFill>
@@ -17683,7 +17807,7 @@
             </a:ln>
             <a:extLst>
               <a:ext uri="{91240B29-F687-4f45-9708-019B960494DF}">
-                <a14:hiddenLine xmlns:p14="http://schemas.microsoft.com/office/powerpoint/2010/main" xmlns:a14="http://schemas.microsoft.com/office/drawing/2010/main" xmlns:a16="http://schemas.microsoft.com/office/drawing/2014/main" xmlns="" w="9525">
+                <a14:hiddenLine xmlns="" xmlns:a16="http://schemas.microsoft.com/office/drawing/2014/main" xmlns:a14="http://schemas.microsoft.com/office/drawing/2010/main" xmlns:p14="http://schemas.microsoft.com/office/powerpoint/2010/main" w="9525">
                   <a:solidFill>
                     <a:srgbClr val="000000"/>
                   </a:solidFill>
@@ -17788,7 +17912,7 @@
             </a:ln>
             <a:extLst>
               <a:ext uri="{91240B29-F687-4f45-9708-019B960494DF}">
-                <a14:hiddenLine xmlns:p14="http://schemas.microsoft.com/office/powerpoint/2010/main" xmlns:a14="http://schemas.microsoft.com/office/drawing/2010/main" xmlns:a16="http://schemas.microsoft.com/office/drawing/2014/main" xmlns="" w="9525">
+                <a14:hiddenLine xmlns="" xmlns:a16="http://schemas.microsoft.com/office/drawing/2014/main" xmlns:a14="http://schemas.microsoft.com/office/drawing/2010/main" xmlns:p14="http://schemas.microsoft.com/office/powerpoint/2010/main" w="9525">
                   <a:solidFill>
                     <a:srgbClr val="000000"/>
                   </a:solidFill>
@@ -17865,7 +17989,7 @@
             </a:ln>
             <a:extLst>
               <a:ext uri="{91240B29-F687-4f45-9708-019B960494DF}">
-                <a14:hiddenLine xmlns:p14="http://schemas.microsoft.com/office/powerpoint/2010/main" xmlns:a14="http://schemas.microsoft.com/office/drawing/2010/main" xmlns:a16="http://schemas.microsoft.com/office/drawing/2014/main" xmlns="" w="9525">
+                <a14:hiddenLine xmlns="" xmlns:a16="http://schemas.microsoft.com/office/drawing/2014/main" xmlns:a14="http://schemas.microsoft.com/office/drawing/2010/main" xmlns:p14="http://schemas.microsoft.com/office/powerpoint/2010/main" w="9525">
                   <a:solidFill>
                     <a:srgbClr val="000000"/>
                   </a:solidFill>
@@ -17970,7 +18094,7 @@
             </a:ln>
             <a:extLst>
               <a:ext uri="{91240B29-F687-4f45-9708-019B960494DF}">
-                <a14:hiddenLine xmlns:p14="http://schemas.microsoft.com/office/powerpoint/2010/main" xmlns:a14="http://schemas.microsoft.com/office/drawing/2010/main" xmlns:a16="http://schemas.microsoft.com/office/drawing/2014/main" xmlns="" w="9525">
+                <a14:hiddenLine xmlns="" xmlns:a16="http://schemas.microsoft.com/office/drawing/2014/main" xmlns:a14="http://schemas.microsoft.com/office/drawing/2010/main" xmlns:p14="http://schemas.microsoft.com/office/powerpoint/2010/main" w="9525">
                   <a:solidFill>
                     <a:srgbClr val="000000"/>
                   </a:solidFill>
@@ -18019,7 +18143,7 @@
             </a:ln>
             <a:extLst>
               <a:ext uri="{91240B29-F687-4f45-9708-019B960494DF}">
-                <a14:hiddenLine xmlns:p14="http://schemas.microsoft.com/office/powerpoint/2010/main" xmlns:a14="http://schemas.microsoft.com/office/drawing/2010/main" xmlns:a16="http://schemas.microsoft.com/office/drawing/2014/main" xmlns="" w="9525">
+                <a14:hiddenLine xmlns="" xmlns:a16="http://schemas.microsoft.com/office/drawing/2014/main" xmlns:a14="http://schemas.microsoft.com/office/drawing/2010/main" xmlns:p14="http://schemas.microsoft.com/office/powerpoint/2010/main" w="9525">
                   <a:solidFill>
                     <a:srgbClr val="000000"/>
                   </a:solidFill>
@@ -18099,7 +18223,7 @@
             </a:ln>
             <a:extLst>
               <a:ext uri="{91240B29-F687-4f45-9708-019B960494DF}">
-                <a14:hiddenLine xmlns:p14="http://schemas.microsoft.com/office/powerpoint/2010/main" xmlns:a14="http://schemas.microsoft.com/office/drawing/2010/main" xmlns:a16="http://schemas.microsoft.com/office/drawing/2014/main" xmlns="" w="9525">
+                <a14:hiddenLine xmlns="" xmlns:a16="http://schemas.microsoft.com/office/drawing/2014/main" xmlns:a14="http://schemas.microsoft.com/office/drawing/2010/main" xmlns:p14="http://schemas.microsoft.com/office/powerpoint/2010/main" w="9525">
                   <a:solidFill>
                     <a:srgbClr val="000000"/>
                   </a:solidFill>
@@ -18204,7 +18328,7 @@
             </a:ln>
             <a:extLst>
               <a:ext uri="{91240B29-F687-4f45-9708-019B960494DF}">
-                <a14:hiddenLine xmlns:p14="http://schemas.microsoft.com/office/powerpoint/2010/main" xmlns:a14="http://schemas.microsoft.com/office/drawing/2010/main" xmlns:a16="http://schemas.microsoft.com/office/drawing/2014/main" xmlns="" w="9525">
+                <a14:hiddenLine xmlns="" xmlns:a16="http://schemas.microsoft.com/office/drawing/2014/main" xmlns:a14="http://schemas.microsoft.com/office/drawing/2010/main" xmlns:p14="http://schemas.microsoft.com/office/powerpoint/2010/main" w="9525">
                   <a:solidFill>
                     <a:srgbClr val="000000"/>
                   </a:solidFill>
@@ -18281,7 +18405,7 @@
             </a:ln>
             <a:extLst>
               <a:ext uri="{91240B29-F687-4f45-9708-019B960494DF}">
-                <a14:hiddenLine xmlns:p14="http://schemas.microsoft.com/office/powerpoint/2010/main" xmlns:a14="http://schemas.microsoft.com/office/drawing/2010/main" xmlns:a16="http://schemas.microsoft.com/office/drawing/2014/main" xmlns="" w="9525">
+                <a14:hiddenLine xmlns="" xmlns:a16="http://schemas.microsoft.com/office/drawing/2014/main" xmlns:a14="http://schemas.microsoft.com/office/drawing/2010/main" xmlns:p14="http://schemas.microsoft.com/office/powerpoint/2010/main" w="9525">
                   <a:solidFill>
                     <a:srgbClr val="000000"/>
                   </a:solidFill>
@@ -18386,7 +18510,7 @@
             </a:ln>
             <a:extLst>
               <a:ext uri="{91240B29-F687-4f45-9708-019B960494DF}">
-                <a14:hiddenLine xmlns:p14="http://schemas.microsoft.com/office/powerpoint/2010/main" xmlns:a14="http://schemas.microsoft.com/office/drawing/2010/main" xmlns:a16="http://schemas.microsoft.com/office/drawing/2014/main" xmlns="" w="9525">
+                <a14:hiddenLine xmlns="" xmlns:a16="http://schemas.microsoft.com/office/drawing/2014/main" xmlns:a14="http://schemas.microsoft.com/office/drawing/2010/main" xmlns:p14="http://schemas.microsoft.com/office/powerpoint/2010/main" w="9525">
                   <a:solidFill>
                     <a:srgbClr val="000000"/>
                   </a:solidFill>
@@ -18491,7 +18615,7 @@
             </a:ln>
             <a:extLst>
               <a:ext uri="{91240B29-F687-4f45-9708-019B960494DF}">
-                <a14:hiddenLine xmlns:p14="http://schemas.microsoft.com/office/powerpoint/2010/main" xmlns:a14="http://schemas.microsoft.com/office/drawing/2010/main" xmlns:a16="http://schemas.microsoft.com/office/drawing/2014/main" xmlns="" w="9525">
+                <a14:hiddenLine xmlns="" xmlns:a16="http://schemas.microsoft.com/office/drawing/2014/main" xmlns:a14="http://schemas.microsoft.com/office/drawing/2010/main" xmlns:p14="http://schemas.microsoft.com/office/powerpoint/2010/main" w="9525">
                   <a:solidFill>
                     <a:srgbClr val="000000"/>
                   </a:solidFill>
@@ -18571,7 +18695,7 @@
             </a:ln>
             <a:extLst>
               <a:ext uri="{91240B29-F687-4f45-9708-019B960494DF}">
-                <a14:hiddenLine xmlns:p14="http://schemas.microsoft.com/office/powerpoint/2010/main" xmlns:a14="http://schemas.microsoft.com/office/drawing/2010/main" xmlns:a16="http://schemas.microsoft.com/office/drawing/2014/main" xmlns="" w="9525">
+                <a14:hiddenLine xmlns="" xmlns:a16="http://schemas.microsoft.com/office/drawing/2014/main" xmlns:a14="http://schemas.microsoft.com/office/drawing/2010/main" xmlns:p14="http://schemas.microsoft.com/office/powerpoint/2010/main" w="9525">
                   <a:solidFill>
                     <a:srgbClr val="000000"/>
                   </a:solidFill>
@@ -18648,7 +18772,7 @@
             </a:ln>
             <a:extLst>
               <a:ext uri="{91240B29-F687-4f45-9708-019B960494DF}">
-                <a14:hiddenLine xmlns:p14="http://schemas.microsoft.com/office/powerpoint/2010/main" xmlns:a14="http://schemas.microsoft.com/office/drawing/2010/main" xmlns:a16="http://schemas.microsoft.com/office/drawing/2014/main" xmlns="" w="9525">
+                <a14:hiddenLine xmlns="" xmlns:a16="http://schemas.microsoft.com/office/drawing/2014/main" xmlns:a14="http://schemas.microsoft.com/office/drawing/2010/main" xmlns:p14="http://schemas.microsoft.com/office/powerpoint/2010/main" w="9525">
                   <a:solidFill>
                     <a:srgbClr val="000000"/>
                   </a:solidFill>
@@ -18753,7 +18877,7 @@
             </a:ln>
             <a:extLst>
               <a:ext uri="{91240B29-F687-4f45-9708-019B960494DF}">
-                <a14:hiddenLine xmlns:p14="http://schemas.microsoft.com/office/powerpoint/2010/main" xmlns:a14="http://schemas.microsoft.com/office/drawing/2010/main" xmlns:a16="http://schemas.microsoft.com/office/drawing/2014/main" xmlns="" w="9525">
+                <a14:hiddenLine xmlns="" xmlns:a16="http://schemas.microsoft.com/office/drawing/2014/main" xmlns:a14="http://schemas.microsoft.com/office/drawing/2010/main" xmlns:p14="http://schemas.microsoft.com/office/powerpoint/2010/main" w="9525">
                   <a:solidFill>
                     <a:srgbClr val="000000"/>
                   </a:solidFill>
@@ -18858,7 +18982,7 @@
             </a:ln>
             <a:extLst>
               <a:ext uri="{91240B29-F687-4f45-9708-019B960494DF}">
-                <a14:hiddenLine xmlns:p14="http://schemas.microsoft.com/office/powerpoint/2010/main" xmlns:a14="http://schemas.microsoft.com/office/drawing/2010/main" xmlns:a16="http://schemas.microsoft.com/office/drawing/2014/main" xmlns="" w="9525">
+                <a14:hiddenLine xmlns="" xmlns:a16="http://schemas.microsoft.com/office/drawing/2014/main" xmlns:a14="http://schemas.microsoft.com/office/drawing/2010/main" xmlns:p14="http://schemas.microsoft.com/office/powerpoint/2010/main" w="9525">
                   <a:solidFill>
                     <a:srgbClr val="000000"/>
                   </a:solidFill>
@@ -18935,7 +19059,7 @@
             </a:ln>
             <a:extLst>
               <a:ext uri="{91240B29-F687-4f45-9708-019B960494DF}">
-                <a14:hiddenLine xmlns:p14="http://schemas.microsoft.com/office/powerpoint/2010/main" xmlns:a14="http://schemas.microsoft.com/office/drawing/2010/main" xmlns:a16="http://schemas.microsoft.com/office/drawing/2014/main" xmlns="" w="9525">
+                <a14:hiddenLine xmlns="" xmlns:a16="http://schemas.microsoft.com/office/drawing/2014/main" xmlns:a14="http://schemas.microsoft.com/office/drawing/2010/main" xmlns:p14="http://schemas.microsoft.com/office/powerpoint/2010/main" w="9525">
                   <a:solidFill>
                     <a:srgbClr val="000000"/>
                   </a:solidFill>
@@ -19070,7 +19194,7 @@
             </a:ln>
             <a:extLst>
               <a:ext uri="{91240B29-F687-4f45-9708-019B960494DF}">
-                <a14:hiddenLine xmlns:p14="http://schemas.microsoft.com/office/powerpoint/2010/main" xmlns:a14="http://schemas.microsoft.com/office/drawing/2010/main" xmlns:a16="http://schemas.microsoft.com/office/drawing/2014/main" xmlns="" w="9525">
+                <a14:hiddenLine xmlns="" xmlns:a16="http://schemas.microsoft.com/office/drawing/2014/main" xmlns:a14="http://schemas.microsoft.com/office/drawing/2010/main" xmlns:p14="http://schemas.microsoft.com/office/powerpoint/2010/main" w="9525">
                   <a:solidFill>
                     <a:srgbClr val="000000"/>
                   </a:solidFill>
@@ -19153,7 +19277,7 @@
             </a:ln>
             <a:extLst>
               <a:ext uri="{91240B29-F687-4f45-9708-019B960494DF}">
-                <a14:hiddenLine xmlns:p14="http://schemas.microsoft.com/office/powerpoint/2010/main" xmlns:a14="http://schemas.microsoft.com/office/drawing/2010/main" xmlns:a16="http://schemas.microsoft.com/office/drawing/2014/main" xmlns="" w="9525">
+                <a14:hiddenLine xmlns="" xmlns:a16="http://schemas.microsoft.com/office/drawing/2014/main" xmlns:a14="http://schemas.microsoft.com/office/drawing/2010/main" xmlns:p14="http://schemas.microsoft.com/office/powerpoint/2010/main" w="9525">
                   <a:solidFill>
                     <a:srgbClr val="000000"/>
                   </a:solidFill>
@@ -19258,7 +19382,7 @@
             </a:ln>
             <a:extLst>
               <a:ext uri="{91240B29-F687-4f45-9708-019B960494DF}">
-                <a14:hiddenLine xmlns:p14="http://schemas.microsoft.com/office/powerpoint/2010/main" xmlns:a14="http://schemas.microsoft.com/office/drawing/2010/main" xmlns:a16="http://schemas.microsoft.com/office/drawing/2014/main" xmlns="" w="9525">
+                <a14:hiddenLine xmlns="" xmlns:a16="http://schemas.microsoft.com/office/drawing/2014/main" xmlns:a14="http://schemas.microsoft.com/office/drawing/2010/main" xmlns:p14="http://schemas.microsoft.com/office/powerpoint/2010/main" w="9525">
                   <a:solidFill>
                     <a:srgbClr val="000000"/>
                   </a:solidFill>
@@ -19886,13 +20010,13 @@
   <p:clrMapOvr>
     <a:masterClrMapping/>
   </p:clrMapOvr>
-  <mc:AlternateContent xmlns:mc="http://schemas.openxmlformats.org/markup-compatibility/2006" xmlns:p14="http://schemas.microsoft.com/office/powerpoint/2010/main">
-    <mc:Choice Requires="p14">
+  <mc:AlternateContent xmlns:mc="http://schemas.openxmlformats.org/markup-compatibility/2006">
+    <mc:Choice xmlns:p14="http://schemas.microsoft.com/office/powerpoint/2010/main" Requires="p14">
       <p:transition spd="med" p14:dur="700">
         <p:fade/>
       </p:transition>
     </mc:Choice>
-    <mc:Fallback xmlns="">
+    <mc:Fallback>
       <p:transition spd="med">
         <p:fade/>
       </p:transition>
@@ -20098,7 +20222,7 @@
               </a:ln>
               <a:extLst>
                 <a:ext uri="{91240B29-F687-4f45-9708-019B960494DF}">
-                  <a14:hiddenLine xmlns:a14="http://schemas.microsoft.com/office/drawing/2010/main" xmlns:p14="http://schemas.microsoft.com/office/powerpoint/2010/main" xmlns:a16="http://schemas.microsoft.com/office/drawing/2014/main" xmlns="" w="9525">
+                  <a14:hiddenLine xmlns="" xmlns:a16="http://schemas.microsoft.com/office/drawing/2014/main" xmlns:p14="http://schemas.microsoft.com/office/powerpoint/2010/main" xmlns:a14="http://schemas.microsoft.com/office/drawing/2010/main" w="9525">
                     <a:solidFill>
                       <a:srgbClr val="000000"/>
                     </a:solidFill>
@@ -20203,7 +20327,7 @@
               </a:ln>
               <a:extLst>
                 <a:ext uri="{91240B29-F687-4f45-9708-019B960494DF}">
-                  <a14:hiddenLine xmlns:a14="http://schemas.microsoft.com/office/drawing/2010/main" xmlns:p14="http://schemas.microsoft.com/office/powerpoint/2010/main" xmlns:a16="http://schemas.microsoft.com/office/drawing/2014/main" xmlns="" w="9525">
+                  <a14:hiddenLine xmlns="" xmlns:a16="http://schemas.microsoft.com/office/drawing/2014/main" xmlns:p14="http://schemas.microsoft.com/office/powerpoint/2010/main" xmlns:a14="http://schemas.microsoft.com/office/drawing/2010/main" w="9525">
                     <a:solidFill>
                       <a:srgbClr val="000000"/>
                     </a:solidFill>
@@ -20308,7 +20432,7 @@
               </a:ln>
               <a:extLst>
                 <a:ext uri="{91240B29-F687-4f45-9708-019B960494DF}">
-                  <a14:hiddenLine xmlns:a14="http://schemas.microsoft.com/office/drawing/2010/main" xmlns:p14="http://schemas.microsoft.com/office/powerpoint/2010/main" xmlns:a16="http://schemas.microsoft.com/office/drawing/2014/main" xmlns="" w="9525">
+                  <a14:hiddenLine xmlns="" xmlns:a16="http://schemas.microsoft.com/office/drawing/2014/main" xmlns:p14="http://schemas.microsoft.com/office/powerpoint/2010/main" xmlns:a14="http://schemas.microsoft.com/office/drawing/2010/main" w="9525">
                     <a:solidFill>
                       <a:srgbClr val="000000"/>
                     </a:solidFill>
@@ -20385,7 +20509,7 @@
               </a:ln>
               <a:extLst>
                 <a:ext uri="{91240B29-F687-4f45-9708-019B960494DF}">
-                  <a14:hiddenLine xmlns:a14="http://schemas.microsoft.com/office/drawing/2010/main" xmlns:p14="http://schemas.microsoft.com/office/powerpoint/2010/main" xmlns:a16="http://schemas.microsoft.com/office/drawing/2014/main" xmlns="" w="9525">
+                  <a14:hiddenLine xmlns="" xmlns:a16="http://schemas.microsoft.com/office/drawing/2014/main" xmlns:p14="http://schemas.microsoft.com/office/powerpoint/2010/main" xmlns:a14="http://schemas.microsoft.com/office/drawing/2010/main" w="9525">
                     <a:solidFill>
                       <a:srgbClr val="000000"/>
                     </a:solidFill>
@@ -20490,7 +20614,7 @@
               </a:ln>
               <a:extLst>
                 <a:ext uri="{91240B29-F687-4f45-9708-019B960494DF}">
-                  <a14:hiddenLine xmlns:a14="http://schemas.microsoft.com/office/drawing/2010/main" xmlns:p14="http://schemas.microsoft.com/office/powerpoint/2010/main" xmlns:a16="http://schemas.microsoft.com/office/drawing/2014/main" xmlns="" w="9525">
+                  <a14:hiddenLine xmlns="" xmlns:a16="http://schemas.microsoft.com/office/drawing/2014/main" xmlns:p14="http://schemas.microsoft.com/office/powerpoint/2010/main" xmlns:a14="http://schemas.microsoft.com/office/drawing/2010/main" w="9525">
                     <a:solidFill>
                       <a:srgbClr val="000000"/>
                     </a:solidFill>
@@ -20567,7 +20691,7 @@
               </a:ln>
               <a:extLst>
                 <a:ext uri="{91240B29-F687-4f45-9708-019B960494DF}">
-                  <a14:hiddenLine xmlns:a14="http://schemas.microsoft.com/office/drawing/2010/main" xmlns:p14="http://schemas.microsoft.com/office/powerpoint/2010/main" xmlns:a16="http://schemas.microsoft.com/office/drawing/2014/main" xmlns="" w="9525">
+                  <a14:hiddenLine xmlns="" xmlns:a16="http://schemas.microsoft.com/office/drawing/2014/main" xmlns:p14="http://schemas.microsoft.com/office/powerpoint/2010/main" xmlns:a14="http://schemas.microsoft.com/office/drawing/2010/main" w="9525">
                     <a:solidFill>
                       <a:srgbClr val="000000"/>
                     </a:solidFill>
@@ -20644,7 +20768,7 @@
               </a:ln>
               <a:extLst>
                 <a:ext uri="{91240B29-F687-4f45-9708-019B960494DF}">
-                  <a14:hiddenLine xmlns:a14="http://schemas.microsoft.com/office/drawing/2010/main" xmlns:p14="http://schemas.microsoft.com/office/powerpoint/2010/main" xmlns:a16="http://schemas.microsoft.com/office/drawing/2014/main" xmlns="" w="9525">
+                  <a14:hiddenLine xmlns="" xmlns:a16="http://schemas.microsoft.com/office/drawing/2014/main" xmlns:p14="http://schemas.microsoft.com/office/powerpoint/2010/main" xmlns:a14="http://schemas.microsoft.com/office/drawing/2010/main" w="9525">
                     <a:solidFill>
                       <a:srgbClr val="000000"/>
                     </a:solidFill>
@@ -20749,7 +20873,7 @@
               </a:ln>
               <a:extLst>
                 <a:ext uri="{91240B29-F687-4f45-9708-019B960494DF}">
-                  <a14:hiddenLine xmlns:a14="http://schemas.microsoft.com/office/drawing/2010/main" xmlns:p14="http://schemas.microsoft.com/office/powerpoint/2010/main" xmlns:a16="http://schemas.microsoft.com/office/drawing/2014/main" xmlns="" w="9525">
+                  <a14:hiddenLine xmlns="" xmlns:a16="http://schemas.microsoft.com/office/drawing/2014/main" xmlns:p14="http://schemas.microsoft.com/office/powerpoint/2010/main" xmlns:a14="http://schemas.microsoft.com/office/drawing/2010/main" w="9525">
                     <a:solidFill>
                       <a:srgbClr val="000000"/>
                     </a:solidFill>
@@ -20854,7 +20978,7 @@
               </a:ln>
               <a:extLst>
                 <a:ext uri="{91240B29-F687-4f45-9708-019B960494DF}">
-                  <a14:hiddenLine xmlns:a14="http://schemas.microsoft.com/office/drawing/2010/main" xmlns:p14="http://schemas.microsoft.com/office/powerpoint/2010/main" xmlns:a16="http://schemas.microsoft.com/office/drawing/2014/main" xmlns="" w="9525">
+                  <a14:hiddenLine xmlns="" xmlns:a16="http://schemas.microsoft.com/office/drawing/2014/main" xmlns:p14="http://schemas.microsoft.com/office/powerpoint/2010/main" xmlns:a14="http://schemas.microsoft.com/office/drawing/2010/main" w="9525">
                     <a:solidFill>
                       <a:srgbClr val="000000"/>
                     </a:solidFill>
@@ -20931,7 +21055,7 @@
               </a:ln>
               <a:extLst>
                 <a:ext uri="{91240B29-F687-4f45-9708-019B960494DF}">
-                  <a14:hiddenLine xmlns:a14="http://schemas.microsoft.com/office/drawing/2010/main" xmlns:p14="http://schemas.microsoft.com/office/powerpoint/2010/main" xmlns:a16="http://schemas.microsoft.com/office/drawing/2014/main" xmlns="" w="9525">
+                  <a14:hiddenLine xmlns="" xmlns:a16="http://schemas.microsoft.com/office/drawing/2014/main" xmlns:p14="http://schemas.microsoft.com/office/powerpoint/2010/main" xmlns:a14="http://schemas.microsoft.com/office/drawing/2010/main" w="9525">
                     <a:solidFill>
                       <a:srgbClr val="000000"/>
                     </a:solidFill>
@@ -21056,7 +21180,7 @@
               </a:ln>
               <a:extLst>
                 <a:ext uri="{91240B29-F687-4f45-9708-019B960494DF}">
-                  <a14:hiddenLine xmlns:a14="http://schemas.microsoft.com/office/drawing/2010/main" xmlns:p14="http://schemas.microsoft.com/office/powerpoint/2010/main" xmlns:a16="http://schemas.microsoft.com/office/drawing/2014/main" xmlns="" w="9525">
+                  <a14:hiddenLine xmlns="" xmlns:a16="http://schemas.microsoft.com/office/drawing/2014/main" xmlns:p14="http://schemas.microsoft.com/office/powerpoint/2010/main" xmlns:a14="http://schemas.microsoft.com/office/drawing/2010/main" w="9525">
                     <a:solidFill>
                       <a:srgbClr val="000000"/>
                     </a:solidFill>
@@ -21170,7 +21294,7 @@
               </a:ln>
               <a:extLst>
                 <a:ext uri="{91240B29-F687-4f45-9708-019B960494DF}">
-                  <a14:hiddenLine xmlns:a14="http://schemas.microsoft.com/office/drawing/2010/main" xmlns:p14="http://schemas.microsoft.com/office/powerpoint/2010/main" xmlns:a16="http://schemas.microsoft.com/office/drawing/2014/main" xmlns="" w="9525">
+                  <a14:hiddenLine xmlns="" xmlns:a16="http://schemas.microsoft.com/office/drawing/2014/main" xmlns:p14="http://schemas.microsoft.com/office/powerpoint/2010/main" xmlns:a14="http://schemas.microsoft.com/office/drawing/2010/main" w="9525">
                     <a:solidFill>
                       <a:srgbClr val="000000"/>
                     </a:solidFill>
@@ -21247,7 +21371,7 @@
               </a:ln>
               <a:extLst>
                 <a:ext uri="{91240B29-F687-4f45-9708-019B960494DF}">
-                  <a14:hiddenLine xmlns:a14="http://schemas.microsoft.com/office/drawing/2010/main" xmlns:p14="http://schemas.microsoft.com/office/powerpoint/2010/main" xmlns:a16="http://schemas.microsoft.com/office/drawing/2014/main" xmlns="" w="9525">
+                  <a14:hiddenLine xmlns="" xmlns:a16="http://schemas.microsoft.com/office/drawing/2014/main" xmlns:p14="http://schemas.microsoft.com/office/powerpoint/2010/main" xmlns:a14="http://schemas.microsoft.com/office/drawing/2010/main" w="9525">
                     <a:solidFill>
                       <a:srgbClr val="000000"/>
                     </a:solidFill>
@@ -21324,7 +21448,7 @@
               </a:ln>
               <a:extLst>
                 <a:ext uri="{91240B29-F687-4f45-9708-019B960494DF}">
-                  <a14:hiddenLine xmlns:a14="http://schemas.microsoft.com/office/drawing/2010/main" xmlns:p14="http://schemas.microsoft.com/office/powerpoint/2010/main" xmlns:a16="http://schemas.microsoft.com/office/drawing/2014/main" xmlns="" w="9525">
+                  <a14:hiddenLine xmlns="" xmlns:a16="http://schemas.microsoft.com/office/drawing/2014/main" xmlns:p14="http://schemas.microsoft.com/office/powerpoint/2010/main" xmlns:a14="http://schemas.microsoft.com/office/drawing/2010/main" w="9525">
                     <a:solidFill>
                       <a:srgbClr val="000000"/>
                     </a:solidFill>
@@ -21429,7 +21553,7 @@
               </a:ln>
               <a:extLst>
                 <a:ext uri="{91240B29-F687-4f45-9708-019B960494DF}">
-                  <a14:hiddenLine xmlns:a14="http://schemas.microsoft.com/office/drawing/2010/main" xmlns:p14="http://schemas.microsoft.com/office/powerpoint/2010/main" xmlns:a16="http://schemas.microsoft.com/office/drawing/2014/main" xmlns="" w="9525">
+                  <a14:hiddenLine xmlns="" xmlns:a16="http://schemas.microsoft.com/office/drawing/2014/main" xmlns:p14="http://schemas.microsoft.com/office/powerpoint/2010/main" xmlns:a14="http://schemas.microsoft.com/office/drawing/2010/main" w="9525">
                     <a:solidFill>
                       <a:srgbClr val="000000"/>
                     </a:solidFill>
@@ -21478,7 +21602,7 @@
               </a:ln>
               <a:extLst>
                 <a:ext uri="{91240B29-F687-4f45-9708-019B960494DF}">
-                  <a14:hiddenLine xmlns:a14="http://schemas.microsoft.com/office/drawing/2010/main" xmlns:p14="http://schemas.microsoft.com/office/powerpoint/2010/main" xmlns:a16="http://schemas.microsoft.com/office/drawing/2014/main" xmlns="" w="9525">
+                  <a14:hiddenLine xmlns="" xmlns:a16="http://schemas.microsoft.com/office/drawing/2014/main" xmlns:p14="http://schemas.microsoft.com/office/powerpoint/2010/main" xmlns:a14="http://schemas.microsoft.com/office/drawing/2010/main" w="9525">
                     <a:solidFill>
                       <a:srgbClr val="000000"/>
                     </a:solidFill>
@@ -21558,7 +21682,7 @@
               </a:ln>
               <a:extLst>
                 <a:ext uri="{91240B29-F687-4f45-9708-019B960494DF}">
-                  <a14:hiddenLine xmlns:a14="http://schemas.microsoft.com/office/drawing/2010/main" xmlns:p14="http://schemas.microsoft.com/office/powerpoint/2010/main" xmlns:a16="http://schemas.microsoft.com/office/drawing/2014/main" xmlns="" w="9525">
+                  <a14:hiddenLine xmlns="" xmlns:a16="http://schemas.microsoft.com/office/drawing/2014/main" xmlns:p14="http://schemas.microsoft.com/office/powerpoint/2010/main" xmlns:a14="http://schemas.microsoft.com/office/drawing/2010/main" w="9525">
                     <a:solidFill>
                       <a:srgbClr val="000000"/>
                     </a:solidFill>
@@ -21663,7 +21787,7 @@
               </a:ln>
               <a:extLst>
                 <a:ext uri="{91240B29-F687-4f45-9708-019B960494DF}">
-                  <a14:hiddenLine xmlns:a14="http://schemas.microsoft.com/office/drawing/2010/main" xmlns:p14="http://schemas.microsoft.com/office/powerpoint/2010/main" xmlns:a16="http://schemas.microsoft.com/office/drawing/2014/main" xmlns="" w="9525">
+                  <a14:hiddenLine xmlns="" xmlns:a16="http://schemas.microsoft.com/office/drawing/2014/main" xmlns:p14="http://schemas.microsoft.com/office/powerpoint/2010/main" xmlns:a14="http://schemas.microsoft.com/office/drawing/2010/main" w="9525">
                     <a:solidFill>
                       <a:srgbClr val="000000"/>
                     </a:solidFill>
@@ -21740,7 +21864,7 @@
               </a:ln>
               <a:extLst>
                 <a:ext uri="{91240B29-F687-4f45-9708-019B960494DF}">
-                  <a14:hiddenLine xmlns:a14="http://schemas.microsoft.com/office/drawing/2010/main" xmlns:p14="http://schemas.microsoft.com/office/powerpoint/2010/main" xmlns:a16="http://schemas.microsoft.com/office/drawing/2014/main" xmlns="" w="9525">
+                  <a14:hiddenLine xmlns="" xmlns:a16="http://schemas.microsoft.com/office/drawing/2014/main" xmlns:p14="http://schemas.microsoft.com/office/powerpoint/2010/main" xmlns:a14="http://schemas.microsoft.com/office/drawing/2010/main" w="9525">
                     <a:solidFill>
                       <a:srgbClr val="000000"/>
                     </a:solidFill>
@@ -21845,7 +21969,7 @@
               </a:ln>
               <a:extLst>
                 <a:ext uri="{91240B29-F687-4f45-9708-019B960494DF}">
-                  <a14:hiddenLine xmlns:a14="http://schemas.microsoft.com/office/drawing/2010/main" xmlns:p14="http://schemas.microsoft.com/office/powerpoint/2010/main" xmlns:a16="http://schemas.microsoft.com/office/drawing/2014/main" xmlns="" w="9525">
+                  <a14:hiddenLine xmlns="" xmlns:a16="http://schemas.microsoft.com/office/drawing/2014/main" xmlns:p14="http://schemas.microsoft.com/office/powerpoint/2010/main" xmlns:a14="http://schemas.microsoft.com/office/drawing/2010/main" w="9525">
                     <a:solidFill>
                       <a:srgbClr val="000000"/>
                     </a:solidFill>
@@ -21925,7 +22049,7 @@
               </a:ln>
               <a:extLst>
                 <a:ext uri="{91240B29-F687-4f45-9708-019B960494DF}">
-                  <a14:hiddenLine xmlns:a14="http://schemas.microsoft.com/office/drawing/2010/main" xmlns:p14="http://schemas.microsoft.com/office/powerpoint/2010/main" xmlns:a16="http://schemas.microsoft.com/office/drawing/2014/main" xmlns="" w="9525">
+                  <a14:hiddenLine xmlns="" xmlns:a16="http://schemas.microsoft.com/office/drawing/2014/main" xmlns:p14="http://schemas.microsoft.com/office/powerpoint/2010/main" xmlns:a14="http://schemas.microsoft.com/office/drawing/2010/main" w="9525">
                     <a:solidFill>
                       <a:srgbClr val="000000"/>
                     </a:solidFill>
@@ -22002,7 +22126,7 @@
               </a:ln>
               <a:extLst>
                 <a:ext uri="{91240B29-F687-4f45-9708-019B960494DF}">
-                  <a14:hiddenLine xmlns:a14="http://schemas.microsoft.com/office/drawing/2010/main" xmlns:p14="http://schemas.microsoft.com/office/powerpoint/2010/main" xmlns:a16="http://schemas.microsoft.com/office/drawing/2014/main" xmlns="" w="9525">
+                  <a14:hiddenLine xmlns="" xmlns:a16="http://schemas.microsoft.com/office/drawing/2014/main" xmlns:p14="http://schemas.microsoft.com/office/powerpoint/2010/main" xmlns:a14="http://schemas.microsoft.com/office/drawing/2010/main" w="9525">
                     <a:solidFill>
                       <a:srgbClr val="000000"/>
                     </a:solidFill>
@@ -22107,7 +22231,7 @@
               </a:ln>
               <a:extLst>
                 <a:ext uri="{91240B29-F687-4f45-9708-019B960494DF}">
-                  <a14:hiddenLine xmlns:a14="http://schemas.microsoft.com/office/drawing/2010/main" xmlns:p14="http://schemas.microsoft.com/office/powerpoint/2010/main" xmlns:a16="http://schemas.microsoft.com/office/drawing/2014/main" xmlns="" w="9525">
+                  <a14:hiddenLine xmlns="" xmlns:a16="http://schemas.microsoft.com/office/drawing/2014/main" xmlns:p14="http://schemas.microsoft.com/office/powerpoint/2010/main" xmlns:a14="http://schemas.microsoft.com/office/drawing/2010/main" w="9525">
                     <a:solidFill>
                       <a:srgbClr val="000000"/>
                     </a:solidFill>
@@ -22212,7 +22336,7 @@
               </a:ln>
               <a:extLst>
                 <a:ext uri="{91240B29-F687-4f45-9708-019B960494DF}">
-                  <a14:hiddenLine xmlns:a14="http://schemas.microsoft.com/office/drawing/2010/main" xmlns:p14="http://schemas.microsoft.com/office/powerpoint/2010/main" xmlns:a16="http://schemas.microsoft.com/office/drawing/2014/main" xmlns="" w="9525">
+                  <a14:hiddenLine xmlns="" xmlns:a16="http://schemas.microsoft.com/office/drawing/2014/main" xmlns:p14="http://schemas.microsoft.com/office/powerpoint/2010/main" xmlns:a14="http://schemas.microsoft.com/office/drawing/2010/main" w="9525">
                     <a:solidFill>
                       <a:srgbClr val="000000"/>
                     </a:solidFill>
@@ -22292,7 +22416,7 @@
               </a:ln>
               <a:extLst>
                 <a:ext uri="{91240B29-F687-4f45-9708-019B960494DF}">
-                  <a14:hiddenLine xmlns:a14="http://schemas.microsoft.com/office/drawing/2010/main" xmlns:p14="http://schemas.microsoft.com/office/powerpoint/2010/main" xmlns:a16="http://schemas.microsoft.com/office/drawing/2014/main" xmlns="" w="9525">
+                  <a14:hiddenLine xmlns="" xmlns:a16="http://schemas.microsoft.com/office/drawing/2014/main" xmlns:p14="http://schemas.microsoft.com/office/powerpoint/2010/main" xmlns:a14="http://schemas.microsoft.com/office/drawing/2010/main" w="9525">
                     <a:solidFill>
                       <a:srgbClr val="000000"/>
                     </a:solidFill>
@@ -22427,7 +22551,7 @@
               </a:ln>
               <a:extLst>
                 <a:ext uri="{91240B29-F687-4f45-9708-019B960494DF}">
-                  <a14:hiddenLine xmlns:a14="http://schemas.microsoft.com/office/drawing/2010/main" xmlns:p14="http://schemas.microsoft.com/office/powerpoint/2010/main" xmlns:a16="http://schemas.microsoft.com/office/drawing/2014/main" xmlns="" w="9525">
+                  <a14:hiddenLine xmlns="" xmlns:a16="http://schemas.microsoft.com/office/drawing/2014/main" xmlns:p14="http://schemas.microsoft.com/office/powerpoint/2010/main" xmlns:a14="http://schemas.microsoft.com/office/drawing/2010/main" w="9525">
                     <a:solidFill>
                       <a:srgbClr val="000000"/>
                     </a:solidFill>
@@ -22552,7 +22676,7 @@
               </a:ln>
               <a:extLst>
                 <a:ext uri="{91240B29-F687-4f45-9708-019B960494DF}">
-                  <a14:hiddenLine xmlns:a14="http://schemas.microsoft.com/office/drawing/2010/main" xmlns:p14="http://schemas.microsoft.com/office/powerpoint/2010/main" xmlns:a16="http://schemas.microsoft.com/office/drawing/2014/main" xmlns="" w="9525">
+                  <a14:hiddenLine xmlns="" xmlns:a16="http://schemas.microsoft.com/office/drawing/2014/main" xmlns:p14="http://schemas.microsoft.com/office/powerpoint/2010/main" xmlns:a14="http://schemas.microsoft.com/office/drawing/2010/main" w="9525">
                     <a:solidFill>
                       <a:srgbClr val="000000"/>
                     </a:solidFill>
@@ -22682,7 +22806,7 @@
               </a:ln>
               <a:extLst>
                 <a:ext uri="{91240B29-F687-4f45-9708-019B960494DF}">
-                  <a14:hiddenLine xmlns:a14="http://schemas.microsoft.com/office/drawing/2010/main" xmlns:p14="http://schemas.microsoft.com/office/powerpoint/2010/main" xmlns:a16="http://schemas.microsoft.com/office/drawing/2014/main" xmlns="" w="9525">
+                  <a14:hiddenLine xmlns="" xmlns:a16="http://schemas.microsoft.com/office/drawing/2014/main" xmlns:p14="http://schemas.microsoft.com/office/powerpoint/2010/main" xmlns:a14="http://schemas.microsoft.com/office/drawing/2010/main" w="9525">
                     <a:solidFill>
                       <a:srgbClr val="000000"/>
                     </a:solidFill>
@@ -22787,7 +22911,7 @@
               </a:ln>
               <a:extLst>
                 <a:ext uri="{91240B29-F687-4f45-9708-019B960494DF}">
-                  <a14:hiddenLine xmlns:a14="http://schemas.microsoft.com/office/drawing/2010/main" xmlns:p14="http://schemas.microsoft.com/office/powerpoint/2010/main" xmlns:a16="http://schemas.microsoft.com/office/drawing/2014/main" xmlns="" w="9525">
+                  <a14:hiddenLine xmlns="" xmlns:a16="http://schemas.microsoft.com/office/drawing/2014/main" xmlns:p14="http://schemas.microsoft.com/office/powerpoint/2010/main" xmlns:a14="http://schemas.microsoft.com/office/drawing/2010/main" w="9525">
                     <a:solidFill>
                       <a:srgbClr val="000000"/>
                     </a:solidFill>
@@ -22867,7 +22991,7 @@
               </a:ln>
               <a:extLst>
                 <a:ext uri="{91240B29-F687-4f45-9708-019B960494DF}">
-                  <a14:hiddenLine xmlns:a14="http://schemas.microsoft.com/office/drawing/2010/main" xmlns:p14="http://schemas.microsoft.com/office/powerpoint/2010/main" xmlns:a16="http://schemas.microsoft.com/office/drawing/2014/main" xmlns="" w="9525">
+                  <a14:hiddenLine xmlns="" xmlns:a16="http://schemas.microsoft.com/office/drawing/2014/main" xmlns:p14="http://schemas.microsoft.com/office/powerpoint/2010/main" xmlns:a14="http://schemas.microsoft.com/office/drawing/2010/main" w="9525">
                     <a:solidFill>
                       <a:srgbClr val="000000"/>
                     </a:solidFill>
@@ -22972,7 +23096,7 @@
               </a:ln>
               <a:extLst>
                 <a:ext uri="{91240B29-F687-4f45-9708-019B960494DF}">
-                  <a14:hiddenLine xmlns:a14="http://schemas.microsoft.com/office/drawing/2010/main" xmlns:p14="http://schemas.microsoft.com/office/powerpoint/2010/main" xmlns:a16="http://schemas.microsoft.com/office/drawing/2014/main" xmlns="" w="9525">
+                  <a14:hiddenLine xmlns="" xmlns:a16="http://schemas.microsoft.com/office/drawing/2014/main" xmlns:p14="http://schemas.microsoft.com/office/powerpoint/2010/main" xmlns:a14="http://schemas.microsoft.com/office/drawing/2010/main" w="9525">
                     <a:solidFill>
                       <a:srgbClr val="000000"/>
                     </a:solidFill>
@@ -23055,7 +23179,7 @@
               </a:ln>
               <a:extLst>
                 <a:ext uri="{91240B29-F687-4f45-9708-019B960494DF}">
-                  <a14:hiddenLine xmlns:a14="http://schemas.microsoft.com/office/drawing/2010/main" xmlns:p14="http://schemas.microsoft.com/office/powerpoint/2010/main" xmlns:a16="http://schemas.microsoft.com/office/drawing/2014/main" xmlns="" w="9525">
+                  <a14:hiddenLine xmlns="" xmlns:a16="http://schemas.microsoft.com/office/drawing/2014/main" xmlns:p14="http://schemas.microsoft.com/office/powerpoint/2010/main" xmlns:a14="http://schemas.microsoft.com/office/drawing/2010/main" w="9525">
                     <a:solidFill>
                       <a:srgbClr val="000000"/>
                     </a:solidFill>
@@ -23160,7 +23284,7 @@
               </a:ln>
               <a:extLst>
                 <a:ext uri="{91240B29-F687-4f45-9708-019B960494DF}">
-                  <a14:hiddenLine xmlns:a14="http://schemas.microsoft.com/office/drawing/2010/main" xmlns:p14="http://schemas.microsoft.com/office/powerpoint/2010/main" xmlns:a16="http://schemas.microsoft.com/office/drawing/2014/main" xmlns="" w="9525">
+                  <a14:hiddenLine xmlns="" xmlns:a16="http://schemas.microsoft.com/office/drawing/2014/main" xmlns:p14="http://schemas.microsoft.com/office/powerpoint/2010/main" xmlns:a14="http://schemas.microsoft.com/office/drawing/2010/main" w="9525">
                     <a:solidFill>
                       <a:srgbClr val="000000"/>
                     </a:solidFill>
@@ -23243,7 +23367,7 @@
               </a:ln>
               <a:extLst>
                 <a:ext uri="{91240B29-F687-4f45-9708-019B960494DF}">
-                  <a14:hiddenLine xmlns:a14="http://schemas.microsoft.com/office/drawing/2010/main" xmlns:p14="http://schemas.microsoft.com/office/powerpoint/2010/main" xmlns:a16="http://schemas.microsoft.com/office/drawing/2014/main" xmlns="" w="9525">
+                  <a14:hiddenLine xmlns="" xmlns:a16="http://schemas.microsoft.com/office/drawing/2014/main" xmlns:p14="http://schemas.microsoft.com/office/powerpoint/2010/main" xmlns:a14="http://schemas.microsoft.com/office/drawing/2010/main" w="9525">
                     <a:solidFill>
                       <a:srgbClr val="000000"/>
                     </a:solidFill>
@@ -23348,7 +23472,7 @@
               </a:ln>
               <a:extLst>
                 <a:ext uri="{91240B29-F687-4f45-9708-019B960494DF}">
-                  <a14:hiddenLine xmlns:a14="http://schemas.microsoft.com/office/drawing/2010/main" xmlns:p14="http://schemas.microsoft.com/office/powerpoint/2010/main" xmlns:a16="http://schemas.microsoft.com/office/drawing/2014/main" xmlns="" w="9525">
+                  <a14:hiddenLine xmlns="" xmlns:a16="http://schemas.microsoft.com/office/drawing/2014/main" xmlns:p14="http://schemas.microsoft.com/office/powerpoint/2010/main" xmlns:a14="http://schemas.microsoft.com/office/drawing/2010/main" w="9525">
                     <a:solidFill>
                       <a:srgbClr val="000000"/>
                     </a:solidFill>
@@ -23397,7 +23521,7 @@
               </a:ln>
               <a:extLst>
                 <a:ext uri="{91240B29-F687-4f45-9708-019B960494DF}">
-                  <a14:hiddenLine xmlns:a14="http://schemas.microsoft.com/office/drawing/2010/main" xmlns:p14="http://schemas.microsoft.com/office/powerpoint/2010/main" xmlns:a16="http://schemas.microsoft.com/office/drawing/2014/main" xmlns="" w="9525">
+                  <a14:hiddenLine xmlns="" xmlns:a16="http://schemas.microsoft.com/office/drawing/2014/main" xmlns:p14="http://schemas.microsoft.com/office/powerpoint/2010/main" xmlns:a14="http://schemas.microsoft.com/office/drawing/2010/main" w="9525">
                     <a:solidFill>
                       <a:srgbClr val="000000"/>
                     </a:solidFill>
@@ -23459,7 +23583,7 @@
           <a:noFill/>
           <a:extLst>
             <a:ext uri="{909E8E84-426E-40dd-AFC4-6F175D3DCCD1}">
-              <a14:hiddenFill xmlns:a14="http://schemas.microsoft.com/office/drawing/2010/main" xmlns:p14="http://schemas.microsoft.com/office/powerpoint/2010/main" xmlns:a16="http://schemas.microsoft.com/office/drawing/2014/main" xmlns="">
+              <a14:hiddenFill xmlns="" xmlns:a16="http://schemas.microsoft.com/office/drawing/2014/main" xmlns:p14="http://schemas.microsoft.com/office/powerpoint/2010/main" xmlns:a14="http://schemas.microsoft.com/office/drawing/2010/main">
                 <a:solidFill>
                   <a:srgbClr val="FFFFFF"/>
                 </a:solidFill>
@@ -23819,13 +23943,13 @@
   <p:clrMapOvr>
     <a:overrideClrMapping bg1="lt1" tx1="dk1" bg2="lt2" tx2="dk2" accent1="accent1" accent2="accent2" accent3="accent3" accent4="accent4" accent5="accent5" accent6="accent6" hlink="hlink" folHlink="folHlink"/>
   </p:clrMapOvr>
-  <mc:AlternateContent xmlns:mc="http://schemas.openxmlformats.org/markup-compatibility/2006" xmlns:p14="http://schemas.microsoft.com/office/powerpoint/2010/main">
-    <mc:Choice Requires="p14">
+  <mc:AlternateContent xmlns:mc="http://schemas.openxmlformats.org/markup-compatibility/2006">
+    <mc:Choice xmlns:p14="http://schemas.microsoft.com/office/powerpoint/2010/main" Requires="p14">
       <p:transition spd="med" p14:dur="700">
         <p:fade/>
       </p:transition>
     </mc:Choice>
-    <mc:Fallback xmlns="">
+    <mc:Fallback>
       <p:transition spd="med">
         <p:fade/>
       </p:transition>
@@ -24702,13 +24826,13 @@
   <p:clrMapOvr>
     <a:masterClrMapping/>
   </p:clrMapOvr>
-  <mc:AlternateContent xmlns:mc="http://schemas.openxmlformats.org/markup-compatibility/2006" xmlns:p14="http://schemas.microsoft.com/office/powerpoint/2010/main">
-    <mc:Choice Requires="p14">
+  <mc:AlternateContent xmlns:mc="http://schemas.openxmlformats.org/markup-compatibility/2006">
+    <mc:Choice xmlns:p14="http://schemas.microsoft.com/office/powerpoint/2010/main" Requires="p14">
       <p:transition spd="med" p14:dur="700">
         <p:fade/>
       </p:transition>
     </mc:Choice>
-    <mc:Fallback xmlns="">
+    <mc:Fallback>
       <p:transition spd="med">
         <p:fade/>
       </p:transition>
@@ -24806,7 +24930,7 @@
           <a:noFill/>
           <a:extLst>
             <a:ext uri="{909E8E84-426E-40dd-AFC4-6F175D3DCCD1}">
-              <a14:hiddenFill xmlns:p14="http://schemas.microsoft.com/office/powerpoint/2010/main" xmlns:a14="http://schemas.microsoft.com/office/drawing/2010/main" xmlns:a16="http://schemas.microsoft.com/office/drawing/2014/main" xmlns="">
+              <a14:hiddenFill xmlns="" xmlns:a16="http://schemas.microsoft.com/office/drawing/2014/main" xmlns:a14="http://schemas.microsoft.com/office/drawing/2010/main" xmlns:p14="http://schemas.microsoft.com/office/powerpoint/2010/main">
                 <a:solidFill>
                   <a:srgbClr val="FFFFFF"/>
                 </a:solidFill>
@@ -24898,7 +25022,7 @@
             </a:ln>
             <a:extLst>
               <a:ext uri="{91240B29-F687-4f45-9708-019B960494DF}">
-                <a14:hiddenLine xmlns:p14="http://schemas.microsoft.com/office/powerpoint/2010/main" xmlns:a14="http://schemas.microsoft.com/office/drawing/2010/main" xmlns:a16="http://schemas.microsoft.com/office/drawing/2014/main" xmlns="" w="9525">
+                <a14:hiddenLine xmlns="" xmlns:a16="http://schemas.microsoft.com/office/drawing/2014/main" xmlns:a14="http://schemas.microsoft.com/office/drawing/2010/main" xmlns:p14="http://schemas.microsoft.com/office/powerpoint/2010/main" w="9525">
                   <a:solidFill>
                     <a:srgbClr val="000000"/>
                   </a:solidFill>
@@ -25003,7 +25127,7 @@
             </a:ln>
             <a:extLst>
               <a:ext uri="{91240B29-F687-4f45-9708-019B960494DF}">
-                <a14:hiddenLine xmlns:p14="http://schemas.microsoft.com/office/powerpoint/2010/main" xmlns:a14="http://schemas.microsoft.com/office/drawing/2010/main" xmlns:a16="http://schemas.microsoft.com/office/drawing/2014/main" xmlns="" w="9525">
+                <a14:hiddenLine xmlns="" xmlns:a16="http://schemas.microsoft.com/office/drawing/2014/main" xmlns:a14="http://schemas.microsoft.com/office/drawing/2010/main" xmlns:p14="http://schemas.microsoft.com/office/powerpoint/2010/main" w="9525">
                   <a:solidFill>
                     <a:srgbClr val="000000"/>
                   </a:solidFill>
@@ -25108,7 +25232,7 @@
             </a:ln>
             <a:extLst>
               <a:ext uri="{91240B29-F687-4f45-9708-019B960494DF}">
-                <a14:hiddenLine xmlns:p14="http://schemas.microsoft.com/office/powerpoint/2010/main" xmlns:a14="http://schemas.microsoft.com/office/drawing/2010/main" xmlns:a16="http://schemas.microsoft.com/office/drawing/2014/main" xmlns="" w="9525">
+                <a14:hiddenLine xmlns="" xmlns:a16="http://schemas.microsoft.com/office/drawing/2014/main" xmlns:a14="http://schemas.microsoft.com/office/drawing/2010/main" xmlns:p14="http://schemas.microsoft.com/office/powerpoint/2010/main" w="9525">
                   <a:solidFill>
                     <a:srgbClr val="000000"/>
                   </a:solidFill>
@@ -25157,7 +25281,7 @@
             </a:ln>
             <a:extLst>
               <a:ext uri="{91240B29-F687-4f45-9708-019B960494DF}">
-                <a14:hiddenLine xmlns:p14="http://schemas.microsoft.com/office/powerpoint/2010/main" xmlns:a14="http://schemas.microsoft.com/office/drawing/2010/main" xmlns:a16="http://schemas.microsoft.com/office/drawing/2014/main" xmlns="" w="9525">
+                <a14:hiddenLine xmlns="" xmlns:a16="http://schemas.microsoft.com/office/drawing/2014/main" xmlns:a14="http://schemas.microsoft.com/office/drawing/2010/main" xmlns:p14="http://schemas.microsoft.com/office/powerpoint/2010/main" w="9525">
                   <a:solidFill>
                     <a:srgbClr val="000000"/>
                   </a:solidFill>
@@ -25262,7 +25386,7 @@
             </a:ln>
             <a:extLst>
               <a:ext uri="{91240B29-F687-4f45-9708-019B960494DF}">
-                <a14:hiddenLine xmlns:p14="http://schemas.microsoft.com/office/powerpoint/2010/main" xmlns:a14="http://schemas.microsoft.com/office/drawing/2010/main" xmlns:a16="http://schemas.microsoft.com/office/drawing/2014/main" xmlns="" w="9525">
+                <a14:hiddenLine xmlns="" xmlns:a16="http://schemas.microsoft.com/office/drawing/2014/main" xmlns:a14="http://schemas.microsoft.com/office/drawing/2010/main" xmlns:p14="http://schemas.microsoft.com/office/powerpoint/2010/main" w="9525">
                   <a:solidFill>
                     <a:srgbClr val="000000"/>
                   </a:solidFill>
@@ -25339,7 +25463,7 @@
             </a:ln>
             <a:extLst>
               <a:ext uri="{91240B29-F687-4f45-9708-019B960494DF}">
-                <a14:hiddenLine xmlns:p14="http://schemas.microsoft.com/office/powerpoint/2010/main" xmlns:a14="http://schemas.microsoft.com/office/drawing/2010/main" xmlns:a16="http://schemas.microsoft.com/office/drawing/2014/main" xmlns="" w="9525">
+                <a14:hiddenLine xmlns="" xmlns:a16="http://schemas.microsoft.com/office/drawing/2014/main" xmlns:a14="http://schemas.microsoft.com/office/drawing/2010/main" xmlns:p14="http://schemas.microsoft.com/office/powerpoint/2010/main" w="9525">
                   <a:solidFill>
                     <a:srgbClr val="000000"/>
                   </a:solidFill>
@@ -25416,7 +25540,7 @@
             </a:ln>
             <a:extLst>
               <a:ext uri="{91240B29-F687-4f45-9708-019B960494DF}">
-                <a14:hiddenLine xmlns:p14="http://schemas.microsoft.com/office/powerpoint/2010/main" xmlns:a14="http://schemas.microsoft.com/office/drawing/2010/main" xmlns:a16="http://schemas.microsoft.com/office/drawing/2014/main" xmlns="" w="9525">
+                <a14:hiddenLine xmlns="" xmlns:a16="http://schemas.microsoft.com/office/drawing/2014/main" xmlns:a14="http://schemas.microsoft.com/office/drawing/2010/main" xmlns:p14="http://schemas.microsoft.com/office/powerpoint/2010/main" w="9525">
                   <a:solidFill>
                     <a:srgbClr val="000000"/>
                   </a:solidFill>
@@ -25521,7 +25645,7 @@
             </a:ln>
             <a:extLst>
               <a:ext uri="{91240B29-F687-4f45-9708-019B960494DF}">
-                <a14:hiddenLine xmlns:p14="http://schemas.microsoft.com/office/powerpoint/2010/main" xmlns:a14="http://schemas.microsoft.com/office/drawing/2010/main" xmlns:a16="http://schemas.microsoft.com/office/drawing/2014/main" xmlns="" w="9525">
+                <a14:hiddenLine xmlns="" xmlns:a16="http://schemas.microsoft.com/office/drawing/2014/main" xmlns:a14="http://schemas.microsoft.com/office/drawing/2010/main" xmlns:p14="http://schemas.microsoft.com/office/powerpoint/2010/main" w="9525">
                   <a:solidFill>
                     <a:srgbClr val="000000"/>
                   </a:solidFill>
@@ -25598,7 +25722,7 @@
             </a:ln>
             <a:extLst>
               <a:ext uri="{91240B29-F687-4f45-9708-019B960494DF}">
-                <a14:hiddenLine xmlns:p14="http://schemas.microsoft.com/office/powerpoint/2010/main" xmlns:a14="http://schemas.microsoft.com/office/drawing/2010/main" xmlns:a16="http://schemas.microsoft.com/office/drawing/2014/main" xmlns="" w="9525">
+                <a14:hiddenLine xmlns="" xmlns:a16="http://schemas.microsoft.com/office/drawing/2014/main" xmlns:a14="http://schemas.microsoft.com/office/drawing/2010/main" xmlns:p14="http://schemas.microsoft.com/office/powerpoint/2010/main" w="9525">
                   <a:solidFill>
                     <a:srgbClr val="000000"/>
                   </a:solidFill>
@@ -25675,7 +25799,7 @@
             </a:ln>
             <a:extLst>
               <a:ext uri="{91240B29-F687-4f45-9708-019B960494DF}">
-                <a14:hiddenLine xmlns:p14="http://schemas.microsoft.com/office/powerpoint/2010/main" xmlns:a14="http://schemas.microsoft.com/office/drawing/2010/main" xmlns:a16="http://schemas.microsoft.com/office/drawing/2014/main" xmlns="" w="9525">
+                <a14:hiddenLine xmlns="" xmlns:a16="http://schemas.microsoft.com/office/drawing/2014/main" xmlns:a14="http://schemas.microsoft.com/office/drawing/2010/main" xmlns:p14="http://schemas.microsoft.com/office/powerpoint/2010/main" w="9525">
                   <a:solidFill>
                     <a:srgbClr val="000000"/>
                   </a:solidFill>
@@ -25780,7 +25904,7 @@
             </a:ln>
             <a:extLst>
               <a:ext uri="{91240B29-F687-4f45-9708-019B960494DF}">
-                <a14:hiddenLine xmlns:p14="http://schemas.microsoft.com/office/powerpoint/2010/main" xmlns:a14="http://schemas.microsoft.com/office/drawing/2010/main" xmlns:a16="http://schemas.microsoft.com/office/drawing/2014/main" xmlns="" w="9525">
+                <a14:hiddenLine xmlns="" xmlns:a16="http://schemas.microsoft.com/office/drawing/2014/main" xmlns:a14="http://schemas.microsoft.com/office/drawing/2010/main" xmlns:p14="http://schemas.microsoft.com/office/powerpoint/2010/main" w="9525">
                   <a:solidFill>
                     <a:srgbClr val="000000"/>
                   </a:solidFill>
@@ -25885,7 +26009,7 @@
             </a:ln>
             <a:extLst>
               <a:ext uri="{91240B29-F687-4f45-9708-019B960494DF}">
-                <a14:hiddenLine xmlns:p14="http://schemas.microsoft.com/office/powerpoint/2010/main" xmlns:a14="http://schemas.microsoft.com/office/drawing/2010/main" xmlns:a16="http://schemas.microsoft.com/office/drawing/2014/main" xmlns="" w="9525">
+                <a14:hiddenLine xmlns="" xmlns:a16="http://schemas.microsoft.com/office/drawing/2014/main" xmlns:a14="http://schemas.microsoft.com/office/drawing/2010/main" xmlns:p14="http://schemas.microsoft.com/office/powerpoint/2010/main" w="9525">
                   <a:solidFill>
                     <a:srgbClr val="000000"/>
                   </a:solidFill>
@@ -25962,7 +26086,7 @@
             </a:ln>
             <a:extLst>
               <a:ext uri="{91240B29-F687-4f45-9708-019B960494DF}">
-                <a14:hiddenLine xmlns:p14="http://schemas.microsoft.com/office/powerpoint/2010/main" xmlns:a14="http://schemas.microsoft.com/office/drawing/2010/main" xmlns:a16="http://schemas.microsoft.com/office/drawing/2014/main" xmlns="" w="9525">
+                <a14:hiddenLine xmlns="" xmlns:a16="http://schemas.microsoft.com/office/drawing/2014/main" xmlns:a14="http://schemas.microsoft.com/office/drawing/2010/main" xmlns:p14="http://schemas.microsoft.com/office/powerpoint/2010/main" w="9525">
                   <a:solidFill>
                     <a:srgbClr val="000000"/>
                   </a:solidFill>
@@ -26087,7 +26211,7 @@
             </a:ln>
             <a:extLst>
               <a:ext uri="{91240B29-F687-4f45-9708-019B960494DF}">
-                <a14:hiddenLine xmlns:p14="http://schemas.microsoft.com/office/powerpoint/2010/main" xmlns:a14="http://schemas.microsoft.com/office/drawing/2010/main" xmlns:a16="http://schemas.microsoft.com/office/drawing/2014/main" xmlns="" w="9525">
+                <a14:hiddenLine xmlns="" xmlns:a16="http://schemas.microsoft.com/office/drawing/2014/main" xmlns:a14="http://schemas.microsoft.com/office/drawing/2010/main" xmlns:p14="http://schemas.microsoft.com/office/powerpoint/2010/main" w="9525">
                   <a:solidFill>
                     <a:srgbClr val="000000"/>
                   </a:solidFill>
@@ -26164,7 +26288,7 @@
             </a:ln>
             <a:extLst>
               <a:ext uri="{91240B29-F687-4f45-9708-019B960494DF}">
-                <a14:hiddenLine xmlns:p14="http://schemas.microsoft.com/office/powerpoint/2010/main" xmlns:a14="http://schemas.microsoft.com/office/drawing/2010/main" xmlns:a16="http://schemas.microsoft.com/office/drawing/2014/main" xmlns="" w="9525">
+                <a14:hiddenLine xmlns="" xmlns:a16="http://schemas.microsoft.com/office/drawing/2014/main" xmlns:a14="http://schemas.microsoft.com/office/drawing/2010/main" xmlns:p14="http://schemas.microsoft.com/office/powerpoint/2010/main" w="9525">
                   <a:solidFill>
                     <a:srgbClr val="000000"/>
                   </a:solidFill>
@@ -26269,7 +26393,7 @@
             </a:ln>
             <a:extLst>
               <a:ext uri="{91240B29-F687-4f45-9708-019B960494DF}">
-                <a14:hiddenLine xmlns:p14="http://schemas.microsoft.com/office/powerpoint/2010/main" xmlns:a14="http://schemas.microsoft.com/office/drawing/2010/main" xmlns:a16="http://schemas.microsoft.com/office/drawing/2014/main" xmlns="" w="9525">
+                <a14:hiddenLine xmlns="" xmlns:a16="http://schemas.microsoft.com/office/drawing/2014/main" xmlns:a14="http://schemas.microsoft.com/office/drawing/2010/main" xmlns:p14="http://schemas.microsoft.com/office/powerpoint/2010/main" w="9525">
                   <a:solidFill>
                     <a:srgbClr val="000000"/>
                   </a:solidFill>
@@ -26374,7 +26498,7 @@
             </a:ln>
             <a:extLst>
               <a:ext uri="{91240B29-F687-4f45-9708-019B960494DF}">
-                <a14:hiddenLine xmlns:p14="http://schemas.microsoft.com/office/powerpoint/2010/main" xmlns:a14="http://schemas.microsoft.com/office/drawing/2010/main" xmlns:a16="http://schemas.microsoft.com/office/drawing/2014/main" xmlns="" w="9525">
+                <a14:hiddenLine xmlns="" xmlns:a16="http://schemas.microsoft.com/office/drawing/2014/main" xmlns:a14="http://schemas.microsoft.com/office/drawing/2010/main" xmlns:p14="http://schemas.microsoft.com/office/powerpoint/2010/main" w="9525">
                   <a:solidFill>
                     <a:srgbClr val="000000"/>
                   </a:solidFill>
@@ -26451,7 +26575,7 @@
             </a:ln>
             <a:extLst>
               <a:ext uri="{91240B29-F687-4f45-9708-019B960494DF}">
-                <a14:hiddenLine xmlns:p14="http://schemas.microsoft.com/office/powerpoint/2010/main" xmlns:a14="http://schemas.microsoft.com/office/drawing/2010/main" xmlns:a16="http://schemas.microsoft.com/office/drawing/2014/main" xmlns="" w="9525">
+                <a14:hiddenLine xmlns="" xmlns:a16="http://schemas.microsoft.com/office/drawing/2014/main" xmlns:a14="http://schemas.microsoft.com/office/drawing/2010/main" xmlns:p14="http://schemas.microsoft.com/office/powerpoint/2010/main" w="9525">
                   <a:solidFill>
                     <a:srgbClr val="000000"/>
                   </a:solidFill>
@@ -26556,7 +26680,7 @@
             </a:ln>
             <a:extLst>
               <a:ext uri="{91240B29-F687-4f45-9708-019B960494DF}">
-                <a14:hiddenLine xmlns:p14="http://schemas.microsoft.com/office/powerpoint/2010/main" xmlns:a14="http://schemas.microsoft.com/office/drawing/2010/main" xmlns:a16="http://schemas.microsoft.com/office/drawing/2014/main" xmlns="" w="9525">
+                <a14:hiddenLine xmlns="" xmlns:a16="http://schemas.microsoft.com/office/drawing/2014/main" xmlns:a14="http://schemas.microsoft.com/office/drawing/2010/main" xmlns:p14="http://schemas.microsoft.com/office/powerpoint/2010/main" w="9525">
                   <a:solidFill>
                     <a:srgbClr val="000000"/>
                   </a:solidFill>
@@ -26661,7 +26785,7 @@
             </a:ln>
             <a:extLst>
               <a:ext uri="{91240B29-F687-4f45-9708-019B960494DF}">
-                <a14:hiddenLine xmlns:p14="http://schemas.microsoft.com/office/powerpoint/2010/main" xmlns:a14="http://schemas.microsoft.com/office/drawing/2010/main" xmlns:a16="http://schemas.microsoft.com/office/drawing/2014/main" xmlns="" w="9525">
+                <a14:hiddenLine xmlns="" xmlns:a16="http://schemas.microsoft.com/office/drawing/2014/main" xmlns:a14="http://schemas.microsoft.com/office/drawing/2010/main" xmlns:p14="http://schemas.microsoft.com/office/powerpoint/2010/main" w="9525">
                   <a:solidFill>
                     <a:srgbClr val="000000"/>
                   </a:solidFill>
@@ -26732,7 +26856,7 @@
             </a:ln>
             <a:extLst>
               <a:ext uri="{91240B29-F687-4f45-9708-019B960494DF}">
-                <a14:hiddenLine xmlns:p14="http://schemas.microsoft.com/office/powerpoint/2010/main" xmlns:a14="http://schemas.microsoft.com/office/drawing/2010/main" xmlns:a16="http://schemas.microsoft.com/office/drawing/2014/main" xmlns="" w="9525">
+                <a14:hiddenLine xmlns="" xmlns:a16="http://schemas.microsoft.com/office/drawing/2014/main" xmlns:a14="http://schemas.microsoft.com/office/drawing/2010/main" xmlns:p14="http://schemas.microsoft.com/office/powerpoint/2010/main" w="9525">
                   <a:solidFill>
                     <a:srgbClr val="000000"/>
                   </a:solidFill>
@@ -26837,7 +26961,7 @@
             </a:ln>
             <a:extLst>
               <a:ext uri="{91240B29-F687-4f45-9708-019B960494DF}">
-                <a14:hiddenLine xmlns:p14="http://schemas.microsoft.com/office/powerpoint/2010/main" xmlns:a14="http://schemas.microsoft.com/office/drawing/2010/main" xmlns:a16="http://schemas.microsoft.com/office/drawing/2014/main" xmlns="" w="9525">
+                <a14:hiddenLine xmlns="" xmlns:a16="http://schemas.microsoft.com/office/drawing/2014/main" xmlns:a14="http://schemas.microsoft.com/office/drawing/2010/main" xmlns:p14="http://schemas.microsoft.com/office/powerpoint/2010/main" w="9525">
                   <a:solidFill>
                     <a:srgbClr val="000000"/>
                   </a:solidFill>
@@ -26908,7 +27032,7 @@
             </a:ln>
             <a:extLst>
               <a:ext uri="{91240B29-F687-4f45-9708-019B960494DF}">
-                <a14:hiddenLine xmlns:p14="http://schemas.microsoft.com/office/powerpoint/2010/main" xmlns:a14="http://schemas.microsoft.com/office/drawing/2010/main" xmlns:a16="http://schemas.microsoft.com/office/drawing/2014/main" xmlns="" w="9525">
+                <a14:hiddenLine xmlns="" xmlns:a16="http://schemas.microsoft.com/office/drawing/2014/main" xmlns:a14="http://schemas.microsoft.com/office/drawing/2010/main" xmlns:p14="http://schemas.microsoft.com/office/powerpoint/2010/main" w="9525">
                   <a:solidFill>
                     <a:srgbClr val="000000"/>
                   </a:solidFill>
@@ -27013,7 +27137,7 @@
             </a:ln>
             <a:extLst>
               <a:ext uri="{91240B29-F687-4f45-9708-019B960494DF}">
-                <a14:hiddenLine xmlns:p14="http://schemas.microsoft.com/office/powerpoint/2010/main" xmlns:a14="http://schemas.microsoft.com/office/drawing/2010/main" xmlns:a16="http://schemas.microsoft.com/office/drawing/2014/main" xmlns="" w="9525">
+                <a14:hiddenLine xmlns="" xmlns:a16="http://schemas.microsoft.com/office/drawing/2014/main" xmlns:a14="http://schemas.microsoft.com/office/drawing/2010/main" xmlns:p14="http://schemas.microsoft.com/office/powerpoint/2010/main" w="9525">
                   <a:solidFill>
                     <a:srgbClr val="000000"/>
                   </a:solidFill>
@@ -27096,7 +27220,7 @@
             </a:ln>
             <a:extLst>
               <a:ext uri="{91240B29-F687-4f45-9708-019B960494DF}">
-                <a14:hiddenLine xmlns:p14="http://schemas.microsoft.com/office/powerpoint/2010/main" xmlns:a14="http://schemas.microsoft.com/office/drawing/2010/main" xmlns:a16="http://schemas.microsoft.com/office/drawing/2014/main" xmlns="" w="9525">
+                <a14:hiddenLine xmlns="" xmlns:a16="http://schemas.microsoft.com/office/drawing/2014/main" xmlns:a14="http://schemas.microsoft.com/office/drawing/2010/main" xmlns:p14="http://schemas.microsoft.com/office/powerpoint/2010/main" w="9525">
                   <a:solidFill>
                     <a:srgbClr val="000000"/>
                   </a:solidFill>
@@ -27201,7 +27325,7 @@
             </a:ln>
             <a:extLst>
               <a:ext uri="{91240B29-F687-4f45-9708-019B960494DF}">
-                <a14:hiddenLine xmlns:p14="http://schemas.microsoft.com/office/powerpoint/2010/main" xmlns:a14="http://schemas.microsoft.com/office/drawing/2010/main" xmlns:a16="http://schemas.microsoft.com/office/drawing/2014/main" xmlns="" w="9525">
+                <a14:hiddenLine xmlns="" xmlns:a16="http://schemas.microsoft.com/office/drawing/2014/main" xmlns:a14="http://schemas.microsoft.com/office/drawing/2010/main" xmlns:p14="http://schemas.microsoft.com/office/powerpoint/2010/main" w="9525">
                   <a:solidFill>
                     <a:srgbClr val="000000"/>
                   </a:solidFill>
@@ -27284,7 +27408,7 @@
             </a:ln>
             <a:extLst>
               <a:ext uri="{91240B29-F687-4f45-9708-019B960494DF}">
-                <a14:hiddenLine xmlns:p14="http://schemas.microsoft.com/office/powerpoint/2010/main" xmlns:a14="http://schemas.microsoft.com/office/drawing/2010/main" xmlns:a16="http://schemas.microsoft.com/office/drawing/2014/main" xmlns="" w="9525">
+                <a14:hiddenLine xmlns="" xmlns:a16="http://schemas.microsoft.com/office/drawing/2014/main" xmlns:a14="http://schemas.microsoft.com/office/drawing/2010/main" xmlns:p14="http://schemas.microsoft.com/office/powerpoint/2010/main" w="9525">
                   <a:solidFill>
                     <a:srgbClr val="000000"/>
                   </a:solidFill>
@@ -27389,7 +27513,7 @@
             </a:ln>
             <a:extLst>
               <a:ext uri="{91240B29-F687-4f45-9708-019B960494DF}">
-                <a14:hiddenLine xmlns:p14="http://schemas.microsoft.com/office/powerpoint/2010/main" xmlns:a14="http://schemas.microsoft.com/office/drawing/2010/main" xmlns:a16="http://schemas.microsoft.com/office/drawing/2014/main" xmlns="" w="9525">
+                <a14:hiddenLine xmlns="" xmlns:a16="http://schemas.microsoft.com/office/drawing/2014/main" xmlns:a14="http://schemas.microsoft.com/office/drawing/2010/main" xmlns:p14="http://schemas.microsoft.com/office/powerpoint/2010/main" w="9525">
                   <a:solidFill>
                     <a:srgbClr val="000000"/>
                   </a:solidFill>
@@ -27438,7 +27562,7 @@
             </a:ln>
             <a:extLst>
               <a:ext uri="{91240B29-F687-4f45-9708-019B960494DF}">
-                <a14:hiddenLine xmlns:p14="http://schemas.microsoft.com/office/powerpoint/2010/main" xmlns:a14="http://schemas.microsoft.com/office/drawing/2010/main" xmlns:a16="http://schemas.microsoft.com/office/drawing/2014/main" xmlns="" w="9525">
+                <a14:hiddenLine xmlns="" xmlns:a16="http://schemas.microsoft.com/office/drawing/2014/main" xmlns:a14="http://schemas.microsoft.com/office/drawing/2010/main" xmlns:p14="http://schemas.microsoft.com/office/powerpoint/2010/main" w="9525">
                   <a:solidFill>
                     <a:srgbClr val="000000"/>
                   </a:solidFill>
@@ -27543,7 +27667,7 @@
             </a:ln>
             <a:extLst>
               <a:ext uri="{91240B29-F687-4f45-9708-019B960494DF}">
-                <a14:hiddenLine xmlns:p14="http://schemas.microsoft.com/office/powerpoint/2010/main" xmlns:a14="http://schemas.microsoft.com/office/drawing/2010/main" xmlns:a16="http://schemas.microsoft.com/office/drawing/2014/main" xmlns="" w="9525">
+                <a14:hiddenLine xmlns="" xmlns:a16="http://schemas.microsoft.com/office/drawing/2014/main" xmlns:a14="http://schemas.microsoft.com/office/drawing/2010/main" xmlns:p14="http://schemas.microsoft.com/office/powerpoint/2010/main" w="9525">
                   <a:solidFill>
                     <a:srgbClr val="000000"/>
                   </a:solidFill>
@@ -27620,7 +27744,7 @@
             </a:ln>
             <a:extLst>
               <a:ext uri="{91240B29-F687-4f45-9708-019B960494DF}">
-                <a14:hiddenLine xmlns:p14="http://schemas.microsoft.com/office/powerpoint/2010/main" xmlns:a14="http://schemas.microsoft.com/office/drawing/2010/main" xmlns:a16="http://schemas.microsoft.com/office/drawing/2014/main" xmlns="" w="9525">
+                <a14:hiddenLine xmlns="" xmlns:a16="http://schemas.microsoft.com/office/drawing/2014/main" xmlns:a14="http://schemas.microsoft.com/office/drawing/2010/main" xmlns:p14="http://schemas.microsoft.com/office/powerpoint/2010/main" w="9525">
                   <a:solidFill>
                     <a:srgbClr val="000000"/>
                   </a:solidFill>
@@ -27697,7 +27821,7 @@
             </a:ln>
             <a:extLst>
               <a:ext uri="{91240B29-F687-4f45-9708-019B960494DF}">
-                <a14:hiddenLine xmlns:p14="http://schemas.microsoft.com/office/powerpoint/2010/main" xmlns:a14="http://schemas.microsoft.com/office/drawing/2010/main" xmlns:a16="http://schemas.microsoft.com/office/drawing/2014/main" xmlns="" w="9525">
+                <a14:hiddenLine xmlns="" xmlns:a16="http://schemas.microsoft.com/office/drawing/2014/main" xmlns:a14="http://schemas.microsoft.com/office/drawing/2010/main" xmlns:p14="http://schemas.microsoft.com/office/powerpoint/2010/main" w="9525">
                   <a:solidFill>
                     <a:srgbClr val="000000"/>
                   </a:solidFill>
@@ -27802,7 +27926,7 @@
             </a:ln>
             <a:extLst>
               <a:ext uri="{91240B29-F687-4f45-9708-019B960494DF}">
-                <a14:hiddenLine xmlns:p14="http://schemas.microsoft.com/office/powerpoint/2010/main" xmlns:a14="http://schemas.microsoft.com/office/drawing/2010/main" xmlns:a16="http://schemas.microsoft.com/office/drawing/2014/main" xmlns="" w="9525">
+                <a14:hiddenLine xmlns="" xmlns:a16="http://schemas.microsoft.com/office/drawing/2014/main" xmlns:a14="http://schemas.microsoft.com/office/drawing/2010/main" xmlns:p14="http://schemas.microsoft.com/office/powerpoint/2010/main" w="9525">
                   <a:solidFill>
                     <a:srgbClr val="000000"/>
                   </a:solidFill>
@@ -27885,7 +28009,7 @@
             </a:ln>
             <a:extLst>
               <a:ext uri="{91240B29-F687-4f45-9708-019B960494DF}">
-                <a14:hiddenLine xmlns:p14="http://schemas.microsoft.com/office/powerpoint/2010/main" xmlns:a14="http://schemas.microsoft.com/office/drawing/2010/main" xmlns:a16="http://schemas.microsoft.com/office/drawing/2014/main" xmlns="" w="9525">
+                <a14:hiddenLine xmlns="" xmlns:a16="http://schemas.microsoft.com/office/drawing/2014/main" xmlns:a14="http://schemas.microsoft.com/office/drawing/2010/main" xmlns:p14="http://schemas.microsoft.com/office/powerpoint/2010/main" w="9525">
                   <a:solidFill>
                     <a:srgbClr val="000000"/>
                   </a:solidFill>
@@ -27962,7 +28086,7 @@
             </a:ln>
             <a:extLst>
               <a:ext uri="{91240B29-F687-4f45-9708-019B960494DF}">
-                <a14:hiddenLine xmlns:p14="http://schemas.microsoft.com/office/powerpoint/2010/main" xmlns:a14="http://schemas.microsoft.com/office/drawing/2010/main" xmlns:a16="http://schemas.microsoft.com/office/drawing/2014/main" xmlns="" w="9525">
+                <a14:hiddenLine xmlns="" xmlns:a16="http://schemas.microsoft.com/office/drawing/2014/main" xmlns:a14="http://schemas.microsoft.com/office/drawing/2010/main" xmlns:p14="http://schemas.microsoft.com/office/powerpoint/2010/main" w="9525">
                   <a:solidFill>
                     <a:srgbClr val="000000"/>
                   </a:solidFill>
@@ -28067,7 +28191,7 @@
             </a:ln>
             <a:extLst>
               <a:ext uri="{91240B29-F687-4f45-9708-019B960494DF}">
-                <a14:hiddenLine xmlns:p14="http://schemas.microsoft.com/office/powerpoint/2010/main" xmlns:a14="http://schemas.microsoft.com/office/drawing/2010/main" xmlns:a16="http://schemas.microsoft.com/office/drawing/2014/main" xmlns="" w="9525">
+                <a14:hiddenLine xmlns="" xmlns:a16="http://schemas.microsoft.com/office/drawing/2014/main" xmlns:a14="http://schemas.microsoft.com/office/drawing/2010/main" xmlns:p14="http://schemas.microsoft.com/office/powerpoint/2010/main" w="9525">
                   <a:solidFill>
                     <a:srgbClr val="000000"/>
                   </a:solidFill>
@@ -28144,7 +28268,7 @@
             </a:ln>
             <a:extLst>
               <a:ext uri="{91240B29-F687-4f45-9708-019B960494DF}">
-                <a14:hiddenLine xmlns:p14="http://schemas.microsoft.com/office/powerpoint/2010/main" xmlns:a14="http://schemas.microsoft.com/office/drawing/2010/main" xmlns:a16="http://schemas.microsoft.com/office/drawing/2014/main" xmlns="" w="9525">
+                <a14:hiddenLine xmlns="" xmlns:a16="http://schemas.microsoft.com/office/drawing/2014/main" xmlns:a14="http://schemas.microsoft.com/office/drawing/2010/main" xmlns:p14="http://schemas.microsoft.com/office/powerpoint/2010/main" w="9525">
                   <a:solidFill>
                     <a:srgbClr val="000000"/>
                   </a:solidFill>
@@ -28249,7 +28373,7 @@
             </a:ln>
             <a:extLst>
               <a:ext uri="{91240B29-F687-4f45-9708-019B960494DF}">
-                <a14:hiddenLine xmlns:p14="http://schemas.microsoft.com/office/powerpoint/2010/main" xmlns:a14="http://schemas.microsoft.com/office/drawing/2010/main" xmlns:a16="http://schemas.microsoft.com/office/drawing/2014/main" xmlns="" w="9525">
+                <a14:hiddenLine xmlns="" xmlns:a16="http://schemas.microsoft.com/office/drawing/2014/main" xmlns:a14="http://schemas.microsoft.com/office/drawing/2010/main" xmlns:p14="http://schemas.microsoft.com/office/powerpoint/2010/main" w="9525">
                   <a:solidFill>
                     <a:srgbClr val="000000"/>
                   </a:solidFill>
@@ -28326,7 +28450,7 @@
             </a:ln>
             <a:extLst>
               <a:ext uri="{91240B29-F687-4f45-9708-019B960494DF}">
-                <a14:hiddenLine xmlns:p14="http://schemas.microsoft.com/office/powerpoint/2010/main" xmlns:a14="http://schemas.microsoft.com/office/drawing/2010/main" xmlns:a16="http://schemas.microsoft.com/office/drawing/2014/main" xmlns="" w="9525">
+                <a14:hiddenLine xmlns="" xmlns:a16="http://schemas.microsoft.com/office/drawing/2014/main" xmlns:a14="http://schemas.microsoft.com/office/drawing/2010/main" xmlns:p14="http://schemas.microsoft.com/office/powerpoint/2010/main" w="9525">
                   <a:solidFill>
                     <a:srgbClr val="000000"/>
                   </a:solidFill>
@@ -28431,7 +28555,7 @@
             </a:ln>
             <a:extLst>
               <a:ext uri="{91240B29-F687-4f45-9708-019B960494DF}">
-                <a14:hiddenLine xmlns:p14="http://schemas.microsoft.com/office/powerpoint/2010/main" xmlns:a14="http://schemas.microsoft.com/office/drawing/2010/main" xmlns:a16="http://schemas.microsoft.com/office/drawing/2014/main" xmlns="" w="9525">
+                <a14:hiddenLine xmlns="" xmlns:a16="http://schemas.microsoft.com/office/drawing/2014/main" xmlns:a14="http://schemas.microsoft.com/office/drawing/2010/main" xmlns:p14="http://schemas.microsoft.com/office/powerpoint/2010/main" w="9525">
                   <a:solidFill>
                     <a:srgbClr val="000000"/>
                   </a:solidFill>
@@ -28480,7 +28604,7 @@
             </a:ln>
             <a:extLst>
               <a:ext uri="{91240B29-F687-4f45-9708-019B960494DF}">
-                <a14:hiddenLine xmlns:p14="http://schemas.microsoft.com/office/powerpoint/2010/main" xmlns:a14="http://schemas.microsoft.com/office/drawing/2010/main" xmlns:a16="http://schemas.microsoft.com/office/drawing/2014/main" xmlns="" w="9525">
+                <a14:hiddenLine xmlns="" xmlns:a16="http://schemas.microsoft.com/office/drawing/2014/main" xmlns:a14="http://schemas.microsoft.com/office/drawing/2010/main" xmlns:p14="http://schemas.microsoft.com/office/powerpoint/2010/main" w="9525">
                   <a:solidFill>
                     <a:srgbClr val="000000"/>
                   </a:solidFill>
@@ -28560,7 +28684,7 @@
             </a:ln>
             <a:extLst>
               <a:ext uri="{91240B29-F687-4f45-9708-019B960494DF}">
-                <a14:hiddenLine xmlns:p14="http://schemas.microsoft.com/office/powerpoint/2010/main" xmlns:a14="http://schemas.microsoft.com/office/drawing/2010/main" xmlns:a16="http://schemas.microsoft.com/office/drawing/2014/main" xmlns="" w="9525">
+                <a14:hiddenLine xmlns="" xmlns:a16="http://schemas.microsoft.com/office/drawing/2014/main" xmlns:a14="http://schemas.microsoft.com/office/drawing/2010/main" xmlns:p14="http://schemas.microsoft.com/office/powerpoint/2010/main" w="9525">
                   <a:solidFill>
                     <a:srgbClr val="000000"/>
                   </a:solidFill>
@@ -28665,7 +28789,7 @@
             </a:ln>
             <a:extLst>
               <a:ext uri="{91240B29-F687-4f45-9708-019B960494DF}">
-                <a14:hiddenLine xmlns:p14="http://schemas.microsoft.com/office/powerpoint/2010/main" xmlns:a14="http://schemas.microsoft.com/office/drawing/2010/main" xmlns:a16="http://schemas.microsoft.com/office/drawing/2014/main" xmlns="" w="9525">
+                <a14:hiddenLine xmlns="" xmlns:a16="http://schemas.microsoft.com/office/drawing/2014/main" xmlns:a14="http://schemas.microsoft.com/office/drawing/2010/main" xmlns:p14="http://schemas.microsoft.com/office/powerpoint/2010/main" w="9525">
                   <a:solidFill>
                     <a:srgbClr val="000000"/>
                   </a:solidFill>
@@ -28742,7 +28866,7 @@
             </a:ln>
             <a:extLst>
               <a:ext uri="{91240B29-F687-4f45-9708-019B960494DF}">
-                <a14:hiddenLine xmlns:p14="http://schemas.microsoft.com/office/powerpoint/2010/main" xmlns:a14="http://schemas.microsoft.com/office/drawing/2010/main" xmlns:a16="http://schemas.microsoft.com/office/drawing/2014/main" xmlns="" w="9525">
+                <a14:hiddenLine xmlns="" xmlns:a16="http://schemas.microsoft.com/office/drawing/2014/main" xmlns:a14="http://schemas.microsoft.com/office/drawing/2010/main" xmlns:p14="http://schemas.microsoft.com/office/powerpoint/2010/main" w="9525">
                   <a:solidFill>
                     <a:srgbClr val="000000"/>
                   </a:solidFill>
@@ -28847,7 +28971,7 @@
             </a:ln>
             <a:extLst>
               <a:ext uri="{91240B29-F687-4f45-9708-019B960494DF}">
-                <a14:hiddenLine xmlns:p14="http://schemas.microsoft.com/office/powerpoint/2010/main" xmlns:a14="http://schemas.microsoft.com/office/drawing/2010/main" xmlns:a16="http://schemas.microsoft.com/office/drawing/2014/main" xmlns="" w="9525">
+                <a14:hiddenLine xmlns="" xmlns:a16="http://schemas.microsoft.com/office/drawing/2014/main" xmlns:a14="http://schemas.microsoft.com/office/drawing/2010/main" xmlns:p14="http://schemas.microsoft.com/office/powerpoint/2010/main" w="9525">
                   <a:solidFill>
                     <a:srgbClr val="000000"/>
                   </a:solidFill>
@@ -28952,7 +29076,7 @@
             </a:ln>
             <a:extLst>
               <a:ext uri="{91240B29-F687-4f45-9708-019B960494DF}">
-                <a14:hiddenLine xmlns:p14="http://schemas.microsoft.com/office/powerpoint/2010/main" xmlns:a14="http://schemas.microsoft.com/office/drawing/2010/main" xmlns:a16="http://schemas.microsoft.com/office/drawing/2014/main" xmlns="" w="9525">
+                <a14:hiddenLine xmlns="" xmlns:a16="http://schemas.microsoft.com/office/drawing/2014/main" xmlns:a14="http://schemas.microsoft.com/office/drawing/2010/main" xmlns:p14="http://schemas.microsoft.com/office/powerpoint/2010/main" w="9525">
                   <a:solidFill>
                     <a:srgbClr val="000000"/>
                   </a:solidFill>
@@ -29032,7 +29156,7 @@
             </a:ln>
             <a:extLst>
               <a:ext uri="{91240B29-F687-4f45-9708-019B960494DF}">
-                <a14:hiddenLine xmlns:p14="http://schemas.microsoft.com/office/powerpoint/2010/main" xmlns:a14="http://schemas.microsoft.com/office/drawing/2010/main" xmlns:a16="http://schemas.microsoft.com/office/drawing/2014/main" xmlns="" w="9525">
+                <a14:hiddenLine xmlns="" xmlns:a16="http://schemas.microsoft.com/office/drawing/2014/main" xmlns:a14="http://schemas.microsoft.com/office/drawing/2010/main" xmlns:p14="http://schemas.microsoft.com/office/powerpoint/2010/main" w="9525">
                   <a:solidFill>
                     <a:srgbClr val="000000"/>
                   </a:solidFill>
@@ -29109,7 +29233,7 @@
             </a:ln>
             <a:extLst>
               <a:ext uri="{91240B29-F687-4f45-9708-019B960494DF}">
-                <a14:hiddenLine xmlns:p14="http://schemas.microsoft.com/office/powerpoint/2010/main" xmlns:a14="http://schemas.microsoft.com/office/drawing/2010/main" xmlns:a16="http://schemas.microsoft.com/office/drawing/2014/main" xmlns="" w="9525">
+                <a14:hiddenLine xmlns="" xmlns:a16="http://schemas.microsoft.com/office/drawing/2014/main" xmlns:a14="http://schemas.microsoft.com/office/drawing/2010/main" xmlns:p14="http://schemas.microsoft.com/office/powerpoint/2010/main" w="9525">
                   <a:solidFill>
                     <a:srgbClr val="000000"/>
                   </a:solidFill>
@@ -29214,7 +29338,7 @@
             </a:ln>
             <a:extLst>
               <a:ext uri="{91240B29-F687-4f45-9708-019B960494DF}">
-                <a14:hiddenLine xmlns:p14="http://schemas.microsoft.com/office/powerpoint/2010/main" xmlns:a14="http://schemas.microsoft.com/office/drawing/2010/main" xmlns:a16="http://schemas.microsoft.com/office/drawing/2014/main" xmlns="" w="9525">
+                <a14:hiddenLine xmlns="" xmlns:a16="http://schemas.microsoft.com/office/drawing/2014/main" xmlns:a14="http://schemas.microsoft.com/office/drawing/2010/main" xmlns:p14="http://schemas.microsoft.com/office/powerpoint/2010/main" w="9525">
                   <a:solidFill>
                     <a:srgbClr val="000000"/>
                   </a:solidFill>
@@ -29319,7 +29443,7 @@
             </a:ln>
             <a:extLst>
               <a:ext uri="{91240B29-F687-4f45-9708-019B960494DF}">
-                <a14:hiddenLine xmlns:p14="http://schemas.microsoft.com/office/powerpoint/2010/main" xmlns:a14="http://schemas.microsoft.com/office/drawing/2010/main" xmlns:a16="http://schemas.microsoft.com/office/drawing/2014/main" xmlns="" w="9525">
+                <a14:hiddenLine xmlns="" xmlns:a16="http://schemas.microsoft.com/office/drawing/2014/main" xmlns:a14="http://schemas.microsoft.com/office/drawing/2010/main" xmlns:p14="http://schemas.microsoft.com/office/powerpoint/2010/main" w="9525">
                   <a:solidFill>
                     <a:srgbClr val="000000"/>
                   </a:solidFill>
@@ -29396,7 +29520,7 @@
             </a:ln>
             <a:extLst>
               <a:ext uri="{91240B29-F687-4f45-9708-019B960494DF}">
-                <a14:hiddenLine xmlns:p14="http://schemas.microsoft.com/office/powerpoint/2010/main" xmlns:a14="http://schemas.microsoft.com/office/drawing/2010/main" xmlns:a16="http://schemas.microsoft.com/office/drawing/2014/main" xmlns="" w="9525">
+                <a14:hiddenLine xmlns="" xmlns:a16="http://schemas.microsoft.com/office/drawing/2014/main" xmlns:a14="http://schemas.microsoft.com/office/drawing/2010/main" xmlns:p14="http://schemas.microsoft.com/office/powerpoint/2010/main" w="9525">
                   <a:solidFill>
                     <a:srgbClr val="000000"/>
                   </a:solidFill>
@@ -29531,7 +29655,7 @@
             </a:ln>
             <a:extLst>
               <a:ext uri="{91240B29-F687-4f45-9708-019B960494DF}">
-                <a14:hiddenLine xmlns:p14="http://schemas.microsoft.com/office/powerpoint/2010/main" xmlns:a14="http://schemas.microsoft.com/office/drawing/2010/main" xmlns:a16="http://schemas.microsoft.com/office/drawing/2014/main" xmlns="" w="9525">
+                <a14:hiddenLine xmlns="" xmlns:a16="http://schemas.microsoft.com/office/drawing/2014/main" xmlns:a14="http://schemas.microsoft.com/office/drawing/2010/main" xmlns:p14="http://schemas.microsoft.com/office/powerpoint/2010/main" w="9525">
                   <a:solidFill>
                     <a:srgbClr val="000000"/>
                   </a:solidFill>
@@ -29614,7 +29738,7 @@
             </a:ln>
             <a:extLst>
               <a:ext uri="{91240B29-F687-4f45-9708-019B960494DF}">
-                <a14:hiddenLine xmlns:p14="http://schemas.microsoft.com/office/powerpoint/2010/main" xmlns:a14="http://schemas.microsoft.com/office/drawing/2010/main" xmlns:a16="http://schemas.microsoft.com/office/drawing/2014/main" xmlns="" w="9525">
+                <a14:hiddenLine xmlns="" xmlns:a16="http://schemas.microsoft.com/office/drawing/2014/main" xmlns:a14="http://schemas.microsoft.com/office/drawing/2010/main" xmlns:p14="http://schemas.microsoft.com/office/powerpoint/2010/main" w="9525">
                   <a:solidFill>
                     <a:srgbClr val="000000"/>
                   </a:solidFill>
@@ -29719,7 +29843,7 @@
             </a:ln>
             <a:extLst>
               <a:ext uri="{91240B29-F687-4f45-9708-019B960494DF}">
-                <a14:hiddenLine xmlns:p14="http://schemas.microsoft.com/office/powerpoint/2010/main" xmlns:a14="http://schemas.microsoft.com/office/drawing/2010/main" xmlns:a16="http://schemas.microsoft.com/office/drawing/2014/main" xmlns="" w="9525">
+                <a14:hiddenLine xmlns="" xmlns:a16="http://schemas.microsoft.com/office/drawing/2014/main" xmlns:a14="http://schemas.microsoft.com/office/drawing/2010/main" xmlns:p14="http://schemas.microsoft.com/office/powerpoint/2010/main" w="9525">
                   <a:solidFill>
                     <a:srgbClr val="000000"/>
                   </a:solidFill>
@@ -29985,13 +30109,13 @@
   <p:clrMapOvr>
     <a:masterClrMapping/>
   </p:clrMapOvr>
-  <mc:AlternateContent xmlns:mc="http://schemas.openxmlformats.org/markup-compatibility/2006" xmlns:p14="http://schemas.microsoft.com/office/powerpoint/2010/main">
-    <mc:Choice Requires="p14">
+  <mc:AlternateContent xmlns:mc="http://schemas.openxmlformats.org/markup-compatibility/2006">
+    <mc:Choice xmlns:p14="http://schemas.microsoft.com/office/powerpoint/2010/main" Requires="p14">
       <p:transition spd="med" p14:dur="700">
         <p:fade/>
       </p:transition>
     </mc:Choice>
-    <mc:Fallback xmlns="">
+    <mc:Fallback>
       <p:transition spd="med">
         <p:fade/>
       </p:transition>
@@ -30197,7 +30321,7 @@
               </a:ln>
               <a:extLst>
                 <a:ext uri="{91240B29-F687-4f45-9708-019B960494DF}">
-                  <a14:hiddenLine xmlns="" xmlns:a16="http://schemas.microsoft.com/office/drawing/2014/main" xmlns:p14="http://schemas.microsoft.com/office/powerpoint/2010/main" xmlns:a14="http://schemas.microsoft.com/office/drawing/2010/main" w="9525">
+                  <a14:hiddenLine xmlns:a14="http://schemas.microsoft.com/office/drawing/2010/main" xmlns:p14="http://schemas.microsoft.com/office/powerpoint/2010/main" xmlns:a16="http://schemas.microsoft.com/office/drawing/2014/main" xmlns="" w="9525">
                     <a:solidFill>
                       <a:srgbClr val="000000"/>
                     </a:solidFill>
@@ -30302,7 +30426,7 @@
               </a:ln>
               <a:extLst>
                 <a:ext uri="{91240B29-F687-4f45-9708-019B960494DF}">
-                  <a14:hiddenLine xmlns="" xmlns:a16="http://schemas.microsoft.com/office/drawing/2014/main" xmlns:p14="http://schemas.microsoft.com/office/powerpoint/2010/main" xmlns:a14="http://schemas.microsoft.com/office/drawing/2010/main" w="9525">
+                  <a14:hiddenLine xmlns:a14="http://schemas.microsoft.com/office/drawing/2010/main" xmlns:p14="http://schemas.microsoft.com/office/powerpoint/2010/main" xmlns:a16="http://schemas.microsoft.com/office/drawing/2014/main" xmlns="" w="9525">
                     <a:solidFill>
                       <a:srgbClr val="000000"/>
                     </a:solidFill>
@@ -30407,7 +30531,7 @@
               </a:ln>
               <a:extLst>
                 <a:ext uri="{91240B29-F687-4f45-9708-019B960494DF}">
-                  <a14:hiddenLine xmlns="" xmlns:a16="http://schemas.microsoft.com/office/drawing/2014/main" xmlns:p14="http://schemas.microsoft.com/office/powerpoint/2010/main" xmlns:a14="http://schemas.microsoft.com/office/drawing/2010/main" w="9525">
+                  <a14:hiddenLine xmlns:a14="http://schemas.microsoft.com/office/drawing/2010/main" xmlns:p14="http://schemas.microsoft.com/office/powerpoint/2010/main" xmlns:a16="http://schemas.microsoft.com/office/drawing/2014/main" xmlns="" w="9525">
                     <a:solidFill>
                       <a:srgbClr val="000000"/>
                     </a:solidFill>
@@ -30484,7 +30608,7 @@
               </a:ln>
               <a:extLst>
                 <a:ext uri="{91240B29-F687-4f45-9708-019B960494DF}">
-                  <a14:hiddenLine xmlns="" xmlns:a16="http://schemas.microsoft.com/office/drawing/2014/main" xmlns:p14="http://schemas.microsoft.com/office/powerpoint/2010/main" xmlns:a14="http://schemas.microsoft.com/office/drawing/2010/main" w="9525">
+                  <a14:hiddenLine xmlns:a14="http://schemas.microsoft.com/office/drawing/2010/main" xmlns:p14="http://schemas.microsoft.com/office/powerpoint/2010/main" xmlns:a16="http://schemas.microsoft.com/office/drawing/2014/main" xmlns="" w="9525">
                     <a:solidFill>
                       <a:srgbClr val="000000"/>
                     </a:solidFill>
@@ -30589,7 +30713,7 @@
               </a:ln>
               <a:extLst>
                 <a:ext uri="{91240B29-F687-4f45-9708-019B960494DF}">
-                  <a14:hiddenLine xmlns="" xmlns:a16="http://schemas.microsoft.com/office/drawing/2014/main" xmlns:p14="http://schemas.microsoft.com/office/powerpoint/2010/main" xmlns:a14="http://schemas.microsoft.com/office/drawing/2010/main" w="9525">
+                  <a14:hiddenLine xmlns:a14="http://schemas.microsoft.com/office/drawing/2010/main" xmlns:p14="http://schemas.microsoft.com/office/powerpoint/2010/main" xmlns:a16="http://schemas.microsoft.com/office/drawing/2014/main" xmlns="" w="9525">
                     <a:solidFill>
                       <a:srgbClr val="000000"/>
                     </a:solidFill>
@@ -30666,7 +30790,7 @@
               </a:ln>
               <a:extLst>
                 <a:ext uri="{91240B29-F687-4f45-9708-019B960494DF}">
-                  <a14:hiddenLine xmlns="" xmlns:a16="http://schemas.microsoft.com/office/drawing/2014/main" xmlns:p14="http://schemas.microsoft.com/office/powerpoint/2010/main" xmlns:a14="http://schemas.microsoft.com/office/drawing/2010/main" w="9525">
+                  <a14:hiddenLine xmlns:a14="http://schemas.microsoft.com/office/drawing/2010/main" xmlns:p14="http://schemas.microsoft.com/office/powerpoint/2010/main" xmlns:a16="http://schemas.microsoft.com/office/drawing/2014/main" xmlns="" w="9525">
                     <a:solidFill>
                       <a:srgbClr val="000000"/>
                     </a:solidFill>
@@ -30743,7 +30867,7 @@
               </a:ln>
               <a:extLst>
                 <a:ext uri="{91240B29-F687-4f45-9708-019B960494DF}">
-                  <a14:hiddenLine xmlns="" xmlns:a16="http://schemas.microsoft.com/office/drawing/2014/main" xmlns:p14="http://schemas.microsoft.com/office/powerpoint/2010/main" xmlns:a14="http://schemas.microsoft.com/office/drawing/2010/main" w="9525">
+                  <a14:hiddenLine xmlns:a14="http://schemas.microsoft.com/office/drawing/2010/main" xmlns:p14="http://schemas.microsoft.com/office/powerpoint/2010/main" xmlns:a16="http://schemas.microsoft.com/office/drawing/2014/main" xmlns="" w="9525">
                     <a:solidFill>
                       <a:srgbClr val="000000"/>
                     </a:solidFill>
@@ -30848,7 +30972,7 @@
               </a:ln>
               <a:extLst>
                 <a:ext uri="{91240B29-F687-4f45-9708-019B960494DF}">
-                  <a14:hiddenLine xmlns="" xmlns:a16="http://schemas.microsoft.com/office/drawing/2014/main" xmlns:p14="http://schemas.microsoft.com/office/powerpoint/2010/main" xmlns:a14="http://schemas.microsoft.com/office/drawing/2010/main" w="9525">
+                  <a14:hiddenLine xmlns:a14="http://schemas.microsoft.com/office/drawing/2010/main" xmlns:p14="http://schemas.microsoft.com/office/powerpoint/2010/main" xmlns:a16="http://schemas.microsoft.com/office/drawing/2014/main" xmlns="" w="9525">
                     <a:solidFill>
                       <a:srgbClr val="000000"/>
                     </a:solidFill>
@@ -30953,7 +31077,7 @@
               </a:ln>
               <a:extLst>
                 <a:ext uri="{91240B29-F687-4f45-9708-019B960494DF}">
-                  <a14:hiddenLine xmlns="" xmlns:a16="http://schemas.microsoft.com/office/drawing/2014/main" xmlns:p14="http://schemas.microsoft.com/office/powerpoint/2010/main" xmlns:a14="http://schemas.microsoft.com/office/drawing/2010/main" w="9525">
+                  <a14:hiddenLine xmlns:a14="http://schemas.microsoft.com/office/drawing/2010/main" xmlns:p14="http://schemas.microsoft.com/office/powerpoint/2010/main" xmlns:a16="http://schemas.microsoft.com/office/drawing/2014/main" xmlns="" w="9525">
                     <a:solidFill>
                       <a:srgbClr val="000000"/>
                     </a:solidFill>
@@ -31030,7 +31154,7 @@
               </a:ln>
               <a:extLst>
                 <a:ext uri="{91240B29-F687-4f45-9708-019B960494DF}">
-                  <a14:hiddenLine xmlns="" xmlns:a16="http://schemas.microsoft.com/office/drawing/2014/main" xmlns:p14="http://schemas.microsoft.com/office/powerpoint/2010/main" xmlns:a14="http://schemas.microsoft.com/office/drawing/2010/main" w="9525">
+                  <a14:hiddenLine xmlns:a14="http://schemas.microsoft.com/office/drawing/2010/main" xmlns:p14="http://schemas.microsoft.com/office/powerpoint/2010/main" xmlns:a16="http://schemas.microsoft.com/office/drawing/2014/main" xmlns="" w="9525">
                     <a:solidFill>
                       <a:srgbClr val="000000"/>
                     </a:solidFill>
@@ -31155,7 +31279,7 @@
               </a:ln>
               <a:extLst>
                 <a:ext uri="{91240B29-F687-4f45-9708-019B960494DF}">
-                  <a14:hiddenLine xmlns="" xmlns:a16="http://schemas.microsoft.com/office/drawing/2014/main" xmlns:p14="http://schemas.microsoft.com/office/powerpoint/2010/main" xmlns:a14="http://schemas.microsoft.com/office/drawing/2010/main" w="9525">
+                  <a14:hiddenLine xmlns:a14="http://schemas.microsoft.com/office/drawing/2010/main" xmlns:p14="http://schemas.microsoft.com/office/powerpoint/2010/main" xmlns:a16="http://schemas.microsoft.com/office/drawing/2014/main" xmlns="" w="9525">
                     <a:solidFill>
                       <a:srgbClr val="000000"/>
                     </a:solidFill>
@@ -31269,7 +31393,7 @@
               </a:ln>
               <a:extLst>
                 <a:ext uri="{91240B29-F687-4f45-9708-019B960494DF}">
-                  <a14:hiddenLine xmlns="" xmlns:a16="http://schemas.microsoft.com/office/drawing/2014/main" xmlns:p14="http://schemas.microsoft.com/office/powerpoint/2010/main" xmlns:a14="http://schemas.microsoft.com/office/drawing/2010/main" w="9525">
+                  <a14:hiddenLine xmlns:a14="http://schemas.microsoft.com/office/drawing/2010/main" xmlns:p14="http://schemas.microsoft.com/office/powerpoint/2010/main" xmlns:a16="http://schemas.microsoft.com/office/drawing/2014/main" xmlns="" w="9525">
                     <a:solidFill>
                       <a:srgbClr val="000000"/>
                     </a:solidFill>
@@ -31346,7 +31470,7 @@
               </a:ln>
               <a:extLst>
                 <a:ext uri="{91240B29-F687-4f45-9708-019B960494DF}">
-                  <a14:hiddenLine xmlns="" xmlns:a16="http://schemas.microsoft.com/office/drawing/2014/main" xmlns:p14="http://schemas.microsoft.com/office/powerpoint/2010/main" xmlns:a14="http://schemas.microsoft.com/office/drawing/2010/main" w="9525">
+                  <a14:hiddenLine xmlns:a14="http://schemas.microsoft.com/office/drawing/2010/main" xmlns:p14="http://schemas.microsoft.com/office/powerpoint/2010/main" xmlns:a16="http://schemas.microsoft.com/office/drawing/2014/main" xmlns="" w="9525">
                     <a:solidFill>
                       <a:srgbClr val="000000"/>
                     </a:solidFill>
@@ -31423,7 +31547,7 @@
               </a:ln>
               <a:extLst>
                 <a:ext uri="{91240B29-F687-4f45-9708-019B960494DF}">
-                  <a14:hiddenLine xmlns="" xmlns:a16="http://schemas.microsoft.com/office/drawing/2014/main" xmlns:p14="http://schemas.microsoft.com/office/powerpoint/2010/main" xmlns:a14="http://schemas.microsoft.com/office/drawing/2010/main" w="9525">
+                  <a14:hiddenLine xmlns:a14="http://schemas.microsoft.com/office/drawing/2010/main" xmlns:p14="http://schemas.microsoft.com/office/powerpoint/2010/main" xmlns:a16="http://schemas.microsoft.com/office/drawing/2014/main" xmlns="" w="9525">
                     <a:solidFill>
                       <a:srgbClr val="000000"/>
                     </a:solidFill>
@@ -31528,7 +31652,7 @@
               </a:ln>
               <a:extLst>
                 <a:ext uri="{91240B29-F687-4f45-9708-019B960494DF}">
-                  <a14:hiddenLine xmlns="" xmlns:a16="http://schemas.microsoft.com/office/drawing/2014/main" xmlns:p14="http://schemas.microsoft.com/office/powerpoint/2010/main" xmlns:a14="http://schemas.microsoft.com/office/drawing/2010/main" w="9525">
+                  <a14:hiddenLine xmlns:a14="http://schemas.microsoft.com/office/drawing/2010/main" xmlns:p14="http://schemas.microsoft.com/office/powerpoint/2010/main" xmlns:a16="http://schemas.microsoft.com/office/drawing/2014/main" xmlns="" w="9525">
                     <a:solidFill>
                       <a:srgbClr val="000000"/>
                     </a:solidFill>
@@ -31577,7 +31701,7 @@
               </a:ln>
               <a:extLst>
                 <a:ext uri="{91240B29-F687-4f45-9708-019B960494DF}">
-                  <a14:hiddenLine xmlns="" xmlns:a16="http://schemas.microsoft.com/office/drawing/2014/main" xmlns:p14="http://schemas.microsoft.com/office/powerpoint/2010/main" xmlns:a14="http://schemas.microsoft.com/office/drawing/2010/main" w="9525">
+                  <a14:hiddenLine xmlns:a14="http://schemas.microsoft.com/office/drawing/2010/main" xmlns:p14="http://schemas.microsoft.com/office/powerpoint/2010/main" xmlns:a16="http://schemas.microsoft.com/office/drawing/2014/main" xmlns="" w="9525">
                     <a:solidFill>
                       <a:srgbClr val="000000"/>
                     </a:solidFill>
@@ -31657,7 +31781,7 @@
               </a:ln>
               <a:extLst>
                 <a:ext uri="{91240B29-F687-4f45-9708-019B960494DF}">
-                  <a14:hiddenLine xmlns="" xmlns:a16="http://schemas.microsoft.com/office/drawing/2014/main" xmlns:p14="http://schemas.microsoft.com/office/powerpoint/2010/main" xmlns:a14="http://schemas.microsoft.com/office/drawing/2010/main" w="9525">
+                  <a14:hiddenLine xmlns:a14="http://schemas.microsoft.com/office/drawing/2010/main" xmlns:p14="http://schemas.microsoft.com/office/powerpoint/2010/main" xmlns:a16="http://schemas.microsoft.com/office/drawing/2014/main" xmlns="" w="9525">
                     <a:solidFill>
                       <a:srgbClr val="000000"/>
                     </a:solidFill>
@@ -31762,7 +31886,7 @@
               </a:ln>
               <a:extLst>
                 <a:ext uri="{91240B29-F687-4f45-9708-019B960494DF}">
-                  <a14:hiddenLine xmlns="" xmlns:a16="http://schemas.microsoft.com/office/drawing/2014/main" xmlns:p14="http://schemas.microsoft.com/office/powerpoint/2010/main" xmlns:a14="http://schemas.microsoft.com/office/drawing/2010/main" w="9525">
+                  <a14:hiddenLine xmlns:a14="http://schemas.microsoft.com/office/drawing/2010/main" xmlns:p14="http://schemas.microsoft.com/office/powerpoint/2010/main" xmlns:a16="http://schemas.microsoft.com/office/drawing/2014/main" xmlns="" w="9525">
                     <a:solidFill>
                       <a:srgbClr val="000000"/>
                     </a:solidFill>
@@ -31839,7 +31963,7 @@
               </a:ln>
               <a:extLst>
                 <a:ext uri="{91240B29-F687-4f45-9708-019B960494DF}">
-                  <a14:hiddenLine xmlns="" xmlns:a16="http://schemas.microsoft.com/office/drawing/2014/main" xmlns:p14="http://schemas.microsoft.com/office/powerpoint/2010/main" xmlns:a14="http://schemas.microsoft.com/office/drawing/2010/main" w="9525">
+                  <a14:hiddenLine xmlns:a14="http://schemas.microsoft.com/office/drawing/2010/main" xmlns:p14="http://schemas.microsoft.com/office/powerpoint/2010/main" xmlns:a16="http://schemas.microsoft.com/office/drawing/2014/main" xmlns="" w="9525">
                     <a:solidFill>
                       <a:srgbClr val="000000"/>
                     </a:solidFill>
@@ -31944,7 +32068,7 @@
               </a:ln>
               <a:extLst>
                 <a:ext uri="{91240B29-F687-4f45-9708-019B960494DF}">
-                  <a14:hiddenLine xmlns="" xmlns:a16="http://schemas.microsoft.com/office/drawing/2014/main" xmlns:p14="http://schemas.microsoft.com/office/powerpoint/2010/main" xmlns:a14="http://schemas.microsoft.com/office/drawing/2010/main" w="9525">
+                  <a14:hiddenLine xmlns:a14="http://schemas.microsoft.com/office/drawing/2010/main" xmlns:p14="http://schemas.microsoft.com/office/powerpoint/2010/main" xmlns:a16="http://schemas.microsoft.com/office/drawing/2014/main" xmlns="" w="9525">
                     <a:solidFill>
                       <a:srgbClr val="000000"/>
                     </a:solidFill>
@@ -32024,7 +32148,7 @@
               </a:ln>
               <a:extLst>
                 <a:ext uri="{91240B29-F687-4f45-9708-019B960494DF}">
-                  <a14:hiddenLine xmlns="" xmlns:a16="http://schemas.microsoft.com/office/drawing/2014/main" xmlns:p14="http://schemas.microsoft.com/office/powerpoint/2010/main" xmlns:a14="http://schemas.microsoft.com/office/drawing/2010/main" w="9525">
+                  <a14:hiddenLine xmlns:a14="http://schemas.microsoft.com/office/drawing/2010/main" xmlns:p14="http://schemas.microsoft.com/office/powerpoint/2010/main" xmlns:a16="http://schemas.microsoft.com/office/drawing/2014/main" xmlns="" w="9525">
                     <a:solidFill>
                       <a:srgbClr val="000000"/>
                     </a:solidFill>
@@ -32101,7 +32225,7 @@
               </a:ln>
               <a:extLst>
                 <a:ext uri="{91240B29-F687-4f45-9708-019B960494DF}">
-                  <a14:hiddenLine xmlns="" xmlns:a16="http://schemas.microsoft.com/office/drawing/2014/main" xmlns:p14="http://schemas.microsoft.com/office/powerpoint/2010/main" xmlns:a14="http://schemas.microsoft.com/office/drawing/2010/main" w="9525">
+                  <a14:hiddenLine xmlns:a14="http://schemas.microsoft.com/office/drawing/2010/main" xmlns:p14="http://schemas.microsoft.com/office/powerpoint/2010/main" xmlns:a16="http://schemas.microsoft.com/office/drawing/2014/main" xmlns="" w="9525">
                     <a:solidFill>
                       <a:srgbClr val="000000"/>
                     </a:solidFill>
@@ -32206,7 +32330,7 @@
               </a:ln>
               <a:extLst>
                 <a:ext uri="{91240B29-F687-4f45-9708-019B960494DF}">
-                  <a14:hiddenLine xmlns="" xmlns:a16="http://schemas.microsoft.com/office/drawing/2014/main" xmlns:p14="http://schemas.microsoft.com/office/powerpoint/2010/main" xmlns:a14="http://schemas.microsoft.com/office/drawing/2010/main" w="9525">
+                  <a14:hiddenLine xmlns:a14="http://schemas.microsoft.com/office/drawing/2010/main" xmlns:p14="http://schemas.microsoft.com/office/powerpoint/2010/main" xmlns:a16="http://schemas.microsoft.com/office/drawing/2014/main" xmlns="" w="9525">
                     <a:solidFill>
                       <a:srgbClr val="000000"/>
                     </a:solidFill>
@@ -32311,7 +32435,7 @@
               </a:ln>
               <a:extLst>
                 <a:ext uri="{91240B29-F687-4f45-9708-019B960494DF}">
-                  <a14:hiddenLine xmlns="" xmlns:a16="http://schemas.microsoft.com/office/drawing/2014/main" xmlns:p14="http://schemas.microsoft.com/office/powerpoint/2010/main" xmlns:a14="http://schemas.microsoft.com/office/drawing/2010/main" w="9525">
+                  <a14:hiddenLine xmlns:a14="http://schemas.microsoft.com/office/drawing/2010/main" xmlns:p14="http://schemas.microsoft.com/office/powerpoint/2010/main" xmlns:a16="http://schemas.microsoft.com/office/drawing/2014/main" xmlns="" w="9525">
                     <a:solidFill>
                       <a:srgbClr val="000000"/>
                     </a:solidFill>
@@ -32391,7 +32515,7 @@
               </a:ln>
               <a:extLst>
                 <a:ext uri="{91240B29-F687-4f45-9708-019B960494DF}">
-                  <a14:hiddenLine xmlns="" xmlns:a16="http://schemas.microsoft.com/office/drawing/2014/main" xmlns:p14="http://schemas.microsoft.com/office/powerpoint/2010/main" xmlns:a14="http://schemas.microsoft.com/office/drawing/2010/main" w="9525">
+                  <a14:hiddenLine xmlns:a14="http://schemas.microsoft.com/office/drawing/2010/main" xmlns:p14="http://schemas.microsoft.com/office/powerpoint/2010/main" xmlns:a16="http://schemas.microsoft.com/office/drawing/2014/main" xmlns="" w="9525">
                     <a:solidFill>
                       <a:srgbClr val="000000"/>
                     </a:solidFill>
@@ -32526,7 +32650,7 @@
               </a:ln>
               <a:extLst>
                 <a:ext uri="{91240B29-F687-4f45-9708-019B960494DF}">
-                  <a14:hiddenLine xmlns="" xmlns:a16="http://schemas.microsoft.com/office/drawing/2014/main" xmlns:p14="http://schemas.microsoft.com/office/powerpoint/2010/main" xmlns:a14="http://schemas.microsoft.com/office/drawing/2010/main" w="9525">
+                  <a14:hiddenLine xmlns:a14="http://schemas.microsoft.com/office/drawing/2010/main" xmlns:p14="http://schemas.microsoft.com/office/powerpoint/2010/main" xmlns:a16="http://schemas.microsoft.com/office/drawing/2014/main" xmlns="" w="9525">
                     <a:solidFill>
                       <a:srgbClr val="000000"/>
                     </a:solidFill>
@@ -32651,7 +32775,7 @@
               </a:ln>
               <a:extLst>
                 <a:ext uri="{91240B29-F687-4f45-9708-019B960494DF}">
-                  <a14:hiddenLine xmlns="" xmlns:a16="http://schemas.microsoft.com/office/drawing/2014/main" xmlns:p14="http://schemas.microsoft.com/office/powerpoint/2010/main" xmlns:a14="http://schemas.microsoft.com/office/drawing/2010/main" w="9525">
+                  <a14:hiddenLine xmlns:a14="http://schemas.microsoft.com/office/drawing/2010/main" xmlns:p14="http://schemas.microsoft.com/office/powerpoint/2010/main" xmlns:a16="http://schemas.microsoft.com/office/drawing/2014/main" xmlns="" w="9525">
                     <a:solidFill>
                       <a:srgbClr val="000000"/>
                     </a:solidFill>
@@ -32781,7 +32905,7 @@
               </a:ln>
               <a:extLst>
                 <a:ext uri="{91240B29-F687-4f45-9708-019B960494DF}">
-                  <a14:hiddenLine xmlns="" xmlns:a16="http://schemas.microsoft.com/office/drawing/2014/main" xmlns:p14="http://schemas.microsoft.com/office/powerpoint/2010/main" xmlns:a14="http://schemas.microsoft.com/office/drawing/2010/main" w="9525">
+                  <a14:hiddenLine xmlns:a14="http://schemas.microsoft.com/office/drawing/2010/main" xmlns:p14="http://schemas.microsoft.com/office/powerpoint/2010/main" xmlns:a16="http://schemas.microsoft.com/office/drawing/2014/main" xmlns="" w="9525">
                     <a:solidFill>
                       <a:srgbClr val="000000"/>
                     </a:solidFill>
@@ -32886,7 +33010,7 @@
               </a:ln>
               <a:extLst>
                 <a:ext uri="{91240B29-F687-4f45-9708-019B960494DF}">
-                  <a14:hiddenLine xmlns="" xmlns:a16="http://schemas.microsoft.com/office/drawing/2014/main" xmlns:p14="http://schemas.microsoft.com/office/powerpoint/2010/main" xmlns:a14="http://schemas.microsoft.com/office/drawing/2010/main" w="9525">
+                  <a14:hiddenLine xmlns:a14="http://schemas.microsoft.com/office/drawing/2010/main" xmlns:p14="http://schemas.microsoft.com/office/powerpoint/2010/main" xmlns:a16="http://schemas.microsoft.com/office/drawing/2014/main" xmlns="" w="9525">
                     <a:solidFill>
                       <a:srgbClr val="000000"/>
                     </a:solidFill>
@@ -32966,7 +33090,7 @@
               </a:ln>
               <a:extLst>
                 <a:ext uri="{91240B29-F687-4f45-9708-019B960494DF}">
-                  <a14:hiddenLine xmlns="" xmlns:a16="http://schemas.microsoft.com/office/drawing/2014/main" xmlns:p14="http://schemas.microsoft.com/office/powerpoint/2010/main" xmlns:a14="http://schemas.microsoft.com/office/drawing/2010/main" w="9525">
+                  <a14:hiddenLine xmlns:a14="http://schemas.microsoft.com/office/drawing/2010/main" xmlns:p14="http://schemas.microsoft.com/office/powerpoint/2010/main" xmlns:a16="http://schemas.microsoft.com/office/drawing/2014/main" xmlns="" w="9525">
                     <a:solidFill>
                       <a:srgbClr val="000000"/>
                     </a:solidFill>
@@ -33071,7 +33195,7 @@
               </a:ln>
               <a:extLst>
                 <a:ext uri="{91240B29-F687-4f45-9708-019B960494DF}">
-                  <a14:hiddenLine xmlns="" xmlns:a16="http://schemas.microsoft.com/office/drawing/2014/main" xmlns:p14="http://schemas.microsoft.com/office/powerpoint/2010/main" xmlns:a14="http://schemas.microsoft.com/office/drawing/2010/main" w="9525">
+                  <a14:hiddenLine xmlns:a14="http://schemas.microsoft.com/office/drawing/2010/main" xmlns:p14="http://schemas.microsoft.com/office/powerpoint/2010/main" xmlns:a16="http://schemas.microsoft.com/office/drawing/2014/main" xmlns="" w="9525">
                     <a:solidFill>
                       <a:srgbClr val="000000"/>
                     </a:solidFill>
@@ -33154,7 +33278,7 @@
               </a:ln>
               <a:extLst>
                 <a:ext uri="{91240B29-F687-4f45-9708-019B960494DF}">
-                  <a14:hiddenLine xmlns="" xmlns:a16="http://schemas.microsoft.com/office/drawing/2014/main" xmlns:p14="http://schemas.microsoft.com/office/powerpoint/2010/main" xmlns:a14="http://schemas.microsoft.com/office/drawing/2010/main" w="9525">
+                  <a14:hiddenLine xmlns:a14="http://schemas.microsoft.com/office/drawing/2010/main" xmlns:p14="http://schemas.microsoft.com/office/powerpoint/2010/main" xmlns:a16="http://schemas.microsoft.com/office/drawing/2014/main" xmlns="" w="9525">
                     <a:solidFill>
                       <a:srgbClr val="000000"/>
                     </a:solidFill>
@@ -33259,7 +33383,7 @@
               </a:ln>
               <a:extLst>
                 <a:ext uri="{91240B29-F687-4f45-9708-019B960494DF}">
-                  <a14:hiddenLine xmlns="" xmlns:a16="http://schemas.microsoft.com/office/drawing/2014/main" xmlns:p14="http://schemas.microsoft.com/office/powerpoint/2010/main" xmlns:a14="http://schemas.microsoft.com/office/drawing/2010/main" w="9525">
+                  <a14:hiddenLine xmlns:a14="http://schemas.microsoft.com/office/drawing/2010/main" xmlns:p14="http://schemas.microsoft.com/office/powerpoint/2010/main" xmlns:a16="http://schemas.microsoft.com/office/drawing/2014/main" xmlns="" w="9525">
                     <a:solidFill>
                       <a:srgbClr val="000000"/>
                     </a:solidFill>
@@ -33342,7 +33466,7 @@
               </a:ln>
               <a:extLst>
                 <a:ext uri="{91240B29-F687-4f45-9708-019B960494DF}">
-                  <a14:hiddenLine xmlns="" xmlns:a16="http://schemas.microsoft.com/office/drawing/2014/main" xmlns:p14="http://schemas.microsoft.com/office/powerpoint/2010/main" xmlns:a14="http://schemas.microsoft.com/office/drawing/2010/main" w="9525">
+                  <a14:hiddenLine xmlns:a14="http://schemas.microsoft.com/office/drawing/2010/main" xmlns:p14="http://schemas.microsoft.com/office/powerpoint/2010/main" xmlns:a16="http://schemas.microsoft.com/office/drawing/2014/main" xmlns="" w="9525">
                     <a:solidFill>
                       <a:srgbClr val="000000"/>
                     </a:solidFill>
@@ -33447,7 +33571,7 @@
               </a:ln>
               <a:extLst>
                 <a:ext uri="{91240B29-F687-4f45-9708-019B960494DF}">
-                  <a14:hiddenLine xmlns="" xmlns:a16="http://schemas.microsoft.com/office/drawing/2014/main" xmlns:p14="http://schemas.microsoft.com/office/powerpoint/2010/main" xmlns:a14="http://schemas.microsoft.com/office/drawing/2010/main" w="9525">
+                  <a14:hiddenLine xmlns:a14="http://schemas.microsoft.com/office/drawing/2010/main" xmlns:p14="http://schemas.microsoft.com/office/powerpoint/2010/main" xmlns:a16="http://schemas.microsoft.com/office/drawing/2014/main" xmlns="" w="9525">
                     <a:solidFill>
                       <a:srgbClr val="000000"/>
                     </a:solidFill>
@@ -33496,7 +33620,7 @@
               </a:ln>
               <a:extLst>
                 <a:ext uri="{91240B29-F687-4f45-9708-019B960494DF}">
-                  <a14:hiddenLine xmlns="" xmlns:a16="http://schemas.microsoft.com/office/drawing/2014/main" xmlns:p14="http://schemas.microsoft.com/office/powerpoint/2010/main" xmlns:a14="http://schemas.microsoft.com/office/drawing/2010/main" w="9525">
+                  <a14:hiddenLine xmlns:a14="http://schemas.microsoft.com/office/drawing/2010/main" xmlns:p14="http://schemas.microsoft.com/office/powerpoint/2010/main" xmlns:a16="http://schemas.microsoft.com/office/drawing/2014/main" xmlns="" w="9525">
                     <a:solidFill>
                       <a:srgbClr val="000000"/>
                     </a:solidFill>
@@ -33558,7 +33682,7 @@
           <a:noFill/>
           <a:extLst>
             <a:ext uri="{909E8E84-426E-40dd-AFC4-6F175D3DCCD1}">
-              <a14:hiddenFill xmlns="" xmlns:a16="http://schemas.microsoft.com/office/drawing/2014/main" xmlns:p14="http://schemas.microsoft.com/office/powerpoint/2010/main" xmlns:a14="http://schemas.microsoft.com/office/drawing/2010/main">
+              <a14:hiddenFill xmlns:a14="http://schemas.microsoft.com/office/drawing/2010/main" xmlns:p14="http://schemas.microsoft.com/office/powerpoint/2010/main" xmlns:a16="http://schemas.microsoft.com/office/drawing/2014/main" xmlns="">
                 <a:solidFill>
                   <a:srgbClr val="FFFFFF"/>
                 </a:solidFill>
@@ -33746,7 +33870,7 @@
         <p:spPr>
           <a:xfrm>
             <a:off x="5128643" y="2249487"/>
-            <a:ext cx="3405757" cy="569913"/>
+            <a:ext cx="5695729" cy="2997201"/>
           </a:xfrm>
           <a:prstGeom prst="rect">
             <a:avLst/>
@@ -33754,7 +33878,7 @@
         </p:spPr>
         <p:txBody>
           <a:bodyPr vert="horz" lIns="91440" tIns="45720" rIns="91440" bIns="45720" rtlCol="0">
-            <a:normAutofit fontScale="70000" lnSpcReduction="20000"/>
+            <a:normAutofit/>
           </a:bodyPr>
           <a:lstStyle>
             <a:lvl1pPr marL="228600" indent="-228600" algn="l" defTabSz="914400" rtl="0" eaLnBrk="1" latinLnBrk="0" hangingPunct="1">
@@ -33936,21 +34060,63 @@
               </a:spcBef>
             </a:pPr>
             <a:r>
-              <a:rPr lang="en-US" b="1" i="1" dirty="0" err="1">
+              <a:rPr lang="bg-BG" b="1" i="1" dirty="0">
                 <a:solidFill>
                   <a:srgbClr val="FFFFFF"/>
                 </a:solidFill>
               </a:rPr>
-              <a:t>Източник</a:t>
+              <a:t>Тема</a:t>
             </a:r>
+          </a:p>
+          <a:p>
+            <a:pPr marL="0">
+              <a:spcBef>
+                <a:spcPts val="700"/>
+              </a:spcBef>
+            </a:pPr>
             <a:r>
-              <a:rPr lang="en-US" b="1" i="1" dirty="0">
+              <a:rPr lang="bg-BG" b="1" i="1" dirty="0">
                 <a:solidFill>
                   <a:srgbClr val="FFFFFF"/>
                 </a:solidFill>
               </a:rPr>
-              <a:t>: www.electrochem.org. </a:t>
+              <a:t>Обект на изследване</a:t>
             </a:r>
+          </a:p>
+          <a:p>
+            <a:pPr marL="0">
+              <a:spcBef>
+                <a:spcPts val="700"/>
+              </a:spcBef>
+            </a:pPr>
+            <a:r>
+              <a:rPr lang="bg-BG" b="1" i="1" dirty="0">
+                <a:solidFill>
+                  <a:srgbClr val="FFFFFF"/>
+                </a:solidFill>
+              </a:rPr>
+              <a:t>Цел</a:t>
+            </a:r>
+          </a:p>
+          <a:p>
+            <a:pPr marL="0">
+              <a:spcBef>
+                <a:spcPts val="700"/>
+              </a:spcBef>
+            </a:pPr>
+            <a:r>
+              <a:rPr lang="bg-BG" b="1" i="1" dirty="0">
+                <a:solidFill>
+                  <a:srgbClr val="FFFFFF"/>
+                </a:solidFill>
+              </a:rPr>
+              <a:t>Задачи</a:t>
+            </a:r>
+            <a:endParaRPr lang="en-US" b="1" i="1" dirty="0">
+              <a:solidFill>
+                <a:srgbClr val="FFFFFF"/>
+              </a:solidFill>
+            </a:endParaRPr>
           </a:p>
         </p:txBody>
       </p:sp>
@@ -34243,13 +34409,13 @@
   <p:clrMapOvr>
     <a:overrideClrMapping bg1="lt1" tx1="dk1" bg2="lt2" tx2="dk2" accent1="accent1" accent2="accent2" accent3="accent3" accent4="accent4" accent5="accent5" accent6="accent6" hlink="hlink" folHlink="folHlink"/>
   </p:clrMapOvr>
-  <mc:AlternateContent xmlns:mc="http://schemas.openxmlformats.org/markup-compatibility/2006" xmlns:p14="http://schemas.microsoft.com/office/powerpoint/2010/main">
-    <mc:Choice Requires="p14">
+  <mc:AlternateContent xmlns:mc="http://schemas.openxmlformats.org/markup-compatibility/2006">
+    <mc:Choice xmlns:p14="http://schemas.microsoft.com/office/powerpoint/2010/main" Requires="p14">
       <p:transition spd="med" p14:dur="700">
         <p:fade/>
       </p:transition>
     </mc:Choice>
-    <mc:Fallback xmlns="">
+    <mc:Fallback>
       <p:transition spd="med">
         <p:fade/>
       </p:transition>
@@ -34331,7 +34497,7 @@
           <a:noFill/>
           <a:extLst>
             <a:ext uri="{909E8E84-426E-40dd-AFC4-6F175D3DCCD1}">
-              <a14:hiddenFill xmlns="" xmlns:a16="http://schemas.microsoft.com/office/drawing/2014/main" xmlns:p14="http://schemas.microsoft.com/office/powerpoint/2010/main" xmlns:a14="http://schemas.microsoft.com/office/drawing/2010/main">
+              <a14:hiddenFill xmlns:a14="http://schemas.microsoft.com/office/drawing/2010/main" xmlns:p14="http://schemas.microsoft.com/office/powerpoint/2010/main" xmlns:a16="http://schemas.microsoft.com/office/drawing/2014/main" xmlns="">
                 <a:solidFill>
                   <a:srgbClr val="FFFFFF"/>
                 </a:solidFill>
@@ -34423,7 +34589,7 @@
             </a:ln>
             <a:extLst>
               <a:ext uri="{91240B29-F687-4f45-9708-019B960494DF}">
-                <a14:hiddenLine xmlns="" xmlns:a16="http://schemas.microsoft.com/office/drawing/2014/main" xmlns:p14="http://schemas.microsoft.com/office/powerpoint/2010/main" xmlns:a14="http://schemas.microsoft.com/office/drawing/2010/main" w="9525">
+                <a14:hiddenLine xmlns:a14="http://schemas.microsoft.com/office/drawing/2010/main" xmlns:p14="http://schemas.microsoft.com/office/powerpoint/2010/main" xmlns:a16="http://schemas.microsoft.com/office/drawing/2014/main" xmlns="" w="9525">
                   <a:solidFill>
                     <a:srgbClr val="000000"/>
                   </a:solidFill>
@@ -34528,7 +34694,7 @@
             </a:ln>
             <a:extLst>
               <a:ext uri="{91240B29-F687-4f45-9708-019B960494DF}">
-                <a14:hiddenLine xmlns="" xmlns:a16="http://schemas.microsoft.com/office/drawing/2014/main" xmlns:p14="http://schemas.microsoft.com/office/powerpoint/2010/main" xmlns:a14="http://schemas.microsoft.com/office/drawing/2010/main" w="9525">
+                <a14:hiddenLine xmlns:a14="http://schemas.microsoft.com/office/drawing/2010/main" xmlns:p14="http://schemas.microsoft.com/office/powerpoint/2010/main" xmlns:a16="http://schemas.microsoft.com/office/drawing/2014/main" xmlns="" w="9525">
                   <a:solidFill>
                     <a:srgbClr val="000000"/>
                   </a:solidFill>
@@ -34633,7 +34799,7 @@
             </a:ln>
             <a:extLst>
               <a:ext uri="{91240B29-F687-4f45-9708-019B960494DF}">
-                <a14:hiddenLine xmlns="" xmlns:a16="http://schemas.microsoft.com/office/drawing/2014/main" xmlns:p14="http://schemas.microsoft.com/office/powerpoint/2010/main" xmlns:a14="http://schemas.microsoft.com/office/drawing/2010/main" w="9525">
+                <a14:hiddenLine xmlns:a14="http://schemas.microsoft.com/office/drawing/2010/main" xmlns:p14="http://schemas.microsoft.com/office/powerpoint/2010/main" xmlns:a16="http://schemas.microsoft.com/office/drawing/2014/main" xmlns="" w="9525">
                   <a:solidFill>
                     <a:srgbClr val="000000"/>
                   </a:solidFill>
@@ -34682,7 +34848,7 @@
             </a:ln>
             <a:extLst>
               <a:ext uri="{91240B29-F687-4f45-9708-019B960494DF}">
-                <a14:hiddenLine xmlns="" xmlns:a16="http://schemas.microsoft.com/office/drawing/2014/main" xmlns:p14="http://schemas.microsoft.com/office/powerpoint/2010/main" xmlns:a14="http://schemas.microsoft.com/office/drawing/2010/main" w="9525">
+                <a14:hiddenLine xmlns:a14="http://schemas.microsoft.com/office/drawing/2010/main" xmlns:p14="http://schemas.microsoft.com/office/powerpoint/2010/main" xmlns:a16="http://schemas.microsoft.com/office/drawing/2014/main" xmlns="" w="9525">
                   <a:solidFill>
                     <a:srgbClr val="000000"/>
                   </a:solidFill>
@@ -34787,7 +34953,7 @@
             </a:ln>
             <a:extLst>
               <a:ext uri="{91240B29-F687-4f45-9708-019B960494DF}">
-                <a14:hiddenLine xmlns="" xmlns:a16="http://schemas.microsoft.com/office/drawing/2014/main" xmlns:p14="http://schemas.microsoft.com/office/powerpoint/2010/main" xmlns:a14="http://schemas.microsoft.com/office/drawing/2010/main" w="9525">
+                <a14:hiddenLine xmlns:a14="http://schemas.microsoft.com/office/drawing/2010/main" xmlns:p14="http://schemas.microsoft.com/office/powerpoint/2010/main" xmlns:a16="http://schemas.microsoft.com/office/drawing/2014/main" xmlns="" w="9525">
                   <a:solidFill>
                     <a:srgbClr val="000000"/>
                   </a:solidFill>
@@ -34864,7 +35030,7 @@
             </a:ln>
             <a:extLst>
               <a:ext uri="{91240B29-F687-4f45-9708-019B960494DF}">
-                <a14:hiddenLine xmlns="" xmlns:a16="http://schemas.microsoft.com/office/drawing/2014/main" xmlns:p14="http://schemas.microsoft.com/office/powerpoint/2010/main" xmlns:a14="http://schemas.microsoft.com/office/drawing/2010/main" w="9525">
+                <a14:hiddenLine xmlns:a14="http://schemas.microsoft.com/office/drawing/2010/main" xmlns:p14="http://schemas.microsoft.com/office/powerpoint/2010/main" xmlns:a16="http://schemas.microsoft.com/office/drawing/2014/main" xmlns="" w="9525">
                   <a:solidFill>
                     <a:srgbClr val="000000"/>
                   </a:solidFill>
@@ -34941,7 +35107,7 @@
             </a:ln>
             <a:extLst>
               <a:ext uri="{91240B29-F687-4f45-9708-019B960494DF}">
-                <a14:hiddenLine xmlns="" xmlns:a16="http://schemas.microsoft.com/office/drawing/2014/main" xmlns:p14="http://schemas.microsoft.com/office/powerpoint/2010/main" xmlns:a14="http://schemas.microsoft.com/office/drawing/2010/main" w="9525">
+                <a14:hiddenLine xmlns:a14="http://schemas.microsoft.com/office/drawing/2010/main" xmlns:p14="http://schemas.microsoft.com/office/powerpoint/2010/main" xmlns:a16="http://schemas.microsoft.com/office/drawing/2014/main" xmlns="" w="9525">
                   <a:solidFill>
                     <a:srgbClr val="000000"/>
                   </a:solidFill>
@@ -35046,7 +35212,7 @@
             </a:ln>
             <a:extLst>
               <a:ext uri="{91240B29-F687-4f45-9708-019B960494DF}">
-                <a14:hiddenLine xmlns="" xmlns:a16="http://schemas.microsoft.com/office/drawing/2014/main" xmlns:p14="http://schemas.microsoft.com/office/powerpoint/2010/main" xmlns:a14="http://schemas.microsoft.com/office/drawing/2010/main" w="9525">
+                <a14:hiddenLine xmlns:a14="http://schemas.microsoft.com/office/drawing/2010/main" xmlns:p14="http://schemas.microsoft.com/office/powerpoint/2010/main" xmlns:a16="http://schemas.microsoft.com/office/drawing/2014/main" xmlns="" w="9525">
                   <a:solidFill>
                     <a:srgbClr val="000000"/>
                   </a:solidFill>
@@ -35123,7 +35289,7 @@
             </a:ln>
             <a:extLst>
               <a:ext uri="{91240B29-F687-4f45-9708-019B960494DF}">
-                <a14:hiddenLine xmlns="" xmlns:a16="http://schemas.microsoft.com/office/drawing/2014/main" xmlns:p14="http://schemas.microsoft.com/office/powerpoint/2010/main" xmlns:a14="http://schemas.microsoft.com/office/drawing/2010/main" w="9525">
+                <a14:hiddenLine xmlns:a14="http://schemas.microsoft.com/office/drawing/2010/main" xmlns:p14="http://schemas.microsoft.com/office/powerpoint/2010/main" xmlns:a16="http://schemas.microsoft.com/office/drawing/2014/main" xmlns="" w="9525">
                   <a:solidFill>
                     <a:srgbClr val="000000"/>
                   </a:solidFill>
@@ -35200,7 +35366,7 @@
             </a:ln>
             <a:extLst>
               <a:ext uri="{91240B29-F687-4f45-9708-019B960494DF}">
-                <a14:hiddenLine xmlns="" xmlns:a16="http://schemas.microsoft.com/office/drawing/2014/main" xmlns:p14="http://schemas.microsoft.com/office/powerpoint/2010/main" xmlns:a14="http://schemas.microsoft.com/office/drawing/2010/main" w="9525">
+                <a14:hiddenLine xmlns:a14="http://schemas.microsoft.com/office/drawing/2010/main" xmlns:p14="http://schemas.microsoft.com/office/powerpoint/2010/main" xmlns:a16="http://schemas.microsoft.com/office/drawing/2014/main" xmlns="" w="9525">
                   <a:solidFill>
                     <a:srgbClr val="000000"/>
                   </a:solidFill>
@@ -35305,7 +35471,7 @@
             </a:ln>
             <a:extLst>
               <a:ext uri="{91240B29-F687-4f45-9708-019B960494DF}">
-                <a14:hiddenLine xmlns="" xmlns:a16="http://schemas.microsoft.com/office/drawing/2014/main" xmlns:p14="http://schemas.microsoft.com/office/powerpoint/2010/main" xmlns:a14="http://schemas.microsoft.com/office/drawing/2010/main" w="9525">
+                <a14:hiddenLine xmlns:a14="http://schemas.microsoft.com/office/drawing/2010/main" xmlns:p14="http://schemas.microsoft.com/office/powerpoint/2010/main" xmlns:a16="http://schemas.microsoft.com/office/drawing/2014/main" xmlns="" w="9525">
                   <a:solidFill>
                     <a:srgbClr val="000000"/>
                   </a:solidFill>
@@ -35410,7 +35576,7 @@
             </a:ln>
             <a:extLst>
               <a:ext uri="{91240B29-F687-4f45-9708-019B960494DF}">
-                <a14:hiddenLine xmlns="" xmlns:a16="http://schemas.microsoft.com/office/drawing/2014/main" xmlns:p14="http://schemas.microsoft.com/office/powerpoint/2010/main" xmlns:a14="http://schemas.microsoft.com/office/drawing/2010/main" w="9525">
+                <a14:hiddenLine xmlns:a14="http://schemas.microsoft.com/office/drawing/2010/main" xmlns:p14="http://schemas.microsoft.com/office/powerpoint/2010/main" xmlns:a16="http://schemas.microsoft.com/office/drawing/2014/main" xmlns="" w="9525">
                   <a:solidFill>
                     <a:srgbClr val="000000"/>
                   </a:solidFill>
@@ -35487,7 +35653,7 @@
             </a:ln>
             <a:extLst>
               <a:ext uri="{91240B29-F687-4f45-9708-019B960494DF}">
-                <a14:hiddenLine xmlns="" xmlns:a16="http://schemas.microsoft.com/office/drawing/2014/main" xmlns:p14="http://schemas.microsoft.com/office/powerpoint/2010/main" xmlns:a14="http://schemas.microsoft.com/office/drawing/2010/main" w="9525">
+                <a14:hiddenLine xmlns:a14="http://schemas.microsoft.com/office/drawing/2010/main" xmlns:p14="http://schemas.microsoft.com/office/powerpoint/2010/main" xmlns:a16="http://schemas.microsoft.com/office/drawing/2014/main" xmlns="" w="9525">
                   <a:solidFill>
                     <a:srgbClr val="000000"/>
                   </a:solidFill>
@@ -35612,7 +35778,7 @@
             </a:ln>
             <a:extLst>
               <a:ext uri="{91240B29-F687-4f45-9708-019B960494DF}">
-                <a14:hiddenLine xmlns="" xmlns:a16="http://schemas.microsoft.com/office/drawing/2014/main" xmlns:p14="http://schemas.microsoft.com/office/powerpoint/2010/main" xmlns:a14="http://schemas.microsoft.com/office/drawing/2010/main" w="9525">
+                <a14:hiddenLine xmlns:a14="http://schemas.microsoft.com/office/drawing/2010/main" xmlns:p14="http://schemas.microsoft.com/office/powerpoint/2010/main" xmlns:a16="http://schemas.microsoft.com/office/drawing/2014/main" xmlns="" w="9525">
                   <a:solidFill>
                     <a:srgbClr val="000000"/>
                   </a:solidFill>
@@ -35689,7 +35855,7 @@
             </a:ln>
             <a:extLst>
               <a:ext uri="{91240B29-F687-4f45-9708-019B960494DF}">
-                <a14:hiddenLine xmlns="" xmlns:a16="http://schemas.microsoft.com/office/drawing/2014/main" xmlns:p14="http://schemas.microsoft.com/office/powerpoint/2010/main" xmlns:a14="http://schemas.microsoft.com/office/drawing/2010/main" w="9525">
+                <a14:hiddenLine xmlns:a14="http://schemas.microsoft.com/office/drawing/2010/main" xmlns:p14="http://schemas.microsoft.com/office/powerpoint/2010/main" xmlns:a16="http://schemas.microsoft.com/office/drawing/2014/main" xmlns="" w="9525">
                   <a:solidFill>
                     <a:srgbClr val="000000"/>
                   </a:solidFill>
@@ -35794,7 +35960,7 @@
             </a:ln>
             <a:extLst>
               <a:ext uri="{91240B29-F687-4f45-9708-019B960494DF}">
-                <a14:hiddenLine xmlns="" xmlns:a16="http://schemas.microsoft.com/office/drawing/2014/main" xmlns:p14="http://schemas.microsoft.com/office/powerpoint/2010/main" xmlns:a14="http://schemas.microsoft.com/office/drawing/2010/main" w="9525">
+                <a14:hiddenLine xmlns:a14="http://schemas.microsoft.com/office/drawing/2010/main" xmlns:p14="http://schemas.microsoft.com/office/powerpoint/2010/main" xmlns:a16="http://schemas.microsoft.com/office/drawing/2014/main" xmlns="" w="9525">
                   <a:solidFill>
                     <a:srgbClr val="000000"/>
                   </a:solidFill>
@@ -35899,7 +36065,7 @@
             </a:ln>
             <a:extLst>
               <a:ext uri="{91240B29-F687-4f45-9708-019B960494DF}">
-                <a14:hiddenLine xmlns="" xmlns:a16="http://schemas.microsoft.com/office/drawing/2014/main" xmlns:p14="http://schemas.microsoft.com/office/powerpoint/2010/main" xmlns:a14="http://schemas.microsoft.com/office/drawing/2010/main" w="9525">
+                <a14:hiddenLine xmlns:a14="http://schemas.microsoft.com/office/drawing/2010/main" xmlns:p14="http://schemas.microsoft.com/office/powerpoint/2010/main" xmlns:a16="http://schemas.microsoft.com/office/drawing/2014/main" xmlns="" w="9525">
                   <a:solidFill>
                     <a:srgbClr val="000000"/>
                   </a:solidFill>
@@ -35976,7 +36142,7 @@
             </a:ln>
             <a:extLst>
               <a:ext uri="{91240B29-F687-4f45-9708-019B960494DF}">
-                <a14:hiddenLine xmlns="" xmlns:a16="http://schemas.microsoft.com/office/drawing/2014/main" xmlns:p14="http://schemas.microsoft.com/office/powerpoint/2010/main" xmlns:a14="http://schemas.microsoft.com/office/drawing/2010/main" w="9525">
+                <a14:hiddenLine xmlns:a14="http://schemas.microsoft.com/office/drawing/2010/main" xmlns:p14="http://schemas.microsoft.com/office/powerpoint/2010/main" xmlns:a16="http://schemas.microsoft.com/office/drawing/2014/main" xmlns="" w="9525">
                   <a:solidFill>
                     <a:srgbClr val="000000"/>
                   </a:solidFill>
@@ -36081,7 +36247,7 @@
             </a:ln>
             <a:extLst>
               <a:ext uri="{91240B29-F687-4f45-9708-019B960494DF}">
-                <a14:hiddenLine xmlns="" xmlns:a16="http://schemas.microsoft.com/office/drawing/2014/main" xmlns:p14="http://schemas.microsoft.com/office/powerpoint/2010/main" xmlns:a14="http://schemas.microsoft.com/office/drawing/2010/main" w="9525">
+                <a14:hiddenLine xmlns:a14="http://schemas.microsoft.com/office/drawing/2010/main" xmlns:p14="http://schemas.microsoft.com/office/powerpoint/2010/main" xmlns:a16="http://schemas.microsoft.com/office/drawing/2014/main" xmlns="" w="9525">
                   <a:solidFill>
                     <a:srgbClr val="000000"/>
                   </a:solidFill>
@@ -36186,7 +36352,7 @@
             </a:ln>
             <a:extLst>
               <a:ext uri="{91240B29-F687-4f45-9708-019B960494DF}">
-                <a14:hiddenLine xmlns="" xmlns:a16="http://schemas.microsoft.com/office/drawing/2014/main" xmlns:p14="http://schemas.microsoft.com/office/powerpoint/2010/main" xmlns:a14="http://schemas.microsoft.com/office/drawing/2010/main" w="9525">
+                <a14:hiddenLine xmlns:a14="http://schemas.microsoft.com/office/drawing/2010/main" xmlns:p14="http://schemas.microsoft.com/office/powerpoint/2010/main" xmlns:a16="http://schemas.microsoft.com/office/drawing/2014/main" xmlns="" w="9525">
                   <a:solidFill>
                     <a:srgbClr val="000000"/>
                   </a:solidFill>
@@ -36257,7 +36423,7 @@
             </a:ln>
             <a:extLst>
               <a:ext uri="{91240B29-F687-4f45-9708-019B960494DF}">
-                <a14:hiddenLine xmlns="" xmlns:a16="http://schemas.microsoft.com/office/drawing/2014/main" xmlns:p14="http://schemas.microsoft.com/office/powerpoint/2010/main" xmlns:a14="http://schemas.microsoft.com/office/drawing/2010/main" w="9525">
+                <a14:hiddenLine xmlns:a14="http://schemas.microsoft.com/office/drawing/2010/main" xmlns:p14="http://schemas.microsoft.com/office/powerpoint/2010/main" xmlns:a16="http://schemas.microsoft.com/office/drawing/2014/main" xmlns="" w="9525">
                   <a:solidFill>
                     <a:srgbClr val="000000"/>
                   </a:solidFill>
@@ -36362,7 +36528,7 @@
             </a:ln>
             <a:extLst>
               <a:ext uri="{91240B29-F687-4f45-9708-019B960494DF}">
-                <a14:hiddenLine xmlns="" xmlns:a16="http://schemas.microsoft.com/office/drawing/2014/main" xmlns:p14="http://schemas.microsoft.com/office/powerpoint/2010/main" xmlns:a14="http://schemas.microsoft.com/office/drawing/2010/main" w="9525">
+                <a14:hiddenLine xmlns:a14="http://schemas.microsoft.com/office/drawing/2010/main" xmlns:p14="http://schemas.microsoft.com/office/powerpoint/2010/main" xmlns:a16="http://schemas.microsoft.com/office/drawing/2014/main" xmlns="" w="9525">
                   <a:solidFill>
                     <a:srgbClr val="000000"/>
                   </a:solidFill>
@@ -36433,7 +36599,7 @@
             </a:ln>
             <a:extLst>
               <a:ext uri="{91240B29-F687-4f45-9708-019B960494DF}">
-                <a14:hiddenLine xmlns="" xmlns:a16="http://schemas.microsoft.com/office/drawing/2014/main" xmlns:p14="http://schemas.microsoft.com/office/powerpoint/2010/main" xmlns:a14="http://schemas.microsoft.com/office/drawing/2010/main" w="9525">
+                <a14:hiddenLine xmlns:a14="http://schemas.microsoft.com/office/drawing/2010/main" xmlns:p14="http://schemas.microsoft.com/office/powerpoint/2010/main" xmlns:a16="http://schemas.microsoft.com/office/drawing/2014/main" xmlns="" w="9525">
                   <a:solidFill>
                     <a:srgbClr val="000000"/>
                   </a:solidFill>
@@ -36538,7 +36704,7 @@
             </a:ln>
             <a:extLst>
               <a:ext uri="{91240B29-F687-4f45-9708-019B960494DF}">
-                <a14:hiddenLine xmlns="" xmlns:a16="http://schemas.microsoft.com/office/drawing/2014/main" xmlns:p14="http://schemas.microsoft.com/office/powerpoint/2010/main" xmlns:a14="http://schemas.microsoft.com/office/drawing/2010/main" w="9525">
+                <a14:hiddenLine xmlns:a14="http://schemas.microsoft.com/office/drawing/2010/main" xmlns:p14="http://schemas.microsoft.com/office/powerpoint/2010/main" xmlns:a16="http://schemas.microsoft.com/office/drawing/2014/main" xmlns="" w="9525">
                   <a:solidFill>
                     <a:srgbClr val="000000"/>
                   </a:solidFill>
@@ -36621,7 +36787,7 @@
             </a:ln>
             <a:extLst>
               <a:ext uri="{91240B29-F687-4f45-9708-019B960494DF}">
-                <a14:hiddenLine xmlns="" xmlns:a16="http://schemas.microsoft.com/office/drawing/2014/main" xmlns:p14="http://schemas.microsoft.com/office/powerpoint/2010/main" xmlns:a14="http://schemas.microsoft.com/office/drawing/2010/main" w="9525">
+                <a14:hiddenLine xmlns:a14="http://schemas.microsoft.com/office/drawing/2010/main" xmlns:p14="http://schemas.microsoft.com/office/powerpoint/2010/main" xmlns:a16="http://schemas.microsoft.com/office/drawing/2014/main" xmlns="" w="9525">
                   <a:solidFill>
                     <a:srgbClr val="000000"/>
                   </a:solidFill>
@@ -36726,7 +36892,7 @@
             </a:ln>
             <a:extLst>
               <a:ext uri="{91240B29-F687-4f45-9708-019B960494DF}">
-                <a14:hiddenLine xmlns="" xmlns:a16="http://schemas.microsoft.com/office/drawing/2014/main" xmlns:p14="http://schemas.microsoft.com/office/powerpoint/2010/main" xmlns:a14="http://schemas.microsoft.com/office/drawing/2010/main" w="9525">
+                <a14:hiddenLine xmlns:a14="http://schemas.microsoft.com/office/drawing/2010/main" xmlns:p14="http://schemas.microsoft.com/office/powerpoint/2010/main" xmlns:a16="http://schemas.microsoft.com/office/drawing/2014/main" xmlns="" w="9525">
                   <a:solidFill>
                     <a:srgbClr val="000000"/>
                   </a:solidFill>
@@ -36809,7 +36975,7 @@
             </a:ln>
             <a:extLst>
               <a:ext uri="{91240B29-F687-4f45-9708-019B960494DF}">
-                <a14:hiddenLine xmlns="" xmlns:a16="http://schemas.microsoft.com/office/drawing/2014/main" xmlns:p14="http://schemas.microsoft.com/office/powerpoint/2010/main" xmlns:a14="http://schemas.microsoft.com/office/drawing/2010/main" w="9525">
+                <a14:hiddenLine xmlns:a14="http://schemas.microsoft.com/office/drawing/2010/main" xmlns:p14="http://schemas.microsoft.com/office/powerpoint/2010/main" xmlns:a16="http://schemas.microsoft.com/office/drawing/2014/main" xmlns="" w="9525">
                   <a:solidFill>
                     <a:srgbClr val="000000"/>
                   </a:solidFill>
@@ -36914,7 +37080,7 @@
             </a:ln>
             <a:extLst>
               <a:ext uri="{91240B29-F687-4f45-9708-019B960494DF}">
-                <a14:hiddenLine xmlns="" xmlns:a16="http://schemas.microsoft.com/office/drawing/2014/main" xmlns:p14="http://schemas.microsoft.com/office/powerpoint/2010/main" xmlns:a14="http://schemas.microsoft.com/office/drawing/2010/main" w="9525">
+                <a14:hiddenLine xmlns:a14="http://schemas.microsoft.com/office/drawing/2010/main" xmlns:p14="http://schemas.microsoft.com/office/powerpoint/2010/main" xmlns:a16="http://schemas.microsoft.com/office/drawing/2014/main" xmlns="" w="9525">
                   <a:solidFill>
                     <a:srgbClr val="000000"/>
                   </a:solidFill>
@@ -36963,7 +37129,7 @@
             </a:ln>
             <a:extLst>
               <a:ext uri="{91240B29-F687-4f45-9708-019B960494DF}">
-                <a14:hiddenLine xmlns="" xmlns:a16="http://schemas.microsoft.com/office/drawing/2014/main" xmlns:p14="http://schemas.microsoft.com/office/powerpoint/2010/main" xmlns:a14="http://schemas.microsoft.com/office/drawing/2010/main" w="9525">
+                <a14:hiddenLine xmlns:a14="http://schemas.microsoft.com/office/drawing/2010/main" xmlns:p14="http://schemas.microsoft.com/office/powerpoint/2010/main" xmlns:a16="http://schemas.microsoft.com/office/drawing/2014/main" xmlns="" w="9525">
                   <a:solidFill>
                     <a:srgbClr val="000000"/>
                   </a:solidFill>
@@ -37068,7 +37234,7 @@
             </a:ln>
             <a:extLst>
               <a:ext uri="{91240B29-F687-4f45-9708-019B960494DF}">
-                <a14:hiddenLine xmlns="" xmlns:a16="http://schemas.microsoft.com/office/drawing/2014/main" xmlns:p14="http://schemas.microsoft.com/office/powerpoint/2010/main" xmlns:a14="http://schemas.microsoft.com/office/drawing/2010/main" w="9525">
+                <a14:hiddenLine xmlns:a14="http://schemas.microsoft.com/office/drawing/2010/main" xmlns:p14="http://schemas.microsoft.com/office/powerpoint/2010/main" xmlns:a16="http://schemas.microsoft.com/office/drawing/2014/main" xmlns="" w="9525">
                   <a:solidFill>
                     <a:srgbClr val="000000"/>
                   </a:solidFill>
@@ -37145,7 +37311,7 @@
             </a:ln>
             <a:extLst>
               <a:ext uri="{91240B29-F687-4f45-9708-019B960494DF}">
-                <a14:hiddenLine xmlns="" xmlns:a16="http://schemas.microsoft.com/office/drawing/2014/main" xmlns:p14="http://schemas.microsoft.com/office/powerpoint/2010/main" xmlns:a14="http://schemas.microsoft.com/office/drawing/2010/main" w="9525">
+                <a14:hiddenLine xmlns:a14="http://schemas.microsoft.com/office/drawing/2010/main" xmlns:p14="http://schemas.microsoft.com/office/powerpoint/2010/main" xmlns:a16="http://schemas.microsoft.com/office/drawing/2014/main" xmlns="" w="9525">
                   <a:solidFill>
                     <a:srgbClr val="000000"/>
                   </a:solidFill>
@@ -37222,7 +37388,7 @@
             </a:ln>
             <a:extLst>
               <a:ext uri="{91240B29-F687-4f45-9708-019B960494DF}">
-                <a14:hiddenLine xmlns="" xmlns:a16="http://schemas.microsoft.com/office/drawing/2014/main" xmlns:p14="http://schemas.microsoft.com/office/powerpoint/2010/main" xmlns:a14="http://schemas.microsoft.com/office/drawing/2010/main" w="9525">
+                <a14:hiddenLine xmlns:a14="http://schemas.microsoft.com/office/drawing/2010/main" xmlns:p14="http://schemas.microsoft.com/office/powerpoint/2010/main" xmlns:a16="http://schemas.microsoft.com/office/drawing/2014/main" xmlns="" w="9525">
                   <a:solidFill>
                     <a:srgbClr val="000000"/>
                   </a:solidFill>
@@ -37327,7 +37493,7 @@
             </a:ln>
             <a:extLst>
               <a:ext uri="{91240B29-F687-4f45-9708-019B960494DF}">
-                <a14:hiddenLine xmlns="" xmlns:a16="http://schemas.microsoft.com/office/drawing/2014/main" xmlns:p14="http://schemas.microsoft.com/office/powerpoint/2010/main" xmlns:a14="http://schemas.microsoft.com/office/drawing/2010/main" w="9525">
+                <a14:hiddenLine xmlns:a14="http://schemas.microsoft.com/office/drawing/2010/main" xmlns:p14="http://schemas.microsoft.com/office/powerpoint/2010/main" xmlns:a16="http://schemas.microsoft.com/office/drawing/2014/main" xmlns="" w="9525">
                   <a:solidFill>
                     <a:srgbClr val="000000"/>
                   </a:solidFill>
@@ -37410,7 +37576,7 @@
             </a:ln>
             <a:extLst>
               <a:ext uri="{91240B29-F687-4f45-9708-019B960494DF}">
-                <a14:hiddenLine xmlns="" xmlns:a16="http://schemas.microsoft.com/office/drawing/2014/main" xmlns:p14="http://schemas.microsoft.com/office/powerpoint/2010/main" xmlns:a14="http://schemas.microsoft.com/office/drawing/2010/main" w="9525">
+                <a14:hiddenLine xmlns:a14="http://schemas.microsoft.com/office/drawing/2010/main" xmlns:p14="http://schemas.microsoft.com/office/powerpoint/2010/main" xmlns:a16="http://schemas.microsoft.com/office/drawing/2014/main" xmlns="" w="9525">
                   <a:solidFill>
                     <a:srgbClr val="000000"/>
                   </a:solidFill>
@@ -37487,7 +37653,7 @@
             </a:ln>
             <a:extLst>
               <a:ext uri="{91240B29-F687-4f45-9708-019B960494DF}">
-                <a14:hiddenLine xmlns="" xmlns:a16="http://schemas.microsoft.com/office/drawing/2014/main" xmlns:p14="http://schemas.microsoft.com/office/powerpoint/2010/main" xmlns:a14="http://schemas.microsoft.com/office/drawing/2010/main" w="9525">
+                <a14:hiddenLine xmlns:a14="http://schemas.microsoft.com/office/drawing/2010/main" xmlns:p14="http://schemas.microsoft.com/office/powerpoint/2010/main" xmlns:a16="http://schemas.microsoft.com/office/drawing/2014/main" xmlns="" w="9525">
                   <a:solidFill>
                     <a:srgbClr val="000000"/>
                   </a:solidFill>
@@ -37592,7 +37758,7 @@
             </a:ln>
             <a:extLst>
               <a:ext uri="{91240B29-F687-4f45-9708-019B960494DF}">
-                <a14:hiddenLine xmlns="" xmlns:a16="http://schemas.microsoft.com/office/drawing/2014/main" xmlns:p14="http://schemas.microsoft.com/office/powerpoint/2010/main" xmlns:a14="http://schemas.microsoft.com/office/drawing/2010/main" w="9525">
+                <a14:hiddenLine xmlns:a14="http://schemas.microsoft.com/office/drawing/2010/main" xmlns:p14="http://schemas.microsoft.com/office/powerpoint/2010/main" xmlns:a16="http://schemas.microsoft.com/office/drawing/2014/main" xmlns="" w="9525">
                   <a:solidFill>
                     <a:srgbClr val="000000"/>
                   </a:solidFill>
@@ -37669,7 +37835,7 @@
             </a:ln>
             <a:extLst>
               <a:ext uri="{91240B29-F687-4f45-9708-019B960494DF}">
-                <a14:hiddenLine xmlns="" xmlns:a16="http://schemas.microsoft.com/office/drawing/2014/main" xmlns:p14="http://schemas.microsoft.com/office/powerpoint/2010/main" xmlns:a14="http://schemas.microsoft.com/office/drawing/2010/main" w="9525">
+                <a14:hiddenLine xmlns:a14="http://schemas.microsoft.com/office/drawing/2010/main" xmlns:p14="http://schemas.microsoft.com/office/powerpoint/2010/main" xmlns:a16="http://schemas.microsoft.com/office/drawing/2014/main" xmlns="" w="9525">
                   <a:solidFill>
                     <a:srgbClr val="000000"/>
                   </a:solidFill>
@@ -37774,7 +37940,7 @@
             </a:ln>
             <a:extLst>
               <a:ext uri="{91240B29-F687-4f45-9708-019B960494DF}">
-                <a14:hiddenLine xmlns="" xmlns:a16="http://schemas.microsoft.com/office/drawing/2014/main" xmlns:p14="http://schemas.microsoft.com/office/powerpoint/2010/main" xmlns:a14="http://schemas.microsoft.com/office/drawing/2010/main" w="9525">
+                <a14:hiddenLine xmlns:a14="http://schemas.microsoft.com/office/drawing/2010/main" xmlns:p14="http://schemas.microsoft.com/office/powerpoint/2010/main" xmlns:a16="http://schemas.microsoft.com/office/drawing/2014/main" xmlns="" w="9525">
                   <a:solidFill>
                     <a:srgbClr val="000000"/>
                   </a:solidFill>
@@ -37851,7 +38017,7 @@
             </a:ln>
             <a:extLst>
               <a:ext uri="{91240B29-F687-4f45-9708-019B960494DF}">
-                <a14:hiddenLine xmlns="" xmlns:a16="http://schemas.microsoft.com/office/drawing/2014/main" xmlns:p14="http://schemas.microsoft.com/office/powerpoint/2010/main" xmlns:a14="http://schemas.microsoft.com/office/drawing/2010/main" w="9525">
+                <a14:hiddenLine xmlns:a14="http://schemas.microsoft.com/office/drawing/2010/main" xmlns:p14="http://schemas.microsoft.com/office/powerpoint/2010/main" xmlns:a16="http://schemas.microsoft.com/office/drawing/2014/main" xmlns="" w="9525">
                   <a:solidFill>
                     <a:srgbClr val="000000"/>
                   </a:solidFill>
@@ -37956,7 +38122,7 @@
             </a:ln>
             <a:extLst>
               <a:ext uri="{91240B29-F687-4f45-9708-019B960494DF}">
-                <a14:hiddenLine xmlns="" xmlns:a16="http://schemas.microsoft.com/office/drawing/2014/main" xmlns:p14="http://schemas.microsoft.com/office/powerpoint/2010/main" xmlns:a14="http://schemas.microsoft.com/office/drawing/2010/main" w="9525">
+                <a14:hiddenLine xmlns:a14="http://schemas.microsoft.com/office/drawing/2010/main" xmlns:p14="http://schemas.microsoft.com/office/powerpoint/2010/main" xmlns:a16="http://schemas.microsoft.com/office/drawing/2014/main" xmlns="" w="9525">
                   <a:solidFill>
                     <a:srgbClr val="000000"/>
                   </a:solidFill>
@@ -38005,7 +38171,7 @@
             </a:ln>
             <a:extLst>
               <a:ext uri="{91240B29-F687-4f45-9708-019B960494DF}">
-                <a14:hiddenLine xmlns="" xmlns:a16="http://schemas.microsoft.com/office/drawing/2014/main" xmlns:p14="http://schemas.microsoft.com/office/powerpoint/2010/main" xmlns:a14="http://schemas.microsoft.com/office/drawing/2010/main" w="9525">
+                <a14:hiddenLine xmlns:a14="http://schemas.microsoft.com/office/drawing/2010/main" xmlns:p14="http://schemas.microsoft.com/office/powerpoint/2010/main" xmlns:a16="http://schemas.microsoft.com/office/drawing/2014/main" xmlns="" w="9525">
                   <a:solidFill>
                     <a:srgbClr val="000000"/>
                   </a:solidFill>
@@ -38085,7 +38251,7 @@
             </a:ln>
             <a:extLst>
               <a:ext uri="{91240B29-F687-4f45-9708-019B960494DF}">
-                <a14:hiddenLine xmlns="" xmlns:a16="http://schemas.microsoft.com/office/drawing/2014/main" xmlns:p14="http://schemas.microsoft.com/office/powerpoint/2010/main" xmlns:a14="http://schemas.microsoft.com/office/drawing/2010/main" w="9525">
+                <a14:hiddenLine xmlns:a14="http://schemas.microsoft.com/office/drawing/2010/main" xmlns:p14="http://schemas.microsoft.com/office/powerpoint/2010/main" xmlns:a16="http://schemas.microsoft.com/office/drawing/2014/main" xmlns="" w="9525">
                   <a:solidFill>
                     <a:srgbClr val="000000"/>
                   </a:solidFill>
@@ -38190,7 +38356,7 @@
             </a:ln>
             <a:extLst>
               <a:ext uri="{91240B29-F687-4f45-9708-019B960494DF}">
-                <a14:hiddenLine xmlns="" xmlns:a16="http://schemas.microsoft.com/office/drawing/2014/main" xmlns:p14="http://schemas.microsoft.com/office/powerpoint/2010/main" xmlns:a14="http://schemas.microsoft.com/office/drawing/2010/main" w="9525">
+                <a14:hiddenLine xmlns:a14="http://schemas.microsoft.com/office/drawing/2010/main" xmlns:p14="http://schemas.microsoft.com/office/powerpoint/2010/main" xmlns:a16="http://schemas.microsoft.com/office/drawing/2014/main" xmlns="" w="9525">
                   <a:solidFill>
                     <a:srgbClr val="000000"/>
                   </a:solidFill>
@@ -38267,7 +38433,7 @@
             </a:ln>
             <a:extLst>
               <a:ext uri="{91240B29-F687-4f45-9708-019B960494DF}">
-                <a14:hiddenLine xmlns="" xmlns:a16="http://schemas.microsoft.com/office/drawing/2014/main" xmlns:p14="http://schemas.microsoft.com/office/powerpoint/2010/main" xmlns:a14="http://schemas.microsoft.com/office/drawing/2010/main" w="9525">
+                <a14:hiddenLine xmlns:a14="http://schemas.microsoft.com/office/drawing/2010/main" xmlns:p14="http://schemas.microsoft.com/office/powerpoint/2010/main" xmlns:a16="http://schemas.microsoft.com/office/drawing/2014/main" xmlns="" w="9525">
                   <a:solidFill>
                     <a:srgbClr val="000000"/>
                   </a:solidFill>
@@ -38372,7 +38538,7 @@
             </a:ln>
             <a:extLst>
               <a:ext uri="{91240B29-F687-4f45-9708-019B960494DF}">
-                <a14:hiddenLine xmlns="" xmlns:a16="http://schemas.microsoft.com/office/drawing/2014/main" xmlns:p14="http://schemas.microsoft.com/office/powerpoint/2010/main" xmlns:a14="http://schemas.microsoft.com/office/drawing/2010/main" w="9525">
+                <a14:hiddenLine xmlns:a14="http://schemas.microsoft.com/office/drawing/2010/main" xmlns:p14="http://schemas.microsoft.com/office/powerpoint/2010/main" xmlns:a16="http://schemas.microsoft.com/office/drawing/2014/main" xmlns="" w="9525">
                   <a:solidFill>
                     <a:srgbClr val="000000"/>
                   </a:solidFill>
@@ -38477,7 +38643,7 @@
             </a:ln>
             <a:extLst>
               <a:ext uri="{91240B29-F687-4f45-9708-019B960494DF}">
-                <a14:hiddenLine xmlns="" xmlns:a16="http://schemas.microsoft.com/office/drawing/2014/main" xmlns:p14="http://schemas.microsoft.com/office/powerpoint/2010/main" xmlns:a14="http://schemas.microsoft.com/office/drawing/2010/main" w="9525">
+                <a14:hiddenLine xmlns:a14="http://schemas.microsoft.com/office/drawing/2010/main" xmlns:p14="http://schemas.microsoft.com/office/powerpoint/2010/main" xmlns:a16="http://schemas.microsoft.com/office/drawing/2014/main" xmlns="" w="9525">
                   <a:solidFill>
                     <a:srgbClr val="000000"/>
                   </a:solidFill>
@@ -38557,7 +38723,7 @@
             </a:ln>
             <a:extLst>
               <a:ext uri="{91240B29-F687-4f45-9708-019B960494DF}">
-                <a14:hiddenLine xmlns="" xmlns:a16="http://schemas.microsoft.com/office/drawing/2014/main" xmlns:p14="http://schemas.microsoft.com/office/powerpoint/2010/main" xmlns:a14="http://schemas.microsoft.com/office/drawing/2010/main" w="9525">
+                <a14:hiddenLine xmlns:a14="http://schemas.microsoft.com/office/drawing/2010/main" xmlns:p14="http://schemas.microsoft.com/office/powerpoint/2010/main" xmlns:a16="http://schemas.microsoft.com/office/drawing/2014/main" xmlns="" w="9525">
                   <a:solidFill>
                     <a:srgbClr val="000000"/>
                   </a:solidFill>
@@ -38634,7 +38800,7 @@
             </a:ln>
             <a:extLst>
               <a:ext uri="{91240B29-F687-4f45-9708-019B960494DF}">
-                <a14:hiddenLine xmlns="" xmlns:a16="http://schemas.microsoft.com/office/drawing/2014/main" xmlns:p14="http://schemas.microsoft.com/office/powerpoint/2010/main" xmlns:a14="http://schemas.microsoft.com/office/drawing/2010/main" w="9525">
+                <a14:hiddenLine xmlns:a14="http://schemas.microsoft.com/office/drawing/2010/main" xmlns:p14="http://schemas.microsoft.com/office/powerpoint/2010/main" xmlns:a16="http://schemas.microsoft.com/office/drawing/2014/main" xmlns="" w="9525">
                   <a:solidFill>
                     <a:srgbClr val="000000"/>
                   </a:solidFill>
@@ -38739,7 +38905,7 @@
             </a:ln>
             <a:extLst>
               <a:ext uri="{91240B29-F687-4f45-9708-019B960494DF}">
-                <a14:hiddenLine xmlns="" xmlns:a16="http://schemas.microsoft.com/office/drawing/2014/main" xmlns:p14="http://schemas.microsoft.com/office/powerpoint/2010/main" xmlns:a14="http://schemas.microsoft.com/office/drawing/2010/main" w="9525">
+                <a14:hiddenLine xmlns:a14="http://schemas.microsoft.com/office/drawing/2010/main" xmlns:p14="http://schemas.microsoft.com/office/powerpoint/2010/main" xmlns:a16="http://schemas.microsoft.com/office/drawing/2014/main" xmlns="" w="9525">
                   <a:solidFill>
                     <a:srgbClr val="000000"/>
                   </a:solidFill>
@@ -38844,7 +39010,7 @@
             </a:ln>
             <a:extLst>
               <a:ext uri="{91240B29-F687-4f45-9708-019B960494DF}">
-                <a14:hiddenLine xmlns="" xmlns:a16="http://schemas.microsoft.com/office/drawing/2014/main" xmlns:p14="http://schemas.microsoft.com/office/powerpoint/2010/main" xmlns:a14="http://schemas.microsoft.com/office/drawing/2010/main" w="9525">
+                <a14:hiddenLine xmlns:a14="http://schemas.microsoft.com/office/drawing/2010/main" xmlns:p14="http://schemas.microsoft.com/office/powerpoint/2010/main" xmlns:a16="http://schemas.microsoft.com/office/drawing/2014/main" xmlns="" w="9525">
                   <a:solidFill>
                     <a:srgbClr val="000000"/>
                   </a:solidFill>
@@ -38921,7 +39087,7 @@
             </a:ln>
             <a:extLst>
               <a:ext uri="{91240B29-F687-4f45-9708-019B960494DF}">
-                <a14:hiddenLine xmlns="" xmlns:a16="http://schemas.microsoft.com/office/drawing/2014/main" xmlns:p14="http://schemas.microsoft.com/office/powerpoint/2010/main" xmlns:a14="http://schemas.microsoft.com/office/drawing/2010/main" w="9525">
+                <a14:hiddenLine xmlns:a14="http://schemas.microsoft.com/office/drawing/2010/main" xmlns:p14="http://schemas.microsoft.com/office/powerpoint/2010/main" xmlns:a16="http://schemas.microsoft.com/office/drawing/2014/main" xmlns="" w="9525">
                   <a:solidFill>
                     <a:srgbClr val="000000"/>
                   </a:solidFill>
@@ -39056,7 +39222,7 @@
             </a:ln>
             <a:extLst>
               <a:ext uri="{91240B29-F687-4f45-9708-019B960494DF}">
-                <a14:hiddenLine xmlns="" xmlns:a16="http://schemas.microsoft.com/office/drawing/2014/main" xmlns:p14="http://schemas.microsoft.com/office/powerpoint/2010/main" xmlns:a14="http://schemas.microsoft.com/office/drawing/2010/main" w="9525">
+                <a14:hiddenLine xmlns:a14="http://schemas.microsoft.com/office/drawing/2010/main" xmlns:p14="http://schemas.microsoft.com/office/powerpoint/2010/main" xmlns:a16="http://schemas.microsoft.com/office/drawing/2014/main" xmlns="" w="9525">
                   <a:solidFill>
                     <a:srgbClr val="000000"/>
                   </a:solidFill>
@@ -39139,7 +39305,7 @@
             </a:ln>
             <a:extLst>
               <a:ext uri="{91240B29-F687-4f45-9708-019B960494DF}">
-                <a14:hiddenLine xmlns="" xmlns:a16="http://schemas.microsoft.com/office/drawing/2014/main" xmlns:p14="http://schemas.microsoft.com/office/powerpoint/2010/main" xmlns:a14="http://schemas.microsoft.com/office/drawing/2010/main" w="9525">
+                <a14:hiddenLine xmlns:a14="http://schemas.microsoft.com/office/drawing/2010/main" xmlns:p14="http://schemas.microsoft.com/office/powerpoint/2010/main" xmlns:a16="http://schemas.microsoft.com/office/drawing/2014/main" xmlns="" w="9525">
                   <a:solidFill>
                     <a:srgbClr val="000000"/>
                   </a:solidFill>
@@ -39244,7 +39410,7 @@
             </a:ln>
             <a:extLst>
               <a:ext uri="{91240B29-F687-4f45-9708-019B960494DF}">
-                <a14:hiddenLine xmlns="" xmlns:a16="http://schemas.microsoft.com/office/drawing/2014/main" xmlns:p14="http://schemas.microsoft.com/office/powerpoint/2010/main" xmlns:a14="http://schemas.microsoft.com/office/drawing/2010/main" w="9525">
+                <a14:hiddenLine xmlns:a14="http://schemas.microsoft.com/office/drawing/2010/main" xmlns:p14="http://schemas.microsoft.com/office/powerpoint/2010/main" xmlns:a16="http://schemas.microsoft.com/office/drawing/2014/main" xmlns="" w="9525">
                   <a:solidFill>
                     <a:srgbClr val="000000"/>
                   </a:solidFill>
@@ -39400,7 +39566,7 @@
             </a:ln>
             <a:extLst>
               <a:ext uri="{91240B29-F687-4f45-9708-019B960494DF}">
-                <a14:hiddenLine xmlns="" xmlns:a16="http://schemas.microsoft.com/office/drawing/2014/main" xmlns:p14="http://schemas.microsoft.com/office/powerpoint/2010/main" xmlns:a14="http://schemas.microsoft.com/office/drawing/2010/main" w="9525">
+                <a14:hiddenLine xmlns:a14="http://schemas.microsoft.com/office/drawing/2010/main" xmlns:p14="http://schemas.microsoft.com/office/powerpoint/2010/main" xmlns:a16="http://schemas.microsoft.com/office/drawing/2014/main" xmlns="" w="9525">
                   <a:solidFill>
                     <a:srgbClr val="000000"/>
                   </a:solidFill>
@@ -39505,7 +39671,7 @@
             </a:ln>
             <a:extLst>
               <a:ext uri="{91240B29-F687-4f45-9708-019B960494DF}">
-                <a14:hiddenLine xmlns="" xmlns:a16="http://schemas.microsoft.com/office/drawing/2014/main" xmlns:p14="http://schemas.microsoft.com/office/powerpoint/2010/main" xmlns:a14="http://schemas.microsoft.com/office/drawing/2010/main" w="9525">
+                <a14:hiddenLine xmlns:a14="http://schemas.microsoft.com/office/drawing/2010/main" xmlns:p14="http://schemas.microsoft.com/office/powerpoint/2010/main" xmlns:a16="http://schemas.microsoft.com/office/drawing/2014/main" xmlns="" w="9525">
                   <a:solidFill>
                     <a:srgbClr val="000000"/>
                   </a:solidFill>
@@ -39610,7 +39776,7 @@
             </a:ln>
             <a:extLst>
               <a:ext uri="{91240B29-F687-4f45-9708-019B960494DF}">
-                <a14:hiddenLine xmlns="" xmlns:a16="http://schemas.microsoft.com/office/drawing/2014/main" xmlns:p14="http://schemas.microsoft.com/office/powerpoint/2010/main" xmlns:a14="http://schemas.microsoft.com/office/drawing/2010/main" w="9525">
+                <a14:hiddenLine xmlns:a14="http://schemas.microsoft.com/office/drawing/2010/main" xmlns:p14="http://schemas.microsoft.com/office/powerpoint/2010/main" xmlns:a16="http://schemas.microsoft.com/office/drawing/2014/main" xmlns="" w="9525">
                   <a:solidFill>
                     <a:srgbClr val="000000"/>
                   </a:solidFill>
@@ -39659,7 +39825,7 @@
             </a:ln>
             <a:extLst>
               <a:ext uri="{91240B29-F687-4f45-9708-019B960494DF}">
-                <a14:hiddenLine xmlns="" xmlns:a16="http://schemas.microsoft.com/office/drawing/2014/main" xmlns:p14="http://schemas.microsoft.com/office/powerpoint/2010/main" xmlns:a14="http://schemas.microsoft.com/office/drawing/2010/main" w="9525">
+                <a14:hiddenLine xmlns:a14="http://schemas.microsoft.com/office/drawing/2010/main" xmlns:p14="http://schemas.microsoft.com/office/powerpoint/2010/main" xmlns:a16="http://schemas.microsoft.com/office/drawing/2014/main" xmlns="" w="9525">
                   <a:solidFill>
                     <a:srgbClr val="000000"/>
                   </a:solidFill>
@@ -39764,7 +39930,7 @@
             </a:ln>
             <a:extLst>
               <a:ext uri="{91240B29-F687-4f45-9708-019B960494DF}">
-                <a14:hiddenLine xmlns="" xmlns:a16="http://schemas.microsoft.com/office/drawing/2014/main" xmlns:p14="http://schemas.microsoft.com/office/powerpoint/2010/main" xmlns:a14="http://schemas.microsoft.com/office/drawing/2010/main" w="9525">
+                <a14:hiddenLine xmlns:a14="http://schemas.microsoft.com/office/drawing/2010/main" xmlns:p14="http://schemas.microsoft.com/office/powerpoint/2010/main" xmlns:a16="http://schemas.microsoft.com/office/drawing/2014/main" xmlns="" w="9525">
                   <a:solidFill>
                     <a:srgbClr val="000000"/>
                   </a:solidFill>
@@ -39841,7 +40007,7 @@
             </a:ln>
             <a:extLst>
               <a:ext uri="{91240B29-F687-4f45-9708-019B960494DF}">
-                <a14:hiddenLine xmlns="" xmlns:a16="http://schemas.microsoft.com/office/drawing/2014/main" xmlns:p14="http://schemas.microsoft.com/office/powerpoint/2010/main" xmlns:a14="http://schemas.microsoft.com/office/drawing/2010/main" w="9525">
+                <a14:hiddenLine xmlns:a14="http://schemas.microsoft.com/office/drawing/2010/main" xmlns:p14="http://schemas.microsoft.com/office/powerpoint/2010/main" xmlns:a16="http://schemas.microsoft.com/office/drawing/2014/main" xmlns="" w="9525">
                   <a:solidFill>
                     <a:srgbClr val="000000"/>
                   </a:solidFill>
@@ -39918,7 +40084,7 @@
             </a:ln>
             <a:extLst>
               <a:ext uri="{91240B29-F687-4f45-9708-019B960494DF}">
-                <a14:hiddenLine xmlns="" xmlns:a16="http://schemas.microsoft.com/office/drawing/2014/main" xmlns:p14="http://schemas.microsoft.com/office/powerpoint/2010/main" xmlns:a14="http://schemas.microsoft.com/office/drawing/2010/main" w="9525">
+                <a14:hiddenLine xmlns:a14="http://schemas.microsoft.com/office/drawing/2010/main" xmlns:p14="http://schemas.microsoft.com/office/powerpoint/2010/main" xmlns:a16="http://schemas.microsoft.com/office/drawing/2014/main" xmlns="" w="9525">
                   <a:solidFill>
                     <a:srgbClr val="000000"/>
                   </a:solidFill>
@@ -40023,7 +40189,7 @@
             </a:ln>
             <a:extLst>
               <a:ext uri="{91240B29-F687-4f45-9708-019B960494DF}">
-                <a14:hiddenLine xmlns="" xmlns:a16="http://schemas.microsoft.com/office/drawing/2014/main" xmlns:p14="http://schemas.microsoft.com/office/powerpoint/2010/main" xmlns:a14="http://schemas.microsoft.com/office/drawing/2010/main" w="9525">
+                <a14:hiddenLine xmlns:a14="http://schemas.microsoft.com/office/drawing/2010/main" xmlns:p14="http://schemas.microsoft.com/office/powerpoint/2010/main" xmlns:a16="http://schemas.microsoft.com/office/drawing/2014/main" xmlns="" w="9525">
                   <a:solidFill>
                     <a:srgbClr val="000000"/>
                   </a:solidFill>
@@ -40100,7 +40266,7 @@
             </a:ln>
             <a:extLst>
               <a:ext uri="{91240B29-F687-4f45-9708-019B960494DF}">
-                <a14:hiddenLine xmlns="" xmlns:a16="http://schemas.microsoft.com/office/drawing/2014/main" xmlns:p14="http://schemas.microsoft.com/office/powerpoint/2010/main" xmlns:a14="http://schemas.microsoft.com/office/drawing/2010/main" w="9525">
+                <a14:hiddenLine xmlns:a14="http://schemas.microsoft.com/office/drawing/2010/main" xmlns:p14="http://schemas.microsoft.com/office/powerpoint/2010/main" xmlns:a16="http://schemas.microsoft.com/office/drawing/2014/main" xmlns="" w="9525">
                   <a:solidFill>
                     <a:srgbClr val="000000"/>
                   </a:solidFill>
@@ -40177,7 +40343,7 @@
             </a:ln>
             <a:extLst>
               <a:ext uri="{91240B29-F687-4f45-9708-019B960494DF}">
-                <a14:hiddenLine xmlns="" xmlns:a16="http://schemas.microsoft.com/office/drawing/2014/main" xmlns:p14="http://schemas.microsoft.com/office/powerpoint/2010/main" xmlns:a14="http://schemas.microsoft.com/office/drawing/2010/main" w="9525">
+                <a14:hiddenLine xmlns:a14="http://schemas.microsoft.com/office/drawing/2010/main" xmlns:p14="http://schemas.microsoft.com/office/powerpoint/2010/main" xmlns:a16="http://schemas.microsoft.com/office/drawing/2014/main" xmlns="" w="9525">
                   <a:solidFill>
                     <a:srgbClr val="000000"/>
                   </a:solidFill>
@@ -40282,7 +40448,7 @@
             </a:ln>
             <a:extLst>
               <a:ext uri="{91240B29-F687-4f45-9708-019B960494DF}">
-                <a14:hiddenLine xmlns="" xmlns:a16="http://schemas.microsoft.com/office/drawing/2014/main" xmlns:p14="http://schemas.microsoft.com/office/powerpoint/2010/main" xmlns:a14="http://schemas.microsoft.com/office/drawing/2010/main" w="9525">
+                <a14:hiddenLine xmlns:a14="http://schemas.microsoft.com/office/drawing/2010/main" xmlns:p14="http://schemas.microsoft.com/office/powerpoint/2010/main" xmlns:a16="http://schemas.microsoft.com/office/drawing/2014/main" xmlns="" w="9525">
                   <a:solidFill>
                     <a:srgbClr val="000000"/>
                   </a:solidFill>
@@ -40387,7 +40553,7 @@
             </a:ln>
             <a:extLst>
               <a:ext uri="{91240B29-F687-4f45-9708-019B960494DF}">
-                <a14:hiddenLine xmlns="" xmlns:a16="http://schemas.microsoft.com/office/drawing/2014/main" xmlns:p14="http://schemas.microsoft.com/office/powerpoint/2010/main" xmlns:a14="http://schemas.microsoft.com/office/drawing/2010/main" w="9525">
+                <a14:hiddenLine xmlns:a14="http://schemas.microsoft.com/office/drawing/2010/main" xmlns:p14="http://schemas.microsoft.com/office/powerpoint/2010/main" xmlns:a16="http://schemas.microsoft.com/office/drawing/2014/main" xmlns="" w="9525">
                   <a:solidFill>
                     <a:srgbClr val="000000"/>
                   </a:solidFill>
@@ -40464,7 +40630,7 @@
             </a:ln>
             <a:extLst>
               <a:ext uri="{91240B29-F687-4f45-9708-019B960494DF}">
-                <a14:hiddenLine xmlns="" xmlns:a16="http://schemas.microsoft.com/office/drawing/2014/main" xmlns:p14="http://schemas.microsoft.com/office/powerpoint/2010/main" xmlns:a14="http://schemas.microsoft.com/office/drawing/2010/main" w="9525">
+                <a14:hiddenLine xmlns:a14="http://schemas.microsoft.com/office/drawing/2010/main" xmlns:p14="http://schemas.microsoft.com/office/powerpoint/2010/main" xmlns:a16="http://schemas.microsoft.com/office/drawing/2014/main" xmlns="" w="9525">
                   <a:solidFill>
                     <a:srgbClr val="000000"/>
                   </a:solidFill>
@@ -40589,7 +40755,7 @@
             </a:ln>
             <a:extLst>
               <a:ext uri="{91240B29-F687-4f45-9708-019B960494DF}">
-                <a14:hiddenLine xmlns="" xmlns:a16="http://schemas.microsoft.com/office/drawing/2014/main" xmlns:p14="http://schemas.microsoft.com/office/powerpoint/2010/main" xmlns:a14="http://schemas.microsoft.com/office/drawing/2010/main" w="9525">
+                <a14:hiddenLine xmlns:a14="http://schemas.microsoft.com/office/drawing/2010/main" xmlns:p14="http://schemas.microsoft.com/office/powerpoint/2010/main" xmlns:a16="http://schemas.microsoft.com/office/drawing/2014/main" xmlns="" w="9525">
                   <a:solidFill>
                     <a:srgbClr val="000000"/>
                   </a:solidFill>
@@ -40666,7 +40832,7 @@
             </a:ln>
             <a:extLst>
               <a:ext uri="{91240B29-F687-4f45-9708-019B960494DF}">
-                <a14:hiddenLine xmlns="" xmlns:a16="http://schemas.microsoft.com/office/drawing/2014/main" xmlns:p14="http://schemas.microsoft.com/office/powerpoint/2010/main" xmlns:a14="http://schemas.microsoft.com/office/drawing/2010/main" w="9525">
+                <a14:hiddenLine xmlns:a14="http://schemas.microsoft.com/office/drawing/2010/main" xmlns:p14="http://schemas.microsoft.com/office/powerpoint/2010/main" xmlns:a16="http://schemas.microsoft.com/office/drawing/2014/main" xmlns="" w="9525">
                   <a:solidFill>
                     <a:srgbClr val="000000"/>
                   </a:solidFill>
@@ -40771,7 +40937,7 @@
             </a:ln>
             <a:extLst>
               <a:ext uri="{91240B29-F687-4f45-9708-019B960494DF}">
-                <a14:hiddenLine xmlns="" xmlns:a16="http://schemas.microsoft.com/office/drawing/2014/main" xmlns:p14="http://schemas.microsoft.com/office/powerpoint/2010/main" xmlns:a14="http://schemas.microsoft.com/office/drawing/2010/main" w="9525">
+                <a14:hiddenLine xmlns:a14="http://schemas.microsoft.com/office/drawing/2010/main" xmlns:p14="http://schemas.microsoft.com/office/powerpoint/2010/main" xmlns:a16="http://schemas.microsoft.com/office/drawing/2014/main" xmlns="" w="9525">
                   <a:solidFill>
                     <a:srgbClr val="000000"/>
                   </a:solidFill>
@@ -40876,7 +41042,7 @@
             </a:ln>
             <a:extLst>
               <a:ext uri="{91240B29-F687-4f45-9708-019B960494DF}">
-                <a14:hiddenLine xmlns="" xmlns:a16="http://schemas.microsoft.com/office/drawing/2014/main" xmlns:p14="http://schemas.microsoft.com/office/powerpoint/2010/main" xmlns:a14="http://schemas.microsoft.com/office/drawing/2010/main" w="9525">
+                <a14:hiddenLine xmlns:a14="http://schemas.microsoft.com/office/drawing/2010/main" xmlns:p14="http://schemas.microsoft.com/office/powerpoint/2010/main" xmlns:a16="http://schemas.microsoft.com/office/drawing/2014/main" xmlns="" w="9525">
                   <a:solidFill>
                     <a:srgbClr val="000000"/>
                   </a:solidFill>
@@ -40953,7 +41119,7 @@
             </a:ln>
             <a:extLst>
               <a:ext uri="{91240B29-F687-4f45-9708-019B960494DF}">
-                <a14:hiddenLine xmlns="" xmlns:a16="http://schemas.microsoft.com/office/drawing/2014/main" xmlns:p14="http://schemas.microsoft.com/office/powerpoint/2010/main" xmlns:a14="http://schemas.microsoft.com/office/drawing/2010/main" w="9525">
+                <a14:hiddenLine xmlns:a14="http://schemas.microsoft.com/office/drawing/2010/main" xmlns:p14="http://schemas.microsoft.com/office/powerpoint/2010/main" xmlns:a16="http://schemas.microsoft.com/office/drawing/2014/main" xmlns="" w="9525">
                   <a:solidFill>
                     <a:srgbClr val="000000"/>
                   </a:solidFill>
@@ -41058,7 +41224,7 @@
             </a:ln>
             <a:extLst>
               <a:ext uri="{91240B29-F687-4f45-9708-019B960494DF}">
-                <a14:hiddenLine xmlns="" xmlns:a16="http://schemas.microsoft.com/office/drawing/2014/main" xmlns:p14="http://schemas.microsoft.com/office/powerpoint/2010/main" xmlns:a14="http://schemas.microsoft.com/office/drawing/2010/main" w="9525">
+                <a14:hiddenLine xmlns:a14="http://schemas.microsoft.com/office/drawing/2010/main" xmlns:p14="http://schemas.microsoft.com/office/powerpoint/2010/main" xmlns:a16="http://schemas.microsoft.com/office/drawing/2014/main" xmlns="" w="9525">
                   <a:solidFill>
                     <a:srgbClr val="000000"/>
                   </a:solidFill>
@@ -41163,7 +41329,7 @@
             </a:ln>
             <a:extLst>
               <a:ext uri="{91240B29-F687-4f45-9708-019B960494DF}">
-                <a14:hiddenLine xmlns="" xmlns:a16="http://schemas.microsoft.com/office/drawing/2014/main" xmlns:p14="http://schemas.microsoft.com/office/powerpoint/2010/main" xmlns:a14="http://schemas.microsoft.com/office/drawing/2010/main" w="9525">
+                <a14:hiddenLine xmlns:a14="http://schemas.microsoft.com/office/drawing/2010/main" xmlns:p14="http://schemas.microsoft.com/office/powerpoint/2010/main" xmlns:a16="http://schemas.microsoft.com/office/drawing/2014/main" xmlns="" w="9525">
                   <a:solidFill>
                     <a:srgbClr val="000000"/>
                   </a:solidFill>
@@ -41234,7 +41400,7 @@
             </a:ln>
             <a:extLst>
               <a:ext uri="{91240B29-F687-4f45-9708-019B960494DF}">
-                <a14:hiddenLine xmlns="" xmlns:a16="http://schemas.microsoft.com/office/drawing/2014/main" xmlns:p14="http://schemas.microsoft.com/office/powerpoint/2010/main" xmlns:a14="http://schemas.microsoft.com/office/drawing/2010/main" w="9525">
+                <a14:hiddenLine xmlns:a14="http://schemas.microsoft.com/office/drawing/2010/main" xmlns:p14="http://schemas.microsoft.com/office/powerpoint/2010/main" xmlns:a16="http://schemas.microsoft.com/office/drawing/2014/main" xmlns="" w="9525">
                   <a:solidFill>
                     <a:srgbClr val="000000"/>
                   </a:solidFill>
@@ -41339,7 +41505,7 @@
             </a:ln>
             <a:extLst>
               <a:ext uri="{91240B29-F687-4f45-9708-019B960494DF}">
-                <a14:hiddenLine xmlns="" xmlns:a16="http://schemas.microsoft.com/office/drawing/2014/main" xmlns:p14="http://schemas.microsoft.com/office/powerpoint/2010/main" xmlns:a14="http://schemas.microsoft.com/office/drawing/2010/main" w="9525">
+                <a14:hiddenLine xmlns:a14="http://schemas.microsoft.com/office/drawing/2010/main" xmlns:p14="http://schemas.microsoft.com/office/powerpoint/2010/main" xmlns:a16="http://schemas.microsoft.com/office/drawing/2014/main" xmlns="" w="9525">
                   <a:solidFill>
                     <a:srgbClr val="000000"/>
                   </a:solidFill>
@@ -41410,7 +41576,7 @@
             </a:ln>
             <a:extLst>
               <a:ext uri="{91240B29-F687-4f45-9708-019B960494DF}">
-                <a14:hiddenLine xmlns="" xmlns:a16="http://schemas.microsoft.com/office/drawing/2014/main" xmlns:p14="http://schemas.microsoft.com/office/powerpoint/2010/main" xmlns:a14="http://schemas.microsoft.com/office/drawing/2010/main" w="9525">
+                <a14:hiddenLine xmlns:a14="http://schemas.microsoft.com/office/drawing/2010/main" xmlns:p14="http://schemas.microsoft.com/office/powerpoint/2010/main" xmlns:a16="http://schemas.microsoft.com/office/drawing/2014/main" xmlns="" w="9525">
                   <a:solidFill>
                     <a:srgbClr val="000000"/>
                   </a:solidFill>
@@ -41515,7 +41681,7 @@
             </a:ln>
             <a:extLst>
               <a:ext uri="{91240B29-F687-4f45-9708-019B960494DF}">
-                <a14:hiddenLine xmlns="" xmlns:a16="http://schemas.microsoft.com/office/drawing/2014/main" xmlns:p14="http://schemas.microsoft.com/office/powerpoint/2010/main" xmlns:a14="http://schemas.microsoft.com/office/drawing/2010/main" w="9525">
+                <a14:hiddenLine xmlns:a14="http://schemas.microsoft.com/office/drawing/2010/main" xmlns:p14="http://schemas.microsoft.com/office/powerpoint/2010/main" xmlns:a16="http://schemas.microsoft.com/office/drawing/2014/main" xmlns="" w="9525">
                   <a:solidFill>
                     <a:srgbClr val="000000"/>
                   </a:solidFill>
@@ -41598,7 +41764,7 @@
             </a:ln>
             <a:extLst>
               <a:ext uri="{91240B29-F687-4f45-9708-019B960494DF}">
-                <a14:hiddenLine xmlns="" xmlns:a16="http://schemas.microsoft.com/office/drawing/2014/main" xmlns:p14="http://schemas.microsoft.com/office/powerpoint/2010/main" xmlns:a14="http://schemas.microsoft.com/office/drawing/2010/main" w="9525">
+                <a14:hiddenLine xmlns:a14="http://schemas.microsoft.com/office/drawing/2010/main" xmlns:p14="http://schemas.microsoft.com/office/powerpoint/2010/main" xmlns:a16="http://schemas.microsoft.com/office/drawing/2014/main" xmlns="" w="9525">
                   <a:solidFill>
                     <a:srgbClr val="000000"/>
                   </a:solidFill>
@@ -41703,7 +41869,7 @@
             </a:ln>
             <a:extLst>
               <a:ext uri="{91240B29-F687-4f45-9708-019B960494DF}">
-                <a14:hiddenLine xmlns="" xmlns:a16="http://schemas.microsoft.com/office/drawing/2014/main" xmlns:p14="http://schemas.microsoft.com/office/powerpoint/2010/main" xmlns:a14="http://schemas.microsoft.com/office/drawing/2010/main" w="9525">
+                <a14:hiddenLine xmlns:a14="http://schemas.microsoft.com/office/drawing/2010/main" xmlns:p14="http://schemas.microsoft.com/office/powerpoint/2010/main" xmlns:a16="http://schemas.microsoft.com/office/drawing/2014/main" xmlns="" w="9525">
                   <a:solidFill>
                     <a:srgbClr val="000000"/>
                   </a:solidFill>
@@ -41786,7 +41952,7 @@
             </a:ln>
             <a:extLst>
               <a:ext uri="{91240B29-F687-4f45-9708-019B960494DF}">
-                <a14:hiddenLine xmlns="" xmlns:a16="http://schemas.microsoft.com/office/drawing/2014/main" xmlns:p14="http://schemas.microsoft.com/office/powerpoint/2010/main" xmlns:a14="http://schemas.microsoft.com/office/drawing/2010/main" w="9525">
+                <a14:hiddenLine xmlns:a14="http://schemas.microsoft.com/office/drawing/2010/main" xmlns:p14="http://schemas.microsoft.com/office/powerpoint/2010/main" xmlns:a16="http://schemas.microsoft.com/office/drawing/2014/main" xmlns="" w="9525">
                   <a:solidFill>
                     <a:srgbClr val="000000"/>
                   </a:solidFill>
@@ -41891,7 +42057,7 @@
             </a:ln>
             <a:extLst>
               <a:ext uri="{91240B29-F687-4f45-9708-019B960494DF}">
-                <a14:hiddenLine xmlns="" xmlns:a16="http://schemas.microsoft.com/office/drawing/2014/main" xmlns:p14="http://schemas.microsoft.com/office/powerpoint/2010/main" xmlns:a14="http://schemas.microsoft.com/office/drawing/2010/main" w="9525">
+                <a14:hiddenLine xmlns:a14="http://schemas.microsoft.com/office/drawing/2010/main" xmlns:p14="http://schemas.microsoft.com/office/powerpoint/2010/main" xmlns:a16="http://schemas.microsoft.com/office/drawing/2014/main" xmlns="" w="9525">
                   <a:solidFill>
                     <a:srgbClr val="000000"/>
                   </a:solidFill>
@@ -41940,7 +42106,7 @@
             </a:ln>
             <a:extLst>
               <a:ext uri="{91240B29-F687-4f45-9708-019B960494DF}">
-                <a14:hiddenLine xmlns="" xmlns:a16="http://schemas.microsoft.com/office/drawing/2014/main" xmlns:p14="http://schemas.microsoft.com/office/powerpoint/2010/main" xmlns:a14="http://schemas.microsoft.com/office/drawing/2010/main" w="9525">
+                <a14:hiddenLine xmlns:a14="http://schemas.microsoft.com/office/drawing/2010/main" xmlns:p14="http://schemas.microsoft.com/office/powerpoint/2010/main" xmlns:a16="http://schemas.microsoft.com/office/drawing/2014/main" xmlns="" w="9525">
                   <a:solidFill>
                     <a:srgbClr val="000000"/>
                   </a:solidFill>
@@ -42045,7 +42211,7 @@
             </a:ln>
             <a:extLst>
               <a:ext uri="{91240B29-F687-4f45-9708-019B960494DF}">
-                <a14:hiddenLine xmlns="" xmlns:a16="http://schemas.microsoft.com/office/drawing/2014/main" xmlns:p14="http://schemas.microsoft.com/office/powerpoint/2010/main" xmlns:a14="http://schemas.microsoft.com/office/drawing/2010/main" w="9525">
+                <a14:hiddenLine xmlns:a14="http://schemas.microsoft.com/office/drawing/2010/main" xmlns:p14="http://schemas.microsoft.com/office/powerpoint/2010/main" xmlns:a16="http://schemas.microsoft.com/office/drawing/2014/main" xmlns="" w="9525">
                   <a:solidFill>
                     <a:srgbClr val="000000"/>
                   </a:solidFill>
@@ -42122,7 +42288,7 @@
             </a:ln>
             <a:extLst>
               <a:ext uri="{91240B29-F687-4f45-9708-019B960494DF}">
-                <a14:hiddenLine xmlns="" xmlns:a16="http://schemas.microsoft.com/office/drawing/2014/main" xmlns:p14="http://schemas.microsoft.com/office/powerpoint/2010/main" xmlns:a14="http://schemas.microsoft.com/office/drawing/2010/main" w="9525">
+                <a14:hiddenLine xmlns:a14="http://schemas.microsoft.com/office/drawing/2010/main" xmlns:p14="http://schemas.microsoft.com/office/powerpoint/2010/main" xmlns:a16="http://schemas.microsoft.com/office/drawing/2014/main" xmlns="" w="9525">
                   <a:solidFill>
                     <a:srgbClr val="000000"/>
                   </a:solidFill>
@@ -42199,7 +42365,7 @@
             </a:ln>
             <a:extLst>
               <a:ext uri="{91240B29-F687-4f45-9708-019B960494DF}">
-                <a14:hiddenLine xmlns="" xmlns:a16="http://schemas.microsoft.com/office/drawing/2014/main" xmlns:p14="http://schemas.microsoft.com/office/powerpoint/2010/main" xmlns:a14="http://schemas.microsoft.com/office/drawing/2010/main" w="9525">
+                <a14:hiddenLine xmlns:a14="http://schemas.microsoft.com/office/drawing/2010/main" xmlns:p14="http://schemas.microsoft.com/office/powerpoint/2010/main" xmlns:a16="http://schemas.microsoft.com/office/drawing/2014/main" xmlns="" w="9525">
                   <a:solidFill>
                     <a:srgbClr val="000000"/>
                   </a:solidFill>
@@ -42304,7 +42470,7 @@
             </a:ln>
             <a:extLst>
               <a:ext uri="{91240B29-F687-4f45-9708-019B960494DF}">
-                <a14:hiddenLine xmlns="" xmlns:a16="http://schemas.microsoft.com/office/drawing/2014/main" xmlns:p14="http://schemas.microsoft.com/office/powerpoint/2010/main" xmlns:a14="http://schemas.microsoft.com/office/drawing/2010/main" w="9525">
+                <a14:hiddenLine xmlns:a14="http://schemas.microsoft.com/office/drawing/2010/main" xmlns:p14="http://schemas.microsoft.com/office/powerpoint/2010/main" xmlns:a16="http://schemas.microsoft.com/office/drawing/2014/main" xmlns="" w="9525">
                   <a:solidFill>
                     <a:srgbClr val="000000"/>
                   </a:solidFill>
@@ -42387,7 +42553,7 @@
             </a:ln>
             <a:extLst>
               <a:ext uri="{91240B29-F687-4f45-9708-019B960494DF}">
-                <a14:hiddenLine xmlns="" xmlns:a16="http://schemas.microsoft.com/office/drawing/2014/main" xmlns:p14="http://schemas.microsoft.com/office/powerpoint/2010/main" xmlns:a14="http://schemas.microsoft.com/office/drawing/2010/main" w="9525">
+                <a14:hiddenLine xmlns:a14="http://schemas.microsoft.com/office/drawing/2010/main" xmlns:p14="http://schemas.microsoft.com/office/powerpoint/2010/main" xmlns:a16="http://schemas.microsoft.com/office/drawing/2014/main" xmlns="" w="9525">
                   <a:solidFill>
                     <a:srgbClr val="000000"/>
                   </a:solidFill>
@@ -42464,7 +42630,7 @@
             </a:ln>
             <a:extLst>
               <a:ext uri="{91240B29-F687-4f45-9708-019B960494DF}">
-                <a14:hiddenLine xmlns="" xmlns:a16="http://schemas.microsoft.com/office/drawing/2014/main" xmlns:p14="http://schemas.microsoft.com/office/powerpoint/2010/main" xmlns:a14="http://schemas.microsoft.com/office/drawing/2010/main" w="9525">
+                <a14:hiddenLine xmlns:a14="http://schemas.microsoft.com/office/drawing/2010/main" xmlns:p14="http://schemas.microsoft.com/office/powerpoint/2010/main" xmlns:a16="http://schemas.microsoft.com/office/drawing/2014/main" xmlns="" w="9525">
                   <a:solidFill>
                     <a:srgbClr val="000000"/>
                   </a:solidFill>
@@ -42569,7 +42735,7 @@
             </a:ln>
             <a:extLst>
               <a:ext uri="{91240B29-F687-4f45-9708-019B960494DF}">
-                <a14:hiddenLine xmlns="" xmlns:a16="http://schemas.microsoft.com/office/drawing/2014/main" xmlns:p14="http://schemas.microsoft.com/office/powerpoint/2010/main" xmlns:a14="http://schemas.microsoft.com/office/drawing/2010/main" w="9525">
+                <a14:hiddenLine xmlns:a14="http://schemas.microsoft.com/office/drawing/2010/main" xmlns:p14="http://schemas.microsoft.com/office/powerpoint/2010/main" xmlns:a16="http://schemas.microsoft.com/office/drawing/2014/main" xmlns="" w="9525">
                   <a:solidFill>
                     <a:srgbClr val="000000"/>
                   </a:solidFill>
@@ -42646,7 +42812,7 @@
             </a:ln>
             <a:extLst>
               <a:ext uri="{91240B29-F687-4f45-9708-019B960494DF}">
-                <a14:hiddenLine xmlns="" xmlns:a16="http://schemas.microsoft.com/office/drawing/2014/main" xmlns:p14="http://schemas.microsoft.com/office/powerpoint/2010/main" xmlns:a14="http://schemas.microsoft.com/office/drawing/2010/main" w="9525">
+                <a14:hiddenLine xmlns:a14="http://schemas.microsoft.com/office/drawing/2010/main" xmlns:p14="http://schemas.microsoft.com/office/powerpoint/2010/main" xmlns:a16="http://schemas.microsoft.com/office/drawing/2014/main" xmlns="" w="9525">
                   <a:solidFill>
                     <a:srgbClr val="000000"/>
                   </a:solidFill>
@@ -42751,7 +42917,7 @@
             </a:ln>
             <a:extLst>
               <a:ext uri="{91240B29-F687-4f45-9708-019B960494DF}">
-                <a14:hiddenLine xmlns="" xmlns:a16="http://schemas.microsoft.com/office/drawing/2014/main" xmlns:p14="http://schemas.microsoft.com/office/powerpoint/2010/main" xmlns:a14="http://schemas.microsoft.com/office/drawing/2010/main" w="9525">
+                <a14:hiddenLine xmlns:a14="http://schemas.microsoft.com/office/drawing/2010/main" xmlns:p14="http://schemas.microsoft.com/office/powerpoint/2010/main" xmlns:a16="http://schemas.microsoft.com/office/drawing/2014/main" xmlns="" w="9525">
                   <a:solidFill>
                     <a:srgbClr val="000000"/>
                   </a:solidFill>
@@ -42828,7 +42994,7 @@
             </a:ln>
             <a:extLst>
               <a:ext uri="{91240B29-F687-4f45-9708-019B960494DF}">
-                <a14:hiddenLine xmlns="" xmlns:a16="http://schemas.microsoft.com/office/drawing/2014/main" xmlns:p14="http://schemas.microsoft.com/office/powerpoint/2010/main" xmlns:a14="http://schemas.microsoft.com/office/drawing/2010/main" w="9525">
+                <a14:hiddenLine xmlns:a14="http://schemas.microsoft.com/office/drawing/2010/main" xmlns:p14="http://schemas.microsoft.com/office/powerpoint/2010/main" xmlns:a16="http://schemas.microsoft.com/office/drawing/2014/main" xmlns="" w="9525">
                   <a:solidFill>
                     <a:srgbClr val="000000"/>
                   </a:solidFill>
@@ -42933,7 +43099,7 @@
             </a:ln>
             <a:extLst>
               <a:ext uri="{91240B29-F687-4f45-9708-019B960494DF}">
-                <a14:hiddenLine xmlns="" xmlns:a16="http://schemas.microsoft.com/office/drawing/2014/main" xmlns:p14="http://schemas.microsoft.com/office/powerpoint/2010/main" xmlns:a14="http://schemas.microsoft.com/office/drawing/2010/main" w="9525">
+                <a14:hiddenLine xmlns:a14="http://schemas.microsoft.com/office/drawing/2010/main" xmlns:p14="http://schemas.microsoft.com/office/powerpoint/2010/main" xmlns:a16="http://schemas.microsoft.com/office/drawing/2014/main" xmlns="" w="9525">
                   <a:solidFill>
                     <a:srgbClr val="000000"/>
                   </a:solidFill>
@@ -42982,7 +43148,7 @@
             </a:ln>
             <a:extLst>
               <a:ext uri="{91240B29-F687-4f45-9708-019B960494DF}">
-                <a14:hiddenLine xmlns="" xmlns:a16="http://schemas.microsoft.com/office/drawing/2014/main" xmlns:p14="http://schemas.microsoft.com/office/powerpoint/2010/main" xmlns:a14="http://schemas.microsoft.com/office/drawing/2010/main" w="9525">
+                <a14:hiddenLine xmlns:a14="http://schemas.microsoft.com/office/drawing/2010/main" xmlns:p14="http://schemas.microsoft.com/office/powerpoint/2010/main" xmlns:a16="http://schemas.microsoft.com/office/drawing/2014/main" xmlns="" w="9525">
                   <a:solidFill>
                     <a:srgbClr val="000000"/>
                   </a:solidFill>
@@ -43062,7 +43228,7 @@
             </a:ln>
             <a:extLst>
               <a:ext uri="{91240B29-F687-4f45-9708-019B960494DF}">
-                <a14:hiddenLine xmlns="" xmlns:a16="http://schemas.microsoft.com/office/drawing/2014/main" xmlns:p14="http://schemas.microsoft.com/office/powerpoint/2010/main" xmlns:a14="http://schemas.microsoft.com/office/drawing/2010/main" w="9525">
+                <a14:hiddenLine xmlns:a14="http://schemas.microsoft.com/office/drawing/2010/main" xmlns:p14="http://schemas.microsoft.com/office/powerpoint/2010/main" xmlns:a16="http://schemas.microsoft.com/office/drawing/2014/main" xmlns="" w="9525">
                   <a:solidFill>
                     <a:srgbClr val="000000"/>
                   </a:solidFill>
@@ -43167,7 +43333,7 @@
             </a:ln>
             <a:extLst>
               <a:ext uri="{91240B29-F687-4f45-9708-019B960494DF}">
-                <a14:hiddenLine xmlns="" xmlns:a16="http://schemas.microsoft.com/office/drawing/2014/main" xmlns:p14="http://schemas.microsoft.com/office/powerpoint/2010/main" xmlns:a14="http://schemas.microsoft.com/office/drawing/2010/main" w="9525">
+                <a14:hiddenLine xmlns:a14="http://schemas.microsoft.com/office/drawing/2010/main" xmlns:p14="http://schemas.microsoft.com/office/powerpoint/2010/main" xmlns:a16="http://schemas.microsoft.com/office/drawing/2014/main" xmlns="" w="9525">
                   <a:solidFill>
                     <a:srgbClr val="000000"/>
                   </a:solidFill>
@@ -43244,7 +43410,7 @@
             </a:ln>
             <a:extLst>
               <a:ext uri="{91240B29-F687-4f45-9708-019B960494DF}">
-                <a14:hiddenLine xmlns="" xmlns:a16="http://schemas.microsoft.com/office/drawing/2014/main" xmlns:p14="http://schemas.microsoft.com/office/powerpoint/2010/main" xmlns:a14="http://schemas.microsoft.com/office/drawing/2010/main" w="9525">
+                <a14:hiddenLine xmlns:a14="http://schemas.microsoft.com/office/drawing/2010/main" xmlns:p14="http://schemas.microsoft.com/office/powerpoint/2010/main" xmlns:a16="http://schemas.microsoft.com/office/drawing/2014/main" xmlns="" w="9525">
                   <a:solidFill>
                     <a:srgbClr val="000000"/>
                   </a:solidFill>
@@ -43349,7 +43515,7 @@
             </a:ln>
             <a:extLst>
               <a:ext uri="{91240B29-F687-4f45-9708-019B960494DF}">
-                <a14:hiddenLine xmlns="" xmlns:a16="http://schemas.microsoft.com/office/drawing/2014/main" xmlns:p14="http://schemas.microsoft.com/office/powerpoint/2010/main" xmlns:a14="http://schemas.microsoft.com/office/drawing/2010/main" w="9525">
+                <a14:hiddenLine xmlns:a14="http://schemas.microsoft.com/office/drawing/2010/main" xmlns:p14="http://schemas.microsoft.com/office/powerpoint/2010/main" xmlns:a16="http://schemas.microsoft.com/office/drawing/2014/main" xmlns="" w="9525">
                   <a:solidFill>
                     <a:srgbClr val="000000"/>
                   </a:solidFill>
@@ -43454,7 +43620,7 @@
             </a:ln>
             <a:extLst>
               <a:ext uri="{91240B29-F687-4f45-9708-019B960494DF}">
-                <a14:hiddenLine xmlns="" xmlns:a16="http://schemas.microsoft.com/office/drawing/2014/main" xmlns:p14="http://schemas.microsoft.com/office/powerpoint/2010/main" xmlns:a14="http://schemas.microsoft.com/office/drawing/2010/main" w="9525">
+                <a14:hiddenLine xmlns:a14="http://schemas.microsoft.com/office/drawing/2010/main" xmlns:p14="http://schemas.microsoft.com/office/powerpoint/2010/main" xmlns:a16="http://schemas.microsoft.com/office/drawing/2014/main" xmlns="" w="9525">
                   <a:solidFill>
                     <a:srgbClr val="000000"/>
                   </a:solidFill>
@@ -43534,7 +43700,7 @@
             </a:ln>
             <a:extLst>
               <a:ext uri="{91240B29-F687-4f45-9708-019B960494DF}">
-                <a14:hiddenLine xmlns="" xmlns:a16="http://schemas.microsoft.com/office/drawing/2014/main" xmlns:p14="http://schemas.microsoft.com/office/powerpoint/2010/main" xmlns:a14="http://schemas.microsoft.com/office/drawing/2010/main" w="9525">
+                <a14:hiddenLine xmlns:a14="http://schemas.microsoft.com/office/drawing/2010/main" xmlns:p14="http://schemas.microsoft.com/office/powerpoint/2010/main" xmlns:a16="http://schemas.microsoft.com/office/drawing/2014/main" xmlns="" w="9525">
                   <a:solidFill>
                     <a:srgbClr val="000000"/>
                   </a:solidFill>
@@ -43611,7 +43777,7 @@
             </a:ln>
             <a:extLst>
               <a:ext uri="{91240B29-F687-4f45-9708-019B960494DF}">
-                <a14:hiddenLine xmlns="" xmlns:a16="http://schemas.microsoft.com/office/drawing/2014/main" xmlns:p14="http://schemas.microsoft.com/office/powerpoint/2010/main" xmlns:a14="http://schemas.microsoft.com/office/drawing/2010/main" w="9525">
+                <a14:hiddenLine xmlns:a14="http://schemas.microsoft.com/office/drawing/2010/main" xmlns:p14="http://schemas.microsoft.com/office/powerpoint/2010/main" xmlns:a16="http://schemas.microsoft.com/office/drawing/2014/main" xmlns="" w="9525">
                   <a:solidFill>
                     <a:srgbClr val="000000"/>
                   </a:solidFill>
@@ -43716,7 +43882,7 @@
             </a:ln>
             <a:extLst>
               <a:ext uri="{91240B29-F687-4f45-9708-019B960494DF}">
-                <a14:hiddenLine xmlns="" xmlns:a16="http://schemas.microsoft.com/office/drawing/2014/main" xmlns:p14="http://schemas.microsoft.com/office/powerpoint/2010/main" xmlns:a14="http://schemas.microsoft.com/office/drawing/2010/main" w="9525">
+                <a14:hiddenLine xmlns:a14="http://schemas.microsoft.com/office/drawing/2010/main" xmlns:p14="http://schemas.microsoft.com/office/powerpoint/2010/main" xmlns:a16="http://schemas.microsoft.com/office/drawing/2014/main" xmlns="" w="9525">
                   <a:solidFill>
                     <a:srgbClr val="000000"/>
                   </a:solidFill>
@@ -43821,7 +43987,7 @@
             </a:ln>
             <a:extLst>
               <a:ext uri="{91240B29-F687-4f45-9708-019B960494DF}">
-                <a14:hiddenLine xmlns="" xmlns:a16="http://schemas.microsoft.com/office/drawing/2014/main" xmlns:p14="http://schemas.microsoft.com/office/powerpoint/2010/main" xmlns:a14="http://schemas.microsoft.com/office/drawing/2010/main" w="9525">
+                <a14:hiddenLine xmlns:a14="http://schemas.microsoft.com/office/drawing/2010/main" xmlns:p14="http://schemas.microsoft.com/office/powerpoint/2010/main" xmlns:a16="http://schemas.microsoft.com/office/drawing/2014/main" xmlns="" w="9525">
                   <a:solidFill>
                     <a:srgbClr val="000000"/>
                   </a:solidFill>
@@ -43898,7 +44064,7 @@
             </a:ln>
             <a:extLst>
               <a:ext uri="{91240B29-F687-4f45-9708-019B960494DF}">
-                <a14:hiddenLine xmlns="" xmlns:a16="http://schemas.microsoft.com/office/drawing/2014/main" xmlns:p14="http://schemas.microsoft.com/office/powerpoint/2010/main" xmlns:a14="http://schemas.microsoft.com/office/drawing/2010/main" w="9525">
+                <a14:hiddenLine xmlns:a14="http://schemas.microsoft.com/office/drawing/2010/main" xmlns:p14="http://schemas.microsoft.com/office/powerpoint/2010/main" xmlns:a16="http://schemas.microsoft.com/office/drawing/2014/main" xmlns="" w="9525">
                   <a:solidFill>
                     <a:srgbClr val="000000"/>
                   </a:solidFill>
@@ -44033,7 +44199,7 @@
             </a:ln>
             <a:extLst>
               <a:ext uri="{91240B29-F687-4f45-9708-019B960494DF}">
-                <a14:hiddenLine xmlns="" xmlns:a16="http://schemas.microsoft.com/office/drawing/2014/main" xmlns:p14="http://schemas.microsoft.com/office/powerpoint/2010/main" xmlns:a14="http://schemas.microsoft.com/office/drawing/2010/main" w="9525">
+                <a14:hiddenLine xmlns:a14="http://schemas.microsoft.com/office/drawing/2010/main" xmlns:p14="http://schemas.microsoft.com/office/powerpoint/2010/main" xmlns:a16="http://schemas.microsoft.com/office/drawing/2014/main" xmlns="" w="9525">
                   <a:solidFill>
                     <a:srgbClr val="000000"/>
                   </a:solidFill>
@@ -44116,7 +44282,7 @@
             </a:ln>
             <a:extLst>
               <a:ext uri="{91240B29-F687-4f45-9708-019B960494DF}">
-                <a14:hiddenLine xmlns="" xmlns:a16="http://schemas.microsoft.com/office/drawing/2014/main" xmlns:p14="http://schemas.microsoft.com/office/powerpoint/2010/main" xmlns:a14="http://schemas.microsoft.com/office/drawing/2010/main" w="9525">
+                <a14:hiddenLine xmlns:a14="http://schemas.microsoft.com/office/drawing/2010/main" xmlns:p14="http://schemas.microsoft.com/office/powerpoint/2010/main" xmlns:a16="http://schemas.microsoft.com/office/drawing/2014/main" xmlns="" w="9525">
                   <a:solidFill>
                     <a:srgbClr val="000000"/>
                   </a:solidFill>
@@ -44221,7 +44387,7 @@
             </a:ln>
             <a:extLst>
               <a:ext uri="{91240B29-F687-4f45-9708-019B960494DF}">
-                <a14:hiddenLine xmlns="" xmlns:a16="http://schemas.microsoft.com/office/drawing/2014/main" xmlns:p14="http://schemas.microsoft.com/office/powerpoint/2010/main" xmlns:a14="http://schemas.microsoft.com/office/drawing/2010/main" w="9525">
+                <a14:hiddenLine xmlns:a14="http://schemas.microsoft.com/office/drawing/2010/main" xmlns:p14="http://schemas.microsoft.com/office/powerpoint/2010/main" xmlns:a16="http://schemas.microsoft.com/office/drawing/2014/main" xmlns="" w="9525">
                   <a:solidFill>
                     <a:srgbClr val="000000"/>
                   </a:solidFill>
@@ -44282,7 +44448,7 @@
           <a:noFill/>
           <a:extLst>
             <a:ext uri="{909E8E84-426E-40dd-AFC4-6F175D3DCCD1}">
-              <a14:hiddenFill xmlns="" xmlns:a16="http://schemas.microsoft.com/office/drawing/2014/main" xmlns:p14="http://schemas.microsoft.com/office/powerpoint/2010/main" xmlns:a14="http://schemas.microsoft.com/office/drawing/2010/main">
+              <a14:hiddenFill xmlns:a14="http://schemas.microsoft.com/office/drawing/2010/main" xmlns:p14="http://schemas.microsoft.com/office/powerpoint/2010/main" xmlns:a16="http://schemas.microsoft.com/office/drawing/2014/main" xmlns="">
                 <a:solidFill>
                   <a:srgbClr val="FFFFFF"/>
                 </a:solidFill>
@@ -44869,13 +45035,13 @@
   <p:clrMapOvr>
     <a:overrideClrMapping bg1="lt1" tx1="dk1" bg2="lt2" tx2="dk2" accent1="accent1" accent2="accent2" accent3="accent3" accent4="accent4" accent5="accent5" accent6="accent6" hlink="hlink" folHlink="folHlink"/>
   </p:clrMapOvr>
-  <mc:AlternateContent xmlns:mc="http://schemas.openxmlformats.org/markup-compatibility/2006" xmlns:p14="http://schemas.microsoft.com/office/powerpoint/2010/main">
-    <mc:Choice Requires="p14">
+  <mc:AlternateContent xmlns:mc="http://schemas.openxmlformats.org/markup-compatibility/2006">
+    <mc:Choice xmlns:p14="http://schemas.microsoft.com/office/powerpoint/2010/main" Requires="p14">
       <p:transition spd="med" p14:dur="700">
         <p:fade/>
       </p:transition>
     </mc:Choice>
-    <mc:Fallback xmlns="">
+    <mc:Fallback>
       <p:transition spd="med">
         <p:fade/>
       </p:transition>
@@ -44944,13 +45110,13 @@
   <p:clrMapOvr>
     <a:masterClrMapping/>
   </p:clrMapOvr>
-  <mc:AlternateContent xmlns:mc="http://schemas.openxmlformats.org/markup-compatibility/2006" xmlns:p14="http://schemas.microsoft.com/office/powerpoint/2010/main">
-    <mc:Choice Requires="p14">
+  <mc:AlternateContent xmlns:mc="http://schemas.openxmlformats.org/markup-compatibility/2006">
+    <mc:Choice xmlns:p14="http://schemas.microsoft.com/office/powerpoint/2010/main" Requires="p14">
       <p:transition spd="med" p14:dur="700">
         <p:fade/>
       </p:transition>
     </mc:Choice>
-    <mc:Fallback xmlns="">
+    <mc:Fallback>
       <p:transition spd="med">
         <p:fade/>
       </p:transition>
